--- a/manuscript/Figures/FlowChart.pptx
+++ b/manuscript/Figures/FlowChart.pptx
@@ -2,12 +2,12 @@
 <file path=ppt/presentation.xml><?xml version="1.0" encoding="utf-8"?>
 <p:presentation xmlns:a="http://schemas.openxmlformats.org/drawingml/2006/main" xmlns:r="http://schemas.openxmlformats.org/officeDocument/2006/relationships" xmlns:p="http://schemas.openxmlformats.org/presentationml/2006/main" saveSubsetFonts="1">
   <p:sldMasterIdLst>
-    <p:sldMasterId id="2147483732" r:id="rId1"/>
+    <p:sldMasterId id="2147483756" r:id="rId1"/>
   </p:sldMasterIdLst>
   <p:sldIdLst>
     <p:sldId id="256" r:id="rId2"/>
   </p:sldIdLst>
-  <p:sldSz cx="8369300" cy="11699875"/>
+  <p:sldSz cx="3600450" cy="10547350"/>
   <p:notesSz cx="6858000" cy="9144000"/>
   <p:defaultTextStyle>
     <a:defPPr>
@@ -115,7 +115,7 @@
 <file path=ppt/revisionInfo.xml><?xml version="1.0" encoding="utf-8"?>
 <p1510:revInfo xmlns:a="http://schemas.openxmlformats.org/drawingml/2006/main" xmlns:r="http://schemas.openxmlformats.org/officeDocument/2006/relationships" xmlns:p1510="http://schemas.microsoft.com/office/powerpoint/2015/10/main">
   <p1510:revLst>
-    <p1510:client id="{B303C878-8799-4007-876A-6617B70F571A}" v="147" dt="2020-12-01T11:15:15.182"/>
+    <p1510:client id="{B303C878-8799-4007-876A-6617B70F571A}" v="187" dt="2020-12-01T12:09:08.482"/>
   </p1510:revLst>
 </p1510:revInfo>
 </file>
@@ -124,13 +124,13 @@
 <pc:chgInfo xmlns:a="http://schemas.openxmlformats.org/drawingml/2006/main" xmlns:r="http://schemas.openxmlformats.org/officeDocument/2006/relationships" xmlns:ac="http://schemas.microsoft.com/office/drawing/2013/main/command" xmlns:pc="http://schemas.microsoft.com/office/powerpoint/2013/main/command">
   <pc:docChgLst>
     <pc:chgData name="Fatima Pillosu" userId="a6295d4dc9e22643" providerId="LiveId" clId="{B303C878-8799-4007-876A-6617B70F571A}"/>
-    <pc:docChg chg="undo custSel modSld">
-      <pc:chgData name="Fatima Pillosu" userId="a6295d4dc9e22643" providerId="LiveId" clId="{B303C878-8799-4007-876A-6617B70F571A}" dt="2020-12-01T11:15:15.182" v="3543"/>
+    <pc:docChg chg="undo redo custSel modSld">
+      <pc:chgData name="Fatima Pillosu" userId="a6295d4dc9e22643" providerId="LiveId" clId="{B303C878-8799-4007-876A-6617B70F571A}" dt="2020-12-01T12:09:15.747" v="4474" actId="1038"/>
       <pc:docMkLst>
         <pc:docMk/>
       </pc:docMkLst>
       <pc:sldChg chg="addSp delSp modSp">
-        <pc:chgData name="Fatima Pillosu" userId="a6295d4dc9e22643" providerId="LiveId" clId="{B303C878-8799-4007-876A-6617B70F571A}" dt="2020-12-01T11:15:15.182" v="3543"/>
+        <pc:chgData name="Fatima Pillosu" userId="a6295d4dc9e22643" providerId="LiveId" clId="{B303C878-8799-4007-876A-6617B70F571A}" dt="2020-12-01T12:09:15.747" v="4474" actId="1038"/>
         <pc:sldMkLst>
           <pc:docMk/>
           <pc:sldMk cId="2969362105" sldId="256"/>
@@ -143,6 +143,14 @@
             <ac:spMk id="2" creationId="{7D11197F-0CB3-4D7B-A79C-57197D2E2CF9}"/>
           </ac:spMkLst>
         </pc:spChg>
+        <pc:spChg chg="add del mod">
+          <ac:chgData name="Fatima Pillosu" userId="a6295d4dc9e22643" providerId="LiveId" clId="{B303C878-8799-4007-876A-6617B70F571A}" dt="2020-12-01T11:42:41.257" v="4045" actId="478"/>
+          <ac:spMkLst>
+            <pc:docMk/>
+            <pc:sldMk cId="2969362105" sldId="256"/>
+            <ac:spMk id="2" creationId="{C4F4C79D-EDFD-42A5-88B6-CBE8583C44EF}"/>
+          </ac:spMkLst>
+        </pc:spChg>
         <pc:spChg chg="add mod ord">
           <ac:chgData name="Fatima Pillosu" userId="a6295d4dc9e22643" providerId="LiveId" clId="{B303C878-8799-4007-876A-6617B70F571A}" dt="2020-12-01T10:28:21.428" v="2502" actId="20577"/>
           <ac:spMkLst>
@@ -335,6 +343,14 @@
             <ac:spMk id="42" creationId="{E814D470-5D15-4657-9CFF-3126DCF4B5CB}"/>
           </ac:spMkLst>
         </pc:spChg>
+        <pc:spChg chg="add del mod">
+          <ac:chgData name="Fatima Pillosu" userId="a6295d4dc9e22643" providerId="LiveId" clId="{B303C878-8799-4007-876A-6617B70F571A}" dt="2020-12-01T12:01:09.840" v="4328" actId="478"/>
+          <ac:spMkLst>
+            <pc:docMk/>
+            <pc:sldMk cId="2969362105" sldId="256"/>
+            <ac:spMk id="43" creationId="{870F1F0E-8A41-4018-AE00-F33879A90ABB}"/>
+          </ac:spMkLst>
+        </pc:spChg>
         <pc:spChg chg="del">
           <ac:chgData name="Fatima Pillosu" userId="a6295d4dc9e22643" providerId="LiveId" clId="{B303C878-8799-4007-876A-6617B70F571A}" dt="2020-12-01T09:12:42.424" v="5" actId="478"/>
           <ac:spMkLst>
@@ -439,6 +455,22 @@
             <ac:spMk id="56" creationId="{A614D83F-BD44-4EA7-82F0-0089EDEA68FE}"/>
           </ac:spMkLst>
         </pc:spChg>
+        <pc:spChg chg="add del mod">
+          <ac:chgData name="Fatima Pillosu" userId="a6295d4dc9e22643" providerId="LiveId" clId="{B303C878-8799-4007-876A-6617B70F571A}" dt="2020-12-01T12:08:26.520" v="4465"/>
+          <ac:spMkLst>
+            <pc:docMk/>
+            <pc:sldMk cId="2969362105" sldId="256"/>
+            <ac:spMk id="56" creationId="{ECA53780-03C5-42A0-988B-52BDD2722593}"/>
+          </ac:spMkLst>
+        </pc:spChg>
+        <pc:spChg chg="add del mod">
+          <ac:chgData name="Fatima Pillosu" userId="a6295d4dc9e22643" providerId="LiveId" clId="{B303C878-8799-4007-876A-6617B70F571A}" dt="2020-12-01T11:47:41.953" v="4106" actId="478"/>
+          <ac:spMkLst>
+            <pc:docMk/>
+            <pc:sldMk cId="2969362105" sldId="256"/>
+            <ac:spMk id="57" creationId="{E0D2AD27-E21A-4541-881F-4BB2C48EACEE}"/>
+          </ac:spMkLst>
+        </pc:spChg>
         <pc:spChg chg="add mod">
           <ac:chgData name="Fatima Pillosu" userId="a6295d4dc9e22643" providerId="LiveId" clId="{B303C878-8799-4007-876A-6617B70F571A}" dt="2020-12-01T10:26:01.496" v="2346" actId="164"/>
           <ac:spMkLst>
@@ -615,6 +647,22 @@
             <ac:spMk id="83" creationId="{F6CF7F69-12FC-4721-9951-98DAFEEA4C4E}"/>
           </ac:spMkLst>
         </pc:spChg>
+        <pc:spChg chg="add del mod">
+          <ac:chgData name="Fatima Pillosu" userId="a6295d4dc9e22643" providerId="LiveId" clId="{B303C878-8799-4007-876A-6617B70F571A}" dt="2020-12-01T12:08:26.520" v="4465"/>
+          <ac:spMkLst>
+            <pc:docMk/>
+            <pc:sldMk cId="2969362105" sldId="256"/>
+            <ac:spMk id="84" creationId="{81385D78-97F4-4983-8A1A-78301EC9F024}"/>
+          </ac:spMkLst>
+        </pc:spChg>
+        <pc:spChg chg="add del mod">
+          <ac:chgData name="Fatima Pillosu" userId="a6295d4dc9e22643" providerId="LiveId" clId="{B303C878-8799-4007-876A-6617B70F571A}" dt="2020-12-01T12:08:26.520" v="4465"/>
+          <ac:spMkLst>
+            <pc:docMk/>
+            <pc:sldMk cId="2969362105" sldId="256"/>
+            <ac:spMk id="85" creationId="{84300554-ED5E-48A7-AD07-5ABF73246312}"/>
+          </ac:spMkLst>
+        </pc:spChg>
         <pc:spChg chg="del">
           <ac:chgData name="Fatima Pillosu" userId="a6295d4dc9e22643" providerId="LiveId" clId="{B303C878-8799-4007-876A-6617B70F571A}" dt="2020-12-01T09:11:52.646" v="0" actId="478"/>
           <ac:spMkLst>
@@ -623,6 +671,14 @@
             <ac:spMk id="86" creationId="{3BB54CBF-8AA7-44C9-8C89-E3513460E454}"/>
           </ac:spMkLst>
         </pc:spChg>
+        <pc:spChg chg="add del mod">
+          <ac:chgData name="Fatima Pillosu" userId="a6295d4dc9e22643" providerId="LiveId" clId="{B303C878-8799-4007-876A-6617B70F571A}" dt="2020-12-01T12:08:26.520" v="4465"/>
+          <ac:spMkLst>
+            <pc:docMk/>
+            <pc:sldMk cId="2969362105" sldId="256"/>
+            <ac:spMk id="87" creationId="{47C7CF65-D467-4401-918C-4EEDB53178F2}"/>
+          </ac:spMkLst>
+        </pc:spChg>
         <pc:spChg chg="del">
           <ac:chgData name="Fatima Pillosu" userId="a6295d4dc9e22643" providerId="LiveId" clId="{B303C878-8799-4007-876A-6617B70F571A}" dt="2020-12-01T09:11:52.646" v="0" actId="478"/>
           <ac:spMkLst>
@@ -631,6 +687,14 @@
             <ac:spMk id="87" creationId="{F0CEA416-A4C2-4D84-9E74-1C740A18E2BC}"/>
           </ac:spMkLst>
         </pc:spChg>
+        <pc:spChg chg="add del mod">
+          <ac:chgData name="Fatima Pillosu" userId="a6295d4dc9e22643" providerId="LiveId" clId="{B303C878-8799-4007-876A-6617B70F571A}" dt="2020-12-01T12:08:26.520" v="4465"/>
+          <ac:spMkLst>
+            <pc:docMk/>
+            <pc:sldMk cId="2969362105" sldId="256"/>
+            <ac:spMk id="88" creationId="{94082894-F996-4D0C-A312-A1FF476382EC}"/>
+          </ac:spMkLst>
+        </pc:spChg>
         <pc:spChg chg="del">
           <ac:chgData name="Fatima Pillosu" userId="a6295d4dc9e22643" providerId="LiveId" clId="{B303C878-8799-4007-876A-6617B70F571A}" dt="2020-12-01T09:11:52.646" v="0" actId="478"/>
           <ac:spMkLst>
@@ -671,6 +735,22 @@
             <ac:spMk id="97" creationId="{36194352-7987-4255-A968-87C23474A811}"/>
           </ac:spMkLst>
         </pc:spChg>
+        <pc:spChg chg="add del">
+          <ac:chgData name="Fatima Pillosu" userId="a6295d4dc9e22643" providerId="LiveId" clId="{B303C878-8799-4007-876A-6617B70F571A}" dt="2020-12-01T11:50:27.512" v="4155"/>
+          <ac:spMkLst>
+            <pc:docMk/>
+            <pc:sldMk cId="2969362105" sldId="256"/>
+            <ac:spMk id="98" creationId="{24D821D6-C88B-4E34-BBE1-64D18FD5971D}"/>
+          </ac:spMkLst>
+        </pc:spChg>
+        <pc:spChg chg="add del">
+          <ac:chgData name="Fatima Pillosu" userId="a6295d4dc9e22643" providerId="LiveId" clId="{B303C878-8799-4007-876A-6617B70F571A}" dt="2020-12-01T11:50:27.512" v="4155"/>
+          <ac:spMkLst>
+            <pc:docMk/>
+            <pc:sldMk cId="2969362105" sldId="256"/>
+            <ac:spMk id="99" creationId="{16D6DABE-20C9-4274-96B9-75A3D2329B3F}"/>
+          </ac:spMkLst>
+        </pc:spChg>
         <pc:spChg chg="add mod">
           <ac:chgData name="Fatima Pillosu" userId="a6295d4dc9e22643" providerId="LiveId" clId="{B303C878-8799-4007-876A-6617B70F571A}" dt="2020-12-01T10:02:03.072" v="1867" actId="164"/>
           <ac:spMkLst>
@@ -680,11 +760,35 @@
           </ac:spMkLst>
         </pc:spChg>
         <pc:spChg chg="add del mod">
+          <ac:chgData name="Fatima Pillosu" userId="a6295d4dc9e22643" providerId="LiveId" clId="{B303C878-8799-4007-876A-6617B70F571A}" dt="2020-12-01T12:08:26.520" v="4465"/>
+          <ac:spMkLst>
+            <pc:docMk/>
+            <pc:sldMk cId="2969362105" sldId="256"/>
+            <ac:spMk id="100" creationId="{852E7DFC-A41A-46C0-B186-B9704B6E114F}"/>
+          </ac:spMkLst>
+        </pc:spChg>
+        <pc:spChg chg="add del mod">
+          <ac:chgData name="Fatima Pillosu" userId="a6295d4dc9e22643" providerId="LiveId" clId="{B303C878-8799-4007-876A-6617B70F571A}" dt="2020-12-01T11:53:18.689" v="4180" actId="478"/>
+          <ac:spMkLst>
+            <pc:docMk/>
+            <pc:sldMk cId="2969362105" sldId="256"/>
+            <ac:spMk id="101" creationId="{319F86CA-B0CC-4C2B-A6A6-6F45546065B8}"/>
+          </ac:spMkLst>
+        </pc:spChg>
+        <pc:spChg chg="add del mod">
           <ac:chgData name="Fatima Pillosu" userId="a6295d4dc9e22643" providerId="LiveId" clId="{B303C878-8799-4007-876A-6617B70F571A}" dt="2020-12-01T10:03:22.371" v="1898"/>
           <ac:spMkLst>
             <pc:docMk/>
             <pc:sldMk cId="2969362105" sldId="256"/>
             <ac:spMk id="101" creationId="{4E775EF6-77F7-439D-9099-9D1B25EC2FCC}"/>
+          </ac:spMkLst>
+        </pc:spChg>
+        <pc:spChg chg="add del mod">
+          <ac:chgData name="Fatima Pillosu" userId="a6295d4dc9e22643" providerId="LiveId" clId="{B303C878-8799-4007-876A-6617B70F571A}" dt="2020-12-01T12:08:26.520" v="4465"/>
+          <ac:spMkLst>
+            <pc:docMk/>
+            <pc:sldMk cId="2969362105" sldId="256"/>
+            <ac:spMk id="106" creationId="{0412F94C-1D7D-480A-953D-E190D3BD689A}"/>
           </ac:spMkLst>
         </pc:spChg>
         <pc:spChg chg="add mod">
@@ -704,6 +808,38 @@
           </ac:spMkLst>
         </pc:spChg>
         <pc:spChg chg="add del mod">
+          <ac:chgData name="Fatima Pillosu" userId="a6295d4dc9e22643" providerId="LiveId" clId="{B303C878-8799-4007-876A-6617B70F571A}" dt="2020-12-01T12:08:26.520" v="4465"/>
+          <ac:spMkLst>
+            <pc:docMk/>
+            <pc:sldMk cId="2969362105" sldId="256"/>
+            <ac:spMk id="112" creationId="{3578A63B-5557-4974-B68B-C54EC12BF64A}"/>
+          </ac:spMkLst>
+        </pc:spChg>
+        <pc:spChg chg="add del mod">
+          <ac:chgData name="Fatima Pillosu" userId="a6295d4dc9e22643" providerId="LiveId" clId="{B303C878-8799-4007-876A-6617B70F571A}" dt="2020-12-01T12:08:26.520" v="4465"/>
+          <ac:spMkLst>
+            <pc:docMk/>
+            <pc:sldMk cId="2969362105" sldId="256"/>
+            <ac:spMk id="113" creationId="{24017F5F-4978-4395-B979-4D3469DA3901}"/>
+          </ac:spMkLst>
+        </pc:spChg>
+        <pc:spChg chg="add del mod">
+          <ac:chgData name="Fatima Pillosu" userId="a6295d4dc9e22643" providerId="LiveId" clId="{B303C878-8799-4007-876A-6617B70F571A}" dt="2020-12-01T12:08:26.520" v="4465"/>
+          <ac:spMkLst>
+            <pc:docMk/>
+            <pc:sldMk cId="2969362105" sldId="256"/>
+            <ac:spMk id="114" creationId="{D4A026E9-ABD8-4E11-B954-64679F1F9207}"/>
+          </ac:spMkLst>
+        </pc:spChg>
+        <pc:spChg chg="add del mod">
+          <ac:chgData name="Fatima Pillosu" userId="a6295d4dc9e22643" providerId="LiveId" clId="{B303C878-8799-4007-876A-6617B70F571A}" dt="2020-12-01T12:08:26.520" v="4465"/>
+          <ac:spMkLst>
+            <pc:docMk/>
+            <pc:sldMk cId="2969362105" sldId="256"/>
+            <ac:spMk id="115" creationId="{457FD251-72C2-49CA-9F1E-EB39F503DABE}"/>
+          </ac:spMkLst>
+        </pc:spChg>
+        <pc:spChg chg="add del mod">
           <ac:chgData name="Fatima Pillosu" userId="a6295d4dc9e22643" providerId="LiveId" clId="{B303C878-8799-4007-876A-6617B70F571A}" dt="2020-12-01T11:04:37.453" v="3333"/>
           <ac:spMkLst>
             <pc:docMk/>
@@ -725,6 +861,14 @@
             <pc:docMk/>
             <pc:sldMk cId="2969362105" sldId="256"/>
             <ac:spMk id="121" creationId="{60C5FB0B-8579-4FF7-A9D7-6B178EA9256E}"/>
+          </ac:spMkLst>
+        </pc:spChg>
+        <pc:spChg chg="add del">
+          <ac:chgData name="Fatima Pillosu" userId="a6295d4dc9e22643" providerId="LiveId" clId="{B303C878-8799-4007-876A-6617B70F571A}" dt="2020-12-01T12:08:58.283" v="4467"/>
+          <ac:spMkLst>
+            <pc:docMk/>
+            <pc:sldMk cId="2969362105" sldId="256"/>
+            <ac:spMk id="129" creationId="{30040999-EE9D-48E3-BD83-EC1A0FF9BBA0}"/>
           </ac:spMkLst>
         </pc:spChg>
         <pc:spChg chg="add mod">
@@ -736,11 +880,91 @@
           </ac:spMkLst>
         </pc:spChg>
         <pc:spChg chg="add del">
+          <ac:chgData name="Fatima Pillosu" userId="a6295d4dc9e22643" providerId="LiveId" clId="{B303C878-8799-4007-876A-6617B70F571A}" dt="2020-12-01T12:08:58.283" v="4467"/>
+          <ac:spMkLst>
+            <pc:docMk/>
+            <pc:sldMk cId="2969362105" sldId="256"/>
+            <ac:spMk id="130" creationId="{C88C2636-7336-4819-A84A-81CD3A587F43}"/>
+          </ac:spMkLst>
+        </pc:spChg>
+        <pc:spChg chg="add del">
+          <ac:chgData name="Fatima Pillosu" userId="a6295d4dc9e22643" providerId="LiveId" clId="{B303C878-8799-4007-876A-6617B70F571A}" dt="2020-12-01T12:08:58.283" v="4467"/>
+          <ac:spMkLst>
+            <pc:docMk/>
+            <pc:sldMk cId="2969362105" sldId="256"/>
+            <ac:spMk id="131" creationId="{DC9CBE23-4BCE-4A32-9DF0-EB3EA10FCF85}"/>
+          </ac:spMkLst>
+        </pc:spChg>
+        <pc:spChg chg="add del">
+          <ac:chgData name="Fatima Pillosu" userId="a6295d4dc9e22643" providerId="LiveId" clId="{B303C878-8799-4007-876A-6617B70F571A}" dt="2020-12-01T12:08:58.283" v="4467"/>
+          <ac:spMkLst>
+            <pc:docMk/>
+            <pc:sldMk cId="2969362105" sldId="256"/>
+            <ac:spMk id="133" creationId="{14B1F81D-94AC-4633-A53B-D52327E89F79}"/>
+          </ac:spMkLst>
+        </pc:spChg>
+        <pc:spChg chg="add del">
+          <ac:chgData name="Fatima Pillosu" userId="a6295d4dc9e22643" providerId="LiveId" clId="{B303C878-8799-4007-876A-6617B70F571A}" dt="2020-12-01T12:08:58.283" v="4467"/>
+          <ac:spMkLst>
+            <pc:docMk/>
+            <pc:sldMk cId="2969362105" sldId="256"/>
+            <ac:spMk id="134" creationId="{76ABEA52-10D9-41B7-ADD9-527DDA96B8B2}"/>
+          </ac:spMkLst>
+        </pc:spChg>
+        <pc:spChg chg="add del">
+          <ac:chgData name="Fatima Pillosu" userId="a6295d4dc9e22643" providerId="LiveId" clId="{B303C878-8799-4007-876A-6617B70F571A}" dt="2020-12-01T12:08:58.283" v="4467"/>
+          <ac:spMkLst>
+            <pc:docMk/>
+            <pc:sldMk cId="2969362105" sldId="256"/>
+            <ac:spMk id="135" creationId="{626E9813-3EAF-46EC-89EC-B2E012838D70}"/>
+          </ac:spMkLst>
+        </pc:spChg>
+        <pc:spChg chg="add del">
+          <ac:chgData name="Fatima Pillosu" userId="a6295d4dc9e22643" providerId="LiveId" clId="{B303C878-8799-4007-876A-6617B70F571A}" dt="2020-12-01T12:08:58.283" v="4467"/>
+          <ac:spMkLst>
+            <pc:docMk/>
+            <pc:sldMk cId="2969362105" sldId="256"/>
+            <ac:spMk id="137" creationId="{2691E5DA-4AFB-484F-89F9-DE7B0B104F40}"/>
+          </ac:spMkLst>
+        </pc:spChg>
+        <pc:spChg chg="add del">
+          <ac:chgData name="Fatima Pillosu" userId="a6295d4dc9e22643" providerId="LiveId" clId="{B303C878-8799-4007-876A-6617B70F571A}" dt="2020-12-01T12:08:58.283" v="4467"/>
+          <ac:spMkLst>
+            <pc:docMk/>
+            <pc:sldMk cId="2969362105" sldId="256"/>
+            <ac:spMk id="139" creationId="{340BBF9D-C2FB-43BB-BF6A-46A5EB628A19}"/>
+          </ac:spMkLst>
+        </pc:spChg>
+        <pc:spChg chg="add del">
+          <ac:chgData name="Fatima Pillosu" userId="a6295d4dc9e22643" providerId="LiveId" clId="{B303C878-8799-4007-876A-6617B70F571A}" dt="2020-12-01T12:08:58.283" v="4467"/>
+          <ac:spMkLst>
+            <pc:docMk/>
+            <pc:sldMk cId="2969362105" sldId="256"/>
+            <ac:spMk id="140" creationId="{92C0EA67-1A18-42A5-9716-30306C0418A3}"/>
+          </ac:spMkLst>
+        </pc:spChg>
+        <pc:spChg chg="add del">
+          <ac:chgData name="Fatima Pillosu" userId="a6295d4dc9e22643" providerId="LiveId" clId="{B303C878-8799-4007-876A-6617B70F571A}" dt="2020-12-01T12:08:58.283" v="4467"/>
+          <ac:spMkLst>
+            <pc:docMk/>
+            <pc:sldMk cId="2969362105" sldId="256"/>
+            <ac:spMk id="142" creationId="{27E9A553-DC92-4A30-864B-2E789EEC438F}"/>
+          </ac:spMkLst>
+        </pc:spChg>
+        <pc:spChg chg="add del">
           <ac:chgData name="Fatima Pillosu" userId="a6295d4dc9e22643" providerId="LiveId" clId="{B303C878-8799-4007-876A-6617B70F571A}" dt="2020-12-01T10:26:55.167" v="2351"/>
           <ac:spMkLst>
             <pc:docMk/>
             <pc:sldMk cId="2969362105" sldId="256"/>
             <ac:spMk id="142" creationId="{ACE2FB39-1E68-49D7-B0B8-25E52B758399}"/>
+          </ac:spMkLst>
+        </pc:spChg>
+        <pc:spChg chg="add del">
+          <ac:chgData name="Fatima Pillosu" userId="a6295d4dc9e22643" providerId="LiveId" clId="{B303C878-8799-4007-876A-6617B70F571A}" dt="2020-12-01T12:08:58.283" v="4467"/>
+          <ac:spMkLst>
+            <pc:docMk/>
+            <pc:sldMk cId="2969362105" sldId="256"/>
+            <ac:spMk id="143" creationId="{CAB8F3C9-3BA1-430B-8063-F0B2230812F6}"/>
           </ac:spMkLst>
         </pc:spChg>
         <pc:spChg chg="mod">
@@ -751,6 +975,182 @@
             <ac:spMk id="145" creationId="{DF1F4F37-9C57-4AD2-911D-ACA549CCD8FC}"/>
           </ac:spMkLst>
         </pc:spChg>
+        <pc:spChg chg="add del">
+          <ac:chgData name="Fatima Pillosu" userId="a6295d4dc9e22643" providerId="LiveId" clId="{B303C878-8799-4007-876A-6617B70F571A}" dt="2020-12-01T12:08:58.283" v="4467"/>
+          <ac:spMkLst>
+            <pc:docMk/>
+            <pc:sldMk cId="2969362105" sldId="256"/>
+            <ac:spMk id="146" creationId="{BBDB25E5-AA1D-4BCD-BF6F-9E8138B2C86A}"/>
+          </ac:spMkLst>
+        </pc:spChg>
+        <pc:spChg chg="add del">
+          <ac:chgData name="Fatima Pillosu" userId="a6295d4dc9e22643" providerId="LiveId" clId="{B303C878-8799-4007-876A-6617B70F571A}" dt="2020-12-01T12:08:58.283" v="4467"/>
+          <ac:spMkLst>
+            <pc:docMk/>
+            <pc:sldMk cId="2969362105" sldId="256"/>
+            <ac:spMk id="150" creationId="{57D37509-D6F2-4271-BED6-7A5A20A930A1}"/>
+          </ac:spMkLst>
+        </pc:spChg>
+        <pc:spChg chg="add del">
+          <ac:chgData name="Fatima Pillosu" userId="a6295d4dc9e22643" providerId="LiveId" clId="{B303C878-8799-4007-876A-6617B70F571A}" dt="2020-12-01T12:08:58.283" v="4467"/>
+          <ac:spMkLst>
+            <pc:docMk/>
+            <pc:sldMk cId="2969362105" sldId="256"/>
+            <ac:spMk id="152" creationId="{02497556-EA18-48D2-A05E-8162D0255A23}"/>
+          </ac:spMkLst>
+        </pc:spChg>
+        <pc:spChg chg="add del">
+          <ac:chgData name="Fatima Pillosu" userId="a6295d4dc9e22643" providerId="LiveId" clId="{B303C878-8799-4007-876A-6617B70F571A}" dt="2020-12-01T12:08:58.283" v="4467"/>
+          <ac:spMkLst>
+            <pc:docMk/>
+            <pc:sldMk cId="2969362105" sldId="256"/>
+            <ac:spMk id="154" creationId="{6C5ABB86-FCF6-4ABF-8A35-CFDCA99C81C0}"/>
+          </ac:spMkLst>
+        </pc:spChg>
+        <pc:spChg chg="add del">
+          <ac:chgData name="Fatima Pillosu" userId="a6295d4dc9e22643" providerId="LiveId" clId="{B303C878-8799-4007-876A-6617B70F571A}" dt="2020-12-01T12:08:58.283" v="4467"/>
+          <ac:spMkLst>
+            <pc:docMk/>
+            <pc:sldMk cId="2969362105" sldId="256"/>
+            <ac:spMk id="155" creationId="{F08E4865-8D36-4BC9-94EC-6B2399A497A8}"/>
+          </ac:spMkLst>
+        </pc:spChg>
+        <pc:spChg chg="add del">
+          <ac:chgData name="Fatima Pillosu" userId="a6295d4dc9e22643" providerId="LiveId" clId="{B303C878-8799-4007-876A-6617B70F571A}" dt="2020-12-01T12:08:58.283" v="4467"/>
+          <ac:spMkLst>
+            <pc:docMk/>
+            <pc:sldMk cId="2969362105" sldId="256"/>
+            <ac:spMk id="156" creationId="{8DFDB0B5-CF97-405A-9CCE-D3B81F64DE13}"/>
+          </ac:spMkLst>
+        </pc:spChg>
+        <pc:spChg chg="add del">
+          <ac:chgData name="Fatima Pillosu" userId="a6295d4dc9e22643" providerId="LiveId" clId="{B303C878-8799-4007-876A-6617B70F571A}" dt="2020-12-01T12:08:58.283" v="4467"/>
+          <ac:spMkLst>
+            <pc:docMk/>
+            <pc:sldMk cId="2969362105" sldId="256"/>
+            <ac:spMk id="158" creationId="{4F23BD90-CDA3-4116-A93C-4FDB7D20FD21}"/>
+          </ac:spMkLst>
+        </pc:spChg>
+        <pc:spChg chg="add del">
+          <ac:chgData name="Fatima Pillosu" userId="a6295d4dc9e22643" providerId="LiveId" clId="{B303C878-8799-4007-876A-6617B70F571A}" dt="2020-12-01T12:08:58.283" v="4467"/>
+          <ac:spMkLst>
+            <pc:docMk/>
+            <pc:sldMk cId="2969362105" sldId="256"/>
+            <ac:spMk id="159" creationId="{A1EE4147-25AE-4DB4-8E09-B401BE9C49EF}"/>
+          </ac:spMkLst>
+        </pc:spChg>
+        <pc:spChg chg="add del">
+          <ac:chgData name="Fatima Pillosu" userId="a6295d4dc9e22643" providerId="LiveId" clId="{B303C878-8799-4007-876A-6617B70F571A}" dt="2020-12-01T12:08:58.283" v="4467"/>
+          <ac:spMkLst>
+            <pc:docMk/>
+            <pc:sldMk cId="2969362105" sldId="256"/>
+            <ac:spMk id="160" creationId="{0251AB87-E4DC-4B0B-960E-6425A079A64B}"/>
+          </ac:spMkLst>
+        </pc:spChg>
+        <pc:spChg chg="add del">
+          <ac:chgData name="Fatima Pillosu" userId="a6295d4dc9e22643" providerId="LiveId" clId="{B303C878-8799-4007-876A-6617B70F571A}" dt="2020-12-01T12:08:58.283" v="4467"/>
+          <ac:spMkLst>
+            <pc:docMk/>
+            <pc:sldMk cId="2969362105" sldId="256"/>
+            <ac:spMk id="162" creationId="{C475ABA9-6E53-4AEE-BD34-96F11E51961D}"/>
+          </ac:spMkLst>
+        </pc:spChg>
+        <pc:spChg chg="add del">
+          <ac:chgData name="Fatima Pillosu" userId="a6295d4dc9e22643" providerId="LiveId" clId="{B303C878-8799-4007-876A-6617B70F571A}" dt="2020-12-01T12:08:58.283" v="4467"/>
+          <ac:spMkLst>
+            <pc:docMk/>
+            <pc:sldMk cId="2969362105" sldId="256"/>
+            <ac:spMk id="165" creationId="{AD37C9CC-1C81-4E9D-9716-B00C5F82B5CC}"/>
+          </ac:spMkLst>
+        </pc:spChg>
+        <pc:spChg chg="add del">
+          <ac:chgData name="Fatima Pillosu" userId="a6295d4dc9e22643" providerId="LiveId" clId="{B303C878-8799-4007-876A-6617B70F571A}" dt="2020-12-01T12:08:58.283" v="4467"/>
+          <ac:spMkLst>
+            <pc:docMk/>
+            <pc:sldMk cId="2969362105" sldId="256"/>
+            <ac:spMk id="166" creationId="{22151848-B2C5-4143-99C0-BC467B4198B0}"/>
+          </ac:spMkLst>
+        </pc:spChg>
+        <pc:spChg chg="add del">
+          <ac:chgData name="Fatima Pillosu" userId="a6295d4dc9e22643" providerId="LiveId" clId="{B303C878-8799-4007-876A-6617B70F571A}" dt="2020-12-01T12:08:58.283" v="4467"/>
+          <ac:spMkLst>
+            <pc:docMk/>
+            <pc:sldMk cId="2969362105" sldId="256"/>
+            <ac:spMk id="168" creationId="{2DC1EBDF-1254-4149-8241-06DA62634862}"/>
+          </ac:spMkLst>
+        </pc:spChg>
+        <pc:spChg chg="add del">
+          <ac:chgData name="Fatima Pillosu" userId="a6295d4dc9e22643" providerId="LiveId" clId="{B303C878-8799-4007-876A-6617B70F571A}" dt="2020-12-01T12:08:58.283" v="4467"/>
+          <ac:spMkLst>
+            <pc:docMk/>
+            <pc:sldMk cId="2969362105" sldId="256"/>
+            <ac:spMk id="169" creationId="{00AFB33D-9EFC-4CF4-9E7B-43787210A6BA}"/>
+          </ac:spMkLst>
+        </pc:spChg>
+        <pc:spChg chg="add del">
+          <ac:chgData name="Fatima Pillosu" userId="a6295d4dc9e22643" providerId="LiveId" clId="{B303C878-8799-4007-876A-6617B70F571A}" dt="2020-12-01T12:08:58.283" v="4467"/>
+          <ac:spMkLst>
+            <pc:docMk/>
+            <pc:sldMk cId="2969362105" sldId="256"/>
+            <ac:spMk id="171" creationId="{3A63154D-3B5F-43D4-9F19-E1E2836C4038}"/>
+          </ac:spMkLst>
+        </pc:spChg>
+        <pc:spChg chg="add del">
+          <ac:chgData name="Fatima Pillosu" userId="a6295d4dc9e22643" providerId="LiveId" clId="{B303C878-8799-4007-876A-6617B70F571A}" dt="2020-12-01T12:08:58.283" v="4467"/>
+          <ac:spMkLst>
+            <pc:docMk/>
+            <pc:sldMk cId="2969362105" sldId="256"/>
+            <ac:spMk id="172" creationId="{E1917E34-7825-439F-A7E0-23026C4FC717}"/>
+          </ac:spMkLst>
+        </pc:spChg>
+        <pc:spChg chg="add del">
+          <ac:chgData name="Fatima Pillosu" userId="a6295d4dc9e22643" providerId="LiveId" clId="{B303C878-8799-4007-876A-6617B70F571A}" dt="2020-12-01T12:08:58.283" v="4467"/>
+          <ac:spMkLst>
+            <pc:docMk/>
+            <pc:sldMk cId="2969362105" sldId="256"/>
+            <ac:spMk id="173" creationId="{4B101D6A-2CEA-4727-A1CB-9F32CB9D3F57}"/>
+          </ac:spMkLst>
+        </pc:spChg>
+        <pc:spChg chg="add del">
+          <ac:chgData name="Fatima Pillosu" userId="a6295d4dc9e22643" providerId="LiveId" clId="{B303C878-8799-4007-876A-6617B70F571A}" dt="2020-12-01T12:08:58.283" v="4467"/>
+          <ac:spMkLst>
+            <pc:docMk/>
+            <pc:sldMk cId="2969362105" sldId="256"/>
+            <ac:spMk id="174" creationId="{A8669374-F063-48D5-BA15-2712EB4C9C72}"/>
+          </ac:spMkLst>
+        </pc:spChg>
+        <pc:spChg chg="add del">
+          <ac:chgData name="Fatima Pillosu" userId="a6295d4dc9e22643" providerId="LiveId" clId="{B303C878-8799-4007-876A-6617B70F571A}" dt="2020-12-01T12:08:58.283" v="4467"/>
+          <ac:spMkLst>
+            <pc:docMk/>
+            <pc:sldMk cId="2969362105" sldId="256"/>
+            <ac:spMk id="175" creationId="{42166351-5681-4050-9D54-B153C9FE6CA7}"/>
+          </ac:spMkLst>
+        </pc:spChg>
+        <pc:spChg chg="add del">
+          <ac:chgData name="Fatima Pillosu" userId="a6295d4dc9e22643" providerId="LiveId" clId="{B303C878-8799-4007-876A-6617B70F571A}" dt="2020-12-01T12:08:58.283" v="4467"/>
+          <ac:spMkLst>
+            <pc:docMk/>
+            <pc:sldMk cId="2969362105" sldId="256"/>
+            <ac:spMk id="176" creationId="{2DE5F4DA-39D7-4451-A22E-D82AA73D6B48}"/>
+          </ac:spMkLst>
+        </pc:spChg>
+        <pc:spChg chg="add del">
+          <ac:chgData name="Fatima Pillosu" userId="a6295d4dc9e22643" providerId="LiveId" clId="{B303C878-8799-4007-876A-6617B70F571A}" dt="2020-12-01T12:08:58.283" v="4467"/>
+          <ac:spMkLst>
+            <pc:docMk/>
+            <pc:sldMk cId="2969362105" sldId="256"/>
+            <ac:spMk id="177" creationId="{96BB5A37-5EEF-40F2-B1E4-508BCDA09D1E}"/>
+          </ac:spMkLst>
+        </pc:spChg>
+        <pc:spChg chg="add del">
+          <ac:chgData name="Fatima Pillosu" userId="a6295d4dc9e22643" providerId="LiveId" clId="{B303C878-8799-4007-876A-6617B70F571A}" dt="2020-12-01T12:08:58.283" v="4467"/>
+          <ac:spMkLst>
+            <pc:docMk/>
+            <pc:sldMk cId="2969362105" sldId="256"/>
+            <ac:spMk id="178" creationId="{72CFEA3A-E753-4C4E-A3D5-620756722A53}"/>
+          </ac:spMkLst>
+        </pc:spChg>
         <pc:spChg chg="mod">
           <ac:chgData name="Fatima Pillosu" userId="a6295d4dc9e22643" providerId="LiveId" clId="{B303C878-8799-4007-876A-6617B70F571A}" dt="2020-12-01T10:53:32.939" v="3152" actId="1035"/>
           <ac:spMkLst>
@@ -759,6 +1159,102 @@
             <ac:spMk id="179" creationId="{0DFAFA1F-EE99-4E5E-A09A-D12EDAD063C8}"/>
           </ac:spMkLst>
         </pc:spChg>
+        <pc:spChg chg="add mod">
+          <ac:chgData name="Fatima Pillosu" userId="a6295d4dc9e22643" providerId="LiveId" clId="{B303C878-8799-4007-876A-6617B70F571A}" dt="2020-12-01T12:09:15.747" v="4474" actId="1038"/>
+          <ac:spMkLst>
+            <pc:docMk/>
+            <pc:sldMk cId="2969362105" sldId="256"/>
+            <ac:spMk id="183" creationId="{10014996-DF08-41E9-9D1E-2ABD5E174897}"/>
+          </ac:spMkLst>
+        </pc:spChg>
+        <pc:spChg chg="add mod">
+          <ac:chgData name="Fatima Pillosu" userId="a6295d4dc9e22643" providerId="LiveId" clId="{B303C878-8799-4007-876A-6617B70F571A}" dt="2020-12-01T12:09:15.747" v="4474" actId="1038"/>
+          <ac:spMkLst>
+            <pc:docMk/>
+            <pc:sldMk cId="2969362105" sldId="256"/>
+            <ac:spMk id="184" creationId="{7B170783-C8D9-4147-9766-6AE84A65873C}"/>
+          </ac:spMkLst>
+        </pc:spChg>
+        <pc:spChg chg="add mod">
+          <ac:chgData name="Fatima Pillosu" userId="a6295d4dc9e22643" providerId="LiveId" clId="{B303C878-8799-4007-876A-6617B70F571A}" dt="2020-12-01T12:09:15.747" v="4474" actId="1038"/>
+          <ac:spMkLst>
+            <pc:docMk/>
+            <pc:sldMk cId="2969362105" sldId="256"/>
+            <ac:spMk id="185" creationId="{3DC7DBC3-93C4-47D2-92A6-31CE34ADC086}"/>
+          </ac:spMkLst>
+        </pc:spChg>
+        <pc:spChg chg="add mod">
+          <ac:chgData name="Fatima Pillosu" userId="a6295d4dc9e22643" providerId="LiveId" clId="{B303C878-8799-4007-876A-6617B70F571A}" dt="2020-12-01T12:09:15.747" v="4474" actId="1038"/>
+          <ac:spMkLst>
+            <pc:docMk/>
+            <pc:sldMk cId="2969362105" sldId="256"/>
+            <ac:spMk id="187" creationId="{743161DB-A90A-4A6E-B6AE-D0496C3E027E}"/>
+          </ac:spMkLst>
+        </pc:spChg>
+        <pc:spChg chg="add mod">
+          <ac:chgData name="Fatima Pillosu" userId="a6295d4dc9e22643" providerId="LiveId" clId="{B303C878-8799-4007-876A-6617B70F571A}" dt="2020-12-01T12:09:15.747" v="4474" actId="1038"/>
+          <ac:spMkLst>
+            <pc:docMk/>
+            <pc:sldMk cId="2969362105" sldId="256"/>
+            <ac:spMk id="188" creationId="{124EAE42-A621-4FFB-A04C-1F9F4F158916}"/>
+          </ac:spMkLst>
+        </pc:spChg>
+        <pc:spChg chg="add mod">
+          <ac:chgData name="Fatima Pillosu" userId="a6295d4dc9e22643" providerId="LiveId" clId="{B303C878-8799-4007-876A-6617B70F571A}" dt="2020-12-01T12:09:15.747" v="4474" actId="1038"/>
+          <ac:spMkLst>
+            <pc:docMk/>
+            <pc:sldMk cId="2969362105" sldId="256"/>
+            <ac:spMk id="189" creationId="{08A6135F-36F3-4EEC-B778-EE38D8FA4C36}"/>
+          </ac:spMkLst>
+        </pc:spChg>
+        <pc:spChg chg="add mod">
+          <ac:chgData name="Fatima Pillosu" userId="a6295d4dc9e22643" providerId="LiveId" clId="{B303C878-8799-4007-876A-6617B70F571A}" dt="2020-12-01T12:09:15.747" v="4474" actId="1038"/>
+          <ac:spMkLst>
+            <pc:docMk/>
+            <pc:sldMk cId="2969362105" sldId="256"/>
+            <ac:spMk id="191" creationId="{949A950B-941D-43FE-9EEC-0CFFC14D38BD}"/>
+          </ac:spMkLst>
+        </pc:spChg>
+        <pc:spChg chg="add mod">
+          <ac:chgData name="Fatima Pillosu" userId="a6295d4dc9e22643" providerId="LiveId" clId="{B303C878-8799-4007-876A-6617B70F571A}" dt="2020-12-01T12:09:15.747" v="4474" actId="1038"/>
+          <ac:spMkLst>
+            <pc:docMk/>
+            <pc:sldMk cId="2969362105" sldId="256"/>
+            <ac:spMk id="193" creationId="{67FED56A-E5D1-4317-B0B6-F0672D09E07E}"/>
+          </ac:spMkLst>
+        </pc:spChg>
+        <pc:spChg chg="add mod">
+          <ac:chgData name="Fatima Pillosu" userId="a6295d4dc9e22643" providerId="LiveId" clId="{B303C878-8799-4007-876A-6617B70F571A}" dt="2020-12-01T12:09:15.747" v="4474" actId="1038"/>
+          <ac:spMkLst>
+            <pc:docMk/>
+            <pc:sldMk cId="2969362105" sldId="256"/>
+            <ac:spMk id="194" creationId="{A9A0ADA0-581B-4300-BFE5-3C26F6BCA954}"/>
+          </ac:spMkLst>
+        </pc:spChg>
+        <pc:spChg chg="add mod">
+          <ac:chgData name="Fatima Pillosu" userId="a6295d4dc9e22643" providerId="LiveId" clId="{B303C878-8799-4007-876A-6617B70F571A}" dt="2020-12-01T12:09:15.747" v="4474" actId="1038"/>
+          <ac:spMkLst>
+            <pc:docMk/>
+            <pc:sldMk cId="2969362105" sldId="256"/>
+            <ac:spMk id="196" creationId="{19621084-7FF3-4523-B658-B9958800A4E7}"/>
+          </ac:spMkLst>
+        </pc:spChg>
+        <pc:spChg chg="add mod">
+          <ac:chgData name="Fatima Pillosu" userId="a6295d4dc9e22643" providerId="LiveId" clId="{B303C878-8799-4007-876A-6617B70F571A}" dt="2020-12-01T12:09:15.747" v="4474" actId="1038"/>
+          <ac:spMkLst>
+            <pc:docMk/>
+            <pc:sldMk cId="2969362105" sldId="256"/>
+            <ac:spMk id="197" creationId="{D47521AC-230F-4081-9630-18B20D3D11FF}"/>
+          </ac:spMkLst>
+        </pc:spChg>
+        <pc:spChg chg="add mod">
+          <ac:chgData name="Fatima Pillosu" userId="a6295d4dc9e22643" providerId="LiveId" clId="{B303C878-8799-4007-876A-6617B70F571A}" dt="2020-12-01T12:09:15.747" v="4474" actId="1038"/>
+          <ac:spMkLst>
+            <pc:docMk/>
+            <pc:sldMk cId="2969362105" sldId="256"/>
+            <ac:spMk id="200" creationId="{031D25B4-AEA7-4767-9C21-0162032E84B9}"/>
+          </ac:spMkLst>
+        </pc:spChg>
         <pc:spChg chg="add del mod">
           <ac:chgData name="Fatima Pillosu" userId="a6295d4dc9e22643" providerId="LiveId" clId="{B303C878-8799-4007-876A-6617B70F571A}" dt="2020-12-01T11:07:56.148" v="3385"/>
           <ac:spMkLst>
@@ -767,6 +1263,14 @@
             <ac:spMk id="204" creationId="{2FB0716D-5D81-404C-A54B-602B36679BA9}"/>
           </ac:spMkLst>
         </pc:spChg>
+        <pc:spChg chg="add mod">
+          <ac:chgData name="Fatima Pillosu" userId="a6295d4dc9e22643" providerId="LiveId" clId="{B303C878-8799-4007-876A-6617B70F571A}" dt="2020-12-01T12:09:15.747" v="4474" actId="1038"/>
+          <ac:spMkLst>
+            <pc:docMk/>
+            <pc:sldMk cId="2969362105" sldId="256"/>
+            <ac:spMk id="204" creationId="{FE47997A-BD1A-42FB-9122-0732DF790459}"/>
+          </ac:spMkLst>
+        </pc:spChg>
         <pc:spChg chg="add del mod">
           <ac:chgData name="Fatima Pillosu" userId="a6295d4dc9e22643" providerId="LiveId" clId="{B303C878-8799-4007-876A-6617B70F571A}" dt="2020-12-01T11:07:56.148" v="3385"/>
           <ac:spMkLst>
@@ -781,6 +1285,30 @@
             <pc:docMk/>
             <pc:sldMk cId="2969362105" sldId="256"/>
             <ac:spMk id="206" creationId="{35F5EB4B-D3C2-486F-9EEF-9C2C42BE53AA}"/>
+          </ac:spMkLst>
+        </pc:spChg>
+        <pc:spChg chg="add mod">
+          <ac:chgData name="Fatima Pillosu" userId="a6295d4dc9e22643" providerId="LiveId" clId="{B303C878-8799-4007-876A-6617B70F571A}" dt="2020-12-01T12:09:15.747" v="4474" actId="1038"/>
+          <ac:spMkLst>
+            <pc:docMk/>
+            <pc:sldMk cId="2969362105" sldId="256"/>
+            <ac:spMk id="206" creationId="{588AD1CA-748B-4229-AFE6-608AD0DD42C0}"/>
+          </ac:spMkLst>
+        </pc:spChg>
+        <pc:spChg chg="add mod">
+          <ac:chgData name="Fatima Pillosu" userId="a6295d4dc9e22643" providerId="LiveId" clId="{B303C878-8799-4007-876A-6617B70F571A}" dt="2020-12-01T12:09:15.747" v="4474" actId="1038"/>
+          <ac:spMkLst>
+            <pc:docMk/>
+            <pc:sldMk cId="2969362105" sldId="256"/>
+            <ac:spMk id="208" creationId="{CDF494CF-B5BE-4808-9B3F-4BF1660ECA3D}"/>
+          </ac:spMkLst>
+        </pc:spChg>
+        <pc:spChg chg="add mod">
+          <ac:chgData name="Fatima Pillosu" userId="a6295d4dc9e22643" providerId="LiveId" clId="{B303C878-8799-4007-876A-6617B70F571A}" dt="2020-12-01T12:09:15.747" v="4474" actId="1038"/>
+          <ac:spMkLst>
+            <pc:docMk/>
+            <pc:sldMk cId="2969362105" sldId="256"/>
+            <ac:spMk id="209" creationId="{D13BAF3A-0B1D-4ABF-A79B-64712DA8F819}"/>
           </ac:spMkLst>
         </pc:spChg>
         <pc:spChg chg="mod">
@@ -791,12 +1319,148 @@
             <ac:spMk id="210" creationId="{93331B60-E2C8-4719-8938-CCAAD383699E}"/>
           </ac:spMkLst>
         </pc:spChg>
+        <pc:spChg chg="add mod">
+          <ac:chgData name="Fatima Pillosu" userId="a6295d4dc9e22643" providerId="LiveId" clId="{B303C878-8799-4007-876A-6617B70F571A}" dt="2020-12-01T12:09:15.747" v="4474" actId="1038"/>
+          <ac:spMkLst>
+            <pc:docMk/>
+            <pc:sldMk cId="2969362105" sldId="256"/>
+            <ac:spMk id="210" creationId="{FC70445D-3475-4DF3-916E-7DA80218D296}"/>
+          </ac:spMkLst>
+        </pc:spChg>
         <pc:spChg chg="add del mod">
           <ac:chgData name="Fatima Pillosu" userId="a6295d4dc9e22643" providerId="LiveId" clId="{B303C878-8799-4007-876A-6617B70F571A}" dt="2020-12-01T11:07:56.148" v="3385"/>
           <ac:spMkLst>
             <pc:docMk/>
             <pc:sldMk cId="2969362105" sldId="256"/>
             <ac:spMk id="211" creationId="{20FC7B36-1DE2-4C27-8076-A31C75D75018}"/>
+          </ac:spMkLst>
+        </pc:spChg>
+        <pc:spChg chg="add mod">
+          <ac:chgData name="Fatima Pillosu" userId="a6295d4dc9e22643" providerId="LiveId" clId="{B303C878-8799-4007-876A-6617B70F571A}" dt="2020-12-01T12:09:15.747" v="4474" actId="1038"/>
+          <ac:spMkLst>
+            <pc:docMk/>
+            <pc:sldMk cId="2969362105" sldId="256"/>
+            <ac:spMk id="212" creationId="{3A0307FD-2CA3-4B5A-875E-61E64749178C}"/>
+          </ac:spMkLst>
+        </pc:spChg>
+        <pc:spChg chg="add mod">
+          <ac:chgData name="Fatima Pillosu" userId="a6295d4dc9e22643" providerId="LiveId" clId="{B303C878-8799-4007-876A-6617B70F571A}" dt="2020-12-01T12:09:15.747" v="4474" actId="1038"/>
+          <ac:spMkLst>
+            <pc:docMk/>
+            <pc:sldMk cId="2969362105" sldId="256"/>
+            <ac:spMk id="213" creationId="{9F22AAE1-147B-4C0C-9628-F2829B609874}"/>
+          </ac:spMkLst>
+        </pc:spChg>
+        <pc:spChg chg="add mod">
+          <ac:chgData name="Fatima Pillosu" userId="a6295d4dc9e22643" providerId="LiveId" clId="{B303C878-8799-4007-876A-6617B70F571A}" dt="2020-12-01T12:09:15.747" v="4474" actId="1038"/>
+          <ac:spMkLst>
+            <pc:docMk/>
+            <pc:sldMk cId="2969362105" sldId="256"/>
+            <ac:spMk id="214" creationId="{93A8CE63-609D-4954-99C0-A47AB7F15E9E}"/>
+          </ac:spMkLst>
+        </pc:spChg>
+        <pc:spChg chg="add mod">
+          <ac:chgData name="Fatima Pillosu" userId="a6295d4dc9e22643" providerId="LiveId" clId="{B303C878-8799-4007-876A-6617B70F571A}" dt="2020-12-01T12:09:15.747" v="4474" actId="1038"/>
+          <ac:spMkLst>
+            <pc:docMk/>
+            <pc:sldMk cId="2969362105" sldId="256"/>
+            <ac:spMk id="216" creationId="{11B3E8B0-17CB-4537-9A5C-C1C44CAF9CC2}"/>
+          </ac:spMkLst>
+        </pc:spChg>
+        <pc:spChg chg="add mod">
+          <ac:chgData name="Fatima Pillosu" userId="a6295d4dc9e22643" providerId="LiveId" clId="{B303C878-8799-4007-876A-6617B70F571A}" dt="2020-12-01T12:09:15.747" v="4474" actId="1038"/>
+          <ac:spMkLst>
+            <pc:docMk/>
+            <pc:sldMk cId="2969362105" sldId="256"/>
+            <ac:spMk id="219" creationId="{2CEF687A-C095-41CD-84A5-5FCE448F387F}"/>
+          </ac:spMkLst>
+        </pc:spChg>
+        <pc:spChg chg="add mod">
+          <ac:chgData name="Fatima Pillosu" userId="a6295d4dc9e22643" providerId="LiveId" clId="{B303C878-8799-4007-876A-6617B70F571A}" dt="2020-12-01T12:09:15.747" v="4474" actId="1038"/>
+          <ac:spMkLst>
+            <pc:docMk/>
+            <pc:sldMk cId="2969362105" sldId="256"/>
+            <ac:spMk id="220" creationId="{1EA52841-FBFC-4CCE-B848-4FE28C810DFB}"/>
+          </ac:spMkLst>
+        </pc:spChg>
+        <pc:spChg chg="add mod">
+          <ac:chgData name="Fatima Pillosu" userId="a6295d4dc9e22643" providerId="LiveId" clId="{B303C878-8799-4007-876A-6617B70F571A}" dt="2020-12-01T12:09:15.747" v="4474" actId="1038"/>
+          <ac:spMkLst>
+            <pc:docMk/>
+            <pc:sldMk cId="2969362105" sldId="256"/>
+            <ac:spMk id="222" creationId="{D3523231-81E0-4C20-83CD-BF45FE31C771}"/>
+          </ac:spMkLst>
+        </pc:spChg>
+        <pc:spChg chg="add mod">
+          <ac:chgData name="Fatima Pillosu" userId="a6295d4dc9e22643" providerId="LiveId" clId="{B303C878-8799-4007-876A-6617B70F571A}" dt="2020-12-01T12:09:15.747" v="4474" actId="1038"/>
+          <ac:spMkLst>
+            <pc:docMk/>
+            <pc:sldMk cId="2969362105" sldId="256"/>
+            <ac:spMk id="223" creationId="{AB7A39FB-D3E5-4655-A071-08B04DD82B9A}"/>
+          </ac:spMkLst>
+        </pc:spChg>
+        <pc:spChg chg="add mod">
+          <ac:chgData name="Fatima Pillosu" userId="a6295d4dc9e22643" providerId="LiveId" clId="{B303C878-8799-4007-876A-6617B70F571A}" dt="2020-12-01T12:09:15.747" v="4474" actId="1038"/>
+          <ac:spMkLst>
+            <pc:docMk/>
+            <pc:sldMk cId="2969362105" sldId="256"/>
+            <ac:spMk id="225" creationId="{6B7AD368-8C63-47FF-AF97-5254D06A2A9B}"/>
+          </ac:spMkLst>
+        </pc:spChg>
+        <pc:spChg chg="add mod">
+          <ac:chgData name="Fatima Pillosu" userId="a6295d4dc9e22643" providerId="LiveId" clId="{B303C878-8799-4007-876A-6617B70F571A}" dt="2020-12-01T12:09:15.747" v="4474" actId="1038"/>
+          <ac:spMkLst>
+            <pc:docMk/>
+            <pc:sldMk cId="2969362105" sldId="256"/>
+            <ac:spMk id="226" creationId="{512D1C27-766B-4552-B090-B7C42431F7DC}"/>
+          </ac:spMkLst>
+        </pc:spChg>
+        <pc:spChg chg="add mod">
+          <ac:chgData name="Fatima Pillosu" userId="a6295d4dc9e22643" providerId="LiveId" clId="{B303C878-8799-4007-876A-6617B70F571A}" dt="2020-12-01T12:09:15.747" v="4474" actId="1038"/>
+          <ac:spMkLst>
+            <pc:docMk/>
+            <pc:sldMk cId="2969362105" sldId="256"/>
+            <ac:spMk id="227" creationId="{8B42F4C0-E5EE-4349-AA41-2890BA841D7D}"/>
+          </ac:spMkLst>
+        </pc:spChg>
+        <pc:spChg chg="add mod">
+          <ac:chgData name="Fatima Pillosu" userId="a6295d4dc9e22643" providerId="LiveId" clId="{B303C878-8799-4007-876A-6617B70F571A}" dt="2020-12-01T12:09:15.747" v="4474" actId="1038"/>
+          <ac:spMkLst>
+            <pc:docMk/>
+            <pc:sldMk cId="2969362105" sldId="256"/>
+            <ac:spMk id="228" creationId="{8B947C78-D353-4DC3-B750-B624EE887E98}"/>
+          </ac:spMkLst>
+        </pc:spChg>
+        <pc:spChg chg="add mod">
+          <ac:chgData name="Fatima Pillosu" userId="a6295d4dc9e22643" providerId="LiveId" clId="{B303C878-8799-4007-876A-6617B70F571A}" dt="2020-12-01T12:09:15.747" v="4474" actId="1038"/>
+          <ac:spMkLst>
+            <pc:docMk/>
+            <pc:sldMk cId="2969362105" sldId="256"/>
+            <ac:spMk id="229" creationId="{04CE0786-B227-42BD-9960-30DFBF38F6A4}"/>
+          </ac:spMkLst>
+        </pc:spChg>
+        <pc:spChg chg="add mod">
+          <ac:chgData name="Fatima Pillosu" userId="a6295d4dc9e22643" providerId="LiveId" clId="{B303C878-8799-4007-876A-6617B70F571A}" dt="2020-12-01T12:09:15.747" v="4474" actId="1038"/>
+          <ac:spMkLst>
+            <pc:docMk/>
+            <pc:sldMk cId="2969362105" sldId="256"/>
+            <ac:spMk id="230" creationId="{5B191990-5FCF-4841-AE4A-2DF9D1F247F5}"/>
+          </ac:spMkLst>
+        </pc:spChg>
+        <pc:spChg chg="add mod">
+          <ac:chgData name="Fatima Pillosu" userId="a6295d4dc9e22643" providerId="LiveId" clId="{B303C878-8799-4007-876A-6617B70F571A}" dt="2020-12-01T12:09:15.747" v="4474" actId="1038"/>
+          <ac:spMkLst>
+            <pc:docMk/>
+            <pc:sldMk cId="2969362105" sldId="256"/>
+            <ac:spMk id="231" creationId="{0D011B38-64CD-4E12-AB26-EF62193A2CA0}"/>
+          </ac:spMkLst>
+        </pc:spChg>
+        <pc:spChg chg="add mod">
+          <ac:chgData name="Fatima Pillosu" userId="a6295d4dc9e22643" providerId="LiveId" clId="{B303C878-8799-4007-876A-6617B70F571A}" dt="2020-12-01T12:09:15.747" v="4474" actId="1038"/>
+          <ac:spMkLst>
+            <pc:docMk/>
+            <pc:sldMk cId="2969362105" sldId="256"/>
+            <ac:spMk id="232" creationId="{8F835A08-20B0-47AA-86C1-46940EC71468}"/>
           </ac:spMkLst>
         </pc:spChg>
         <pc:spChg chg="add del mod">
@@ -2079,252 +2743,268 @@
             <ac:spMk id="568" creationId="{5E72A8A3-92D9-4752-BF3E-56A91A991D68}"/>
           </ac:spMkLst>
         </pc:spChg>
-        <pc:spChg chg="add">
-          <ac:chgData name="Fatima Pillosu" userId="a6295d4dc9e22643" providerId="LiveId" clId="{B303C878-8799-4007-876A-6617B70F571A}" dt="2020-12-01T11:15:15.182" v="3543"/>
+        <pc:spChg chg="add del">
+          <ac:chgData name="Fatima Pillosu" userId="a6295d4dc9e22643" providerId="LiveId" clId="{B303C878-8799-4007-876A-6617B70F571A}" dt="2020-12-01T11:26:30.352" v="3554" actId="478"/>
           <ac:spMkLst>
             <pc:docMk/>
             <pc:sldMk cId="2969362105" sldId="256"/>
             <ac:spMk id="574" creationId="{CD132146-6A2C-4907-8470-FF64DB9C7B15}"/>
           </ac:spMkLst>
         </pc:spChg>
-        <pc:spChg chg="add">
-          <ac:chgData name="Fatima Pillosu" userId="a6295d4dc9e22643" providerId="LiveId" clId="{B303C878-8799-4007-876A-6617B70F571A}" dt="2020-12-01T11:15:15.182" v="3543"/>
+        <pc:spChg chg="add del">
+          <ac:chgData name="Fatima Pillosu" userId="a6295d4dc9e22643" providerId="LiveId" clId="{B303C878-8799-4007-876A-6617B70F571A}" dt="2020-12-01T11:29:36.244" v="3599" actId="478"/>
           <ac:spMkLst>
             <pc:docMk/>
             <pc:sldMk cId="2969362105" sldId="256"/>
             <ac:spMk id="575" creationId="{26591627-413A-4336-BCF4-62CE98321E0F}"/>
           </ac:spMkLst>
         </pc:spChg>
-        <pc:spChg chg="add">
-          <ac:chgData name="Fatima Pillosu" userId="a6295d4dc9e22643" providerId="LiveId" clId="{B303C878-8799-4007-876A-6617B70F571A}" dt="2020-12-01T11:15:15.182" v="3543"/>
+        <pc:spChg chg="add del">
+          <ac:chgData name="Fatima Pillosu" userId="a6295d4dc9e22643" providerId="LiveId" clId="{B303C878-8799-4007-876A-6617B70F571A}" dt="2020-12-01T11:29:36.989" v="3600" actId="478"/>
           <ac:spMkLst>
             <pc:docMk/>
             <pc:sldMk cId="2969362105" sldId="256"/>
             <ac:spMk id="576" creationId="{04ADCEF3-3A3D-4F09-929B-65715CC4863C}"/>
           </ac:spMkLst>
         </pc:spChg>
-        <pc:spChg chg="add">
-          <ac:chgData name="Fatima Pillosu" userId="a6295d4dc9e22643" providerId="LiveId" clId="{B303C878-8799-4007-876A-6617B70F571A}" dt="2020-12-01T11:15:15.182" v="3543"/>
+        <pc:spChg chg="add del mod">
+          <ac:chgData name="Fatima Pillosu" userId="a6295d4dc9e22643" providerId="LiveId" clId="{B303C878-8799-4007-876A-6617B70F571A}" dt="2020-12-01T12:08:26.520" v="4465"/>
           <ac:spMkLst>
             <pc:docMk/>
             <pc:sldMk cId="2969362105" sldId="256"/>
             <ac:spMk id="578" creationId="{D06CAA15-25C2-4725-8AC6-58478ECA8E9F}"/>
           </ac:spMkLst>
         </pc:spChg>
-        <pc:spChg chg="add">
-          <ac:chgData name="Fatima Pillosu" userId="a6295d4dc9e22643" providerId="LiveId" clId="{B303C878-8799-4007-876A-6617B70F571A}" dt="2020-12-01T11:15:15.182" v="3543"/>
+        <pc:spChg chg="add del mod">
+          <ac:chgData name="Fatima Pillosu" userId="a6295d4dc9e22643" providerId="LiveId" clId="{B303C878-8799-4007-876A-6617B70F571A}" dt="2020-12-01T12:08:26.520" v="4465"/>
           <ac:spMkLst>
             <pc:docMk/>
             <pc:sldMk cId="2969362105" sldId="256"/>
             <ac:spMk id="579" creationId="{FB9695B3-A7BF-4BB1-883D-0D5FD528A5E7}"/>
           </ac:spMkLst>
         </pc:spChg>
-        <pc:spChg chg="add">
-          <ac:chgData name="Fatima Pillosu" userId="a6295d4dc9e22643" providerId="LiveId" clId="{B303C878-8799-4007-876A-6617B70F571A}" dt="2020-12-01T11:15:15.182" v="3543"/>
+        <pc:spChg chg="add del mod">
+          <ac:chgData name="Fatima Pillosu" userId="a6295d4dc9e22643" providerId="LiveId" clId="{B303C878-8799-4007-876A-6617B70F571A}" dt="2020-12-01T12:08:26.520" v="4465"/>
           <ac:spMkLst>
             <pc:docMk/>
             <pc:sldMk cId="2969362105" sldId="256"/>
             <ac:spMk id="580" creationId="{340DD9A8-9452-4F33-8878-37CA5F16A8CE}"/>
           </ac:spMkLst>
         </pc:spChg>
-        <pc:spChg chg="add">
-          <ac:chgData name="Fatima Pillosu" userId="a6295d4dc9e22643" providerId="LiveId" clId="{B303C878-8799-4007-876A-6617B70F571A}" dt="2020-12-01T11:15:15.182" v="3543"/>
+        <pc:spChg chg="add del mod">
+          <ac:chgData name="Fatima Pillosu" userId="a6295d4dc9e22643" providerId="LiveId" clId="{B303C878-8799-4007-876A-6617B70F571A}" dt="2020-12-01T12:08:26.520" v="4465"/>
           <ac:spMkLst>
             <pc:docMk/>
             <pc:sldMk cId="2969362105" sldId="256"/>
             <ac:spMk id="582" creationId="{82513933-1BBA-46D9-8603-EFF35D5C53B5}"/>
           </ac:spMkLst>
         </pc:spChg>
-        <pc:spChg chg="add">
-          <ac:chgData name="Fatima Pillosu" userId="a6295d4dc9e22643" providerId="LiveId" clId="{B303C878-8799-4007-876A-6617B70F571A}" dt="2020-12-01T11:15:15.182" v="3543"/>
+        <pc:spChg chg="add del mod">
+          <ac:chgData name="Fatima Pillosu" userId="a6295d4dc9e22643" providerId="LiveId" clId="{B303C878-8799-4007-876A-6617B70F571A}" dt="2020-12-01T12:08:26.520" v="4465"/>
           <ac:spMkLst>
             <pc:docMk/>
             <pc:sldMk cId="2969362105" sldId="256"/>
             <ac:spMk id="583" creationId="{49110910-80E9-435E-AFCB-CF2D2FFC3EE1}"/>
           </ac:spMkLst>
         </pc:spChg>
-        <pc:spChg chg="add">
-          <ac:chgData name="Fatima Pillosu" userId="a6295d4dc9e22643" providerId="LiveId" clId="{B303C878-8799-4007-876A-6617B70F571A}" dt="2020-12-01T11:15:15.182" v="3543"/>
+        <pc:spChg chg="add del mod">
+          <ac:chgData name="Fatima Pillosu" userId="a6295d4dc9e22643" providerId="LiveId" clId="{B303C878-8799-4007-876A-6617B70F571A}" dt="2020-12-01T12:08:26.520" v="4465"/>
           <ac:spMkLst>
             <pc:docMk/>
             <pc:sldMk cId="2969362105" sldId="256"/>
             <ac:spMk id="584" creationId="{0D9B6692-6676-4184-B2E7-B66555401357}"/>
           </ac:spMkLst>
         </pc:spChg>
-        <pc:spChg chg="add">
-          <ac:chgData name="Fatima Pillosu" userId="a6295d4dc9e22643" providerId="LiveId" clId="{B303C878-8799-4007-876A-6617B70F571A}" dt="2020-12-01T11:15:15.182" v="3543"/>
+        <pc:spChg chg="add del mod">
+          <ac:chgData name="Fatima Pillosu" userId="a6295d4dc9e22643" providerId="LiveId" clId="{B303C878-8799-4007-876A-6617B70F571A}" dt="2020-12-01T12:08:26.520" v="4465"/>
           <ac:spMkLst>
             <pc:docMk/>
             <pc:sldMk cId="2969362105" sldId="256"/>
             <ac:spMk id="587" creationId="{D38FF5FC-DB5B-48E0-9458-49A64B28B864}"/>
           </ac:spMkLst>
         </pc:spChg>
-        <pc:spChg chg="add">
-          <ac:chgData name="Fatima Pillosu" userId="a6295d4dc9e22643" providerId="LiveId" clId="{B303C878-8799-4007-876A-6617B70F571A}" dt="2020-12-01T11:15:15.182" v="3543"/>
+        <pc:spChg chg="add del mod">
+          <ac:chgData name="Fatima Pillosu" userId="a6295d4dc9e22643" providerId="LiveId" clId="{B303C878-8799-4007-876A-6617B70F571A}" dt="2020-12-01T12:08:26.520" v="4465"/>
           <ac:spMkLst>
             <pc:docMk/>
             <pc:sldMk cId="2969362105" sldId="256"/>
             <ac:spMk id="589" creationId="{390C5F0F-D9BC-43AC-A608-86B43AE1D883}"/>
           </ac:spMkLst>
         </pc:spChg>
-        <pc:spChg chg="add">
-          <ac:chgData name="Fatima Pillosu" userId="a6295d4dc9e22643" providerId="LiveId" clId="{B303C878-8799-4007-876A-6617B70F571A}" dt="2020-12-01T11:15:15.182" v="3543"/>
+        <pc:spChg chg="add del mod">
+          <ac:chgData name="Fatima Pillosu" userId="a6295d4dc9e22643" providerId="LiveId" clId="{B303C878-8799-4007-876A-6617B70F571A}" dt="2020-12-01T12:08:26.520" v="4465"/>
           <ac:spMkLst>
             <pc:docMk/>
             <pc:sldMk cId="2969362105" sldId="256"/>
             <ac:spMk id="591" creationId="{E50D01C2-7955-450B-ABBB-79AA2A726C33}"/>
           </ac:spMkLst>
         </pc:spChg>
-        <pc:spChg chg="add">
-          <ac:chgData name="Fatima Pillosu" userId="a6295d4dc9e22643" providerId="LiveId" clId="{B303C878-8799-4007-876A-6617B70F571A}" dt="2020-12-01T11:15:15.182" v="3543"/>
+        <pc:spChg chg="add del mod">
+          <ac:chgData name="Fatima Pillosu" userId="a6295d4dc9e22643" providerId="LiveId" clId="{B303C878-8799-4007-876A-6617B70F571A}" dt="2020-12-01T12:08:26.520" v="4465"/>
           <ac:spMkLst>
             <pc:docMk/>
             <pc:sldMk cId="2969362105" sldId="256"/>
             <ac:spMk id="593" creationId="{E22D63D3-B556-42A7-A50B-4C104C7EC7E4}"/>
           </ac:spMkLst>
         </pc:spChg>
-        <pc:spChg chg="add">
-          <ac:chgData name="Fatima Pillosu" userId="a6295d4dc9e22643" providerId="LiveId" clId="{B303C878-8799-4007-876A-6617B70F571A}" dt="2020-12-01T11:15:15.182" v="3543"/>
+        <pc:spChg chg="add del mod ord">
+          <ac:chgData name="Fatima Pillosu" userId="a6295d4dc9e22643" providerId="LiveId" clId="{B303C878-8799-4007-876A-6617B70F571A}" dt="2020-12-01T12:08:26.520" v="4465"/>
           <ac:spMkLst>
             <pc:docMk/>
             <pc:sldMk cId="2969362105" sldId="256"/>
             <ac:spMk id="595" creationId="{A264B17E-2F77-4BA7-95AD-B91DD711AB19}"/>
           </ac:spMkLst>
         </pc:spChg>
-        <pc:spChg chg="add">
-          <ac:chgData name="Fatima Pillosu" userId="a6295d4dc9e22643" providerId="LiveId" clId="{B303C878-8799-4007-876A-6617B70F571A}" dt="2020-12-01T11:15:15.182" v="3543"/>
+        <pc:spChg chg="add del mod">
+          <ac:chgData name="Fatima Pillosu" userId="a6295d4dc9e22643" providerId="LiveId" clId="{B303C878-8799-4007-876A-6617B70F571A}" dt="2020-12-01T12:08:26.520" v="4465"/>
           <ac:spMkLst>
             <pc:docMk/>
             <pc:sldMk cId="2969362105" sldId="256"/>
             <ac:spMk id="596" creationId="{9624320E-1D30-427B-A731-6794C92FAD5D}"/>
           </ac:spMkLst>
         </pc:spChg>
-        <pc:spChg chg="add">
-          <ac:chgData name="Fatima Pillosu" userId="a6295d4dc9e22643" providerId="LiveId" clId="{B303C878-8799-4007-876A-6617B70F571A}" dt="2020-12-01T11:15:15.182" v="3543"/>
+        <pc:spChg chg="add del mod">
+          <ac:chgData name="Fatima Pillosu" userId="a6295d4dc9e22643" providerId="LiveId" clId="{B303C878-8799-4007-876A-6617B70F571A}" dt="2020-12-01T12:08:26.520" v="4465"/>
           <ac:spMkLst>
             <pc:docMk/>
             <pc:sldMk cId="2969362105" sldId="256"/>
             <ac:spMk id="599" creationId="{02D6C370-AD89-4813-8A28-7231CEB4780C}"/>
           </ac:spMkLst>
         </pc:spChg>
-        <pc:spChg chg="add">
-          <ac:chgData name="Fatima Pillosu" userId="a6295d4dc9e22643" providerId="LiveId" clId="{B303C878-8799-4007-876A-6617B70F571A}" dt="2020-12-01T11:15:15.182" v="3543"/>
+        <pc:spChg chg="add del mod">
+          <ac:chgData name="Fatima Pillosu" userId="a6295d4dc9e22643" providerId="LiveId" clId="{B303C878-8799-4007-876A-6617B70F571A}" dt="2020-12-01T11:55:27.600" v="4221" actId="478"/>
           <ac:spMkLst>
             <pc:docMk/>
             <pc:sldMk cId="2969362105" sldId="256"/>
             <ac:spMk id="603" creationId="{AA025DB6-579C-4E33-B35F-3CD60628D75F}"/>
           </ac:spMkLst>
         </pc:spChg>
-        <pc:spChg chg="add">
-          <ac:chgData name="Fatima Pillosu" userId="a6295d4dc9e22643" providerId="LiveId" clId="{B303C878-8799-4007-876A-6617B70F571A}" dt="2020-12-01T11:15:15.182" v="3543"/>
+        <pc:spChg chg="add del mod">
+          <ac:chgData name="Fatima Pillosu" userId="a6295d4dc9e22643" providerId="LiveId" clId="{B303C878-8799-4007-876A-6617B70F571A}" dt="2020-12-01T12:08:26.520" v="4465"/>
           <ac:spMkLst>
             <pc:docMk/>
             <pc:sldMk cId="2969362105" sldId="256"/>
             <ac:spMk id="604" creationId="{95F36DA6-DFFC-4DC6-8E6D-0AEC7EAC726A}"/>
           </ac:spMkLst>
         </pc:spChg>
-        <pc:spChg chg="add">
-          <ac:chgData name="Fatima Pillosu" userId="a6295d4dc9e22643" providerId="LiveId" clId="{B303C878-8799-4007-876A-6617B70F571A}" dt="2020-12-01T11:15:15.182" v="3543"/>
+        <pc:spChg chg="add del mod">
+          <ac:chgData name="Fatima Pillosu" userId="a6295d4dc9e22643" providerId="LiveId" clId="{B303C878-8799-4007-876A-6617B70F571A}" dt="2020-12-01T12:08:26.520" v="4465"/>
           <ac:spMkLst>
             <pc:docMk/>
             <pc:sldMk cId="2969362105" sldId="256"/>
             <ac:spMk id="606" creationId="{B5486DDF-01BF-47D3-97AC-4528068B52D7}"/>
           </ac:spMkLst>
         </pc:spChg>
-        <pc:spChg chg="add">
-          <ac:chgData name="Fatima Pillosu" userId="a6295d4dc9e22643" providerId="LiveId" clId="{B303C878-8799-4007-876A-6617B70F571A}" dt="2020-12-01T11:15:15.182" v="3543"/>
+        <pc:spChg chg="add del mod">
+          <ac:chgData name="Fatima Pillosu" userId="a6295d4dc9e22643" providerId="LiveId" clId="{B303C878-8799-4007-876A-6617B70F571A}" dt="2020-12-01T12:08:26.520" v="4465"/>
           <ac:spMkLst>
             <pc:docMk/>
             <pc:sldMk cId="2969362105" sldId="256"/>
             <ac:spMk id="608" creationId="{42768EC0-FD5F-4AC9-9600-3A638007FD67}"/>
           </ac:spMkLst>
         </pc:spChg>
-        <pc:spChg chg="add">
-          <ac:chgData name="Fatima Pillosu" userId="a6295d4dc9e22643" providerId="LiveId" clId="{B303C878-8799-4007-876A-6617B70F571A}" dt="2020-12-01T11:15:15.182" v="3543"/>
+        <pc:spChg chg="add del mod">
+          <ac:chgData name="Fatima Pillosu" userId="a6295d4dc9e22643" providerId="LiveId" clId="{B303C878-8799-4007-876A-6617B70F571A}" dt="2020-12-01T12:08:26.520" v="4465"/>
           <ac:spMkLst>
             <pc:docMk/>
             <pc:sldMk cId="2969362105" sldId="256"/>
             <ac:spMk id="609" creationId="{12C21C0C-6A7E-4766-95C8-03C8C3666971}"/>
           </ac:spMkLst>
         </pc:spChg>
-        <pc:spChg chg="add">
-          <ac:chgData name="Fatima Pillosu" userId="a6295d4dc9e22643" providerId="LiveId" clId="{B303C878-8799-4007-876A-6617B70F571A}" dt="2020-12-01T11:15:15.182" v="3543"/>
+        <pc:spChg chg="add del mod">
+          <ac:chgData name="Fatima Pillosu" userId="a6295d4dc9e22643" providerId="LiveId" clId="{B303C878-8799-4007-876A-6617B70F571A}" dt="2020-12-01T12:08:26.520" v="4465"/>
           <ac:spMkLst>
             <pc:docMk/>
             <pc:sldMk cId="2969362105" sldId="256"/>
             <ac:spMk id="610" creationId="{3D5B792D-03F0-43C0-938A-22B8761ECBB5}"/>
           </ac:spMkLst>
         </pc:spChg>
-        <pc:spChg chg="add">
-          <ac:chgData name="Fatima Pillosu" userId="a6295d4dc9e22643" providerId="LiveId" clId="{B303C878-8799-4007-876A-6617B70F571A}" dt="2020-12-01T11:15:15.182" v="3543"/>
+        <pc:spChg chg="add del mod">
+          <ac:chgData name="Fatima Pillosu" userId="a6295d4dc9e22643" providerId="LiveId" clId="{B303C878-8799-4007-876A-6617B70F571A}" dt="2020-12-01T11:36:34.767" v="3788" actId="478"/>
           <ac:spMkLst>
             <pc:docMk/>
             <pc:sldMk cId="2969362105" sldId="256"/>
             <ac:spMk id="612" creationId="{9F123F85-0B59-43C6-8578-09D9C492B063}"/>
           </ac:spMkLst>
         </pc:spChg>
-        <pc:spChg chg="add">
-          <ac:chgData name="Fatima Pillosu" userId="a6295d4dc9e22643" providerId="LiveId" clId="{B303C878-8799-4007-876A-6617B70F571A}" dt="2020-12-01T11:15:15.182" v="3543"/>
+        <pc:spChg chg="add del">
+          <ac:chgData name="Fatima Pillosu" userId="a6295d4dc9e22643" providerId="LiveId" clId="{B303C878-8799-4007-876A-6617B70F571A}" dt="2020-12-01T11:26:24.845" v="3552" actId="478"/>
           <ac:spMkLst>
             <pc:docMk/>
             <pc:sldMk cId="2969362105" sldId="256"/>
             <ac:spMk id="613" creationId="{BD782685-6353-446B-BE2B-FA32D3C39BD0}"/>
           </ac:spMkLst>
         </pc:spChg>
-        <pc:spChg chg="add">
-          <ac:chgData name="Fatima Pillosu" userId="a6295d4dc9e22643" providerId="LiveId" clId="{B303C878-8799-4007-876A-6617B70F571A}" dt="2020-12-01T11:15:15.182" v="3543"/>
+        <pc:spChg chg="add del">
+          <ac:chgData name="Fatima Pillosu" userId="a6295d4dc9e22643" providerId="LiveId" clId="{B303C878-8799-4007-876A-6617B70F571A}" dt="2020-12-01T11:29:38.372" v="3602" actId="478"/>
           <ac:spMkLst>
             <pc:docMk/>
             <pc:sldMk cId="2969362105" sldId="256"/>
             <ac:spMk id="614" creationId="{403F2F36-A154-4296-BA0F-D9BA651C6D66}"/>
           </ac:spMkLst>
         </pc:spChg>
-        <pc:spChg chg="add">
-          <ac:chgData name="Fatima Pillosu" userId="a6295d4dc9e22643" providerId="LiveId" clId="{B303C878-8799-4007-876A-6617B70F571A}" dt="2020-12-01T11:15:15.182" v="3543"/>
+        <pc:spChg chg="add del">
+          <ac:chgData name="Fatima Pillosu" userId="a6295d4dc9e22643" providerId="LiveId" clId="{B303C878-8799-4007-876A-6617B70F571A}" dt="2020-12-01T11:29:37.902" v="3601" actId="478"/>
           <ac:spMkLst>
             <pc:docMk/>
             <pc:sldMk cId="2969362105" sldId="256"/>
             <ac:spMk id="615" creationId="{F0558257-C578-49B7-976E-8F00D9E4338C}"/>
           </ac:spMkLst>
         </pc:spChg>
-        <pc:spChg chg="add">
-          <ac:chgData name="Fatima Pillosu" userId="a6295d4dc9e22643" providerId="LiveId" clId="{B303C878-8799-4007-876A-6617B70F571A}" dt="2020-12-01T11:15:15.182" v="3543"/>
+        <pc:spChg chg="add del mod">
+          <ac:chgData name="Fatima Pillosu" userId="a6295d4dc9e22643" providerId="LiveId" clId="{B303C878-8799-4007-876A-6617B70F571A}" dt="2020-12-01T12:08:26.520" v="4465"/>
           <ac:spMkLst>
             <pc:docMk/>
             <pc:sldMk cId="2969362105" sldId="256"/>
             <ac:spMk id="617" creationId="{247E3BFC-B71F-4007-9D83-276EA6710971}"/>
           </ac:spMkLst>
         </pc:spChg>
-        <pc:spChg chg="add">
-          <ac:chgData name="Fatima Pillosu" userId="a6295d4dc9e22643" providerId="LiveId" clId="{B303C878-8799-4007-876A-6617B70F571A}" dt="2020-12-01T11:15:15.182" v="3543"/>
+        <pc:spChg chg="add del mod">
+          <ac:chgData name="Fatima Pillosu" userId="a6295d4dc9e22643" providerId="LiveId" clId="{B303C878-8799-4007-876A-6617B70F571A}" dt="2020-12-01T12:08:26.520" v="4465"/>
           <ac:spMkLst>
             <pc:docMk/>
             <pc:sldMk cId="2969362105" sldId="256"/>
             <ac:spMk id="618" creationId="{87E00B16-98D5-414B-A509-BC975F797632}"/>
           </ac:spMkLst>
         </pc:spChg>
-        <pc:spChg chg="add">
-          <ac:chgData name="Fatima Pillosu" userId="a6295d4dc9e22643" providerId="LiveId" clId="{B303C878-8799-4007-876A-6617B70F571A}" dt="2020-12-01T11:15:15.182" v="3543"/>
+        <pc:spChg chg="add del mod">
+          <ac:chgData name="Fatima Pillosu" userId="a6295d4dc9e22643" providerId="LiveId" clId="{B303C878-8799-4007-876A-6617B70F571A}" dt="2020-12-01T12:08:26.520" v="4465"/>
           <ac:spMkLst>
             <pc:docMk/>
             <pc:sldMk cId="2969362105" sldId="256"/>
             <ac:spMk id="619" creationId="{B1BC9740-288C-4A7C-931E-A8FB691758AA}"/>
           </ac:spMkLst>
         </pc:spChg>
-        <pc:spChg chg="add">
-          <ac:chgData name="Fatima Pillosu" userId="a6295d4dc9e22643" providerId="LiveId" clId="{B303C878-8799-4007-876A-6617B70F571A}" dt="2020-12-01T11:15:15.182" v="3543"/>
+        <pc:spChg chg="add del mod">
+          <ac:chgData name="Fatima Pillosu" userId="a6295d4dc9e22643" providerId="LiveId" clId="{B303C878-8799-4007-876A-6617B70F571A}" dt="2020-12-01T11:45:36.499" v="4072" actId="478"/>
           <ac:spMkLst>
             <pc:docMk/>
             <pc:sldMk cId="2969362105" sldId="256"/>
             <ac:spMk id="621" creationId="{4078EFB5-B93D-438D-98BE-E2FC82F5F5E9}"/>
           </ac:spMkLst>
         </pc:spChg>
-        <pc:spChg chg="add">
-          <ac:chgData name="Fatima Pillosu" userId="a6295d4dc9e22643" providerId="LiveId" clId="{B303C878-8799-4007-876A-6617B70F571A}" dt="2020-12-01T11:15:15.182" v="3543"/>
+        <pc:spChg chg="add del mod">
+          <ac:chgData name="Fatima Pillosu" userId="a6295d4dc9e22643" providerId="LiveId" clId="{B303C878-8799-4007-876A-6617B70F571A}" dt="2020-12-01T11:45:36.499" v="4072" actId="478"/>
           <ac:spMkLst>
             <pc:docMk/>
             <pc:sldMk cId="2969362105" sldId="256"/>
             <ac:spMk id="622" creationId="{7BDD76D7-B2C0-423A-9BD4-9404C3C0EF34}"/>
+          </ac:spMkLst>
+        </pc:spChg>
+        <pc:spChg chg="del mod topLvl">
+          <ac:chgData name="Fatima Pillosu" userId="a6295d4dc9e22643" providerId="LiveId" clId="{B303C878-8799-4007-876A-6617B70F571A}" dt="2020-12-01T11:53:06.159" v="4179" actId="478"/>
+          <ac:spMkLst>
+            <pc:docMk/>
+            <pc:sldMk cId="2969362105" sldId="256"/>
+            <ac:spMk id="625" creationId="{A4EADECA-0110-42DD-BA8C-87A5161A1618}"/>
+          </ac:spMkLst>
+        </pc:spChg>
+        <pc:spChg chg="del mod ord topLvl">
+          <ac:chgData name="Fatima Pillosu" userId="a6295d4dc9e22643" providerId="LiveId" clId="{B303C878-8799-4007-876A-6617B70F571A}" dt="2020-12-01T12:08:26.520" v="4465"/>
+          <ac:spMkLst>
+            <pc:docMk/>
+            <pc:sldMk cId="2969362105" sldId="256"/>
+            <ac:spMk id="626" creationId="{7CD8AAE6-E4F3-4679-93C3-99832360A3A1}"/>
           </ac:spMkLst>
         </pc:spChg>
         <pc:grpChg chg="add del mod">
@@ -2855,8 +3535,8 @@
             <ac:grpSpMk id="570" creationId="{773BB4BA-4095-4F26-BCF6-E977BF51B3A7}"/>
           </ac:grpSpMkLst>
         </pc:grpChg>
-        <pc:grpChg chg="add">
-          <ac:chgData name="Fatima Pillosu" userId="a6295d4dc9e22643" providerId="LiveId" clId="{B303C878-8799-4007-876A-6617B70F571A}" dt="2020-12-01T11:15:15.182" v="3543"/>
+        <pc:grpChg chg="add del mod">
+          <ac:chgData name="Fatima Pillosu" userId="a6295d4dc9e22643" providerId="LiveId" clId="{B303C878-8799-4007-876A-6617B70F571A}" dt="2020-12-01T11:53:04.254" v="4178" actId="165"/>
           <ac:grpSpMkLst>
             <pc:docMk/>
             <pc:sldMk cId="2969362105" sldId="256"/>
@@ -2911,6 +3591,14 @@
             <ac:cxnSpMk id="20" creationId="{9C5EE143-A8CC-49A2-917A-6019CE90A78C}"/>
           </ac:cxnSpMkLst>
         </pc:cxnChg>
+        <pc:cxnChg chg="add del mod">
+          <ac:chgData name="Fatima Pillosu" userId="a6295d4dc9e22643" providerId="LiveId" clId="{B303C878-8799-4007-876A-6617B70F571A}" dt="2020-12-01T12:08:26.520" v="4465"/>
+          <ac:cxnSpMkLst>
+            <pc:docMk/>
+            <pc:sldMk cId="2969362105" sldId="256"/>
+            <ac:cxnSpMk id="45" creationId="{DE3BA6D2-14E1-4E46-8BFA-EA75FBEB76E4}"/>
+          </ac:cxnSpMkLst>
+        </pc:cxnChg>
         <pc:cxnChg chg="add mod topLvl">
           <ac:chgData name="Fatima Pillosu" userId="a6295d4dc9e22643" providerId="LiveId" clId="{B303C878-8799-4007-876A-6617B70F571A}" dt="2020-12-01T10:43:08.475" v="2809" actId="1076"/>
           <ac:cxnSpMkLst>
@@ -2919,6 +3607,14 @@
             <ac:cxnSpMk id="46" creationId="{AEF109B2-6AB1-40D0-B18C-553CF3817CA5}"/>
           </ac:cxnSpMkLst>
         </pc:cxnChg>
+        <pc:cxnChg chg="add del mod">
+          <ac:chgData name="Fatima Pillosu" userId="a6295d4dc9e22643" providerId="LiveId" clId="{B303C878-8799-4007-876A-6617B70F571A}" dt="2020-12-01T12:07:59.749" v="4462" actId="478"/>
+          <ac:cxnSpMkLst>
+            <pc:docMk/>
+            <pc:sldMk cId="2969362105" sldId="256"/>
+            <ac:cxnSpMk id="50" creationId="{7C1F2963-63D9-4354-99DB-AC3A6136B0E0}"/>
+          </ac:cxnSpMkLst>
+        </pc:cxnChg>
         <pc:cxnChg chg="add mod topLvl">
           <ac:chgData name="Fatima Pillosu" userId="a6295d4dc9e22643" providerId="LiveId" clId="{B303C878-8799-4007-876A-6617B70F571A}" dt="2020-12-01T10:09:59.328" v="2091" actId="164"/>
           <ac:cxnSpMkLst>
@@ -2935,6 +3631,14 @@
             <ac:cxnSpMk id="52" creationId="{2D0FC9AA-B353-4F0E-8C8B-4D6058A0DB0B}"/>
           </ac:cxnSpMkLst>
         </pc:cxnChg>
+        <pc:cxnChg chg="add del mod">
+          <ac:chgData name="Fatima Pillosu" userId="a6295d4dc9e22643" providerId="LiveId" clId="{B303C878-8799-4007-876A-6617B70F571A}" dt="2020-12-01T12:08:24.563" v="4464" actId="478"/>
+          <ac:cxnSpMkLst>
+            <pc:docMk/>
+            <pc:sldMk cId="2969362105" sldId="256"/>
+            <ac:cxnSpMk id="52" creationId="{6A1214B8-2572-45A0-A043-3BB83B519FDF}"/>
+          </ac:cxnSpMkLst>
+        </pc:cxnChg>
         <pc:cxnChg chg="add mod topLvl">
           <ac:chgData name="Fatima Pillosu" userId="a6295d4dc9e22643" providerId="LiveId" clId="{B303C878-8799-4007-876A-6617B70F571A}" dt="2020-12-01T10:31:04.316" v="2534" actId="164"/>
           <ac:cxnSpMkLst>
@@ -2999,6 +3703,14 @@
             <ac:cxnSpMk id="69" creationId="{F693101F-0C98-4AFE-88B2-B77B828FE167}"/>
           </ac:cxnSpMkLst>
         </pc:cxnChg>
+        <pc:cxnChg chg="add del mod">
+          <ac:chgData name="Fatima Pillosu" userId="a6295d4dc9e22643" providerId="LiveId" clId="{B303C878-8799-4007-876A-6617B70F571A}" dt="2020-12-01T11:34:27.517" v="3712" actId="478"/>
+          <ac:cxnSpMkLst>
+            <pc:docMk/>
+            <pc:sldMk cId="2969362105" sldId="256"/>
+            <ac:cxnSpMk id="70" creationId="{369C2DB7-C805-419B-94B3-8D550CB08943}"/>
+          </ac:cxnSpMkLst>
+        </pc:cxnChg>
         <pc:cxnChg chg="add mod">
           <ac:chgData name="Fatima Pillosu" userId="a6295d4dc9e22643" providerId="LiveId" clId="{B303C878-8799-4007-876A-6617B70F571A}" dt="2020-12-01T10:59:48.482" v="3294" actId="14100"/>
           <ac:cxnSpMkLst>
@@ -3015,6 +3727,14 @@
             <ac:cxnSpMk id="71" creationId="{4F379FFA-80D0-4EBB-B99D-F1CC6A3CEBA8}"/>
           </ac:cxnSpMkLst>
         </pc:cxnChg>
+        <pc:cxnChg chg="add del mod">
+          <ac:chgData name="Fatima Pillosu" userId="a6295d4dc9e22643" providerId="LiveId" clId="{B303C878-8799-4007-876A-6617B70F571A}" dt="2020-12-01T12:08:26.520" v="4465"/>
+          <ac:cxnSpMkLst>
+            <pc:docMk/>
+            <pc:sldMk cId="2969362105" sldId="256"/>
+            <ac:cxnSpMk id="73" creationId="{41D34DD9-0A2C-4B56-B2EA-EB760C049763}"/>
+          </ac:cxnSpMkLst>
+        </pc:cxnChg>
         <pc:cxnChg chg="del">
           <ac:chgData name="Fatima Pillosu" userId="a6295d4dc9e22643" providerId="LiveId" clId="{B303C878-8799-4007-876A-6617B70F571A}" dt="2020-12-01T09:11:52.646" v="0" actId="478"/>
           <ac:cxnSpMkLst>
@@ -3047,6 +3767,14 @@
             <ac:cxnSpMk id="79" creationId="{F28EE6A8-4458-4041-812C-AD2BCF25F9B0}"/>
           </ac:cxnSpMkLst>
         </pc:cxnChg>
+        <pc:cxnChg chg="add del mod">
+          <ac:chgData name="Fatima Pillosu" userId="a6295d4dc9e22643" providerId="LiveId" clId="{B303C878-8799-4007-876A-6617B70F571A}" dt="2020-12-01T12:08:26.520" v="4465"/>
+          <ac:cxnSpMkLst>
+            <pc:docMk/>
+            <pc:sldMk cId="2969362105" sldId="256"/>
+            <ac:cxnSpMk id="83" creationId="{8EA05C2A-0CC8-4474-AF85-D9AE72A9450D}"/>
+          </ac:cxnSpMkLst>
+        </pc:cxnChg>
         <pc:cxnChg chg="del mod">
           <ac:chgData name="Fatima Pillosu" userId="a6295d4dc9e22643" providerId="LiveId" clId="{B303C878-8799-4007-876A-6617B70F571A}" dt="2020-12-01T09:11:52.646" v="0" actId="478"/>
           <ac:cxnSpMkLst>
@@ -3055,6 +3783,14 @@
             <ac:cxnSpMk id="85" creationId="{60B6A986-8E6A-43A9-ACB3-69EA27889FF8}"/>
           </ac:cxnSpMkLst>
         </pc:cxnChg>
+        <pc:cxnChg chg="add del mod">
+          <ac:chgData name="Fatima Pillosu" userId="a6295d4dc9e22643" providerId="LiveId" clId="{B303C878-8799-4007-876A-6617B70F571A}" dt="2020-12-01T12:08:26.520" v="4465"/>
+          <ac:cxnSpMkLst>
+            <pc:docMk/>
+            <pc:sldMk cId="2969362105" sldId="256"/>
+            <ac:cxnSpMk id="86" creationId="{A4EBD584-6C52-4EF3-98BF-1B943084F560}"/>
+          </ac:cxnSpMkLst>
+        </pc:cxnChg>
         <pc:cxnChg chg="add mod">
           <ac:chgData name="Fatima Pillosu" userId="a6295d4dc9e22643" providerId="LiveId" clId="{B303C878-8799-4007-876A-6617B70F571A}" dt="2020-12-01T11:03:11.864" v="3323" actId="164"/>
           <ac:cxnSpMkLst>
@@ -3071,6 +3807,14 @@
             <ac:cxnSpMk id="88" creationId="{6CCFB491-9C2A-4046-BA55-C4A27969564E}"/>
           </ac:cxnSpMkLst>
         </pc:cxnChg>
+        <pc:cxnChg chg="add del mod">
+          <ac:chgData name="Fatima Pillosu" userId="a6295d4dc9e22643" providerId="LiveId" clId="{B303C878-8799-4007-876A-6617B70F571A}" dt="2020-12-01T12:08:26.520" v="4465"/>
+          <ac:cxnSpMkLst>
+            <pc:docMk/>
+            <pc:sldMk cId="2969362105" sldId="256"/>
+            <ac:cxnSpMk id="89" creationId="{4FEBE92E-D68D-44DF-85F5-31C22F7DA80C}"/>
+          </ac:cxnSpMkLst>
+        </pc:cxnChg>
         <pc:cxnChg chg="add del">
           <ac:chgData name="Fatima Pillosu" userId="a6295d4dc9e22643" providerId="LiveId" clId="{B303C878-8799-4007-876A-6617B70F571A}" dt="2020-12-01T09:52:52.740" v="1651" actId="478"/>
           <ac:cxnSpMkLst>
@@ -3104,11 +3848,275 @@
           </ac:cxnSpMkLst>
         </pc:cxnChg>
         <pc:cxnChg chg="add del mod">
+          <ac:chgData name="Fatima Pillosu" userId="a6295d4dc9e22643" providerId="LiveId" clId="{B303C878-8799-4007-876A-6617B70F571A}" dt="2020-12-01T12:08:26.520" v="4465"/>
+          <ac:cxnSpMkLst>
+            <pc:docMk/>
+            <pc:sldMk cId="2969362105" sldId="256"/>
+            <ac:cxnSpMk id="119" creationId="{7060834E-4527-43AF-8E23-B676486A7558}"/>
+          </ac:cxnSpMkLst>
+        </pc:cxnChg>
+        <pc:cxnChg chg="add del mod">
+          <ac:chgData name="Fatima Pillosu" userId="a6295d4dc9e22643" providerId="LiveId" clId="{B303C878-8799-4007-876A-6617B70F571A}" dt="2020-12-01T12:08:26.520" v="4465"/>
+          <ac:cxnSpMkLst>
+            <pc:docMk/>
+            <pc:sldMk cId="2969362105" sldId="256"/>
+            <ac:cxnSpMk id="120" creationId="{BCFCA772-F847-46CC-B544-D5592A180DFD}"/>
+          </ac:cxnSpMkLst>
+        </pc:cxnChg>
+        <pc:cxnChg chg="add del">
+          <ac:chgData name="Fatima Pillosu" userId="a6295d4dc9e22643" providerId="LiveId" clId="{B303C878-8799-4007-876A-6617B70F571A}" dt="2020-12-01T12:08:58.283" v="4467"/>
+          <ac:cxnSpMkLst>
+            <pc:docMk/>
+            <pc:sldMk cId="2969362105" sldId="256"/>
+            <ac:cxnSpMk id="128" creationId="{87937C4A-CDE4-4138-A8D1-500BEA06B640}"/>
+          </ac:cxnSpMkLst>
+        </pc:cxnChg>
+        <pc:cxnChg chg="add del">
+          <ac:chgData name="Fatima Pillosu" userId="a6295d4dc9e22643" providerId="LiveId" clId="{B303C878-8799-4007-876A-6617B70F571A}" dt="2020-12-01T12:08:58.283" v="4467"/>
+          <ac:cxnSpMkLst>
+            <pc:docMk/>
+            <pc:sldMk cId="2969362105" sldId="256"/>
+            <ac:cxnSpMk id="132" creationId="{F0DC29D1-37CE-41D2-9E82-7E7577B2604B}"/>
+          </ac:cxnSpMkLst>
+        </pc:cxnChg>
+        <pc:cxnChg chg="add del">
+          <ac:chgData name="Fatima Pillosu" userId="a6295d4dc9e22643" providerId="LiveId" clId="{B303C878-8799-4007-876A-6617B70F571A}" dt="2020-12-01T12:08:58.283" v="4467"/>
+          <ac:cxnSpMkLst>
+            <pc:docMk/>
+            <pc:sldMk cId="2969362105" sldId="256"/>
+            <ac:cxnSpMk id="136" creationId="{DA0FB68F-5E5C-407A-B50A-213B1AA9371E}"/>
+          </ac:cxnSpMkLst>
+        </pc:cxnChg>
+        <pc:cxnChg chg="add del">
+          <ac:chgData name="Fatima Pillosu" userId="a6295d4dc9e22643" providerId="LiveId" clId="{B303C878-8799-4007-876A-6617B70F571A}" dt="2020-12-01T12:08:58.283" v="4467"/>
+          <ac:cxnSpMkLst>
+            <pc:docMk/>
+            <pc:sldMk cId="2969362105" sldId="256"/>
+            <ac:cxnSpMk id="138" creationId="{52A3451F-7D34-45CB-9B3B-1C62090DE63C}"/>
+          </ac:cxnSpMkLst>
+        </pc:cxnChg>
+        <pc:cxnChg chg="add del">
+          <ac:chgData name="Fatima Pillosu" userId="a6295d4dc9e22643" providerId="LiveId" clId="{B303C878-8799-4007-876A-6617B70F571A}" dt="2020-12-01T12:08:58.283" v="4467"/>
+          <ac:cxnSpMkLst>
+            <pc:docMk/>
+            <pc:sldMk cId="2969362105" sldId="256"/>
+            <ac:cxnSpMk id="141" creationId="{A1992A13-41AA-4ECF-8742-630248A70211}"/>
+          </ac:cxnSpMkLst>
+        </pc:cxnChg>
+        <pc:cxnChg chg="add del">
+          <ac:chgData name="Fatima Pillosu" userId="a6295d4dc9e22643" providerId="LiveId" clId="{B303C878-8799-4007-876A-6617B70F571A}" dt="2020-12-01T12:08:58.283" v="4467"/>
+          <ac:cxnSpMkLst>
+            <pc:docMk/>
+            <pc:sldMk cId="2969362105" sldId="256"/>
+            <ac:cxnSpMk id="144" creationId="{39A163E0-988D-4C19-B5DC-314C514F5755}"/>
+          </ac:cxnSpMkLst>
+        </pc:cxnChg>
+        <pc:cxnChg chg="add del">
+          <ac:chgData name="Fatima Pillosu" userId="a6295d4dc9e22643" providerId="LiveId" clId="{B303C878-8799-4007-876A-6617B70F571A}" dt="2020-12-01T12:08:58.283" v="4467"/>
+          <ac:cxnSpMkLst>
+            <pc:docMk/>
+            <pc:sldMk cId="2969362105" sldId="256"/>
+            <ac:cxnSpMk id="145" creationId="{3885F3E4-7E1B-4022-A0AF-2934DFCF95B1}"/>
+          </ac:cxnSpMkLst>
+        </pc:cxnChg>
+        <pc:cxnChg chg="add del">
+          <ac:chgData name="Fatima Pillosu" userId="a6295d4dc9e22643" providerId="LiveId" clId="{B303C878-8799-4007-876A-6617B70F571A}" dt="2020-12-01T12:08:58.283" v="4467"/>
+          <ac:cxnSpMkLst>
+            <pc:docMk/>
+            <pc:sldMk cId="2969362105" sldId="256"/>
+            <ac:cxnSpMk id="147" creationId="{11464A45-B03A-4229-A9B5-9B28184E149B}"/>
+          </ac:cxnSpMkLst>
+        </pc:cxnChg>
+        <pc:cxnChg chg="add del">
+          <ac:chgData name="Fatima Pillosu" userId="a6295d4dc9e22643" providerId="LiveId" clId="{B303C878-8799-4007-876A-6617B70F571A}" dt="2020-12-01T12:08:58.283" v="4467"/>
+          <ac:cxnSpMkLst>
+            <pc:docMk/>
+            <pc:sldMk cId="2969362105" sldId="256"/>
+            <ac:cxnSpMk id="148" creationId="{5FBEBF81-D5D0-47A7-A39C-2E9678726A38}"/>
+          </ac:cxnSpMkLst>
+        </pc:cxnChg>
+        <pc:cxnChg chg="add del">
+          <ac:chgData name="Fatima Pillosu" userId="a6295d4dc9e22643" providerId="LiveId" clId="{B303C878-8799-4007-876A-6617B70F571A}" dt="2020-12-01T12:08:58.283" v="4467"/>
+          <ac:cxnSpMkLst>
+            <pc:docMk/>
+            <pc:sldMk cId="2969362105" sldId="256"/>
+            <ac:cxnSpMk id="149" creationId="{A3473634-8E60-4BA3-8A36-D0EEBF783DAA}"/>
+          </ac:cxnSpMkLst>
+        </pc:cxnChg>
+        <pc:cxnChg chg="add del">
+          <ac:chgData name="Fatima Pillosu" userId="a6295d4dc9e22643" providerId="LiveId" clId="{B303C878-8799-4007-876A-6617B70F571A}" dt="2020-12-01T12:08:58.283" v="4467"/>
+          <ac:cxnSpMkLst>
+            <pc:docMk/>
+            <pc:sldMk cId="2969362105" sldId="256"/>
+            <ac:cxnSpMk id="151" creationId="{482000AE-3F91-4CB5-B744-FD77D8B53151}"/>
+          </ac:cxnSpMkLst>
+        </pc:cxnChg>
+        <pc:cxnChg chg="add del">
+          <ac:chgData name="Fatima Pillosu" userId="a6295d4dc9e22643" providerId="LiveId" clId="{B303C878-8799-4007-876A-6617B70F571A}" dt="2020-12-01T12:08:58.283" v="4467"/>
+          <ac:cxnSpMkLst>
+            <pc:docMk/>
+            <pc:sldMk cId="2969362105" sldId="256"/>
+            <ac:cxnSpMk id="153" creationId="{7B513F90-4F34-4896-A4B6-FBE861FDD3DE}"/>
+          </ac:cxnSpMkLst>
+        </pc:cxnChg>
+        <pc:cxnChg chg="add del">
+          <ac:chgData name="Fatima Pillosu" userId="a6295d4dc9e22643" providerId="LiveId" clId="{B303C878-8799-4007-876A-6617B70F571A}" dt="2020-12-01T12:08:58.283" v="4467"/>
+          <ac:cxnSpMkLst>
+            <pc:docMk/>
+            <pc:sldMk cId="2969362105" sldId="256"/>
+            <ac:cxnSpMk id="157" creationId="{5824398D-B0F1-4D85-AD46-DA6A9030426A}"/>
+          </ac:cxnSpMkLst>
+        </pc:cxnChg>
+        <pc:cxnChg chg="add del">
+          <ac:chgData name="Fatima Pillosu" userId="a6295d4dc9e22643" providerId="LiveId" clId="{B303C878-8799-4007-876A-6617B70F571A}" dt="2020-12-01T12:08:58.283" v="4467"/>
+          <ac:cxnSpMkLst>
+            <pc:docMk/>
+            <pc:sldMk cId="2969362105" sldId="256"/>
+            <ac:cxnSpMk id="161" creationId="{9586AE05-067E-4FB8-91A6-AF5047F34D44}"/>
+          </ac:cxnSpMkLst>
+        </pc:cxnChg>
+        <pc:cxnChg chg="add del">
+          <ac:chgData name="Fatima Pillosu" userId="a6295d4dc9e22643" providerId="LiveId" clId="{B303C878-8799-4007-876A-6617B70F571A}" dt="2020-12-01T12:08:58.283" v="4467"/>
+          <ac:cxnSpMkLst>
+            <pc:docMk/>
+            <pc:sldMk cId="2969362105" sldId="256"/>
+            <ac:cxnSpMk id="163" creationId="{00B44F02-5A3B-49B5-8973-D12AC0077882}"/>
+          </ac:cxnSpMkLst>
+        </pc:cxnChg>
+        <pc:cxnChg chg="add del">
+          <ac:chgData name="Fatima Pillosu" userId="a6295d4dc9e22643" providerId="LiveId" clId="{B303C878-8799-4007-876A-6617B70F571A}" dt="2020-12-01T12:08:58.283" v="4467"/>
+          <ac:cxnSpMkLst>
+            <pc:docMk/>
+            <pc:sldMk cId="2969362105" sldId="256"/>
+            <ac:cxnSpMk id="164" creationId="{23C32907-A14E-4338-AC03-1168C2F388CE}"/>
+          </ac:cxnSpMkLst>
+        </pc:cxnChg>
+        <pc:cxnChg chg="add del">
+          <ac:chgData name="Fatima Pillosu" userId="a6295d4dc9e22643" providerId="LiveId" clId="{B303C878-8799-4007-876A-6617B70F571A}" dt="2020-12-01T12:08:58.283" v="4467"/>
+          <ac:cxnSpMkLst>
+            <pc:docMk/>
+            <pc:sldMk cId="2969362105" sldId="256"/>
+            <ac:cxnSpMk id="167" creationId="{95F8D30A-F074-49F9-B9BE-C7129FD1B87B}"/>
+          </ac:cxnSpMkLst>
+        </pc:cxnChg>
+        <pc:cxnChg chg="add del">
+          <ac:chgData name="Fatima Pillosu" userId="a6295d4dc9e22643" providerId="LiveId" clId="{B303C878-8799-4007-876A-6617B70F571A}" dt="2020-12-01T12:08:58.283" v="4467"/>
+          <ac:cxnSpMkLst>
+            <pc:docMk/>
+            <pc:sldMk cId="2969362105" sldId="256"/>
+            <ac:cxnSpMk id="170" creationId="{50CD2F7C-336B-4D69-8E1C-594D335127E0}"/>
+          </ac:cxnSpMkLst>
+        </pc:cxnChg>
+        <pc:cxnChg chg="add del">
+          <ac:chgData name="Fatima Pillosu" userId="a6295d4dc9e22643" providerId="LiveId" clId="{B303C878-8799-4007-876A-6617B70F571A}" dt="2020-12-01T12:08:58.283" v="4467"/>
+          <ac:cxnSpMkLst>
+            <pc:docMk/>
+            <pc:sldMk cId="2969362105" sldId="256"/>
+            <ac:cxnSpMk id="179" creationId="{D4C7D286-03DF-4A10-B964-8DA9BDA0B284}"/>
+          </ac:cxnSpMkLst>
+        </pc:cxnChg>
+        <pc:cxnChg chg="add del">
+          <ac:chgData name="Fatima Pillosu" userId="a6295d4dc9e22643" providerId="LiveId" clId="{B303C878-8799-4007-876A-6617B70F571A}" dt="2020-12-01T12:08:58.283" v="4467"/>
+          <ac:cxnSpMkLst>
+            <pc:docMk/>
+            <pc:sldMk cId="2969362105" sldId="256"/>
+            <ac:cxnSpMk id="180" creationId="{121D4550-ED80-4FDB-BE53-5CF80AE02223}"/>
+          </ac:cxnSpMkLst>
+        </pc:cxnChg>
+        <pc:cxnChg chg="add del">
+          <ac:chgData name="Fatima Pillosu" userId="a6295d4dc9e22643" providerId="LiveId" clId="{B303C878-8799-4007-876A-6617B70F571A}" dt="2020-12-01T12:08:58.283" v="4467"/>
+          <ac:cxnSpMkLst>
+            <pc:docMk/>
+            <pc:sldMk cId="2969362105" sldId="256"/>
+            <ac:cxnSpMk id="181" creationId="{64C5F518-2DEA-44D0-8306-2E0F8E899304}"/>
+          </ac:cxnSpMkLst>
+        </pc:cxnChg>
+        <pc:cxnChg chg="add mod">
+          <ac:chgData name="Fatima Pillosu" userId="a6295d4dc9e22643" providerId="LiveId" clId="{B303C878-8799-4007-876A-6617B70F571A}" dt="2020-12-01T12:09:15.747" v="4474" actId="1038"/>
+          <ac:cxnSpMkLst>
+            <pc:docMk/>
+            <pc:sldMk cId="2969362105" sldId="256"/>
+            <ac:cxnSpMk id="182" creationId="{E9029CBA-5931-4EA3-B709-3C3824305408}"/>
+          </ac:cxnSpMkLst>
+        </pc:cxnChg>
+        <pc:cxnChg chg="add mod">
+          <ac:chgData name="Fatima Pillosu" userId="a6295d4dc9e22643" providerId="LiveId" clId="{B303C878-8799-4007-876A-6617B70F571A}" dt="2020-12-01T12:09:15.747" v="4474" actId="1038"/>
+          <ac:cxnSpMkLst>
+            <pc:docMk/>
+            <pc:sldMk cId="2969362105" sldId="256"/>
+            <ac:cxnSpMk id="186" creationId="{AA4CB908-A9FE-49FC-BAA3-65CB70C74B46}"/>
+          </ac:cxnSpMkLst>
+        </pc:cxnChg>
+        <pc:cxnChg chg="add mod">
+          <ac:chgData name="Fatima Pillosu" userId="a6295d4dc9e22643" providerId="LiveId" clId="{B303C878-8799-4007-876A-6617B70F571A}" dt="2020-12-01T12:09:15.747" v="4474" actId="1038"/>
+          <ac:cxnSpMkLst>
+            <pc:docMk/>
+            <pc:sldMk cId="2969362105" sldId="256"/>
+            <ac:cxnSpMk id="190" creationId="{3524CCF5-A45E-4278-8F6B-77D15132D3BC}"/>
+          </ac:cxnSpMkLst>
+        </pc:cxnChg>
+        <pc:cxnChg chg="add mod">
+          <ac:chgData name="Fatima Pillosu" userId="a6295d4dc9e22643" providerId="LiveId" clId="{B303C878-8799-4007-876A-6617B70F571A}" dt="2020-12-01T12:09:15.747" v="4474" actId="1038"/>
+          <ac:cxnSpMkLst>
+            <pc:docMk/>
+            <pc:sldMk cId="2969362105" sldId="256"/>
+            <ac:cxnSpMk id="192" creationId="{B473CF8F-6559-47EA-9E66-A28BCE36BFB7}"/>
+          </ac:cxnSpMkLst>
+        </pc:cxnChg>
+        <pc:cxnChg chg="add mod">
+          <ac:chgData name="Fatima Pillosu" userId="a6295d4dc9e22643" providerId="LiveId" clId="{B303C878-8799-4007-876A-6617B70F571A}" dt="2020-12-01T12:09:15.747" v="4474" actId="1038"/>
+          <ac:cxnSpMkLst>
+            <pc:docMk/>
+            <pc:sldMk cId="2969362105" sldId="256"/>
+            <ac:cxnSpMk id="195" creationId="{DB6B199D-381C-471E-8376-137993F1ABAE}"/>
+          </ac:cxnSpMkLst>
+        </pc:cxnChg>
+        <pc:cxnChg chg="add mod">
+          <ac:chgData name="Fatima Pillosu" userId="a6295d4dc9e22643" providerId="LiveId" clId="{B303C878-8799-4007-876A-6617B70F571A}" dt="2020-12-01T12:09:15.747" v="4474" actId="1038"/>
+          <ac:cxnSpMkLst>
+            <pc:docMk/>
+            <pc:sldMk cId="2969362105" sldId="256"/>
+            <ac:cxnSpMk id="198" creationId="{9595FAE8-5BA4-4AE1-99DF-6976A14D4918}"/>
+          </ac:cxnSpMkLst>
+        </pc:cxnChg>
+        <pc:cxnChg chg="add mod">
+          <ac:chgData name="Fatima Pillosu" userId="a6295d4dc9e22643" providerId="LiveId" clId="{B303C878-8799-4007-876A-6617B70F571A}" dt="2020-12-01T12:09:15.747" v="4474" actId="1038"/>
+          <ac:cxnSpMkLst>
+            <pc:docMk/>
+            <pc:sldMk cId="2969362105" sldId="256"/>
+            <ac:cxnSpMk id="199" creationId="{E251F78D-FA76-4704-8CCB-4C016CA112C7}"/>
+          </ac:cxnSpMkLst>
+        </pc:cxnChg>
+        <pc:cxnChg chg="add del mod">
           <ac:chgData name="Fatima Pillosu" userId="a6295d4dc9e22643" providerId="LiveId" clId="{B303C878-8799-4007-876A-6617B70F571A}" dt="2020-12-01T11:04:17.304" v="3330" actId="478"/>
           <ac:cxnSpMkLst>
             <pc:docMk/>
             <pc:sldMk cId="2969362105" sldId="256"/>
             <ac:cxnSpMk id="200" creationId="{00A9E7F2-F16A-49B6-BB11-513CA537F936}"/>
+          </ac:cxnSpMkLst>
+        </pc:cxnChg>
+        <pc:cxnChg chg="add mod">
+          <ac:chgData name="Fatima Pillosu" userId="a6295d4dc9e22643" providerId="LiveId" clId="{B303C878-8799-4007-876A-6617B70F571A}" dt="2020-12-01T12:09:15.747" v="4474" actId="1038"/>
+          <ac:cxnSpMkLst>
+            <pc:docMk/>
+            <pc:sldMk cId="2969362105" sldId="256"/>
+            <ac:cxnSpMk id="201" creationId="{D522DD08-5E6D-4F50-808B-45A35824C20D}"/>
+          </ac:cxnSpMkLst>
+        </pc:cxnChg>
+        <pc:cxnChg chg="add mod">
+          <ac:chgData name="Fatima Pillosu" userId="a6295d4dc9e22643" providerId="LiveId" clId="{B303C878-8799-4007-876A-6617B70F571A}" dt="2020-12-01T12:09:15.747" v="4474" actId="1038"/>
+          <ac:cxnSpMkLst>
+            <pc:docMk/>
+            <pc:sldMk cId="2969362105" sldId="256"/>
+            <ac:cxnSpMk id="202" creationId="{372BC6DD-CE10-4A57-93DB-D7D6A12D5174}"/>
+          </ac:cxnSpMkLst>
+        </pc:cxnChg>
+        <pc:cxnChg chg="add mod">
+          <ac:chgData name="Fatima Pillosu" userId="a6295d4dc9e22643" providerId="LiveId" clId="{B303C878-8799-4007-876A-6617B70F571A}" dt="2020-12-01T12:09:15.747" v="4474" actId="1038"/>
+          <ac:cxnSpMkLst>
+            <pc:docMk/>
+            <pc:sldMk cId="2969362105" sldId="256"/>
+            <ac:cxnSpMk id="203" creationId="{545C19BC-93ED-4AF6-B849-F6C52B77964F}"/>
           </ac:cxnSpMkLst>
         </pc:cxnChg>
         <pc:cxnChg chg="add del mod">
@@ -3119,6 +4127,22 @@
             <ac:cxnSpMk id="203" creationId="{F9545F13-E39E-4A68-9E62-DE3A4FD499F9}"/>
           </ac:cxnSpMkLst>
         </pc:cxnChg>
+        <pc:cxnChg chg="add mod">
+          <ac:chgData name="Fatima Pillosu" userId="a6295d4dc9e22643" providerId="LiveId" clId="{B303C878-8799-4007-876A-6617B70F571A}" dt="2020-12-01T12:09:15.747" v="4474" actId="1038"/>
+          <ac:cxnSpMkLst>
+            <pc:docMk/>
+            <pc:sldMk cId="2969362105" sldId="256"/>
+            <ac:cxnSpMk id="205" creationId="{12FD9522-509B-4251-A316-B74D00264B8E}"/>
+          </ac:cxnSpMkLst>
+        </pc:cxnChg>
+        <pc:cxnChg chg="add mod">
+          <ac:chgData name="Fatima Pillosu" userId="a6295d4dc9e22643" providerId="LiveId" clId="{B303C878-8799-4007-876A-6617B70F571A}" dt="2020-12-01T12:09:15.747" v="4474" actId="1038"/>
+          <ac:cxnSpMkLst>
+            <pc:docMk/>
+            <pc:sldMk cId="2969362105" sldId="256"/>
+            <ac:cxnSpMk id="207" creationId="{07A022A8-A690-4664-925E-A6EFE8D7625B}"/>
+          </ac:cxnSpMkLst>
+        </pc:cxnChg>
         <pc:cxnChg chg="mod">
           <ac:chgData name="Fatima Pillosu" userId="a6295d4dc9e22643" providerId="LiveId" clId="{B303C878-8799-4007-876A-6617B70F571A}" dt="2020-12-01T11:07:53.290" v="3384" actId="1076"/>
           <ac:cxnSpMkLst>
@@ -3127,6 +4151,14 @@
             <ac:cxnSpMk id="208" creationId="{4EADE71B-342A-4946-9820-C7E13EA0D64A}"/>
           </ac:cxnSpMkLst>
         </pc:cxnChg>
+        <pc:cxnChg chg="add mod">
+          <ac:chgData name="Fatima Pillosu" userId="a6295d4dc9e22643" providerId="LiveId" clId="{B303C878-8799-4007-876A-6617B70F571A}" dt="2020-12-01T12:09:15.747" v="4474" actId="1038"/>
+          <ac:cxnSpMkLst>
+            <pc:docMk/>
+            <pc:sldMk cId="2969362105" sldId="256"/>
+            <ac:cxnSpMk id="211" creationId="{B1E5C43D-9A26-4C34-B77C-D124A53475BD}"/>
+          </ac:cxnSpMkLst>
+        </pc:cxnChg>
         <pc:cxnChg chg="mod">
           <ac:chgData name="Fatima Pillosu" userId="a6295d4dc9e22643" providerId="LiveId" clId="{B303C878-8799-4007-876A-6617B70F571A}" dt="2020-12-01T11:07:53.290" v="3384" actId="1076"/>
           <ac:cxnSpMkLst>
@@ -3135,6 +4167,46 @@
             <ac:cxnSpMk id="213" creationId="{697631CD-0C50-41E0-803B-61AE878ABFEA}"/>
           </ac:cxnSpMkLst>
         </pc:cxnChg>
+        <pc:cxnChg chg="add mod">
+          <ac:chgData name="Fatima Pillosu" userId="a6295d4dc9e22643" providerId="LiveId" clId="{B303C878-8799-4007-876A-6617B70F571A}" dt="2020-12-01T12:09:15.747" v="4474" actId="1038"/>
+          <ac:cxnSpMkLst>
+            <pc:docMk/>
+            <pc:sldMk cId="2969362105" sldId="256"/>
+            <ac:cxnSpMk id="215" creationId="{06D8099D-10BA-4420-9F4C-0200EC15FC29}"/>
+          </ac:cxnSpMkLst>
+        </pc:cxnChg>
+        <pc:cxnChg chg="add mod">
+          <ac:chgData name="Fatima Pillosu" userId="a6295d4dc9e22643" providerId="LiveId" clId="{B303C878-8799-4007-876A-6617B70F571A}" dt="2020-12-01T12:09:15.747" v="4474" actId="1038"/>
+          <ac:cxnSpMkLst>
+            <pc:docMk/>
+            <pc:sldMk cId="2969362105" sldId="256"/>
+            <ac:cxnSpMk id="217" creationId="{5565A209-3D07-4BB7-9BA1-2C9F5064D220}"/>
+          </ac:cxnSpMkLst>
+        </pc:cxnChg>
+        <pc:cxnChg chg="add mod">
+          <ac:chgData name="Fatima Pillosu" userId="a6295d4dc9e22643" providerId="LiveId" clId="{B303C878-8799-4007-876A-6617B70F571A}" dt="2020-12-01T12:09:15.747" v="4474" actId="1038"/>
+          <ac:cxnSpMkLst>
+            <pc:docMk/>
+            <pc:sldMk cId="2969362105" sldId="256"/>
+            <ac:cxnSpMk id="218" creationId="{0FE2EEEF-1CBA-46EA-A621-FB5EB3B95F78}"/>
+          </ac:cxnSpMkLst>
+        </pc:cxnChg>
+        <pc:cxnChg chg="add mod">
+          <ac:chgData name="Fatima Pillosu" userId="a6295d4dc9e22643" providerId="LiveId" clId="{B303C878-8799-4007-876A-6617B70F571A}" dt="2020-12-01T12:09:15.747" v="4474" actId="1038"/>
+          <ac:cxnSpMkLst>
+            <pc:docMk/>
+            <pc:sldMk cId="2969362105" sldId="256"/>
+            <ac:cxnSpMk id="221" creationId="{F8B27E64-BB2E-4B14-8ABC-8774749F5A43}"/>
+          </ac:cxnSpMkLst>
+        </pc:cxnChg>
+        <pc:cxnChg chg="add mod">
+          <ac:chgData name="Fatima Pillosu" userId="a6295d4dc9e22643" providerId="LiveId" clId="{B303C878-8799-4007-876A-6617B70F571A}" dt="2020-12-01T12:09:15.747" v="4474" actId="1038"/>
+          <ac:cxnSpMkLst>
+            <pc:docMk/>
+            <pc:sldMk cId="2969362105" sldId="256"/>
+            <ac:cxnSpMk id="224" creationId="{912B2D11-C4C3-40A1-8EC0-85E470ED77FB}"/>
+          </ac:cxnSpMkLst>
+        </pc:cxnChg>
         <pc:cxnChg chg="add del mod">
           <ac:chgData name="Fatima Pillosu" userId="a6295d4dc9e22643" providerId="LiveId" clId="{B303C878-8799-4007-876A-6617B70F571A}" dt="2020-12-01T11:07:56.148" v="3385"/>
           <ac:cxnSpMkLst>
@@ -3143,6 +4215,22 @@
             <ac:cxnSpMk id="228" creationId="{00236F43-75E4-4592-BEFF-BBE995F31C96}"/>
           </ac:cxnSpMkLst>
         </pc:cxnChg>
+        <pc:cxnChg chg="add mod">
+          <ac:chgData name="Fatima Pillosu" userId="a6295d4dc9e22643" providerId="LiveId" clId="{B303C878-8799-4007-876A-6617B70F571A}" dt="2020-12-01T12:09:15.747" v="4474" actId="1038"/>
+          <ac:cxnSpMkLst>
+            <pc:docMk/>
+            <pc:sldMk cId="2969362105" sldId="256"/>
+            <ac:cxnSpMk id="233" creationId="{E7FD80BE-2A8A-4781-AB87-D4AD95BD366C}"/>
+          </ac:cxnSpMkLst>
+        </pc:cxnChg>
+        <pc:cxnChg chg="add mod">
+          <ac:chgData name="Fatima Pillosu" userId="a6295d4dc9e22643" providerId="LiveId" clId="{B303C878-8799-4007-876A-6617B70F571A}" dt="2020-12-01T12:09:15.747" v="4474" actId="1038"/>
+          <ac:cxnSpMkLst>
+            <pc:docMk/>
+            <pc:sldMk cId="2969362105" sldId="256"/>
+            <ac:cxnSpMk id="234" creationId="{9D6FFF22-C33E-4672-9059-2F43F4D41092}"/>
+          </ac:cxnSpMkLst>
+        </pc:cxnChg>
         <pc:cxnChg chg="mod">
           <ac:chgData name="Fatima Pillosu" userId="a6295d4dc9e22643" providerId="LiveId" clId="{B303C878-8799-4007-876A-6617B70F571A}" dt="2020-12-01T11:07:53.290" v="3384" actId="1076"/>
           <ac:cxnSpMkLst>
@@ -3151,6 +4239,14 @@
             <ac:cxnSpMk id="235" creationId="{4F9A2247-3C54-4692-AD6C-93B70EED659A}"/>
           </ac:cxnSpMkLst>
         </pc:cxnChg>
+        <pc:cxnChg chg="add mod">
+          <ac:chgData name="Fatima Pillosu" userId="a6295d4dc9e22643" providerId="LiveId" clId="{B303C878-8799-4007-876A-6617B70F571A}" dt="2020-12-01T12:09:15.747" v="4474" actId="1038"/>
+          <ac:cxnSpMkLst>
+            <pc:docMk/>
+            <pc:sldMk cId="2969362105" sldId="256"/>
+            <ac:cxnSpMk id="235" creationId="{6EB26795-72BA-45BF-91B1-4EE96ADC33EF}"/>
+          </ac:cxnSpMkLst>
+        </pc:cxnChg>
         <pc:cxnChg chg="mod">
           <ac:chgData name="Fatima Pillosu" userId="a6295d4dc9e22643" providerId="LiveId" clId="{B303C878-8799-4007-876A-6617B70F571A}" dt="2020-12-01T11:07:53.290" v="3384" actId="1076"/>
           <ac:cxnSpMkLst>
@@ -3975,152 +5071,152 @@
             <ac:cxnSpMk id="569" creationId="{7CD57055-EB16-4317-8CA3-04D30C6577E7}"/>
           </ac:cxnSpMkLst>
         </pc:cxnChg>
-        <pc:cxnChg chg="add">
-          <ac:chgData name="Fatima Pillosu" userId="a6295d4dc9e22643" providerId="LiveId" clId="{B303C878-8799-4007-876A-6617B70F571A}" dt="2020-12-01T11:15:15.182" v="3543"/>
+        <pc:cxnChg chg="add del mod">
+          <ac:chgData name="Fatima Pillosu" userId="a6295d4dc9e22643" providerId="LiveId" clId="{B303C878-8799-4007-876A-6617B70F571A}" dt="2020-12-01T12:08:26.520" v="4465"/>
           <ac:cxnSpMkLst>
             <pc:docMk/>
             <pc:sldMk cId="2969362105" sldId="256"/>
             <ac:cxnSpMk id="577" creationId="{1CA82E0E-F755-49E0-ADD8-6D5413F9FC01}"/>
           </ac:cxnSpMkLst>
         </pc:cxnChg>
-        <pc:cxnChg chg="add">
-          <ac:chgData name="Fatima Pillosu" userId="a6295d4dc9e22643" providerId="LiveId" clId="{B303C878-8799-4007-876A-6617B70F571A}" dt="2020-12-01T11:15:15.182" v="3543"/>
+        <pc:cxnChg chg="add del mod">
+          <ac:chgData name="Fatima Pillosu" userId="a6295d4dc9e22643" providerId="LiveId" clId="{B303C878-8799-4007-876A-6617B70F571A}" dt="2020-12-01T12:08:26.520" v="4465"/>
           <ac:cxnSpMkLst>
             <pc:docMk/>
             <pc:sldMk cId="2969362105" sldId="256"/>
             <ac:cxnSpMk id="581" creationId="{26388AC3-08D5-4416-B020-37EBE40A7A71}"/>
           </ac:cxnSpMkLst>
         </pc:cxnChg>
-        <pc:cxnChg chg="add">
-          <ac:chgData name="Fatima Pillosu" userId="a6295d4dc9e22643" providerId="LiveId" clId="{B303C878-8799-4007-876A-6617B70F571A}" dt="2020-12-01T11:15:15.182" v="3543"/>
+        <pc:cxnChg chg="add del mod">
+          <ac:chgData name="Fatima Pillosu" userId="a6295d4dc9e22643" providerId="LiveId" clId="{B303C878-8799-4007-876A-6617B70F571A}" dt="2020-12-01T12:08:26.520" v="4465"/>
           <ac:cxnSpMkLst>
             <pc:docMk/>
             <pc:sldMk cId="2969362105" sldId="256"/>
             <ac:cxnSpMk id="585" creationId="{03DFA738-D9AE-46D0-AE66-D422ADB47267}"/>
           </ac:cxnSpMkLst>
         </pc:cxnChg>
-        <pc:cxnChg chg="add">
-          <ac:chgData name="Fatima Pillosu" userId="a6295d4dc9e22643" providerId="LiveId" clId="{B303C878-8799-4007-876A-6617B70F571A}" dt="2020-12-01T11:15:15.182" v="3543"/>
+        <pc:cxnChg chg="add del mod">
+          <ac:chgData name="Fatima Pillosu" userId="a6295d4dc9e22643" providerId="LiveId" clId="{B303C878-8799-4007-876A-6617B70F571A}" dt="2020-12-01T11:36:52.257" v="3792" actId="478"/>
           <ac:cxnSpMkLst>
             <pc:docMk/>
             <pc:sldMk cId="2969362105" sldId="256"/>
             <ac:cxnSpMk id="586" creationId="{E87FB248-F35B-40B7-93A2-9ABF44316877}"/>
           </ac:cxnSpMkLst>
         </pc:cxnChg>
-        <pc:cxnChg chg="add">
-          <ac:chgData name="Fatima Pillosu" userId="a6295d4dc9e22643" providerId="LiveId" clId="{B303C878-8799-4007-876A-6617B70F571A}" dt="2020-12-01T11:15:15.182" v="3543"/>
+        <pc:cxnChg chg="add del mod">
+          <ac:chgData name="Fatima Pillosu" userId="a6295d4dc9e22643" providerId="LiveId" clId="{B303C878-8799-4007-876A-6617B70F571A}" dt="2020-12-01T12:08:26.520" v="4465"/>
           <ac:cxnSpMkLst>
             <pc:docMk/>
             <pc:sldMk cId="2969362105" sldId="256"/>
             <ac:cxnSpMk id="588" creationId="{B888D12A-5812-4562-A8CE-9F4FE518F87B}"/>
           </ac:cxnSpMkLst>
         </pc:cxnChg>
-        <pc:cxnChg chg="add">
-          <ac:chgData name="Fatima Pillosu" userId="a6295d4dc9e22643" providerId="LiveId" clId="{B303C878-8799-4007-876A-6617B70F571A}" dt="2020-12-01T11:15:15.182" v="3543"/>
+        <pc:cxnChg chg="add del mod">
+          <ac:chgData name="Fatima Pillosu" userId="a6295d4dc9e22643" providerId="LiveId" clId="{B303C878-8799-4007-876A-6617B70F571A}" dt="2020-12-01T11:41:00.730" v="4029" actId="478"/>
           <ac:cxnSpMkLst>
             <pc:docMk/>
             <pc:sldMk cId="2969362105" sldId="256"/>
             <ac:cxnSpMk id="590" creationId="{4B48BA7A-98E2-4BDD-ABB6-D32684E53AE9}"/>
           </ac:cxnSpMkLst>
         </pc:cxnChg>
-        <pc:cxnChg chg="add">
-          <ac:chgData name="Fatima Pillosu" userId="a6295d4dc9e22643" providerId="LiveId" clId="{B303C878-8799-4007-876A-6617B70F571A}" dt="2020-12-01T11:15:15.182" v="3543"/>
+        <pc:cxnChg chg="add del mod">
+          <ac:chgData name="Fatima Pillosu" userId="a6295d4dc9e22643" providerId="LiveId" clId="{B303C878-8799-4007-876A-6617B70F571A}" dt="2020-12-01T12:08:26.520" v="4465"/>
           <ac:cxnSpMkLst>
             <pc:docMk/>
             <pc:sldMk cId="2969362105" sldId="256"/>
             <ac:cxnSpMk id="592" creationId="{9A66F212-2A74-4AB5-A7A1-4F6508CFF575}"/>
           </ac:cxnSpMkLst>
         </pc:cxnChg>
-        <pc:cxnChg chg="add">
-          <ac:chgData name="Fatima Pillosu" userId="a6295d4dc9e22643" providerId="LiveId" clId="{B303C878-8799-4007-876A-6617B70F571A}" dt="2020-12-01T11:15:15.182" v="3543"/>
+        <pc:cxnChg chg="add del mod">
+          <ac:chgData name="Fatima Pillosu" userId="a6295d4dc9e22643" providerId="LiveId" clId="{B303C878-8799-4007-876A-6617B70F571A}" dt="2020-12-01T11:47:22.877" v="4104" actId="478"/>
           <ac:cxnSpMkLst>
             <pc:docMk/>
             <pc:sldMk cId="2969362105" sldId="256"/>
             <ac:cxnSpMk id="594" creationId="{F6BDEC79-1930-469F-8A45-B913DB197DCE}"/>
           </ac:cxnSpMkLst>
         </pc:cxnChg>
-        <pc:cxnChg chg="add">
-          <ac:chgData name="Fatima Pillosu" userId="a6295d4dc9e22643" providerId="LiveId" clId="{B303C878-8799-4007-876A-6617B70F571A}" dt="2020-12-01T11:15:15.182" v="3543"/>
+        <pc:cxnChg chg="add del mod">
+          <ac:chgData name="Fatima Pillosu" userId="a6295d4dc9e22643" providerId="LiveId" clId="{B303C878-8799-4007-876A-6617B70F571A}" dt="2020-12-01T12:08:26.520" v="4465"/>
           <ac:cxnSpMkLst>
             <pc:docMk/>
             <pc:sldMk cId="2969362105" sldId="256"/>
             <ac:cxnSpMk id="597" creationId="{2E6EDF89-D8F7-49D9-807C-C713B73EFB1E}"/>
           </ac:cxnSpMkLst>
         </pc:cxnChg>
-        <pc:cxnChg chg="add">
-          <ac:chgData name="Fatima Pillosu" userId="a6295d4dc9e22643" providerId="LiveId" clId="{B303C878-8799-4007-876A-6617B70F571A}" dt="2020-12-01T11:15:15.182" v="3543"/>
+        <pc:cxnChg chg="add del mod">
+          <ac:chgData name="Fatima Pillosu" userId="a6295d4dc9e22643" providerId="LiveId" clId="{B303C878-8799-4007-876A-6617B70F571A}" dt="2020-12-01T12:08:26.520" v="4465"/>
           <ac:cxnSpMkLst>
             <pc:docMk/>
             <pc:sldMk cId="2969362105" sldId="256"/>
             <ac:cxnSpMk id="598" creationId="{BC47A0B3-23F2-4F0F-9E81-E832AC8C531E}"/>
           </ac:cxnSpMkLst>
         </pc:cxnChg>
-        <pc:cxnChg chg="add">
-          <ac:chgData name="Fatima Pillosu" userId="a6295d4dc9e22643" providerId="LiveId" clId="{B303C878-8799-4007-876A-6617B70F571A}" dt="2020-12-01T11:15:15.182" v="3543"/>
+        <pc:cxnChg chg="add del mod">
+          <ac:chgData name="Fatima Pillosu" userId="a6295d4dc9e22643" providerId="LiveId" clId="{B303C878-8799-4007-876A-6617B70F571A}" dt="2020-12-01T12:08:26.520" v="4465"/>
           <ac:cxnSpMkLst>
             <pc:docMk/>
             <pc:sldMk cId="2969362105" sldId="256"/>
             <ac:cxnSpMk id="600" creationId="{0CB3533A-A1AE-4699-936A-EA326E9D5F12}"/>
           </ac:cxnSpMkLst>
         </pc:cxnChg>
-        <pc:cxnChg chg="add">
-          <ac:chgData name="Fatima Pillosu" userId="a6295d4dc9e22643" providerId="LiveId" clId="{B303C878-8799-4007-876A-6617B70F571A}" dt="2020-12-01T11:15:15.182" v="3543"/>
+        <pc:cxnChg chg="add del mod">
+          <ac:chgData name="Fatima Pillosu" userId="a6295d4dc9e22643" providerId="LiveId" clId="{B303C878-8799-4007-876A-6617B70F571A}" dt="2020-12-01T12:08:26.520" v="4465"/>
           <ac:cxnSpMkLst>
             <pc:docMk/>
             <pc:sldMk cId="2969362105" sldId="256"/>
             <ac:cxnSpMk id="601" creationId="{231868B6-FF42-443B-AFF1-5E847E526794}"/>
           </ac:cxnSpMkLst>
         </pc:cxnChg>
-        <pc:cxnChg chg="add">
-          <ac:chgData name="Fatima Pillosu" userId="a6295d4dc9e22643" providerId="LiveId" clId="{B303C878-8799-4007-876A-6617B70F571A}" dt="2020-12-01T11:15:15.182" v="3543"/>
+        <pc:cxnChg chg="add del mod">
+          <ac:chgData name="Fatima Pillosu" userId="a6295d4dc9e22643" providerId="LiveId" clId="{B303C878-8799-4007-876A-6617B70F571A}" dt="2020-12-01T12:08:26.520" v="4465"/>
           <ac:cxnSpMkLst>
             <pc:docMk/>
             <pc:sldMk cId="2969362105" sldId="256"/>
             <ac:cxnSpMk id="602" creationId="{45737033-1187-42CF-A380-C08B90C6B94C}"/>
           </ac:cxnSpMkLst>
         </pc:cxnChg>
-        <pc:cxnChg chg="add">
-          <ac:chgData name="Fatima Pillosu" userId="a6295d4dc9e22643" providerId="LiveId" clId="{B303C878-8799-4007-876A-6617B70F571A}" dt="2020-12-01T11:15:15.182" v="3543"/>
+        <pc:cxnChg chg="add del mod">
+          <ac:chgData name="Fatima Pillosu" userId="a6295d4dc9e22643" providerId="LiveId" clId="{B303C878-8799-4007-876A-6617B70F571A}" dt="2020-12-01T12:08:26.520" v="4465"/>
           <ac:cxnSpMkLst>
             <pc:docMk/>
             <pc:sldMk cId="2969362105" sldId="256"/>
             <ac:cxnSpMk id="605" creationId="{78B012F1-43A3-4D36-B848-88E90FB3068C}"/>
           </ac:cxnSpMkLst>
         </pc:cxnChg>
-        <pc:cxnChg chg="add">
-          <ac:chgData name="Fatima Pillosu" userId="a6295d4dc9e22643" providerId="LiveId" clId="{B303C878-8799-4007-876A-6617B70F571A}" dt="2020-12-01T11:15:15.182" v="3543"/>
+        <pc:cxnChg chg="add del mod">
+          <ac:chgData name="Fatima Pillosu" userId="a6295d4dc9e22643" providerId="LiveId" clId="{B303C878-8799-4007-876A-6617B70F571A}" dt="2020-12-01T12:08:26.520" v="4465"/>
           <ac:cxnSpMkLst>
             <pc:docMk/>
             <pc:sldMk cId="2969362105" sldId="256"/>
             <ac:cxnSpMk id="607" creationId="{FAF2B897-22E9-453A-888F-E72AFEDF6A60}"/>
           </ac:cxnSpMkLst>
         </pc:cxnChg>
-        <pc:cxnChg chg="add">
-          <ac:chgData name="Fatima Pillosu" userId="a6295d4dc9e22643" providerId="LiveId" clId="{B303C878-8799-4007-876A-6617B70F571A}" dt="2020-12-01T11:15:15.182" v="3543"/>
+        <pc:cxnChg chg="add del mod">
+          <ac:chgData name="Fatima Pillosu" userId="a6295d4dc9e22643" providerId="LiveId" clId="{B303C878-8799-4007-876A-6617B70F571A}" dt="2020-12-01T12:08:26.520" v="4465"/>
           <ac:cxnSpMkLst>
             <pc:docMk/>
             <pc:sldMk cId="2969362105" sldId="256"/>
             <ac:cxnSpMk id="611" creationId="{74138311-BF8E-44A1-AF21-6D5873F5A6AA}"/>
           </ac:cxnSpMkLst>
         </pc:cxnChg>
-        <pc:cxnChg chg="add">
-          <ac:chgData name="Fatima Pillosu" userId="a6295d4dc9e22643" providerId="LiveId" clId="{B303C878-8799-4007-876A-6617B70F571A}" dt="2020-12-01T11:15:15.182" v="3543"/>
+        <pc:cxnChg chg="add del mod">
+          <ac:chgData name="Fatima Pillosu" userId="a6295d4dc9e22643" providerId="LiveId" clId="{B303C878-8799-4007-876A-6617B70F571A}" dt="2020-12-01T11:32:14.863" v="3625" actId="478"/>
           <ac:cxnSpMkLst>
             <pc:docMk/>
             <pc:sldMk cId="2969362105" sldId="256"/>
             <ac:cxnSpMk id="616" creationId="{DE1491AB-4CFB-43F6-93C3-E82484D17237}"/>
           </ac:cxnSpMkLst>
         </pc:cxnChg>
-        <pc:cxnChg chg="add">
-          <ac:chgData name="Fatima Pillosu" userId="a6295d4dc9e22643" providerId="LiveId" clId="{B303C878-8799-4007-876A-6617B70F571A}" dt="2020-12-01T11:15:15.182" v="3543"/>
+        <pc:cxnChg chg="add del mod">
+          <ac:chgData name="Fatima Pillosu" userId="a6295d4dc9e22643" providerId="LiveId" clId="{B303C878-8799-4007-876A-6617B70F571A}" dt="2020-12-01T11:45:36.499" v="4072" actId="478"/>
           <ac:cxnSpMkLst>
             <pc:docMk/>
             <pc:sldMk cId="2969362105" sldId="256"/>
             <ac:cxnSpMk id="620" creationId="{6C3DBF36-376F-43D2-9816-624CE250857B}"/>
           </ac:cxnSpMkLst>
         </pc:cxnChg>
-        <pc:cxnChg chg="add">
-          <ac:chgData name="Fatima Pillosu" userId="a6295d4dc9e22643" providerId="LiveId" clId="{B303C878-8799-4007-876A-6617B70F571A}" dt="2020-12-01T11:15:15.182" v="3543"/>
+        <pc:cxnChg chg="add del mod">
+          <ac:chgData name="Fatima Pillosu" userId="a6295d4dc9e22643" providerId="LiveId" clId="{B303C878-8799-4007-876A-6617B70F571A}" dt="2020-12-01T12:08:26.520" v="4465"/>
           <ac:cxnSpMkLst>
             <pc:docMk/>
             <pc:sldMk cId="2969362105" sldId="256"/>
@@ -4162,15 +5258,15 @@
         </p:nvSpPr>
         <p:spPr>
           <a:xfrm>
-            <a:off x="627698" y="1914772"/>
-            <a:ext cx="7113905" cy="4073290"/>
+            <a:off x="270034" y="1726153"/>
+            <a:ext cx="3060383" cy="3672040"/>
           </a:xfrm>
         </p:spPr>
         <p:txBody>
           <a:bodyPr anchor="b"/>
           <a:lstStyle>
             <a:lvl1pPr algn="ctr">
-              <a:defRPr sz="5492"/>
+              <a:defRPr sz="2363"/>
             </a:lvl1pPr>
           </a:lstStyle>
           <a:p>
@@ -4194,8 +5290,8 @@
         </p:nvSpPr>
         <p:spPr>
           <a:xfrm>
-            <a:off x="1046163" y="6145143"/>
-            <a:ext cx="6276975" cy="2824761"/>
+            <a:off x="450056" y="5539801"/>
+            <a:ext cx="2700338" cy="2546501"/>
           </a:xfrm>
         </p:spPr>
         <p:txBody>
@@ -4203,39 +5299,39 @@
           <a:lstStyle>
             <a:lvl1pPr marL="0" indent="0" algn="ctr">
               <a:buNone/>
-              <a:defRPr sz="2197"/>
+              <a:defRPr sz="945"/>
             </a:lvl1pPr>
-            <a:lvl2pPr marL="418475" indent="0" algn="ctr">
+            <a:lvl2pPr marL="180045" indent="0" algn="ctr">
               <a:buNone/>
-              <a:defRPr sz="1831"/>
+              <a:defRPr sz="788"/>
             </a:lvl2pPr>
-            <a:lvl3pPr marL="836950" indent="0" algn="ctr">
+            <a:lvl3pPr marL="360091" indent="0" algn="ctr">
               <a:buNone/>
-              <a:defRPr sz="1648"/>
+              <a:defRPr sz="709"/>
             </a:lvl3pPr>
-            <a:lvl4pPr marL="1255425" indent="0" algn="ctr">
+            <a:lvl4pPr marL="540136" indent="0" algn="ctr">
               <a:buNone/>
-              <a:defRPr sz="1464"/>
+              <a:defRPr sz="630"/>
             </a:lvl4pPr>
-            <a:lvl5pPr marL="1673901" indent="0" algn="ctr">
+            <a:lvl5pPr marL="720181" indent="0" algn="ctr">
               <a:buNone/>
-              <a:defRPr sz="1464"/>
+              <a:defRPr sz="630"/>
             </a:lvl5pPr>
-            <a:lvl6pPr marL="2092376" indent="0" algn="ctr">
+            <a:lvl6pPr marL="900227" indent="0" algn="ctr">
               <a:buNone/>
-              <a:defRPr sz="1464"/>
+              <a:defRPr sz="630"/>
             </a:lvl6pPr>
-            <a:lvl7pPr marL="2510851" indent="0" algn="ctr">
+            <a:lvl7pPr marL="1080272" indent="0" algn="ctr">
               <a:buNone/>
-              <a:defRPr sz="1464"/>
+              <a:defRPr sz="630"/>
             </a:lvl7pPr>
-            <a:lvl8pPr marL="2929326" indent="0" algn="ctr">
+            <a:lvl8pPr marL="1260318" indent="0" algn="ctr">
               <a:buNone/>
-              <a:defRPr sz="1464"/>
+              <a:defRPr sz="630"/>
             </a:lvl8pPr>
-            <a:lvl9pPr marL="3347801" indent="0" algn="ctr">
+            <a:lvl9pPr marL="1440363" indent="0" algn="ctr">
               <a:buNone/>
-              <a:defRPr sz="1464"/>
+              <a:defRPr sz="630"/>
             </a:lvl9pPr>
           </a:lstStyle>
           <a:p>
@@ -4315,7 +5411,7 @@
     </p:spTree>
     <p:extLst>
       <p:ext uri="{BB962C8B-B14F-4D97-AF65-F5344CB8AC3E}">
-        <p14:creationId xmlns:p14="http://schemas.microsoft.com/office/powerpoint/2010/main" val="2148924265"/>
+        <p14:creationId xmlns:p14="http://schemas.microsoft.com/office/powerpoint/2010/main" val="3404209255"/>
       </p:ext>
     </p:extLst>
   </p:cSld>
@@ -4485,7 +5581,7 @@
     </p:spTree>
     <p:extLst>
       <p:ext uri="{BB962C8B-B14F-4D97-AF65-F5344CB8AC3E}">
-        <p14:creationId xmlns:p14="http://schemas.microsoft.com/office/powerpoint/2010/main" val="1771729761"/>
+        <p14:creationId xmlns:p14="http://schemas.microsoft.com/office/powerpoint/2010/main" val="2166350825"/>
       </p:ext>
     </p:extLst>
   </p:cSld>
@@ -4524,8 +5620,8 @@
         </p:nvSpPr>
         <p:spPr>
           <a:xfrm>
-            <a:off x="5989281" y="622910"/>
-            <a:ext cx="1804630" cy="9915103"/>
+            <a:off x="2576572" y="561549"/>
+            <a:ext cx="776347" cy="8938392"/>
           </a:xfrm>
         </p:spPr>
         <p:txBody>
@@ -4552,8 +5648,8 @@
         </p:nvSpPr>
         <p:spPr>
           <a:xfrm>
-            <a:off x="575390" y="622910"/>
-            <a:ext cx="5309275" cy="9915103"/>
+            <a:off x="247531" y="561549"/>
+            <a:ext cx="2284035" cy="8938392"/>
           </a:xfrm>
         </p:spPr>
         <p:txBody>
@@ -4665,7 +5761,7 @@
     </p:spTree>
     <p:extLst>
       <p:ext uri="{BB962C8B-B14F-4D97-AF65-F5344CB8AC3E}">
-        <p14:creationId xmlns:p14="http://schemas.microsoft.com/office/powerpoint/2010/main" val="424250863"/>
+        <p14:creationId xmlns:p14="http://schemas.microsoft.com/office/powerpoint/2010/main" val="490660998"/>
       </p:ext>
     </p:extLst>
   </p:cSld>
@@ -4835,7 +5931,7 @@
     </p:spTree>
     <p:extLst>
       <p:ext uri="{BB962C8B-B14F-4D97-AF65-F5344CB8AC3E}">
-        <p14:creationId xmlns:p14="http://schemas.microsoft.com/office/powerpoint/2010/main" val="1349693087"/>
+        <p14:creationId xmlns:p14="http://schemas.microsoft.com/office/powerpoint/2010/main" val="2430618970"/>
       </p:ext>
     </p:extLst>
   </p:cSld>
@@ -4874,15 +5970,15 @@
         </p:nvSpPr>
         <p:spPr>
           <a:xfrm>
-            <a:off x="571031" y="2916847"/>
-            <a:ext cx="7218521" cy="4866822"/>
+            <a:off x="245656" y="2629516"/>
+            <a:ext cx="3105388" cy="4387404"/>
           </a:xfrm>
         </p:spPr>
         <p:txBody>
           <a:bodyPr anchor="b"/>
           <a:lstStyle>
             <a:lvl1pPr>
-              <a:defRPr sz="5492"/>
+              <a:defRPr sz="2363"/>
             </a:lvl1pPr>
           </a:lstStyle>
           <a:p>
@@ -4906,8 +6002,8 @@
         </p:nvSpPr>
         <p:spPr>
           <a:xfrm>
-            <a:off x="571031" y="7829711"/>
-            <a:ext cx="7218521" cy="2559347"/>
+            <a:off x="245656" y="7058426"/>
+            <a:ext cx="3105388" cy="2307232"/>
           </a:xfrm>
         </p:spPr>
         <p:txBody>
@@ -4915,15 +6011,15 @@
           <a:lstStyle>
             <a:lvl1pPr marL="0" indent="0">
               <a:buNone/>
-              <a:defRPr sz="2197">
+              <a:defRPr sz="945">
                 <a:solidFill>
                   <a:schemeClr val="tx1"/>
                 </a:solidFill>
               </a:defRPr>
             </a:lvl1pPr>
-            <a:lvl2pPr marL="418475" indent="0">
+            <a:lvl2pPr marL="180045" indent="0">
               <a:buNone/>
-              <a:defRPr sz="1831">
+              <a:defRPr sz="788">
                 <a:solidFill>
                   <a:schemeClr val="tx1">
                     <a:tint val="75000"/>
@@ -4931,9 +6027,9 @@
                 </a:solidFill>
               </a:defRPr>
             </a:lvl2pPr>
-            <a:lvl3pPr marL="836950" indent="0">
+            <a:lvl3pPr marL="360091" indent="0">
               <a:buNone/>
-              <a:defRPr sz="1648">
+              <a:defRPr sz="709">
                 <a:solidFill>
                   <a:schemeClr val="tx1">
                     <a:tint val="75000"/>
@@ -4941,9 +6037,9 @@
                 </a:solidFill>
               </a:defRPr>
             </a:lvl3pPr>
-            <a:lvl4pPr marL="1255425" indent="0">
+            <a:lvl4pPr marL="540136" indent="0">
               <a:buNone/>
-              <a:defRPr sz="1464">
+              <a:defRPr sz="630">
                 <a:solidFill>
                   <a:schemeClr val="tx1">
                     <a:tint val="75000"/>
@@ -4951,9 +6047,9 @@
                 </a:solidFill>
               </a:defRPr>
             </a:lvl4pPr>
-            <a:lvl5pPr marL="1673901" indent="0">
+            <a:lvl5pPr marL="720181" indent="0">
               <a:buNone/>
-              <a:defRPr sz="1464">
+              <a:defRPr sz="630">
                 <a:solidFill>
                   <a:schemeClr val="tx1">
                     <a:tint val="75000"/>
@@ -4961,9 +6057,9 @@
                 </a:solidFill>
               </a:defRPr>
             </a:lvl5pPr>
-            <a:lvl6pPr marL="2092376" indent="0">
+            <a:lvl6pPr marL="900227" indent="0">
               <a:buNone/>
-              <a:defRPr sz="1464">
+              <a:defRPr sz="630">
                 <a:solidFill>
                   <a:schemeClr val="tx1">
                     <a:tint val="75000"/>
@@ -4971,9 +6067,9 @@
                 </a:solidFill>
               </a:defRPr>
             </a:lvl6pPr>
-            <a:lvl7pPr marL="2510851" indent="0">
+            <a:lvl7pPr marL="1080272" indent="0">
               <a:buNone/>
-              <a:defRPr sz="1464">
+              <a:defRPr sz="630">
                 <a:solidFill>
                   <a:schemeClr val="tx1">
                     <a:tint val="75000"/>
@@ -4981,9 +6077,9 @@
                 </a:solidFill>
               </a:defRPr>
             </a:lvl7pPr>
-            <a:lvl8pPr marL="2929326" indent="0">
+            <a:lvl8pPr marL="1260318" indent="0">
               <a:buNone/>
-              <a:defRPr sz="1464">
+              <a:defRPr sz="630">
                 <a:solidFill>
                   <a:schemeClr val="tx1">
                     <a:tint val="75000"/>
@@ -4991,9 +6087,9 @@
                 </a:solidFill>
               </a:defRPr>
             </a:lvl8pPr>
-            <a:lvl9pPr marL="3347801" indent="0">
+            <a:lvl9pPr marL="1440363" indent="0">
               <a:buNone/>
-              <a:defRPr sz="1464">
+              <a:defRPr sz="630">
                 <a:solidFill>
                   <a:schemeClr val="tx1">
                     <a:tint val="75000"/>
@@ -5079,7 +6175,7 @@
     </p:spTree>
     <p:extLst>
       <p:ext uri="{BB962C8B-B14F-4D97-AF65-F5344CB8AC3E}">
-        <p14:creationId xmlns:p14="http://schemas.microsoft.com/office/powerpoint/2010/main" val="3241536979"/>
+        <p14:creationId xmlns:p14="http://schemas.microsoft.com/office/powerpoint/2010/main" val="437070483"/>
       </p:ext>
     </p:extLst>
   </p:cSld>
@@ -5141,8 +6237,8 @@
         </p:nvSpPr>
         <p:spPr>
           <a:xfrm>
-            <a:off x="575389" y="3114550"/>
-            <a:ext cx="3556953" cy="7423463"/>
+            <a:off x="247531" y="2807743"/>
+            <a:ext cx="1530191" cy="6692197"/>
           </a:xfrm>
         </p:spPr>
         <p:txBody>
@@ -5198,8 +6294,8 @@
         </p:nvSpPr>
         <p:spPr>
           <a:xfrm>
-            <a:off x="4236958" y="3114550"/>
-            <a:ext cx="3556953" cy="7423463"/>
+            <a:off x="1822728" y="2807743"/>
+            <a:ext cx="1530191" cy="6692197"/>
           </a:xfrm>
         </p:spPr>
         <p:txBody>
@@ -5311,7 +6407,7 @@
     </p:spTree>
     <p:extLst>
       <p:ext uri="{BB962C8B-B14F-4D97-AF65-F5344CB8AC3E}">
-        <p14:creationId xmlns:p14="http://schemas.microsoft.com/office/powerpoint/2010/main" val="3051883458"/>
+        <p14:creationId xmlns:p14="http://schemas.microsoft.com/office/powerpoint/2010/main" val="1605362193"/>
       </p:ext>
     </p:extLst>
   </p:cSld>
@@ -5350,8 +6446,8 @@
         </p:nvSpPr>
         <p:spPr>
           <a:xfrm>
-            <a:off x="576480" y="622913"/>
-            <a:ext cx="7218521" cy="2261435"/>
+            <a:off x="248000" y="561551"/>
+            <a:ext cx="3105388" cy="2038667"/>
           </a:xfrm>
         </p:spPr>
         <p:txBody>
@@ -5378,8 +6474,8 @@
         </p:nvSpPr>
         <p:spPr>
           <a:xfrm>
-            <a:off x="576480" y="2868095"/>
-            <a:ext cx="3540606" cy="1405609"/>
+            <a:off x="248000" y="2585566"/>
+            <a:ext cx="1523159" cy="1267146"/>
           </a:xfrm>
         </p:spPr>
         <p:txBody>
@@ -5387,39 +6483,39 @@
           <a:lstStyle>
             <a:lvl1pPr marL="0" indent="0">
               <a:buNone/>
-              <a:defRPr sz="2197" b="1"/>
+              <a:defRPr sz="945" b="1"/>
             </a:lvl1pPr>
-            <a:lvl2pPr marL="418475" indent="0">
+            <a:lvl2pPr marL="180045" indent="0">
               <a:buNone/>
-              <a:defRPr sz="1831" b="1"/>
+              <a:defRPr sz="788" b="1"/>
             </a:lvl2pPr>
-            <a:lvl3pPr marL="836950" indent="0">
+            <a:lvl3pPr marL="360091" indent="0">
               <a:buNone/>
-              <a:defRPr sz="1648" b="1"/>
+              <a:defRPr sz="709" b="1"/>
             </a:lvl3pPr>
-            <a:lvl4pPr marL="1255425" indent="0">
+            <a:lvl4pPr marL="540136" indent="0">
               <a:buNone/>
-              <a:defRPr sz="1464" b="1"/>
+              <a:defRPr sz="630" b="1"/>
             </a:lvl4pPr>
-            <a:lvl5pPr marL="1673901" indent="0">
+            <a:lvl5pPr marL="720181" indent="0">
               <a:buNone/>
-              <a:defRPr sz="1464" b="1"/>
+              <a:defRPr sz="630" b="1"/>
             </a:lvl5pPr>
-            <a:lvl6pPr marL="2092376" indent="0">
+            <a:lvl6pPr marL="900227" indent="0">
               <a:buNone/>
-              <a:defRPr sz="1464" b="1"/>
+              <a:defRPr sz="630" b="1"/>
             </a:lvl6pPr>
-            <a:lvl7pPr marL="2510851" indent="0">
+            <a:lvl7pPr marL="1080272" indent="0">
               <a:buNone/>
-              <a:defRPr sz="1464" b="1"/>
+              <a:defRPr sz="630" b="1"/>
             </a:lvl7pPr>
-            <a:lvl8pPr marL="2929326" indent="0">
+            <a:lvl8pPr marL="1260318" indent="0">
               <a:buNone/>
-              <a:defRPr sz="1464" b="1"/>
+              <a:defRPr sz="630" b="1"/>
             </a:lvl8pPr>
-            <a:lvl9pPr marL="3347801" indent="0">
+            <a:lvl9pPr marL="1440363" indent="0">
               <a:buNone/>
-              <a:defRPr sz="1464" b="1"/>
+              <a:defRPr sz="630" b="1"/>
             </a:lvl9pPr>
           </a:lstStyle>
           <a:p>
@@ -5443,8 +6539,8 @@
         </p:nvSpPr>
         <p:spPr>
           <a:xfrm>
-            <a:off x="576480" y="4273705"/>
-            <a:ext cx="3540606" cy="6285975"/>
+            <a:off x="248000" y="3852713"/>
+            <a:ext cx="1523159" cy="5666760"/>
           </a:xfrm>
         </p:spPr>
         <p:txBody>
@@ -5500,8 +6596,8 @@
         </p:nvSpPr>
         <p:spPr>
           <a:xfrm>
-            <a:off x="4236958" y="2868095"/>
-            <a:ext cx="3558043" cy="1405609"/>
+            <a:off x="1822728" y="2585566"/>
+            <a:ext cx="1530660" cy="1267146"/>
           </a:xfrm>
         </p:spPr>
         <p:txBody>
@@ -5509,39 +6605,39 @@
           <a:lstStyle>
             <a:lvl1pPr marL="0" indent="0">
               <a:buNone/>
-              <a:defRPr sz="2197" b="1"/>
+              <a:defRPr sz="945" b="1"/>
             </a:lvl1pPr>
-            <a:lvl2pPr marL="418475" indent="0">
+            <a:lvl2pPr marL="180045" indent="0">
               <a:buNone/>
-              <a:defRPr sz="1831" b="1"/>
+              <a:defRPr sz="788" b="1"/>
             </a:lvl2pPr>
-            <a:lvl3pPr marL="836950" indent="0">
+            <a:lvl3pPr marL="360091" indent="0">
               <a:buNone/>
-              <a:defRPr sz="1648" b="1"/>
+              <a:defRPr sz="709" b="1"/>
             </a:lvl3pPr>
-            <a:lvl4pPr marL="1255425" indent="0">
+            <a:lvl4pPr marL="540136" indent="0">
               <a:buNone/>
-              <a:defRPr sz="1464" b="1"/>
+              <a:defRPr sz="630" b="1"/>
             </a:lvl4pPr>
-            <a:lvl5pPr marL="1673901" indent="0">
+            <a:lvl5pPr marL="720181" indent="0">
               <a:buNone/>
-              <a:defRPr sz="1464" b="1"/>
+              <a:defRPr sz="630" b="1"/>
             </a:lvl5pPr>
-            <a:lvl6pPr marL="2092376" indent="0">
+            <a:lvl6pPr marL="900227" indent="0">
               <a:buNone/>
-              <a:defRPr sz="1464" b="1"/>
+              <a:defRPr sz="630" b="1"/>
             </a:lvl6pPr>
-            <a:lvl7pPr marL="2510851" indent="0">
+            <a:lvl7pPr marL="1080272" indent="0">
               <a:buNone/>
-              <a:defRPr sz="1464" b="1"/>
+              <a:defRPr sz="630" b="1"/>
             </a:lvl7pPr>
-            <a:lvl8pPr marL="2929326" indent="0">
+            <a:lvl8pPr marL="1260318" indent="0">
               <a:buNone/>
-              <a:defRPr sz="1464" b="1"/>
+              <a:defRPr sz="630" b="1"/>
             </a:lvl8pPr>
-            <a:lvl9pPr marL="3347801" indent="0">
+            <a:lvl9pPr marL="1440363" indent="0">
               <a:buNone/>
-              <a:defRPr sz="1464" b="1"/>
+              <a:defRPr sz="630" b="1"/>
             </a:lvl9pPr>
           </a:lstStyle>
           <a:p>
@@ -5565,8 +6661,8 @@
         </p:nvSpPr>
         <p:spPr>
           <a:xfrm>
-            <a:off x="4236958" y="4273705"/>
-            <a:ext cx="3558043" cy="6285975"/>
+            <a:off x="1822728" y="3852713"/>
+            <a:ext cx="1530660" cy="5666760"/>
           </a:xfrm>
         </p:spPr>
         <p:txBody>
@@ -5678,7 +6774,7 @@
     </p:spTree>
     <p:extLst>
       <p:ext uri="{BB962C8B-B14F-4D97-AF65-F5344CB8AC3E}">
-        <p14:creationId xmlns:p14="http://schemas.microsoft.com/office/powerpoint/2010/main" val="268602699"/>
+        <p14:creationId xmlns:p14="http://schemas.microsoft.com/office/powerpoint/2010/main" val="1792124995"/>
       </p:ext>
     </p:extLst>
   </p:cSld>
@@ -5796,7 +6892,7 @@
     </p:spTree>
     <p:extLst>
       <p:ext uri="{BB962C8B-B14F-4D97-AF65-F5344CB8AC3E}">
-        <p14:creationId xmlns:p14="http://schemas.microsoft.com/office/powerpoint/2010/main" val="2701188935"/>
+        <p14:creationId xmlns:p14="http://schemas.microsoft.com/office/powerpoint/2010/main" val="3607257806"/>
       </p:ext>
     </p:extLst>
   </p:cSld>
@@ -5891,7 +6987,7 @@
     </p:spTree>
     <p:extLst>
       <p:ext uri="{BB962C8B-B14F-4D97-AF65-F5344CB8AC3E}">
-        <p14:creationId xmlns:p14="http://schemas.microsoft.com/office/powerpoint/2010/main" val="1777560297"/>
+        <p14:creationId xmlns:p14="http://schemas.microsoft.com/office/powerpoint/2010/main" val="646796458"/>
       </p:ext>
     </p:extLst>
   </p:cSld>
@@ -5930,15 +7026,15 @@
         </p:nvSpPr>
         <p:spPr>
           <a:xfrm>
-            <a:off x="576480" y="779992"/>
-            <a:ext cx="2699317" cy="2729971"/>
+            <a:off x="248000" y="703157"/>
+            <a:ext cx="1161239" cy="2461048"/>
           </a:xfrm>
         </p:spPr>
         <p:txBody>
           <a:bodyPr anchor="b"/>
           <a:lstStyle>
             <a:lvl1pPr>
-              <a:defRPr sz="2929"/>
+              <a:defRPr sz="1260"/>
             </a:lvl1pPr>
           </a:lstStyle>
           <a:p>
@@ -5962,39 +7058,39 @@
         </p:nvSpPr>
         <p:spPr>
           <a:xfrm>
-            <a:off x="3558043" y="1684568"/>
-            <a:ext cx="4236958" cy="8314495"/>
+            <a:off x="1530660" y="1518625"/>
+            <a:ext cx="1822728" cy="7495455"/>
           </a:xfrm>
         </p:spPr>
         <p:txBody>
           <a:bodyPr/>
           <a:lstStyle>
             <a:lvl1pPr>
-              <a:defRPr sz="2929"/>
+              <a:defRPr sz="1260"/>
             </a:lvl1pPr>
             <a:lvl2pPr>
-              <a:defRPr sz="2563"/>
+              <a:defRPr sz="1103"/>
             </a:lvl2pPr>
             <a:lvl3pPr>
-              <a:defRPr sz="2197"/>
+              <a:defRPr sz="945"/>
             </a:lvl3pPr>
             <a:lvl4pPr>
-              <a:defRPr sz="1831"/>
+              <a:defRPr sz="788"/>
             </a:lvl4pPr>
             <a:lvl5pPr>
-              <a:defRPr sz="1831"/>
+              <a:defRPr sz="788"/>
             </a:lvl5pPr>
             <a:lvl6pPr>
-              <a:defRPr sz="1831"/>
+              <a:defRPr sz="788"/>
             </a:lvl6pPr>
             <a:lvl7pPr>
-              <a:defRPr sz="1831"/>
+              <a:defRPr sz="788"/>
             </a:lvl7pPr>
             <a:lvl8pPr>
-              <a:defRPr sz="1831"/>
+              <a:defRPr sz="788"/>
             </a:lvl8pPr>
             <a:lvl9pPr>
-              <a:defRPr sz="1831"/>
+              <a:defRPr sz="788"/>
             </a:lvl9pPr>
           </a:lstStyle>
           <a:p>
@@ -6047,8 +7143,8 @@
         </p:nvSpPr>
         <p:spPr>
           <a:xfrm>
-            <a:off x="576480" y="3509962"/>
-            <a:ext cx="2699317" cy="6502640"/>
+            <a:off x="248000" y="3164205"/>
+            <a:ext cx="1161239" cy="5862081"/>
           </a:xfrm>
         </p:spPr>
         <p:txBody>
@@ -6056,39 +7152,39 @@
           <a:lstStyle>
             <a:lvl1pPr marL="0" indent="0">
               <a:buNone/>
-              <a:defRPr sz="1464"/>
+              <a:defRPr sz="630"/>
             </a:lvl1pPr>
-            <a:lvl2pPr marL="418475" indent="0">
+            <a:lvl2pPr marL="180045" indent="0">
               <a:buNone/>
-              <a:defRPr sz="1281"/>
+              <a:defRPr sz="551"/>
             </a:lvl2pPr>
-            <a:lvl3pPr marL="836950" indent="0">
+            <a:lvl3pPr marL="360091" indent="0">
               <a:buNone/>
-              <a:defRPr sz="1098"/>
+              <a:defRPr sz="473"/>
             </a:lvl3pPr>
-            <a:lvl4pPr marL="1255425" indent="0">
+            <a:lvl4pPr marL="540136" indent="0">
               <a:buNone/>
-              <a:defRPr sz="915"/>
+              <a:defRPr sz="394"/>
             </a:lvl4pPr>
-            <a:lvl5pPr marL="1673901" indent="0">
+            <a:lvl5pPr marL="720181" indent="0">
               <a:buNone/>
-              <a:defRPr sz="915"/>
+              <a:defRPr sz="394"/>
             </a:lvl5pPr>
-            <a:lvl6pPr marL="2092376" indent="0">
+            <a:lvl6pPr marL="900227" indent="0">
               <a:buNone/>
-              <a:defRPr sz="915"/>
+              <a:defRPr sz="394"/>
             </a:lvl6pPr>
-            <a:lvl7pPr marL="2510851" indent="0">
+            <a:lvl7pPr marL="1080272" indent="0">
               <a:buNone/>
-              <a:defRPr sz="915"/>
+              <a:defRPr sz="394"/>
             </a:lvl7pPr>
-            <a:lvl8pPr marL="2929326" indent="0">
+            <a:lvl8pPr marL="1260318" indent="0">
               <a:buNone/>
-              <a:defRPr sz="915"/>
+              <a:defRPr sz="394"/>
             </a:lvl8pPr>
-            <a:lvl9pPr marL="3347801" indent="0">
+            <a:lvl9pPr marL="1440363" indent="0">
               <a:buNone/>
-              <a:defRPr sz="915"/>
+              <a:defRPr sz="394"/>
             </a:lvl9pPr>
           </a:lstStyle>
           <a:p>
@@ -6168,7 +7264,7 @@
     </p:spTree>
     <p:extLst>
       <p:ext uri="{BB962C8B-B14F-4D97-AF65-F5344CB8AC3E}">
-        <p14:creationId xmlns:p14="http://schemas.microsoft.com/office/powerpoint/2010/main" val="2414884918"/>
+        <p14:creationId xmlns:p14="http://schemas.microsoft.com/office/powerpoint/2010/main" val="3977535777"/>
       </p:ext>
     </p:extLst>
   </p:cSld>
@@ -6207,15 +7303,15 @@
         </p:nvSpPr>
         <p:spPr>
           <a:xfrm>
-            <a:off x="576480" y="779992"/>
-            <a:ext cx="2699317" cy="2729971"/>
+            <a:off x="248000" y="703157"/>
+            <a:ext cx="1161239" cy="2461048"/>
           </a:xfrm>
         </p:spPr>
         <p:txBody>
           <a:bodyPr anchor="b"/>
           <a:lstStyle>
             <a:lvl1pPr>
-              <a:defRPr sz="2929"/>
+              <a:defRPr sz="1260"/>
             </a:lvl1pPr>
           </a:lstStyle>
           <a:p>
@@ -6239,8 +7335,8 @@
         </p:nvSpPr>
         <p:spPr>
           <a:xfrm>
-            <a:off x="3558043" y="1684568"/>
-            <a:ext cx="4236958" cy="8314495"/>
+            <a:off x="1530660" y="1518625"/>
+            <a:ext cx="1822728" cy="7495455"/>
           </a:xfrm>
         </p:spPr>
         <p:txBody>
@@ -6248,39 +7344,39 @@
           <a:lstStyle>
             <a:lvl1pPr marL="0" indent="0">
               <a:buNone/>
-              <a:defRPr sz="2929"/>
+              <a:defRPr sz="1260"/>
             </a:lvl1pPr>
-            <a:lvl2pPr marL="418475" indent="0">
+            <a:lvl2pPr marL="180045" indent="0">
               <a:buNone/>
-              <a:defRPr sz="2563"/>
+              <a:defRPr sz="1103"/>
             </a:lvl2pPr>
-            <a:lvl3pPr marL="836950" indent="0">
+            <a:lvl3pPr marL="360091" indent="0">
               <a:buNone/>
-              <a:defRPr sz="2197"/>
+              <a:defRPr sz="945"/>
             </a:lvl3pPr>
-            <a:lvl4pPr marL="1255425" indent="0">
+            <a:lvl4pPr marL="540136" indent="0">
               <a:buNone/>
-              <a:defRPr sz="1831"/>
+              <a:defRPr sz="788"/>
             </a:lvl4pPr>
-            <a:lvl5pPr marL="1673901" indent="0">
+            <a:lvl5pPr marL="720181" indent="0">
               <a:buNone/>
-              <a:defRPr sz="1831"/>
+              <a:defRPr sz="788"/>
             </a:lvl5pPr>
-            <a:lvl6pPr marL="2092376" indent="0">
+            <a:lvl6pPr marL="900227" indent="0">
               <a:buNone/>
-              <a:defRPr sz="1831"/>
+              <a:defRPr sz="788"/>
             </a:lvl6pPr>
-            <a:lvl7pPr marL="2510851" indent="0">
+            <a:lvl7pPr marL="1080272" indent="0">
               <a:buNone/>
-              <a:defRPr sz="1831"/>
+              <a:defRPr sz="788"/>
             </a:lvl7pPr>
-            <a:lvl8pPr marL="2929326" indent="0">
+            <a:lvl8pPr marL="1260318" indent="0">
               <a:buNone/>
-              <a:defRPr sz="1831"/>
+              <a:defRPr sz="788"/>
             </a:lvl8pPr>
-            <a:lvl9pPr marL="3347801" indent="0">
+            <a:lvl9pPr marL="1440363" indent="0">
               <a:buNone/>
-              <a:defRPr sz="1831"/>
+              <a:defRPr sz="788"/>
             </a:lvl9pPr>
           </a:lstStyle>
           <a:p>
@@ -6304,8 +7400,8 @@
         </p:nvSpPr>
         <p:spPr>
           <a:xfrm>
-            <a:off x="576480" y="3509962"/>
-            <a:ext cx="2699317" cy="6502640"/>
+            <a:off x="248000" y="3164205"/>
+            <a:ext cx="1161239" cy="5862081"/>
           </a:xfrm>
         </p:spPr>
         <p:txBody>
@@ -6313,39 +7409,39 @@
           <a:lstStyle>
             <a:lvl1pPr marL="0" indent="0">
               <a:buNone/>
-              <a:defRPr sz="1464"/>
+              <a:defRPr sz="630"/>
             </a:lvl1pPr>
-            <a:lvl2pPr marL="418475" indent="0">
+            <a:lvl2pPr marL="180045" indent="0">
               <a:buNone/>
-              <a:defRPr sz="1281"/>
+              <a:defRPr sz="551"/>
             </a:lvl2pPr>
-            <a:lvl3pPr marL="836950" indent="0">
+            <a:lvl3pPr marL="360091" indent="0">
               <a:buNone/>
-              <a:defRPr sz="1098"/>
+              <a:defRPr sz="473"/>
             </a:lvl3pPr>
-            <a:lvl4pPr marL="1255425" indent="0">
+            <a:lvl4pPr marL="540136" indent="0">
               <a:buNone/>
-              <a:defRPr sz="915"/>
+              <a:defRPr sz="394"/>
             </a:lvl4pPr>
-            <a:lvl5pPr marL="1673901" indent="0">
+            <a:lvl5pPr marL="720181" indent="0">
               <a:buNone/>
-              <a:defRPr sz="915"/>
+              <a:defRPr sz="394"/>
             </a:lvl5pPr>
-            <a:lvl6pPr marL="2092376" indent="0">
+            <a:lvl6pPr marL="900227" indent="0">
               <a:buNone/>
-              <a:defRPr sz="915"/>
+              <a:defRPr sz="394"/>
             </a:lvl6pPr>
-            <a:lvl7pPr marL="2510851" indent="0">
+            <a:lvl7pPr marL="1080272" indent="0">
               <a:buNone/>
-              <a:defRPr sz="915"/>
+              <a:defRPr sz="394"/>
             </a:lvl7pPr>
-            <a:lvl8pPr marL="2929326" indent="0">
+            <a:lvl8pPr marL="1260318" indent="0">
               <a:buNone/>
-              <a:defRPr sz="915"/>
+              <a:defRPr sz="394"/>
             </a:lvl8pPr>
-            <a:lvl9pPr marL="3347801" indent="0">
+            <a:lvl9pPr marL="1440363" indent="0">
               <a:buNone/>
-              <a:defRPr sz="915"/>
+              <a:defRPr sz="394"/>
             </a:lvl9pPr>
           </a:lstStyle>
           <a:p>
@@ -6425,7 +7521,7 @@
     </p:spTree>
     <p:extLst>
       <p:ext uri="{BB962C8B-B14F-4D97-AF65-F5344CB8AC3E}">
-        <p14:creationId xmlns:p14="http://schemas.microsoft.com/office/powerpoint/2010/main" val="1985428012"/>
+        <p14:creationId xmlns:p14="http://schemas.microsoft.com/office/powerpoint/2010/main" val="964044116"/>
       </p:ext>
     </p:extLst>
   </p:cSld>
@@ -6469,8 +7565,8 @@
         </p:nvSpPr>
         <p:spPr>
           <a:xfrm>
-            <a:off x="575390" y="622913"/>
-            <a:ext cx="7218521" cy="2261435"/>
+            <a:off x="247531" y="561551"/>
+            <a:ext cx="3105388" cy="2038667"/>
           </a:xfrm>
           <a:prstGeom prst="rect">
             <a:avLst/>
@@ -6502,8 +7598,8 @@
         </p:nvSpPr>
         <p:spPr>
           <a:xfrm>
-            <a:off x="575390" y="3114550"/>
-            <a:ext cx="7218521" cy="7423463"/>
+            <a:off x="247531" y="2807743"/>
+            <a:ext cx="3105388" cy="6692197"/>
           </a:xfrm>
           <a:prstGeom prst="rect">
             <a:avLst/>
@@ -6564,8 +7660,8 @@
         </p:nvSpPr>
         <p:spPr>
           <a:xfrm>
-            <a:off x="575389" y="10844053"/>
-            <a:ext cx="1883093" cy="622910"/>
+            <a:off x="247531" y="9775833"/>
+            <a:ext cx="810101" cy="561549"/>
           </a:xfrm>
           <a:prstGeom prst="rect">
             <a:avLst/>
@@ -6575,7 +7671,7 @@
           <a:bodyPr vert="horz" lIns="91440" tIns="45720" rIns="91440" bIns="45720" rtlCol="0" anchor="ctr"/>
           <a:lstStyle>
             <a:lvl1pPr algn="l">
-              <a:defRPr sz="1098">
+              <a:defRPr sz="473">
                 <a:solidFill>
                   <a:schemeClr val="tx1">
                     <a:tint val="75000"/>
@@ -6605,8 +7701,8 @@
         </p:nvSpPr>
         <p:spPr>
           <a:xfrm>
-            <a:off x="2772331" y="10844053"/>
-            <a:ext cx="2824639" cy="622910"/>
+            <a:off x="1192649" y="9775833"/>
+            <a:ext cx="1215152" cy="561549"/>
           </a:xfrm>
           <a:prstGeom prst="rect">
             <a:avLst/>
@@ -6616,7 +7712,7 @@
           <a:bodyPr vert="horz" lIns="91440" tIns="45720" rIns="91440" bIns="45720" rtlCol="0" anchor="ctr"/>
           <a:lstStyle>
             <a:lvl1pPr algn="ctr">
-              <a:defRPr sz="1098">
+              <a:defRPr sz="473">
                 <a:solidFill>
                   <a:schemeClr val="tx1">
                     <a:tint val="75000"/>
@@ -6642,8 +7738,8 @@
         </p:nvSpPr>
         <p:spPr>
           <a:xfrm>
-            <a:off x="5910818" y="10844053"/>
-            <a:ext cx="1883093" cy="622910"/>
+            <a:off x="2542818" y="9775833"/>
+            <a:ext cx="810101" cy="561549"/>
           </a:xfrm>
           <a:prstGeom prst="rect">
             <a:avLst/>
@@ -6653,7 +7749,7 @@
           <a:bodyPr vert="horz" lIns="91440" tIns="45720" rIns="91440" bIns="45720" rtlCol="0" anchor="ctr"/>
           <a:lstStyle>
             <a:lvl1pPr algn="r">
-              <a:defRPr sz="1098">
+              <a:defRPr sz="473">
                 <a:solidFill>
                   <a:schemeClr val="tx1">
                     <a:tint val="75000"/>
@@ -6674,27 +7770,27 @@
     </p:spTree>
     <p:extLst>
       <p:ext uri="{BB962C8B-B14F-4D97-AF65-F5344CB8AC3E}">
-        <p14:creationId xmlns:p14="http://schemas.microsoft.com/office/powerpoint/2010/main" val="3867964543"/>
+        <p14:creationId xmlns:p14="http://schemas.microsoft.com/office/powerpoint/2010/main" val="1725056291"/>
       </p:ext>
     </p:extLst>
   </p:cSld>
   <p:clrMap bg1="lt1" tx1="dk1" bg2="lt2" tx2="dk2" accent1="accent1" accent2="accent2" accent3="accent3" accent4="accent4" accent5="accent5" accent6="accent6" hlink="hlink" folHlink="folHlink"/>
   <p:sldLayoutIdLst>
-    <p:sldLayoutId id="2147483733" r:id="rId1"/>
-    <p:sldLayoutId id="2147483734" r:id="rId2"/>
-    <p:sldLayoutId id="2147483735" r:id="rId3"/>
-    <p:sldLayoutId id="2147483736" r:id="rId4"/>
-    <p:sldLayoutId id="2147483737" r:id="rId5"/>
-    <p:sldLayoutId id="2147483738" r:id="rId6"/>
-    <p:sldLayoutId id="2147483739" r:id="rId7"/>
-    <p:sldLayoutId id="2147483740" r:id="rId8"/>
-    <p:sldLayoutId id="2147483741" r:id="rId9"/>
-    <p:sldLayoutId id="2147483742" r:id="rId10"/>
-    <p:sldLayoutId id="2147483743" r:id="rId11"/>
+    <p:sldLayoutId id="2147483757" r:id="rId1"/>
+    <p:sldLayoutId id="2147483758" r:id="rId2"/>
+    <p:sldLayoutId id="2147483759" r:id="rId3"/>
+    <p:sldLayoutId id="2147483760" r:id="rId4"/>
+    <p:sldLayoutId id="2147483761" r:id="rId5"/>
+    <p:sldLayoutId id="2147483762" r:id="rId6"/>
+    <p:sldLayoutId id="2147483763" r:id="rId7"/>
+    <p:sldLayoutId id="2147483764" r:id="rId8"/>
+    <p:sldLayoutId id="2147483765" r:id="rId9"/>
+    <p:sldLayoutId id="2147483766" r:id="rId10"/>
+    <p:sldLayoutId id="2147483767" r:id="rId11"/>
   </p:sldLayoutIdLst>
   <p:txStyles>
     <p:titleStyle>
-      <a:lvl1pPr algn="l" defTabSz="836950" rtl="0" eaLnBrk="1" latinLnBrk="0" hangingPunct="1">
+      <a:lvl1pPr algn="l" defTabSz="360091" rtl="0" eaLnBrk="1" latinLnBrk="0" hangingPunct="1">
         <a:lnSpc>
           <a:spcPct val="90000"/>
         </a:lnSpc>
@@ -6702,7 +7798,7 @@
           <a:spcPct val="0"/>
         </a:spcBef>
         <a:buNone/>
-        <a:defRPr sz="4027" kern="1200">
+        <a:defRPr sz="1733" kern="1200">
           <a:solidFill>
             <a:schemeClr val="tx1"/>
           </a:solidFill>
@@ -6713,16 +7809,16 @@
       </a:lvl1pPr>
     </p:titleStyle>
     <p:bodyStyle>
-      <a:lvl1pPr marL="209238" indent="-209238" algn="l" defTabSz="836950" rtl="0" eaLnBrk="1" latinLnBrk="0" hangingPunct="1">
+      <a:lvl1pPr marL="90023" indent="-90023" algn="l" defTabSz="360091" rtl="0" eaLnBrk="1" latinLnBrk="0" hangingPunct="1">
         <a:lnSpc>
           <a:spcPct val="90000"/>
         </a:lnSpc>
         <a:spcBef>
-          <a:spcPts val="915"/>
+          <a:spcPts val="394"/>
         </a:spcBef>
         <a:buFont typeface="Arial" panose="020B0604020202020204" pitchFamily="34" charset="0"/>
         <a:buChar char="•"/>
-        <a:defRPr sz="2563" kern="1200">
+        <a:defRPr sz="1103" kern="1200">
           <a:solidFill>
             <a:schemeClr val="tx1"/>
           </a:solidFill>
@@ -6731,16 +7827,16 @@
           <a:cs typeface="+mn-cs"/>
         </a:defRPr>
       </a:lvl1pPr>
-      <a:lvl2pPr marL="627713" indent="-209238" algn="l" defTabSz="836950" rtl="0" eaLnBrk="1" latinLnBrk="0" hangingPunct="1">
+      <a:lvl2pPr marL="270068" indent="-90023" algn="l" defTabSz="360091" rtl="0" eaLnBrk="1" latinLnBrk="0" hangingPunct="1">
         <a:lnSpc>
           <a:spcPct val="90000"/>
         </a:lnSpc>
         <a:spcBef>
-          <a:spcPts val="458"/>
+          <a:spcPts val="197"/>
         </a:spcBef>
         <a:buFont typeface="Arial" panose="020B0604020202020204" pitchFamily="34" charset="0"/>
         <a:buChar char="•"/>
-        <a:defRPr sz="2197" kern="1200">
+        <a:defRPr sz="945" kern="1200">
           <a:solidFill>
             <a:schemeClr val="tx1"/>
           </a:solidFill>
@@ -6749,16 +7845,16 @@
           <a:cs typeface="+mn-cs"/>
         </a:defRPr>
       </a:lvl2pPr>
-      <a:lvl3pPr marL="1046188" indent="-209238" algn="l" defTabSz="836950" rtl="0" eaLnBrk="1" latinLnBrk="0" hangingPunct="1">
+      <a:lvl3pPr marL="450113" indent="-90023" algn="l" defTabSz="360091" rtl="0" eaLnBrk="1" latinLnBrk="0" hangingPunct="1">
         <a:lnSpc>
           <a:spcPct val="90000"/>
         </a:lnSpc>
         <a:spcBef>
-          <a:spcPts val="458"/>
+          <a:spcPts val="197"/>
         </a:spcBef>
         <a:buFont typeface="Arial" panose="020B0604020202020204" pitchFamily="34" charset="0"/>
         <a:buChar char="•"/>
-        <a:defRPr sz="1831" kern="1200">
+        <a:defRPr sz="788" kern="1200">
           <a:solidFill>
             <a:schemeClr val="tx1"/>
           </a:solidFill>
@@ -6767,16 +7863,16 @@
           <a:cs typeface="+mn-cs"/>
         </a:defRPr>
       </a:lvl3pPr>
-      <a:lvl4pPr marL="1464663" indent="-209238" algn="l" defTabSz="836950" rtl="0" eaLnBrk="1" latinLnBrk="0" hangingPunct="1">
+      <a:lvl4pPr marL="630159" indent="-90023" algn="l" defTabSz="360091" rtl="0" eaLnBrk="1" latinLnBrk="0" hangingPunct="1">
         <a:lnSpc>
           <a:spcPct val="90000"/>
         </a:lnSpc>
         <a:spcBef>
-          <a:spcPts val="458"/>
+          <a:spcPts val="197"/>
         </a:spcBef>
         <a:buFont typeface="Arial" panose="020B0604020202020204" pitchFamily="34" charset="0"/>
         <a:buChar char="•"/>
-        <a:defRPr sz="1648" kern="1200">
+        <a:defRPr sz="709" kern="1200">
           <a:solidFill>
             <a:schemeClr val="tx1"/>
           </a:solidFill>
@@ -6785,16 +7881,16 @@
           <a:cs typeface="+mn-cs"/>
         </a:defRPr>
       </a:lvl4pPr>
-      <a:lvl5pPr marL="1883138" indent="-209238" algn="l" defTabSz="836950" rtl="0" eaLnBrk="1" latinLnBrk="0" hangingPunct="1">
+      <a:lvl5pPr marL="810204" indent="-90023" algn="l" defTabSz="360091" rtl="0" eaLnBrk="1" latinLnBrk="0" hangingPunct="1">
         <a:lnSpc>
           <a:spcPct val="90000"/>
         </a:lnSpc>
         <a:spcBef>
-          <a:spcPts val="458"/>
+          <a:spcPts val="197"/>
         </a:spcBef>
         <a:buFont typeface="Arial" panose="020B0604020202020204" pitchFamily="34" charset="0"/>
         <a:buChar char="•"/>
-        <a:defRPr sz="1648" kern="1200">
+        <a:defRPr sz="709" kern="1200">
           <a:solidFill>
             <a:schemeClr val="tx1"/>
           </a:solidFill>
@@ -6803,16 +7899,16 @@
           <a:cs typeface="+mn-cs"/>
         </a:defRPr>
       </a:lvl5pPr>
-      <a:lvl6pPr marL="2301613" indent="-209238" algn="l" defTabSz="836950" rtl="0" eaLnBrk="1" latinLnBrk="0" hangingPunct="1">
+      <a:lvl6pPr marL="990249" indent="-90023" algn="l" defTabSz="360091" rtl="0" eaLnBrk="1" latinLnBrk="0" hangingPunct="1">
         <a:lnSpc>
           <a:spcPct val="90000"/>
         </a:lnSpc>
         <a:spcBef>
-          <a:spcPts val="458"/>
+          <a:spcPts val="197"/>
         </a:spcBef>
         <a:buFont typeface="Arial" panose="020B0604020202020204" pitchFamily="34" charset="0"/>
         <a:buChar char="•"/>
-        <a:defRPr sz="1648" kern="1200">
+        <a:defRPr sz="709" kern="1200">
           <a:solidFill>
             <a:schemeClr val="tx1"/>
           </a:solidFill>
@@ -6821,16 +7917,16 @@
           <a:cs typeface="+mn-cs"/>
         </a:defRPr>
       </a:lvl6pPr>
-      <a:lvl7pPr marL="2720089" indent="-209238" algn="l" defTabSz="836950" rtl="0" eaLnBrk="1" latinLnBrk="0" hangingPunct="1">
+      <a:lvl7pPr marL="1170295" indent="-90023" algn="l" defTabSz="360091" rtl="0" eaLnBrk="1" latinLnBrk="0" hangingPunct="1">
         <a:lnSpc>
           <a:spcPct val="90000"/>
         </a:lnSpc>
         <a:spcBef>
-          <a:spcPts val="458"/>
+          <a:spcPts val="197"/>
         </a:spcBef>
         <a:buFont typeface="Arial" panose="020B0604020202020204" pitchFamily="34" charset="0"/>
         <a:buChar char="•"/>
-        <a:defRPr sz="1648" kern="1200">
+        <a:defRPr sz="709" kern="1200">
           <a:solidFill>
             <a:schemeClr val="tx1"/>
           </a:solidFill>
@@ -6839,16 +7935,16 @@
           <a:cs typeface="+mn-cs"/>
         </a:defRPr>
       </a:lvl7pPr>
-      <a:lvl8pPr marL="3138564" indent="-209238" algn="l" defTabSz="836950" rtl="0" eaLnBrk="1" latinLnBrk="0" hangingPunct="1">
+      <a:lvl8pPr marL="1350340" indent="-90023" algn="l" defTabSz="360091" rtl="0" eaLnBrk="1" latinLnBrk="0" hangingPunct="1">
         <a:lnSpc>
           <a:spcPct val="90000"/>
         </a:lnSpc>
         <a:spcBef>
-          <a:spcPts val="458"/>
+          <a:spcPts val="197"/>
         </a:spcBef>
         <a:buFont typeface="Arial" panose="020B0604020202020204" pitchFamily="34" charset="0"/>
         <a:buChar char="•"/>
-        <a:defRPr sz="1648" kern="1200">
+        <a:defRPr sz="709" kern="1200">
           <a:solidFill>
             <a:schemeClr val="tx1"/>
           </a:solidFill>
@@ -6857,16 +7953,16 @@
           <a:cs typeface="+mn-cs"/>
         </a:defRPr>
       </a:lvl8pPr>
-      <a:lvl9pPr marL="3557039" indent="-209238" algn="l" defTabSz="836950" rtl="0" eaLnBrk="1" latinLnBrk="0" hangingPunct="1">
+      <a:lvl9pPr marL="1530386" indent="-90023" algn="l" defTabSz="360091" rtl="0" eaLnBrk="1" latinLnBrk="0" hangingPunct="1">
         <a:lnSpc>
           <a:spcPct val="90000"/>
         </a:lnSpc>
         <a:spcBef>
-          <a:spcPts val="458"/>
+          <a:spcPts val="197"/>
         </a:spcBef>
         <a:buFont typeface="Arial" panose="020B0604020202020204" pitchFamily="34" charset="0"/>
         <a:buChar char="•"/>
-        <a:defRPr sz="1648" kern="1200">
+        <a:defRPr sz="709" kern="1200">
           <a:solidFill>
             <a:schemeClr val="tx1"/>
           </a:solidFill>
@@ -6880,8 +7976,8 @@
       <a:defPPr>
         <a:defRPr lang="en-US"/>
       </a:defPPr>
-      <a:lvl1pPr marL="0" algn="l" defTabSz="836950" rtl="0" eaLnBrk="1" latinLnBrk="0" hangingPunct="1">
-        <a:defRPr sz="1648" kern="1200">
+      <a:lvl1pPr marL="0" algn="l" defTabSz="360091" rtl="0" eaLnBrk="1" latinLnBrk="0" hangingPunct="1">
+        <a:defRPr sz="709" kern="1200">
           <a:solidFill>
             <a:schemeClr val="tx1"/>
           </a:solidFill>
@@ -6890,8 +7986,8 @@
           <a:cs typeface="+mn-cs"/>
         </a:defRPr>
       </a:lvl1pPr>
-      <a:lvl2pPr marL="418475" algn="l" defTabSz="836950" rtl="0" eaLnBrk="1" latinLnBrk="0" hangingPunct="1">
-        <a:defRPr sz="1648" kern="1200">
+      <a:lvl2pPr marL="180045" algn="l" defTabSz="360091" rtl="0" eaLnBrk="1" latinLnBrk="0" hangingPunct="1">
+        <a:defRPr sz="709" kern="1200">
           <a:solidFill>
             <a:schemeClr val="tx1"/>
           </a:solidFill>
@@ -6900,8 +7996,8 @@
           <a:cs typeface="+mn-cs"/>
         </a:defRPr>
       </a:lvl2pPr>
-      <a:lvl3pPr marL="836950" algn="l" defTabSz="836950" rtl="0" eaLnBrk="1" latinLnBrk="0" hangingPunct="1">
-        <a:defRPr sz="1648" kern="1200">
+      <a:lvl3pPr marL="360091" algn="l" defTabSz="360091" rtl="0" eaLnBrk="1" latinLnBrk="0" hangingPunct="1">
+        <a:defRPr sz="709" kern="1200">
           <a:solidFill>
             <a:schemeClr val="tx1"/>
           </a:solidFill>
@@ -6910,8 +8006,8 @@
           <a:cs typeface="+mn-cs"/>
         </a:defRPr>
       </a:lvl3pPr>
-      <a:lvl4pPr marL="1255425" algn="l" defTabSz="836950" rtl="0" eaLnBrk="1" latinLnBrk="0" hangingPunct="1">
-        <a:defRPr sz="1648" kern="1200">
+      <a:lvl4pPr marL="540136" algn="l" defTabSz="360091" rtl="0" eaLnBrk="1" latinLnBrk="0" hangingPunct="1">
+        <a:defRPr sz="709" kern="1200">
           <a:solidFill>
             <a:schemeClr val="tx1"/>
           </a:solidFill>
@@ -6920,8 +8016,8 @@
           <a:cs typeface="+mn-cs"/>
         </a:defRPr>
       </a:lvl4pPr>
-      <a:lvl5pPr marL="1673901" algn="l" defTabSz="836950" rtl="0" eaLnBrk="1" latinLnBrk="0" hangingPunct="1">
-        <a:defRPr sz="1648" kern="1200">
+      <a:lvl5pPr marL="720181" algn="l" defTabSz="360091" rtl="0" eaLnBrk="1" latinLnBrk="0" hangingPunct="1">
+        <a:defRPr sz="709" kern="1200">
           <a:solidFill>
             <a:schemeClr val="tx1"/>
           </a:solidFill>
@@ -6930,8 +8026,8 @@
           <a:cs typeface="+mn-cs"/>
         </a:defRPr>
       </a:lvl5pPr>
-      <a:lvl6pPr marL="2092376" algn="l" defTabSz="836950" rtl="0" eaLnBrk="1" latinLnBrk="0" hangingPunct="1">
-        <a:defRPr sz="1648" kern="1200">
+      <a:lvl6pPr marL="900227" algn="l" defTabSz="360091" rtl="0" eaLnBrk="1" latinLnBrk="0" hangingPunct="1">
+        <a:defRPr sz="709" kern="1200">
           <a:solidFill>
             <a:schemeClr val="tx1"/>
           </a:solidFill>
@@ -6940,8 +8036,8 @@
           <a:cs typeface="+mn-cs"/>
         </a:defRPr>
       </a:lvl6pPr>
-      <a:lvl7pPr marL="2510851" algn="l" defTabSz="836950" rtl="0" eaLnBrk="1" latinLnBrk="0" hangingPunct="1">
-        <a:defRPr sz="1648" kern="1200">
+      <a:lvl7pPr marL="1080272" algn="l" defTabSz="360091" rtl="0" eaLnBrk="1" latinLnBrk="0" hangingPunct="1">
+        <a:defRPr sz="709" kern="1200">
           <a:solidFill>
             <a:schemeClr val="tx1"/>
           </a:solidFill>
@@ -6950,8 +8046,8 @@
           <a:cs typeface="+mn-cs"/>
         </a:defRPr>
       </a:lvl7pPr>
-      <a:lvl8pPr marL="2929326" algn="l" defTabSz="836950" rtl="0" eaLnBrk="1" latinLnBrk="0" hangingPunct="1">
-        <a:defRPr sz="1648" kern="1200">
+      <a:lvl8pPr marL="1260318" algn="l" defTabSz="360091" rtl="0" eaLnBrk="1" latinLnBrk="0" hangingPunct="1">
+        <a:defRPr sz="709" kern="1200">
           <a:solidFill>
             <a:schemeClr val="tx1"/>
           </a:solidFill>
@@ -6960,8 +8056,8 @@
           <a:cs typeface="+mn-cs"/>
         </a:defRPr>
       </a:lvl8pPr>
-      <a:lvl9pPr marL="3347801" algn="l" defTabSz="836950" rtl="0" eaLnBrk="1" latinLnBrk="0" hangingPunct="1">
-        <a:defRPr sz="1648" kern="1200">
+      <a:lvl9pPr marL="1440363" algn="l" defTabSz="360091" rtl="0" eaLnBrk="1" latinLnBrk="0" hangingPunct="1">
+        <a:defRPr sz="709" kern="1200">
           <a:solidFill>
             <a:schemeClr val="tx1"/>
           </a:solidFill>
@@ -6992,235 +8088,25 @@
           <a:chExt cx="0" cy="0"/>
         </a:xfrm>
       </p:grpSpPr>
-      <p:sp>
-        <p:nvSpPr>
-          <p:cNvPr id="574" name="Rectangle 573">
+      <p:cxnSp>
+        <p:nvCxnSpPr>
+          <p:cNvPr id="182" name="Straight Arrow Connector 181">
             <a:extLst>
               <a:ext uri="{FF2B5EF4-FFF2-40B4-BE49-F238E27FC236}">
-                <a16:creationId xmlns:a16="http://schemas.microsoft.com/office/drawing/2014/main" id="{CD132146-6A2C-4907-8470-FF64DB9C7B15}"/>
-              </a:ext>
-            </a:extLst>
-          </p:cNvPr>
-          <p:cNvSpPr/>
-          <p:nvPr/>
-        </p:nvSpPr>
-        <p:spPr>
-          <a:xfrm>
-            <a:off x="1476754" y="31594"/>
-            <a:ext cx="2104391" cy="360000"/>
-          </a:xfrm>
-          <a:prstGeom prst="rect">
-            <a:avLst/>
-          </a:prstGeom>
-          <a:solidFill>
-            <a:schemeClr val="bg2">
-              <a:lumMod val="90000"/>
-            </a:schemeClr>
-          </a:solidFill>
-          <a:ln>
-            <a:noFill/>
-          </a:ln>
-        </p:spPr>
-        <p:style>
-          <a:lnRef idx="2">
-            <a:schemeClr val="accent1">
-              <a:shade val="50000"/>
-            </a:schemeClr>
-          </a:lnRef>
-          <a:fillRef idx="1">
-            <a:schemeClr val="accent1"/>
-          </a:fillRef>
-          <a:effectRef idx="0">
-            <a:schemeClr val="accent1"/>
-          </a:effectRef>
-          <a:fontRef idx="minor">
-            <a:schemeClr val="lt1"/>
-          </a:fontRef>
-        </p:style>
-        <p:txBody>
-          <a:bodyPr rtlCol="0" anchor="ctr"/>
-          <a:lstStyle/>
-          <a:p>
-            <a:pPr algn="ctr"/>
-            <a:r>
-              <a:rPr lang="en-GB" sz="1000" b="1" dirty="0">
-                <a:solidFill>
-                  <a:schemeClr val="bg2">
-                    <a:lumMod val="50000"/>
-                  </a:schemeClr>
-                </a:solidFill>
-                <a:latin typeface="Arial" panose="020B0604020202020204" pitchFamily="34" charset="0"/>
-                <a:cs typeface="Arial" panose="020B0604020202020204" pitchFamily="34" charset="0"/>
-              </a:rPr>
-              <a:t>ecPoint Developers</a:t>
-            </a:r>
-          </a:p>
-        </p:txBody>
-      </p:sp>
-      <p:sp>
-        <p:nvSpPr>
-          <p:cNvPr id="575" name="Rectangle 574">
-            <a:extLst>
-              <a:ext uri="{FF2B5EF4-FFF2-40B4-BE49-F238E27FC236}">
-                <a16:creationId xmlns:a16="http://schemas.microsoft.com/office/drawing/2014/main" id="{26591627-413A-4336-BCF4-62CE98321E0F}"/>
-              </a:ext>
-            </a:extLst>
-          </p:cNvPr>
-          <p:cNvSpPr/>
-          <p:nvPr/>
-        </p:nvSpPr>
-        <p:spPr>
-          <a:xfrm>
-            <a:off x="3678266" y="31594"/>
-            <a:ext cx="2104391" cy="360000"/>
-          </a:xfrm>
-          <a:prstGeom prst="rect">
-            <a:avLst/>
-          </a:prstGeom>
-          <a:solidFill>
-            <a:schemeClr val="bg2">
-              <a:lumMod val="90000"/>
-            </a:schemeClr>
-          </a:solidFill>
-          <a:ln>
-            <a:noFill/>
-          </a:ln>
-        </p:spPr>
-        <p:style>
-          <a:lnRef idx="2">
-            <a:schemeClr val="accent1">
-              <a:shade val="50000"/>
-            </a:schemeClr>
-          </a:lnRef>
-          <a:fillRef idx="1">
-            <a:schemeClr val="accent1"/>
-          </a:fillRef>
-          <a:effectRef idx="0">
-            <a:schemeClr val="accent1"/>
-          </a:effectRef>
-          <a:fontRef idx="minor">
-            <a:schemeClr val="lt1"/>
-          </a:fontRef>
-        </p:style>
-        <p:txBody>
-          <a:bodyPr rtlCol="0" anchor="ctr"/>
-          <a:lstStyle/>
-          <a:p>
-            <a:pPr algn="ctr"/>
-            <a:r>
-              <a:rPr lang="en-GB" sz="1000" b="1" dirty="0">
-                <a:solidFill>
-                  <a:schemeClr val="bg2">
-                    <a:lumMod val="50000"/>
-                  </a:schemeClr>
-                </a:solidFill>
-                <a:latin typeface="Arial" panose="020B0604020202020204" pitchFamily="34" charset="0"/>
-                <a:cs typeface="Arial" panose="020B0604020202020204" pitchFamily="34" charset="0"/>
-              </a:rPr>
-              <a:t>IMN &amp; OMSZ</a:t>
-            </a:r>
-          </a:p>
-        </p:txBody>
-      </p:sp>
-      <p:sp>
-        <p:nvSpPr>
-          <p:cNvPr id="576" name="Rectangle 575">
-            <a:extLst>
-              <a:ext uri="{FF2B5EF4-FFF2-40B4-BE49-F238E27FC236}">
-                <a16:creationId xmlns:a16="http://schemas.microsoft.com/office/drawing/2014/main" id="{04ADCEF3-3A3D-4F09-929B-65715CC4863C}"/>
-              </a:ext>
-            </a:extLst>
-          </p:cNvPr>
-          <p:cNvSpPr/>
-          <p:nvPr/>
-        </p:nvSpPr>
-        <p:spPr>
-          <a:xfrm>
-            <a:off x="5888320" y="31594"/>
-            <a:ext cx="2104390" cy="360000"/>
-          </a:xfrm>
-          <a:prstGeom prst="rect">
-            <a:avLst/>
-          </a:prstGeom>
-          <a:solidFill>
-            <a:schemeClr val="bg2">
-              <a:lumMod val="90000"/>
-            </a:schemeClr>
-          </a:solidFill>
-          <a:ln>
-            <a:noFill/>
-          </a:ln>
-        </p:spPr>
-        <p:style>
-          <a:lnRef idx="2">
-            <a:schemeClr val="accent1">
-              <a:shade val="50000"/>
-            </a:schemeClr>
-          </a:lnRef>
-          <a:fillRef idx="1">
-            <a:schemeClr val="accent1"/>
-          </a:fillRef>
-          <a:effectRef idx="0">
-            <a:schemeClr val="accent1"/>
-          </a:effectRef>
-          <a:fontRef idx="minor">
-            <a:schemeClr val="lt1"/>
-          </a:fontRef>
-        </p:style>
-        <p:txBody>
-          <a:bodyPr rtlCol="0" anchor="ctr"/>
-          <a:lstStyle/>
-          <a:p>
-            <a:pPr algn="ctr"/>
-            <a:r>
-              <a:rPr lang="en-GB" sz="1000" b="1" dirty="0">
-                <a:solidFill>
-                  <a:schemeClr val="bg2">
-                    <a:lumMod val="50000"/>
-                  </a:schemeClr>
-                </a:solidFill>
-                <a:latin typeface="Arial" panose="020B0604020202020204" pitchFamily="34" charset="0"/>
-                <a:cs typeface="Arial" panose="020B0604020202020204" pitchFamily="34" charset="0"/>
-              </a:rPr>
-              <a:t>ecPoint Developers &amp; </a:t>
-            </a:r>
-          </a:p>
-          <a:p>
-            <a:pPr algn="ctr"/>
-            <a:r>
-              <a:rPr lang="en-GB" sz="1000" b="1" dirty="0">
-                <a:solidFill>
-                  <a:schemeClr val="bg2">
-                    <a:lumMod val="50000"/>
-                  </a:schemeClr>
-                </a:solidFill>
-                <a:latin typeface="Arial" panose="020B0604020202020204" pitchFamily="34" charset="0"/>
-                <a:cs typeface="Arial" panose="020B0604020202020204" pitchFamily="34" charset="0"/>
-              </a:rPr>
-              <a:t>IMN &amp; OMSZ</a:t>
-            </a:r>
-          </a:p>
-        </p:txBody>
-      </p:sp>
-      <p:cxnSp>
-        <p:nvCxnSpPr>
-          <p:cNvPr id="577" name="Straight Arrow Connector 576">
-            <a:extLst>
-              <a:ext uri="{FF2B5EF4-FFF2-40B4-BE49-F238E27FC236}">
-                <a16:creationId xmlns:a16="http://schemas.microsoft.com/office/drawing/2014/main" id="{1CA82E0E-F755-49E0-ADD8-6D5413F9FC01}"/>
+                <a16:creationId xmlns:a16="http://schemas.microsoft.com/office/drawing/2014/main" id="{E9029CBA-5931-4EA3-B709-3C3824305408}"/>
               </a:ext>
             </a:extLst>
           </p:cNvPr>
           <p:cNvCxnSpPr>
             <a:cxnSpLocks/>
-            <a:stCxn id="609" idx="1"/>
+            <a:stCxn id="209" idx="1"/>
           </p:cNvCxnSpPr>
           <p:nvPr/>
         </p:nvCxnSpPr>
         <p:spPr>
           <a:xfrm flipH="1" flipV="1">
-            <a:off x="1001672" y="1274999"/>
-            <a:ext cx="608837" cy="8666"/>
+            <a:off x="640852" y="602934"/>
+            <a:ext cx="398159" cy="2"/>
           </a:xfrm>
           <a:prstGeom prst="straightConnector1">
             <a:avLst/>
@@ -7249,10 +8135,10 @@
       </p:cxnSp>
       <p:sp>
         <p:nvSpPr>
-          <p:cNvPr id="578" name="Rectangle 577">
+          <p:cNvPr id="183" name="Rectangle 182">
             <a:extLst>
               <a:ext uri="{FF2B5EF4-FFF2-40B4-BE49-F238E27FC236}">
-                <a16:creationId xmlns:a16="http://schemas.microsoft.com/office/drawing/2014/main" id="{D06CAA15-25C2-4725-8AC6-58478ECA8E9F}"/>
+                <a16:creationId xmlns:a16="http://schemas.microsoft.com/office/drawing/2014/main" id="{10014996-DF08-41E9-9D1E-2ABD5E174897}"/>
               </a:ext>
             </a:extLst>
           </p:cNvPr>
@@ -7261,8 +8147,8 @@
         </p:nvSpPr>
         <p:spPr>
           <a:xfrm rot="16200000">
-            <a:off x="1034540" y="1155843"/>
-            <a:ext cx="457134" cy="247236"/>
+            <a:off x="555386" y="516686"/>
+            <a:ext cx="647930" cy="172498"/>
           </a:xfrm>
           <a:prstGeom prst="rect">
             <a:avLst/>
@@ -7310,17 +8196,17 @@
                 <a:latin typeface="Arial" panose="020B0604020202020204" pitchFamily="34" charset="0"/>
                 <a:cs typeface="Arial" panose="020B0604020202020204" pitchFamily="34" charset="0"/>
               </a:rPr>
-              <a:t>MAYBEYES</a:t>
+              <a:t>MAYBE YES</a:t>
             </a:r>
           </a:p>
         </p:txBody>
       </p:sp>
       <p:sp>
         <p:nvSpPr>
-          <p:cNvPr id="579" name="Rectangle: Rounded Corners 578">
+          <p:cNvPr id="184" name="Rectangle: Rounded Corners 183">
             <a:extLst>
               <a:ext uri="{FF2B5EF4-FFF2-40B4-BE49-F238E27FC236}">
-                <a16:creationId xmlns:a16="http://schemas.microsoft.com/office/drawing/2014/main" id="{FB9695B3-A7BF-4BB1-883D-0D5FD528A5E7}"/>
+                <a16:creationId xmlns:a16="http://schemas.microsoft.com/office/drawing/2014/main" id="{7B170783-C8D9-4147-9766-6AE84A65873C}"/>
               </a:ext>
             </a:extLst>
           </p:cNvPr>
@@ -7329,8 +8215,8 @@
         </p:nvSpPr>
         <p:spPr>
           <a:xfrm>
-            <a:off x="73973" y="1083672"/>
-            <a:ext cx="921169" cy="399985"/>
+            <a:off x="47625" y="278969"/>
+            <a:ext cx="593227" cy="633446"/>
           </a:xfrm>
           <a:prstGeom prst="roundRect">
             <a:avLst>
@@ -7386,10 +8272,10 @@
       </p:sp>
       <p:sp>
         <p:nvSpPr>
-          <p:cNvPr id="580" name="Rectangle 579">
+          <p:cNvPr id="185" name="Rectangle 184">
             <a:extLst>
               <a:ext uri="{FF2B5EF4-FFF2-40B4-BE49-F238E27FC236}">
-                <a16:creationId xmlns:a16="http://schemas.microsoft.com/office/drawing/2014/main" id="{340DD9A8-9452-4F33-8878-37CA5F16A8CE}"/>
+                <a16:creationId xmlns:a16="http://schemas.microsoft.com/office/drawing/2014/main" id="{3DC7DBC3-93C4-47D2-92A6-31CE34ADC086}"/>
               </a:ext>
             </a:extLst>
           </p:cNvPr>
@@ -7398,7 +8284,7 @@
         </p:nvSpPr>
         <p:spPr>
           <a:xfrm>
-            <a:off x="1476756" y="553974"/>
+            <a:off x="1157996" y="18107"/>
             <a:ext cx="2104392" cy="143515"/>
           </a:xfrm>
           <a:prstGeom prst="rect">
@@ -7445,24 +8331,24 @@
       </p:sp>
       <p:cxnSp>
         <p:nvCxnSpPr>
-          <p:cNvPr id="581" name="Straight Arrow Connector 580">
+          <p:cNvPr id="186" name="Straight Arrow Connector 185">
             <a:extLst>
               <a:ext uri="{FF2B5EF4-FFF2-40B4-BE49-F238E27FC236}">
-                <a16:creationId xmlns:a16="http://schemas.microsoft.com/office/drawing/2014/main" id="{26388AC3-08D5-4416-B020-37EBE40A7A71}"/>
+                <a16:creationId xmlns:a16="http://schemas.microsoft.com/office/drawing/2014/main" id="{AA4CB908-A9FE-49FC-BAA3-65CB70C74B46}"/>
               </a:ext>
             </a:extLst>
           </p:cNvPr>
           <p:cNvCxnSpPr>
             <a:cxnSpLocks/>
-            <a:stCxn id="610" idx="2"/>
-            <a:endCxn id="583" idx="0"/>
+            <a:stCxn id="209" idx="2"/>
+            <a:endCxn id="188" idx="0"/>
           </p:cNvCxnSpPr>
           <p:nvPr/>
         </p:nvCxnSpPr>
         <p:spPr>
-          <a:xfrm>
-            <a:off x="2528952" y="1846590"/>
-            <a:ext cx="5703" cy="488774"/>
+          <a:xfrm flipH="1">
+            <a:off x="2210192" y="1048281"/>
+            <a:ext cx="1" cy="351941"/>
           </a:xfrm>
           <a:prstGeom prst="straightConnector1">
             <a:avLst/>
@@ -7491,10 +8377,10 @@
       </p:cxnSp>
       <p:sp>
         <p:nvSpPr>
-          <p:cNvPr id="582" name="Rectangle 581">
+          <p:cNvPr id="187" name="Rectangle 186">
             <a:extLst>
               <a:ext uri="{FF2B5EF4-FFF2-40B4-BE49-F238E27FC236}">
-                <a16:creationId xmlns:a16="http://schemas.microsoft.com/office/drawing/2014/main" id="{82513933-1BBA-46D9-8603-EFF35D5C53B5}"/>
+                <a16:creationId xmlns:a16="http://schemas.microsoft.com/office/drawing/2014/main" id="{743161DB-A90A-4A6E-B6AE-D0496C3E027E}"/>
               </a:ext>
             </a:extLst>
           </p:cNvPr>
@@ -7503,8 +8389,8 @@
         </p:nvSpPr>
         <p:spPr>
           <a:xfrm>
-            <a:off x="2302694" y="1925646"/>
-            <a:ext cx="463922" cy="271990"/>
+            <a:off x="1880401" y="1127631"/>
+            <a:ext cx="659582" cy="141172"/>
           </a:xfrm>
           <a:prstGeom prst="rect">
             <a:avLst/>
@@ -7559,10 +8445,10 @@
       </p:sp>
       <p:sp>
         <p:nvSpPr>
-          <p:cNvPr id="583" name="Rectangle: Rounded Corners 582">
+          <p:cNvPr id="188" name="Rectangle: Rounded Corners 187">
             <a:extLst>
               <a:ext uri="{FF2B5EF4-FFF2-40B4-BE49-F238E27FC236}">
-                <a16:creationId xmlns:a16="http://schemas.microsoft.com/office/drawing/2014/main" id="{49110910-80E9-435E-AFCB-CF2D2FFC3EE1}"/>
+                <a16:creationId xmlns:a16="http://schemas.microsoft.com/office/drawing/2014/main" id="{124EAE42-A621-4FFB-A04C-1F9F4F158916}"/>
               </a:ext>
             </a:extLst>
           </p:cNvPr>
@@ -7571,7 +8457,7 @@
         </p:nvSpPr>
         <p:spPr>
           <a:xfrm>
-            <a:off x="1899414" y="2335364"/>
+            <a:off x="1574951" y="1400222"/>
             <a:ext cx="1270481" cy="368557"/>
           </a:xfrm>
           <a:prstGeom prst="roundRect">
@@ -7629,10 +8515,10 @@
       </p:sp>
       <p:sp>
         <p:nvSpPr>
-          <p:cNvPr id="584" name="Rectangle: Rounded Corners 583">
+          <p:cNvPr id="189" name="Rectangle: Rounded Corners 188">
             <a:extLst>
               <a:ext uri="{FF2B5EF4-FFF2-40B4-BE49-F238E27FC236}">
-                <a16:creationId xmlns:a16="http://schemas.microsoft.com/office/drawing/2014/main" id="{0D9B6692-6676-4184-B2E7-B66555401357}"/>
+                <a16:creationId xmlns:a16="http://schemas.microsoft.com/office/drawing/2014/main" id="{08A6135F-36F3-4EEC-B778-EE38D8FA4C36}"/>
               </a:ext>
             </a:extLst>
           </p:cNvPr>
@@ -7641,8 +8527,8 @@
         </p:nvSpPr>
         <p:spPr>
           <a:xfrm>
-            <a:off x="1623846" y="2883921"/>
-            <a:ext cx="1836882" cy="457025"/>
+            <a:off x="1039005" y="1959442"/>
+            <a:ext cx="2342349" cy="450000"/>
           </a:xfrm>
           <a:prstGeom prst="roundRect">
             <a:avLst>
@@ -7691,17 +8577,30 @@
                 <a:latin typeface="Arial" panose="020B0604020202020204" pitchFamily="34" charset="0"/>
                 <a:cs typeface="Arial" panose="020B0604020202020204" pitchFamily="34" charset="0"/>
               </a:rPr>
-              <a:t>Find volunteers to test ecPoint forecasts in their operational environment</a:t>
+              <a:t>Find volunteers to test ecPoint forecasts in their operational environment </a:t>
+            </a:r>
+          </a:p>
+          <a:p>
+            <a:pPr algn="ctr"/>
+            <a:r>
+              <a:rPr lang="en-GB" sz="800" dirty="0">
+                <a:solidFill>
+                  <a:schemeClr val="tx1"/>
+                </a:solidFill>
+                <a:latin typeface="Arial" panose="020B0604020202020204" pitchFamily="34" charset="0"/>
+                <a:cs typeface="Arial" panose="020B0604020202020204" pitchFamily="34" charset="0"/>
+              </a:rPr>
+              <a:t>(IMN &amp; OMSZ joined the experiment)</a:t>
             </a:r>
           </a:p>
         </p:txBody>
       </p:sp>
       <p:cxnSp>
         <p:nvCxnSpPr>
-          <p:cNvPr id="585" name="Straight Arrow Connector 584">
+          <p:cNvPr id="190" name="Straight Arrow Connector 189">
             <a:extLst>
               <a:ext uri="{FF2B5EF4-FFF2-40B4-BE49-F238E27FC236}">
-                <a16:creationId xmlns:a16="http://schemas.microsoft.com/office/drawing/2014/main" id="{03DFA738-D9AE-46D0-AE66-D422ADB47267}"/>
+                <a16:creationId xmlns:a16="http://schemas.microsoft.com/office/drawing/2014/main" id="{3524CCF5-A45E-4278-8F6B-77D15132D3BC}"/>
               </a:ext>
             </a:extLst>
           </p:cNvPr>
@@ -7712,7 +8611,7 @@
         </p:nvCxnSpPr>
         <p:spPr>
           <a:xfrm rot="16200000" flipH="1">
-            <a:off x="2463254" y="2793921"/>
+            <a:off x="2131540" y="1869443"/>
             <a:ext cx="180000" cy="0"/>
           </a:xfrm>
           <a:prstGeom prst="straightConnector1">
@@ -7740,56 +8639,12 @@
           </a:fontRef>
         </p:style>
       </p:cxnSp>
-      <p:cxnSp>
-        <p:nvCxnSpPr>
-          <p:cNvPr id="586" name="Straight Arrow Connector 585">
+      <p:sp>
+        <p:nvSpPr>
+          <p:cNvPr id="191" name="Rectangle: Rounded Corners 190">
             <a:extLst>
               <a:ext uri="{FF2B5EF4-FFF2-40B4-BE49-F238E27FC236}">
-                <a16:creationId xmlns:a16="http://schemas.microsoft.com/office/drawing/2014/main" id="{E87FB248-F35B-40B7-93A2-9ABF44316877}"/>
-              </a:ext>
-            </a:extLst>
-          </p:cNvPr>
-          <p:cNvCxnSpPr>
-            <a:cxnSpLocks/>
-          </p:cNvCxnSpPr>
-          <p:nvPr/>
-        </p:nvCxnSpPr>
-        <p:spPr>
-          <a:xfrm rot="16200000" flipH="1">
-            <a:off x="2452319" y="3837123"/>
-            <a:ext cx="180000" cy="0"/>
-          </a:xfrm>
-          <a:prstGeom prst="straightConnector1">
-            <a:avLst/>
-          </a:prstGeom>
-          <a:ln>
-            <a:solidFill>
-              <a:srgbClr val="787878"/>
-            </a:solidFill>
-            <a:tailEnd type="triangle"/>
-          </a:ln>
-        </p:spPr>
-        <p:style>
-          <a:lnRef idx="1">
-            <a:schemeClr val="accent1"/>
-          </a:lnRef>
-          <a:fillRef idx="0">
-            <a:schemeClr val="accent1"/>
-          </a:fillRef>
-          <a:effectRef idx="0">
-            <a:schemeClr val="accent1"/>
-          </a:effectRef>
-          <a:fontRef idx="minor">
-            <a:schemeClr val="tx1"/>
-          </a:fontRef>
-        </p:style>
-      </p:cxnSp>
-      <p:sp>
-        <p:nvSpPr>
-          <p:cNvPr id="587" name="Rectangle: Rounded Corners 586">
-            <a:extLst>
-              <a:ext uri="{FF2B5EF4-FFF2-40B4-BE49-F238E27FC236}">
-                <a16:creationId xmlns:a16="http://schemas.microsoft.com/office/drawing/2014/main" id="{D38FF5FC-DB5B-48E0-9458-49A64B28B864}"/>
+                <a16:creationId xmlns:a16="http://schemas.microsoft.com/office/drawing/2014/main" id="{949A950B-941D-43FE-9EEC-0CFFC14D38BD}"/>
               </a:ext>
             </a:extLst>
           </p:cNvPr>
@@ -7798,8 +8653,8 @@
         </p:nvSpPr>
         <p:spPr>
           <a:xfrm>
-            <a:off x="1623847" y="3927123"/>
-            <a:ext cx="1836873" cy="278178"/>
+            <a:off x="1045675" y="2604344"/>
+            <a:ext cx="2342348" cy="216000"/>
           </a:xfrm>
           <a:prstGeom prst="roundRect">
             <a:avLst>
@@ -7855,21 +8710,22 @@
       </p:sp>
       <p:cxnSp>
         <p:nvCxnSpPr>
-          <p:cNvPr id="588" name="Straight Arrow Connector 587">
+          <p:cNvPr id="192" name="Straight Arrow Connector 191">
             <a:extLst>
               <a:ext uri="{FF2B5EF4-FFF2-40B4-BE49-F238E27FC236}">
-                <a16:creationId xmlns:a16="http://schemas.microsoft.com/office/drawing/2014/main" id="{B888D12A-5812-4562-A8CE-9F4FE518F87B}"/>
+                <a16:creationId xmlns:a16="http://schemas.microsoft.com/office/drawing/2014/main" id="{B473CF8F-6559-47EA-9E66-A28BCE36BFB7}"/>
               </a:ext>
             </a:extLst>
           </p:cNvPr>
           <p:cNvCxnSpPr>
             <a:cxnSpLocks/>
+            <a:stCxn id="212" idx="2"/>
           </p:cNvCxnSpPr>
           <p:nvPr/>
         </p:nvCxnSpPr>
         <p:spPr>
           <a:xfrm>
-            <a:off x="4722845" y="4955804"/>
+            <a:off x="2216848" y="3452707"/>
             <a:ext cx="0" cy="180000"/>
           </a:xfrm>
           <a:prstGeom prst="straightConnector1">
@@ -7899,10 +8755,10 @@
       </p:cxnSp>
       <p:sp>
         <p:nvSpPr>
-          <p:cNvPr id="589" name="Rectangle: Rounded Corners 588">
+          <p:cNvPr id="193" name="Rectangle: Rounded Corners 192">
             <a:extLst>
               <a:ext uri="{FF2B5EF4-FFF2-40B4-BE49-F238E27FC236}">
-                <a16:creationId xmlns:a16="http://schemas.microsoft.com/office/drawing/2014/main" id="{390C5F0F-D9BC-43AC-A608-86B43AE1D883}"/>
+                <a16:creationId xmlns:a16="http://schemas.microsoft.com/office/drawing/2014/main" id="{67FED56A-E5D1-4317-B0B6-F0672D09E07E}"/>
               </a:ext>
             </a:extLst>
           </p:cNvPr>
@@ -7911,8 +8767,8 @@
         </p:nvSpPr>
         <p:spPr>
           <a:xfrm>
-            <a:off x="3826930" y="5141933"/>
-            <a:ext cx="1833753" cy="342900"/>
+            <a:off x="1062268" y="3626984"/>
+            <a:ext cx="2329004" cy="306000"/>
           </a:xfrm>
           <a:prstGeom prst="roundRect">
             <a:avLst>
@@ -7961,64 +8817,17 @@
                 <a:latin typeface="Arial" panose="020B0604020202020204" pitchFamily="34" charset="0"/>
                 <a:cs typeface="Arial" panose="020B0604020202020204" pitchFamily="34" charset="0"/>
               </a:rPr>
-              <a:t>Write an independent evaluation of ecPoint forecasts</a:t>
+              <a:t>Submission of a report that summarizes the evaluation of ecPoint forecasts performance</a:t>
             </a:r>
           </a:p>
         </p:txBody>
       </p:sp>
-      <p:cxnSp>
-        <p:nvCxnSpPr>
-          <p:cNvPr id="590" name="Connector: Elbow 589">
+      <p:sp>
+        <p:nvSpPr>
+          <p:cNvPr id="194" name="Rectangle: Rounded Corners 193">
             <a:extLst>
               <a:ext uri="{FF2B5EF4-FFF2-40B4-BE49-F238E27FC236}">
-                <a16:creationId xmlns:a16="http://schemas.microsoft.com/office/drawing/2014/main" id="{4B48BA7A-98E2-4BDD-ABB6-D32684E53AE9}"/>
-              </a:ext>
-            </a:extLst>
-          </p:cNvPr>
-          <p:cNvCxnSpPr>
-            <a:cxnSpLocks/>
-            <a:endCxn id="591" idx="3"/>
-          </p:cNvCxnSpPr>
-          <p:nvPr/>
-        </p:nvCxnSpPr>
-        <p:spPr>
-          <a:xfrm rot="10800000" flipV="1">
-            <a:off x="3460720" y="5472046"/>
-            <a:ext cx="1274758" cy="267726"/>
-          </a:xfrm>
-          <a:prstGeom prst="bentConnector3">
-            <a:avLst>
-              <a:gd name="adj1" fmla="val -62"/>
-            </a:avLst>
-          </a:prstGeom>
-          <a:ln>
-            <a:solidFill>
-              <a:srgbClr val="787878"/>
-            </a:solidFill>
-            <a:tailEnd type="triangle"/>
-          </a:ln>
-        </p:spPr>
-        <p:style>
-          <a:lnRef idx="1">
-            <a:schemeClr val="accent1"/>
-          </a:lnRef>
-          <a:fillRef idx="0">
-            <a:schemeClr val="accent1"/>
-          </a:fillRef>
-          <a:effectRef idx="0">
-            <a:schemeClr val="accent1"/>
-          </a:effectRef>
-          <a:fontRef idx="minor">
-            <a:schemeClr val="tx1"/>
-          </a:fontRef>
-        </p:style>
-      </p:cxnSp>
-      <p:sp>
-        <p:nvSpPr>
-          <p:cNvPr id="591" name="Rectangle: Rounded Corners 590">
-            <a:extLst>
-              <a:ext uri="{FF2B5EF4-FFF2-40B4-BE49-F238E27FC236}">
-                <a16:creationId xmlns:a16="http://schemas.microsoft.com/office/drawing/2014/main" id="{E50D01C2-7955-450B-ABBB-79AA2A726C33}"/>
+                <a16:creationId xmlns:a16="http://schemas.microsoft.com/office/drawing/2014/main" id="{A9A0ADA0-581B-4300-BFE5-3C26F6BCA954}"/>
               </a:ext>
             </a:extLst>
           </p:cNvPr>
@@ -8027,8 +8836,8 @@
         </p:nvSpPr>
         <p:spPr>
           <a:xfrm>
-            <a:off x="1623847" y="5556295"/>
-            <a:ext cx="1836873" cy="366953"/>
+            <a:off x="1062268" y="4128792"/>
+            <a:ext cx="2319080" cy="366953"/>
           </a:xfrm>
           <a:prstGeom prst="roundRect">
             <a:avLst>
@@ -8084,10 +8893,10 @@
       </p:sp>
       <p:cxnSp>
         <p:nvCxnSpPr>
-          <p:cNvPr id="592" name="Straight Arrow Connector 591">
+          <p:cNvPr id="195" name="Straight Arrow Connector 194">
             <a:extLst>
               <a:ext uri="{FF2B5EF4-FFF2-40B4-BE49-F238E27FC236}">
-                <a16:creationId xmlns:a16="http://schemas.microsoft.com/office/drawing/2014/main" id="{9A66F212-2A74-4AB5-A7A1-4F6508CFF575}"/>
+                <a16:creationId xmlns:a16="http://schemas.microsoft.com/office/drawing/2014/main" id="{DB6B199D-381C-471E-8376-137993F1ABAE}"/>
               </a:ext>
             </a:extLst>
           </p:cNvPr>
@@ -8098,7 +8907,7 @@
         </p:nvCxnSpPr>
         <p:spPr>
           <a:xfrm rot="16200000" flipH="1">
-            <a:off x="2438947" y="6013248"/>
+            <a:off x="2136671" y="4585902"/>
             <a:ext cx="180000" cy="0"/>
           </a:xfrm>
           <a:prstGeom prst="straightConnector1">
@@ -8128,10 +8937,10 @@
       </p:cxnSp>
       <p:sp>
         <p:nvSpPr>
-          <p:cNvPr id="593" name="Rectangle: Rounded Corners 592">
+          <p:cNvPr id="196" name="Rectangle: Rounded Corners 195">
             <a:extLst>
               <a:ext uri="{FF2B5EF4-FFF2-40B4-BE49-F238E27FC236}">
-                <a16:creationId xmlns:a16="http://schemas.microsoft.com/office/drawing/2014/main" id="{E22D63D3-B556-42A7-A50B-4C104C7EC7E4}"/>
+                <a16:creationId xmlns:a16="http://schemas.microsoft.com/office/drawing/2014/main" id="{19621084-7FF3-4523-B658-B9958800A4E7}"/>
               </a:ext>
             </a:extLst>
           </p:cNvPr>
@@ -8140,8 +8949,8 @@
         </p:nvSpPr>
         <p:spPr>
           <a:xfrm>
-            <a:off x="6014101" y="7079951"/>
-            <a:ext cx="1833753" cy="825623"/>
+            <a:off x="1057626" y="6094303"/>
+            <a:ext cx="2319079" cy="825623"/>
           </a:xfrm>
           <a:prstGeom prst="roundRect">
             <a:avLst>
@@ -8195,59 +9004,12 @@
           </a:p>
         </p:txBody>
       </p:sp>
-      <p:cxnSp>
-        <p:nvCxnSpPr>
-          <p:cNvPr id="594" name="Connector: Elbow 593">
+      <p:sp>
+        <p:nvSpPr>
+          <p:cNvPr id="197" name="Rectangle: Rounded Corners 196">
             <a:extLst>
               <a:ext uri="{FF2B5EF4-FFF2-40B4-BE49-F238E27FC236}">
-                <a16:creationId xmlns:a16="http://schemas.microsoft.com/office/drawing/2014/main" id="{F6BDEC79-1930-469F-8A45-B913DB197DCE}"/>
-              </a:ext>
-            </a:extLst>
-          </p:cNvPr>
-          <p:cNvCxnSpPr>
-            <a:cxnSpLocks/>
-            <a:endCxn id="593" idx="1"/>
-          </p:cNvCxnSpPr>
-          <p:nvPr/>
-        </p:nvCxnSpPr>
-        <p:spPr>
-          <a:xfrm>
-            <a:off x="2519410" y="7267190"/>
-            <a:ext cx="3494691" cy="225573"/>
-          </a:xfrm>
-          <a:prstGeom prst="bentConnector3">
-            <a:avLst>
-              <a:gd name="adj1" fmla="val 123"/>
-            </a:avLst>
-          </a:prstGeom>
-          <a:ln>
-            <a:solidFill>
-              <a:srgbClr val="787878"/>
-            </a:solidFill>
-            <a:tailEnd type="triangle"/>
-          </a:ln>
-        </p:spPr>
-        <p:style>
-          <a:lnRef idx="1">
-            <a:schemeClr val="accent1"/>
-          </a:lnRef>
-          <a:fillRef idx="0">
-            <a:schemeClr val="accent1"/>
-          </a:fillRef>
-          <a:effectRef idx="0">
-            <a:schemeClr val="accent1"/>
-          </a:effectRef>
-          <a:fontRef idx="minor">
-            <a:schemeClr val="tx1"/>
-          </a:fontRef>
-        </p:style>
-      </p:cxnSp>
-      <p:sp>
-        <p:nvSpPr>
-          <p:cNvPr id="595" name="Rectangle 594">
-            <a:extLst>
-              <a:ext uri="{FF2B5EF4-FFF2-40B4-BE49-F238E27FC236}">
-                <a16:creationId xmlns:a16="http://schemas.microsoft.com/office/drawing/2014/main" id="{A264B17E-2F77-4BA7-95AD-B91DD711AB19}"/>
+                <a16:creationId xmlns:a16="http://schemas.microsoft.com/office/drawing/2014/main" id="{D47521AC-230F-4081-9630-18B20D3D11FF}"/>
               </a:ext>
             </a:extLst>
           </p:cNvPr>
@@ -8256,76 +9018,8 @@
         </p:nvSpPr>
         <p:spPr>
           <a:xfrm>
-            <a:off x="2371118" y="7321063"/>
-            <a:ext cx="312475" cy="123724"/>
-          </a:xfrm>
-          <a:prstGeom prst="rect">
-            <a:avLst/>
-          </a:prstGeom>
-          <a:solidFill>
-            <a:schemeClr val="bg1"/>
-          </a:solidFill>
-          <a:ln>
-            <a:solidFill>
-              <a:schemeClr val="bg2">
-                <a:lumMod val="50000"/>
-              </a:schemeClr>
-            </a:solidFill>
-          </a:ln>
-        </p:spPr>
-        <p:style>
-          <a:lnRef idx="2">
-            <a:schemeClr val="accent1">
-              <a:shade val="50000"/>
-            </a:schemeClr>
-          </a:lnRef>
-          <a:fillRef idx="1">
-            <a:schemeClr val="accent1"/>
-          </a:fillRef>
-          <a:effectRef idx="0">
-            <a:schemeClr val="accent1"/>
-          </a:effectRef>
-          <a:fontRef idx="minor">
-            <a:schemeClr val="lt1"/>
-          </a:fontRef>
-        </p:style>
-        <p:txBody>
-          <a:bodyPr rtlCol="0" anchor="ctr"/>
-          <a:lstStyle/>
-          <a:p>
-            <a:pPr algn="ctr"/>
-            <a:r>
-              <a:rPr lang="en-GB" sz="600" dirty="0">
-                <a:solidFill>
-                  <a:schemeClr val="tx1">
-                    <a:lumMod val="65000"/>
-                    <a:lumOff val="35000"/>
-                  </a:schemeClr>
-                </a:solidFill>
-                <a:latin typeface="Arial" panose="020B0604020202020204" pitchFamily="34" charset="0"/>
-                <a:cs typeface="Arial" panose="020B0604020202020204" pitchFamily="34" charset="0"/>
-              </a:rPr>
-              <a:t>NO</a:t>
-            </a:r>
-          </a:p>
-        </p:txBody>
-      </p:sp>
-      <p:sp>
-        <p:nvSpPr>
-          <p:cNvPr id="596" name="Rectangle: Rounded Corners 595">
-            <a:extLst>
-              <a:ext uri="{FF2B5EF4-FFF2-40B4-BE49-F238E27FC236}">
-                <a16:creationId xmlns:a16="http://schemas.microsoft.com/office/drawing/2014/main" id="{9624320E-1D30-427B-A731-6794C92FAD5D}"/>
-              </a:ext>
-            </a:extLst>
-          </p:cNvPr>
-          <p:cNvSpPr/>
-          <p:nvPr/>
-        </p:nvSpPr>
-        <p:spPr>
-          <a:xfrm>
-            <a:off x="6023638" y="8098668"/>
-            <a:ext cx="1833748" cy="364816"/>
+            <a:off x="1057626" y="7113020"/>
+            <a:ext cx="2312403" cy="364816"/>
           </a:xfrm>
           <a:prstGeom prst="roundRect">
             <a:avLst>
@@ -8381,24 +9075,24 @@
       </p:sp>
       <p:cxnSp>
         <p:nvCxnSpPr>
-          <p:cNvPr id="597" name="Straight Arrow Connector 596">
+          <p:cNvPr id="198" name="Straight Arrow Connector 197">
             <a:extLst>
               <a:ext uri="{FF2B5EF4-FFF2-40B4-BE49-F238E27FC236}">
-                <a16:creationId xmlns:a16="http://schemas.microsoft.com/office/drawing/2014/main" id="{2E6EDF89-D8F7-49D9-807C-C713B73EFB1E}"/>
+                <a16:creationId xmlns:a16="http://schemas.microsoft.com/office/drawing/2014/main" id="{9595FAE8-5BA4-4AE1-99DF-6976A14D4918}"/>
               </a:ext>
             </a:extLst>
           </p:cNvPr>
           <p:cNvCxnSpPr>
             <a:cxnSpLocks/>
-            <a:stCxn id="593" idx="2"/>
-            <a:endCxn id="596" idx="0"/>
+            <a:stCxn id="196" idx="2"/>
+            <a:endCxn id="197" idx="0"/>
           </p:cNvCxnSpPr>
           <p:nvPr/>
         </p:nvCxnSpPr>
         <p:spPr>
-          <a:xfrm>
-            <a:off x="6930978" y="7905574"/>
-            <a:ext cx="9534" cy="193094"/>
+          <a:xfrm flipH="1">
+            <a:off x="2213828" y="6919926"/>
+            <a:ext cx="0" cy="193094"/>
           </a:xfrm>
           <a:prstGeom prst="straightConnector1">
             <a:avLst/>
@@ -8427,24 +9121,24 @@
       </p:cxnSp>
       <p:cxnSp>
         <p:nvCxnSpPr>
-          <p:cNvPr id="598" name="Straight Arrow Connector 597">
+          <p:cNvPr id="199" name="Straight Arrow Connector 198">
             <a:extLst>
               <a:ext uri="{FF2B5EF4-FFF2-40B4-BE49-F238E27FC236}">
-                <a16:creationId xmlns:a16="http://schemas.microsoft.com/office/drawing/2014/main" id="{BC47A0B3-23F2-4F0F-9E81-E832AC8C531E}"/>
+                <a16:creationId xmlns:a16="http://schemas.microsoft.com/office/drawing/2014/main" id="{E251F78D-FA76-4704-8CCB-4C016CA112C7}"/>
               </a:ext>
             </a:extLst>
           </p:cNvPr>
           <p:cNvCxnSpPr>
             <a:cxnSpLocks/>
-            <a:stCxn id="596" idx="2"/>
-            <a:endCxn id="599" idx="0"/>
+            <a:stCxn id="197" idx="2"/>
+            <a:endCxn id="200" idx="0"/>
           </p:cNvCxnSpPr>
           <p:nvPr/>
         </p:nvCxnSpPr>
         <p:spPr>
-          <a:xfrm flipH="1">
-            <a:off x="6940509" y="8463484"/>
-            <a:ext cx="3" cy="173467"/>
+          <a:xfrm>
+            <a:off x="2213828" y="7477836"/>
+            <a:ext cx="0" cy="173467"/>
           </a:xfrm>
           <a:prstGeom prst="straightConnector1">
             <a:avLst/>
@@ -8473,10 +9167,10 @@
       </p:cxnSp>
       <p:sp>
         <p:nvSpPr>
-          <p:cNvPr id="599" name="Rectangle: Rounded Corners 598">
+          <p:cNvPr id="200" name="Rectangle: Rounded Corners 199">
             <a:extLst>
               <a:ext uri="{FF2B5EF4-FFF2-40B4-BE49-F238E27FC236}">
-                <a16:creationId xmlns:a16="http://schemas.microsoft.com/office/drawing/2014/main" id="{02D6C370-AD89-4813-8A28-7231CEB4780C}"/>
+                <a16:creationId xmlns:a16="http://schemas.microsoft.com/office/drawing/2014/main" id="{031D25B4-AEA7-4767-9C21-0162032E84B9}"/>
               </a:ext>
             </a:extLst>
           </p:cNvPr>
@@ -8485,8 +9179,8 @@
         </p:nvSpPr>
         <p:spPr>
           <a:xfrm>
-            <a:off x="6023638" y="8636951"/>
-            <a:ext cx="1833741" cy="336914"/>
+            <a:off x="1057626" y="7651303"/>
+            <a:ext cx="2319071" cy="336914"/>
           </a:xfrm>
           <a:prstGeom prst="roundRect">
             <a:avLst>
@@ -8542,23 +9236,23 @@
       </p:sp>
       <p:cxnSp>
         <p:nvCxnSpPr>
-          <p:cNvPr id="600" name="Straight Arrow Connector 599">
+          <p:cNvPr id="201" name="Straight Arrow Connector 200">
             <a:extLst>
               <a:ext uri="{FF2B5EF4-FFF2-40B4-BE49-F238E27FC236}">
-                <a16:creationId xmlns:a16="http://schemas.microsoft.com/office/drawing/2014/main" id="{0CB3533A-A1AE-4699-936A-EA326E9D5F12}"/>
+                <a16:creationId xmlns:a16="http://schemas.microsoft.com/office/drawing/2014/main" id="{D522DD08-5E6D-4F50-808B-45A35824C20D}"/>
               </a:ext>
             </a:extLst>
           </p:cNvPr>
           <p:cNvCxnSpPr>
             <a:cxnSpLocks/>
-            <a:endCxn id="593" idx="3"/>
+            <a:endCxn id="196" idx="1"/>
           </p:cNvCxnSpPr>
           <p:nvPr/>
         </p:nvCxnSpPr>
         <p:spPr>
-          <a:xfrm flipH="1">
-            <a:off x="7847854" y="7492763"/>
-            <a:ext cx="419846" cy="0"/>
+          <a:xfrm>
+            <a:off x="628255" y="6506359"/>
+            <a:ext cx="429371" cy="756"/>
           </a:xfrm>
           <a:prstGeom prst="straightConnector1">
             <a:avLst/>
@@ -8587,10 +9281,10 @@
       </p:cxnSp>
       <p:cxnSp>
         <p:nvCxnSpPr>
-          <p:cNvPr id="601" name="Straight Connector 600">
+          <p:cNvPr id="202" name="Straight Connector 201">
             <a:extLst>
               <a:ext uri="{FF2B5EF4-FFF2-40B4-BE49-F238E27FC236}">
-                <a16:creationId xmlns:a16="http://schemas.microsoft.com/office/drawing/2014/main" id="{231868B6-FF42-443B-AFF1-5E847E526794}"/>
+                <a16:creationId xmlns:a16="http://schemas.microsoft.com/office/drawing/2014/main" id="{372BC6DD-CE10-4A57-93DB-D7D6A12D5174}"/>
               </a:ext>
             </a:extLst>
           </p:cNvPr>
@@ -8601,7 +9295,7 @@
         </p:nvCxnSpPr>
         <p:spPr>
           <a:xfrm>
-            <a:off x="7838329" y="9728318"/>
+            <a:off x="628715" y="8706712"/>
             <a:ext cx="429371" cy="0"/>
           </a:xfrm>
           <a:prstGeom prst="line">
@@ -8630,10 +9324,10 @@
       </p:cxnSp>
       <p:cxnSp>
         <p:nvCxnSpPr>
-          <p:cNvPr id="602" name="Straight Connector 601">
+          <p:cNvPr id="203" name="Straight Connector 202">
             <a:extLst>
               <a:ext uri="{FF2B5EF4-FFF2-40B4-BE49-F238E27FC236}">
-                <a16:creationId xmlns:a16="http://schemas.microsoft.com/office/drawing/2014/main" id="{45737033-1187-42CF-A380-C08B90C6B94C}"/>
+                <a16:creationId xmlns:a16="http://schemas.microsoft.com/office/drawing/2014/main" id="{545C19BC-93ED-4AF6-B849-F6C52B77964F}"/>
               </a:ext>
             </a:extLst>
           </p:cNvPr>
@@ -8644,8 +9338,8 @@
         </p:nvCxnSpPr>
         <p:spPr>
           <a:xfrm>
-            <a:off x="8272342" y="7492763"/>
-            <a:ext cx="0" cy="2235555"/>
+            <a:off x="628715" y="6506359"/>
+            <a:ext cx="3140" cy="2193447"/>
           </a:xfrm>
           <a:prstGeom prst="line">
             <a:avLst/>
@@ -8673,78 +9367,10 @@
       </p:cxnSp>
       <p:sp>
         <p:nvSpPr>
-          <p:cNvPr id="603" name="Rectangle 602">
+          <p:cNvPr id="204" name="Parallelogram 203">
             <a:extLst>
               <a:ext uri="{FF2B5EF4-FFF2-40B4-BE49-F238E27FC236}">
-                <a16:creationId xmlns:a16="http://schemas.microsoft.com/office/drawing/2014/main" id="{AA025DB6-579C-4E33-B35F-3CD60628D75F}"/>
-              </a:ext>
-            </a:extLst>
-          </p:cNvPr>
-          <p:cNvSpPr/>
-          <p:nvPr/>
-        </p:nvSpPr>
-        <p:spPr>
-          <a:xfrm rot="5400000">
-            <a:off x="7950017" y="9655001"/>
-            <a:ext cx="338725" cy="144432"/>
-          </a:xfrm>
-          <a:prstGeom prst="rect">
-            <a:avLst/>
-          </a:prstGeom>
-          <a:solidFill>
-            <a:schemeClr val="bg1"/>
-          </a:solidFill>
-          <a:ln>
-            <a:solidFill>
-              <a:schemeClr val="bg2">
-                <a:lumMod val="50000"/>
-              </a:schemeClr>
-            </a:solidFill>
-          </a:ln>
-        </p:spPr>
-        <p:style>
-          <a:lnRef idx="2">
-            <a:schemeClr val="accent1">
-              <a:shade val="50000"/>
-            </a:schemeClr>
-          </a:lnRef>
-          <a:fillRef idx="1">
-            <a:schemeClr val="accent1"/>
-          </a:fillRef>
-          <a:effectRef idx="0">
-            <a:schemeClr val="accent1"/>
-          </a:effectRef>
-          <a:fontRef idx="minor">
-            <a:schemeClr val="lt1"/>
-          </a:fontRef>
-        </p:style>
-        <p:txBody>
-          <a:bodyPr rtlCol="0" anchor="ctr"/>
-          <a:lstStyle/>
-          <a:p>
-            <a:pPr algn="ctr"/>
-            <a:r>
-              <a:rPr lang="en-GB" sz="600" dirty="0">
-                <a:solidFill>
-                  <a:schemeClr val="tx1">
-                    <a:lumMod val="65000"/>
-                    <a:lumOff val="35000"/>
-                  </a:schemeClr>
-                </a:solidFill>
-                <a:latin typeface="Arial" panose="020B0604020202020204" pitchFamily="34" charset="0"/>
-                <a:cs typeface="Arial" panose="020B0604020202020204" pitchFamily="34" charset="0"/>
-              </a:rPr>
-              <a:t>NO</a:t>
-            </a:r>
-          </a:p>
-        </p:txBody>
-      </p:sp>
-      <p:sp>
-        <p:nvSpPr>
-          <p:cNvPr id="604" name="Parallelogram 603">
-            <a:extLst>
-              <a:ext uri="{FF2B5EF4-FFF2-40B4-BE49-F238E27FC236}">
-                <a16:creationId xmlns:a16="http://schemas.microsoft.com/office/drawing/2014/main" id="{95F36DA6-DFFC-4DC6-8E6D-0AEC7EAC726A}"/>
+                <a16:creationId xmlns:a16="http://schemas.microsoft.com/office/drawing/2014/main" id="{FE47997A-BD1A-42FB-9122-0732DF790459}"/>
               </a:ext>
             </a:extLst>
           </p:cNvPr>
@@ -8753,7 +9379,7 @@
         </p:nvSpPr>
         <p:spPr>
           <a:xfrm>
-            <a:off x="6020498" y="10670366"/>
+            <a:off x="1299671" y="9601327"/>
             <a:ext cx="1827356" cy="353392"/>
           </a:xfrm>
           <a:prstGeom prst="parallelogram">
@@ -8809,10 +9435,10 @@
       </p:sp>
       <p:cxnSp>
         <p:nvCxnSpPr>
-          <p:cNvPr id="605" name="Straight Arrow Connector 604">
+          <p:cNvPr id="205" name="Straight Arrow Connector 204">
             <a:extLst>
               <a:ext uri="{FF2B5EF4-FFF2-40B4-BE49-F238E27FC236}">
-                <a16:creationId xmlns:a16="http://schemas.microsoft.com/office/drawing/2014/main" id="{78B012F1-43A3-4D36-B848-88E90FB3068C}"/>
+                <a16:creationId xmlns:a16="http://schemas.microsoft.com/office/drawing/2014/main" id="{12FD9522-509B-4251-A316-B74D00264B8E}"/>
               </a:ext>
             </a:extLst>
           </p:cNvPr>
@@ -8823,7 +9449,7 @@
         </p:nvCxnSpPr>
         <p:spPr>
           <a:xfrm flipH="1">
-            <a:off x="6941421" y="10310366"/>
+            <a:off x="2220594" y="9241327"/>
             <a:ext cx="2" cy="360000"/>
           </a:xfrm>
           <a:prstGeom prst="straightConnector1">
@@ -8853,10 +9479,10 @@
       </p:cxnSp>
       <p:sp>
         <p:nvSpPr>
-          <p:cNvPr id="606" name="Rectangle 605">
+          <p:cNvPr id="206" name="Rectangle 205">
             <a:extLst>
               <a:ext uri="{FF2B5EF4-FFF2-40B4-BE49-F238E27FC236}">
-                <a16:creationId xmlns:a16="http://schemas.microsoft.com/office/drawing/2014/main" id="{B5486DDF-01BF-47D3-97AC-4528068B52D7}"/>
+                <a16:creationId xmlns:a16="http://schemas.microsoft.com/office/drawing/2014/main" id="{588AD1CA-748B-4229-AFE6-608AD0DD42C0}"/>
               </a:ext>
             </a:extLst>
           </p:cNvPr>
@@ -8865,7 +9491,7 @@
         </p:nvSpPr>
         <p:spPr>
           <a:xfrm>
-            <a:off x="6785183" y="10383742"/>
+            <a:off x="2064356" y="9314703"/>
             <a:ext cx="339160" cy="149676"/>
           </a:xfrm>
           <a:prstGeom prst="rect">
@@ -8921,22 +9547,22 @@
       </p:sp>
       <p:cxnSp>
         <p:nvCxnSpPr>
-          <p:cNvPr id="607" name="Straight Arrow Connector 606">
+          <p:cNvPr id="207" name="Straight Arrow Connector 206">
             <a:extLst>
               <a:ext uri="{FF2B5EF4-FFF2-40B4-BE49-F238E27FC236}">
-                <a16:creationId xmlns:a16="http://schemas.microsoft.com/office/drawing/2014/main" id="{FAF2B897-22E9-453A-888F-E72AFEDF6A60}"/>
+                <a16:creationId xmlns:a16="http://schemas.microsoft.com/office/drawing/2014/main" id="{07A022A8-A690-4664-925E-A6EFE8D7625B}"/>
               </a:ext>
             </a:extLst>
           </p:cNvPr>
           <p:cNvCxnSpPr>
             <a:cxnSpLocks/>
-            <a:stCxn id="604" idx="4"/>
+            <a:stCxn id="204" idx="4"/>
           </p:cNvCxnSpPr>
           <p:nvPr/>
         </p:nvCxnSpPr>
         <p:spPr>
           <a:xfrm>
-            <a:off x="6934176" y="11023758"/>
+            <a:off x="2213349" y="9954719"/>
             <a:ext cx="0" cy="180000"/>
           </a:xfrm>
           <a:prstGeom prst="straightConnector1">
@@ -8966,10 +9592,10 @@
       </p:cxnSp>
       <p:sp>
         <p:nvSpPr>
-          <p:cNvPr id="608" name="Rectangle: Rounded Corners 607">
+          <p:cNvPr id="208" name="Rectangle: Rounded Corners 207">
             <a:extLst>
               <a:ext uri="{FF2B5EF4-FFF2-40B4-BE49-F238E27FC236}">
-                <a16:creationId xmlns:a16="http://schemas.microsoft.com/office/drawing/2014/main" id="{42768EC0-FD5F-4AC9-9600-3A638007FD67}"/>
+                <a16:creationId xmlns:a16="http://schemas.microsoft.com/office/drawing/2014/main" id="{CDF494CF-B5BE-4808-9B3F-4BF1660ECA3D}"/>
               </a:ext>
             </a:extLst>
           </p:cNvPr>
@@ -8978,7 +9604,7 @@
         </p:nvSpPr>
         <p:spPr>
           <a:xfrm>
-            <a:off x="6291773" y="11203758"/>
+            <a:off x="1570946" y="10134719"/>
             <a:ext cx="1270800" cy="367200"/>
           </a:xfrm>
           <a:prstGeom prst="roundRect">
@@ -9036,10 +9662,10 @@
       </p:sp>
       <p:sp>
         <p:nvSpPr>
-          <p:cNvPr id="609" name="Diamond 608">
+          <p:cNvPr id="209" name="Diamond 208">
             <a:extLst>
               <a:ext uri="{FF2B5EF4-FFF2-40B4-BE49-F238E27FC236}">
-                <a16:creationId xmlns:a16="http://schemas.microsoft.com/office/drawing/2014/main" id="{12C21C0C-6A7E-4766-95C8-03C8C3666971}"/>
+                <a16:creationId xmlns:a16="http://schemas.microsoft.com/office/drawing/2014/main" id="{D13BAF3A-0B1D-4ABF-A79B-64712DA8F819}"/>
               </a:ext>
             </a:extLst>
           </p:cNvPr>
@@ -9048,8 +9674,8 @@
         </p:nvSpPr>
         <p:spPr>
           <a:xfrm>
-            <a:off x="1610511" y="700516"/>
-            <a:ext cx="1836882" cy="1166298"/>
+            <a:off x="1039011" y="157591"/>
+            <a:ext cx="2342364" cy="890690"/>
           </a:xfrm>
           <a:prstGeom prst="diamond">
             <a:avLst/>
@@ -9098,10 +9724,10 @@
       </p:sp>
       <p:sp>
         <p:nvSpPr>
-          <p:cNvPr id="610" name="Rectangle 609">
+          <p:cNvPr id="210" name="Rectangle 209">
             <a:extLst>
               <a:ext uri="{FF2B5EF4-FFF2-40B4-BE49-F238E27FC236}">
-                <a16:creationId xmlns:a16="http://schemas.microsoft.com/office/drawing/2014/main" id="{3D5B792D-03F0-43C0-938A-22B8761ECBB5}"/>
+                <a16:creationId xmlns:a16="http://schemas.microsoft.com/office/drawing/2014/main" id="{FC70445D-3475-4DF3-916E-7DA80218D296}"/>
               </a:ext>
             </a:extLst>
           </p:cNvPr>
@@ -9110,8 +9736,8 @@
         </p:nvSpPr>
         <p:spPr>
           <a:xfrm>
-            <a:off x="1947776" y="680292"/>
-            <a:ext cx="1162351" cy="1166298"/>
+            <a:off x="1453721" y="-26501"/>
+            <a:ext cx="1512943" cy="1166298"/>
           </a:xfrm>
           <a:prstGeom prst="rect">
             <a:avLst/>
@@ -9167,22 +9793,23 @@
       </p:sp>
       <p:cxnSp>
         <p:nvCxnSpPr>
-          <p:cNvPr id="611" name="Straight Arrow Connector 610">
+          <p:cNvPr id="211" name="Straight Arrow Connector 210">
             <a:extLst>
               <a:ext uri="{FF2B5EF4-FFF2-40B4-BE49-F238E27FC236}">
-                <a16:creationId xmlns:a16="http://schemas.microsoft.com/office/drawing/2014/main" id="{74138311-BF8E-44A1-AF21-6D5873F5A6AA}"/>
+                <a16:creationId xmlns:a16="http://schemas.microsoft.com/office/drawing/2014/main" id="{B1E5C43D-9A26-4C34-B77C-D124A53475BD}"/>
               </a:ext>
             </a:extLst>
           </p:cNvPr>
           <p:cNvCxnSpPr>
             <a:cxnSpLocks/>
+            <a:stCxn id="189" idx="2"/>
           </p:cNvCxnSpPr>
           <p:nvPr/>
         </p:nvCxnSpPr>
         <p:spPr>
-          <a:xfrm rot="16200000" flipH="1">
-            <a:off x="2452319" y="3430946"/>
-            <a:ext cx="180000" cy="0"/>
+          <a:xfrm>
+            <a:off x="2210180" y="2409442"/>
+            <a:ext cx="0" cy="180000"/>
           </a:xfrm>
           <a:prstGeom prst="straightConnector1">
             <a:avLst/>
@@ -9211,10 +9838,10 @@
       </p:cxnSp>
       <p:sp>
         <p:nvSpPr>
-          <p:cNvPr id="612" name="Rectangle: Rounded Corners 611">
+          <p:cNvPr id="212" name="Rectangle: Rounded Corners 211">
             <a:extLst>
               <a:ext uri="{FF2B5EF4-FFF2-40B4-BE49-F238E27FC236}">
-                <a16:creationId xmlns:a16="http://schemas.microsoft.com/office/drawing/2014/main" id="{9F123F85-0B59-43C6-8578-09D9C492B063}"/>
+                <a16:creationId xmlns:a16="http://schemas.microsoft.com/office/drawing/2014/main" id="{3A0307FD-2CA3-4B5A-875E-61E64749178C}"/>
               </a:ext>
             </a:extLst>
           </p:cNvPr>
@@ -9223,8 +9850,8 @@
         </p:nvSpPr>
         <p:spPr>
           <a:xfrm>
-            <a:off x="1623847" y="3520946"/>
-            <a:ext cx="1836881" cy="218462"/>
+            <a:off x="1045675" y="3002707"/>
+            <a:ext cx="2342345" cy="450000"/>
           </a:xfrm>
           <a:prstGeom prst="roundRect">
             <a:avLst>
@@ -9273,17 +9900,17 @@
                 <a:latin typeface="Arial" panose="020B0604020202020204" pitchFamily="34" charset="0"/>
                 <a:cs typeface="Arial" panose="020B0604020202020204" pitchFamily="34" charset="0"/>
               </a:rPr>
-              <a:t>IMN and OMSZ join the experiment</a:t>
+              <a:t>Use over a 1-year period of ecPoint-Rainfall to predicting extreme localized events operational environments</a:t>
             </a:r>
           </a:p>
         </p:txBody>
       </p:sp>
       <p:sp>
         <p:nvSpPr>
-          <p:cNvPr id="613" name="Rectangle 612">
+          <p:cNvPr id="213" name="Diamond 212">
             <a:extLst>
               <a:ext uri="{FF2B5EF4-FFF2-40B4-BE49-F238E27FC236}">
-                <a16:creationId xmlns:a16="http://schemas.microsoft.com/office/drawing/2014/main" id="{BD782685-6353-446B-BE2B-FA32D3C39BD0}"/>
+                <a16:creationId xmlns:a16="http://schemas.microsoft.com/office/drawing/2014/main" id="{9F22AAE1-147B-4C0C-9628-F2829B609874}"/>
               </a:ext>
             </a:extLst>
           </p:cNvPr>
@@ -9292,17 +9919,19 @@
         </p:nvSpPr>
         <p:spPr>
           <a:xfrm>
-            <a:off x="1476756" y="485775"/>
-            <a:ext cx="2104392" cy="11153774"/>
+            <a:off x="1062268" y="4678428"/>
+            <a:ext cx="2319080" cy="1070974"/>
           </a:xfrm>
-          <a:prstGeom prst="rect">
+          <a:prstGeom prst="diamond">
             <a:avLst/>
           </a:prstGeom>
-          <a:noFill/>
-          <a:ln>
+          <a:solidFill>
+            <a:srgbClr val="FFCC00"/>
+          </a:solidFill>
+          <a:ln w="3175">
             <a:solidFill>
               <a:schemeClr val="bg2">
-                <a:lumMod val="90000"/>
+                <a:lumMod val="75000"/>
               </a:schemeClr>
             </a:solidFill>
           </a:ln>
@@ -9328,16 +9957,22 @@
           <a:lstStyle/>
           <a:p>
             <a:pPr algn="ctr"/>
-            <a:endParaRPr lang="en-GB"/>
+            <a:endParaRPr lang="en-GB" sz="800" dirty="0">
+              <a:solidFill>
+                <a:schemeClr val="tx1"/>
+              </a:solidFill>
+              <a:latin typeface="Arial" panose="020B0604020202020204" pitchFamily="34" charset="0"/>
+              <a:cs typeface="Arial" panose="020B0604020202020204" pitchFamily="34" charset="0"/>
+            </a:endParaRPr>
           </a:p>
         </p:txBody>
       </p:sp>
       <p:sp>
         <p:nvSpPr>
-          <p:cNvPr id="614" name="Rectangle 613">
+          <p:cNvPr id="214" name="Rectangle 213">
             <a:extLst>
               <a:ext uri="{FF2B5EF4-FFF2-40B4-BE49-F238E27FC236}">
-                <a16:creationId xmlns:a16="http://schemas.microsoft.com/office/drawing/2014/main" id="{403F2F36-A154-4296-BA0F-D9BA651C6D66}"/>
+                <a16:creationId xmlns:a16="http://schemas.microsoft.com/office/drawing/2014/main" id="{93A8CE63-609D-4954-99C0-A47AB7F15E9E}"/>
               </a:ext>
             </a:extLst>
           </p:cNvPr>
@@ -9346,17 +9981,427 @@
         </p:nvSpPr>
         <p:spPr>
           <a:xfrm>
-            <a:off x="3678267" y="485774"/>
-            <a:ext cx="2104392" cy="11153775"/>
+            <a:off x="1363858" y="4594780"/>
+            <a:ext cx="1733890" cy="1166298"/>
           </a:xfrm>
           <a:prstGeom prst="rect">
             <a:avLst/>
           </a:prstGeom>
           <a:noFill/>
+          <a:ln w="3175">
+            <a:noFill/>
+          </a:ln>
+        </p:spPr>
+        <p:style>
+          <a:lnRef idx="2">
+            <a:schemeClr val="accent1">
+              <a:shade val="50000"/>
+            </a:schemeClr>
+          </a:lnRef>
+          <a:fillRef idx="1">
+            <a:schemeClr val="accent1"/>
+          </a:fillRef>
+          <a:effectRef idx="0">
+            <a:schemeClr val="accent1"/>
+          </a:effectRef>
+          <a:fontRef idx="minor">
+            <a:schemeClr val="lt1"/>
+          </a:fontRef>
+        </p:style>
+        <p:txBody>
+          <a:bodyPr rtlCol="0" anchor="ctr"/>
+          <a:lstStyle/>
+          <a:p>
+            <a:pPr algn="ctr"/>
+            <a:endParaRPr lang="en-GB" sz="800" dirty="0">
+              <a:solidFill>
+                <a:schemeClr val="tx1"/>
+              </a:solidFill>
+              <a:latin typeface="Arial" panose="020B0604020202020204" pitchFamily="34" charset="0"/>
+              <a:cs typeface="Arial" panose="020B0604020202020204" pitchFamily="34" charset="0"/>
+            </a:endParaRPr>
+          </a:p>
+          <a:p>
+            <a:pPr algn="ctr"/>
+            <a:r>
+              <a:rPr lang="en-GB" sz="800" dirty="0">
+                <a:solidFill>
+                  <a:schemeClr val="tx1"/>
+                </a:solidFill>
+                <a:latin typeface="Arial" panose="020B0604020202020204" pitchFamily="34" charset="0"/>
+                <a:cs typeface="Arial" panose="020B0604020202020204" pitchFamily="34" charset="0"/>
+              </a:rPr>
+              <a:t>Is the UND-EFF relationship for ecPoint forecasts similar to the one for traditional PEFs?</a:t>
+            </a:r>
+          </a:p>
+        </p:txBody>
+      </p:sp>
+      <p:cxnSp>
+        <p:nvCxnSpPr>
+          <p:cNvPr id="215" name="Straight Arrow Connector 214">
+            <a:extLst>
+              <a:ext uri="{FF2B5EF4-FFF2-40B4-BE49-F238E27FC236}">
+                <a16:creationId xmlns:a16="http://schemas.microsoft.com/office/drawing/2014/main" id="{06D8099D-10BA-4420-9F4C-0200EC15FC29}"/>
+              </a:ext>
+            </a:extLst>
+          </p:cNvPr>
+          <p:cNvCxnSpPr>
+            <a:cxnSpLocks/>
+            <a:stCxn id="200" idx="2"/>
+            <a:endCxn id="226" idx="0"/>
+          </p:cNvCxnSpPr>
+          <p:nvPr/>
+        </p:nvCxnSpPr>
+        <p:spPr>
+          <a:xfrm>
+            <a:off x="2217162" y="7988217"/>
+            <a:ext cx="1203" cy="182136"/>
+          </a:xfrm>
+          <a:prstGeom prst="straightConnector1">
+            <a:avLst/>
+          </a:prstGeom>
+          <a:ln>
+            <a:solidFill>
+              <a:srgbClr val="787878"/>
+            </a:solidFill>
+            <a:tailEnd type="triangle"/>
+          </a:ln>
+        </p:spPr>
+        <p:style>
+          <a:lnRef idx="1">
+            <a:schemeClr val="accent1"/>
+          </a:lnRef>
+          <a:fillRef idx="0">
+            <a:schemeClr val="accent1"/>
+          </a:fillRef>
+          <a:effectRef idx="0">
+            <a:schemeClr val="accent1"/>
+          </a:effectRef>
+          <a:fontRef idx="minor">
+            <a:schemeClr val="tx1"/>
+          </a:fontRef>
+        </p:style>
+      </p:cxnSp>
+      <p:sp>
+        <p:nvSpPr>
+          <p:cNvPr id="216" name="Rectangle 215">
+            <a:extLst>
+              <a:ext uri="{FF2B5EF4-FFF2-40B4-BE49-F238E27FC236}">
+                <a16:creationId xmlns:a16="http://schemas.microsoft.com/office/drawing/2014/main" id="{11B3E8B0-17CB-4537-9A5C-C1C44CAF9CC2}"/>
+              </a:ext>
+            </a:extLst>
+          </p:cNvPr>
+          <p:cNvSpPr/>
+          <p:nvPr/>
+        </p:nvSpPr>
+        <p:spPr>
+          <a:xfrm>
+            <a:off x="917076" y="2895442"/>
+            <a:ext cx="2607167" cy="1077689"/>
+          </a:xfrm>
+          <a:prstGeom prst="rect">
+            <a:avLst/>
+          </a:prstGeom>
+          <a:noFill/>
+          <a:ln w="28575">
+            <a:solidFill>
+              <a:srgbClr val="0000FF"/>
+            </a:solidFill>
+            <a:prstDash val="dash"/>
+          </a:ln>
+        </p:spPr>
+        <p:style>
+          <a:lnRef idx="2">
+            <a:schemeClr val="accent1">
+              <a:shade val="50000"/>
+            </a:schemeClr>
+          </a:lnRef>
+          <a:fillRef idx="1">
+            <a:schemeClr val="accent1"/>
+          </a:fillRef>
+          <a:effectRef idx="0">
+            <a:schemeClr val="accent1"/>
+          </a:effectRef>
+          <a:fontRef idx="minor">
+            <a:schemeClr val="lt1"/>
+          </a:fontRef>
+        </p:style>
+        <p:txBody>
+          <a:bodyPr rtlCol="0" anchor="ctr"/>
+          <a:lstStyle/>
+          <a:p>
+            <a:pPr algn="ctr"/>
+            <a:endParaRPr lang="en-GB"/>
+          </a:p>
+        </p:txBody>
+      </p:sp>
+      <p:cxnSp>
+        <p:nvCxnSpPr>
+          <p:cNvPr id="217" name="Straight Arrow Connector 216">
+            <a:extLst>
+              <a:ext uri="{FF2B5EF4-FFF2-40B4-BE49-F238E27FC236}">
+                <a16:creationId xmlns:a16="http://schemas.microsoft.com/office/drawing/2014/main" id="{5565A209-3D07-4BB7-9BA1-2C9F5064D220}"/>
+              </a:ext>
+            </a:extLst>
+          </p:cNvPr>
+          <p:cNvCxnSpPr>
+            <a:cxnSpLocks/>
+            <a:stCxn id="191" idx="2"/>
+            <a:endCxn id="212" idx="0"/>
+          </p:cNvCxnSpPr>
+          <p:nvPr/>
+        </p:nvCxnSpPr>
+        <p:spPr>
+          <a:xfrm flipH="1">
+            <a:off x="2216848" y="2820344"/>
+            <a:ext cx="1" cy="180000"/>
+          </a:xfrm>
+          <a:prstGeom prst="straightConnector1">
+            <a:avLst/>
+          </a:prstGeom>
+          <a:ln>
+            <a:solidFill>
+              <a:srgbClr val="787878"/>
+            </a:solidFill>
+            <a:tailEnd type="triangle"/>
+          </a:ln>
+        </p:spPr>
+        <p:style>
+          <a:lnRef idx="1">
+            <a:schemeClr val="accent1"/>
+          </a:lnRef>
+          <a:fillRef idx="0">
+            <a:schemeClr val="accent1"/>
+          </a:fillRef>
+          <a:effectRef idx="0">
+            <a:schemeClr val="accent1"/>
+          </a:effectRef>
+          <a:fontRef idx="minor">
+            <a:schemeClr val="tx1"/>
+          </a:fontRef>
+        </p:style>
+      </p:cxnSp>
+      <p:cxnSp>
+        <p:nvCxnSpPr>
+          <p:cNvPr id="218" name="Straight Arrow Connector 217">
+            <a:extLst>
+              <a:ext uri="{FF2B5EF4-FFF2-40B4-BE49-F238E27FC236}">
+                <a16:creationId xmlns:a16="http://schemas.microsoft.com/office/drawing/2014/main" id="{0FE2EEEF-1CBA-46EA-A621-FB5EB3B95F78}"/>
+              </a:ext>
+            </a:extLst>
+          </p:cNvPr>
+          <p:cNvCxnSpPr>
+            <a:cxnSpLocks/>
+          </p:cNvCxnSpPr>
+          <p:nvPr/>
+        </p:nvCxnSpPr>
+        <p:spPr>
+          <a:xfrm>
+            <a:off x="2224135" y="3932984"/>
+            <a:ext cx="0" cy="180000"/>
+          </a:xfrm>
+          <a:prstGeom prst="straightConnector1">
+            <a:avLst/>
+          </a:prstGeom>
+          <a:ln>
+            <a:solidFill>
+              <a:srgbClr val="787878"/>
+            </a:solidFill>
+            <a:tailEnd type="triangle"/>
+          </a:ln>
+        </p:spPr>
+        <p:style>
+          <a:lnRef idx="1">
+            <a:schemeClr val="accent1"/>
+          </a:lnRef>
+          <a:fillRef idx="0">
+            <a:schemeClr val="accent1"/>
+          </a:fillRef>
+          <a:effectRef idx="0">
+            <a:schemeClr val="accent1"/>
+          </a:effectRef>
+          <a:fontRef idx="minor">
+            <a:schemeClr val="tx1"/>
+          </a:fontRef>
+        </p:style>
+      </p:cxnSp>
+      <p:sp>
+        <p:nvSpPr>
+          <p:cNvPr id="219" name="Rectangle 218">
+            <a:extLst>
+              <a:ext uri="{FF2B5EF4-FFF2-40B4-BE49-F238E27FC236}">
+                <a16:creationId xmlns:a16="http://schemas.microsoft.com/office/drawing/2014/main" id="{2CEF687A-C095-41CD-84A5-5FCE448F387F}"/>
+              </a:ext>
+            </a:extLst>
+          </p:cNvPr>
+          <p:cNvSpPr/>
+          <p:nvPr/>
+        </p:nvSpPr>
+        <p:spPr>
+          <a:xfrm>
+            <a:off x="917064" y="2459657"/>
+            <a:ext cx="2607167" cy="399785"/>
+          </a:xfrm>
+          <a:prstGeom prst="rect">
+            <a:avLst/>
+          </a:prstGeom>
+          <a:noFill/>
+          <a:ln w="28575">
+            <a:solidFill>
+              <a:srgbClr val="FF00FF"/>
+            </a:solidFill>
+            <a:prstDash val="dash"/>
+          </a:ln>
+        </p:spPr>
+        <p:style>
+          <a:lnRef idx="2">
+            <a:schemeClr val="accent1">
+              <a:shade val="50000"/>
+            </a:schemeClr>
+          </a:lnRef>
+          <a:fillRef idx="1">
+            <a:schemeClr val="accent1"/>
+          </a:fillRef>
+          <a:effectRef idx="0">
+            <a:schemeClr val="accent1"/>
+          </a:effectRef>
+          <a:fontRef idx="minor">
+            <a:schemeClr val="lt1"/>
+          </a:fontRef>
+        </p:style>
+        <p:txBody>
+          <a:bodyPr rtlCol="0" anchor="ctr"/>
+          <a:lstStyle/>
+          <a:p>
+            <a:pPr algn="ctr"/>
+            <a:endParaRPr lang="en-GB"/>
+          </a:p>
+        </p:txBody>
+      </p:sp>
+      <p:sp>
+        <p:nvSpPr>
+          <p:cNvPr id="220" name="Rectangle 219">
+            <a:extLst>
+              <a:ext uri="{FF2B5EF4-FFF2-40B4-BE49-F238E27FC236}">
+                <a16:creationId xmlns:a16="http://schemas.microsoft.com/office/drawing/2014/main" id="{1EA52841-FBFC-4CCE-B848-4FE28C810DFB}"/>
+              </a:ext>
+            </a:extLst>
+          </p:cNvPr>
+          <p:cNvSpPr/>
+          <p:nvPr/>
+        </p:nvSpPr>
+        <p:spPr>
+          <a:xfrm>
+            <a:off x="914404" y="4020859"/>
+            <a:ext cx="2607165" cy="525576"/>
+          </a:xfrm>
+          <a:prstGeom prst="rect">
+            <a:avLst/>
+          </a:prstGeom>
+          <a:noFill/>
+          <a:ln w="28575">
+            <a:solidFill>
+              <a:srgbClr val="FF0000"/>
+            </a:solidFill>
+            <a:prstDash val="dash"/>
+          </a:ln>
+        </p:spPr>
+        <p:style>
+          <a:lnRef idx="2">
+            <a:schemeClr val="accent1">
+              <a:shade val="50000"/>
+            </a:schemeClr>
+          </a:lnRef>
+          <a:fillRef idx="1">
+            <a:schemeClr val="accent1"/>
+          </a:fillRef>
+          <a:effectRef idx="0">
+            <a:schemeClr val="accent1"/>
+          </a:effectRef>
+          <a:fontRef idx="minor">
+            <a:schemeClr val="lt1"/>
+          </a:fontRef>
+        </p:style>
+        <p:txBody>
+          <a:bodyPr rtlCol="0" anchor="ctr"/>
+          <a:lstStyle/>
+          <a:p>
+            <a:pPr algn="ctr"/>
+            <a:endParaRPr lang="en-GB"/>
+          </a:p>
+        </p:txBody>
+      </p:sp>
+      <p:cxnSp>
+        <p:nvCxnSpPr>
+          <p:cNvPr id="221" name="Straight Arrow Connector 220">
+            <a:extLst>
+              <a:ext uri="{FF2B5EF4-FFF2-40B4-BE49-F238E27FC236}">
+                <a16:creationId xmlns:a16="http://schemas.microsoft.com/office/drawing/2014/main" id="{F8B27E64-BB2E-4B14-8ABC-8774749F5A43}"/>
+              </a:ext>
+            </a:extLst>
+          </p:cNvPr>
+          <p:cNvCxnSpPr>
+            <a:cxnSpLocks/>
+          </p:cNvCxnSpPr>
+          <p:nvPr/>
+        </p:nvCxnSpPr>
+        <p:spPr>
+          <a:xfrm flipH="1" flipV="1">
+            <a:off x="656785" y="5216388"/>
+            <a:ext cx="398159" cy="2"/>
+          </a:xfrm>
+          <a:prstGeom prst="straightConnector1">
+            <a:avLst/>
+          </a:prstGeom>
+          <a:ln>
+            <a:solidFill>
+              <a:srgbClr val="787878"/>
+            </a:solidFill>
+            <a:tailEnd type="triangle"/>
+          </a:ln>
+        </p:spPr>
+        <p:style>
+          <a:lnRef idx="1">
+            <a:schemeClr val="accent1"/>
+          </a:lnRef>
+          <a:fillRef idx="0">
+            <a:schemeClr val="accent1"/>
+          </a:fillRef>
+          <a:effectRef idx="0">
+            <a:schemeClr val="accent1"/>
+          </a:effectRef>
+          <a:fontRef idx="minor">
+            <a:schemeClr val="tx1"/>
+          </a:fontRef>
+        </p:style>
+      </p:cxnSp>
+      <p:sp>
+        <p:nvSpPr>
+          <p:cNvPr id="222" name="Rectangle 221">
+            <a:extLst>
+              <a:ext uri="{FF2B5EF4-FFF2-40B4-BE49-F238E27FC236}">
+                <a16:creationId xmlns:a16="http://schemas.microsoft.com/office/drawing/2014/main" id="{D3523231-81E0-4C20-83CD-BF45FE31C771}"/>
+              </a:ext>
+            </a:extLst>
+          </p:cNvPr>
+          <p:cNvSpPr/>
+          <p:nvPr/>
+        </p:nvSpPr>
+        <p:spPr>
+          <a:xfrm rot="16200000">
+            <a:off x="696780" y="5145351"/>
+            <a:ext cx="381075" cy="156565"/>
+          </a:xfrm>
+          <a:prstGeom prst="rect">
+            <a:avLst/>
+          </a:prstGeom>
+          <a:solidFill>
+            <a:schemeClr val="bg1"/>
+          </a:solidFill>
           <a:ln>
             <a:solidFill>
               <a:schemeClr val="bg2">
-                <a:lumMod val="90000"/>
+                <a:lumMod val="50000"/>
               </a:schemeClr>
             </a:solidFill>
           </a:ln>
@@ -9382,16 +10427,28 @@
           <a:lstStyle/>
           <a:p>
             <a:pPr algn="ctr"/>
-            <a:endParaRPr lang="en-GB"/>
+            <a:r>
+              <a:rPr lang="en-GB" sz="600" dirty="0">
+                <a:solidFill>
+                  <a:schemeClr val="tx1">
+                    <a:lumMod val="65000"/>
+                    <a:lumOff val="35000"/>
+                  </a:schemeClr>
+                </a:solidFill>
+                <a:latin typeface="Arial" panose="020B0604020202020204" pitchFamily="34" charset="0"/>
+                <a:cs typeface="Arial" panose="020B0604020202020204" pitchFamily="34" charset="0"/>
+              </a:rPr>
+              <a:t>YES</a:t>
+            </a:r>
           </a:p>
         </p:txBody>
       </p:sp>
       <p:sp>
         <p:nvSpPr>
-          <p:cNvPr id="615" name="Rectangle 614">
+          <p:cNvPr id="223" name="Rectangle: Rounded Corners 222">
             <a:extLst>
               <a:ext uri="{FF2B5EF4-FFF2-40B4-BE49-F238E27FC236}">
-                <a16:creationId xmlns:a16="http://schemas.microsoft.com/office/drawing/2014/main" id="{F0558257-C578-49B7-976E-8F00D9E4338C}"/>
+                <a16:creationId xmlns:a16="http://schemas.microsoft.com/office/drawing/2014/main" id="{AB7A39FB-D3E5-4655-A071-08B04DD82B9A}"/>
               </a:ext>
             </a:extLst>
           </p:cNvPr>
@@ -9400,108 +10457,8 @@
         </p:nvSpPr>
         <p:spPr>
           <a:xfrm>
-            <a:off x="5874977" y="485776"/>
-            <a:ext cx="2104392" cy="11153774"/>
-          </a:xfrm>
-          <a:prstGeom prst="rect">
-            <a:avLst/>
-          </a:prstGeom>
-          <a:noFill/>
-          <a:ln>
-            <a:solidFill>
-              <a:schemeClr val="bg2">
-                <a:lumMod val="90000"/>
-              </a:schemeClr>
-            </a:solidFill>
-          </a:ln>
-        </p:spPr>
-        <p:style>
-          <a:lnRef idx="2">
-            <a:schemeClr val="accent1">
-              <a:shade val="50000"/>
-            </a:schemeClr>
-          </a:lnRef>
-          <a:fillRef idx="1">
-            <a:schemeClr val="accent1"/>
-          </a:fillRef>
-          <a:effectRef idx="0">
-            <a:schemeClr val="accent1"/>
-          </a:effectRef>
-          <a:fontRef idx="minor">
-            <a:schemeClr val="lt1"/>
-          </a:fontRef>
-        </p:style>
-        <p:txBody>
-          <a:bodyPr rtlCol="0" anchor="ctr"/>
-          <a:lstStyle/>
-          <a:p>
-            <a:pPr algn="ctr"/>
-            <a:endParaRPr lang="en-GB"/>
-          </a:p>
-        </p:txBody>
-      </p:sp>
-      <p:cxnSp>
-        <p:nvCxnSpPr>
-          <p:cNvPr id="616" name="Connector: Elbow 615">
-            <a:extLst>
-              <a:ext uri="{FF2B5EF4-FFF2-40B4-BE49-F238E27FC236}">
-                <a16:creationId xmlns:a16="http://schemas.microsoft.com/office/drawing/2014/main" id="{DE1491AB-4CFB-43F6-93C3-E82484D17237}"/>
-              </a:ext>
-            </a:extLst>
-          </p:cNvPr>
-          <p:cNvCxnSpPr>
-            <a:cxnSpLocks/>
-            <a:stCxn id="587" idx="2"/>
-            <a:endCxn id="617" idx="1"/>
-          </p:cNvCxnSpPr>
-          <p:nvPr/>
-        </p:nvCxnSpPr>
-        <p:spPr>
-          <a:xfrm rot="16200000" flipH="1">
-            <a:off x="2953111" y="3794474"/>
-            <a:ext cx="449641" cy="1271296"/>
-          </a:xfrm>
-          <a:prstGeom prst="bentConnector2">
-            <a:avLst/>
-          </a:prstGeom>
-          <a:ln>
-            <a:solidFill>
-              <a:srgbClr val="787878"/>
-            </a:solidFill>
-            <a:tailEnd type="triangle"/>
-          </a:ln>
-        </p:spPr>
-        <p:style>
-          <a:lnRef idx="1">
-            <a:schemeClr val="accent1"/>
-          </a:lnRef>
-          <a:fillRef idx="0">
-            <a:schemeClr val="accent1"/>
-          </a:fillRef>
-          <a:effectRef idx="0">
-            <a:schemeClr val="accent1"/>
-          </a:effectRef>
-          <a:fontRef idx="minor">
-            <a:schemeClr val="tx1"/>
-          </a:fontRef>
-        </p:style>
-      </p:cxnSp>
-      <p:sp>
-        <p:nvSpPr>
-          <p:cNvPr id="617" name="Rectangle: Rounded Corners 616">
-            <a:extLst>
-              <a:ext uri="{FF2B5EF4-FFF2-40B4-BE49-F238E27FC236}">
-                <a16:creationId xmlns:a16="http://schemas.microsoft.com/office/drawing/2014/main" id="{247E3BFC-B71F-4007-9D83-276EA6710971}"/>
-              </a:ext>
-            </a:extLst>
-          </p:cNvPr>
-          <p:cNvSpPr/>
-          <p:nvPr/>
-        </p:nvSpPr>
-        <p:spPr>
-          <a:xfrm>
-            <a:off x="3813579" y="4356048"/>
-            <a:ext cx="1833762" cy="597789"/>
+            <a:off x="47625" y="4911736"/>
+            <a:ext cx="609160" cy="576153"/>
           </a:xfrm>
           <a:prstGeom prst="roundRect">
             <a:avLst>
@@ -9550,17 +10507,61 @@
                 <a:latin typeface="Arial" panose="020B0604020202020204" pitchFamily="34" charset="0"/>
                 <a:cs typeface="Arial" panose="020B0604020202020204" pitchFamily="34" charset="0"/>
               </a:rPr>
-              <a:t>Assessment of ecPoint-Rainfall performance in predicting extreme localized events in their operational environment for 1-year </a:t>
+              <a:t>No further actions needed </a:t>
             </a:r>
           </a:p>
         </p:txBody>
       </p:sp>
+      <p:cxnSp>
+        <p:nvCxnSpPr>
+          <p:cNvPr id="224" name="Straight Arrow Connector 223">
+            <a:extLst>
+              <a:ext uri="{FF2B5EF4-FFF2-40B4-BE49-F238E27FC236}">
+                <a16:creationId xmlns:a16="http://schemas.microsoft.com/office/drawing/2014/main" id="{912B2D11-C4C3-40A1-8EC0-85E470ED77FB}"/>
+              </a:ext>
+            </a:extLst>
+          </p:cNvPr>
+          <p:cNvCxnSpPr>
+            <a:cxnSpLocks/>
+          </p:cNvCxnSpPr>
+          <p:nvPr/>
+        </p:nvCxnSpPr>
+        <p:spPr>
+          <a:xfrm flipH="1">
+            <a:off x="2212822" y="5742362"/>
+            <a:ext cx="1" cy="351941"/>
+          </a:xfrm>
+          <a:prstGeom prst="straightConnector1">
+            <a:avLst/>
+          </a:prstGeom>
+          <a:ln>
+            <a:solidFill>
+              <a:srgbClr val="787878"/>
+            </a:solidFill>
+            <a:tailEnd type="triangle"/>
+          </a:ln>
+        </p:spPr>
+        <p:style>
+          <a:lnRef idx="1">
+            <a:schemeClr val="accent1"/>
+          </a:lnRef>
+          <a:fillRef idx="0">
+            <a:schemeClr val="accent1"/>
+          </a:fillRef>
+          <a:effectRef idx="0">
+            <a:schemeClr val="accent1"/>
+          </a:effectRef>
+          <a:fontRef idx="minor">
+            <a:schemeClr val="tx1"/>
+          </a:fontRef>
+        </p:style>
+      </p:cxnSp>
       <p:sp>
         <p:nvSpPr>
-          <p:cNvPr id="618" name="Diamond 617">
+          <p:cNvPr id="225" name="Rectangle 224">
             <a:extLst>
               <a:ext uri="{FF2B5EF4-FFF2-40B4-BE49-F238E27FC236}">
-                <a16:creationId xmlns:a16="http://schemas.microsoft.com/office/drawing/2014/main" id="{87E00B16-98D5-414B-A509-BC975F797632}"/>
+                <a16:creationId xmlns:a16="http://schemas.microsoft.com/office/drawing/2014/main" id="{6B7AD368-8C63-47FF-AF97-5254D06A2A9B}"/>
               </a:ext>
             </a:extLst>
           </p:cNvPr>
@@ -9569,8 +10570,76 @@
         </p:nvSpPr>
         <p:spPr>
           <a:xfrm>
-            <a:off x="1610506" y="6105774"/>
-            <a:ext cx="1836882" cy="1166298"/>
+            <a:off x="2063254" y="5798068"/>
+            <a:ext cx="312475" cy="128568"/>
+          </a:xfrm>
+          <a:prstGeom prst="rect">
+            <a:avLst/>
+          </a:prstGeom>
+          <a:solidFill>
+            <a:schemeClr val="bg1"/>
+          </a:solidFill>
+          <a:ln>
+            <a:solidFill>
+              <a:schemeClr val="bg2">
+                <a:lumMod val="50000"/>
+              </a:schemeClr>
+            </a:solidFill>
+          </a:ln>
+        </p:spPr>
+        <p:style>
+          <a:lnRef idx="2">
+            <a:schemeClr val="accent1">
+              <a:shade val="50000"/>
+            </a:schemeClr>
+          </a:lnRef>
+          <a:fillRef idx="1">
+            <a:schemeClr val="accent1"/>
+          </a:fillRef>
+          <a:effectRef idx="0">
+            <a:schemeClr val="accent1"/>
+          </a:effectRef>
+          <a:fontRef idx="minor">
+            <a:schemeClr val="lt1"/>
+          </a:fontRef>
+        </p:style>
+        <p:txBody>
+          <a:bodyPr rtlCol="0" anchor="ctr"/>
+          <a:lstStyle/>
+          <a:p>
+            <a:pPr algn="ctr"/>
+            <a:r>
+              <a:rPr lang="en-GB" sz="600" dirty="0">
+                <a:solidFill>
+                  <a:schemeClr val="tx1">
+                    <a:lumMod val="65000"/>
+                    <a:lumOff val="35000"/>
+                  </a:schemeClr>
+                </a:solidFill>
+                <a:latin typeface="Arial" panose="020B0604020202020204" pitchFamily="34" charset="0"/>
+                <a:cs typeface="Arial" panose="020B0604020202020204" pitchFamily="34" charset="0"/>
+              </a:rPr>
+              <a:t>NO</a:t>
+            </a:r>
+          </a:p>
+        </p:txBody>
+      </p:sp>
+      <p:sp>
+        <p:nvSpPr>
+          <p:cNvPr id="226" name="Diamond 225">
+            <a:extLst>
+              <a:ext uri="{FF2B5EF4-FFF2-40B4-BE49-F238E27FC236}">
+                <a16:creationId xmlns:a16="http://schemas.microsoft.com/office/drawing/2014/main" id="{512D1C27-766B-4552-B090-B7C42431F7DC}"/>
+              </a:ext>
+            </a:extLst>
+          </p:cNvPr>
+          <p:cNvSpPr/>
+          <p:nvPr/>
+        </p:nvSpPr>
+        <p:spPr>
+          <a:xfrm>
+            <a:off x="1055511" y="8170353"/>
+            <a:ext cx="2325707" cy="1070974"/>
           </a:xfrm>
           <a:prstGeom prst="diamond">
             <a:avLst/>
@@ -9619,10 +10688,10 @@
       </p:sp>
       <p:sp>
         <p:nvSpPr>
-          <p:cNvPr id="619" name="Rectangle 618">
+          <p:cNvPr id="227" name="Rectangle 226">
             <a:extLst>
               <a:ext uri="{FF2B5EF4-FFF2-40B4-BE49-F238E27FC236}">
-                <a16:creationId xmlns:a16="http://schemas.microsoft.com/office/drawing/2014/main" id="{B1BC9740-288C-4A7C-931E-A8FB691758AA}"/>
+                <a16:creationId xmlns:a16="http://schemas.microsoft.com/office/drawing/2014/main" id="{8B42F4C0-E5EE-4349-AA41-2890BA841D7D}"/>
               </a:ext>
             </a:extLst>
           </p:cNvPr>
@@ -9631,8 +10700,61 @@
         </p:nvSpPr>
         <p:spPr>
           <a:xfrm>
-            <a:off x="1966821" y="6104600"/>
-            <a:ext cx="1162351" cy="1166298"/>
+            <a:off x="919723" y="5983745"/>
+            <a:ext cx="2607167" cy="2082414"/>
+          </a:xfrm>
+          <a:prstGeom prst="rect">
+            <a:avLst/>
+          </a:prstGeom>
+          <a:noFill/>
+          <a:ln w="28575">
+            <a:solidFill>
+              <a:srgbClr val="FF00FF"/>
+            </a:solidFill>
+            <a:prstDash val="dash"/>
+          </a:ln>
+        </p:spPr>
+        <p:style>
+          <a:lnRef idx="2">
+            <a:schemeClr val="accent1">
+              <a:shade val="50000"/>
+            </a:schemeClr>
+          </a:lnRef>
+          <a:fillRef idx="1">
+            <a:schemeClr val="accent1"/>
+          </a:fillRef>
+          <a:effectRef idx="0">
+            <a:schemeClr val="accent1"/>
+          </a:effectRef>
+          <a:fontRef idx="minor">
+            <a:schemeClr val="lt1"/>
+          </a:fontRef>
+        </p:style>
+        <p:txBody>
+          <a:bodyPr rtlCol="0" anchor="ctr"/>
+          <a:lstStyle/>
+          <a:p>
+            <a:pPr algn="ctr"/>
+            <a:endParaRPr lang="en-GB"/>
+          </a:p>
+        </p:txBody>
+      </p:sp>
+      <p:sp>
+        <p:nvSpPr>
+          <p:cNvPr id="228" name="Rectangle 227">
+            <a:extLst>
+              <a:ext uri="{FF2B5EF4-FFF2-40B4-BE49-F238E27FC236}">
+                <a16:creationId xmlns:a16="http://schemas.microsoft.com/office/drawing/2014/main" id="{8B947C78-D353-4DC3-B750-B624EE887E98}"/>
+              </a:ext>
+            </a:extLst>
+          </p:cNvPr>
+          <p:cNvSpPr/>
+          <p:nvPr/>
+        </p:nvSpPr>
+        <p:spPr>
+          <a:xfrm>
+            <a:off x="1479706" y="8124304"/>
+            <a:ext cx="1528555" cy="1166298"/>
           </a:xfrm>
           <a:prstGeom prst="rect">
             <a:avLst/>
@@ -9681,62 +10803,17 @@
                 <a:latin typeface="Arial" panose="020B0604020202020204" pitchFamily="34" charset="0"/>
                 <a:cs typeface="Arial" panose="020B0604020202020204" pitchFamily="34" charset="0"/>
               </a:rPr>
-              <a:t>Did the UND-EFF relationship for ecPoint forecasts result similar to the one for traditional PEFs?</a:t>
+              <a:t>Do forecasters think ecPoint forecasts are more effectively explained with the revised guidance?</a:t>
             </a:r>
           </a:p>
         </p:txBody>
       </p:sp>
-      <p:cxnSp>
-        <p:nvCxnSpPr>
-          <p:cNvPr id="620" name="Straight Arrow Connector 619">
+      <p:sp>
+        <p:nvSpPr>
+          <p:cNvPr id="229" name="Rectangle 228">
             <a:extLst>
               <a:ext uri="{FF2B5EF4-FFF2-40B4-BE49-F238E27FC236}">
-                <a16:creationId xmlns:a16="http://schemas.microsoft.com/office/drawing/2014/main" id="{6C3DBF36-376F-43D2-9816-624CE250857B}"/>
-              </a:ext>
-            </a:extLst>
-          </p:cNvPr>
-          <p:cNvCxnSpPr>
-            <a:cxnSpLocks/>
-            <a:endCxn id="622" idx="3"/>
-          </p:cNvCxnSpPr>
-          <p:nvPr/>
-        </p:nvCxnSpPr>
-        <p:spPr>
-          <a:xfrm flipH="1" flipV="1">
-            <a:off x="1001674" y="6683284"/>
-            <a:ext cx="608840" cy="4206"/>
-          </a:xfrm>
-          <a:prstGeom prst="straightConnector1">
-            <a:avLst/>
-          </a:prstGeom>
-          <a:ln>
-            <a:solidFill>
-              <a:srgbClr val="787878"/>
-            </a:solidFill>
-            <a:tailEnd type="triangle"/>
-          </a:ln>
-        </p:spPr>
-        <p:style>
-          <a:lnRef idx="1">
-            <a:schemeClr val="accent1"/>
-          </a:lnRef>
-          <a:fillRef idx="0">
-            <a:schemeClr val="accent1"/>
-          </a:fillRef>
-          <a:effectRef idx="0">
-            <a:schemeClr val="accent1"/>
-          </a:effectRef>
-          <a:fontRef idx="minor">
-            <a:schemeClr val="tx1"/>
-          </a:fontRef>
-        </p:style>
-      </p:cxnSp>
-      <p:sp>
-        <p:nvSpPr>
-          <p:cNvPr id="621" name="Rectangle 620">
-            <a:extLst>
-              <a:ext uri="{FF2B5EF4-FFF2-40B4-BE49-F238E27FC236}">
-                <a16:creationId xmlns:a16="http://schemas.microsoft.com/office/drawing/2014/main" id="{4078EFB5-B93D-438D-98BE-E2FC82F5F5E9}"/>
+                <a16:creationId xmlns:a16="http://schemas.microsoft.com/office/drawing/2014/main" id="{04CE0786-B227-42BD-9960-30DFBF38F6A4}"/>
               </a:ext>
             </a:extLst>
           </p:cNvPr>
@@ -9745,8 +10822,8 @@
         </p:nvSpPr>
         <p:spPr>
           <a:xfrm rot="16200000">
-            <a:off x="1129238" y="6597035"/>
-            <a:ext cx="338725" cy="172496"/>
+            <a:off x="681474" y="8643475"/>
+            <a:ext cx="325898" cy="133683"/>
           </a:xfrm>
           <a:prstGeom prst="rect">
             <a:avLst/>
@@ -9794,17 +10871,17 @@
                 <a:latin typeface="Arial" panose="020B0604020202020204" pitchFamily="34" charset="0"/>
                 <a:cs typeface="Arial" panose="020B0604020202020204" pitchFamily="34" charset="0"/>
               </a:rPr>
-              <a:t>YES</a:t>
+              <a:t>NO</a:t>
             </a:r>
           </a:p>
         </p:txBody>
       </p:sp>
       <p:sp>
         <p:nvSpPr>
-          <p:cNvPr id="622" name="Rectangle: Rounded Corners 621">
+          <p:cNvPr id="230" name="Rectangle 229">
             <a:extLst>
               <a:ext uri="{FF2B5EF4-FFF2-40B4-BE49-F238E27FC236}">
-                <a16:creationId xmlns:a16="http://schemas.microsoft.com/office/drawing/2014/main" id="{7BDD76D7-B2C0-423A-9BD4-9404C3C0EF34}"/>
+                <a16:creationId xmlns:a16="http://schemas.microsoft.com/office/drawing/2014/main" id="{5B191990-5FCF-4841-AE4A-2DF9D1F247F5}"/>
               </a:ext>
             </a:extLst>
           </p:cNvPr>
@@ -9813,25 +10890,16 @@
         </p:nvSpPr>
         <p:spPr>
           <a:xfrm>
-            <a:off x="73973" y="6513921"/>
-            <a:ext cx="927701" cy="338726"/>
+            <a:off x="82197" y="1020076"/>
+            <a:ext cx="1164169" cy="351941"/>
           </a:xfrm>
-          <a:prstGeom prst="roundRect">
-            <a:avLst>
-              <a:gd name="adj" fmla="val 0"/>
-            </a:avLst>
+          <a:prstGeom prst="rect">
+            <a:avLst/>
           </a:prstGeom>
-          <a:solidFill>
-            <a:schemeClr val="bg2">
-              <a:lumMod val="75000"/>
-            </a:schemeClr>
-          </a:solidFill>
-          <a:ln w="3175">
-            <a:solidFill>
-              <a:schemeClr val="bg2">
-                <a:lumMod val="50000"/>
-              </a:schemeClr>
-            </a:solidFill>
+          <a:noFill/>
+          <a:ln w="28575">
+            <a:noFill/>
+            <a:prstDash val="dash"/>
           </a:ln>
         </p:spPr>
         <p:style>
@@ -9854,7 +10922,6 @@
           <a:bodyPr rtlCol="0" anchor="ctr"/>
           <a:lstStyle/>
           <a:p>
-            <a:pPr algn="ctr"/>
             <a:r>
               <a:rPr lang="en-GB" sz="800" dirty="0">
                 <a:solidFill>
@@ -9863,17 +10930,135 @@
                 <a:latin typeface="Arial" panose="020B0604020202020204" pitchFamily="34" charset="0"/>
                 <a:cs typeface="Arial" panose="020B0604020202020204" pitchFamily="34" charset="0"/>
               </a:rPr>
-              <a:t>No further actions needed </a:t>
+              <a:t>ecPoint Developers</a:t>
+            </a:r>
+          </a:p>
+        </p:txBody>
+      </p:sp>
+      <p:sp>
+        <p:nvSpPr>
+          <p:cNvPr id="231" name="Rectangle 230">
+            <a:extLst>
+              <a:ext uri="{FF2B5EF4-FFF2-40B4-BE49-F238E27FC236}">
+                <a16:creationId xmlns:a16="http://schemas.microsoft.com/office/drawing/2014/main" id="{0D011B38-64CD-4E12-AB26-EF62193A2CA0}"/>
+              </a:ext>
+            </a:extLst>
+          </p:cNvPr>
+          <p:cNvSpPr/>
+          <p:nvPr/>
+        </p:nvSpPr>
+        <p:spPr>
+          <a:xfrm>
+            <a:off x="102399" y="1228103"/>
+            <a:ext cx="872646" cy="353392"/>
+          </a:xfrm>
+          <a:prstGeom prst="rect">
+            <a:avLst/>
+          </a:prstGeom>
+          <a:noFill/>
+          <a:ln w="28575">
+            <a:noFill/>
+            <a:prstDash val="dash"/>
+          </a:ln>
+        </p:spPr>
+        <p:style>
+          <a:lnRef idx="2">
+            <a:schemeClr val="accent1">
+              <a:shade val="50000"/>
+            </a:schemeClr>
+          </a:lnRef>
+          <a:fillRef idx="1">
+            <a:schemeClr val="accent1"/>
+          </a:fillRef>
+          <a:effectRef idx="0">
+            <a:schemeClr val="accent1"/>
+          </a:effectRef>
+          <a:fontRef idx="minor">
+            <a:schemeClr val="lt1"/>
+          </a:fontRef>
+        </p:style>
+        <p:txBody>
+          <a:bodyPr rtlCol="0" anchor="ctr"/>
+          <a:lstStyle/>
+          <a:p>
+            <a:r>
+              <a:rPr lang="en-GB" sz="800" dirty="0">
+                <a:solidFill>
+                  <a:schemeClr val="tx1"/>
+                </a:solidFill>
+                <a:latin typeface="Arial" panose="020B0604020202020204" pitchFamily="34" charset="0"/>
+                <a:cs typeface="Arial" panose="020B0604020202020204" pitchFamily="34" charset="0"/>
+              </a:rPr>
+              <a:t>IMN &amp; OMSZ</a:t>
+            </a:r>
+          </a:p>
+        </p:txBody>
+      </p:sp>
+      <p:sp>
+        <p:nvSpPr>
+          <p:cNvPr id="232" name="Rectangle 231">
+            <a:extLst>
+              <a:ext uri="{FF2B5EF4-FFF2-40B4-BE49-F238E27FC236}">
+                <a16:creationId xmlns:a16="http://schemas.microsoft.com/office/drawing/2014/main" id="{8F835A08-20B0-47AA-86C1-46940EC71468}"/>
+              </a:ext>
+            </a:extLst>
+          </p:cNvPr>
+          <p:cNvSpPr/>
+          <p:nvPr/>
+        </p:nvSpPr>
+        <p:spPr>
+          <a:xfrm>
+            <a:off x="102399" y="1437582"/>
+            <a:ext cx="1832167" cy="353392"/>
+          </a:xfrm>
+          <a:prstGeom prst="rect">
+            <a:avLst/>
+          </a:prstGeom>
+          <a:noFill/>
+          <a:ln w="28575">
+            <a:noFill/>
+            <a:prstDash val="dash"/>
+          </a:ln>
+        </p:spPr>
+        <p:style>
+          <a:lnRef idx="2">
+            <a:schemeClr val="accent1">
+              <a:shade val="50000"/>
+            </a:schemeClr>
+          </a:lnRef>
+          <a:fillRef idx="1">
+            <a:schemeClr val="accent1"/>
+          </a:fillRef>
+          <a:effectRef idx="0">
+            <a:schemeClr val="accent1"/>
+          </a:effectRef>
+          <a:fontRef idx="minor">
+            <a:schemeClr val="lt1"/>
+          </a:fontRef>
+        </p:style>
+        <p:txBody>
+          <a:bodyPr rtlCol="0" anchor="ctr"/>
+          <a:lstStyle/>
+          <a:p>
+            <a:r>
+              <a:rPr lang="en-GB" sz="800" dirty="0">
+                <a:solidFill>
+                  <a:schemeClr val="tx1"/>
+                </a:solidFill>
+                <a:latin typeface="Arial" panose="020B0604020202020204" pitchFamily="34" charset="0"/>
+                <a:cs typeface="Arial" panose="020B0604020202020204" pitchFamily="34" charset="0"/>
+              </a:rPr>
+              <a:t>ecPoint Dev, IMN &amp; OMSZ</a:t>
             </a:r>
           </a:p>
         </p:txBody>
       </p:sp>
       <p:cxnSp>
         <p:nvCxnSpPr>
-          <p:cNvPr id="623" name="Straight Arrow Connector 622">
+          <p:cNvPr id="233" name="Straight Connector 232">
             <a:extLst>
               <a:ext uri="{FF2B5EF4-FFF2-40B4-BE49-F238E27FC236}">
-                <a16:creationId xmlns:a16="http://schemas.microsoft.com/office/drawing/2014/main" id="{27CE6032-B8C9-465B-8CC6-42FEF75965C0}"/>
+                <a16:creationId xmlns:a16="http://schemas.microsoft.com/office/drawing/2014/main" id="{E7FD80BE-2A8A-4781-AB87-D4AD95BD366C}"/>
               </a:ext>
             </a:extLst>
           </p:cNvPr>
@@ -9883,18 +11068,18 @@
           <p:nvPr/>
         </p:nvCxnSpPr>
         <p:spPr>
-          <a:xfrm rot="16200000" flipH="1">
-            <a:off x="6848285" y="9063865"/>
-            <a:ext cx="180000" cy="0"/>
+          <a:xfrm>
+            <a:off x="180975" y="1270076"/>
+            <a:ext cx="881293" cy="0"/>
           </a:xfrm>
-          <a:prstGeom prst="straightConnector1">
+          <a:prstGeom prst="line">
             <a:avLst/>
           </a:prstGeom>
-          <a:ln>
+          <a:ln w="19050">
             <a:solidFill>
-              <a:srgbClr val="787878"/>
+              <a:srgbClr val="FF0000"/>
             </a:solidFill>
-            <a:tailEnd type="triangle"/>
+            <a:prstDash val="dash"/>
           </a:ln>
         </p:spPr>
         <p:style>
@@ -9912,158 +11097,94 @@
           </a:fontRef>
         </p:style>
       </p:cxnSp>
-      <p:grpSp>
-        <p:nvGrpSpPr>
-          <p:cNvPr id="624" name="Group 623">
+      <p:cxnSp>
+        <p:nvCxnSpPr>
+          <p:cNvPr id="234" name="Straight Connector 233">
             <a:extLst>
               <a:ext uri="{FF2B5EF4-FFF2-40B4-BE49-F238E27FC236}">
-                <a16:creationId xmlns:a16="http://schemas.microsoft.com/office/drawing/2014/main" id="{07553D9B-C9B1-44A8-8F15-B3E40D69CE0D}"/>
+                <a16:creationId xmlns:a16="http://schemas.microsoft.com/office/drawing/2014/main" id="{9D6FFF22-C33E-4672-9059-2F43F4D41092}"/>
               </a:ext>
             </a:extLst>
           </p:cNvPr>
-          <p:cNvGrpSpPr/>
+          <p:cNvCxnSpPr>
+            <a:cxnSpLocks/>
+          </p:cNvCxnSpPr>
           <p:nvPr/>
-        </p:nvGrpSpPr>
-        <p:grpSpPr>
+        </p:nvCxnSpPr>
+        <p:spPr>
           <a:xfrm>
-            <a:off x="6020497" y="9104794"/>
-            <a:ext cx="1836882" cy="1205572"/>
-            <a:chOff x="4761996" y="600177"/>
-            <a:chExt cx="1836882" cy="1205572"/>
+            <a:off x="192946" y="1468264"/>
+            <a:ext cx="625534" cy="0"/>
           </a:xfrm>
-        </p:grpSpPr>
-        <p:sp>
-          <p:nvSpPr>
-            <p:cNvPr id="625" name="Diamond 624">
-              <a:extLst>
-                <a:ext uri="{FF2B5EF4-FFF2-40B4-BE49-F238E27FC236}">
-                  <a16:creationId xmlns:a16="http://schemas.microsoft.com/office/drawing/2014/main" id="{A4EADECA-0110-42DD-BA8C-87A5161A1618}"/>
-                </a:ext>
-              </a:extLst>
-            </p:cNvPr>
-            <p:cNvSpPr/>
-            <p:nvPr/>
-          </p:nvSpPr>
-          <p:spPr>
-            <a:xfrm>
-              <a:off x="4761996" y="639451"/>
-              <a:ext cx="1836882" cy="1166298"/>
-            </a:xfrm>
-            <a:prstGeom prst="diamond">
-              <a:avLst/>
-            </a:prstGeom>
+          <a:prstGeom prst="line">
+            <a:avLst/>
+          </a:prstGeom>
+          <a:ln w="19050">
             <a:solidFill>
-              <a:srgbClr val="FFCC00"/>
+              <a:srgbClr val="0000FF"/>
             </a:solidFill>
-            <a:ln w="3175">
-              <a:solidFill>
-                <a:schemeClr val="bg2">
-                  <a:lumMod val="75000"/>
-                </a:schemeClr>
-              </a:solidFill>
-            </a:ln>
-          </p:spPr>
-          <p:style>
-            <a:lnRef idx="2">
-              <a:schemeClr val="accent1">
-                <a:shade val="50000"/>
-              </a:schemeClr>
-            </a:lnRef>
-            <a:fillRef idx="1">
-              <a:schemeClr val="accent1"/>
-            </a:fillRef>
-            <a:effectRef idx="0">
-              <a:schemeClr val="accent1"/>
-            </a:effectRef>
-            <a:fontRef idx="minor">
-              <a:schemeClr val="lt1"/>
-            </a:fontRef>
-          </p:style>
-          <p:txBody>
-            <a:bodyPr rtlCol="0" anchor="ctr"/>
-            <a:lstStyle/>
-            <a:p>
-              <a:pPr algn="ctr"/>
-              <a:endParaRPr lang="en-GB" sz="800" dirty="0">
-                <a:solidFill>
-                  <a:schemeClr val="tx1"/>
-                </a:solidFill>
-                <a:latin typeface="Arial" panose="020B0604020202020204" pitchFamily="34" charset="0"/>
-                <a:cs typeface="Arial" panose="020B0604020202020204" pitchFamily="34" charset="0"/>
-              </a:endParaRPr>
-            </a:p>
-          </p:txBody>
-        </p:sp>
-        <p:sp>
-          <p:nvSpPr>
-            <p:cNvPr id="626" name="Rectangle 625">
-              <a:extLst>
-                <a:ext uri="{FF2B5EF4-FFF2-40B4-BE49-F238E27FC236}">
-                  <a16:creationId xmlns:a16="http://schemas.microsoft.com/office/drawing/2014/main" id="{7CD8AAE6-E4F3-4679-93C3-99832360A3A1}"/>
-                </a:ext>
-              </a:extLst>
-            </p:cNvPr>
-            <p:cNvSpPr/>
-            <p:nvPr/>
-          </p:nvSpPr>
-          <p:spPr>
-            <a:xfrm>
-              <a:off x="5127837" y="600177"/>
-              <a:ext cx="1128888" cy="1166298"/>
-            </a:xfrm>
-            <a:prstGeom prst="rect">
-              <a:avLst/>
-            </a:prstGeom>
-            <a:noFill/>
-            <a:ln w="3175">
-              <a:noFill/>
-            </a:ln>
-          </p:spPr>
-          <p:style>
-            <a:lnRef idx="2">
-              <a:schemeClr val="accent1">
-                <a:shade val="50000"/>
-              </a:schemeClr>
-            </a:lnRef>
-            <a:fillRef idx="1">
-              <a:schemeClr val="accent1"/>
-            </a:fillRef>
-            <a:effectRef idx="0">
-              <a:schemeClr val="accent1"/>
-            </a:effectRef>
-            <a:fontRef idx="minor">
-              <a:schemeClr val="lt1"/>
-            </a:fontRef>
-          </p:style>
-          <p:txBody>
-            <a:bodyPr rtlCol="0" anchor="ctr"/>
-            <a:lstStyle/>
-            <a:p>
-              <a:pPr algn="ctr"/>
-              <a:endParaRPr lang="en-GB" sz="800" dirty="0">
-                <a:solidFill>
-                  <a:schemeClr val="tx1"/>
-                </a:solidFill>
-                <a:latin typeface="Arial" panose="020B0604020202020204" pitchFamily="34" charset="0"/>
-                <a:cs typeface="Arial" panose="020B0604020202020204" pitchFamily="34" charset="0"/>
-              </a:endParaRPr>
-            </a:p>
-            <a:p>
-              <a:pPr algn="ctr"/>
-              <a:r>
-                <a:rPr lang="en-GB" sz="800" dirty="0">
-                  <a:solidFill>
-                    <a:schemeClr val="tx1"/>
-                  </a:solidFill>
-                  <a:latin typeface="Arial" panose="020B0604020202020204" pitchFamily="34" charset="0"/>
-                  <a:cs typeface="Arial" panose="020B0604020202020204" pitchFamily="34" charset="0"/>
-                </a:rPr>
-                <a:t>Do forecasters think ecPoint forecasts are more effectively explained with the revised guidance?</a:t>
-              </a:r>
-            </a:p>
-          </p:txBody>
-        </p:sp>
-      </p:grpSp>
+            <a:prstDash val="dash"/>
+          </a:ln>
+        </p:spPr>
+        <p:style>
+          <a:lnRef idx="1">
+            <a:schemeClr val="accent1"/>
+          </a:lnRef>
+          <a:fillRef idx="0">
+            <a:schemeClr val="accent1"/>
+          </a:fillRef>
+          <a:effectRef idx="0">
+            <a:schemeClr val="accent1"/>
+          </a:effectRef>
+          <a:fontRef idx="minor">
+            <a:schemeClr val="tx1"/>
+          </a:fontRef>
+        </p:style>
+      </p:cxnSp>
+      <p:cxnSp>
+        <p:nvCxnSpPr>
+          <p:cNvPr id="235" name="Straight Connector 234">
+            <a:extLst>
+              <a:ext uri="{FF2B5EF4-FFF2-40B4-BE49-F238E27FC236}">
+                <a16:creationId xmlns:a16="http://schemas.microsoft.com/office/drawing/2014/main" id="{6EB26795-72BA-45BF-91B1-4EE96ADC33EF}"/>
+              </a:ext>
+            </a:extLst>
+          </p:cNvPr>
+          <p:cNvCxnSpPr>
+            <a:cxnSpLocks/>
+          </p:cNvCxnSpPr>
+          <p:nvPr/>
+        </p:nvCxnSpPr>
+        <p:spPr>
+          <a:xfrm>
+            <a:off x="199945" y="1681999"/>
+            <a:ext cx="1263221" cy="0"/>
+          </a:xfrm>
+          <a:prstGeom prst="line">
+            <a:avLst/>
+          </a:prstGeom>
+          <a:ln w="19050">
+            <a:solidFill>
+              <a:srgbClr val="FF00FF"/>
+            </a:solidFill>
+            <a:prstDash val="dash"/>
+          </a:ln>
+        </p:spPr>
+        <p:style>
+          <a:lnRef idx="1">
+            <a:schemeClr val="accent1"/>
+          </a:lnRef>
+          <a:fillRef idx="0">
+            <a:schemeClr val="accent1"/>
+          </a:fillRef>
+          <a:effectRef idx="0">
+            <a:schemeClr val="accent1"/>
+          </a:effectRef>
+          <a:fontRef idx="minor">
+            <a:schemeClr val="tx1"/>
+          </a:fontRef>
+        </p:style>
+      </p:cxnSp>
     </p:spTree>
     <p:extLst>
       <p:ext uri="{BB962C8B-B14F-4D97-AF65-F5344CB8AC3E}">

--- a/manuscript/Figures/FlowChart.pptx
+++ b/manuscript/Figures/FlowChart.pptx
@@ -2,12 +2,12 @@
 <file path=ppt/presentation.xml><?xml version="1.0" encoding="utf-8"?>
 <p:presentation xmlns:a="http://schemas.openxmlformats.org/drawingml/2006/main" xmlns:r="http://schemas.openxmlformats.org/officeDocument/2006/relationships" xmlns:p="http://schemas.openxmlformats.org/presentationml/2006/main" saveSubsetFonts="1">
   <p:sldMasterIdLst>
-    <p:sldMasterId id="2147483756" r:id="rId1"/>
+    <p:sldMasterId id="2147483780" r:id="rId1"/>
   </p:sldMasterIdLst>
   <p:sldIdLst>
     <p:sldId id="256" r:id="rId2"/>
   </p:sldIdLst>
-  <p:sldSz cx="3600450" cy="10547350"/>
+  <p:sldSz cx="3365500" cy="7164388"/>
   <p:notesSz cx="6858000" cy="9144000"/>
   <p:defaultTextStyle>
     <a:defPPr>
@@ -115,7 +115,7 @@
 <file path=ppt/revisionInfo.xml><?xml version="1.0" encoding="utf-8"?>
 <p1510:revInfo xmlns:a="http://schemas.openxmlformats.org/drawingml/2006/main" xmlns:r="http://schemas.openxmlformats.org/officeDocument/2006/relationships" xmlns:p1510="http://schemas.microsoft.com/office/powerpoint/2015/10/main">
   <p1510:revLst>
-    <p1510:client id="{B303C878-8799-4007-876A-6617B70F571A}" v="187" dt="2020-12-01T12:09:08.482"/>
+    <p1510:client id="{B303C878-8799-4007-876A-6617B70F571A}" v="211" dt="2020-12-01T12:45:34.464"/>
   </p1510:revLst>
 </p1510:revInfo>
 </file>
@@ -125,12 +125,12 @@
   <pc:docChgLst>
     <pc:chgData name="Fatima Pillosu" userId="a6295d4dc9e22643" providerId="LiveId" clId="{B303C878-8799-4007-876A-6617B70F571A}"/>
     <pc:docChg chg="undo redo custSel modSld">
-      <pc:chgData name="Fatima Pillosu" userId="a6295d4dc9e22643" providerId="LiveId" clId="{B303C878-8799-4007-876A-6617B70F571A}" dt="2020-12-01T12:09:15.747" v="4474" actId="1038"/>
+      <pc:chgData name="Fatima Pillosu" userId="a6295d4dc9e22643" providerId="LiveId" clId="{B303C878-8799-4007-876A-6617B70F571A}" dt="2020-12-01T12:45:44.848" v="5003" actId="1036"/>
       <pc:docMkLst>
         <pc:docMk/>
       </pc:docMkLst>
       <pc:sldChg chg="addSp delSp modSp">
-        <pc:chgData name="Fatima Pillosu" userId="a6295d4dc9e22643" providerId="LiveId" clId="{B303C878-8799-4007-876A-6617B70F571A}" dt="2020-12-01T12:09:15.747" v="4474" actId="1038"/>
+        <pc:chgData name="Fatima Pillosu" userId="a6295d4dc9e22643" providerId="LiveId" clId="{B303C878-8799-4007-876A-6617B70F571A}" dt="2020-12-01T12:45:44.848" v="5003" actId="1036"/>
         <pc:sldMkLst>
           <pc:docMk/>
           <pc:sldMk cId="2969362105" sldId="256"/>
@@ -599,6 +599,14 @@
             <ac:spMk id="77" creationId="{B5045B1C-3CC8-49ED-896F-099793BB88E4}"/>
           </ac:spMkLst>
         </pc:spChg>
+        <pc:spChg chg="add del mod">
+          <ac:chgData name="Fatima Pillosu" userId="a6295d4dc9e22643" providerId="LiveId" clId="{B303C878-8799-4007-876A-6617B70F571A}" dt="2020-12-01T12:44:29.607" v="4990"/>
+          <ac:spMkLst>
+            <pc:docMk/>
+            <pc:sldMk cId="2969362105" sldId="256"/>
+            <ac:spMk id="77" creationId="{CB205807-D5A8-41D2-8F3F-94145CDB8EA8}"/>
+          </ac:spMkLst>
+        </pc:spChg>
         <pc:spChg chg="add mod">
           <ac:chgData name="Fatima Pillosu" userId="a6295d4dc9e22643" providerId="LiveId" clId="{B303C878-8799-4007-876A-6617B70F571A}" dt="2020-12-01T11:02:26.864" v="3316" actId="164"/>
           <ac:spMkLst>
@@ -816,6 +824,14 @@
           </ac:spMkLst>
         </pc:spChg>
         <pc:spChg chg="add del mod">
+          <ac:chgData name="Fatima Pillosu" userId="a6295d4dc9e22643" providerId="LiveId" clId="{B303C878-8799-4007-876A-6617B70F571A}" dt="2020-12-01T12:44:29.607" v="4990"/>
+          <ac:spMkLst>
+            <pc:docMk/>
+            <pc:sldMk cId="2969362105" sldId="256"/>
+            <ac:spMk id="112" creationId="{41B85BA5-1C07-414E-A068-7A11E87CF5C1}"/>
+          </ac:spMkLst>
+        </pc:spChg>
+        <pc:spChg chg="add del mod">
           <ac:chgData name="Fatima Pillosu" userId="a6295d4dc9e22643" providerId="LiveId" clId="{B303C878-8799-4007-876A-6617B70F571A}" dt="2020-12-01T12:08:26.520" v="4465"/>
           <ac:spMkLst>
             <pc:docMk/>
@@ -927,6 +943,14 @@
             <ac:spMk id="137" creationId="{2691E5DA-4AFB-484F-89F9-DE7B0B104F40}"/>
           </ac:spMkLst>
         </pc:spChg>
+        <pc:spChg chg="add del mod">
+          <ac:chgData name="Fatima Pillosu" userId="a6295d4dc9e22643" providerId="LiveId" clId="{B303C878-8799-4007-876A-6617B70F571A}" dt="2020-12-01T12:44:29.607" v="4990"/>
+          <ac:spMkLst>
+            <pc:docMk/>
+            <pc:sldMk cId="2969362105" sldId="256"/>
+            <ac:spMk id="137" creationId="{B039B225-4EC3-496C-BFE7-C5BDA8F7149C}"/>
+          </ac:spMkLst>
+        </pc:spChg>
         <pc:spChg chg="add del">
           <ac:chgData name="Fatima Pillosu" userId="a6295d4dc9e22643" providerId="LiveId" clId="{B303C878-8799-4007-876A-6617B70F571A}" dt="2020-12-01T12:08:58.283" v="4467"/>
           <ac:spMkLst>
@@ -967,6 +991,14 @@
             <ac:spMk id="143" creationId="{CAB8F3C9-3BA1-430B-8063-F0B2230812F6}"/>
           </ac:spMkLst>
         </pc:spChg>
+        <pc:spChg chg="add del mod">
+          <ac:chgData name="Fatima Pillosu" userId="a6295d4dc9e22643" providerId="LiveId" clId="{B303C878-8799-4007-876A-6617B70F571A}" dt="2020-12-01T12:44:29.607" v="4990"/>
+          <ac:spMkLst>
+            <pc:docMk/>
+            <pc:sldMk cId="2969362105" sldId="256"/>
+            <ac:spMk id="144" creationId="{2CF25D80-61D1-402B-B5FF-A894C20FD706}"/>
+          </ac:spMkLst>
+        </pc:spChg>
         <pc:spChg chg="mod">
           <ac:chgData name="Fatima Pillosu" userId="a6295d4dc9e22643" providerId="LiveId" clId="{B303C878-8799-4007-876A-6617B70F571A}" dt="2020-12-01T10:50:27.280" v="2865" actId="1035"/>
           <ac:spMkLst>
@@ -1015,6 +1047,14 @@
             <ac:spMk id="155" creationId="{F08E4865-8D36-4BC9-94EC-6B2399A497A8}"/>
           </ac:spMkLst>
         </pc:spChg>
+        <pc:spChg chg="add del mod">
+          <ac:chgData name="Fatima Pillosu" userId="a6295d4dc9e22643" providerId="LiveId" clId="{B303C878-8799-4007-876A-6617B70F571A}" dt="2020-12-01T12:45:21.654" v="4996"/>
+          <ac:spMkLst>
+            <pc:docMk/>
+            <pc:sldMk cId="2969362105" sldId="256"/>
+            <ac:spMk id="156" creationId="{7E2E5EB2-0A50-4202-8BEC-0120E3913498}"/>
+          </ac:spMkLst>
+        </pc:spChg>
         <pc:spChg chg="add del">
           <ac:chgData name="Fatima Pillosu" userId="a6295d4dc9e22643" providerId="LiveId" clId="{B303C878-8799-4007-876A-6617B70F571A}" dt="2020-12-01T12:08:58.283" v="4467"/>
           <ac:spMkLst>
@@ -1023,6 +1063,14 @@
             <ac:spMk id="156" creationId="{8DFDB0B5-CF97-405A-9CCE-D3B81F64DE13}"/>
           </ac:spMkLst>
         </pc:spChg>
+        <pc:spChg chg="add del mod">
+          <ac:chgData name="Fatima Pillosu" userId="a6295d4dc9e22643" providerId="LiveId" clId="{B303C878-8799-4007-876A-6617B70F571A}" dt="2020-12-01T12:45:21.654" v="4996"/>
+          <ac:spMkLst>
+            <pc:docMk/>
+            <pc:sldMk cId="2969362105" sldId="256"/>
+            <ac:spMk id="157" creationId="{90DAB88C-3CE7-43DF-8C12-9A908444C337}"/>
+          </ac:spMkLst>
+        </pc:spChg>
         <pc:spChg chg="add del">
           <ac:chgData name="Fatima Pillosu" userId="a6295d4dc9e22643" providerId="LiveId" clId="{B303C878-8799-4007-876A-6617B70F571A}" dt="2020-12-01T12:08:58.283" v="4467"/>
           <ac:spMkLst>
@@ -1039,6 +1087,14 @@
             <ac:spMk id="159" creationId="{A1EE4147-25AE-4DB4-8E09-B401BE9C49EF}"/>
           </ac:spMkLst>
         </pc:spChg>
+        <pc:spChg chg="add del mod">
+          <ac:chgData name="Fatima Pillosu" userId="a6295d4dc9e22643" providerId="LiveId" clId="{B303C878-8799-4007-876A-6617B70F571A}" dt="2020-12-01T12:45:21.654" v="4996"/>
+          <ac:spMkLst>
+            <pc:docMk/>
+            <pc:sldMk cId="2969362105" sldId="256"/>
+            <ac:spMk id="159" creationId="{F4300617-E6A6-4EA7-A7C4-C57311795038}"/>
+          </ac:spMkLst>
+        </pc:spChg>
         <pc:spChg chg="add del">
           <ac:chgData name="Fatima Pillosu" userId="a6295d4dc9e22643" providerId="LiveId" clId="{B303C878-8799-4007-876A-6617B70F571A}" dt="2020-12-01T12:08:58.283" v="4467"/>
           <ac:spMkLst>
@@ -1047,6 +1103,22 @@
             <ac:spMk id="160" creationId="{0251AB87-E4DC-4B0B-960E-6425A079A64B}"/>
           </ac:spMkLst>
         </pc:spChg>
+        <pc:spChg chg="add del mod">
+          <ac:chgData name="Fatima Pillosu" userId="a6295d4dc9e22643" providerId="LiveId" clId="{B303C878-8799-4007-876A-6617B70F571A}" dt="2020-12-01T12:45:21.654" v="4996"/>
+          <ac:spMkLst>
+            <pc:docMk/>
+            <pc:sldMk cId="2969362105" sldId="256"/>
+            <ac:spMk id="160" creationId="{20A7F8D8-334C-4ED5-AD3D-75E1FF00B0EE}"/>
+          </ac:spMkLst>
+        </pc:spChg>
+        <pc:spChg chg="add del mod">
+          <ac:chgData name="Fatima Pillosu" userId="a6295d4dc9e22643" providerId="LiveId" clId="{B303C878-8799-4007-876A-6617B70F571A}" dt="2020-12-01T12:45:21.654" v="4996"/>
+          <ac:spMkLst>
+            <pc:docMk/>
+            <pc:sldMk cId="2969362105" sldId="256"/>
+            <ac:spMk id="161" creationId="{F37D4F6C-A5EF-4686-96FA-150F0586848B}"/>
+          </ac:spMkLst>
+        </pc:spChg>
         <pc:spChg chg="add del">
           <ac:chgData name="Fatima Pillosu" userId="a6295d4dc9e22643" providerId="LiveId" clId="{B303C878-8799-4007-876A-6617B70F571A}" dt="2020-12-01T12:08:58.283" v="4467"/>
           <ac:spMkLst>
@@ -1055,6 +1127,22 @@
             <ac:spMk id="162" creationId="{C475ABA9-6E53-4AEE-BD34-96F11E51961D}"/>
           </ac:spMkLst>
         </pc:spChg>
+        <pc:spChg chg="add del mod">
+          <ac:chgData name="Fatima Pillosu" userId="a6295d4dc9e22643" providerId="LiveId" clId="{B303C878-8799-4007-876A-6617B70F571A}" dt="2020-12-01T12:45:21.654" v="4996"/>
+          <ac:spMkLst>
+            <pc:docMk/>
+            <pc:sldMk cId="2969362105" sldId="256"/>
+            <ac:spMk id="163" creationId="{C70542CB-B819-4EBF-BED2-C7AECF1EB4D7}"/>
+          </ac:spMkLst>
+        </pc:spChg>
+        <pc:spChg chg="add del mod">
+          <ac:chgData name="Fatima Pillosu" userId="a6295d4dc9e22643" providerId="LiveId" clId="{B303C878-8799-4007-876A-6617B70F571A}" dt="2020-12-01T12:45:21.654" v="4996"/>
+          <ac:spMkLst>
+            <pc:docMk/>
+            <pc:sldMk cId="2969362105" sldId="256"/>
+            <ac:spMk id="165" creationId="{73393625-DC3E-467F-9012-540C2A8FDA6C}"/>
+          </ac:spMkLst>
+        </pc:spChg>
         <pc:spChg chg="add del">
           <ac:chgData name="Fatima Pillosu" userId="a6295d4dc9e22643" providerId="LiveId" clId="{B303C878-8799-4007-876A-6617B70F571A}" dt="2020-12-01T12:08:58.283" v="4467"/>
           <ac:spMkLst>
@@ -1071,6 +1159,22 @@
             <ac:spMk id="166" creationId="{22151848-B2C5-4143-99C0-BC467B4198B0}"/>
           </ac:spMkLst>
         </pc:spChg>
+        <pc:spChg chg="add del mod">
+          <ac:chgData name="Fatima Pillosu" userId="a6295d4dc9e22643" providerId="LiveId" clId="{B303C878-8799-4007-876A-6617B70F571A}" dt="2020-12-01T12:45:21.654" v="4996"/>
+          <ac:spMkLst>
+            <pc:docMk/>
+            <pc:sldMk cId="2969362105" sldId="256"/>
+            <ac:spMk id="166" creationId="{F98E4DDE-2BEE-4099-874F-01D13F482F03}"/>
+          </ac:spMkLst>
+        </pc:spChg>
+        <pc:spChg chg="add del mod">
+          <ac:chgData name="Fatima Pillosu" userId="a6295d4dc9e22643" providerId="LiveId" clId="{B303C878-8799-4007-876A-6617B70F571A}" dt="2020-12-01T12:45:21.654" v="4996"/>
+          <ac:spMkLst>
+            <pc:docMk/>
+            <pc:sldMk cId="2969362105" sldId="256"/>
+            <ac:spMk id="168" creationId="{00C3A4B8-5DB8-4E05-B4F1-EECD1AD606D1}"/>
+          </ac:spMkLst>
+        </pc:spChg>
         <pc:spChg chg="add del">
           <ac:chgData name="Fatima Pillosu" userId="a6295d4dc9e22643" providerId="LiveId" clId="{B303C878-8799-4007-876A-6617B70F571A}" dt="2020-12-01T12:08:58.283" v="4467"/>
           <ac:spMkLst>
@@ -1087,6 +1191,14 @@
             <ac:spMk id="169" creationId="{00AFB33D-9EFC-4CF4-9E7B-43787210A6BA}"/>
           </ac:spMkLst>
         </pc:spChg>
+        <pc:spChg chg="add del mod">
+          <ac:chgData name="Fatima Pillosu" userId="a6295d4dc9e22643" providerId="LiveId" clId="{B303C878-8799-4007-876A-6617B70F571A}" dt="2020-12-01T12:45:21.654" v="4996"/>
+          <ac:spMkLst>
+            <pc:docMk/>
+            <pc:sldMk cId="2969362105" sldId="256"/>
+            <ac:spMk id="169" creationId="{ABCAD01E-8505-4A26-BD78-E023724D42C5}"/>
+          </ac:spMkLst>
+        </pc:spChg>
         <pc:spChg chg="add del">
           <ac:chgData name="Fatima Pillosu" userId="a6295d4dc9e22643" providerId="LiveId" clId="{B303C878-8799-4007-876A-6617B70F571A}" dt="2020-12-01T12:08:58.283" v="4467"/>
           <ac:spMkLst>
@@ -1095,6 +1207,14 @@
             <ac:spMk id="171" creationId="{3A63154D-3B5F-43D4-9F19-E1E2836C4038}"/>
           </ac:spMkLst>
         </pc:spChg>
+        <pc:spChg chg="add del mod">
+          <ac:chgData name="Fatima Pillosu" userId="a6295d4dc9e22643" providerId="LiveId" clId="{B303C878-8799-4007-876A-6617B70F571A}" dt="2020-12-01T12:45:21.654" v="4996"/>
+          <ac:spMkLst>
+            <pc:docMk/>
+            <pc:sldMk cId="2969362105" sldId="256"/>
+            <ac:spMk id="172" creationId="{90B779C7-2642-42FE-ACD8-95AAC4ED1D1B}"/>
+          </ac:spMkLst>
+        </pc:spChg>
         <pc:spChg chg="add del">
           <ac:chgData name="Fatima Pillosu" userId="a6295d4dc9e22643" providerId="LiveId" clId="{B303C878-8799-4007-876A-6617B70F571A}" dt="2020-12-01T12:08:58.283" v="4467"/>
           <ac:spMkLst>
@@ -1135,6 +1255,14 @@
             <ac:spMk id="176" creationId="{2DE5F4DA-39D7-4451-A22E-D82AA73D6B48}"/>
           </ac:spMkLst>
         </pc:spChg>
+        <pc:spChg chg="add del mod">
+          <ac:chgData name="Fatima Pillosu" userId="a6295d4dc9e22643" providerId="LiveId" clId="{B303C878-8799-4007-876A-6617B70F571A}" dt="2020-12-01T12:45:21.654" v="4996"/>
+          <ac:spMkLst>
+            <pc:docMk/>
+            <pc:sldMk cId="2969362105" sldId="256"/>
+            <ac:spMk id="176" creationId="{CB0DD8B8-6967-4FF3-93F7-10B52D82C2FE}"/>
+          </ac:spMkLst>
+        </pc:spChg>
         <pc:spChg chg="add del">
           <ac:chgData name="Fatima Pillosu" userId="a6295d4dc9e22643" providerId="LiveId" clId="{B303C878-8799-4007-876A-6617B70F571A}" dt="2020-12-01T12:08:58.283" v="4467"/>
           <ac:spMkLst>
@@ -1143,6 +1271,14 @@
             <ac:spMk id="177" creationId="{96BB5A37-5EEF-40F2-B1E4-508BCDA09D1E}"/>
           </ac:spMkLst>
         </pc:spChg>
+        <pc:spChg chg="add del mod">
+          <ac:chgData name="Fatima Pillosu" userId="a6295d4dc9e22643" providerId="LiveId" clId="{B303C878-8799-4007-876A-6617B70F571A}" dt="2020-12-01T12:45:21.654" v="4996"/>
+          <ac:spMkLst>
+            <pc:docMk/>
+            <pc:sldMk cId="2969362105" sldId="256"/>
+            <ac:spMk id="178" creationId="{36879ABD-1BA5-4CB9-840B-C9D39DB62024}"/>
+          </ac:spMkLst>
+        </pc:spChg>
         <pc:spChg chg="add del">
           <ac:chgData name="Fatima Pillosu" userId="a6295d4dc9e22643" providerId="LiveId" clId="{B303C878-8799-4007-876A-6617B70F571A}" dt="2020-12-01T12:08:58.283" v="4467"/>
           <ac:spMkLst>
@@ -1159,96 +1295,112 @@
             <ac:spMk id="179" creationId="{0DFAFA1F-EE99-4E5E-A09A-D12EDAD063C8}"/>
           </ac:spMkLst>
         </pc:spChg>
-        <pc:spChg chg="add mod">
-          <ac:chgData name="Fatima Pillosu" userId="a6295d4dc9e22643" providerId="LiveId" clId="{B303C878-8799-4007-876A-6617B70F571A}" dt="2020-12-01T12:09:15.747" v="4474" actId="1038"/>
+        <pc:spChg chg="add del mod">
+          <ac:chgData name="Fatima Pillosu" userId="a6295d4dc9e22643" providerId="LiveId" clId="{B303C878-8799-4007-876A-6617B70F571A}" dt="2020-12-01T12:45:21.654" v="4996"/>
+          <ac:spMkLst>
+            <pc:docMk/>
+            <pc:sldMk cId="2969362105" sldId="256"/>
+            <ac:spMk id="179" creationId="{2E02BBE9-5178-4579-89C3-3A087C6AB030}"/>
+          </ac:spMkLst>
+        </pc:spChg>
+        <pc:spChg chg="add del mod">
+          <ac:chgData name="Fatima Pillosu" userId="a6295d4dc9e22643" providerId="LiveId" clId="{B303C878-8799-4007-876A-6617B70F571A}" dt="2020-12-01T12:45:21.654" v="4996"/>
+          <ac:spMkLst>
+            <pc:docMk/>
+            <pc:sldMk cId="2969362105" sldId="256"/>
+            <ac:spMk id="180" creationId="{0FF536A0-7478-4782-8325-7171E19494D7}"/>
+          </ac:spMkLst>
+        </pc:spChg>
+        <pc:spChg chg="add del mod">
+          <ac:chgData name="Fatima Pillosu" userId="a6295d4dc9e22643" providerId="LiveId" clId="{B303C878-8799-4007-876A-6617B70F571A}" dt="2020-12-01T12:44:29.607" v="4990"/>
           <ac:spMkLst>
             <pc:docMk/>
             <pc:sldMk cId="2969362105" sldId="256"/>
             <ac:spMk id="183" creationId="{10014996-DF08-41E9-9D1E-2ABD5E174897}"/>
           </ac:spMkLst>
         </pc:spChg>
-        <pc:spChg chg="add mod">
-          <ac:chgData name="Fatima Pillosu" userId="a6295d4dc9e22643" providerId="LiveId" clId="{B303C878-8799-4007-876A-6617B70F571A}" dt="2020-12-01T12:09:15.747" v="4474" actId="1038"/>
+        <pc:spChg chg="add del mod">
+          <ac:chgData name="Fatima Pillosu" userId="a6295d4dc9e22643" providerId="LiveId" clId="{B303C878-8799-4007-876A-6617B70F571A}" dt="2020-12-01T12:44:29.607" v="4990"/>
           <ac:spMkLst>
             <pc:docMk/>
             <pc:sldMk cId="2969362105" sldId="256"/>
             <ac:spMk id="184" creationId="{7B170783-C8D9-4147-9766-6AE84A65873C}"/>
           </ac:spMkLst>
         </pc:spChg>
-        <pc:spChg chg="add mod">
-          <ac:chgData name="Fatima Pillosu" userId="a6295d4dc9e22643" providerId="LiveId" clId="{B303C878-8799-4007-876A-6617B70F571A}" dt="2020-12-01T12:09:15.747" v="4474" actId="1038"/>
+        <pc:spChg chg="add del mod ord">
+          <ac:chgData name="Fatima Pillosu" userId="a6295d4dc9e22643" providerId="LiveId" clId="{B303C878-8799-4007-876A-6617B70F571A}" dt="2020-12-01T12:44:29.607" v="4990"/>
           <ac:spMkLst>
             <pc:docMk/>
             <pc:sldMk cId="2969362105" sldId="256"/>
             <ac:spMk id="185" creationId="{3DC7DBC3-93C4-47D2-92A6-31CE34ADC086}"/>
           </ac:spMkLst>
         </pc:spChg>
-        <pc:spChg chg="add mod">
-          <ac:chgData name="Fatima Pillosu" userId="a6295d4dc9e22643" providerId="LiveId" clId="{B303C878-8799-4007-876A-6617B70F571A}" dt="2020-12-01T12:09:15.747" v="4474" actId="1038"/>
+        <pc:spChg chg="add del mod">
+          <ac:chgData name="Fatima Pillosu" userId="a6295d4dc9e22643" providerId="LiveId" clId="{B303C878-8799-4007-876A-6617B70F571A}" dt="2020-12-01T12:44:29.607" v="4990"/>
           <ac:spMkLst>
             <pc:docMk/>
             <pc:sldMk cId="2969362105" sldId="256"/>
             <ac:spMk id="187" creationId="{743161DB-A90A-4A6E-B6AE-D0496C3E027E}"/>
           </ac:spMkLst>
         </pc:spChg>
-        <pc:spChg chg="add mod">
-          <ac:chgData name="Fatima Pillosu" userId="a6295d4dc9e22643" providerId="LiveId" clId="{B303C878-8799-4007-876A-6617B70F571A}" dt="2020-12-01T12:09:15.747" v="4474" actId="1038"/>
+        <pc:spChg chg="add del mod">
+          <ac:chgData name="Fatima Pillosu" userId="a6295d4dc9e22643" providerId="LiveId" clId="{B303C878-8799-4007-876A-6617B70F571A}" dt="2020-12-01T12:44:29.607" v="4990"/>
           <ac:spMkLst>
             <pc:docMk/>
             <pc:sldMk cId="2969362105" sldId="256"/>
             <ac:spMk id="188" creationId="{124EAE42-A621-4FFB-A04C-1F9F4F158916}"/>
           </ac:spMkLst>
         </pc:spChg>
-        <pc:spChg chg="add mod">
-          <ac:chgData name="Fatima Pillosu" userId="a6295d4dc9e22643" providerId="LiveId" clId="{B303C878-8799-4007-876A-6617B70F571A}" dt="2020-12-01T12:09:15.747" v="4474" actId="1038"/>
+        <pc:spChg chg="add del mod">
+          <ac:chgData name="Fatima Pillosu" userId="a6295d4dc9e22643" providerId="LiveId" clId="{B303C878-8799-4007-876A-6617B70F571A}" dt="2020-12-01T12:44:29.607" v="4990"/>
           <ac:spMkLst>
             <pc:docMk/>
             <pc:sldMk cId="2969362105" sldId="256"/>
             <ac:spMk id="189" creationId="{08A6135F-36F3-4EEC-B778-EE38D8FA4C36}"/>
           </ac:spMkLst>
         </pc:spChg>
-        <pc:spChg chg="add mod">
-          <ac:chgData name="Fatima Pillosu" userId="a6295d4dc9e22643" providerId="LiveId" clId="{B303C878-8799-4007-876A-6617B70F571A}" dt="2020-12-01T12:09:15.747" v="4474" actId="1038"/>
+        <pc:spChg chg="add del mod">
+          <ac:chgData name="Fatima Pillosu" userId="a6295d4dc9e22643" providerId="LiveId" clId="{B303C878-8799-4007-876A-6617B70F571A}" dt="2020-12-01T12:44:29.607" v="4990"/>
           <ac:spMkLst>
             <pc:docMk/>
             <pc:sldMk cId="2969362105" sldId="256"/>
             <ac:spMk id="191" creationId="{949A950B-941D-43FE-9EEC-0CFFC14D38BD}"/>
           </ac:spMkLst>
         </pc:spChg>
-        <pc:spChg chg="add mod">
-          <ac:chgData name="Fatima Pillosu" userId="a6295d4dc9e22643" providerId="LiveId" clId="{B303C878-8799-4007-876A-6617B70F571A}" dt="2020-12-01T12:09:15.747" v="4474" actId="1038"/>
+        <pc:spChg chg="add del mod">
+          <ac:chgData name="Fatima Pillosu" userId="a6295d4dc9e22643" providerId="LiveId" clId="{B303C878-8799-4007-876A-6617B70F571A}" dt="2020-12-01T12:44:29.607" v="4990"/>
           <ac:spMkLst>
             <pc:docMk/>
             <pc:sldMk cId="2969362105" sldId="256"/>
             <ac:spMk id="193" creationId="{67FED56A-E5D1-4317-B0B6-F0672D09E07E}"/>
           </ac:spMkLst>
         </pc:spChg>
-        <pc:spChg chg="add mod">
-          <ac:chgData name="Fatima Pillosu" userId="a6295d4dc9e22643" providerId="LiveId" clId="{B303C878-8799-4007-876A-6617B70F571A}" dt="2020-12-01T12:09:15.747" v="4474" actId="1038"/>
+        <pc:spChg chg="add del mod">
+          <ac:chgData name="Fatima Pillosu" userId="a6295d4dc9e22643" providerId="LiveId" clId="{B303C878-8799-4007-876A-6617B70F571A}" dt="2020-12-01T12:44:29.607" v="4990"/>
           <ac:spMkLst>
             <pc:docMk/>
             <pc:sldMk cId="2969362105" sldId="256"/>
             <ac:spMk id="194" creationId="{A9A0ADA0-581B-4300-BFE5-3C26F6BCA954}"/>
           </ac:spMkLst>
         </pc:spChg>
-        <pc:spChg chg="add mod">
-          <ac:chgData name="Fatima Pillosu" userId="a6295d4dc9e22643" providerId="LiveId" clId="{B303C878-8799-4007-876A-6617B70F571A}" dt="2020-12-01T12:09:15.747" v="4474" actId="1038"/>
+        <pc:spChg chg="add del mod">
+          <ac:chgData name="Fatima Pillosu" userId="a6295d4dc9e22643" providerId="LiveId" clId="{B303C878-8799-4007-876A-6617B70F571A}" dt="2020-12-01T12:44:29.607" v="4990"/>
           <ac:spMkLst>
             <pc:docMk/>
             <pc:sldMk cId="2969362105" sldId="256"/>
             <ac:spMk id="196" creationId="{19621084-7FF3-4523-B658-B9958800A4E7}"/>
           </ac:spMkLst>
         </pc:spChg>
-        <pc:spChg chg="add mod">
-          <ac:chgData name="Fatima Pillosu" userId="a6295d4dc9e22643" providerId="LiveId" clId="{B303C878-8799-4007-876A-6617B70F571A}" dt="2020-12-01T12:09:15.747" v="4474" actId="1038"/>
+        <pc:spChg chg="add del mod">
+          <ac:chgData name="Fatima Pillosu" userId="a6295d4dc9e22643" providerId="LiveId" clId="{B303C878-8799-4007-876A-6617B70F571A}" dt="2020-12-01T12:44:29.607" v="4990"/>
           <ac:spMkLst>
             <pc:docMk/>
             <pc:sldMk cId="2969362105" sldId="256"/>
             <ac:spMk id="197" creationId="{D47521AC-230F-4081-9630-18B20D3D11FF}"/>
           </ac:spMkLst>
         </pc:spChg>
-        <pc:spChg chg="add mod">
-          <ac:chgData name="Fatima Pillosu" userId="a6295d4dc9e22643" providerId="LiveId" clId="{B303C878-8799-4007-876A-6617B70F571A}" dt="2020-12-01T12:09:15.747" v="4474" actId="1038"/>
+        <pc:spChg chg="add del mod">
+          <ac:chgData name="Fatima Pillosu" userId="a6295d4dc9e22643" providerId="LiveId" clId="{B303C878-8799-4007-876A-6617B70F571A}" dt="2020-12-01T12:44:29.607" v="4990"/>
           <ac:spMkLst>
             <pc:docMk/>
             <pc:sldMk cId="2969362105" sldId="256"/>
@@ -1263,8 +1415,8 @@
             <ac:spMk id="204" creationId="{2FB0716D-5D81-404C-A54B-602B36679BA9}"/>
           </ac:spMkLst>
         </pc:spChg>
-        <pc:spChg chg="add mod">
-          <ac:chgData name="Fatima Pillosu" userId="a6295d4dc9e22643" providerId="LiveId" clId="{B303C878-8799-4007-876A-6617B70F571A}" dt="2020-12-01T12:09:15.747" v="4474" actId="1038"/>
+        <pc:spChg chg="add del mod">
+          <ac:chgData name="Fatima Pillosu" userId="a6295d4dc9e22643" providerId="LiveId" clId="{B303C878-8799-4007-876A-6617B70F571A}" dt="2020-12-01T12:44:29.607" v="4990"/>
           <ac:spMkLst>
             <pc:docMk/>
             <pc:sldMk cId="2969362105" sldId="256"/>
@@ -1287,24 +1439,24 @@
             <ac:spMk id="206" creationId="{35F5EB4B-D3C2-486F-9EEF-9C2C42BE53AA}"/>
           </ac:spMkLst>
         </pc:spChg>
-        <pc:spChg chg="add mod">
-          <ac:chgData name="Fatima Pillosu" userId="a6295d4dc9e22643" providerId="LiveId" clId="{B303C878-8799-4007-876A-6617B70F571A}" dt="2020-12-01T12:09:15.747" v="4474" actId="1038"/>
+        <pc:spChg chg="add del mod">
+          <ac:chgData name="Fatima Pillosu" userId="a6295d4dc9e22643" providerId="LiveId" clId="{B303C878-8799-4007-876A-6617B70F571A}" dt="2020-12-01T12:44:29.607" v="4990"/>
           <ac:spMkLst>
             <pc:docMk/>
             <pc:sldMk cId="2969362105" sldId="256"/>
             <ac:spMk id="206" creationId="{588AD1CA-748B-4229-AFE6-608AD0DD42C0}"/>
           </ac:spMkLst>
         </pc:spChg>
-        <pc:spChg chg="add mod">
-          <ac:chgData name="Fatima Pillosu" userId="a6295d4dc9e22643" providerId="LiveId" clId="{B303C878-8799-4007-876A-6617B70F571A}" dt="2020-12-01T12:09:15.747" v="4474" actId="1038"/>
+        <pc:spChg chg="add del mod">
+          <ac:chgData name="Fatima Pillosu" userId="a6295d4dc9e22643" providerId="LiveId" clId="{B303C878-8799-4007-876A-6617B70F571A}" dt="2020-12-01T12:13:20.603" v="4475" actId="478"/>
           <ac:spMkLst>
             <pc:docMk/>
             <pc:sldMk cId="2969362105" sldId="256"/>
             <ac:spMk id="208" creationId="{CDF494CF-B5BE-4808-9B3F-4BF1660ECA3D}"/>
           </ac:spMkLst>
         </pc:spChg>
-        <pc:spChg chg="add mod">
-          <ac:chgData name="Fatima Pillosu" userId="a6295d4dc9e22643" providerId="LiveId" clId="{B303C878-8799-4007-876A-6617B70F571A}" dt="2020-12-01T12:09:15.747" v="4474" actId="1038"/>
+        <pc:spChg chg="add del mod">
+          <ac:chgData name="Fatima Pillosu" userId="a6295d4dc9e22643" providerId="LiveId" clId="{B303C878-8799-4007-876A-6617B70F571A}" dt="2020-12-01T12:44:29.607" v="4990"/>
           <ac:spMkLst>
             <pc:docMk/>
             <pc:sldMk cId="2969362105" sldId="256"/>
@@ -1319,172 +1471,348 @@
             <ac:spMk id="210" creationId="{93331B60-E2C8-4719-8938-CCAAD383699E}"/>
           </ac:spMkLst>
         </pc:spChg>
+        <pc:spChg chg="add del mod">
+          <ac:chgData name="Fatima Pillosu" userId="a6295d4dc9e22643" providerId="LiveId" clId="{B303C878-8799-4007-876A-6617B70F571A}" dt="2020-12-01T12:44:29.607" v="4990"/>
+          <ac:spMkLst>
+            <pc:docMk/>
+            <pc:sldMk cId="2969362105" sldId="256"/>
+            <ac:spMk id="210" creationId="{FC70445D-3475-4DF3-916E-7DA80218D296}"/>
+          </ac:spMkLst>
+        </pc:spChg>
+        <pc:spChg chg="add del mod">
+          <ac:chgData name="Fatima Pillosu" userId="a6295d4dc9e22643" providerId="LiveId" clId="{B303C878-8799-4007-876A-6617B70F571A}" dt="2020-12-01T11:07:56.148" v="3385"/>
+          <ac:spMkLst>
+            <pc:docMk/>
+            <pc:sldMk cId="2969362105" sldId="256"/>
+            <ac:spMk id="211" creationId="{20FC7B36-1DE2-4C27-8076-A31C75D75018}"/>
+          </ac:spMkLst>
+        </pc:spChg>
+        <pc:spChg chg="add del mod">
+          <ac:chgData name="Fatima Pillosu" userId="a6295d4dc9e22643" providerId="LiveId" clId="{B303C878-8799-4007-876A-6617B70F571A}" dt="2020-12-01T12:44:29.607" v="4990"/>
+          <ac:spMkLst>
+            <pc:docMk/>
+            <pc:sldMk cId="2969362105" sldId="256"/>
+            <ac:spMk id="212" creationId="{3A0307FD-2CA3-4B5A-875E-61E64749178C}"/>
+          </ac:spMkLst>
+        </pc:spChg>
+        <pc:spChg chg="add del mod">
+          <ac:chgData name="Fatima Pillosu" userId="a6295d4dc9e22643" providerId="LiveId" clId="{B303C878-8799-4007-876A-6617B70F571A}" dt="2020-12-01T12:30:14.496" v="4761" actId="478"/>
+          <ac:spMkLst>
+            <pc:docMk/>
+            <pc:sldMk cId="2969362105" sldId="256"/>
+            <ac:spMk id="213" creationId="{9F22AAE1-147B-4C0C-9628-F2829B609874}"/>
+          </ac:spMkLst>
+        </pc:spChg>
+        <pc:spChg chg="add del mod ord">
+          <ac:chgData name="Fatima Pillosu" userId="a6295d4dc9e22643" providerId="LiveId" clId="{B303C878-8799-4007-876A-6617B70F571A}" dt="2020-12-01T12:44:29.607" v="4990"/>
+          <ac:spMkLst>
+            <pc:docMk/>
+            <pc:sldMk cId="2969362105" sldId="256"/>
+            <ac:spMk id="214" creationId="{93A8CE63-609D-4954-99C0-A47AB7F15E9E}"/>
+          </ac:spMkLst>
+        </pc:spChg>
+        <pc:spChg chg="add del mod">
+          <ac:chgData name="Fatima Pillosu" userId="a6295d4dc9e22643" providerId="LiveId" clId="{B303C878-8799-4007-876A-6617B70F571A}" dt="2020-12-01T12:44:29.607" v="4990"/>
+          <ac:spMkLst>
+            <pc:docMk/>
+            <pc:sldMk cId="2969362105" sldId="256"/>
+            <ac:spMk id="216" creationId="{11B3E8B0-17CB-4537-9A5C-C1C44CAF9CC2}"/>
+          </ac:spMkLst>
+        </pc:spChg>
+        <pc:spChg chg="add del mod">
+          <ac:chgData name="Fatima Pillosu" userId="a6295d4dc9e22643" providerId="LiveId" clId="{B303C878-8799-4007-876A-6617B70F571A}" dt="2020-12-01T12:44:29.607" v="4990"/>
+          <ac:spMkLst>
+            <pc:docMk/>
+            <pc:sldMk cId="2969362105" sldId="256"/>
+            <ac:spMk id="219" creationId="{2CEF687A-C095-41CD-84A5-5FCE448F387F}"/>
+          </ac:spMkLst>
+        </pc:spChg>
+        <pc:spChg chg="add del mod">
+          <ac:chgData name="Fatima Pillosu" userId="a6295d4dc9e22643" providerId="LiveId" clId="{B303C878-8799-4007-876A-6617B70F571A}" dt="2020-12-01T12:44:29.607" v="4990"/>
+          <ac:spMkLst>
+            <pc:docMk/>
+            <pc:sldMk cId="2969362105" sldId="256"/>
+            <ac:spMk id="220" creationId="{1EA52841-FBFC-4CCE-B848-4FE28C810DFB}"/>
+          </ac:spMkLst>
+        </pc:spChg>
+        <pc:spChg chg="add del mod">
+          <ac:chgData name="Fatima Pillosu" userId="a6295d4dc9e22643" providerId="LiveId" clId="{B303C878-8799-4007-876A-6617B70F571A}" dt="2020-12-01T12:44:29.607" v="4990"/>
+          <ac:spMkLst>
+            <pc:docMk/>
+            <pc:sldMk cId="2969362105" sldId="256"/>
+            <ac:spMk id="222" creationId="{D3523231-81E0-4C20-83CD-BF45FE31C771}"/>
+          </ac:spMkLst>
+        </pc:spChg>
+        <pc:spChg chg="add del mod">
+          <ac:chgData name="Fatima Pillosu" userId="a6295d4dc9e22643" providerId="LiveId" clId="{B303C878-8799-4007-876A-6617B70F571A}" dt="2020-12-01T12:44:29.607" v="4990"/>
+          <ac:spMkLst>
+            <pc:docMk/>
+            <pc:sldMk cId="2969362105" sldId="256"/>
+            <ac:spMk id="223" creationId="{AB7A39FB-D3E5-4655-A071-08B04DD82B9A}"/>
+          </ac:spMkLst>
+        </pc:spChg>
+        <pc:spChg chg="add del mod">
+          <ac:chgData name="Fatima Pillosu" userId="a6295d4dc9e22643" providerId="LiveId" clId="{B303C878-8799-4007-876A-6617B70F571A}" dt="2020-12-01T12:44:29.607" v="4990"/>
+          <ac:spMkLst>
+            <pc:docMk/>
+            <pc:sldMk cId="2969362105" sldId="256"/>
+            <ac:spMk id="225" creationId="{6B7AD368-8C63-47FF-AF97-5254D06A2A9B}"/>
+          </ac:spMkLst>
+        </pc:spChg>
+        <pc:spChg chg="add del mod">
+          <ac:chgData name="Fatima Pillosu" userId="a6295d4dc9e22643" providerId="LiveId" clId="{B303C878-8799-4007-876A-6617B70F571A}" dt="2020-12-01T12:34:32.054" v="4803" actId="478"/>
+          <ac:spMkLst>
+            <pc:docMk/>
+            <pc:sldMk cId="2969362105" sldId="256"/>
+            <ac:spMk id="226" creationId="{512D1C27-766B-4552-B090-B7C42431F7DC}"/>
+          </ac:spMkLst>
+        </pc:spChg>
+        <pc:spChg chg="add del mod">
+          <ac:chgData name="Fatima Pillosu" userId="a6295d4dc9e22643" providerId="LiveId" clId="{B303C878-8799-4007-876A-6617B70F571A}" dt="2020-12-01T12:44:29.607" v="4990"/>
+          <ac:spMkLst>
+            <pc:docMk/>
+            <pc:sldMk cId="2969362105" sldId="256"/>
+            <ac:spMk id="227" creationId="{8B42F4C0-E5EE-4349-AA41-2890BA841D7D}"/>
+          </ac:spMkLst>
+        </pc:spChg>
+        <pc:spChg chg="add del mod ord">
+          <ac:chgData name="Fatima Pillosu" userId="a6295d4dc9e22643" providerId="LiveId" clId="{B303C878-8799-4007-876A-6617B70F571A}" dt="2020-12-01T12:44:29.607" v="4990"/>
+          <ac:spMkLst>
+            <pc:docMk/>
+            <pc:sldMk cId="2969362105" sldId="256"/>
+            <ac:spMk id="228" creationId="{8B947C78-D353-4DC3-B750-B624EE887E98}"/>
+          </ac:spMkLst>
+        </pc:spChg>
+        <pc:spChg chg="add del mod">
+          <ac:chgData name="Fatima Pillosu" userId="a6295d4dc9e22643" providerId="LiveId" clId="{B303C878-8799-4007-876A-6617B70F571A}" dt="2020-12-01T12:44:29.607" v="4990"/>
+          <ac:spMkLst>
+            <pc:docMk/>
+            <pc:sldMk cId="2969362105" sldId="256"/>
+            <ac:spMk id="229" creationId="{04CE0786-B227-42BD-9960-30DFBF38F6A4}"/>
+          </ac:spMkLst>
+        </pc:spChg>
+        <pc:spChg chg="add del mod">
+          <ac:chgData name="Fatima Pillosu" userId="a6295d4dc9e22643" providerId="LiveId" clId="{B303C878-8799-4007-876A-6617B70F571A}" dt="2020-12-01T12:44:29.607" v="4990"/>
+          <ac:spMkLst>
+            <pc:docMk/>
+            <pc:sldMk cId="2969362105" sldId="256"/>
+            <ac:spMk id="230" creationId="{5B191990-5FCF-4841-AE4A-2DF9D1F247F5}"/>
+          </ac:spMkLst>
+        </pc:spChg>
+        <pc:spChg chg="add del mod">
+          <ac:chgData name="Fatima Pillosu" userId="a6295d4dc9e22643" providerId="LiveId" clId="{B303C878-8799-4007-876A-6617B70F571A}" dt="2020-12-01T12:44:29.607" v="4990"/>
+          <ac:spMkLst>
+            <pc:docMk/>
+            <pc:sldMk cId="2969362105" sldId="256"/>
+            <ac:spMk id="231" creationId="{0D011B38-64CD-4E12-AB26-EF62193A2CA0}"/>
+          </ac:spMkLst>
+        </pc:spChg>
+        <pc:spChg chg="add del mod">
+          <ac:chgData name="Fatima Pillosu" userId="a6295d4dc9e22643" providerId="LiveId" clId="{B303C878-8799-4007-876A-6617B70F571A}" dt="2020-12-01T12:44:29.607" v="4990"/>
+          <ac:spMkLst>
+            <pc:docMk/>
+            <pc:sldMk cId="2969362105" sldId="256"/>
+            <ac:spMk id="232" creationId="{8F835A08-20B0-47AA-86C1-46940EC71468}"/>
+          </ac:spMkLst>
+        </pc:spChg>
+        <pc:spChg chg="add del mod">
+          <ac:chgData name="Fatima Pillosu" userId="a6295d4dc9e22643" providerId="LiveId" clId="{B303C878-8799-4007-876A-6617B70F571A}" dt="2020-12-01T12:45:21.654" v="4996"/>
+          <ac:spMkLst>
+            <pc:docMk/>
+            <pc:sldMk cId="2969362105" sldId="256"/>
+            <ac:spMk id="236" creationId="{0369B86E-7CA1-439E-87C0-576A9F73F2DD}"/>
+          </ac:spMkLst>
+        </pc:spChg>
+        <pc:spChg chg="add del mod">
+          <ac:chgData name="Fatima Pillosu" userId="a6295d4dc9e22643" providerId="LiveId" clId="{B303C878-8799-4007-876A-6617B70F571A}" dt="2020-12-01T12:45:21.654" v="4996"/>
+          <ac:spMkLst>
+            <pc:docMk/>
+            <pc:sldMk cId="2969362105" sldId="256"/>
+            <ac:spMk id="238" creationId="{88E2E8BF-7E64-4F90-86E6-311097D9D505}"/>
+          </ac:spMkLst>
+        </pc:spChg>
+        <pc:spChg chg="add del mod">
+          <ac:chgData name="Fatima Pillosu" userId="a6295d4dc9e22643" providerId="LiveId" clId="{B303C878-8799-4007-876A-6617B70F571A}" dt="2020-12-01T12:45:21.654" v="4996"/>
+          <ac:spMkLst>
+            <pc:docMk/>
+            <pc:sldMk cId="2969362105" sldId="256"/>
+            <ac:spMk id="241" creationId="{2BF78671-BAEA-450B-8F09-4BA1C42DF560}"/>
+          </ac:spMkLst>
+        </pc:spChg>
+        <pc:spChg chg="add del mod">
+          <ac:chgData name="Fatima Pillosu" userId="a6295d4dc9e22643" providerId="LiveId" clId="{B303C878-8799-4007-876A-6617B70F571A}" dt="2020-12-01T12:45:21.654" v="4996"/>
+          <ac:spMkLst>
+            <pc:docMk/>
+            <pc:sldMk cId="2969362105" sldId="256"/>
+            <ac:spMk id="242" creationId="{0BF8FFC8-5CC1-4B04-B7B7-BD34855D6DF9}"/>
+          </ac:spMkLst>
+        </pc:spChg>
+        <pc:spChg chg="add del mod">
+          <ac:chgData name="Fatima Pillosu" userId="a6295d4dc9e22643" providerId="LiveId" clId="{B303C878-8799-4007-876A-6617B70F571A}" dt="2020-12-01T12:45:21.654" v="4996"/>
+          <ac:spMkLst>
+            <pc:docMk/>
+            <pc:sldMk cId="2969362105" sldId="256"/>
+            <ac:spMk id="244" creationId="{D96FBAFC-E4C3-4BA1-AF18-C177D2A5C097}"/>
+          </ac:spMkLst>
+        </pc:spChg>
+        <pc:spChg chg="add del mod">
+          <ac:chgData name="Fatima Pillosu" userId="a6295d4dc9e22643" providerId="LiveId" clId="{B303C878-8799-4007-876A-6617B70F571A}" dt="2020-12-01T12:45:21.654" v="4996"/>
+          <ac:spMkLst>
+            <pc:docMk/>
+            <pc:sldMk cId="2969362105" sldId="256"/>
+            <ac:spMk id="245" creationId="{4E3AACB7-5C96-49CE-B703-073CC83FEA51}"/>
+          </ac:spMkLst>
+        </pc:spChg>
+        <pc:spChg chg="add del mod">
+          <ac:chgData name="Fatima Pillosu" userId="a6295d4dc9e22643" providerId="LiveId" clId="{B303C878-8799-4007-876A-6617B70F571A}" dt="2020-12-01T12:45:21.654" v="4996"/>
+          <ac:spMkLst>
+            <pc:docMk/>
+            <pc:sldMk cId="2969362105" sldId="256"/>
+            <ac:spMk id="247" creationId="{F0802FEF-EC1E-4226-89F4-E453ABFC3EB3}"/>
+          </ac:spMkLst>
+        </pc:spChg>
+        <pc:spChg chg="add del mod">
+          <ac:chgData name="Fatima Pillosu" userId="a6295d4dc9e22643" providerId="LiveId" clId="{B303C878-8799-4007-876A-6617B70F571A}" dt="2020-12-01T12:45:21.654" v="4996"/>
+          <ac:spMkLst>
+            <pc:docMk/>
+            <pc:sldMk cId="2969362105" sldId="256"/>
+            <ac:spMk id="248" creationId="{C947736F-D268-4814-9D8D-9422AF055F5B}"/>
+          </ac:spMkLst>
+        </pc:spChg>
+        <pc:spChg chg="add del mod">
+          <ac:chgData name="Fatima Pillosu" userId="a6295d4dc9e22643" providerId="LiveId" clId="{B303C878-8799-4007-876A-6617B70F571A}" dt="2020-12-01T12:45:21.654" v="4996"/>
+          <ac:spMkLst>
+            <pc:docMk/>
+            <pc:sldMk cId="2969362105" sldId="256"/>
+            <ac:spMk id="249" creationId="{13C1A7F0-06CD-434C-A90F-26E08512C11D}"/>
+          </ac:spMkLst>
+        </pc:spChg>
+        <pc:spChg chg="add del mod">
+          <ac:chgData name="Fatima Pillosu" userId="a6295d4dc9e22643" providerId="LiveId" clId="{B303C878-8799-4007-876A-6617B70F571A}" dt="2020-12-01T12:45:21.654" v="4996"/>
+          <ac:spMkLst>
+            <pc:docMk/>
+            <pc:sldMk cId="2969362105" sldId="256"/>
+            <ac:spMk id="250" creationId="{5A2DDD60-A086-476F-B15A-D1E8B8814F8F}"/>
+          </ac:spMkLst>
+        </pc:spChg>
+        <pc:spChg chg="add del mod">
+          <ac:chgData name="Fatima Pillosu" userId="a6295d4dc9e22643" providerId="LiveId" clId="{B303C878-8799-4007-876A-6617B70F571A}" dt="2020-12-01T12:45:21.654" v="4996"/>
+          <ac:spMkLst>
+            <pc:docMk/>
+            <pc:sldMk cId="2969362105" sldId="256"/>
+            <ac:spMk id="251" creationId="{C85D368F-7392-4B6D-879B-35BB90359FF7}"/>
+          </ac:spMkLst>
+        </pc:spChg>
+        <pc:spChg chg="add del mod">
+          <ac:chgData name="Fatima Pillosu" userId="a6295d4dc9e22643" providerId="LiveId" clId="{B303C878-8799-4007-876A-6617B70F571A}" dt="2020-12-01T12:45:21.654" v="4996"/>
+          <ac:spMkLst>
+            <pc:docMk/>
+            <pc:sldMk cId="2969362105" sldId="256"/>
+            <ac:spMk id="252" creationId="{21280E00-3144-4877-9E1A-4BC2AFA881AC}"/>
+          </ac:spMkLst>
+        </pc:spChg>
+        <pc:spChg chg="add del mod">
+          <ac:chgData name="Fatima Pillosu" userId="a6295d4dc9e22643" providerId="LiveId" clId="{B303C878-8799-4007-876A-6617B70F571A}" dt="2020-12-01T12:45:21.654" v="4996"/>
+          <ac:spMkLst>
+            <pc:docMk/>
+            <pc:sldMk cId="2969362105" sldId="256"/>
+            <ac:spMk id="256" creationId="{53B956B0-CA7A-407B-BF45-DCD9FA104794}"/>
+          </ac:spMkLst>
+        </pc:spChg>
+        <pc:spChg chg="add del mod">
+          <ac:chgData name="Fatima Pillosu" userId="a6295d4dc9e22643" providerId="LiveId" clId="{B303C878-8799-4007-876A-6617B70F571A}" dt="2020-12-01T12:45:21.654" v="4996"/>
+          <ac:spMkLst>
+            <pc:docMk/>
+            <pc:sldMk cId="2969362105" sldId="256"/>
+            <ac:spMk id="257" creationId="{85153D03-D014-45C2-AD79-9B7316543645}"/>
+          </ac:spMkLst>
+        </pc:spChg>
+        <pc:spChg chg="add del mod">
+          <ac:chgData name="Fatima Pillosu" userId="a6295d4dc9e22643" providerId="LiveId" clId="{B303C878-8799-4007-876A-6617B70F571A}" dt="2020-12-01T11:07:56.148" v="3385"/>
+          <ac:spMkLst>
+            <pc:docMk/>
+            <pc:sldMk cId="2969362105" sldId="256"/>
+            <ac:spMk id="257" creationId="{86E6A777-CC7A-47B5-AB55-87C6811094A1}"/>
+          </ac:spMkLst>
+        </pc:spChg>
+        <pc:spChg chg="add del mod">
+          <ac:chgData name="Fatima Pillosu" userId="a6295d4dc9e22643" providerId="LiveId" clId="{B303C878-8799-4007-876A-6617B70F571A}" dt="2020-12-01T11:07:56.148" v="3385"/>
+          <ac:spMkLst>
+            <pc:docMk/>
+            <pc:sldMk cId="2969362105" sldId="256"/>
+            <ac:spMk id="258" creationId="{125A3382-5976-4E07-BCBF-B6F47BAD6CD4}"/>
+          </ac:spMkLst>
+        </pc:spChg>
+        <pc:spChg chg="add del mod">
+          <ac:chgData name="Fatima Pillosu" userId="a6295d4dc9e22643" providerId="LiveId" clId="{B303C878-8799-4007-876A-6617B70F571A}" dt="2020-12-01T12:45:21.654" v="4996"/>
+          <ac:spMkLst>
+            <pc:docMk/>
+            <pc:sldMk cId="2969362105" sldId="256"/>
+            <ac:spMk id="258" creationId="{5B3DF539-F39F-4342-9FEB-A28FB8714246}"/>
+          </ac:spMkLst>
+        </pc:spChg>
+        <pc:spChg chg="add del mod">
+          <ac:chgData name="Fatima Pillosu" userId="a6295d4dc9e22643" providerId="LiveId" clId="{B303C878-8799-4007-876A-6617B70F571A}" dt="2020-12-01T12:45:21.654" v="4996"/>
+          <ac:spMkLst>
+            <pc:docMk/>
+            <pc:sldMk cId="2969362105" sldId="256"/>
+            <ac:spMk id="259" creationId="{54A31A22-63DE-4425-BA76-288E120C852F}"/>
+          </ac:spMkLst>
+        </pc:spChg>
+        <pc:spChg chg="add del mod">
+          <ac:chgData name="Fatima Pillosu" userId="a6295d4dc9e22643" providerId="LiveId" clId="{B303C878-8799-4007-876A-6617B70F571A}" dt="2020-12-01T11:07:56.148" v="3385"/>
+          <ac:spMkLst>
+            <pc:docMk/>
+            <pc:sldMk cId="2969362105" sldId="256"/>
+            <ac:spMk id="259" creationId="{A0B6B5E1-4A19-48AA-986F-3FA451EB5910}"/>
+          </ac:spMkLst>
+        </pc:spChg>
+        <pc:spChg chg="add del mod">
+          <ac:chgData name="Fatima Pillosu" userId="a6295d4dc9e22643" providerId="LiveId" clId="{B303C878-8799-4007-876A-6617B70F571A}" dt="2020-12-01T12:45:21.654" v="4996"/>
+          <ac:spMkLst>
+            <pc:docMk/>
+            <pc:sldMk cId="2969362105" sldId="256"/>
+            <ac:spMk id="260" creationId="{3A86EDB0-06C8-4D77-B94F-34F217DC4275}"/>
+          </ac:spMkLst>
+        </pc:spChg>
+        <pc:spChg chg="add del mod">
+          <ac:chgData name="Fatima Pillosu" userId="a6295d4dc9e22643" providerId="LiveId" clId="{B303C878-8799-4007-876A-6617B70F571A}" dt="2020-12-01T12:45:21.654" v="4996"/>
+          <ac:spMkLst>
+            <pc:docMk/>
+            <pc:sldMk cId="2969362105" sldId="256"/>
+            <ac:spMk id="261" creationId="{61C9E05B-904E-44CC-BBC9-A7DBB32C68FA}"/>
+          </ac:spMkLst>
+        </pc:spChg>
+        <pc:spChg chg="add del mod">
+          <ac:chgData name="Fatima Pillosu" userId="a6295d4dc9e22643" providerId="LiveId" clId="{B303C878-8799-4007-876A-6617B70F571A}" dt="2020-12-01T12:45:21.654" v="4996"/>
+          <ac:spMkLst>
+            <pc:docMk/>
+            <pc:sldMk cId="2969362105" sldId="256"/>
+            <ac:spMk id="263" creationId="{F94E7BE2-A9CA-474B-85D5-F1B88169F29F}"/>
+          </ac:spMkLst>
+        </pc:spChg>
         <pc:spChg chg="add mod">
-          <ac:chgData name="Fatima Pillosu" userId="a6295d4dc9e22643" providerId="LiveId" clId="{B303C878-8799-4007-876A-6617B70F571A}" dt="2020-12-01T12:09:15.747" v="4474" actId="1038"/>
-          <ac:spMkLst>
-            <pc:docMk/>
-            <pc:sldMk cId="2969362105" sldId="256"/>
-            <ac:spMk id="210" creationId="{FC70445D-3475-4DF3-916E-7DA80218D296}"/>
-          </ac:spMkLst>
-        </pc:spChg>
-        <pc:spChg chg="add del mod">
-          <ac:chgData name="Fatima Pillosu" userId="a6295d4dc9e22643" providerId="LiveId" clId="{B303C878-8799-4007-876A-6617B70F571A}" dt="2020-12-01T11:07:56.148" v="3385"/>
-          <ac:spMkLst>
-            <pc:docMk/>
-            <pc:sldMk cId="2969362105" sldId="256"/>
-            <ac:spMk id="211" creationId="{20FC7B36-1DE2-4C27-8076-A31C75D75018}"/>
+          <ac:chgData name="Fatima Pillosu" userId="a6295d4dc9e22643" providerId="LiveId" clId="{B303C878-8799-4007-876A-6617B70F571A}" dt="2020-12-01T12:45:44.848" v="5003" actId="1036"/>
+          <ac:spMkLst>
+            <pc:docMk/>
+            <pc:sldMk cId="2969362105" sldId="256"/>
+            <ac:spMk id="265" creationId="{BBCEC9F5-2E46-45F5-B8F8-AE181445FC3D}"/>
           </ac:spMkLst>
         </pc:spChg>
         <pc:spChg chg="add mod">
-          <ac:chgData name="Fatima Pillosu" userId="a6295d4dc9e22643" providerId="LiveId" clId="{B303C878-8799-4007-876A-6617B70F571A}" dt="2020-12-01T12:09:15.747" v="4474" actId="1038"/>
-          <ac:spMkLst>
-            <pc:docMk/>
-            <pc:sldMk cId="2969362105" sldId="256"/>
-            <ac:spMk id="212" creationId="{3A0307FD-2CA3-4B5A-875E-61E64749178C}"/>
+          <ac:chgData name="Fatima Pillosu" userId="a6295d4dc9e22643" providerId="LiveId" clId="{B303C878-8799-4007-876A-6617B70F571A}" dt="2020-12-01T12:45:38.708" v="5002" actId="1035"/>
+          <ac:spMkLst>
+            <pc:docMk/>
+            <pc:sldMk cId="2969362105" sldId="256"/>
+            <ac:spMk id="266" creationId="{74524FB7-856F-4C68-B76A-52A55DE02741}"/>
           </ac:spMkLst>
         </pc:spChg>
         <pc:spChg chg="add mod">
-          <ac:chgData name="Fatima Pillosu" userId="a6295d4dc9e22643" providerId="LiveId" clId="{B303C878-8799-4007-876A-6617B70F571A}" dt="2020-12-01T12:09:15.747" v="4474" actId="1038"/>
-          <ac:spMkLst>
-            <pc:docMk/>
-            <pc:sldMk cId="2969362105" sldId="256"/>
-            <ac:spMk id="213" creationId="{9F22AAE1-147B-4C0C-9628-F2829B609874}"/>
-          </ac:spMkLst>
-        </pc:spChg>
-        <pc:spChg chg="add mod">
-          <ac:chgData name="Fatima Pillosu" userId="a6295d4dc9e22643" providerId="LiveId" clId="{B303C878-8799-4007-876A-6617B70F571A}" dt="2020-12-01T12:09:15.747" v="4474" actId="1038"/>
-          <ac:spMkLst>
-            <pc:docMk/>
-            <pc:sldMk cId="2969362105" sldId="256"/>
-            <ac:spMk id="214" creationId="{93A8CE63-609D-4954-99C0-A47AB7F15E9E}"/>
-          </ac:spMkLst>
-        </pc:spChg>
-        <pc:spChg chg="add mod">
-          <ac:chgData name="Fatima Pillosu" userId="a6295d4dc9e22643" providerId="LiveId" clId="{B303C878-8799-4007-876A-6617B70F571A}" dt="2020-12-01T12:09:15.747" v="4474" actId="1038"/>
-          <ac:spMkLst>
-            <pc:docMk/>
-            <pc:sldMk cId="2969362105" sldId="256"/>
-            <ac:spMk id="216" creationId="{11B3E8B0-17CB-4537-9A5C-C1C44CAF9CC2}"/>
-          </ac:spMkLst>
-        </pc:spChg>
-        <pc:spChg chg="add mod">
-          <ac:chgData name="Fatima Pillosu" userId="a6295d4dc9e22643" providerId="LiveId" clId="{B303C878-8799-4007-876A-6617B70F571A}" dt="2020-12-01T12:09:15.747" v="4474" actId="1038"/>
-          <ac:spMkLst>
-            <pc:docMk/>
-            <pc:sldMk cId="2969362105" sldId="256"/>
-            <ac:spMk id="219" creationId="{2CEF687A-C095-41CD-84A5-5FCE448F387F}"/>
-          </ac:spMkLst>
-        </pc:spChg>
-        <pc:spChg chg="add mod">
-          <ac:chgData name="Fatima Pillosu" userId="a6295d4dc9e22643" providerId="LiveId" clId="{B303C878-8799-4007-876A-6617B70F571A}" dt="2020-12-01T12:09:15.747" v="4474" actId="1038"/>
-          <ac:spMkLst>
-            <pc:docMk/>
-            <pc:sldMk cId="2969362105" sldId="256"/>
-            <ac:spMk id="220" creationId="{1EA52841-FBFC-4CCE-B848-4FE28C810DFB}"/>
-          </ac:spMkLst>
-        </pc:spChg>
-        <pc:spChg chg="add mod">
-          <ac:chgData name="Fatima Pillosu" userId="a6295d4dc9e22643" providerId="LiveId" clId="{B303C878-8799-4007-876A-6617B70F571A}" dt="2020-12-01T12:09:15.747" v="4474" actId="1038"/>
-          <ac:spMkLst>
-            <pc:docMk/>
-            <pc:sldMk cId="2969362105" sldId="256"/>
-            <ac:spMk id="222" creationId="{D3523231-81E0-4C20-83CD-BF45FE31C771}"/>
-          </ac:spMkLst>
-        </pc:spChg>
-        <pc:spChg chg="add mod">
-          <ac:chgData name="Fatima Pillosu" userId="a6295d4dc9e22643" providerId="LiveId" clId="{B303C878-8799-4007-876A-6617B70F571A}" dt="2020-12-01T12:09:15.747" v="4474" actId="1038"/>
-          <ac:spMkLst>
-            <pc:docMk/>
-            <pc:sldMk cId="2969362105" sldId="256"/>
-            <ac:spMk id="223" creationId="{AB7A39FB-D3E5-4655-A071-08B04DD82B9A}"/>
-          </ac:spMkLst>
-        </pc:spChg>
-        <pc:spChg chg="add mod">
-          <ac:chgData name="Fatima Pillosu" userId="a6295d4dc9e22643" providerId="LiveId" clId="{B303C878-8799-4007-876A-6617B70F571A}" dt="2020-12-01T12:09:15.747" v="4474" actId="1038"/>
-          <ac:spMkLst>
-            <pc:docMk/>
-            <pc:sldMk cId="2969362105" sldId="256"/>
-            <ac:spMk id="225" creationId="{6B7AD368-8C63-47FF-AF97-5254D06A2A9B}"/>
-          </ac:spMkLst>
-        </pc:spChg>
-        <pc:spChg chg="add mod">
-          <ac:chgData name="Fatima Pillosu" userId="a6295d4dc9e22643" providerId="LiveId" clId="{B303C878-8799-4007-876A-6617B70F571A}" dt="2020-12-01T12:09:15.747" v="4474" actId="1038"/>
-          <ac:spMkLst>
-            <pc:docMk/>
-            <pc:sldMk cId="2969362105" sldId="256"/>
-            <ac:spMk id="226" creationId="{512D1C27-766B-4552-B090-B7C42431F7DC}"/>
-          </ac:spMkLst>
-        </pc:spChg>
-        <pc:spChg chg="add mod">
-          <ac:chgData name="Fatima Pillosu" userId="a6295d4dc9e22643" providerId="LiveId" clId="{B303C878-8799-4007-876A-6617B70F571A}" dt="2020-12-01T12:09:15.747" v="4474" actId="1038"/>
-          <ac:spMkLst>
-            <pc:docMk/>
-            <pc:sldMk cId="2969362105" sldId="256"/>
-            <ac:spMk id="227" creationId="{8B42F4C0-E5EE-4349-AA41-2890BA841D7D}"/>
-          </ac:spMkLst>
-        </pc:spChg>
-        <pc:spChg chg="add mod">
-          <ac:chgData name="Fatima Pillosu" userId="a6295d4dc9e22643" providerId="LiveId" clId="{B303C878-8799-4007-876A-6617B70F571A}" dt="2020-12-01T12:09:15.747" v="4474" actId="1038"/>
-          <ac:spMkLst>
-            <pc:docMk/>
-            <pc:sldMk cId="2969362105" sldId="256"/>
-            <ac:spMk id="228" creationId="{8B947C78-D353-4DC3-B750-B624EE887E98}"/>
-          </ac:spMkLst>
-        </pc:spChg>
-        <pc:spChg chg="add mod">
-          <ac:chgData name="Fatima Pillosu" userId="a6295d4dc9e22643" providerId="LiveId" clId="{B303C878-8799-4007-876A-6617B70F571A}" dt="2020-12-01T12:09:15.747" v="4474" actId="1038"/>
-          <ac:spMkLst>
-            <pc:docMk/>
-            <pc:sldMk cId="2969362105" sldId="256"/>
-            <ac:spMk id="229" creationId="{04CE0786-B227-42BD-9960-30DFBF38F6A4}"/>
-          </ac:spMkLst>
-        </pc:spChg>
-        <pc:spChg chg="add mod">
-          <ac:chgData name="Fatima Pillosu" userId="a6295d4dc9e22643" providerId="LiveId" clId="{B303C878-8799-4007-876A-6617B70F571A}" dt="2020-12-01T12:09:15.747" v="4474" actId="1038"/>
-          <ac:spMkLst>
-            <pc:docMk/>
-            <pc:sldMk cId="2969362105" sldId="256"/>
-            <ac:spMk id="230" creationId="{5B191990-5FCF-4841-AE4A-2DF9D1F247F5}"/>
-          </ac:spMkLst>
-        </pc:spChg>
-        <pc:spChg chg="add mod">
-          <ac:chgData name="Fatima Pillosu" userId="a6295d4dc9e22643" providerId="LiveId" clId="{B303C878-8799-4007-876A-6617B70F571A}" dt="2020-12-01T12:09:15.747" v="4474" actId="1038"/>
-          <ac:spMkLst>
-            <pc:docMk/>
-            <pc:sldMk cId="2969362105" sldId="256"/>
-            <ac:spMk id="231" creationId="{0D011B38-64CD-4E12-AB26-EF62193A2CA0}"/>
-          </ac:spMkLst>
-        </pc:spChg>
-        <pc:spChg chg="add mod">
-          <ac:chgData name="Fatima Pillosu" userId="a6295d4dc9e22643" providerId="LiveId" clId="{B303C878-8799-4007-876A-6617B70F571A}" dt="2020-12-01T12:09:15.747" v="4474" actId="1038"/>
-          <ac:spMkLst>
-            <pc:docMk/>
-            <pc:sldMk cId="2969362105" sldId="256"/>
-            <ac:spMk id="232" creationId="{8F835A08-20B0-47AA-86C1-46940EC71468}"/>
-          </ac:spMkLst>
-        </pc:spChg>
-        <pc:spChg chg="add del mod">
-          <ac:chgData name="Fatima Pillosu" userId="a6295d4dc9e22643" providerId="LiveId" clId="{B303C878-8799-4007-876A-6617B70F571A}" dt="2020-12-01T11:07:56.148" v="3385"/>
-          <ac:spMkLst>
-            <pc:docMk/>
-            <pc:sldMk cId="2969362105" sldId="256"/>
-            <ac:spMk id="257" creationId="{86E6A777-CC7A-47B5-AB55-87C6811094A1}"/>
-          </ac:spMkLst>
-        </pc:spChg>
-        <pc:spChg chg="add del mod">
-          <ac:chgData name="Fatima Pillosu" userId="a6295d4dc9e22643" providerId="LiveId" clId="{B303C878-8799-4007-876A-6617B70F571A}" dt="2020-12-01T11:07:56.148" v="3385"/>
-          <ac:spMkLst>
-            <pc:docMk/>
-            <pc:sldMk cId="2969362105" sldId="256"/>
-            <ac:spMk id="258" creationId="{125A3382-5976-4E07-BCBF-B6F47BAD6CD4}"/>
-          </ac:spMkLst>
-        </pc:spChg>
-        <pc:spChg chg="add del mod">
-          <ac:chgData name="Fatima Pillosu" userId="a6295d4dc9e22643" providerId="LiveId" clId="{B303C878-8799-4007-876A-6617B70F571A}" dt="2020-12-01T11:07:56.148" v="3385"/>
-          <ac:spMkLst>
-            <pc:docMk/>
-            <pc:sldMk cId="2969362105" sldId="256"/>
-            <ac:spMk id="259" creationId="{A0B6B5E1-4A19-48AA-986F-3FA451EB5910}"/>
+          <ac:chgData name="Fatima Pillosu" userId="a6295d4dc9e22643" providerId="LiveId" clId="{B303C878-8799-4007-876A-6617B70F571A}" dt="2020-12-01T12:45:38.708" v="5002" actId="1035"/>
+          <ac:spMkLst>
+            <pc:docMk/>
+            <pc:sldMk cId="2969362105" sldId="256"/>
+            <ac:spMk id="268" creationId="{40DD6A86-7650-443F-B5F1-A476F5D869D5}"/>
           </ac:spMkLst>
         </pc:spChg>
         <pc:spChg chg="mod">
@@ -1495,6 +1823,14 @@
             <ac:spMk id="268" creationId="{8B2F87D6-05E2-4D7C-BFE9-C020AD3F5D50}"/>
           </ac:spMkLst>
         </pc:spChg>
+        <pc:spChg chg="add mod">
+          <ac:chgData name="Fatima Pillosu" userId="a6295d4dc9e22643" providerId="LiveId" clId="{B303C878-8799-4007-876A-6617B70F571A}" dt="2020-12-01T12:45:38.708" v="5002" actId="1035"/>
+          <ac:spMkLst>
+            <pc:docMk/>
+            <pc:sldMk cId="2969362105" sldId="256"/>
+            <ac:spMk id="269" creationId="{68B2D5C7-6A30-482F-BC56-8ADB33C2642C}"/>
+          </ac:spMkLst>
+        </pc:spChg>
         <pc:spChg chg="mod">
           <ac:chgData name="Fatima Pillosu" userId="a6295d4dc9e22643" providerId="LiveId" clId="{B303C878-8799-4007-876A-6617B70F571A}" dt="2020-12-01T11:06:22.441" v="3346" actId="14100"/>
           <ac:spMkLst>
@@ -1503,6 +1839,54 @@
             <ac:spMk id="269" creationId="{E77C0BD0-1724-4EBA-A41A-AA618F917039}"/>
           </ac:spMkLst>
         </pc:spChg>
+        <pc:spChg chg="add mod">
+          <ac:chgData name="Fatima Pillosu" userId="a6295d4dc9e22643" providerId="LiveId" clId="{B303C878-8799-4007-876A-6617B70F571A}" dt="2020-12-01T12:45:38.708" v="5002" actId="1035"/>
+          <ac:spMkLst>
+            <pc:docMk/>
+            <pc:sldMk cId="2969362105" sldId="256"/>
+            <ac:spMk id="270" creationId="{58F7A73A-0E22-45E5-9EF0-FC0C44A2D98B}"/>
+          </ac:spMkLst>
+        </pc:spChg>
+        <pc:spChg chg="add mod">
+          <ac:chgData name="Fatima Pillosu" userId="a6295d4dc9e22643" providerId="LiveId" clId="{B303C878-8799-4007-876A-6617B70F571A}" dt="2020-12-01T12:45:38.708" v="5002" actId="1035"/>
+          <ac:spMkLst>
+            <pc:docMk/>
+            <pc:sldMk cId="2969362105" sldId="256"/>
+            <ac:spMk id="272" creationId="{CE200B3C-FC65-4245-82B5-9E23715ADD96}"/>
+          </ac:spMkLst>
+        </pc:spChg>
+        <pc:spChg chg="add mod">
+          <ac:chgData name="Fatima Pillosu" userId="a6295d4dc9e22643" providerId="LiveId" clId="{B303C878-8799-4007-876A-6617B70F571A}" dt="2020-12-01T12:45:38.708" v="5002" actId="1035"/>
+          <ac:spMkLst>
+            <pc:docMk/>
+            <pc:sldMk cId="2969362105" sldId="256"/>
+            <ac:spMk id="274" creationId="{9FBD6828-15C3-4E4B-A176-6D4A43ED0DAE}"/>
+          </ac:spMkLst>
+        </pc:spChg>
+        <pc:spChg chg="add mod">
+          <ac:chgData name="Fatima Pillosu" userId="a6295d4dc9e22643" providerId="LiveId" clId="{B303C878-8799-4007-876A-6617B70F571A}" dt="2020-12-01T12:45:38.708" v="5002" actId="1035"/>
+          <ac:spMkLst>
+            <pc:docMk/>
+            <pc:sldMk cId="2969362105" sldId="256"/>
+            <ac:spMk id="275" creationId="{A2AEB448-4F6C-4193-AC6F-0230FC209869}"/>
+          </ac:spMkLst>
+        </pc:spChg>
+        <pc:spChg chg="add mod">
+          <ac:chgData name="Fatima Pillosu" userId="a6295d4dc9e22643" providerId="LiveId" clId="{B303C878-8799-4007-876A-6617B70F571A}" dt="2020-12-01T12:45:38.708" v="5002" actId="1035"/>
+          <ac:spMkLst>
+            <pc:docMk/>
+            <pc:sldMk cId="2969362105" sldId="256"/>
+            <ac:spMk id="277" creationId="{8EA89C0C-4B16-49CC-BEB9-1B5C18494F32}"/>
+          </ac:spMkLst>
+        </pc:spChg>
+        <pc:spChg chg="add mod">
+          <ac:chgData name="Fatima Pillosu" userId="a6295d4dc9e22643" providerId="LiveId" clId="{B303C878-8799-4007-876A-6617B70F571A}" dt="2020-12-01T12:45:38.708" v="5002" actId="1035"/>
+          <ac:spMkLst>
+            <pc:docMk/>
+            <pc:sldMk cId="2969362105" sldId="256"/>
+            <ac:spMk id="278" creationId="{DE1E4121-36A0-4C0A-80D0-D2DED433F7D4}"/>
+          </ac:spMkLst>
+        </pc:spChg>
         <pc:spChg chg="add del mod">
           <ac:chgData name="Fatima Pillosu" userId="a6295d4dc9e22643" providerId="LiveId" clId="{B303C878-8799-4007-876A-6617B70F571A}" dt="2020-12-01T11:10:09.564" v="3469"/>
           <ac:spMkLst>
@@ -1511,6 +1895,14 @@
             <ac:spMk id="280" creationId="{1BED721C-6DD7-44C3-A937-476EE4AD45B6}"/>
           </ac:spMkLst>
         </pc:spChg>
+        <pc:spChg chg="add mod">
+          <ac:chgData name="Fatima Pillosu" userId="a6295d4dc9e22643" providerId="LiveId" clId="{B303C878-8799-4007-876A-6617B70F571A}" dt="2020-12-01T12:45:38.708" v="5002" actId="1035"/>
+          <ac:spMkLst>
+            <pc:docMk/>
+            <pc:sldMk cId="2969362105" sldId="256"/>
+            <ac:spMk id="281" creationId="{51204AA6-6310-4D69-A312-88F495253301}"/>
+          </ac:spMkLst>
+        </pc:spChg>
         <pc:spChg chg="add del mod">
           <ac:chgData name="Fatima Pillosu" userId="a6295d4dc9e22643" providerId="LiveId" clId="{B303C878-8799-4007-876A-6617B70F571A}" dt="2020-12-01T11:10:09.564" v="3469"/>
           <ac:spMkLst>
@@ -1525,6 +1917,14 @@
             <pc:docMk/>
             <pc:sldMk cId="2969362105" sldId="256"/>
             <ac:spMk id="282" creationId="{573FFD37-247E-4181-8CBC-EE816545AD84}"/>
+          </ac:spMkLst>
+        </pc:spChg>
+        <pc:spChg chg="add mod">
+          <ac:chgData name="Fatima Pillosu" userId="a6295d4dc9e22643" providerId="LiveId" clId="{B303C878-8799-4007-876A-6617B70F571A}" dt="2020-12-01T12:45:38.708" v="5002" actId="1035"/>
+          <ac:spMkLst>
+            <pc:docMk/>
+            <pc:sldMk cId="2969362105" sldId="256"/>
+            <ac:spMk id="285" creationId="{5E2021D7-22E2-4BB7-AC1C-FE3879EC5BFD}"/>
           </ac:spMkLst>
         </pc:spChg>
         <pc:spChg chg="del mod topLvl">
@@ -1543,12 +1943,36 @@
             <ac:spMk id="286" creationId="{DCB9A6A9-77AF-4988-B22A-C3AFB2EE1984}"/>
           </ac:spMkLst>
         </pc:spChg>
+        <pc:spChg chg="add mod">
+          <ac:chgData name="Fatima Pillosu" userId="a6295d4dc9e22643" providerId="LiveId" clId="{B303C878-8799-4007-876A-6617B70F571A}" dt="2020-12-01T12:45:38.708" v="5002" actId="1035"/>
+          <ac:spMkLst>
+            <pc:docMk/>
+            <pc:sldMk cId="2969362105" sldId="256"/>
+            <ac:spMk id="287" creationId="{59931251-638B-4D5B-A531-0EB51EB7A28A}"/>
+          </ac:spMkLst>
+        </pc:spChg>
         <pc:spChg chg="add del mod">
           <ac:chgData name="Fatima Pillosu" userId="a6295d4dc9e22643" providerId="LiveId" clId="{B303C878-8799-4007-876A-6617B70F571A}" dt="2020-12-01T11:10:09.564" v="3469"/>
           <ac:spMkLst>
             <pc:docMk/>
             <pc:sldMk cId="2969362105" sldId="256"/>
             <ac:spMk id="287" creationId="{F0DBD3D8-48F8-4362-BBFA-31B7A91CD65B}"/>
+          </ac:spMkLst>
+        </pc:spChg>
+        <pc:spChg chg="add mod">
+          <ac:chgData name="Fatima Pillosu" userId="a6295d4dc9e22643" providerId="LiveId" clId="{B303C878-8799-4007-876A-6617B70F571A}" dt="2020-12-01T12:45:38.708" v="5002" actId="1035"/>
+          <ac:spMkLst>
+            <pc:docMk/>
+            <pc:sldMk cId="2969362105" sldId="256"/>
+            <ac:spMk id="288" creationId="{39E1C81E-A68E-4CEB-9CF9-CBB38E1EAB9B}"/>
+          </ac:spMkLst>
+        </pc:spChg>
+        <pc:spChg chg="add mod">
+          <ac:chgData name="Fatima Pillosu" userId="a6295d4dc9e22643" providerId="LiveId" clId="{B303C878-8799-4007-876A-6617B70F571A}" dt="2020-12-01T12:45:38.708" v="5002" actId="1035"/>
+          <ac:spMkLst>
+            <pc:docMk/>
+            <pc:sldMk cId="2969362105" sldId="256"/>
+            <ac:spMk id="289" creationId="{44568DC1-CD15-46E3-87EA-EE4DF9225733}"/>
           </ac:spMkLst>
         </pc:spChg>
         <pc:spChg chg="del mod topLvl">
@@ -1567,6 +1991,22 @@
             <ac:spMk id="291" creationId="{31EC7A67-43F6-457F-A2E2-10B7C2D10ED5}"/>
           </ac:spMkLst>
         </pc:spChg>
+        <pc:spChg chg="add mod">
+          <ac:chgData name="Fatima Pillosu" userId="a6295d4dc9e22643" providerId="LiveId" clId="{B303C878-8799-4007-876A-6617B70F571A}" dt="2020-12-01T12:45:38.708" v="5002" actId="1035"/>
+          <ac:spMkLst>
+            <pc:docMk/>
+            <pc:sldMk cId="2969362105" sldId="256"/>
+            <ac:spMk id="291" creationId="{EF5A0844-CEAE-44E8-8196-AC0841D0F512}"/>
+          </ac:spMkLst>
+        </pc:spChg>
+        <pc:spChg chg="add mod">
+          <ac:chgData name="Fatima Pillosu" userId="a6295d4dc9e22643" providerId="LiveId" clId="{B303C878-8799-4007-876A-6617B70F571A}" dt="2020-12-01T12:45:38.708" v="5002" actId="1035"/>
+          <ac:spMkLst>
+            <pc:docMk/>
+            <pc:sldMk cId="2969362105" sldId="256"/>
+            <ac:spMk id="293" creationId="{3741A75E-2684-4285-A509-E6300CDB9DB5}"/>
+          </ac:spMkLst>
+        </pc:spChg>
         <pc:spChg chg="del mod topLvl">
           <ac:chgData name="Fatima Pillosu" userId="a6295d4dc9e22643" providerId="LiveId" clId="{B303C878-8799-4007-876A-6617B70F571A}" dt="2020-12-01T11:10:09.564" v="3469"/>
           <ac:spMkLst>
@@ -1575,6 +2015,22 @@
             <ac:spMk id="293" creationId="{40763979-BB20-4163-86D2-2EADE7494E2E}"/>
           </ac:spMkLst>
         </pc:spChg>
+        <pc:spChg chg="add mod">
+          <ac:chgData name="Fatima Pillosu" userId="a6295d4dc9e22643" providerId="LiveId" clId="{B303C878-8799-4007-876A-6617B70F571A}" dt="2020-12-01T12:45:38.708" v="5002" actId="1035"/>
+          <ac:spMkLst>
+            <pc:docMk/>
+            <pc:sldMk cId="2969362105" sldId="256"/>
+            <ac:spMk id="296" creationId="{E3000998-2486-4D2B-8D55-8590EBA9C3C6}"/>
+          </ac:spMkLst>
+        </pc:spChg>
+        <pc:spChg chg="add mod">
+          <ac:chgData name="Fatima Pillosu" userId="a6295d4dc9e22643" providerId="LiveId" clId="{B303C878-8799-4007-876A-6617B70F571A}" dt="2020-12-01T12:45:38.708" v="5002" actId="1035"/>
+          <ac:spMkLst>
+            <pc:docMk/>
+            <pc:sldMk cId="2969362105" sldId="256"/>
+            <ac:spMk id="297" creationId="{213E6AAA-91CD-49FD-AFFE-16BCD14145CC}"/>
+          </ac:spMkLst>
+        </pc:spChg>
         <pc:spChg chg="del mod topLvl">
           <ac:chgData name="Fatima Pillosu" userId="a6295d4dc9e22643" providerId="LiveId" clId="{B303C878-8799-4007-876A-6617B70F571A}" dt="2020-12-01T11:10:09.564" v="3469"/>
           <ac:spMkLst>
@@ -1583,6 +2039,14 @@
             <ac:spMk id="297" creationId="{5FD1DD5D-B2B2-405C-B53F-DABAF007C75F}"/>
           </ac:spMkLst>
         </pc:spChg>
+        <pc:spChg chg="add mod">
+          <ac:chgData name="Fatima Pillosu" userId="a6295d4dc9e22643" providerId="LiveId" clId="{B303C878-8799-4007-876A-6617B70F571A}" dt="2020-12-01T12:45:38.708" v="5002" actId="1035"/>
+          <ac:spMkLst>
+            <pc:docMk/>
+            <pc:sldMk cId="2969362105" sldId="256"/>
+            <ac:spMk id="299" creationId="{F288CE0E-4305-4ED5-8C12-7025D6988D29}"/>
+          </ac:spMkLst>
+        </pc:spChg>
         <pc:spChg chg="del mod topLvl">
           <ac:chgData name="Fatima Pillosu" userId="a6295d4dc9e22643" providerId="LiveId" clId="{B303C878-8799-4007-876A-6617B70F571A}" dt="2020-12-01T11:10:09.564" v="3469"/>
           <ac:spMkLst>
@@ -1591,6 +2055,30 @@
             <ac:spMk id="300" creationId="{4B06C039-1C8A-4C6A-B16C-53DC354BBE97}"/>
           </ac:spMkLst>
         </pc:spChg>
+        <pc:spChg chg="add mod">
+          <ac:chgData name="Fatima Pillosu" userId="a6295d4dc9e22643" providerId="LiveId" clId="{B303C878-8799-4007-876A-6617B70F571A}" dt="2020-12-01T12:45:38.708" v="5002" actId="1035"/>
+          <ac:spMkLst>
+            <pc:docMk/>
+            <pc:sldMk cId="2969362105" sldId="256"/>
+            <ac:spMk id="300" creationId="{BE8BCFD1-0565-4726-926E-EB852550DD67}"/>
+          </ac:spMkLst>
+        </pc:spChg>
+        <pc:spChg chg="add mod">
+          <ac:chgData name="Fatima Pillosu" userId="a6295d4dc9e22643" providerId="LiveId" clId="{B303C878-8799-4007-876A-6617B70F571A}" dt="2020-12-01T12:45:38.708" v="5002" actId="1035"/>
+          <ac:spMkLst>
+            <pc:docMk/>
+            <pc:sldMk cId="2969362105" sldId="256"/>
+            <ac:spMk id="302" creationId="{D475A319-3FD8-42E1-92AA-B86C5CF7D331}"/>
+          </ac:spMkLst>
+        </pc:spChg>
+        <pc:spChg chg="add mod">
+          <ac:chgData name="Fatima Pillosu" userId="a6295d4dc9e22643" providerId="LiveId" clId="{B303C878-8799-4007-876A-6617B70F571A}" dt="2020-12-01T12:45:38.708" v="5002" actId="1035"/>
+          <ac:spMkLst>
+            <pc:docMk/>
+            <pc:sldMk cId="2969362105" sldId="256"/>
+            <ac:spMk id="303" creationId="{2CD0A760-B455-426E-92D3-424CFEB9061A}"/>
+          </ac:spMkLst>
+        </pc:spChg>
         <pc:spChg chg="del mod topLvl">
           <ac:chgData name="Fatima Pillosu" userId="a6295d4dc9e22643" providerId="LiveId" clId="{B303C878-8799-4007-876A-6617B70F571A}" dt="2020-12-01T11:10:09.564" v="3469"/>
           <ac:spMkLst>
@@ -1599,6 +2087,22 @@
             <ac:spMk id="303" creationId="{50F866E7-DFF9-4B39-96CA-2B5FB90C6BFC}"/>
           </ac:spMkLst>
         </pc:spChg>
+        <pc:spChg chg="add mod">
+          <ac:chgData name="Fatima Pillosu" userId="a6295d4dc9e22643" providerId="LiveId" clId="{B303C878-8799-4007-876A-6617B70F571A}" dt="2020-12-01T12:45:38.708" v="5002" actId="1035"/>
+          <ac:spMkLst>
+            <pc:docMk/>
+            <pc:sldMk cId="2969362105" sldId="256"/>
+            <ac:spMk id="304" creationId="{7946BFAE-6D41-4881-90FF-90669DF705AB}"/>
+          </ac:spMkLst>
+        </pc:spChg>
+        <pc:spChg chg="add mod">
+          <ac:chgData name="Fatima Pillosu" userId="a6295d4dc9e22643" providerId="LiveId" clId="{B303C878-8799-4007-876A-6617B70F571A}" dt="2020-12-01T12:45:38.708" v="5002" actId="1035"/>
+          <ac:spMkLst>
+            <pc:docMk/>
+            <pc:sldMk cId="2969362105" sldId="256"/>
+            <ac:spMk id="305" creationId="{8D629A1A-4260-4B60-B0B1-8770137A14A9}"/>
+          </ac:spMkLst>
+        </pc:spChg>
         <pc:spChg chg="del mod topLvl">
           <ac:chgData name="Fatima Pillosu" userId="a6295d4dc9e22643" providerId="LiveId" clId="{B303C878-8799-4007-876A-6617B70F571A}" dt="2020-12-01T11:10:09.564" v="3469"/>
           <ac:spMkLst>
@@ -1607,6 +2111,22 @@
             <ac:spMk id="306" creationId="{1F2F0735-E5FD-4DEC-B16C-01A79899A46B}"/>
           </ac:spMkLst>
         </pc:spChg>
+        <pc:spChg chg="add mod">
+          <ac:chgData name="Fatima Pillosu" userId="a6295d4dc9e22643" providerId="LiveId" clId="{B303C878-8799-4007-876A-6617B70F571A}" dt="2020-12-01T12:45:38.708" v="5002" actId="1035"/>
+          <ac:spMkLst>
+            <pc:docMk/>
+            <pc:sldMk cId="2969362105" sldId="256"/>
+            <ac:spMk id="306" creationId="{D4E8D277-3A0D-4F86-92C1-7C4F41DB56AE}"/>
+          </ac:spMkLst>
+        </pc:spChg>
+        <pc:spChg chg="add mod">
+          <ac:chgData name="Fatima Pillosu" userId="a6295d4dc9e22643" providerId="LiveId" clId="{B303C878-8799-4007-876A-6617B70F571A}" dt="2020-12-01T12:45:38.708" v="5002" actId="1035"/>
+          <ac:spMkLst>
+            <pc:docMk/>
+            <pc:sldMk cId="2969362105" sldId="256"/>
+            <ac:spMk id="307" creationId="{B49C64FA-A57C-4AAC-9A08-0402CF70623F}"/>
+          </ac:spMkLst>
+        </pc:spChg>
         <pc:spChg chg="del mod topLvl">
           <ac:chgData name="Fatima Pillosu" userId="a6295d4dc9e22643" providerId="LiveId" clId="{B303C878-8799-4007-876A-6617B70F571A}" dt="2020-12-01T11:10:09.564" v="3469"/>
           <ac:spMkLst>
@@ -1623,12 +2143,68 @@
             <ac:spMk id="310" creationId="{79919C8B-6DC1-4CBC-AAAB-A0A4A9FF5B56}"/>
           </ac:spMkLst>
         </pc:spChg>
+        <pc:spChg chg="add mod">
+          <ac:chgData name="Fatima Pillosu" userId="a6295d4dc9e22643" providerId="LiveId" clId="{B303C878-8799-4007-876A-6617B70F571A}" dt="2020-12-01T12:45:38.708" v="5002" actId="1035"/>
+          <ac:spMkLst>
+            <pc:docMk/>
+            <pc:sldMk cId="2969362105" sldId="256"/>
+            <ac:spMk id="311" creationId="{6B3979BA-7712-4709-9029-0DAD87296012}"/>
+          </ac:spMkLst>
+        </pc:spChg>
+        <pc:spChg chg="add mod">
+          <ac:chgData name="Fatima Pillosu" userId="a6295d4dc9e22643" providerId="LiveId" clId="{B303C878-8799-4007-876A-6617B70F571A}" dt="2020-12-01T12:45:38.708" v="5002" actId="1035"/>
+          <ac:spMkLst>
+            <pc:docMk/>
+            <pc:sldMk cId="2969362105" sldId="256"/>
+            <ac:spMk id="312" creationId="{28C140F9-2A51-4962-B89D-BCF674EBA79D}"/>
+          </ac:spMkLst>
+        </pc:spChg>
+        <pc:spChg chg="add mod">
+          <ac:chgData name="Fatima Pillosu" userId="a6295d4dc9e22643" providerId="LiveId" clId="{B303C878-8799-4007-876A-6617B70F571A}" dt="2020-12-01T12:45:38.708" v="5002" actId="1035"/>
+          <ac:spMkLst>
+            <pc:docMk/>
+            <pc:sldMk cId="2969362105" sldId="256"/>
+            <ac:spMk id="313" creationId="{6A2C3AAB-950D-4FFC-8F52-5BD4D0B71C15}"/>
+          </ac:spMkLst>
+        </pc:spChg>
         <pc:spChg chg="del mod topLvl">
           <ac:chgData name="Fatima Pillosu" userId="a6295d4dc9e22643" providerId="LiveId" clId="{B303C878-8799-4007-876A-6617B70F571A}" dt="2020-12-01T11:10:09.564" v="3469"/>
           <ac:spMkLst>
             <pc:docMk/>
             <pc:sldMk cId="2969362105" sldId="256"/>
             <ac:spMk id="314" creationId="{3760AB98-B2C5-4E98-911F-CAE1838608DC}"/>
+          </ac:spMkLst>
+        </pc:spChg>
+        <pc:spChg chg="add mod">
+          <ac:chgData name="Fatima Pillosu" userId="a6295d4dc9e22643" providerId="LiveId" clId="{B303C878-8799-4007-876A-6617B70F571A}" dt="2020-12-01T12:45:38.708" v="5002" actId="1035"/>
+          <ac:spMkLst>
+            <pc:docMk/>
+            <pc:sldMk cId="2969362105" sldId="256"/>
+            <ac:spMk id="314" creationId="{D4CCE2B4-693F-4FDC-88F0-3DE487922A31}"/>
+          </ac:spMkLst>
+        </pc:spChg>
+        <pc:spChg chg="add mod">
+          <ac:chgData name="Fatima Pillosu" userId="a6295d4dc9e22643" providerId="LiveId" clId="{B303C878-8799-4007-876A-6617B70F571A}" dt="2020-12-01T12:45:38.708" v="5002" actId="1035"/>
+          <ac:spMkLst>
+            <pc:docMk/>
+            <pc:sldMk cId="2969362105" sldId="256"/>
+            <ac:spMk id="315" creationId="{AB04B315-11F6-42A6-8270-B4B7D5915257}"/>
+          </ac:spMkLst>
+        </pc:spChg>
+        <pc:spChg chg="add mod">
+          <ac:chgData name="Fatima Pillosu" userId="a6295d4dc9e22643" providerId="LiveId" clId="{B303C878-8799-4007-876A-6617B70F571A}" dt="2020-12-01T12:45:38.708" v="5002" actId="1035"/>
+          <ac:spMkLst>
+            <pc:docMk/>
+            <pc:sldMk cId="2969362105" sldId="256"/>
+            <ac:spMk id="316" creationId="{F7A72E84-50FD-4F8C-B003-B9FC56519677}"/>
+          </ac:spMkLst>
+        </pc:spChg>
+        <pc:spChg chg="add mod">
+          <ac:chgData name="Fatima Pillosu" userId="a6295d4dc9e22643" providerId="LiveId" clId="{B303C878-8799-4007-876A-6617B70F571A}" dt="2020-12-01T12:45:38.708" v="5002" actId="1035"/>
+          <ac:spMkLst>
+            <pc:docMk/>
+            <pc:sldMk cId="2969362105" sldId="256"/>
+            <ac:spMk id="318" creationId="{037BB11E-BD44-433F-9B5E-7B0A0950D260}"/>
           </ac:spMkLst>
         </pc:spChg>
         <pc:spChg chg="del mod topLvl">
@@ -3823,6 +4399,14 @@
             <ac:cxnSpMk id="90" creationId="{212D681E-BA23-4476-B59A-7CBA0D99029A}"/>
           </ac:cxnSpMkLst>
         </pc:cxnChg>
+        <pc:cxnChg chg="add del mod">
+          <ac:chgData name="Fatima Pillosu" userId="a6295d4dc9e22643" providerId="LiveId" clId="{B303C878-8799-4007-876A-6617B70F571A}" dt="2020-12-01T12:44:06.256" v="4985" actId="478"/>
+          <ac:cxnSpMkLst>
+            <pc:docMk/>
+            <pc:sldMk cId="2969362105" sldId="256"/>
+            <ac:cxnSpMk id="94" creationId="{034CECD3-2CB2-4016-A3F1-70BCE1335DDF}"/>
+          </ac:cxnSpMkLst>
+        </pc:cxnChg>
         <pc:cxnChg chg="add mod">
           <ac:chgData name="Fatima Pillosu" userId="a6295d4dc9e22643" providerId="LiveId" clId="{B303C878-8799-4007-876A-6617B70F571A}" dt="2020-12-01T11:02:42.092" v="3318" actId="164"/>
           <ac:cxnSpMkLst>
@@ -3831,6 +4415,14 @@
             <ac:cxnSpMk id="94" creationId="{9079A1A3-9724-4182-8B7F-CBB46DDFA37C}"/>
           </ac:cxnSpMkLst>
         </pc:cxnChg>
+        <pc:cxnChg chg="add del mod">
+          <ac:chgData name="Fatima Pillosu" userId="a6295d4dc9e22643" providerId="LiveId" clId="{B303C878-8799-4007-876A-6617B70F571A}" dt="2020-12-01T12:44:26.967" v="4989" actId="11529"/>
+          <ac:cxnSpMkLst>
+            <pc:docMk/>
+            <pc:sldMk cId="2969362105" sldId="256"/>
+            <ac:cxnSpMk id="96" creationId="{B007BF82-9226-45DE-B12E-8758A861CBAA}"/>
+          </ac:cxnSpMkLst>
+        </pc:cxnChg>
         <pc:cxnChg chg="add mod">
           <ac:chgData name="Fatima Pillosu" userId="a6295d4dc9e22643" providerId="LiveId" clId="{B303C878-8799-4007-876A-6617B70F571A}" dt="2020-12-01T11:03:18.941" v="3324" actId="164"/>
           <ac:cxnSpMkLst>
@@ -3839,6 +4431,14 @@
             <ac:cxnSpMk id="96" creationId="{CB3A8C3E-3AE2-4A9F-8B5C-136F40A63179}"/>
           </ac:cxnSpMkLst>
         </pc:cxnChg>
+        <pc:cxnChg chg="add del mod">
+          <ac:chgData name="Fatima Pillosu" userId="a6295d4dc9e22643" providerId="LiveId" clId="{B303C878-8799-4007-876A-6617B70F571A}" dt="2020-12-01T12:45:19.314" v="4995" actId="478"/>
+          <ac:cxnSpMkLst>
+            <pc:docMk/>
+            <pc:sldMk cId="2969362105" sldId="256"/>
+            <ac:cxnSpMk id="98" creationId="{B67C5B9D-1DC4-4DB2-8029-1BDF031A646A}"/>
+          </ac:cxnSpMkLst>
+        </pc:cxnChg>
         <pc:cxnChg chg="add mod">
           <ac:chgData name="Fatima Pillosu" userId="a6295d4dc9e22643" providerId="LiveId" clId="{B303C878-8799-4007-876A-6617B70F571A}" dt="2020-12-01T10:09:27.068" v="2089" actId="164"/>
           <ac:cxnSpMkLst>
@@ -3903,6 +4503,14 @@
             <ac:cxnSpMk id="141" creationId="{A1992A13-41AA-4ECF-8742-630248A70211}"/>
           </ac:cxnSpMkLst>
         </pc:cxnChg>
+        <pc:cxnChg chg="add del mod">
+          <ac:chgData name="Fatima Pillosu" userId="a6295d4dc9e22643" providerId="LiveId" clId="{B303C878-8799-4007-876A-6617B70F571A}" dt="2020-12-01T12:44:29.607" v="4990"/>
+          <ac:cxnSpMkLst>
+            <pc:docMk/>
+            <pc:sldMk cId="2969362105" sldId="256"/>
+            <ac:cxnSpMk id="143" creationId="{56140FDA-BA54-49D7-8681-70AF409971B6}"/>
+          </ac:cxnSpMkLst>
+        </pc:cxnChg>
         <pc:cxnChg chg="add del">
           <ac:chgData name="Fatima Pillosu" userId="a6295d4dc9e22643" providerId="LiveId" clId="{B303C878-8799-4007-876A-6617B70F571A}" dt="2020-12-01T12:08:58.283" v="4467"/>
           <ac:cxnSpMkLst>
@@ -3959,6 +4567,14 @@
             <ac:cxnSpMk id="153" creationId="{7B513F90-4F34-4896-A4B6-FBE861FDD3DE}"/>
           </ac:cxnSpMkLst>
         </pc:cxnChg>
+        <pc:cxnChg chg="add del mod">
+          <ac:chgData name="Fatima Pillosu" userId="a6295d4dc9e22643" providerId="LiveId" clId="{B303C878-8799-4007-876A-6617B70F571A}" dt="2020-12-01T12:45:21.654" v="4996"/>
+          <ac:cxnSpMkLst>
+            <pc:docMk/>
+            <pc:sldMk cId="2969362105" sldId="256"/>
+            <ac:cxnSpMk id="155" creationId="{6F1E00B9-43FD-45FC-B3F2-10F2566006AE}"/>
+          </ac:cxnSpMkLst>
+        </pc:cxnChg>
         <pc:cxnChg chg="add del">
           <ac:chgData name="Fatima Pillosu" userId="a6295d4dc9e22643" providerId="LiveId" clId="{B303C878-8799-4007-876A-6617B70F571A}" dt="2020-12-01T12:08:58.283" v="4467"/>
           <ac:cxnSpMkLst>
@@ -3967,6 +4583,14 @@
             <ac:cxnSpMk id="157" creationId="{5824398D-B0F1-4D85-AD46-DA6A9030426A}"/>
           </ac:cxnSpMkLst>
         </pc:cxnChg>
+        <pc:cxnChg chg="add del mod">
+          <ac:chgData name="Fatima Pillosu" userId="a6295d4dc9e22643" providerId="LiveId" clId="{B303C878-8799-4007-876A-6617B70F571A}" dt="2020-12-01T12:45:21.654" v="4996"/>
+          <ac:cxnSpMkLst>
+            <pc:docMk/>
+            <pc:sldMk cId="2969362105" sldId="256"/>
+            <ac:cxnSpMk id="158" creationId="{C25AB4A1-D656-4A89-A5FF-737A99960884}"/>
+          </ac:cxnSpMkLst>
+        </pc:cxnChg>
         <pc:cxnChg chg="add del">
           <ac:chgData name="Fatima Pillosu" userId="a6295d4dc9e22643" providerId="LiveId" clId="{B303C878-8799-4007-876A-6617B70F571A}" dt="2020-12-01T12:08:58.283" v="4467"/>
           <ac:cxnSpMkLst>
@@ -3975,6 +4599,14 @@
             <ac:cxnSpMk id="161" creationId="{9586AE05-067E-4FB8-91A6-AF5047F34D44}"/>
           </ac:cxnSpMkLst>
         </pc:cxnChg>
+        <pc:cxnChg chg="add del mod">
+          <ac:chgData name="Fatima Pillosu" userId="a6295d4dc9e22643" providerId="LiveId" clId="{B303C878-8799-4007-876A-6617B70F571A}" dt="2020-12-01T12:45:21.654" v="4996"/>
+          <ac:cxnSpMkLst>
+            <pc:docMk/>
+            <pc:sldMk cId="2969362105" sldId="256"/>
+            <ac:cxnSpMk id="162" creationId="{8A367163-853A-46C0-9627-B4CC714E4C7F}"/>
+          </ac:cxnSpMkLst>
+        </pc:cxnChg>
         <pc:cxnChg chg="add del">
           <ac:chgData name="Fatima Pillosu" userId="a6295d4dc9e22643" providerId="LiveId" clId="{B303C878-8799-4007-876A-6617B70F571A}" dt="2020-12-01T12:08:58.283" v="4467"/>
           <ac:cxnSpMkLst>
@@ -3991,6 +4623,14 @@
             <ac:cxnSpMk id="164" creationId="{23C32907-A14E-4338-AC03-1168C2F388CE}"/>
           </ac:cxnSpMkLst>
         </pc:cxnChg>
+        <pc:cxnChg chg="add del mod">
+          <ac:chgData name="Fatima Pillosu" userId="a6295d4dc9e22643" providerId="LiveId" clId="{B303C878-8799-4007-876A-6617B70F571A}" dt="2020-12-01T12:45:21.654" v="4996"/>
+          <ac:cxnSpMkLst>
+            <pc:docMk/>
+            <pc:sldMk cId="2969362105" sldId="256"/>
+            <ac:cxnSpMk id="164" creationId="{3B4D0C1C-958B-44A8-B487-71CDD9851DE1}"/>
+          </ac:cxnSpMkLst>
+        </pc:cxnChg>
         <pc:cxnChg chg="add del">
           <ac:chgData name="Fatima Pillosu" userId="a6295d4dc9e22643" providerId="LiveId" clId="{B303C878-8799-4007-876A-6617B70F571A}" dt="2020-12-01T12:08:58.283" v="4467"/>
           <ac:cxnSpMkLst>
@@ -3999,6 +4639,14 @@
             <ac:cxnSpMk id="167" creationId="{95F8D30A-F074-49F9-B9BE-C7129FD1B87B}"/>
           </ac:cxnSpMkLst>
         </pc:cxnChg>
+        <pc:cxnChg chg="add del mod">
+          <ac:chgData name="Fatima Pillosu" userId="a6295d4dc9e22643" providerId="LiveId" clId="{B303C878-8799-4007-876A-6617B70F571A}" dt="2020-12-01T12:45:21.654" v="4996"/>
+          <ac:cxnSpMkLst>
+            <pc:docMk/>
+            <pc:sldMk cId="2969362105" sldId="256"/>
+            <ac:cxnSpMk id="167" creationId="{A172D884-7DB9-4C2F-A720-9A100BD4C2B6}"/>
+          </ac:cxnSpMkLst>
+        </pc:cxnChg>
         <pc:cxnChg chg="add del">
           <ac:chgData name="Fatima Pillosu" userId="a6295d4dc9e22643" providerId="LiveId" clId="{B303C878-8799-4007-876A-6617B70F571A}" dt="2020-12-01T12:08:58.283" v="4467"/>
           <ac:cxnSpMkLst>
@@ -4007,6 +4655,54 @@
             <ac:cxnSpMk id="170" creationId="{50CD2F7C-336B-4D69-8E1C-594D335127E0}"/>
           </ac:cxnSpMkLst>
         </pc:cxnChg>
+        <pc:cxnChg chg="add del mod">
+          <ac:chgData name="Fatima Pillosu" userId="a6295d4dc9e22643" providerId="LiveId" clId="{B303C878-8799-4007-876A-6617B70F571A}" dt="2020-12-01T12:45:21.654" v="4996"/>
+          <ac:cxnSpMkLst>
+            <pc:docMk/>
+            <pc:sldMk cId="2969362105" sldId="256"/>
+            <ac:cxnSpMk id="170" creationId="{90A9A002-0E15-4E46-A204-191E27AC57DC}"/>
+          </ac:cxnSpMkLst>
+        </pc:cxnChg>
+        <pc:cxnChg chg="add del mod">
+          <ac:chgData name="Fatima Pillosu" userId="a6295d4dc9e22643" providerId="LiveId" clId="{B303C878-8799-4007-876A-6617B70F571A}" dt="2020-12-01T12:45:21.654" v="4996"/>
+          <ac:cxnSpMkLst>
+            <pc:docMk/>
+            <pc:sldMk cId="2969362105" sldId="256"/>
+            <ac:cxnSpMk id="171" creationId="{613213ED-F68F-43DC-BC04-A8262AC781F2}"/>
+          </ac:cxnSpMkLst>
+        </pc:cxnChg>
+        <pc:cxnChg chg="add del mod">
+          <ac:chgData name="Fatima Pillosu" userId="a6295d4dc9e22643" providerId="LiveId" clId="{B303C878-8799-4007-876A-6617B70F571A}" dt="2020-12-01T12:45:21.654" v="4996"/>
+          <ac:cxnSpMkLst>
+            <pc:docMk/>
+            <pc:sldMk cId="2969362105" sldId="256"/>
+            <ac:cxnSpMk id="173" creationId="{41FA12CA-7246-44B1-88A9-20FAD675B962}"/>
+          </ac:cxnSpMkLst>
+        </pc:cxnChg>
+        <pc:cxnChg chg="add del mod">
+          <ac:chgData name="Fatima Pillosu" userId="a6295d4dc9e22643" providerId="LiveId" clId="{B303C878-8799-4007-876A-6617B70F571A}" dt="2020-12-01T12:45:21.654" v="4996"/>
+          <ac:cxnSpMkLst>
+            <pc:docMk/>
+            <pc:sldMk cId="2969362105" sldId="256"/>
+            <ac:cxnSpMk id="174" creationId="{A3AEF9CA-636F-4F49-A04B-6995B1DA4BEF}"/>
+          </ac:cxnSpMkLst>
+        </pc:cxnChg>
+        <pc:cxnChg chg="add del mod">
+          <ac:chgData name="Fatima Pillosu" userId="a6295d4dc9e22643" providerId="LiveId" clId="{B303C878-8799-4007-876A-6617B70F571A}" dt="2020-12-01T12:45:21.654" v="4996"/>
+          <ac:cxnSpMkLst>
+            <pc:docMk/>
+            <pc:sldMk cId="2969362105" sldId="256"/>
+            <ac:cxnSpMk id="175" creationId="{EBA899BA-0448-4F28-BB5C-2798482E9BCE}"/>
+          </ac:cxnSpMkLst>
+        </pc:cxnChg>
+        <pc:cxnChg chg="add del mod">
+          <ac:chgData name="Fatima Pillosu" userId="a6295d4dc9e22643" providerId="LiveId" clId="{B303C878-8799-4007-876A-6617B70F571A}" dt="2020-12-01T12:45:21.654" v="4996"/>
+          <ac:cxnSpMkLst>
+            <pc:docMk/>
+            <pc:sldMk cId="2969362105" sldId="256"/>
+            <ac:cxnSpMk id="177" creationId="{E92A98E2-F096-4CA0-9927-CF8F788F4AF0}"/>
+          </ac:cxnSpMkLst>
+        </pc:cxnChg>
         <pc:cxnChg chg="add del">
           <ac:chgData name="Fatima Pillosu" userId="a6295d4dc9e22643" providerId="LiveId" clId="{B303C878-8799-4007-876A-6617B70F571A}" dt="2020-12-01T12:08:58.283" v="4467"/>
           <ac:cxnSpMkLst>
@@ -4023,6 +4719,14 @@
             <ac:cxnSpMk id="180" creationId="{121D4550-ED80-4FDB-BE53-5CF80AE02223}"/>
           </ac:cxnSpMkLst>
         </pc:cxnChg>
+        <pc:cxnChg chg="add del mod">
+          <ac:chgData name="Fatima Pillosu" userId="a6295d4dc9e22643" providerId="LiveId" clId="{B303C878-8799-4007-876A-6617B70F571A}" dt="2020-12-01T12:45:21.654" v="4996"/>
+          <ac:cxnSpMkLst>
+            <pc:docMk/>
+            <pc:sldMk cId="2969362105" sldId="256"/>
+            <ac:cxnSpMk id="181" creationId="{36FC9C44-BAEE-4336-AACD-D0F5E247AE46}"/>
+          </ac:cxnSpMkLst>
+        </pc:cxnChg>
         <pc:cxnChg chg="add del">
           <ac:chgData name="Fatima Pillosu" userId="a6295d4dc9e22643" providerId="LiveId" clId="{B303C878-8799-4007-876A-6617B70F571A}" dt="2020-12-01T12:08:58.283" v="4467"/>
           <ac:cxnSpMkLst>
@@ -4031,56 +4735,56 @@
             <ac:cxnSpMk id="181" creationId="{64C5F518-2DEA-44D0-8306-2E0F8E899304}"/>
           </ac:cxnSpMkLst>
         </pc:cxnChg>
-        <pc:cxnChg chg="add mod">
-          <ac:chgData name="Fatima Pillosu" userId="a6295d4dc9e22643" providerId="LiveId" clId="{B303C878-8799-4007-876A-6617B70F571A}" dt="2020-12-01T12:09:15.747" v="4474" actId="1038"/>
+        <pc:cxnChg chg="add del mod">
+          <ac:chgData name="Fatima Pillosu" userId="a6295d4dc9e22643" providerId="LiveId" clId="{B303C878-8799-4007-876A-6617B70F571A}" dt="2020-12-01T12:44:29.607" v="4990"/>
           <ac:cxnSpMkLst>
             <pc:docMk/>
             <pc:sldMk cId="2969362105" sldId="256"/>
             <ac:cxnSpMk id="182" creationId="{E9029CBA-5931-4EA3-B709-3C3824305408}"/>
           </ac:cxnSpMkLst>
         </pc:cxnChg>
-        <pc:cxnChg chg="add mod">
-          <ac:chgData name="Fatima Pillosu" userId="a6295d4dc9e22643" providerId="LiveId" clId="{B303C878-8799-4007-876A-6617B70F571A}" dt="2020-12-01T12:09:15.747" v="4474" actId="1038"/>
+        <pc:cxnChg chg="add del mod">
+          <ac:chgData name="Fatima Pillosu" userId="a6295d4dc9e22643" providerId="LiveId" clId="{B303C878-8799-4007-876A-6617B70F571A}" dt="2020-12-01T12:44:29.607" v="4990"/>
           <ac:cxnSpMkLst>
             <pc:docMk/>
             <pc:sldMk cId="2969362105" sldId="256"/>
             <ac:cxnSpMk id="186" creationId="{AA4CB908-A9FE-49FC-BAA3-65CB70C74B46}"/>
           </ac:cxnSpMkLst>
         </pc:cxnChg>
-        <pc:cxnChg chg="add mod">
-          <ac:chgData name="Fatima Pillosu" userId="a6295d4dc9e22643" providerId="LiveId" clId="{B303C878-8799-4007-876A-6617B70F571A}" dt="2020-12-01T12:09:15.747" v="4474" actId="1038"/>
+        <pc:cxnChg chg="add del mod">
+          <ac:chgData name="Fatima Pillosu" userId="a6295d4dc9e22643" providerId="LiveId" clId="{B303C878-8799-4007-876A-6617B70F571A}" dt="2020-12-01T12:44:29.607" v="4990"/>
           <ac:cxnSpMkLst>
             <pc:docMk/>
             <pc:sldMk cId="2969362105" sldId="256"/>
             <ac:cxnSpMk id="190" creationId="{3524CCF5-A45E-4278-8F6B-77D15132D3BC}"/>
           </ac:cxnSpMkLst>
         </pc:cxnChg>
-        <pc:cxnChg chg="add mod">
-          <ac:chgData name="Fatima Pillosu" userId="a6295d4dc9e22643" providerId="LiveId" clId="{B303C878-8799-4007-876A-6617B70F571A}" dt="2020-12-01T12:09:15.747" v="4474" actId="1038"/>
+        <pc:cxnChg chg="add del mod">
+          <ac:chgData name="Fatima Pillosu" userId="a6295d4dc9e22643" providerId="LiveId" clId="{B303C878-8799-4007-876A-6617B70F571A}" dt="2020-12-01T12:44:29.607" v="4990"/>
           <ac:cxnSpMkLst>
             <pc:docMk/>
             <pc:sldMk cId="2969362105" sldId="256"/>
             <ac:cxnSpMk id="192" creationId="{B473CF8F-6559-47EA-9E66-A28BCE36BFB7}"/>
           </ac:cxnSpMkLst>
         </pc:cxnChg>
-        <pc:cxnChg chg="add mod">
-          <ac:chgData name="Fatima Pillosu" userId="a6295d4dc9e22643" providerId="LiveId" clId="{B303C878-8799-4007-876A-6617B70F571A}" dt="2020-12-01T12:09:15.747" v="4474" actId="1038"/>
+        <pc:cxnChg chg="add del mod">
+          <ac:chgData name="Fatima Pillosu" userId="a6295d4dc9e22643" providerId="LiveId" clId="{B303C878-8799-4007-876A-6617B70F571A}" dt="2020-12-01T12:44:29.607" v="4990"/>
           <ac:cxnSpMkLst>
             <pc:docMk/>
             <pc:sldMk cId="2969362105" sldId="256"/>
             <ac:cxnSpMk id="195" creationId="{DB6B199D-381C-471E-8376-137993F1ABAE}"/>
           </ac:cxnSpMkLst>
         </pc:cxnChg>
-        <pc:cxnChg chg="add mod">
-          <ac:chgData name="Fatima Pillosu" userId="a6295d4dc9e22643" providerId="LiveId" clId="{B303C878-8799-4007-876A-6617B70F571A}" dt="2020-12-01T12:09:15.747" v="4474" actId="1038"/>
+        <pc:cxnChg chg="add del mod">
+          <ac:chgData name="Fatima Pillosu" userId="a6295d4dc9e22643" providerId="LiveId" clId="{B303C878-8799-4007-876A-6617B70F571A}" dt="2020-12-01T12:44:29.607" v="4990"/>
           <ac:cxnSpMkLst>
             <pc:docMk/>
             <pc:sldMk cId="2969362105" sldId="256"/>
             <ac:cxnSpMk id="198" creationId="{9595FAE8-5BA4-4AE1-99DF-6976A14D4918}"/>
           </ac:cxnSpMkLst>
         </pc:cxnChg>
-        <pc:cxnChg chg="add mod">
-          <ac:chgData name="Fatima Pillosu" userId="a6295d4dc9e22643" providerId="LiveId" clId="{B303C878-8799-4007-876A-6617B70F571A}" dt="2020-12-01T12:09:15.747" v="4474" actId="1038"/>
+        <pc:cxnChg chg="add del mod">
+          <ac:chgData name="Fatima Pillosu" userId="a6295d4dc9e22643" providerId="LiveId" clId="{B303C878-8799-4007-876A-6617B70F571A}" dt="2020-12-01T12:44:29.607" v="4990"/>
           <ac:cxnSpMkLst>
             <pc:docMk/>
             <pc:sldMk cId="2969362105" sldId="256"/>
@@ -4095,24 +4799,24 @@
             <ac:cxnSpMk id="200" creationId="{00A9E7F2-F16A-49B6-BB11-513CA537F936}"/>
           </ac:cxnSpMkLst>
         </pc:cxnChg>
-        <pc:cxnChg chg="add mod">
-          <ac:chgData name="Fatima Pillosu" userId="a6295d4dc9e22643" providerId="LiveId" clId="{B303C878-8799-4007-876A-6617B70F571A}" dt="2020-12-01T12:09:15.747" v="4474" actId="1038"/>
+        <pc:cxnChg chg="add del mod">
+          <ac:chgData name="Fatima Pillosu" userId="a6295d4dc9e22643" providerId="LiveId" clId="{B303C878-8799-4007-876A-6617B70F571A}" dt="2020-12-01T12:44:29.607" v="4990"/>
           <ac:cxnSpMkLst>
             <pc:docMk/>
             <pc:sldMk cId="2969362105" sldId="256"/>
             <ac:cxnSpMk id="201" creationId="{D522DD08-5E6D-4F50-808B-45A35824C20D}"/>
           </ac:cxnSpMkLst>
         </pc:cxnChg>
-        <pc:cxnChg chg="add mod">
-          <ac:chgData name="Fatima Pillosu" userId="a6295d4dc9e22643" providerId="LiveId" clId="{B303C878-8799-4007-876A-6617B70F571A}" dt="2020-12-01T12:09:15.747" v="4474" actId="1038"/>
+        <pc:cxnChg chg="add del mod">
+          <ac:chgData name="Fatima Pillosu" userId="a6295d4dc9e22643" providerId="LiveId" clId="{B303C878-8799-4007-876A-6617B70F571A}" dt="2020-12-01T12:44:29.607" v="4990"/>
           <ac:cxnSpMkLst>
             <pc:docMk/>
             <pc:sldMk cId="2969362105" sldId="256"/>
             <ac:cxnSpMk id="202" creationId="{372BC6DD-CE10-4A57-93DB-D7D6A12D5174}"/>
           </ac:cxnSpMkLst>
         </pc:cxnChg>
-        <pc:cxnChg chg="add mod">
-          <ac:chgData name="Fatima Pillosu" userId="a6295d4dc9e22643" providerId="LiveId" clId="{B303C878-8799-4007-876A-6617B70F571A}" dt="2020-12-01T12:09:15.747" v="4474" actId="1038"/>
+        <pc:cxnChg chg="add del mod">
+          <ac:chgData name="Fatima Pillosu" userId="a6295d4dc9e22643" providerId="LiveId" clId="{B303C878-8799-4007-876A-6617B70F571A}" dt="2020-12-01T12:44:29.607" v="4990"/>
           <ac:cxnSpMkLst>
             <pc:docMk/>
             <pc:sldMk cId="2969362105" sldId="256"/>
@@ -4127,16 +4831,16 @@
             <ac:cxnSpMk id="203" creationId="{F9545F13-E39E-4A68-9E62-DE3A4FD499F9}"/>
           </ac:cxnSpMkLst>
         </pc:cxnChg>
-        <pc:cxnChg chg="add mod">
-          <ac:chgData name="Fatima Pillosu" userId="a6295d4dc9e22643" providerId="LiveId" clId="{B303C878-8799-4007-876A-6617B70F571A}" dt="2020-12-01T12:09:15.747" v="4474" actId="1038"/>
+        <pc:cxnChg chg="add del mod">
+          <ac:chgData name="Fatima Pillosu" userId="a6295d4dc9e22643" providerId="LiveId" clId="{B303C878-8799-4007-876A-6617B70F571A}" dt="2020-12-01T12:44:29.607" v="4990"/>
           <ac:cxnSpMkLst>
             <pc:docMk/>
             <pc:sldMk cId="2969362105" sldId="256"/>
             <ac:cxnSpMk id="205" creationId="{12FD9522-509B-4251-A316-B74D00264B8E}"/>
           </ac:cxnSpMkLst>
         </pc:cxnChg>
-        <pc:cxnChg chg="add mod">
-          <ac:chgData name="Fatima Pillosu" userId="a6295d4dc9e22643" providerId="LiveId" clId="{B303C878-8799-4007-876A-6617B70F571A}" dt="2020-12-01T12:09:15.747" v="4474" actId="1038"/>
+        <pc:cxnChg chg="add del mod">
+          <ac:chgData name="Fatima Pillosu" userId="a6295d4dc9e22643" providerId="LiveId" clId="{B303C878-8799-4007-876A-6617B70F571A}" dt="2020-12-01T12:13:21.722" v="4476" actId="478"/>
           <ac:cxnSpMkLst>
             <pc:docMk/>
             <pc:sldMk cId="2969362105" sldId="256"/>
@@ -4151,8 +4855,8 @@
             <ac:cxnSpMk id="208" creationId="{4EADE71B-342A-4946-9820-C7E13EA0D64A}"/>
           </ac:cxnSpMkLst>
         </pc:cxnChg>
-        <pc:cxnChg chg="add mod">
-          <ac:chgData name="Fatima Pillosu" userId="a6295d4dc9e22643" providerId="LiveId" clId="{B303C878-8799-4007-876A-6617B70F571A}" dt="2020-12-01T12:09:15.747" v="4474" actId="1038"/>
+        <pc:cxnChg chg="add del mod">
+          <ac:chgData name="Fatima Pillosu" userId="a6295d4dc9e22643" providerId="LiveId" clId="{B303C878-8799-4007-876A-6617B70F571A}" dt="2020-12-01T12:44:29.607" v="4990"/>
           <ac:cxnSpMkLst>
             <pc:docMk/>
             <pc:sldMk cId="2969362105" sldId="256"/>
@@ -4167,40 +4871,40 @@
             <ac:cxnSpMk id="213" creationId="{697631CD-0C50-41E0-803B-61AE878ABFEA}"/>
           </ac:cxnSpMkLst>
         </pc:cxnChg>
-        <pc:cxnChg chg="add mod">
-          <ac:chgData name="Fatima Pillosu" userId="a6295d4dc9e22643" providerId="LiveId" clId="{B303C878-8799-4007-876A-6617B70F571A}" dt="2020-12-01T12:09:15.747" v="4474" actId="1038"/>
+        <pc:cxnChg chg="add del mod">
+          <ac:chgData name="Fatima Pillosu" userId="a6295d4dc9e22643" providerId="LiveId" clId="{B303C878-8799-4007-876A-6617B70F571A}" dt="2020-12-01T12:44:29.607" v="4990"/>
           <ac:cxnSpMkLst>
             <pc:docMk/>
             <pc:sldMk cId="2969362105" sldId="256"/>
             <ac:cxnSpMk id="215" creationId="{06D8099D-10BA-4420-9F4C-0200EC15FC29}"/>
           </ac:cxnSpMkLst>
         </pc:cxnChg>
-        <pc:cxnChg chg="add mod">
-          <ac:chgData name="Fatima Pillosu" userId="a6295d4dc9e22643" providerId="LiveId" clId="{B303C878-8799-4007-876A-6617B70F571A}" dt="2020-12-01T12:09:15.747" v="4474" actId="1038"/>
+        <pc:cxnChg chg="add del mod">
+          <ac:chgData name="Fatima Pillosu" userId="a6295d4dc9e22643" providerId="LiveId" clId="{B303C878-8799-4007-876A-6617B70F571A}" dt="2020-12-01T12:44:29.607" v="4990"/>
           <ac:cxnSpMkLst>
             <pc:docMk/>
             <pc:sldMk cId="2969362105" sldId="256"/>
             <ac:cxnSpMk id="217" creationId="{5565A209-3D07-4BB7-9BA1-2C9F5064D220}"/>
           </ac:cxnSpMkLst>
         </pc:cxnChg>
-        <pc:cxnChg chg="add mod">
-          <ac:chgData name="Fatima Pillosu" userId="a6295d4dc9e22643" providerId="LiveId" clId="{B303C878-8799-4007-876A-6617B70F571A}" dt="2020-12-01T12:09:15.747" v="4474" actId="1038"/>
+        <pc:cxnChg chg="add del mod">
+          <ac:chgData name="Fatima Pillosu" userId="a6295d4dc9e22643" providerId="LiveId" clId="{B303C878-8799-4007-876A-6617B70F571A}" dt="2020-12-01T12:44:29.607" v="4990"/>
           <ac:cxnSpMkLst>
             <pc:docMk/>
             <pc:sldMk cId="2969362105" sldId="256"/>
             <ac:cxnSpMk id="218" creationId="{0FE2EEEF-1CBA-46EA-A621-FB5EB3B95F78}"/>
           </ac:cxnSpMkLst>
         </pc:cxnChg>
-        <pc:cxnChg chg="add mod">
-          <ac:chgData name="Fatima Pillosu" userId="a6295d4dc9e22643" providerId="LiveId" clId="{B303C878-8799-4007-876A-6617B70F571A}" dt="2020-12-01T12:09:15.747" v="4474" actId="1038"/>
+        <pc:cxnChg chg="add del mod">
+          <ac:chgData name="Fatima Pillosu" userId="a6295d4dc9e22643" providerId="LiveId" clId="{B303C878-8799-4007-876A-6617B70F571A}" dt="2020-12-01T12:44:29.607" v="4990"/>
           <ac:cxnSpMkLst>
             <pc:docMk/>
             <pc:sldMk cId="2969362105" sldId="256"/>
             <ac:cxnSpMk id="221" creationId="{F8B27E64-BB2E-4B14-8ABC-8774749F5A43}"/>
           </ac:cxnSpMkLst>
         </pc:cxnChg>
-        <pc:cxnChg chg="add mod">
-          <ac:chgData name="Fatima Pillosu" userId="a6295d4dc9e22643" providerId="LiveId" clId="{B303C878-8799-4007-876A-6617B70F571A}" dt="2020-12-01T12:09:15.747" v="4474" actId="1038"/>
+        <pc:cxnChg chg="add del mod">
+          <ac:chgData name="Fatima Pillosu" userId="a6295d4dc9e22643" providerId="LiveId" clId="{B303C878-8799-4007-876A-6617B70F571A}" dt="2020-12-01T12:44:29.607" v="4990"/>
           <ac:cxnSpMkLst>
             <pc:docMk/>
             <pc:sldMk cId="2969362105" sldId="256"/>
@@ -4215,16 +4919,16 @@
             <ac:cxnSpMk id="228" creationId="{00236F43-75E4-4592-BEFF-BBE995F31C96}"/>
           </ac:cxnSpMkLst>
         </pc:cxnChg>
-        <pc:cxnChg chg="add mod">
-          <ac:chgData name="Fatima Pillosu" userId="a6295d4dc9e22643" providerId="LiveId" clId="{B303C878-8799-4007-876A-6617B70F571A}" dt="2020-12-01T12:09:15.747" v="4474" actId="1038"/>
+        <pc:cxnChg chg="add del mod">
+          <ac:chgData name="Fatima Pillosu" userId="a6295d4dc9e22643" providerId="LiveId" clId="{B303C878-8799-4007-876A-6617B70F571A}" dt="2020-12-01T12:44:29.607" v="4990"/>
           <ac:cxnSpMkLst>
             <pc:docMk/>
             <pc:sldMk cId="2969362105" sldId="256"/>
             <ac:cxnSpMk id="233" creationId="{E7FD80BE-2A8A-4781-AB87-D4AD95BD366C}"/>
           </ac:cxnSpMkLst>
         </pc:cxnChg>
-        <pc:cxnChg chg="add mod">
-          <ac:chgData name="Fatima Pillosu" userId="a6295d4dc9e22643" providerId="LiveId" clId="{B303C878-8799-4007-876A-6617B70F571A}" dt="2020-12-01T12:09:15.747" v="4474" actId="1038"/>
+        <pc:cxnChg chg="add del mod">
+          <ac:chgData name="Fatima Pillosu" userId="a6295d4dc9e22643" providerId="LiveId" clId="{B303C878-8799-4007-876A-6617B70F571A}" dt="2020-12-01T12:44:29.607" v="4990"/>
           <ac:cxnSpMkLst>
             <pc:docMk/>
             <pc:sldMk cId="2969362105" sldId="256"/>
@@ -4239,8 +4943,8 @@
             <ac:cxnSpMk id="235" creationId="{4F9A2247-3C54-4692-AD6C-93B70EED659A}"/>
           </ac:cxnSpMkLst>
         </pc:cxnChg>
-        <pc:cxnChg chg="add mod">
-          <ac:chgData name="Fatima Pillosu" userId="a6295d4dc9e22643" providerId="LiveId" clId="{B303C878-8799-4007-876A-6617B70F571A}" dt="2020-12-01T12:09:15.747" v="4474" actId="1038"/>
+        <pc:cxnChg chg="add del mod">
+          <ac:chgData name="Fatima Pillosu" userId="a6295d4dc9e22643" providerId="LiveId" clId="{B303C878-8799-4007-876A-6617B70F571A}" dt="2020-12-01T12:44:29.607" v="4990"/>
           <ac:cxnSpMkLst>
             <pc:docMk/>
             <pc:sldMk cId="2969362105" sldId="256"/>
@@ -4255,6 +4959,30 @@
             <ac:cxnSpMk id="237" creationId="{112CF59B-2F6D-46AF-974E-5EE0E5C40F51}"/>
           </ac:cxnSpMkLst>
         </pc:cxnChg>
+        <pc:cxnChg chg="add del mod">
+          <ac:chgData name="Fatima Pillosu" userId="a6295d4dc9e22643" providerId="LiveId" clId="{B303C878-8799-4007-876A-6617B70F571A}" dt="2020-12-01T12:45:21.654" v="4996"/>
+          <ac:cxnSpMkLst>
+            <pc:docMk/>
+            <pc:sldMk cId="2969362105" sldId="256"/>
+            <ac:cxnSpMk id="237" creationId="{3CD7CC6E-ABDE-4E94-A063-E17581BADF60}"/>
+          </ac:cxnSpMkLst>
+        </pc:cxnChg>
+        <pc:cxnChg chg="add del mod">
+          <ac:chgData name="Fatima Pillosu" userId="a6295d4dc9e22643" providerId="LiveId" clId="{B303C878-8799-4007-876A-6617B70F571A}" dt="2020-12-01T12:45:21.654" v="4996"/>
+          <ac:cxnSpMkLst>
+            <pc:docMk/>
+            <pc:sldMk cId="2969362105" sldId="256"/>
+            <ac:cxnSpMk id="239" creationId="{3D2A8B8B-4075-4D69-B75E-4D5F6D0168BB}"/>
+          </ac:cxnSpMkLst>
+        </pc:cxnChg>
+        <pc:cxnChg chg="add del mod">
+          <ac:chgData name="Fatima Pillosu" userId="a6295d4dc9e22643" providerId="LiveId" clId="{B303C878-8799-4007-876A-6617B70F571A}" dt="2020-12-01T12:45:21.654" v="4996"/>
+          <ac:cxnSpMkLst>
+            <pc:docMk/>
+            <pc:sldMk cId="2969362105" sldId="256"/>
+            <ac:cxnSpMk id="240" creationId="{6B8B52D3-DAAC-470E-BB7E-8656B1F44C51}"/>
+          </ac:cxnSpMkLst>
+        </pc:cxnChg>
         <pc:cxnChg chg="mod">
           <ac:chgData name="Fatima Pillosu" userId="a6295d4dc9e22643" providerId="LiveId" clId="{B303C878-8799-4007-876A-6617B70F571A}" dt="2020-12-01T11:07:53.290" v="3384" actId="1076"/>
           <ac:cxnSpMkLst>
@@ -4263,6 +4991,22 @@
             <ac:cxnSpMk id="240" creationId="{EDA81506-48B5-4C38-B900-9B957E0EDE0C}"/>
           </ac:cxnSpMkLst>
         </pc:cxnChg>
+        <pc:cxnChg chg="add del mod">
+          <ac:chgData name="Fatima Pillosu" userId="a6295d4dc9e22643" providerId="LiveId" clId="{B303C878-8799-4007-876A-6617B70F571A}" dt="2020-12-01T12:45:21.654" v="4996"/>
+          <ac:cxnSpMkLst>
+            <pc:docMk/>
+            <pc:sldMk cId="2969362105" sldId="256"/>
+            <ac:cxnSpMk id="243" creationId="{B76D1AB7-BF9E-4820-BFB2-87FA5E396F68}"/>
+          </ac:cxnSpMkLst>
+        </pc:cxnChg>
+        <pc:cxnChg chg="add del mod">
+          <ac:chgData name="Fatima Pillosu" userId="a6295d4dc9e22643" providerId="LiveId" clId="{B303C878-8799-4007-876A-6617B70F571A}" dt="2020-12-01T12:45:21.654" v="4996"/>
+          <ac:cxnSpMkLst>
+            <pc:docMk/>
+            <pc:sldMk cId="2969362105" sldId="256"/>
+            <ac:cxnSpMk id="246" creationId="{E9C238FE-6A2B-49E1-998E-84692C2A7ECA}"/>
+          </ac:cxnSpMkLst>
+        </pc:cxnChg>
         <pc:cxnChg chg="mod">
           <ac:chgData name="Fatima Pillosu" userId="a6295d4dc9e22643" providerId="LiveId" clId="{B303C878-8799-4007-876A-6617B70F571A}" dt="2020-12-01T11:07:53.290" v="3384" actId="1076"/>
           <ac:cxnSpMkLst>
@@ -4271,6 +5015,30 @@
             <ac:cxnSpMk id="249" creationId="{838524AA-447E-4043-8729-A97D40E25A89}"/>
           </ac:cxnSpMkLst>
         </pc:cxnChg>
+        <pc:cxnChg chg="add del mod">
+          <ac:chgData name="Fatima Pillosu" userId="a6295d4dc9e22643" providerId="LiveId" clId="{B303C878-8799-4007-876A-6617B70F571A}" dt="2020-12-01T12:45:21.654" v="4996"/>
+          <ac:cxnSpMkLst>
+            <pc:docMk/>
+            <pc:sldMk cId="2969362105" sldId="256"/>
+            <ac:cxnSpMk id="253" creationId="{7E5398DB-7365-4B66-BF1B-7AD935659375}"/>
+          </ac:cxnSpMkLst>
+        </pc:cxnChg>
+        <pc:cxnChg chg="add del mod">
+          <ac:chgData name="Fatima Pillosu" userId="a6295d4dc9e22643" providerId="LiveId" clId="{B303C878-8799-4007-876A-6617B70F571A}" dt="2020-12-01T12:45:21.654" v="4996"/>
+          <ac:cxnSpMkLst>
+            <pc:docMk/>
+            <pc:sldMk cId="2969362105" sldId="256"/>
+            <ac:cxnSpMk id="254" creationId="{9D99570C-79C2-437B-8CA2-D463FBF19B4F}"/>
+          </ac:cxnSpMkLst>
+        </pc:cxnChg>
+        <pc:cxnChg chg="add del mod">
+          <ac:chgData name="Fatima Pillosu" userId="a6295d4dc9e22643" providerId="LiveId" clId="{B303C878-8799-4007-876A-6617B70F571A}" dt="2020-12-01T12:45:21.654" v="4996"/>
+          <ac:cxnSpMkLst>
+            <pc:docMk/>
+            <pc:sldMk cId="2969362105" sldId="256"/>
+            <ac:cxnSpMk id="255" creationId="{7BE98CCD-EA26-481C-AE2D-78F980343042}"/>
+          </ac:cxnSpMkLst>
+        </pc:cxnChg>
         <pc:cxnChg chg="mod">
           <ac:chgData name="Fatima Pillosu" userId="a6295d4dc9e22643" providerId="LiveId" clId="{B303C878-8799-4007-876A-6617B70F571A}" dt="2020-12-01T11:07:53.290" v="3384" actId="1076"/>
           <ac:cxnSpMkLst>
@@ -4279,6 +5047,30 @@
             <ac:cxnSpMk id="261" creationId="{EF48FB40-B818-4E9D-A8CB-F780267C7EED}"/>
           </ac:cxnSpMkLst>
         </pc:cxnChg>
+        <pc:cxnChg chg="add del mod">
+          <ac:chgData name="Fatima Pillosu" userId="a6295d4dc9e22643" providerId="LiveId" clId="{B303C878-8799-4007-876A-6617B70F571A}" dt="2020-12-01T12:45:21.654" v="4996"/>
+          <ac:cxnSpMkLst>
+            <pc:docMk/>
+            <pc:sldMk cId="2969362105" sldId="256"/>
+            <ac:cxnSpMk id="262" creationId="{951301A3-8919-4080-B882-C450C6CF540E}"/>
+          </ac:cxnSpMkLst>
+        </pc:cxnChg>
+        <pc:cxnChg chg="add mod">
+          <ac:chgData name="Fatima Pillosu" userId="a6295d4dc9e22643" providerId="LiveId" clId="{B303C878-8799-4007-876A-6617B70F571A}" dt="2020-12-01T12:45:38.708" v="5002" actId="1035"/>
+          <ac:cxnSpMkLst>
+            <pc:docMk/>
+            <pc:sldMk cId="2969362105" sldId="256"/>
+            <ac:cxnSpMk id="264" creationId="{1FF41559-BD00-4726-9E39-C00999B56896}"/>
+          </ac:cxnSpMkLst>
+        </pc:cxnChg>
+        <pc:cxnChg chg="add mod">
+          <ac:chgData name="Fatima Pillosu" userId="a6295d4dc9e22643" providerId="LiveId" clId="{B303C878-8799-4007-876A-6617B70F571A}" dt="2020-12-01T12:45:38.708" v="5002" actId="1035"/>
+          <ac:cxnSpMkLst>
+            <pc:docMk/>
+            <pc:sldMk cId="2969362105" sldId="256"/>
+            <ac:cxnSpMk id="267" creationId="{1B8CE2ED-77B5-4D4E-81C3-BE1E2D367806}"/>
+          </ac:cxnSpMkLst>
+        </pc:cxnChg>
         <pc:cxnChg chg="mod">
           <ac:chgData name="Fatima Pillosu" userId="a6295d4dc9e22643" providerId="LiveId" clId="{B303C878-8799-4007-876A-6617B70F571A}" dt="2020-12-01T11:06:25.226" v="3347" actId="14100"/>
           <ac:cxnSpMkLst>
@@ -4287,12 +5079,68 @@
             <ac:cxnSpMk id="267" creationId="{AA7F6193-917F-4B26-AC1C-124981136B0B}"/>
           </ac:cxnSpMkLst>
         </pc:cxnChg>
+        <pc:cxnChg chg="add mod">
+          <ac:chgData name="Fatima Pillosu" userId="a6295d4dc9e22643" providerId="LiveId" clId="{B303C878-8799-4007-876A-6617B70F571A}" dt="2020-12-01T12:45:38.708" v="5002" actId="1035"/>
+          <ac:cxnSpMkLst>
+            <pc:docMk/>
+            <pc:sldMk cId="2969362105" sldId="256"/>
+            <ac:cxnSpMk id="271" creationId="{1A30078F-C4CD-469A-BEDC-10DE683F0F55}"/>
+          </ac:cxnSpMkLst>
+        </pc:cxnChg>
+        <pc:cxnChg chg="add mod">
+          <ac:chgData name="Fatima Pillosu" userId="a6295d4dc9e22643" providerId="LiveId" clId="{B303C878-8799-4007-876A-6617B70F571A}" dt="2020-12-01T12:45:38.708" v="5002" actId="1035"/>
+          <ac:cxnSpMkLst>
+            <pc:docMk/>
+            <pc:sldMk cId="2969362105" sldId="256"/>
+            <ac:cxnSpMk id="273" creationId="{7EE362E5-9911-4119-9A38-D1C910D204F0}"/>
+          </ac:cxnSpMkLst>
+        </pc:cxnChg>
+        <pc:cxnChg chg="add mod">
+          <ac:chgData name="Fatima Pillosu" userId="a6295d4dc9e22643" providerId="LiveId" clId="{B303C878-8799-4007-876A-6617B70F571A}" dt="2020-12-01T12:45:38.708" v="5002" actId="1035"/>
+          <ac:cxnSpMkLst>
+            <pc:docMk/>
+            <pc:sldMk cId="2969362105" sldId="256"/>
+            <ac:cxnSpMk id="276" creationId="{947FC0D4-B662-4219-8FB9-250F8043DFEF}"/>
+          </ac:cxnSpMkLst>
+        </pc:cxnChg>
+        <pc:cxnChg chg="add mod">
+          <ac:chgData name="Fatima Pillosu" userId="a6295d4dc9e22643" providerId="LiveId" clId="{B303C878-8799-4007-876A-6617B70F571A}" dt="2020-12-01T12:45:38.708" v="5002" actId="1035"/>
+          <ac:cxnSpMkLst>
+            <pc:docMk/>
+            <pc:sldMk cId="2969362105" sldId="256"/>
+            <ac:cxnSpMk id="279" creationId="{41C27A7F-DE9E-4451-8DCC-00FE36A28105}"/>
+          </ac:cxnSpMkLst>
+        </pc:cxnChg>
         <pc:cxnChg chg="add del mod">
           <ac:chgData name="Fatima Pillosu" userId="a6295d4dc9e22643" providerId="LiveId" clId="{B303C878-8799-4007-876A-6617B70F571A}" dt="2020-12-01T11:07:38.535" v="3382" actId="478"/>
           <ac:cxnSpMkLst>
             <pc:docMk/>
             <pc:sldMk cId="2969362105" sldId="256"/>
             <ac:cxnSpMk id="279" creationId="{76EA4D99-7C1F-4F1E-BF13-293A36123C6E}"/>
+          </ac:cxnSpMkLst>
+        </pc:cxnChg>
+        <pc:cxnChg chg="add mod">
+          <ac:chgData name="Fatima Pillosu" userId="a6295d4dc9e22643" providerId="LiveId" clId="{B303C878-8799-4007-876A-6617B70F571A}" dt="2020-12-01T12:45:38.708" v="5002" actId="1035"/>
+          <ac:cxnSpMkLst>
+            <pc:docMk/>
+            <pc:sldMk cId="2969362105" sldId="256"/>
+            <ac:cxnSpMk id="280" creationId="{9299990A-6370-4608-8C04-0B76BF19A629}"/>
+          </ac:cxnSpMkLst>
+        </pc:cxnChg>
+        <pc:cxnChg chg="add mod">
+          <ac:chgData name="Fatima Pillosu" userId="a6295d4dc9e22643" providerId="LiveId" clId="{B303C878-8799-4007-876A-6617B70F571A}" dt="2020-12-01T12:45:38.708" v="5002" actId="1035"/>
+          <ac:cxnSpMkLst>
+            <pc:docMk/>
+            <pc:sldMk cId="2969362105" sldId="256"/>
+            <ac:cxnSpMk id="282" creationId="{941F29D2-69D6-4D41-966E-8B657571843E}"/>
+          </ac:cxnSpMkLst>
+        </pc:cxnChg>
+        <pc:cxnChg chg="add mod">
+          <ac:chgData name="Fatima Pillosu" userId="a6295d4dc9e22643" providerId="LiveId" clId="{B303C878-8799-4007-876A-6617B70F571A}" dt="2020-12-01T12:45:38.708" v="5002" actId="1035"/>
+          <ac:cxnSpMkLst>
+            <pc:docMk/>
+            <pc:sldMk cId="2969362105" sldId="256"/>
+            <ac:cxnSpMk id="283" creationId="{750B615B-22C7-4A19-94A6-5B11F67254D0}"/>
           </ac:cxnSpMkLst>
         </pc:cxnChg>
         <pc:cxnChg chg="del mod topLvl">
@@ -4303,6 +5151,22 @@
             <ac:cxnSpMk id="284" creationId="{E719D227-991A-492B-89CC-5CC36E098948}"/>
           </ac:cxnSpMkLst>
         </pc:cxnChg>
+        <pc:cxnChg chg="add mod">
+          <ac:chgData name="Fatima Pillosu" userId="a6295d4dc9e22643" providerId="LiveId" clId="{B303C878-8799-4007-876A-6617B70F571A}" dt="2020-12-01T12:45:38.708" v="5002" actId="1035"/>
+          <ac:cxnSpMkLst>
+            <pc:docMk/>
+            <pc:sldMk cId="2969362105" sldId="256"/>
+            <ac:cxnSpMk id="284" creationId="{F190A940-27A0-40AD-B014-97F0CFE2D648}"/>
+          </ac:cxnSpMkLst>
+        </pc:cxnChg>
+        <pc:cxnChg chg="add mod">
+          <ac:chgData name="Fatima Pillosu" userId="a6295d4dc9e22643" providerId="LiveId" clId="{B303C878-8799-4007-876A-6617B70F571A}" dt="2020-12-01T12:45:38.708" v="5002" actId="1035"/>
+          <ac:cxnSpMkLst>
+            <pc:docMk/>
+            <pc:sldMk cId="2969362105" sldId="256"/>
+            <ac:cxnSpMk id="286" creationId="{B0AEFE78-E47C-4D49-8B40-A2A3615B31ED}"/>
+          </ac:cxnSpMkLst>
+        </pc:cxnChg>
         <pc:cxnChg chg="del mod topLvl">
           <ac:chgData name="Fatima Pillosu" userId="a6295d4dc9e22643" providerId="LiveId" clId="{B303C878-8799-4007-876A-6617B70F571A}" dt="2020-12-01T11:10:09.564" v="3469"/>
           <ac:cxnSpMkLst>
@@ -4311,6 +5175,22 @@
             <ac:cxnSpMk id="289" creationId="{878B6C05-2605-4BA7-8672-62158F356B45}"/>
           </ac:cxnSpMkLst>
         </pc:cxnChg>
+        <pc:cxnChg chg="add mod">
+          <ac:chgData name="Fatima Pillosu" userId="a6295d4dc9e22643" providerId="LiveId" clId="{B303C878-8799-4007-876A-6617B70F571A}" dt="2020-12-01T12:45:38.708" v="5002" actId="1035"/>
+          <ac:cxnSpMkLst>
+            <pc:docMk/>
+            <pc:sldMk cId="2969362105" sldId="256"/>
+            <ac:cxnSpMk id="290" creationId="{4C172158-B87E-404E-B7D5-7B0976468CF4}"/>
+          </ac:cxnSpMkLst>
+        </pc:cxnChg>
+        <pc:cxnChg chg="add mod">
+          <ac:chgData name="Fatima Pillosu" userId="a6295d4dc9e22643" providerId="LiveId" clId="{B303C878-8799-4007-876A-6617B70F571A}" dt="2020-12-01T12:45:38.708" v="5002" actId="1035"/>
+          <ac:cxnSpMkLst>
+            <pc:docMk/>
+            <pc:sldMk cId="2969362105" sldId="256"/>
+            <ac:cxnSpMk id="292" creationId="{C6736CA6-68F1-448F-A89C-B471B62BE487}"/>
+          </ac:cxnSpMkLst>
+        </pc:cxnChg>
         <pc:cxnChg chg="del mod topLvl">
           <ac:chgData name="Fatima Pillosu" userId="a6295d4dc9e22643" providerId="LiveId" clId="{B303C878-8799-4007-876A-6617B70F571A}" dt="2020-12-01T11:10:09.564" v="3469"/>
           <ac:cxnSpMkLst>
@@ -4319,6 +5199,22 @@
             <ac:cxnSpMk id="294" creationId="{110D8C2E-1BBB-4524-BE86-C47112629CD5}"/>
           </ac:cxnSpMkLst>
         </pc:cxnChg>
+        <pc:cxnChg chg="add mod">
+          <ac:chgData name="Fatima Pillosu" userId="a6295d4dc9e22643" providerId="LiveId" clId="{B303C878-8799-4007-876A-6617B70F571A}" dt="2020-12-01T12:45:38.708" v="5002" actId="1035"/>
+          <ac:cxnSpMkLst>
+            <pc:docMk/>
+            <pc:sldMk cId="2969362105" sldId="256"/>
+            <ac:cxnSpMk id="294" creationId="{9C5AFBCE-A318-4F05-BA05-4FEBFF9EE885}"/>
+          </ac:cxnSpMkLst>
+        </pc:cxnChg>
+        <pc:cxnChg chg="add mod">
+          <ac:chgData name="Fatima Pillosu" userId="a6295d4dc9e22643" providerId="LiveId" clId="{B303C878-8799-4007-876A-6617B70F571A}" dt="2020-12-01T12:45:38.708" v="5002" actId="1035"/>
+          <ac:cxnSpMkLst>
+            <pc:docMk/>
+            <pc:sldMk cId="2969362105" sldId="256"/>
+            <ac:cxnSpMk id="295" creationId="{EBC3655F-6594-4C5E-B153-95243FD02587}"/>
+          </ac:cxnSpMkLst>
+        </pc:cxnChg>
         <pc:cxnChg chg="del mod topLvl">
           <ac:chgData name="Fatima Pillosu" userId="a6295d4dc9e22643" providerId="LiveId" clId="{B303C878-8799-4007-876A-6617B70F571A}" dt="2020-12-01T11:10:09.564" v="3469"/>
           <ac:cxnSpMkLst>
@@ -4327,6 +5223,14 @@
             <ac:cxnSpMk id="296" creationId="{31B3EF32-CC2E-4EAA-B153-261AE5FEB37C}"/>
           </ac:cxnSpMkLst>
         </pc:cxnChg>
+        <pc:cxnChg chg="add mod">
+          <ac:chgData name="Fatima Pillosu" userId="a6295d4dc9e22643" providerId="LiveId" clId="{B303C878-8799-4007-876A-6617B70F571A}" dt="2020-12-01T12:45:38.708" v="5002" actId="1035"/>
+          <ac:cxnSpMkLst>
+            <pc:docMk/>
+            <pc:sldMk cId="2969362105" sldId="256"/>
+            <ac:cxnSpMk id="298" creationId="{162012AD-BB08-4D44-9FC5-61C14401F757}"/>
+          </ac:cxnSpMkLst>
+        </pc:cxnChg>
         <pc:cxnChg chg="del mod topLvl">
           <ac:chgData name="Fatima Pillosu" userId="a6295d4dc9e22643" providerId="LiveId" clId="{B303C878-8799-4007-876A-6617B70F571A}" dt="2020-12-01T11:10:09.564" v="3469"/>
           <ac:cxnSpMkLst>
@@ -4335,6 +5239,14 @@
             <ac:cxnSpMk id="299" creationId="{617CDF27-8D02-41D6-82EC-BF0E57BA0B1B}"/>
           </ac:cxnSpMkLst>
         </pc:cxnChg>
+        <pc:cxnChg chg="add mod">
+          <ac:chgData name="Fatima Pillosu" userId="a6295d4dc9e22643" providerId="LiveId" clId="{B303C878-8799-4007-876A-6617B70F571A}" dt="2020-12-01T12:45:38.708" v="5002" actId="1035"/>
+          <ac:cxnSpMkLst>
+            <pc:docMk/>
+            <pc:sldMk cId="2969362105" sldId="256"/>
+            <ac:cxnSpMk id="301" creationId="{E8CDA24D-5ECE-43D7-A86D-70A08F8609FB}"/>
+          </ac:cxnSpMkLst>
+        </pc:cxnChg>
         <pc:cxnChg chg="del mod topLvl">
           <ac:chgData name="Fatima Pillosu" userId="a6295d4dc9e22643" providerId="LiveId" clId="{B303C878-8799-4007-876A-6617B70F571A}" dt="2020-12-01T11:10:09.564" v="3469"/>
           <ac:cxnSpMkLst>
@@ -4359,6 +5271,30 @@
             <ac:cxnSpMk id="307" creationId="{D7AA7965-2CE8-4696-88CC-0F7D36E952AC}"/>
           </ac:cxnSpMkLst>
         </pc:cxnChg>
+        <pc:cxnChg chg="add mod">
+          <ac:chgData name="Fatima Pillosu" userId="a6295d4dc9e22643" providerId="LiveId" clId="{B303C878-8799-4007-876A-6617B70F571A}" dt="2020-12-01T12:45:38.708" v="5002" actId="1035"/>
+          <ac:cxnSpMkLst>
+            <pc:docMk/>
+            <pc:sldMk cId="2969362105" sldId="256"/>
+            <ac:cxnSpMk id="308" creationId="{978CC93A-5C8C-47A0-AAC2-BE127B046E39}"/>
+          </ac:cxnSpMkLst>
+        </pc:cxnChg>
+        <pc:cxnChg chg="add mod">
+          <ac:chgData name="Fatima Pillosu" userId="a6295d4dc9e22643" providerId="LiveId" clId="{B303C878-8799-4007-876A-6617B70F571A}" dt="2020-12-01T12:45:38.708" v="5002" actId="1035"/>
+          <ac:cxnSpMkLst>
+            <pc:docMk/>
+            <pc:sldMk cId="2969362105" sldId="256"/>
+            <ac:cxnSpMk id="309" creationId="{ADC1412A-3E87-4ABA-ABEE-E0A3B283540F}"/>
+          </ac:cxnSpMkLst>
+        </pc:cxnChg>
+        <pc:cxnChg chg="add mod">
+          <ac:chgData name="Fatima Pillosu" userId="a6295d4dc9e22643" providerId="LiveId" clId="{B303C878-8799-4007-876A-6617B70F571A}" dt="2020-12-01T12:45:38.708" v="5002" actId="1035"/>
+          <ac:cxnSpMkLst>
+            <pc:docMk/>
+            <pc:sldMk cId="2969362105" sldId="256"/>
+            <ac:cxnSpMk id="310" creationId="{1B7820F5-4B82-4A4C-A8EC-6D111BCCE8A4}"/>
+          </ac:cxnSpMkLst>
+        </pc:cxnChg>
         <pc:cxnChg chg="del mod topLvl">
           <ac:chgData name="Fatima Pillosu" userId="a6295d4dc9e22643" providerId="LiveId" clId="{B303C878-8799-4007-876A-6617B70F571A}" dt="2020-12-01T11:10:09.564" v="3469"/>
           <ac:cxnSpMkLst>
@@ -4381,6 +5317,14 @@
             <pc:docMk/>
             <pc:sldMk cId="2969362105" sldId="256"/>
             <ac:cxnSpMk id="316" creationId="{2727CA3D-A5C6-4CC4-A40C-3DA21D338CC6}"/>
+          </ac:cxnSpMkLst>
+        </pc:cxnChg>
+        <pc:cxnChg chg="add mod">
+          <ac:chgData name="Fatima Pillosu" userId="a6295d4dc9e22643" providerId="LiveId" clId="{B303C878-8799-4007-876A-6617B70F571A}" dt="2020-12-01T12:45:38.708" v="5002" actId="1035"/>
+          <ac:cxnSpMkLst>
+            <pc:docMk/>
+            <pc:sldMk cId="2969362105" sldId="256"/>
+            <ac:cxnSpMk id="317" creationId="{8371891C-C35F-4C45-862D-DF7D764031CF}"/>
           </ac:cxnSpMkLst>
         </pc:cxnChg>
         <pc:cxnChg chg="del mod topLvl">
@@ -5258,15 +6202,15 @@
         </p:nvSpPr>
         <p:spPr>
           <a:xfrm>
-            <a:off x="270034" y="1726153"/>
-            <a:ext cx="3060383" cy="3672040"/>
+            <a:off x="252413" y="1172506"/>
+            <a:ext cx="2860675" cy="2494268"/>
           </a:xfrm>
         </p:spPr>
         <p:txBody>
           <a:bodyPr anchor="b"/>
           <a:lstStyle>
             <a:lvl1pPr algn="ctr">
-              <a:defRPr sz="2363"/>
+              <a:defRPr sz="2209"/>
             </a:lvl1pPr>
           </a:lstStyle>
           <a:p>
@@ -5290,8 +6234,8 @@
         </p:nvSpPr>
         <p:spPr>
           <a:xfrm>
-            <a:off x="450056" y="5539801"/>
-            <a:ext cx="2700338" cy="2546501"/>
+            <a:off x="420688" y="3762963"/>
+            <a:ext cx="2524125" cy="1729735"/>
           </a:xfrm>
         </p:spPr>
         <p:txBody>
@@ -5299,39 +6243,39 @@
           <a:lstStyle>
             <a:lvl1pPr marL="0" indent="0" algn="ctr">
               <a:buNone/>
-              <a:defRPr sz="945"/>
+              <a:defRPr sz="883"/>
             </a:lvl1pPr>
-            <a:lvl2pPr marL="180045" indent="0" algn="ctr">
+            <a:lvl2pPr marL="168295" indent="0" algn="ctr">
               <a:buNone/>
-              <a:defRPr sz="788"/>
+              <a:defRPr sz="736"/>
             </a:lvl2pPr>
-            <a:lvl3pPr marL="360091" indent="0" algn="ctr">
+            <a:lvl3pPr marL="336591" indent="0" algn="ctr">
               <a:buNone/>
-              <a:defRPr sz="709"/>
+              <a:defRPr sz="663"/>
             </a:lvl3pPr>
-            <a:lvl4pPr marL="540136" indent="0" algn="ctr">
+            <a:lvl4pPr marL="504886" indent="0" algn="ctr">
               <a:buNone/>
-              <a:defRPr sz="630"/>
+              <a:defRPr sz="589"/>
             </a:lvl4pPr>
-            <a:lvl5pPr marL="720181" indent="0" algn="ctr">
+            <a:lvl5pPr marL="673181" indent="0" algn="ctr">
               <a:buNone/>
-              <a:defRPr sz="630"/>
+              <a:defRPr sz="589"/>
             </a:lvl5pPr>
-            <a:lvl6pPr marL="900227" indent="0" algn="ctr">
+            <a:lvl6pPr marL="841477" indent="0" algn="ctr">
               <a:buNone/>
-              <a:defRPr sz="630"/>
+              <a:defRPr sz="589"/>
             </a:lvl6pPr>
-            <a:lvl7pPr marL="1080272" indent="0" algn="ctr">
+            <a:lvl7pPr marL="1009772" indent="0" algn="ctr">
               <a:buNone/>
-              <a:defRPr sz="630"/>
+              <a:defRPr sz="589"/>
             </a:lvl7pPr>
-            <a:lvl8pPr marL="1260318" indent="0" algn="ctr">
+            <a:lvl8pPr marL="1178067" indent="0" algn="ctr">
               <a:buNone/>
-              <a:defRPr sz="630"/>
+              <a:defRPr sz="589"/>
             </a:lvl8pPr>
-            <a:lvl9pPr marL="1440363" indent="0" algn="ctr">
+            <a:lvl9pPr marL="1346363" indent="0" algn="ctr">
               <a:buNone/>
-              <a:defRPr sz="630"/>
+              <a:defRPr sz="589"/>
             </a:lvl9pPr>
           </a:lstStyle>
           <a:p>
@@ -5411,7 +6355,7 @@
     </p:spTree>
     <p:extLst>
       <p:ext uri="{BB962C8B-B14F-4D97-AF65-F5344CB8AC3E}">
-        <p14:creationId xmlns:p14="http://schemas.microsoft.com/office/powerpoint/2010/main" val="3404209255"/>
+        <p14:creationId xmlns:p14="http://schemas.microsoft.com/office/powerpoint/2010/main" val="452996198"/>
       </p:ext>
     </p:extLst>
   </p:cSld>
@@ -5581,7 +6525,7 @@
     </p:spTree>
     <p:extLst>
       <p:ext uri="{BB962C8B-B14F-4D97-AF65-F5344CB8AC3E}">
-        <p14:creationId xmlns:p14="http://schemas.microsoft.com/office/powerpoint/2010/main" val="2166350825"/>
+        <p14:creationId xmlns:p14="http://schemas.microsoft.com/office/powerpoint/2010/main" val="3685735350"/>
       </p:ext>
     </p:extLst>
   </p:cSld>
@@ -5620,8 +6564,8 @@
         </p:nvSpPr>
         <p:spPr>
           <a:xfrm>
-            <a:off x="2576572" y="561549"/>
-            <a:ext cx="776347" cy="8938392"/>
+            <a:off x="2408436" y="381437"/>
+            <a:ext cx="725686" cy="6071488"/>
           </a:xfrm>
         </p:spPr>
         <p:txBody>
@@ -5648,8 +6592,8 @@
         </p:nvSpPr>
         <p:spPr>
           <a:xfrm>
-            <a:off x="247531" y="561549"/>
-            <a:ext cx="2284035" cy="8938392"/>
+            <a:off x="231378" y="381437"/>
+            <a:ext cx="2134989" cy="6071488"/>
           </a:xfrm>
         </p:spPr>
         <p:txBody>
@@ -5761,7 +6705,7 @@
     </p:spTree>
     <p:extLst>
       <p:ext uri="{BB962C8B-B14F-4D97-AF65-F5344CB8AC3E}">
-        <p14:creationId xmlns:p14="http://schemas.microsoft.com/office/powerpoint/2010/main" val="490660998"/>
+        <p14:creationId xmlns:p14="http://schemas.microsoft.com/office/powerpoint/2010/main" val="768648823"/>
       </p:ext>
     </p:extLst>
   </p:cSld>
@@ -5931,7 +6875,7 @@
     </p:spTree>
     <p:extLst>
       <p:ext uri="{BB962C8B-B14F-4D97-AF65-F5344CB8AC3E}">
-        <p14:creationId xmlns:p14="http://schemas.microsoft.com/office/powerpoint/2010/main" val="2430618970"/>
+        <p14:creationId xmlns:p14="http://schemas.microsoft.com/office/powerpoint/2010/main" val="1822853868"/>
       </p:ext>
     </p:extLst>
   </p:cSld>
@@ -5970,15 +6914,15 @@
         </p:nvSpPr>
         <p:spPr>
           <a:xfrm>
-            <a:off x="245656" y="2629516"/>
-            <a:ext cx="3105388" cy="4387404"/>
+            <a:off x="229625" y="1786124"/>
+            <a:ext cx="2902744" cy="2980186"/>
           </a:xfrm>
         </p:spPr>
         <p:txBody>
           <a:bodyPr anchor="b"/>
           <a:lstStyle>
             <a:lvl1pPr>
-              <a:defRPr sz="2363"/>
+              <a:defRPr sz="2209"/>
             </a:lvl1pPr>
           </a:lstStyle>
           <a:p>
@@ -6002,8 +6946,8 @@
         </p:nvSpPr>
         <p:spPr>
           <a:xfrm>
-            <a:off x="245656" y="7058426"/>
-            <a:ext cx="3105388" cy="2307232"/>
+            <a:off x="229625" y="4794504"/>
+            <a:ext cx="2902744" cy="1567209"/>
           </a:xfrm>
         </p:spPr>
         <p:txBody>
@@ -6011,15 +6955,15 @@
           <a:lstStyle>
             <a:lvl1pPr marL="0" indent="0">
               <a:buNone/>
-              <a:defRPr sz="945">
+              <a:defRPr sz="883">
                 <a:solidFill>
                   <a:schemeClr val="tx1"/>
                 </a:solidFill>
               </a:defRPr>
             </a:lvl1pPr>
-            <a:lvl2pPr marL="180045" indent="0">
+            <a:lvl2pPr marL="168295" indent="0">
               <a:buNone/>
-              <a:defRPr sz="788">
+              <a:defRPr sz="736">
                 <a:solidFill>
                   <a:schemeClr val="tx1">
                     <a:tint val="75000"/>
@@ -6027,9 +6971,9 @@
                 </a:solidFill>
               </a:defRPr>
             </a:lvl2pPr>
-            <a:lvl3pPr marL="360091" indent="0">
+            <a:lvl3pPr marL="336591" indent="0">
               <a:buNone/>
-              <a:defRPr sz="709">
+              <a:defRPr sz="663">
                 <a:solidFill>
                   <a:schemeClr val="tx1">
                     <a:tint val="75000"/>
@@ -6037,9 +6981,9 @@
                 </a:solidFill>
               </a:defRPr>
             </a:lvl3pPr>
-            <a:lvl4pPr marL="540136" indent="0">
+            <a:lvl4pPr marL="504886" indent="0">
               <a:buNone/>
-              <a:defRPr sz="630">
+              <a:defRPr sz="589">
                 <a:solidFill>
                   <a:schemeClr val="tx1">
                     <a:tint val="75000"/>
@@ -6047,9 +6991,9 @@
                 </a:solidFill>
               </a:defRPr>
             </a:lvl4pPr>
-            <a:lvl5pPr marL="720181" indent="0">
+            <a:lvl5pPr marL="673181" indent="0">
               <a:buNone/>
-              <a:defRPr sz="630">
+              <a:defRPr sz="589">
                 <a:solidFill>
                   <a:schemeClr val="tx1">
                     <a:tint val="75000"/>
@@ -6057,9 +7001,9 @@
                 </a:solidFill>
               </a:defRPr>
             </a:lvl5pPr>
-            <a:lvl6pPr marL="900227" indent="0">
+            <a:lvl6pPr marL="841477" indent="0">
               <a:buNone/>
-              <a:defRPr sz="630">
+              <a:defRPr sz="589">
                 <a:solidFill>
                   <a:schemeClr val="tx1">
                     <a:tint val="75000"/>
@@ -6067,9 +7011,9 @@
                 </a:solidFill>
               </a:defRPr>
             </a:lvl6pPr>
-            <a:lvl7pPr marL="1080272" indent="0">
+            <a:lvl7pPr marL="1009772" indent="0">
               <a:buNone/>
-              <a:defRPr sz="630">
+              <a:defRPr sz="589">
                 <a:solidFill>
                   <a:schemeClr val="tx1">
                     <a:tint val="75000"/>
@@ -6077,9 +7021,9 @@
                 </a:solidFill>
               </a:defRPr>
             </a:lvl7pPr>
-            <a:lvl8pPr marL="1260318" indent="0">
+            <a:lvl8pPr marL="1178067" indent="0">
               <a:buNone/>
-              <a:defRPr sz="630">
+              <a:defRPr sz="589">
                 <a:solidFill>
                   <a:schemeClr val="tx1">
                     <a:tint val="75000"/>
@@ -6087,9 +7031,9 @@
                 </a:solidFill>
               </a:defRPr>
             </a:lvl8pPr>
-            <a:lvl9pPr marL="1440363" indent="0">
+            <a:lvl9pPr marL="1346363" indent="0">
               <a:buNone/>
-              <a:defRPr sz="630">
+              <a:defRPr sz="589">
                 <a:solidFill>
                   <a:schemeClr val="tx1">
                     <a:tint val="75000"/>
@@ -6175,7 +7119,7 @@
     </p:spTree>
     <p:extLst>
       <p:ext uri="{BB962C8B-B14F-4D97-AF65-F5344CB8AC3E}">
-        <p14:creationId xmlns:p14="http://schemas.microsoft.com/office/powerpoint/2010/main" val="437070483"/>
+        <p14:creationId xmlns:p14="http://schemas.microsoft.com/office/powerpoint/2010/main" val="787295053"/>
       </p:ext>
     </p:extLst>
   </p:cSld>
@@ -6237,8 +7181,8 @@
         </p:nvSpPr>
         <p:spPr>
           <a:xfrm>
-            <a:off x="247531" y="2807743"/>
-            <a:ext cx="1530191" cy="6692197"/>
+            <a:off x="231378" y="1907187"/>
+            <a:ext cx="1430338" cy="4545738"/>
           </a:xfrm>
         </p:spPr>
         <p:txBody>
@@ -6294,8 +7238,8 @@
         </p:nvSpPr>
         <p:spPr>
           <a:xfrm>
-            <a:off x="1822728" y="2807743"/>
-            <a:ext cx="1530191" cy="6692197"/>
+            <a:off x="1703784" y="1907187"/>
+            <a:ext cx="1430338" cy="4545738"/>
           </a:xfrm>
         </p:spPr>
         <p:txBody>
@@ -6407,7 +7351,7 @@
     </p:spTree>
     <p:extLst>
       <p:ext uri="{BB962C8B-B14F-4D97-AF65-F5344CB8AC3E}">
-        <p14:creationId xmlns:p14="http://schemas.microsoft.com/office/powerpoint/2010/main" val="1605362193"/>
+        <p14:creationId xmlns:p14="http://schemas.microsoft.com/office/powerpoint/2010/main" val="3623516594"/>
       </p:ext>
     </p:extLst>
   </p:cSld>
@@ -6446,8 +7390,8 @@
         </p:nvSpPr>
         <p:spPr>
           <a:xfrm>
-            <a:off x="248000" y="561551"/>
-            <a:ext cx="3105388" cy="2038667"/>
+            <a:off x="231816" y="381439"/>
+            <a:ext cx="2902744" cy="1384784"/>
           </a:xfrm>
         </p:spPr>
         <p:txBody>
@@ -6474,8 +7418,8 @@
         </p:nvSpPr>
         <p:spPr>
           <a:xfrm>
-            <a:off x="248000" y="2585566"/>
-            <a:ext cx="1523159" cy="1267146"/>
+            <a:off x="231817" y="1756271"/>
+            <a:ext cx="1423764" cy="860721"/>
           </a:xfrm>
         </p:spPr>
         <p:txBody>
@@ -6483,39 +7427,39 @@
           <a:lstStyle>
             <a:lvl1pPr marL="0" indent="0">
               <a:buNone/>
-              <a:defRPr sz="945" b="1"/>
+              <a:defRPr sz="883" b="1"/>
             </a:lvl1pPr>
-            <a:lvl2pPr marL="180045" indent="0">
+            <a:lvl2pPr marL="168295" indent="0">
               <a:buNone/>
-              <a:defRPr sz="788" b="1"/>
+              <a:defRPr sz="736" b="1"/>
             </a:lvl2pPr>
-            <a:lvl3pPr marL="360091" indent="0">
+            <a:lvl3pPr marL="336591" indent="0">
               <a:buNone/>
-              <a:defRPr sz="709" b="1"/>
+              <a:defRPr sz="663" b="1"/>
             </a:lvl3pPr>
-            <a:lvl4pPr marL="540136" indent="0">
+            <a:lvl4pPr marL="504886" indent="0">
               <a:buNone/>
-              <a:defRPr sz="630" b="1"/>
+              <a:defRPr sz="589" b="1"/>
             </a:lvl4pPr>
-            <a:lvl5pPr marL="720181" indent="0">
+            <a:lvl5pPr marL="673181" indent="0">
               <a:buNone/>
-              <a:defRPr sz="630" b="1"/>
+              <a:defRPr sz="589" b="1"/>
             </a:lvl5pPr>
-            <a:lvl6pPr marL="900227" indent="0">
+            <a:lvl6pPr marL="841477" indent="0">
               <a:buNone/>
-              <a:defRPr sz="630" b="1"/>
+              <a:defRPr sz="589" b="1"/>
             </a:lvl6pPr>
-            <a:lvl7pPr marL="1080272" indent="0">
+            <a:lvl7pPr marL="1009772" indent="0">
               <a:buNone/>
-              <a:defRPr sz="630" b="1"/>
+              <a:defRPr sz="589" b="1"/>
             </a:lvl7pPr>
-            <a:lvl8pPr marL="1260318" indent="0">
+            <a:lvl8pPr marL="1178067" indent="0">
               <a:buNone/>
-              <a:defRPr sz="630" b="1"/>
+              <a:defRPr sz="589" b="1"/>
             </a:lvl8pPr>
-            <a:lvl9pPr marL="1440363" indent="0">
+            <a:lvl9pPr marL="1346363" indent="0">
               <a:buNone/>
-              <a:defRPr sz="630" b="1"/>
+              <a:defRPr sz="589" b="1"/>
             </a:lvl9pPr>
           </a:lstStyle>
           <a:p>
@@ -6539,8 +7483,8 @@
         </p:nvSpPr>
         <p:spPr>
           <a:xfrm>
-            <a:off x="248000" y="3852713"/>
-            <a:ext cx="1523159" cy="5666760"/>
+            <a:off x="231817" y="2616992"/>
+            <a:ext cx="1423764" cy="3849201"/>
           </a:xfrm>
         </p:spPr>
         <p:txBody>
@@ -6596,8 +7540,8 @@
         </p:nvSpPr>
         <p:spPr>
           <a:xfrm>
-            <a:off x="1822728" y="2585566"/>
-            <a:ext cx="1530660" cy="1267146"/>
+            <a:off x="1703784" y="1756271"/>
+            <a:ext cx="1430776" cy="860721"/>
           </a:xfrm>
         </p:spPr>
         <p:txBody>
@@ -6605,39 +7549,39 @@
           <a:lstStyle>
             <a:lvl1pPr marL="0" indent="0">
               <a:buNone/>
-              <a:defRPr sz="945" b="1"/>
+              <a:defRPr sz="883" b="1"/>
             </a:lvl1pPr>
-            <a:lvl2pPr marL="180045" indent="0">
+            <a:lvl2pPr marL="168295" indent="0">
               <a:buNone/>
-              <a:defRPr sz="788" b="1"/>
+              <a:defRPr sz="736" b="1"/>
             </a:lvl2pPr>
-            <a:lvl3pPr marL="360091" indent="0">
+            <a:lvl3pPr marL="336591" indent="0">
               <a:buNone/>
-              <a:defRPr sz="709" b="1"/>
+              <a:defRPr sz="663" b="1"/>
             </a:lvl3pPr>
-            <a:lvl4pPr marL="540136" indent="0">
+            <a:lvl4pPr marL="504886" indent="0">
               <a:buNone/>
-              <a:defRPr sz="630" b="1"/>
+              <a:defRPr sz="589" b="1"/>
             </a:lvl4pPr>
-            <a:lvl5pPr marL="720181" indent="0">
+            <a:lvl5pPr marL="673181" indent="0">
               <a:buNone/>
-              <a:defRPr sz="630" b="1"/>
+              <a:defRPr sz="589" b="1"/>
             </a:lvl5pPr>
-            <a:lvl6pPr marL="900227" indent="0">
+            <a:lvl6pPr marL="841477" indent="0">
               <a:buNone/>
-              <a:defRPr sz="630" b="1"/>
+              <a:defRPr sz="589" b="1"/>
             </a:lvl6pPr>
-            <a:lvl7pPr marL="1080272" indent="0">
+            <a:lvl7pPr marL="1009772" indent="0">
               <a:buNone/>
-              <a:defRPr sz="630" b="1"/>
+              <a:defRPr sz="589" b="1"/>
             </a:lvl7pPr>
-            <a:lvl8pPr marL="1260318" indent="0">
+            <a:lvl8pPr marL="1178067" indent="0">
               <a:buNone/>
-              <a:defRPr sz="630" b="1"/>
+              <a:defRPr sz="589" b="1"/>
             </a:lvl8pPr>
-            <a:lvl9pPr marL="1440363" indent="0">
+            <a:lvl9pPr marL="1346363" indent="0">
               <a:buNone/>
-              <a:defRPr sz="630" b="1"/>
+              <a:defRPr sz="589" b="1"/>
             </a:lvl9pPr>
           </a:lstStyle>
           <a:p>
@@ -6661,8 +7605,8 @@
         </p:nvSpPr>
         <p:spPr>
           <a:xfrm>
-            <a:off x="1822728" y="3852713"/>
-            <a:ext cx="1530660" cy="5666760"/>
+            <a:off x="1703784" y="2616992"/>
+            <a:ext cx="1430776" cy="3849201"/>
           </a:xfrm>
         </p:spPr>
         <p:txBody>
@@ -6774,7 +7718,7 @@
     </p:spTree>
     <p:extLst>
       <p:ext uri="{BB962C8B-B14F-4D97-AF65-F5344CB8AC3E}">
-        <p14:creationId xmlns:p14="http://schemas.microsoft.com/office/powerpoint/2010/main" val="1792124995"/>
+        <p14:creationId xmlns:p14="http://schemas.microsoft.com/office/powerpoint/2010/main" val="3801174279"/>
       </p:ext>
     </p:extLst>
   </p:cSld>
@@ -6892,7 +7836,7 @@
     </p:spTree>
     <p:extLst>
       <p:ext uri="{BB962C8B-B14F-4D97-AF65-F5344CB8AC3E}">
-        <p14:creationId xmlns:p14="http://schemas.microsoft.com/office/powerpoint/2010/main" val="3607257806"/>
+        <p14:creationId xmlns:p14="http://schemas.microsoft.com/office/powerpoint/2010/main" val="1917702422"/>
       </p:ext>
     </p:extLst>
   </p:cSld>
@@ -6987,7 +7931,7 @@
     </p:spTree>
     <p:extLst>
       <p:ext uri="{BB962C8B-B14F-4D97-AF65-F5344CB8AC3E}">
-        <p14:creationId xmlns:p14="http://schemas.microsoft.com/office/powerpoint/2010/main" val="646796458"/>
+        <p14:creationId xmlns:p14="http://schemas.microsoft.com/office/powerpoint/2010/main" val="983432360"/>
       </p:ext>
     </p:extLst>
   </p:cSld>
@@ -7026,15 +7970,15 @@
         </p:nvSpPr>
         <p:spPr>
           <a:xfrm>
-            <a:off x="248000" y="703157"/>
-            <a:ext cx="1161239" cy="2461048"/>
+            <a:off x="231817" y="477626"/>
+            <a:ext cx="1085461" cy="1671691"/>
           </a:xfrm>
         </p:spPr>
         <p:txBody>
           <a:bodyPr anchor="b"/>
           <a:lstStyle>
             <a:lvl1pPr>
-              <a:defRPr sz="1260"/>
+              <a:defRPr sz="1178"/>
             </a:lvl1pPr>
           </a:lstStyle>
           <a:p>
@@ -7058,39 +8002,39 @@
         </p:nvSpPr>
         <p:spPr>
           <a:xfrm>
-            <a:off x="1530660" y="1518625"/>
-            <a:ext cx="1822728" cy="7495455"/>
+            <a:off x="1430776" y="1031541"/>
+            <a:ext cx="1703784" cy="5091359"/>
           </a:xfrm>
         </p:spPr>
         <p:txBody>
           <a:bodyPr/>
           <a:lstStyle>
             <a:lvl1pPr>
-              <a:defRPr sz="1260"/>
+              <a:defRPr sz="1178"/>
             </a:lvl1pPr>
             <a:lvl2pPr>
-              <a:defRPr sz="1103"/>
+              <a:defRPr sz="1031"/>
             </a:lvl2pPr>
             <a:lvl3pPr>
-              <a:defRPr sz="945"/>
+              <a:defRPr sz="883"/>
             </a:lvl3pPr>
             <a:lvl4pPr>
-              <a:defRPr sz="788"/>
+              <a:defRPr sz="736"/>
             </a:lvl4pPr>
             <a:lvl5pPr>
-              <a:defRPr sz="788"/>
+              <a:defRPr sz="736"/>
             </a:lvl5pPr>
             <a:lvl6pPr>
-              <a:defRPr sz="788"/>
+              <a:defRPr sz="736"/>
             </a:lvl6pPr>
             <a:lvl7pPr>
-              <a:defRPr sz="788"/>
+              <a:defRPr sz="736"/>
             </a:lvl7pPr>
             <a:lvl8pPr>
-              <a:defRPr sz="788"/>
+              <a:defRPr sz="736"/>
             </a:lvl8pPr>
             <a:lvl9pPr>
-              <a:defRPr sz="788"/>
+              <a:defRPr sz="736"/>
             </a:lvl9pPr>
           </a:lstStyle>
           <a:p>
@@ -7143,8 +8087,8 @@
         </p:nvSpPr>
         <p:spPr>
           <a:xfrm>
-            <a:off x="248000" y="3164205"/>
-            <a:ext cx="1161239" cy="5862081"/>
+            <a:off x="231817" y="2149316"/>
+            <a:ext cx="1085461" cy="3981875"/>
           </a:xfrm>
         </p:spPr>
         <p:txBody>
@@ -7152,39 +8096,39 @@
           <a:lstStyle>
             <a:lvl1pPr marL="0" indent="0">
               <a:buNone/>
-              <a:defRPr sz="630"/>
+              <a:defRPr sz="589"/>
             </a:lvl1pPr>
-            <a:lvl2pPr marL="180045" indent="0">
+            <a:lvl2pPr marL="168295" indent="0">
               <a:buNone/>
-              <a:defRPr sz="551"/>
+              <a:defRPr sz="515"/>
             </a:lvl2pPr>
-            <a:lvl3pPr marL="360091" indent="0">
+            <a:lvl3pPr marL="336591" indent="0">
               <a:buNone/>
-              <a:defRPr sz="473"/>
+              <a:defRPr sz="442"/>
             </a:lvl3pPr>
-            <a:lvl4pPr marL="540136" indent="0">
+            <a:lvl4pPr marL="504886" indent="0">
               <a:buNone/>
-              <a:defRPr sz="394"/>
+              <a:defRPr sz="368"/>
             </a:lvl4pPr>
-            <a:lvl5pPr marL="720181" indent="0">
+            <a:lvl5pPr marL="673181" indent="0">
               <a:buNone/>
-              <a:defRPr sz="394"/>
+              <a:defRPr sz="368"/>
             </a:lvl5pPr>
-            <a:lvl6pPr marL="900227" indent="0">
+            <a:lvl6pPr marL="841477" indent="0">
               <a:buNone/>
-              <a:defRPr sz="394"/>
+              <a:defRPr sz="368"/>
             </a:lvl6pPr>
-            <a:lvl7pPr marL="1080272" indent="0">
+            <a:lvl7pPr marL="1009772" indent="0">
               <a:buNone/>
-              <a:defRPr sz="394"/>
+              <a:defRPr sz="368"/>
             </a:lvl7pPr>
-            <a:lvl8pPr marL="1260318" indent="0">
+            <a:lvl8pPr marL="1178067" indent="0">
               <a:buNone/>
-              <a:defRPr sz="394"/>
+              <a:defRPr sz="368"/>
             </a:lvl8pPr>
-            <a:lvl9pPr marL="1440363" indent="0">
+            <a:lvl9pPr marL="1346363" indent="0">
               <a:buNone/>
-              <a:defRPr sz="394"/>
+              <a:defRPr sz="368"/>
             </a:lvl9pPr>
           </a:lstStyle>
           <a:p>
@@ -7264,7 +8208,7 @@
     </p:spTree>
     <p:extLst>
       <p:ext uri="{BB962C8B-B14F-4D97-AF65-F5344CB8AC3E}">
-        <p14:creationId xmlns:p14="http://schemas.microsoft.com/office/powerpoint/2010/main" val="3977535777"/>
+        <p14:creationId xmlns:p14="http://schemas.microsoft.com/office/powerpoint/2010/main" val="4155527290"/>
       </p:ext>
     </p:extLst>
   </p:cSld>
@@ -7303,15 +8247,15 @@
         </p:nvSpPr>
         <p:spPr>
           <a:xfrm>
-            <a:off x="248000" y="703157"/>
-            <a:ext cx="1161239" cy="2461048"/>
+            <a:off x="231817" y="477626"/>
+            <a:ext cx="1085461" cy="1671691"/>
           </a:xfrm>
         </p:spPr>
         <p:txBody>
           <a:bodyPr anchor="b"/>
           <a:lstStyle>
             <a:lvl1pPr>
-              <a:defRPr sz="1260"/>
+              <a:defRPr sz="1178"/>
             </a:lvl1pPr>
           </a:lstStyle>
           <a:p>
@@ -7335,8 +8279,8 @@
         </p:nvSpPr>
         <p:spPr>
           <a:xfrm>
-            <a:off x="1530660" y="1518625"/>
-            <a:ext cx="1822728" cy="7495455"/>
+            <a:off x="1430776" y="1031541"/>
+            <a:ext cx="1703784" cy="5091359"/>
           </a:xfrm>
         </p:spPr>
         <p:txBody>
@@ -7344,39 +8288,39 @@
           <a:lstStyle>
             <a:lvl1pPr marL="0" indent="0">
               <a:buNone/>
-              <a:defRPr sz="1260"/>
+              <a:defRPr sz="1178"/>
             </a:lvl1pPr>
-            <a:lvl2pPr marL="180045" indent="0">
+            <a:lvl2pPr marL="168295" indent="0">
               <a:buNone/>
-              <a:defRPr sz="1103"/>
+              <a:defRPr sz="1031"/>
             </a:lvl2pPr>
-            <a:lvl3pPr marL="360091" indent="0">
+            <a:lvl3pPr marL="336591" indent="0">
               <a:buNone/>
-              <a:defRPr sz="945"/>
+              <a:defRPr sz="883"/>
             </a:lvl3pPr>
-            <a:lvl4pPr marL="540136" indent="0">
+            <a:lvl4pPr marL="504886" indent="0">
               <a:buNone/>
-              <a:defRPr sz="788"/>
+              <a:defRPr sz="736"/>
             </a:lvl4pPr>
-            <a:lvl5pPr marL="720181" indent="0">
+            <a:lvl5pPr marL="673181" indent="0">
               <a:buNone/>
-              <a:defRPr sz="788"/>
+              <a:defRPr sz="736"/>
             </a:lvl5pPr>
-            <a:lvl6pPr marL="900227" indent="0">
+            <a:lvl6pPr marL="841477" indent="0">
               <a:buNone/>
-              <a:defRPr sz="788"/>
+              <a:defRPr sz="736"/>
             </a:lvl6pPr>
-            <a:lvl7pPr marL="1080272" indent="0">
+            <a:lvl7pPr marL="1009772" indent="0">
               <a:buNone/>
-              <a:defRPr sz="788"/>
+              <a:defRPr sz="736"/>
             </a:lvl7pPr>
-            <a:lvl8pPr marL="1260318" indent="0">
+            <a:lvl8pPr marL="1178067" indent="0">
               <a:buNone/>
-              <a:defRPr sz="788"/>
+              <a:defRPr sz="736"/>
             </a:lvl8pPr>
-            <a:lvl9pPr marL="1440363" indent="0">
+            <a:lvl9pPr marL="1346363" indent="0">
               <a:buNone/>
-              <a:defRPr sz="788"/>
+              <a:defRPr sz="736"/>
             </a:lvl9pPr>
           </a:lstStyle>
           <a:p>
@@ -7400,8 +8344,8 @@
         </p:nvSpPr>
         <p:spPr>
           <a:xfrm>
-            <a:off x="248000" y="3164205"/>
-            <a:ext cx="1161239" cy="5862081"/>
+            <a:off x="231817" y="2149316"/>
+            <a:ext cx="1085461" cy="3981875"/>
           </a:xfrm>
         </p:spPr>
         <p:txBody>
@@ -7409,39 +8353,39 @@
           <a:lstStyle>
             <a:lvl1pPr marL="0" indent="0">
               <a:buNone/>
-              <a:defRPr sz="630"/>
+              <a:defRPr sz="589"/>
             </a:lvl1pPr>
-            <a:lvl2pPr marL="180045" indent="0">
+            <a:lvl2pPr marL="168295" indent="0">
               <a:buNone/>
-              <a:defRPr sz="551"/>
+              <a:defRPr sz="515"/>
             </a:lvl2pPr>
-            <a:lvl3pPr marL="360091" indent="0">
+            <a:lvl3pPr marL="336591" indent="0">
               <a:buNone/>
-              <a:defRPr sz="473"/>
+              <a:defRPr sz="442"/>
             </a:lvl3pPr>
-            <a:lvl4pPr marL="540136" indent="0">
+            <a:lvl4pPr marL="504886" indent="0">
               <a:buNone/>
-              <a:defRPr sz="394"/>
+              <a:defRPr sz="368"/>
             </a:lvl4pPr>
-            <a:lvl5pPr marL="720181" indent="0">
+            <a:lvl5pPr marL="673181" indent="0">
               <a:buNone/>
-              <a:defRPr sz="394"/>
+              <a:defRPr sz="368"/>
             </a:lvl5pPr>
-            <a:lvl6pPr marL="900227" indent="0">
+            <a:lvl6pPr marL="841477" indent="0">
               <a:buNone/>
-              <a:defRPr sz="394"/>
+              <a:defRPr sz="368"/>
             </a:lvl6pPr>
-            <a:lvl7pPr marL="1080272" indent="0">
+            <a:lvl7pPr marL="1009772" indent="0">
               <a:buNone/>
-              <a:defRPr sz="394"/>
+              <a:defRPr sz="368"/>
             </a:lvl7pPr>
-            <a:lvl8pPr marL="1260318" indent="0">
+            <a:lvl8pPr marL="1178067" indent="0">
               <a:buNone/>
-              <a:defRPr sz="394"/>
+              <a:defRPr sz="368"/>
             </a:lvl8pPr>
-            <a:lvl9pPr marL="1440363" indent="0">
+            <a:lvl9pPr marL="1346363" indent="0">
               <a:buNone/>
-              <a:defRPr sz="394"/>
+              <a:defRPr sz="368"/>
             </a:lvl9pPr>
           </a:lstStyle>
           <a:p>
@@ -7521,7 +8465,7 @@
     </p:spTree>
     <p:extLst>
       <p:ext uri="{BB962C8B-B14F-4D97-AF65-F5344CB8AC3E}">
-        <p14:creationId xmlns:p14="http://schemas.microsoft.com/office/powerpoint/2010/main" val="964044116"/>
+        <p14:creationId xmlns:p14="http://schemas.microsoft.com/office/powerpoint/2010/main" val="3295300511"/>
       </p:ext>
     </p:extLst>
   </p:cSld>
@@ -7565,8 +8509,8 @@
         </p:nvSpPr>
         <p:spPr>
           <a:xfrm>
-            <a:off x="247531" y="561551"/>
-            <a:ext cx="3105388" cy="2038667"/>
+            <a:off x="231378" y="381439"/>
+            <a:ext cx="2902744" cy="1384784"/>
           </a:xfrm>
           <a:prstGeom prst="rect">
             <a:avLst/>
@@ -7598,8 +8542,8 @@
         </p:nvSpPr>
         <p:spPr>
           <a:xfrm>
-            <a:off x="247531" y="2807743"/>
-            <a:ext cx="3105388" cy="6692197"/>
+            <a:off x="231378" y="1907187"/>
+            <a:ext cx="2902744" cy="4545738"/>
           </a:xfrm>
           <a:prstGeom prst="rect">
             <a:avLst/>
@@ -7660,8 +8604,8 @@
         </p:nvSpPr>
         <p:spPr>
           <a:xfrm>
-            <a:off x="247531" y="9775833"/>
-            <a:ext cx="810101" cy="561549"/>
+            <a:off x="231378" y="6640328"/>
+            <a:ext cx="757238" cy="381437"/>
           </a:xfrm>
           <a:prstGeom prst="rect">
             <a:avLst/>
@@ -7671,7 +8615,7 @@
           <a:bodyPr vert="horz" lIns="91440" tIns="45720" rIns="91440" bIns="45720" rtlCol="0" anchor="ctr"/>
           <a:lstStyle>
             <a:lvl1pPr algn="l">
-              <a:defRPr sz="473">
+              <a:defRPr sz="442">
                 <a:solidFill>
                   <a:schemeClr val="tx1">
                     <a:tint val="75000"/>
@@ -7701,8 +8645,8 @@
         </p:nvSpPr>
         <p:spPr>
           <a:xfrm>
-            <a:off x="1192649" y="9775833"/>
-            <a:ext cx="1215152" cy="561549"/>
+            <a:off x="1114822" y="6640328"/>
+            <a:ext cx="1135856" cy="381437"/>
           </a:xfrm>
           <a:prstGeom prst="rect">
             <a:avLst/>
@@ -7712,7 +8656,7 @@
           <a:bodyPr vert="horz" lIns="91440" tIns="45720" rIns="91440" bIns="45720" rtlCol="0" anchor="ctr"/>
           <a:lstStyle>
             <a:lvl1pPr algn="ctr">
-              <a:defRPr sz="473">
+              <a:defRPr sz="442">
                 <a:solidFill>
                   <a:schemeClr val="tx1">
                     <a:tint val="75000"/>
@@ -7738,8 +8682,8 @@
         </p:nvSpPr>
         <p:spPr>
           <a:xfrm>
-            <a:off x="2542818" y="9775833"/>
-            <a:ext cx="810101" cy="561549"/>
+            <a:off x="2376884" y="6640328"/>
+            <a:ext cx="757238" cy="381437"/>
           </a:xfrm>
           <a:prstGeom prst="rect">
             <a:avLst/>
@@ -7749,7 +8693,7 @@
           <a:bodyPr vert="horz" lIns="91440" tIns="45720" rIns="91440" bIns="45720" rtlCol="0" anchor="ctr"/>
           <a:lstStyle>
             <a:lvl1pPr algn="r">
-              <a:defRPr sz="473">
+              <a:defRPr sz="442">
                 <a:solidFill>
                   <a:schemeClr val="tx1">
                     <a:tint val="75000"/>
@@ -7770,27 +8714,27 @@
     </p:spTree>
     <p:extLst>
       <p:ext uri="{BB962C8B-B14F-4D97-AF65-F5344CB8AC3E}">
-        <p14:creationId xmlns:p14="http://schemas.microsoft.com/office/powerpoint/2010/main" val="1725056291"/>
+        <p14:creationId xmlns:p14="http://schemas.microsoft.com/office/powerpoint/2010/main" val="816536588"/>
       </p:ext>
     </p:extLst>
   </p:cSld>
   <p:clrMap bg1="lt1" tx1="dk1" bg2="lt2" tx2="dk2" accent1="accent1" accent2="accent2" accent3="accent3" accent4="accent4" accent5="accent5" accent6="accent6" hlink="hlink" folHlink="folHlink"/>
   <p:sldLayoutIdLst>
-    <p:sldLayoutId id="2147483757" r:id="rId1"/>
-    <p:sldLayoutId id="2147483758" r:id="rId2"/>
-    <p:sldLayoutId id="2147483759" r:id="rId3"/>
-    <p:sldLayoutId id="2147483760" r:id="rId4"/>
-    <p:sldLayoutId id="2147483761" r:id="rId5"/>
-    <p:sldLayoutId id="2147483762" r:id="rId6"/>
-    <p:sldLayoutId id="2147483763" r:id="rId7"/>
-    <p:sldLayoutId id="2147483764" r:id="rId8"/>
-    <p:sldLayoutId id="2147483765" r:id="rId9"/>
-    <p:sldLayoutId id="2147483766" r:id="rId10"/>
-    <p:sldLayoutId id="2147483767" r:id="rId11"/>
+    <p:sldLayoutId id="2147483781" r:id="rId1"/>
+    <p:sldLayoutId id="2147483782" r:id="rId2"/>
+    <p:sldLayoutId id="2147483783" r:id="rId3"/>
+    <p:sldLayoutId id="2147483784" r:id="rId4"/>
+    <p:sldLayoutId id="2147483785" r:id="rId5"/>
+    <p:sldLayoutId id="2147483786" r:id="rId6"/>
+    <p:sldLayoutId id="2147483787" r:id="rId7"/>
+    <p:sldLayoutId id="2147483788" r:id="rId8"/>
+    <p:sldLayoutId id="2147483789" r:id="rId9"/>
+    <p:sldLayoutId id="2147483790" r:id="rId10"/>
+    <p:sldLayoutId id="2147483791" r:id="rId11"/>
   </p:sldLayoutIdLst>
   <p:txStyles>
     <p:titleStyle>
-      <a:lvl1pPr algn="l" defTabSz="360091" rtl="0" eaLnBrk="1" latinLnBrk="0" hangingPunct="1">
+      <a:lvl1pPr algn="l" defTabSz="336591" rtl="0" eaLnBrk="1" latinLnBrk="0" hangingPunct="1">
         <a:lnSpc>
           <a:spcPct val="90000"/>
         </a:lnSpc>
@@ -7798,7 +8742,7 @@
           <a:spcPct val="0"/>
         </a:spcBef>
         <a:buNone/>
-        <a:defRPr sz="1733" kern="1200">
+        <a:defRPr sz="1620" kern="1200">
           <a:solidFill>
             <a:schemeClr val="tx1"/>
           </a:solidFill>
@@ -7809,16 +8753,16 @@
       </a:lvl1pPr>
     </p:titleStyle>
     <p:bodyStyle>
-      <a:lvl1pPr marL="90023" indent="-90023" algn="l" defTabSz="360091" rtl="0" eaLnBrk="1" latinLnBrk="0" hangingPunct="1">
+      <a:lvl1pPr marL="84148" indent="-84148" algn="l" defTabSz="336591" rtl="0" eaLnBrk="1" latinLnBrk="0" hangingPunct="1">
         <a:lnSpc>
           <a:spcPct val="90000"/>
         </a:lnSpc>
         <a:spcBef>
-          <a:spcPts val="394"/>
+          <a:spcPts val="368"/>
         </a:spcBef>
         <a:buFont typeface="Arial" panose="020B0604020202020204" pitchFamily="34" charset="0"/>
         <a:buChar char="•"/>
-        <a:defRPr sz="1103" kern="1200">
+        <a:defRPr sz="1031" kern="1200">
           <a:solidFill>
             <a:schemeClr val="tx1"/>
           </a:solidFill>
@@ -7827,16 +8771,16 @@
           <a:cs typeface="+mn-cs"/>
         </a:defRPr>
       </a:lvl1pPr>
-      <a:lvl2pPr marL="270068" indent="-90023" algn="l" defTabSz="360091" rtl="0" eaLnBrk="1" latinLnBrk="0" hangingPunct="1">
+      <a:lvl2pPr marL="252443" indent="-84148" algn="l" defTabSz="336591" rtl="0" eaLnBrk="1" latinLnBrk="0" hangingPunct="1">
         <a:lnSpc>
           <a:spcPct val="90000"/>
         </a:lnSpc>
         <a:spcBef>
-          <a:spcPts val="197"/>
+          <a:spcPts val="184"/>
         </a:spcBef>
         <a:buFont typeface="Arial" panose="020B0604020202020204" pitchFamily="34" charset="0"/>
         <a:buChar char="•"/>
-        <a:defRPr sz="945" kern="1200">
+        <a:defRPr sz="883" kern="1200">
           <a:solidFill>
             <a:schemeClr val="tx1"/>
           </a:solidFill>
@@ -7845,16 +8789,16 @@
           <a:cs typeface="+mn-cs"/>
         </a:defRPr>
       </a:lvl2pPr>
-      <a:lvl3pPr marL="450113" indent="-90023" algn="l" defTabSz="360091" rtl="0" eaLnBrk="1" latinLnBrk="0" hangingPunct="1">
+      <a:lvl3pPr marL="420738" indent="-84148" algn="l" defTabSz="336591" rtl="0" eaLnBrk="1" latinLnBrk="0" hangingPunct="1">
         <a:lnSpc>
           <a:spcPct val="90000"/>
         </a:lnSpc>
         <a:spcBef>
-          <a:spcPts val="197"/>
+          <a:spcPts val="184"/>
         </a:spcBef>
         <a:buFont typeface="Arial" panose="020B0604020202020204" pitchFamily="34" charset="0"/>
         <a:buChar char="•"/>
-        <a:defRPr sz="788" kern="1200">
+        <a:defRPr sz="736" kern="1200">
           <a:solidFill>
             <a:schemeClr val="tx1"/>
           </a:solidFill>
@@ -7863,16 +8807,16 @@
           <a:cs typeface="+mn-cs"/>
         </a:defRPr>
       </a:lvl3pPr>
-      <a:lvl4pPr marL="630159" indent="-90023" algn="l" defTabSz="360091" rtl="0" eaLnBrk="1" latinLnBrk="0" hangingPunct="1">
+      <a:lvl4pPr marL="589034" indent="-84148" algn="l" defTabSz="336591" rtl="0" eaLnBrk="1" latinLnBrk="0" hangingPunct="1">
         <a:lnSpc>
           <a:spcPct val="90000"/>
         </a:lnSpc>
         <a:spcBef>
-          <a:spcPts val="197"/>
+          <a:spcPts val="184"/>
         </a:spcBef>
         <a:buFont typeface="Arial" panose="020B0604020202020204" pitchFamily="34" charset="0"/>
         <a:buChar char="•"/>
-        <a:defRPr sz="709" kern="1200">
+        <a:defRPr sz="663" kern="1200">
           <a:solidFill>
             <a:schemeClr val="tx1"/>
           </a:solidFill>
@@ -7881,16 +8825,16 @@
           <a:cs typeface="+mn-cs"/>
         </a:defRPr>
       </a:lvl4pPr>
-      <a:lvl5pPr marL="810204" indent="-90023" algn="l" defTabSz="360091" rtl="0" eaLnBrk="1" latinLnBrk="0" hangingPunct="1">
+      <a:lvl5pPr marL="757329" indent="-84148" algn="l" defTabSz="336591" rtl="0" eaLnBrk="1" latinLnBrk="0" hangingPunct="1">
         <a:lnSpc>
           <a:spcPct val="90000"/>
         </a:lnSpc>
         <a:spcBef>
-          <a:spcPts val="197"/>
+          <a:spcPts val="184"/>
         </a:spcBef>
         <a:buFont typeface="Arial" panose="020B0604020202020204" pitchFamily="34" charset="0"/>
         <a:buChar char="•"/>
-        <a:defRPr sz="709" kern="1200">
+        <a:defRPr sz="663" kern="1200">
           <a:solidFill>
             <a:schemeClr val="tx1"/>
           </a:solidFill>
@@ -7899,16 +8843,16 @@
           <a:cs typeface="+mn-cs"/>
         </a:defRPr>
       </a:lvl5pPr>
-      <a:lvl6pPr marL="990249" indent="-90023" algn="l" defTabSz="360091" rtl="0" eaLnBrk="1" latinLnBrk="0" hangingPunct="1">
+      <a:lvl6pPr marL="925624" indent="-84148" algn="l" defTabSz="336591" rtl="0" eaLnBrk="1" latinLnBrk="0" hangingPunct="1">
         <a:lnSpc>
           <a:spcPct val="90000"/>
         </a:lnSpc>
         <a:spcBef>
-          <a:spcPts val="197"/>
+          <a:spcPts val="184"/>
         </a:spcBef>
         <a:buFont typeface="Arial" panose="020B0604020202020204" pitchFamily="34" charset="0"/>
         <a:buChar char="•"/>
-        <a:defRPr sz="709" kern="1200">
+        <a:defRPr sz="663" kern="1200">
           <a:solidFill>
             <a:schemeClr val="tx1"/>
           </a:solidFill>
@@ -7917,16 +8861,16 @@
           <a:cs typeface="+mn-cs"/>
         </a:defRPr>
       </a:lvl6pPr>
-      <a:lvl7pPr marL="1170295" indent="-90023" algn="l" defTabSz="360091" rtl="0" eaLnBrk="1" latinLnBrk="0" hangingPunct="1">
+      <a:lvl7pPr marL="1093920" indent="-84148" algn="l" defTabSz="336591" rtl="0" eaLnBrk="1" latinLnBrk="0" hangingPunct="1">
         <a:lnSpc>
           <a:spcPct val="90000"/>
         </a:lnSpc>
         <a:spcBef>
-          <a:spcPts val="197"/>
+          <a:spcPts val="184"/>
         </a:spcBef>
         <a:buFont typeface="Arial" panose="020B0604020202020204" pitchFamily="34" charset="0"/>
         <a:buChar char="•"/>
-        <a:defRPr sz="709" kern="1200">
+        <a:defRPr sz="663" kern="1200">
           <a:solidFill>
             <a:schemeClr val="tx1"/>
           </a:solidFill>
@@ -7935,16 +8879,16 @@
           <a:cs typeface="+mn-cs"/>
         </a:defRPr>
       </a:lvl7pPr>
-      <a:lvl8pPr marL="1350340" indent="-90023" algn="l" defTabSz="360091" rtl="0" eaLnBrk="1" latinLnBrk="0" hangingPunct="1">
+      <a:lvl8pPr marL="1262215" indent="-84148" algn="l" defTabSz="336591" rtl="0" eaLnBrk="1" latinLnBrk="0" hangingPunct="1">
         <a:lnSpc>
           <a:spcPct val="90000"/>
         </a:lnSpc>
         <a:spcBef>
-          <a:spcPts val="197"/>
+          <a:spcPts val="184"/>
         </a:spcBef>
         <a:buFont typeface="Arial" panose="020B0604020202020204" pitchFamily="34" charset="0"/>
         <a:buChar char="•"/>
-        <a:defRPr sz="709" kern="1200">
+        <a:defRPr sz="663" kern="1200">
           <a:solidFill>
             <a:schemeClr val="tx1"/>
           </a:solidFill>
@@ -7953,16 +8897,16 @@
           <a:cs typeface="+mn-cs"/>
         </a:defRPr>
       </a:lvl8pPr>
-      <a:lvl9pPr marL="1530386" indent="-90023" algn="l" defTabSz="360091" rtl="0" eaLnBrk="1" latinLnBrk="0" hangingPunct="1">
+      <a:lvl9pPr marL="1430510" indent="-84148" algn="l" defTabSz="336591" rtl="0" eaLnBrk="1" latinLnBrk="0" hangingPunct="1">
         <a:lnSpc>
           <a:spcPct val="90000"/>
         </a:lnSpc>
         <a:spcBef>
-          <a:spcPts val="197"/>
+          <a:spcPts val="184"/>
         </a:spcBef>
         <a:buFont typeface="Arial" panose="020B0604020202020204" pitchFamily="34" charset="0"/>
         <a:buChar char="•"/>
-        <a:defRPr sz="709" kern="1200">
+        <a:defRPr sz="663" kern="1200">
           <a:solidFill>
             <a:schemeClr val="tx1"/>
           </a:solidFill>
@@ -7976,8 +8920,8 @@
       <a:defPPr>
         <a:defRPr lang="en-US"/>
       </a:defPPr>
-      <a:lvl1pPr marL="0" algn="l" defTabSz="360091" rtl="0" eaLnBrk="1" latinLnBrk="0" hangingPunct="1">
-        <a:defRPr sz="709" kern="1200">
+      <a:lvl1pPr marL="0" algn="l" defTabSz="336591" rtl="0" eaLnBrk="1" latinLnBrk="0" hangingPunct="1">
+        <a:defRPr sz="663" kern="1200">
           <a:solidFill>
             <a:schemeClr val="tx1"/>
           </a:solidFill>
@@ -7986,8 +8930,8 @@
           <a:cs typeface="+mn-cs"/>
         </a:defRPr>
       </a:lvl1pPr>
-      <a:lvl2pPr marL="180045" algn="l" defTabSz="360091" rtl="0" eaLnBrk="1" latinLnBrk="0" hangingPunct="1">
-        <a:defRPr sz="709" kern="1200">
+      <a:lvl2pPr marL="168295" algn="l" defTabSz="336591" rtl="0" eaLnBrk="1" latinLnBrk="0" hangingPunct="1">
+        <a:defRPr sz="663" kern="1200">
           <a:solidFill>
             <a:schemeClr val="tx1"/>
           </a:solidFill>
@@ -7996,8 +8940,8 @@
           <a:cs typeface="+mn-cs"/>
         </a:defRPr>
       </a:lvl2pPr>
-      <a:lvl3pPr marL="360091" algn="l" defTabSz="360091" rtl="0" eaLnBrk="1" latinLnBrk="0" hangingPunct="1">
-        <a:defRPr sz="709" kern="1200">
+      <a:lvl3pPr marL="336591" algn="l" defTabSz="336591" rtl="0" eaLnBrk="1" latinLnBrk="0" hangingPunct="1">
+        <a:defRPr sz="663" kern="1200">
           <a:solidFill>
             <a:schemeClr val="tx1"/>
           </a:solidFill>
@@ -8006,8 +8950,8 @@
           <a:cs typeface="+mn-cs"/>
         </a:defRPr>
       </a:lvl3pPr>
-      <a:lvl4pPr marL="540136" algn="l" defTabSz="360091" rtl="0" eaLnBrk="1" latinLnBrk="0" hangingPunct="1">
-        <a:defRPr sz="709" kern="1200">
+      <a:lvl4pPr marL="504886" algn="l" defTabSz="336591" rtl="0" eaLnBrk="1" latinLnBrk="0" hangingPunct="1">
+        <a:defRPr sz="663" kern="1200">
           <a:solidFill>
             <a:schemeClr val="tx1"/>
           </a:solidFill>
@@ -8016,8 +8960,8 @@
           <a:cs typeface="+mn-cs"/>
         </a:defRPr>
       </a:lvl4pPr>
-      <a:lvl5pPr marL="720181" algn="l" defTabSz="360091" rtl="0" eaLnBrk="1" latinLnBrk="0" hangingPunct="1">
-        <a:defRPr sz="709" kern="1200">
+      <a:lvl5pPr marL="673181" algn="l" defTabSz="336591" rtl="0" eaLnBrk="1" latinLnBrk="0" hangingPunct="1">
+        <a:defRPr sz="663" kern="1200">
           <a:solidFill>
             <a:schemeClr val="tx1"/>
           </a:solidFill>
@@ -8026,8 +8970,8 @@
           <a:cs typeface="+mn-cs"/>
         </a:defRPr>
       </a:lvl5pPr>
-      <a:lvl6pPr marL="900227" algn="l" defTabSz="360091" rtl="0" eaLnBrk="1" latinLnBrk="0" hangingPunct="1">
-        <a:defRPr sz="709" kern="1200">
+      <a:lvl6pPr marL="841477" algn="l" defTabSz="336591" rtl="0" eaLnBrk="1" latinLnBrk="0" hangingPunct="1">
+        <a:defRPr sz="663" kern="1200">
           <a:solidFill>
             <a:schemeClr val="tx1"/>
           </a:solidFill>
@@ -8036,8 +8980,8 @@
           <a:cs typeface="+mn-cs"/>
         </a:defRPr>
       </a:lvl6pPr>
-      <a:lvl7pPr marL="1080272" algn="l" defTabSz="360091" rtl="0" eaLnBrk="1" latinLnBrk="0" hangingPunct="1">
-        <a:defRPr sz="709" kern="1200">
+      <a:lvl7pPr marL="1009772" algn="l" defTabSz="336591" rtl="0" eaLnBrk="1" latinLnBrk="0" hangingPunct="1">
+        <a:defRPr sz="663" kern="1200">
           <a:solidFill>
             <a:schemeClr val="tx1"/>
           </a:solidFill>
@@ -8046,8 +8990,8 @@
           <a:cs typeface="+mn-cs"/>
         </a:defRPr>
       </a:lvl7pPr>
-      <a:lvl8pPr marL="1260318" algn="l" defTabSz="360091" rtl="0" eaLnBrk="1" latinLnBrk="0" hangingPunct="1">
-        <a:defRPr sz="709" kern="1200">
+      <a:lvl8pPr marL="1178067" algn="l" defTabSz="336591" rtl="0" eaLnBrk="1" latinLnBrk="0" hangingPunct="1">
+        <a:defRPr sz="663" kern="1200">
           <a:solidFill>
             <a:schemeClr val="tx1"/>
           </a:solidFill>
@@ -8056,8 +9000,8 @@
           <a:cs typeface="+mn-cs"/>
         </a:defRPr>
       </a:lvl8pPr>
-      <a:lvl9pPr marL="1440363" algn="l" defTabSz="360091" rtl="0" eaLnBrk="1" latinLnBrk="0" hangingPunct="1">
-        <a:defRPr sz="709" kern="1200">
+      <a:lvl9pPr marL="1346363" algn="l" defTabSz="336591" rtl="0" eaLnBrk="1" latinLnBrk="0" hangingPunct="1">
+        <a:defRPr sz="663" kern="1200">
           <a:solidFill>
             <a:schemeClr val="tx1"/>
           </a:solidFill>
@@ -8090,23 +9034,23 @@
       </p:grpSpPr>
       <p:cxnSp>
         <p:nvCxnSpPr>
-          <p:cNvPr id="182" name="Straight Arrow Connector 181">
+          <p:cNvPr id="264" name="Straight Arrow Connector 263">
             <a:extLst>
               <a:ext uri="{FF2B5EF4-FFF2-40B4-BE49-F238E27FC236}">
-                <a16:creationId xmlns:a16="http://schemas.microsoft.com/office/drawing/2014/main" id="{E9029CBA-5931-4EA3-B709-3C3824305408}"/>
+                <a16:creationId xmlns:a16="http://schemas.microsoft.com/office/drawing/2014/main" id="{1FF41559-BD00-4726-9E39-C00999B56896}"/>
               </a:ext>
             </a:extLst>
           </p:cNvPr>
           <p:cNvCxnSpPr>
             <a:cxnSpLocks/>
-            <a:stCxn id="209" idx="1"/>
+            <a:endCxn id="266" idx="3"/>
           </p:cNvCxnSpPr>
           <p:nvPr/>
         </p:nvCxnSpPr>
         <p:spPr>
           <a:xfrm flipH="1" flipV="1">
-            <a:off x="640852" y="602934"/>
-            <a:ext cx="398159" cy="2"/>
+            <a:off x="545349" y="314958"/>
+            <a:ext cx="391553" cy="178"/>
           </a:xfrm>
           <a:prstGeom prst="straightConnector1">
             <a:avLst/>
@@ -8135,10 +9079,10 @@
       </p:cxnSp>
       <p:sp>
         <p:nvSpPr>
-          <p:cNvPr id="183" name="Rectangle 182">
+          <p:cNvPr id="265" name="Rectangle 264">
             <a:extLst>
               <a:ext uri="{FF2B5EF4-FFF2-40B4-BE49-F238E27FC236}">
-                <a16:creationId xmlns:a16="http://schemas.microsoft.com/office/drawing/2014/main" id="{10014996-DF08-41E9-9D1E-2ABD5E174897}"/>
+                <a16:creationId xmlns:a16="http://schemas.microsoft.com/office/drawing/2014/main" id="{BBCEC9F5-2E46-45F5-B8F8-AE181445FC3D}"/>
               </a:ext>
             </a:extLst>
           </p:cNvPr>
@@ -8147,86 +9091,14 @@
         </p:nvSpPr>
         <p:spPr>
           <a:xfrm rot="16200000">
-            <a:off x="555386" y="516686"/>
-            <a:ext cx="647930" cy="172498"/>
+            <a:off x="464997" y="242477"/>
+            <a:ext cx="633446" cy="158210"/>
           </a:xfrm>
           <a:prstGeom prst="rect">
             <a:avLst/>
           </a:prstGeom>
           <a:solidFill>
             <a:schemeClr val="bg1"/>
-          </a:solidFill>
-          <a:ln>
-            <a:solidFill>
-              <a:schemeClr val="bg2">
-                <a:lumMod val="50000"/>
-              </a:schemeClr>
-            </a:solidFill>
-          </a:ln>
-        </p:spPr>
-        <p:style>
-          <a:lnRef idx="2">
-            <a:schemeClr val="accent1">
-              <a:shade val="50000"/>
-            </a:schemeClr>
-          </a:lnRef>
-          <a:fillRef idx="1">
-            <a:schemeClr val="accent1"/>
-          </a:fillRef>
-          <a:effectRef idx="0">
-            <a:schemeClr val="accent1"/>
-          </a:effectRef>
-          <a:fontRef idx="minor">
-            <a:schemeClr val="lt1"/>
-          </a:fontRef>
-        </p:style>
-        <p:txBody>
-          <a:bodyPr rtlCol="0" anchor="ctr"/>
-          <a:lstStyle/>
-          <a:p>
-            <a:pPr algn="ctr"/>
-            <a:r>
-              <a:rPr lang="en-GB" sz="600" dirty="0">
-                <a:solidFill>
-                  <a:schemeClr val="tx1">
-                    <a:lumMod val="65000"/>
-                    <a:lumOff val="35000"/>
-                  </a:schemeClr>
-                </a:solidFill>
-                <a:latin typeface="Arial" panose="020B0604020202020204" pitchFamily="34" charset="0"/>
-                <a:cs typeface="Arial" panose="020B0604020202020204" pitchFamily="34" charset="0"/>
-              </a:rPr>
-              <a:t>MAYBE YES</a:t>
-            </a:r>
-          </a:p>
-        </p:txBody>
-      </p:sp>
-      <p:sp>
-        <p:nvSpPr>
-          <p:cNvPr id="184" name="Rectangle: Rounded Corners 183">
-            <a:extLst>
-              <a:ext uri="{FF2B5EF4-FFF2-40B4-BE49-F238E27FC236}">
-                <a16:creationId xmlns:a16="http://schemas.microsoft.com/office/drawing/2014/main" id="{7B170783-C8D9-4147-9766-6AE84A65873C}"/>
-              </a:ext>
-            </a:extLst>
-          </p:cNvPr>
-          <p:cNvSpPr/>
-          <p:nvPr/>
-        </p:nvSpPr>
-        <p:spPr>
-          <a:xfrm>
-            <a:off x="47625" y="278969"/>
-            <a:ext cx="593227" cy="633446"/>
-          </a:xfrm>
-          <a:prstGeom prst="roundRect">
-            <a:avLst>
-              <a:gd name="adj" fmla="val 0"/>
-            </a:avLst>
-          </a:prstGeom>
-          <a:solidFill>
-            <a:schemeClr val="bg2">
-              <a:lumMod val="75000"/>
-            </a:schemeClr>
           </a:solidFill>
           <a:ln w="3175">
             <a:solidFill>
@@ -8258,24 +9130,27 @@
           <a:p>
             <a:pPr algn="ctr"/>
             <a:r>
-              <a:rPr lang="en-GB" sz="800" dirty="0">
+              <a:rPr lang="en-GB" sz="600" dirty="0">
                 <a:solidFill>
-                  <a:schemeClr val="tx1"/>
+                  <a:schemeClr val="tx1">
+                    <a:lumMod val="65000"/>
+                    <a:lumOff val="35000"/>
+                  </a:schemeClr>
                 </a:solidFill>
                 <a:latin typeface="Arial" panose="020B0604020202020204" pitchFamily="34" charset="0"/>
                 <a:cs typeface="Arial" panose="020B0604020202020204" pitchFamily="34" charset="0"/>
               </a:rPr>
-              <a:t>No further actions would be needed </a:t>
+              <a:t>MAYBE YES</a:t>
             </a:r>
           </a:p>
         </p:txBody>
       </p:sp>
       <p:sp>
         <p:nvSpPr>
-          <p:cNvPr id="185" name="Rectangle 184">
+          <p:cNvPr id="266" name="Rectangle: Rounded Corners 265">
             <a:extLst>
               <a:ext uri="{FF2B5EF4-FFF2-40B4-BE49-F238E27FC236}">
-                <a16:creationId xmlns:a16="http://schemas.microsoft.com/office/drawing/2014/main" id="{3DC7DBC3-93C4-47D2-92A6-31CE34ADC086}"/>
+                <a16:creationId xmlns:a16="http://schemas.microsoft.com/office/drawing/2014/main" id="{74524FB7-856F-4C68-B76A-52A55DE02741}"/>
               </a:ext>
             </a:extLst>
           </p:cNvPr>
@@ -8284,15 +9159,23 @@
         </p:nvSpPr>
         <p:spPr>
           <a:xfrm>
-            <a:off x="1157996" y="18107"/>
-            <a:ext cx="2104392" cy="143515"/>
+            <a:off x="19455" y="87820"/>
+            <a:ext cx="525894" cy="454275"/>
           </a:xfrm>
-          <a:prstGeom prst="rect">
-            <a:avLst/>
+          <a:prstGeom prst="roundRect">
+            <a:avLst>
+              <a:gd name="adj" fmla="val 0"/>
+            </a:avLst>
           </a:prstGeom>
-          <a:noFill/>
+          <a:solidFill>
+            <a:schemeClr val="bg2"/>
+          </a:solidFill>
           <a:ln w="3175">
-            <a:noFill/>
+            <a:solidFill>
+              <a:schemeClr val="bg2">
+                <a:lumMod val="50000"/>
+              </a:schemeClr>
+            </a:solidFill>
           </a:ln>
         </p:spPr>
         <p:style>
@@ -8317,38 +9200,41 @@
           <a:p>
             <a:pPr algn="ctr"/>
             <a:r>
-              <a:rPr lang="en-GB" sz="800" b="1" dirty="0">
+              <a:rPr lang="en-GB" sz="600" dirty="0">
                 <a:solidFill>
-                  <a:schemeClr val="tx1"/>
+                  <a:schemeClr val="tx1">
+                    <a:lumMod val="65000"/>
+                    <a:lumOff val="35000"/>
+                  </a:schemeClr>
                 </a:solidFill>
                 <a:latin typeface="Arial" panose="020B0604020202020204" pitchFamily="34" charset="0"/>
                 <a:cs typeface="Arial" panose="020B0604020202020204" pitchFamily="34" charset="0"/>
               </a:rPr>
-              <a:t>Research Question</a:t>
+              <a:t>No further actions would be needed </a:t>
             </a:r>
           </a:p>
         </p:txBody>
       </p:sp>
       <p:cxnSp>
         <p:nvCxnSpPr>
-          <p:cNvPr id="186" name="Straight Arrow Connector 185">
+          <p:cNvPr id="267" name="Straight Arrow Connector 266">
             <a:extLst>
               <a:ext uri="{FF2B5EF4-FFF2-40B4-BE49-F238E27FC236}">
-                <a16:creationId xmlns:a16="http://schemas.microsoft.com/office/drawing/2014/main" id="{AA4CB908-A9FE-49FC-BAA3-65CB70C74B46}"/>
+                <a16:creationId xmlns:a16="http://schemas.microsoft.com/office/drawing/2014/main" id="{1B8CE2ED-77B5-4D4E-81C3-BE1E2D367806}"/>
               </a:ext>
             </a:extLst>
           </p:cNvPr>
           <p:cNvCxnSpPr>
             <a:cxnSpLocks/>
-            <a:stCxn id="209" idx="2"/>
-            <a:endCxn id="188" idx="0"/>
+            <a:stCxn id="288" idx="2"/>
+            <a:endCxn id="269" idx="0"/>
           </p:cNvCxnSpPr>
           <p:nvPr/>
         </p:nvCxnSpPr>
         <p:spPr>
           <a:xfrm flipH="1">
-            <a:off x="2210192" y="1048281"/>
-            <a:ext cx="1" cy="351941"/>
+            <a:off x="2105404" y="597744"/>
+            <a:ext cx="14" cy="344460"/>
           </a:xfrm>
           <a:prstGeom prst="straightConnector1">
             <a:avLst/>
@@ -8377,10 +9263,10 @@
       </p:cxnSp>
       <p:sp>
         <p:nvSpPr>
-          <p:cNvPr id="187" name="Rectangle 186">
+          <p:cNvPr id="268" name="Rectangle 267">
             <a:extLst>
               <a:ext uri="{FF2B5EF4-FFF2-40B4-BE49-F238E27FC236}">
-                <a16:creationId xmlns:a16="http://schemas.microsoft.com/office/drawing/2014/main" id="{743161DB-A90A-4A6E-B6AE-D0496C3E027E}"/>
+                <a16:creationId xmlns:a16="http://schemas.microsoft.com/office/drawing/2014/main" id="{40DD6A86-7650-443F-B5F1-A476F5D869D5}"/>
               </a:ext>
             </a:extLst>
           </p:cNvPr>
@@ -8389,7 +9275,7 @@
         </p:nvSpPr>
         <p:spPr>
           <a:xfrm>
-            <a:off x="1880401" y="1127631"/>
+            <a:off x="1775626" y="669613"/>
             <a:ext cx="659582" cy="141172"/>
           </a:xfrm>
           <a:prstGeom prst="rect">
@@ -8398,7 +9284,7 @@
           <a:solidFill>
             <a:schemeClr val="bg1"/>
           </a:solidFill>
-          <a:ln>
+          <a:ln w="3175">
             <a:solidFill>
               <a:schemeClr val="bg2">
                 <a:lumMod val="50000"/>
@@ -8445,10 +9331,10 @@
       </p:sp>
       <p:sp>
         <p:nvSpPr>
-          <p:cNvPr id="188" name="Rectangle: Rounded Corners 187">
+          <p:cNvPr id="269" name="Rectangle: Rounded Corners 268">
             <a:extLst>
               <a:ext uri="{FF2B5EF4-FFF2-40B4-BE49-F238E27FC236}">
-                <a16:creationId xmlns:a16="http://schemas.microsoft.com/office/drawing/2014/main" id="{124EAE42-A621-4FFB-A04C-1F9F4F158916}"/>
+                <a16:creationId xmlns:a16="http://schemas.microsoft.com/office/drawing/2014/main" id="{68B2D5C7-6A30-482F-BC56-8ADB33C2642C}"/>
               </a:ext>
             </a:extLst>
           </p:cNvPr>
@@ -8457,8 +9343,8 @@
         </p:nvSpPr>
         <p:spPr>
           <a:xfrm>
-            <a:off x="1574951" y="1400222"/>
-            <a:ext cx="1270481" cy="368557"/>
+            <a:off x="1449124" y="942204"/>
+            <a:ext cx="1312559" cy="232229"/>
           </a:xfrm>
           <a:prstGeom prst="roundRect">
             <a:avLst>
@@ -8501,9 +9387,12 @@
           <a:p>
             <a:pPr algn="ctr"/>
             <a:r>
-              <a:rPr lang="en-GB" sz="800" dirty="0">
+              <a:rPr lang="en-GB" sz="600" dirty="0">
                 <a:solidFill>
-                  <a:schemeClr val="tx1"/>
+                  <a:schemeClr val="tx1">
+                    <a:lumMod val="65000"/>
+                    <a:lumOff val="35000"/>
+                  </a:schemeClr>
                 </a:solidFill>
                 <a:latin typeface="Arial" panose="020B0604020202020204" pitchFamily="34" charset="0"/>
                 <a:cs typeface="Arial" panose="020B0604020202020204" pitchFamily="34" charset="0"/>
@@ -8515,10 +9404,10 @@
       </p:sp>
       <p:sp>
         <p:nvSpPr>
-          <p:cNvPr id="189" name="Rectangle: Rounded Corners 188">
+          <p:cNvPr id="270" name="Rectangle: Rounded Corners 269">
             <a:extLst>
               <a:ext uri="{FF2B5EF4-FFF2-40B4-BE49-F238E27FC236}">
-                <a16:creationId xmlns:a16="http://schemas.microsoft.com/office/drawing/2014/main" id="{08A6135F-36F3-4EEC-B778-EE38D8FA4C36}"/>
+                <a16:creationId xmlns:a16="http://schemas.microsoft.com/office/drawing/2014/main" id="{58F7A73A-0E22-45E5-9EF0-FC0C44A2D98B}"/>
               </a:ext>
             </a:extLst>
           </p:cNvPr>
@@ -8527,8 +9416,8 @@
         </p:nvSpPr>
         <p:spPr>
           <a:xfrm>
-            <a:off x="1039005" y="1959442"/>
-            <a:ext cx="2342349" cy="450000"/>
+            <a:off x="934230" y="1353140"/>
+            <a:ext cx="2340000" cy="250357"/>
           </a:xfrm>
           <a:prstGeom prst="roundRect">
             <a:avLst>
@@ -8536,9 +9425,7 @@
             </a:avLst>
           </a:prstGeom>
           <a:solidFill>
-            <a:schemeClr val="bg2">
-              <a:lumMod val="75000"/>
-            </a:schemeClr>
+            <a:schemeClr val="bg2"/>
           </a:solidFill>
           <a:ln w="3175">
             <a:solidFill>
@@ -8570,49 +9457,41 @@
           <a:p>
             <a:pPr algn="ctr"/>
             <a:r>
-              <a:rPr lang="en-GB" sz="800" dirty="0">
+              <a:rPr lang="en-GB" sz="600" dirty="0">
                 <a:solidFill>
-                  <a:schemeClr val="tx1"/>
+                  <a:schemeClr val="tx1">
+                    <a:lumMod val="65000"/>
+                    <a:lumOff val="35000"/>
+                  </a:schemeClr>
                 </a:solidFill>
                 <a:latin typeface="Arial" panose="020B0604020202020204" pitchFamily="34" charset="0"/>
                 <a:cs typeface="Arial" panose="020B0604020202020204" pitchFamily="34" charset="0"/>
               </a:rPr>
-              <a:t>Find volunteers to test ecPoint forecasts in their operational environment </a:t>
-            </a:r>
-          </a:p>
-          <a:p>
-            <a:pPr algn="ctr"/>
-            <a:r>
-              <a:rPr lang="en-GB" sz="800" dirty="0">
-                <a:solidFill>
-                  <a:schemeClr val="tx1"/>
-                </a:solidFill>
-                <a:latin typeface="Arial" panose="020B0604020202020204" pitchFamily="34" charset="0"/>
-                <a:cs typeface="Arial" panose="020B0604020202020204" pitchFamily="34" charset="0"/>
-              </a:rPr>
-              <a:t>(IMN &amp; OMSZ joined the experiment)</a:t>
+              <a:t>Find volunteers to test ecPoint forecasts in their operational environment (IMN &amp; OMSZ joined the experiment)</a:t>
             </a:r>
           </a:p>
         </p:txBody>
       </p:sp>
       <p:cxnSp>
         <p:nvCxnSpPr>
-          <p:cNvPr id="190" name="Straight Arrow Connector 189">
+          <p:cNvPr id="271" name="Straight Arrow Connector 270">
             <a:extLst>
               <a:ext uri="{FF2B5EF4-FFF2-40B4-BE49-F238E27FC236}">
-                <a16:creationId xmlns:a16="http://schemas.microsoft.com/office/drawing/2014/main" id="{3524CCF5-A45E-4278-8F6B-77D15132D3BC}"/>
+                <a16:creationId xmlns:a16="http://schemas.microsoft.com/office/drawing/2014/main" id="{1A30078F-C4CD-469A-BEDC-10DE683F0F55}"/>
               </a:ext>
             </a:extLst>
           </p:cNvPr>
           <p:cNvCxnSpPr>
             <a:cxnSpLocks/>
+            <a:stCxn id="269" idx="2"/>
+            <a:endCxn id="270" idx="0"/>
           </p:cNvCxnSpPr>
           <p:nvPr/>
         </p:nvCxnSpPr>
         <p:spPr>
-          <a:xfrm rot="16200000" flipH="1">
-            <a:off x="2131540" y="1869443"/>
-            <a:ext cx="180000" cy="0"/>
+          <a:xfrm flipH="1">
+            <a:off x="2104230" y="1174433"/>
+            <a:ext cx="1174" cy="178707"/>
           </a:xfrm>
           <a:prstGeom prst="straightConnector1">
             <a:avLst/>
@@ -8641,10 +9520,10 @@
       </p:cxnSp>
       <p:sp>
         <p:nvSpPr>
-          <p:cNvPr id="191" name="Rectangle: Rounded Corners 190">
+          <p:cNvPr id="272" name="Rectangle: Rounded Corners 271">
             <a:extLst>
               <a:ext uri="{FF2B5EF4-FFF2-40B4-BE49-F238E27FC236}">
-                <a16:creationId xmlns:a16="http://schemas.microsoft.com/office/drawing/2014/main" id="{949A950B-941D-43FE-9EEC-0CFFC14D38BD}"/>
+                <a16:creationId xmlns:a16="http://schemas.microsoft.com/office/drawing/2014/main" id="{CE200B3C-FC65-4245-82B5-9E23715ADD96}"/>
               </a:ext>
             </a:extLst>
           </p:cNvPr>
@@ -8653,8 +9532,8 @@
         </p:nvSpPr>
         <p:spPr>
           <a:xfrm>
-            <a:off x="1045675" y="2604344"/>
-            <a:ext cx="2342348" cy="216000"/>
+            <a:off x="934230" y="1787908"/>
+            <a:ext cx="2340000" cy="126000"/>
           </a:xfrm>
           <a:prstGeom prst="roundRect">
             <a:avLst>
@@ -8662,9 +9541,7 @@
             </a:avLst>
           </a:prstGeom>
           <a:solidFill>
-            <a:schemeClr val="bg2">
-              <a:lumMod val="75000"/>
-            </a:schemeClr>
+            <a:schemeClr val="bg2"/>
           </a:solidFill>
           <a:ln w="3175">
             <a:solidFill>
@@ -8696,9 +9573,12 @@
           <a:p>
             <a:pPr algn="ctr"/>
             <a:r>
-              <a:rPr lang="en-GB" sz="800" dirty="0">
+              <a:rPr lang="en-GB" sz="600" dirty="0">
                 <a:solidFill>
-                  <a:schemeClr val="tx1"/>
+                  <a:schemeClr val="tx1">
+                    <a:lumMod val="65000"/>
+                    <a:lumOff val="35000"/>
+                  </a:schemeClr>
                 </a:solidFill>
                 <a:latin typeface="Arial" panose="020B0604020202020204" pitchFamily="34" charset="0"/>
                 <a:cs typeface="Arial" panose="020B0604020202020204" pitchFamily="34" charset="0"/>
@@ -8710,22 +9590,23 @@
       </p:sp>
       <p:cxnSp>
         <p:nvCxnSpPr>
-          <p:cNvPr id="192" name="Straight Arrow Connector 191">
+          <p:cNvPr id="273" name="Straight Arrow Connector 272">
             <a:extLst>
               <a:ext uri="{FF2B5EF4-FFF2-40B4-BE49-F238E27FC236}">
-                <a16:creationId xmlns:a16="http://schemas.microsoft.com/office/drawing/2014/main" id="{B473CF8F-6559-47EA-9E66-A28BCE36BFB7}"/>
+                <a16:creationId xmlns:a16="http://schemas.microsoft.com/office/drawing/2014/main" id="{7EE362E5-9911-4119-9A38-D1C910D204F0}"/>
               </a:ext>
             </a:extLst>
           </p:cNvPr>
           <p:cNvCxnSpPr>
             <a:cxnSpLocks/>
-            <a:stCxn id="212" idx="2"/>
+            <a:stCxn id="291" idx="2"/>
+            <a:endCxn id="274" idx="0"/>
           </p:cNvCxnSpPr>
           <p:nvPr/>
         </p:nvCxnSpPr>
         <p:spPr>
           <a:xfrm>
-            <a:off x="2216848" y="3452707"/>
+            <a:off x="2104230" y="2333295"/>
             <a:ext cx="0" cy="180000"/>
           </a:xfrm>
           <a:prstGeom prst="straightConnector1">
@@ -8755,10 +9636,10 @@
       </p:cxnSp>
       <p:sp>
         <p:nvSpPr>
-          <p:cNvPr id="193" name="Rectangle: Rounded Corners 192">
+          <p:cNvPr id="274" name="Rectangle: Rounded Corners 273">
             <a:extLst>
               <a:ext uri="{FF2B5EF4-FFF2-40B4-BE49-F238E27FC236}">
-                <a16:creationId xmlns:a16="http://schemas.microsoft.com/office/drawing/2014/main" id="{67FED56A-E5D1-4317-B0B6-F0672D09E07E}"/>
+                <a16:creationId xmlns:a16="http://schemas.microsoft.com/office/drawing/2014/main" id="{9FBD6828-15C3-4E4B-A176-6D4A43ED0DAE}"/>
               </a:ext>
             </a:extLst>
           </p:cNvPr>
@@ -8767,8 +9648,8 @@
         </p:nvSpPr>
         <p:spPr>
           <a:xfrm>
-            <a:off x="1062268" y="3626984"/>
-            <a:ext cx="2329004" cy="306000"/>
+            <a:off x="934230" y="2532045"/>
+            <a:ext cx="2340000" cy="252000"/>
           </a:xfrm>
           <a:prstGeom prst="roundRect">
             <a:avLst>
@@ -8776,9 +9657,7 @@
             </a:avLst>
           </a:prstGeom>
           <a:solidFill>
-            <a:schemeClr val="bg2">
-              <a:lumMod val="75000"/>
-            </a:schemeClr>
+            <a:schemeClr val="bg2"/>
           </a:solidFill>
           <a:ln w="3175">
             <a:solidFill>
@@ -8810,9 +9689,12 @@
           <a:p>
             <a:pPr algn="ctr"/>
             <a:r>
-              <a:rPr lang="en-GB" sz="800" dirty="0">
+              <a:rPr lang="en-GB" sz="600" dirty="0">
                 <a:solidFill>
-                  <a:schemeClr val="tx1"/>
+                  <a:schemeClr val="tx1">
+                    <a:lumMod val="65000"/>
+                    <a:lumOff val="35000"/>
+                  </a:schemeClr>
                 </a:solidFill>
                 <a:latin typeface="Arial" panose="020B0604020202020204" pitchFamily="34" charset="0"/>
                 <a:cs typeface="Arial" panose="020B0604020202020204" pitchFamily="34" charset="0"/>
@@ -8824,10 +9706,10 @@
       </p:sp>
       <p:sp>
         <p:nvSpPr>
-          <p:cNvPr id="194" name="Rectangle: Rounded Corners 193">
+          <p:cNvPr id="275" name="Rectangle: Rounded Corners 274">
             <a:extLst>
               <a:ext uri="{FF2B5EF4-FFF2-40B4-BE49-F238E27FC236}">
-                <a16:creationId xmlns:a16="http://schemas.microsoft.com/office/drawing/2014/main" id="{A9A0ADA0-581B-4300-BFE5-3C26F6BCA954}"/>
+                <a16:creationId xmlns:a16="http://schemas.microsoft.com/office/drawing/2014/main" id="{A2AEB448-4F6C-4193-AC6F-0230FC209869}"/>
               </a:ext>
             </a:extLst>
           </p:cNvPr>
@@ -8836,8 +9718,8 @@
         </p:nvSpPr>
         <p:spPr>
           <a:xfrm>
-            <a:off x="1062268" y="4128792"/>
-            <a:ext cx="2319080" cy="366953"/>
+            <a:off x="934230" y="2964093"/>
+            <a:ext cx="2340000" cy="126000"/>
           </a:xfrm>
           <a:prstGeom prst="roundRect">
             <a:avLst>
@@ -8845,9 +9727,7 @@
             </a:avLst>
           </a:prstGeom>
           <a:solidFill>
-            <a:schemeClr val="bg2">
-              <a:lumMod val="75000"/>
-            </a:schemeClr>
+            <a:schemeClr val="bg2"/>
           </a:solidFill>
           <a:ln w="3175">
             <a:solidFill>
@@ -8879,9 +9759,12 @@
           <a:p>
             <a:pPr algn="ctr"/>
             <a:r>
-              <a:rPr lang="en-GB" sz="800" dirty="0">
+              <a:rPr lang="en-GB" sz="600" dirty="0">
                 <a:solidFill>
-                  <a:schemeClr val="tx1"/>
+                  <a:schemeClr val="tx1">
+                    <a:lumMod val="65000"/>
+                    <a:lumOff val="35000"/>
+                  </a:schemeClr>
                 </a:solidFill>
                 <a:latin typeface="Arial" panose="020B0604020202020204" pitchFamily="34" charset="0"/>
                 <a:cs typeface="Arial" panose="020B0604020202020204" pitchFamily="34" charset="0"/>
@@ -8893,22 +9776,23 @@
       </p:sp>
       <p:cxnSp>
         <p:nvCxnSpPr>
-          <p:cNvPr id="195" name="Straight Arrow Connector 194">
+          <p:cNvPr id="276" name="Straight Arrow Connector 275">
             <a:extLst>
               <a:ext uri="{FF2B5EF4-FFF2-40B4-BE49-F238E27FC236}">
-                <a16:creationId xmlns:a16="http://schemas.microsoft.com/office/drawing/2014/main" id="{DB6B199D-381C-471E-8376-137993F1ABAE}"/>
+                <a16:creationId xmlns:a16="http://schemas.microsoft.com/office/drawing/2014/main" id="{947FC0D4-B662-4219-8FB9-250F8043DFEF}"/>
               </a:ext>
             </a:extLst>
           </p:cNvPr>
           <p:cNvCxnSpPr>
             <a:cxnSpLocks/>
+            <a:stCxn id="275" idx="2"/>
           </p:cNvCxnSpPr>
           <p:nvPr/>
         </p:nvCxnSpPr>
         <p:spPr>
-          <a:xfrm rot="16200000" flipH="1">
-            <a:off x="2136671" y="4585902"/>
-            <a:ext cx="180000" cy="0"/>
+          <a:xfrm>
+            <a:off x="2104230" y="3090093"/>
+            <a:ext cx="0" cy="180000"/>
           </a:xfrm>
           <a:prstGeom prst="straightConnector1">
             <a:avLst/>
@@ -8937,10 +9821,10 @@
       </p:cxnSp>
       <p:sp>
         <p:nvSpPr>
-          <p:cNvPr id="196" name="Rectangle: Rounded Corners 195">
+          <p:cNvPr id="277" name="Rectangle: Rounded Corners 276">
             <a:extLst>
               <a:ext uri="{FF2B5EF4-FFF2-40B4-BE49-F238E27FC236}">
-                <a16:creationId xmlns:a16="http://schemas.microsoft.com/office/drawing/2014/main" id="{19621084-7FF3-4523-B658-B9958800A4E7}"/>
+                <a16:creationId xmlns:a16="http://schemas.microsoft.com/office/drawing/2014/main" id="{8EA89C0C-4B16-49CC-BEB9-1B5C18494F32}"/>
               </a:ext>
             </a:extLst>
           </p:cNvPr>
@@ -8949,8 +9833,8 @@
         </p:nvSpPr>
         <p:spPr>
           <a:xfrm>
-            <a:off x="1057626" y="6094303"/>
-            <a:ext cx="2319079" cy="825623"/>
+            <a:off x="934231" y="4164173"/>
+            <a:ext cx="2342364" cy="357353"/>
           </a:xfrm>
           <a:prstGeom prst="roundRect">
             <a:avLst>
@@ -8958,9 +9842,7 @@
             </a:avLst>
           </a:prstGeom>
           <a:solidFill>
-            <a:schemeClr val="bg2">
-              <a:lumMod val="75000"/>
-            </a:schemeClr>
+            <a:schemeClr val="bg2"/>
           </a:solidFill>
           <a:ln w="3175">
             <a:solidFill>
@@ -8992,9 +9874,12 @@
           <a:p>
             <a:pPr algn="ctr"/>
             <a:r>
-              <a:rPr lang="en-GB" sz="800" dirty="0">
+              <a:rPr lang="en-GB" sz="600" dirty="0">
                 <a:solidFill>
-                  <a:schemeClr val="tx1"/>
+                  <a:schemeClr val="tx1">
+                    <a:lumMod val="65000"/>
+                    <a:lumOff val="35000"/>
+                  </a:schemeClr>
                 </a:solidFill>
                 <a:latin typeface="Arial" panose="020B0604020202020204" pitchFamily="34" charset="0"/>
                 <a:cs typeface="Arial" panose="020B0604020202020204" pitchFamily="34" charset="0"/>
@@ -9006,10 +9891,10 @@
       </p:sp>
       <p:sp>
         <p:nvSpPr>
-          <p:cNvPr id="197" name="Rectangle: Rounded Corners 196">
+          <p:cNvPr id="278" name="Rectangle: Rounded Corners 277">
             <a:extLst>
               <a:ext uri="{FF2B5EF4-FFF2-40B4-BE49-F238E27FC236}">
-                <a16:creationId xmlns:a16="http://schemas.microsoft.com/office/drawing/2014/main" id="{D47521AC-230F-4081-9630-18B20D3D11FF}"/>
+                <a16:creationId xmlns:a16="http://schemas.microsoft.com/office/drawing/2014/main" id="{DE1E4121-36A0-4C0A-80D0-D2DED433F7D4}"/>
               </a:ext>
             </a:extLst>
           </p:cNvPr>
@@ -9018,8 +9903,8 @@
         </p:nvSpPr>
         <p:spPr>
           <a:xfrm>
-            <a:off x="1057626" y="7113020"/>
-            <a:ext cx="2312403" cy="364816"/>
+            <a:off x="934230" y="4698365"/>
+            <a:ext cx="2344821" cy="252000"/>
           </a:xfrm>
           <a:prstGeom prst="roundRect">
             <a:avLst>
@@ -9027,9 +9912,7 @@
             </a:avLst>
           </a:prstGeom>
           <a:solidFill>
-            <a:schemeClr val="bg2">
-              <a:lumMod val="75000"/>
-            </a:schemeClr>
+            <a:schemeClr val="bg2"/>
           </a:solidFill>
           <a:ln w="3175">
             <a:solidFill>
@@ -9061,38 +9944,41 @@
           <a:p>
             <a:pPr algn="ctr"/>
             <a:r>
-              <a:rPr lang="en-GB" sz="800" dirty="0">
+              <a:rPr lang="en-GB" sz="600" dirty="0">
                 <a:solidFill>
-                  <a:schemeClr val="tx1"/>
+                  <a:schemeClr val="tx1">
+                    <a:lumMod val="65000"/>
+                    <a:lumOff val="35000"/>
+                  </a:schemeClr>
                 </a:solidFill>
                 <a:latin typeface="Arial" panose="020B0604020202020204" pitchFamily="34" charset="0"/>
                 <a:cs typeface="Arial" panose="020B0604020202020204" pitchFamily="34" charset="0"/>
               </a:rPr>
-              <a:t>Formulation of a new strategy to communicate ecPoint forecasts.</a:t>
+              <a:t>Formulation of a new strategy to communicate ecPoint forecasts more effectively</a:t>
             </a:r>
           </a:p>
         </p:txBody>
       </p:sp>
       <p:cxnSp>
         <p:nvCxnSpPr>
-          <p:cNvPr id="198" name="Straight Arrow Connector 197">
+          <p:cNvPr id="279" name="Straight Arrow Connector 278">
             <a:extLst>
               <a:ext uri="{FF2B5EF4-FFF2-40B4-BE49-F238E27FC236}">
-                <a16:creationId xmlns:a16="http://schemas.microsoft.com/office/drawing/2014/main" id="{9595FAE8-5BA4-4AE1-99DF-6976A14D4918}"/>
+                <a16:creationId xmlns:a16="http://schemas.microsoft.com/office/drawing/2014/main" id="{41C27A7F-DE9E-4451-8DCC-00FE36A28105}"/>
               </a:ext>
             </a:extLst>
           </p:cNvPr>
           <p:cNvCxnSpPr>
             <a:cxnSpLocks/>
-            <a:stCxn id="196" idx="2"/>
-            <a:endCxn id="197" idx="0"/>
+            <a:stCxn id="277" idx="2"/>
+            <a:endCxn id="278" idx="0"/>
           </p:cNvCxnSpPr>
           <p:nvPr/>
         </p:nvCxnSpPr>
         <p:spPr>
-          <a:xfrm flipH="1">
-            <a:off x="2213828" y="6919926"/>
-            <a:ext cx="0" cy="193094"/>
+          <a:xfrm>
+            <a:off x="2105413" y="4521526"/>
+            <a:ext cx="1228" cy="176839"/>
           </a:xfrm>
           <a:prstGeom prst="straightConnector1">
             <a:avLst/>
@@ -9121,24 +10007,24 @@
       </p:cxnSp>
       <p:cxnSp>
         <p:nvCxnSpPr>
-          <p:cNvPr id="199" name="Straight Arrow Connector 198">
+          <p:cNvPr id="280" name="Straight Arrow Connector 279">
             <a:extLst>
               <a:ext uri="{FF2B5EF4-FFF2-40B4-BE49-F238E27FC236}">
-                <a16:creationId xmlns:a16="http://schemas.microsoft.com/office/drawing/2014/main" id="{E251F78D-FA76-4704-8CCB-4C016CA112C7}"/>
+                <a16:creationId xmlns:a16="http://schemas.microsoft.com/office/drawing/2014/main" id="{9299990A-6370-4608-8C04-0B76BF19A629}"/>
               </a:ext>
             </a:extLst>
           </p:cNvPr>
           <p:cNvCxnSpPr>
             <a:cxnSpLocks/>
-            <a:stCxn id="197" idx="2"/>
-            <a:endCxn id="200" idx="0"/>
+            <a:stCxn id="278" idx="2"/>
+            <a:endCxn id="281" idx="0"/>
           </p:cNvCxnSpPr>
           <p:nvPr/>
         </p:nvCxnSpPr>
         <p:spPr>
           <a:xfrm>
-            <a:off x="2213828" y="7477836"/>
-            <a:ext cx="0" cy="173467"/>
+            <a:off x="2106641" y="4950365"/>
+            <a:ext cx="0" cy="180000"/>
           </a:xfrm>
           <a:prstGeom prst="straightConnector1">
             <a:avLst/>
@@ -9167,10 +10053,10 @@
       </p:cxnSp>
       <p:sp>
         <p:nvSpPr>
-          <p:cNvPr id="200" name="Rectangle: Rounded Corners 199">
+          <p:cNvPr id="281" name="Rectangle: Rounded Corners 280">
             <a:extLst>
               <a:ext uri="{FF2B5EF4-FFF2-40B4-BE49-F238E27FC236}">
-                <a16:creationId xmlns:a16="http://schemas.microsoft.com/office/drawing/2014/main" id="{031D25B4-AEA7-4767-9C21-0162032E84B9}"/>
+                <a16:creationId xmlns:a16="http://schemas.microsoft.com/office/drawing/2014/main" id="{51204AA6-6310-4D69-A312-88F495253301}"/>
               </a:ext>
             </a:extLst>
           </p:cNvPr>
@@ -9179,8 +10065,8 @@
         </p:nvSpPr>
         <p:spPr>
           <a:xfrm>
-            <a:off x="1057626" y="7651303"/>
-            <a:ext cx="2319071" cy="336914"/>
+            <a:off x="942690" y="5140000"/>
+            <a:ext cx="2339999" cy="336914"/>
           </a:xfrm>
           <a:prstGeom prst="roundRect">
             <a:avLst>
@@ -9188,9 +10074,7 @@
             </a:avLst>
           </a:prstGeom>
           <a:solidFill>
-            <a:schemeClr val="bg2">
-              <a:lumMod val="75000"/>
-            </a:schemeClr>
+            <a:schemeClr val="bg2"/>
           </a:solidFill>
           <a:ln w="3175">
             <a:solidFill>
@@ -9222,37 +10106,40 @@
           <a:p>
             <a:pPr algn="ctr"/>
             <a:r>
-              <a:rPr lang="en-GB" sz="800" dirty="0">
+              <a:rPr lang="en-GB" sz="600" dirty="0">
                 <a:solidFill>
-                  <a:schemeClr val="tx1"/>
+                  <a:schemeClr val="tx1">
+                    <a:lumMod val="65000"/>
+                    <a:lumOff val="35000"/>
+                  </a:schemeClr>
                 </a:solidFill>
                 <a:latin typeface="Arial" panose="020B0604020202020204" pitchFamily="34" charset="0"/>
                 <a:cs typeface="Arial" panose="020B0604020202020204" pitchFamily="34" charset="0"/>
               </a:rPr>
-              <a:t>Discussion of IMN and OMSZ case studies under the revised training.</a:t>
+              <a:t>Discussion of the cases proposed by IMN and OMSZ under the revised training</a:t>
             </a:r>
           </a:p>
         </p:txBody>
       </p:sp>
       <p:cxnSp>
         <p:nvCxnSpPr>
-          <p:cNvPr id="201" name="Straight Arrow Connector 200">
+          <p:cNvPr id="282" name="Straight Arrow Connector 281">
             <a:extLst>
               <a:ext uri="{FF2B5EF4-FFF2-40B4-BE49-F238E27FC236}">
-                <a16:creationId xmlns:a16="http://schemas.microsoft.com/office/drawing/2014/main" id="{D522DD08-5E6D-4F50-808B-45A35824C20D}"/>
+                <a16:creationId xmlns:a16="http://schemas.microsoft.com/office/drawing/2014/main" id="{941F29D2-69D6-4D41-966E-8B657571843E}"/>
               </a:ext>
             </a:extLst>
           </p:cNvPr>
           <p:cNvCxnSpPr>
             <a:cxnSpLocks/>
-            <a:endCxn id="196" idx="1"/>
+            <a:endCxn id="277" idx="1"/>
           </p:cNvCxnSpPr>
           <p:nvPr/>
         </p:nvCxnSpPr>
         <p:spPr>
           <a:xfrm>
-            <a:off x="628255" y="6506359"/>
-            <a:ext cx="429371" cy="756"/>
+            <a:off x="504983" y="4342850"/>
+            <a:ext cx="429248" cy="0"/>
           </a:xfrm>
           <a:prstGeom prst="straightConnector1">
             <a:avLst/>
@@ -9281,10 +10168,10 @@
       </p:cxnSp>
       <p:cxnSp>
         <p:nvCxnSpPr>
-          <p:cNvPr id="202" name="Straight Connector 201">
+          <p:cNvPr id="283" name="Straight Connector 282">
             <a:extLst>
               <a:ext uri="{FF2B5EF4-FFF2-40B4-BE49-F238E27FC236}">
-                <a16:creationId xmlns:a16="http://schemas.microsoft.com/office/drawing/2014/main" id="{372BC6DD-CE10-4A57-93DB-D7D6A12D5174}"/>
+                <a16:creationId xmlns:a16="http://schemas.microsoft.com/office/drawing/2014/main" id="{750B615B-22C7-4A19-94A6-5B11F67254D0}"/>
               </a:ext>
             </a:extLst>
           </p:cNvPr>
@@ -9295,7 +10182,7 @@
         </p:nvCxnSpPr>
         <p:spPr>
           <a:xfrm>
-            <a:off x="628715" y="8706712"/>
+            <a:off x="508020" y="5941191"/>
             <a:ext cx="429371" cy="0"/>
           </a:xfrm>
           <a:prstGeom prst="line">
@@ -9324,10 +10211,10 @@
       </p:cxnSp>
       <p:cxnSp>
         <p:nvCxnSpPr>
-          <p:cNvPr id="203" name="Straight Connector 202">
+          <p:cNvPr id="284" name="Straight Connector 283">
             <a:extLst>
               <a:ext uri="{FF2B5EF4-FFF2-40B4-BE49-F238E27FC236}">
-                <a16:creationId xmlns:a16="http://schemas.microsoft.com/office/drawing/2014/main" id="{545C19BC-93ED-4AF6-B849-F6C52B77964F}"/>
+                <a16:creationId xmlns:a16="http://schemas.microsoft.com/office/drawing/2014/main" id="{F190A940-27A0-40AD-B014-97F0CFE2D648}"/>
               </a:ext>
             </a:extLst>
           </p:cNvPr>
@@ -9337,9 +10224,9 @@
           <p:nvPr/>
         </p:nvCxnSpPr>
         <p:spPr>
-          <a:xfrm>
-            <a:off x="628715" y="6506359"/>
-            <a:ext cx="3140" cy="2193447"/>
+          <a:xfrm flipH="1">
+            <a:off x="504983" y="4342850"/>
+            <a:ext cx="3037" cy="1598341"/>
           </a:xfrm>
           <a:prstGeom prst="line">
             <a:avLst/>
@@ -9367,10 +10254,10 @@
       </p:cxnSp>
       <p:sp>
         <p:nvSpPr>
-          <p:cNvPr id="204" name="Parallelogram 203">
+          <p:cNvPr id="285" name="Parallelogram 284">
             <a:extLst>
               <a:ext uri="{FF2B5EF4-FFF2-40B4-BE49-F238E27FC236}">
-                <a16:creationId xmlns:a16="http://schemas.microsoft.com/office/drawing/2014/main" id="{FE47997A-BD1A-42FB-9122-0732DF790459}"/>
+                <a16:creationId xmlns:a16="http://schemas.microsoft.com/office/drawing/2014/main" id="{5E2021D7-22E2-4BB7-AC1C-FE3879EC5BFD}"/>
               </a:ext>
             </a:extLst>
           </p:cNvPr>
@@ -9379,8 +10266,8 @@
         </p:nvSpPr>
         <p:spPr>
           <a:xfrm>
-            <a:off x="1299671" y="9601327"/>
-            <a:ext cx="1827356" cy="353392"/>
+            <a:off x="1444410" y="6511772"/>
+            <a:ext cx="1312559" cy="275682"/>
           </a:xfrm>
           <a:prstGeom prst="parallelogram">
             <a:avLst/>
@@ -9421,24 +10308,27 @@
           <a:p>
             <a:pPr algn="ctr"/>
             <a:r>
-              <a:rPr lang="en-GB" sz="800" dirty="0">
+              <a:rPr lang="en-GB" sz="600" dirty="0">
                 <a:solidFill>
-                  <a:schemeClr val="tx1"/>
+                  <a:schemeClr val="tx1">
+                    <a:lumMod val="65000"/>
+                    <a:lumOff val="35000"/>
+                  </a:schemeClr>
                 </a:solidFill>
                 <a:latin typeface="Arial" panose="020B0604020202020204" pitchFamily="34" charset="0"/>
                 <a:cs typeface="Arial" panose="020B0604020202020204" pitchFamily="34" charset="0"/>
               </a:rPr>
-              <a:t>New revised guidelines for ecPoint forecasts</a:t>
+              <a:t>Revised ecPoint guidelines</a:t>
             </a:r>
           </a:p>
         </p:txBody>
       </p:sp>
       <p:cxnSp>
         <p:nvCxnSpPr>
-          <p:cNvPr id="205" name="Straight Arrow Connector 204">
+          <p:cNvPr id="286" name="Straight Arrow Connector 285">
             <a:extLst>
               <a:ext uri="{FF2B5EF4-FFF2-40B4-BE49-F238E27FC236}">
-                <a16:creationId xmlns:a16="http://schemas.microsoft.com/office/drawing/2014/main" id="{12FD9522-509B-4251-A316-B74D00264B8E}"/>
+                <a16:creationId xmlns:a16="http://schemas.microsoft.com/office/drawing/2014/main" id="{B0AEFE78-E47C-4D49-8B40-A2A3615B31ED}"/>
               </a:ext>
             </a:extLst>
           </p:cNvPr>
@@ -9448,9 +10338,9 @@
           <p:nvPr/>
         </p:nvCxnSpPr>
         <p:spPr>
-          <a:xfrm flipH="1">
-            <a:off x="2220594" y="9241327"/>
-            <a:ext cx="2" cy="360000"/>
+          <a:xfrm>
+            <a:off x="2119362" y="6222237"/>
+            <a:ext cx="3539" cy="289535"/>
           </a:xfrm>
           <a:prstGeom prst="straightConnector1">
             <a:avLst/>
@@ -9479,10 +10369,10 @@
       </p:cxnSp>
       <p:sp>
         <p:nvSpPr>
-          <p:cNvPr id="206" name="Rectangle 205">
+          <p:cNvPr id="287" name="Rectangle 286">
             <a:extLst>
               <a:ext uri="{FF2B5EF4-FFF2-40B4-BE49-F238E27FC236}">
-                <a16:creationId xmlns:a16="http://schemas.microsoft.com/office/drawing/2014/main" id="{588AD1CA-748B-4229-AFE6-608AD0DD42C0}"/>
+                <a16:creationId xmlns:a16="http://schemas.microsoft.com/office/drawing/2014/main" id="{59931251-638B-4D5B-A531-0EB51EB7A28A}"/>
               </a:ext>
             </a:extLst>
           </p:cNvPr>
@@ -9491,7 +10381,7 @@
         </p:nvSpPr>
         <p:spPr>
           <a:xfrm>
-            <a:off x="2064356" y="9314703"/>
+            <a:off x="1963122" y="6260443"/>
             <a:ext cx="339160" cy="149676"/>
           </a:xfrm>
           <a:prstGeom prst="rect">
@@ -9500,7 +10390,7 @@
           <a:solidFill>
             <a:schemeClr val="bg1"/>
           </a:solidFill>
-          <a:ln>
+          <a:ln w="3175">
             <a:solidFill>
               <a:schemeClr val="bg2">
                 <a:lumMod val="50000"/>
@@ -9545,24 +10435,165 @@
           </a:p>
         </p:txBody>
       </p:sp>
+      <p:sp>
+        <p:nvSpPr>
+          <p:cNvPr id="288" name="Diamond 287">
+            <a:extLst>
+              <a:ext uri="{FF2B5EF4-FFF2-40B4-BE49-F238E27FC236}">
+                <a16:creationId xmlns:a16="http://schemas.microsoft.com/office/drawing/2014/main" id="{39E1C81E-A68E-4CEB-9CF9-CBB38E1EAB9B}"/>
+              </a:ext>
+            </a:extLst>
+          </p:cNvPr>
+          <p:cNvSpPr/>
+          <p:nvPr/>
+        </p:nvSpPr>
+        <p:spPr>
+          <a:xfrm>
+            <a:off x="934236" y="32528"/>
+            <a:ext cx="2342364" cy="565216"/>
+          </a:xfrm>
+          <a:prstGeom prst="diamond">
+            <a:avLst/>
+          </a:prstGeom>
+          <a:solidFill>
+            <a:srgbClr val="FFCC00"/>
+          </a:solidFill>
+          <a:ln w="3175">
+            <a:solidFill>
+              <a:schemeClr val="bg2">
+                <a:lumMod val="75000"/>
+              </a:schemeClr>
+            </a:solidFill>
+          </a:ln>
+        </p:spPr>
+        <p:style>
+          <a:lnRef idx="2">
+            <a:schemeClr val="accent1">
+              <a:shade val="50000"/>
+            </a:schemeClr>
+          </a:lnRef>
+          <a:fillRef idx="1">
+            <a:schemeClr val="accent1"/>
+          </a:fillRef>
+          <a:effectRef idx="0">
+            <a:schemeClr val="accent1"/>
+          </a:effectRef>
+          <a:fontRef idx="minor">
+            <a:schemeClr val="lt1"/>
+          </a:fontRef>
+        </p:style>
+        <p:txBody>
+          <a:bodyPr rtlCol="0" anchor="ctr"/>
+          <a:lstStyle/>
+          <a:p>
+            <a:pPr algn="ctr"/>
+            <a:endParaRPr lang="en-GB" sz="600" dirty="0">
+              <a:solidFill>
+                <a:schemeClr val="tx1">
+                  <a:lumMod val="65000"/>
+                  <a:lumOff val="35000"/>
+                </a:schemeClr>
+              </a:solidFill>
+              <a:latin typeface="Arial" panose="020B0604020202020204" pitchFamily="34" charset="0"/>
+              <a:cs typeface="Arial" panose="020B0604020202020204" pitchFamily="34" charset="0"/>
+            </a:endParaRPr>
+          </a:p>
+        </p:txBody>
+      </p:sp>
+      <p:sp>
+        <p:nvSpPr>
+          <p:cNvPr id="289" name="Rectangle 288">
+            <a:extLst>
+              <a:ext uri="{FF2B5EF4-FFF2-40B4-BE49-F238E27FC236}">
+                <a16:creationId xmlns:a16="http://schemas.microsoft.com/office/drawing/2014/main" id="{44568DC1-CD15-46E3-87EA-EE4DF9225733}"/>
+              </a:ext>
+            </a:extLst>
+          </p:cNvPr>
+          <p:cNvSpPr/>
+          <p:nvPr/>
+        </p:nvSpPr>
+        <p:spPr>
+          <a:xfrm>
+            <a:off x="1348946" y="-241563"/>
+            <a:ext cx="1512943" cy="1166298"/>
+          </a:xfrm>
+          <a:prstGeom prst="rect">
+            <a:avLst/>
+          </a:prstGeom>
+          <a:noFill/>
+          <a:ln w="3175">
+            <a:noFill/>
+          </a:ln>
+        </p:spPr>
+        <p:style>
+          <a:lnRef idx="2">
+            <a:schemeClr val="accent1">
+              <a:shade val="50000"/>
+            </a:schemeClr>
+          </a:lnRef>
+          <a:fillRef idx="1">
+            <a:schemeClr val="accent1"/>
+          </a:fillRef>
+          <a:effectRef idx="0">
+            <a:schemeClr val="accent1"/>
+          </a:effectRef>
+          <a:fontRef idx="minor">
+            <a:schemeClr val="lt1"/>
+          </a:fontRef>
+        </p:style>
+        <p:txBody>
+          <a:bodyPr rtlCol="0" anchor="ctr"/>
+          <a:lstStyle/>
+          <a:p>
+            <a:pPr algn="ctr"/>
+            <a:endParaRPr lang="en-GB" sz="600" dirty="0">
+              <a:solidFill>
+                <a:schemeClr val="tx1">
+                  <a:lumMod val="65000"/>
+                  <a:lumOff val="35000"/>
+                </a:schemeClr>
+              </a:solidFill>
+              <a:latin typeface="Arial" panose="020B0604020202020204" pitchFamily="34" charset="0"/>
+              <a:cs typeface="Arial" panose="020B0604020202020204" pitchFamily="34" charset="0"/>
+            </a:endParaRPr>
+          </a:p>
+          <a:p>
+            <a:pPr algn="ctr"/>
+            <a:r>
+              <a:rPr lang="en-GB" sz="600" dirty="0">
+                <a:solidFill>
+                  <a:schemeClr val="tx1">
+                    <a:lumMod val="65000"/>
+                    <a:lumOff val="35000"/>
+                  </a:schemeClr>
+                </a:solidFill>
+                <a:latin typeface="Arial" panose="020B0604020202020204" pitchFamily="34" charset="0"/>
+                <a:cs typeface="Arial" panose="020B0604020202020204" pitchFamily="34" charset="0"/>
+              </a:rPr>
+              <a:t>Could traditional training for PEFs be effectively applied also for ecPoint forecasts?</a:t>
+            </a:r>
+          </a:p>
+        </p:txBody>
+      </p:sp>
       <p:cxnSp>
         <p:nvCxnSpPr>
-          <p:cNvPr id="207" name="Straight Arrow Connector 206">
+          <p:cNvPr id="290" name="Straight Arrow Connector 289">
             <a:extLst>
               <a:ext uri="{FF2B5EF4-FFF2-40B4-BE49-F238E27FC236}">
-                <a16:creationId xmlns:a16="http://schemas.microsoft.com/office/drawing/2014/main" id="{07A022A8-A690-4664-925E-A6EFE8D7625B}"/>
+                <a16:creationId xmlns:a16="http://schemas.microsoft.com/office/drawing/2014/main" id="{4C172158-B87E-404E-B7D5-7B0976468CF4}"/>
               </a:ext>
             </a:extLst>
           </p:cNvPr>
           <p:cNvCxnSpPr>
             <a:cxnSpLocks/>
-            <a:stCxn id="204" idx="4"/>
+            <a:stCxn id="270" idx="2"/>
+            <a:endCxn id="272" idx="0"/>
           </p:cNvCxnSpPr>
           <p:nvPr/>
         </p:nvCxnSpPr>
         <p:spPr>
           <a:xfrm>
-            <a:off x="2213349" y="9954719"/>
+            <a:off x="2104230" y="1603497"/>
             <a:ext cx="0" cy="180000"/>
           </a:xfrm>
           <a:prstGeom prst="straightConnector1">
@@ -9592,10 +10623,10 @@
       </p:cxnSp>
       <p:sp>
         <p:nvSpPr>
-          <p:cNvPr id="208" name="Rectangle: Rounded Corners 207">
+          <p:cNvPr id="291" name="Rectangle: Rounded Corners 290">
             <a:extLst>
               <a:ext uri="{FF2B5EF4-FFF2-40B4-BE49-F238E27FC236}">
-                <a16:creationId xmlns:a16="http://schemas.microsoft.com/office/drawing/2014/main" id="{CDF494CF-B5BE-4808-9B3F-4BF1660ECA3D}"/>
+                <a16:creationId xmlns:a16="http://schemas.microsoft.com/office/drawing/2014/main" id="{EF5A0844-CEAE-44E8-8196-AC0841D0F512}"/>
               </a:ext>
             </a:extLst>
           </p:cNvPr>
@@ -9604,8 +10635,1582 @@
         </p:nvSpPr>
         <p:spPr>
           <a:xfrm>
-            <a:off x="1570946" y="10134719"/>
-            <a:ext cx="1270800" cy="367200"/>
+            <a:off x="934230" y="2082861"/>
+            <a:ext cx="2340000" cy="250434"/>
+          </a:xfrm>
+          <a:prstGeom prst="roundRect">
+            <a:avLst>
+              <a:gd name="adj" fmla="val 0"/>
+            </a:avLst>
+          </a:prstGeom>
+          <a:solidFill>
+            <a:schemeClr val="bg2"/>
+          </a:solidFill>
+          <a:ln w="3175">
+            <a:solidFill>
+              <a:schemeClr val="bg2">
+                <a:lumMod val="50000"/>
+              </a:schemeClr>
+            </a:solidFill>
+          </a:ln>
+        </p:spPr>
+        <p:style>
+          <a:lnRef idx="2">
+            <a:schemeClr val="accent1">
+              <a:shade val="50000"/>
+            </a:schemeClr>
+          </a:lnRef>
+          <a:fillRef idx="1">
+            <a:schemeClr val="accent1"/>
+          </a:fillRef>
+          <a:effectRef idx="0">
+            <a:schemeClr val="accent1"/>
+          </a:effectRef>
+          <a:fontRef idx="minor">
+            <a:schemeClr val="lt1"/>
+          </a:fontRef>
+        </p:style>
+        <p:txBody>
+          <a:bodyPr rtlCol="0" anchor="ctr"/>
+          <a:lstStyle/>
+          <a:p>
+            <a:pPr algn="ctr"/>
+            <a:r>
+              <a:rPr lang="en-GB" sz="600" dirty="0">
+                <a:solidFill>
+                  <a:schemeClr val="tx1">
+                    <a:lumMod val="65000"/>
+                    <a:lumOff val="35000"/>
+                  </a:schemeClr>
+                </a:solidFill>
+                <a:latin typeface="Arial" panose="020B0604020202020204" pitchFamily="34" charset="0"/>
+                <a:cs typeface="Arial" panose="020B0604020202020204" pitchFamily="34" charset="0"/>
+              </a:rPr>
+              <a:t>Use over a 1-year period of ecPoint-Rainfall to predicting extreme localized events operational environments</a:t>
+            </a:r>
+          </a:p>
+        </p:txBody>
+      </p:sp>
+      <p:cxnSp>
+        <p:nvCxnSpPr>
+          <p:cNvPr id="292" name="Straight Arrow Connector 291">
+            <a:extLst>
+              <a:ext uri="{FF2B5EF4-FFF2-40B4-BE49-F238E27FC236}">
+                <a16:creationId xmlns:a16="http://schemas.microsoft.com/office/drawing/2014/main" id="{C6736CA6-68F1-448F-A89C-B471B62BE487}"/>
+              </a:ext>
+            </a:extLst>
+          </p:cNvPr>
+          <p:cNvCxnSpPr>
+            <a:cxnSpLocks/>
+            <a:stCxn id="281" idx="2"/>
+          </p:cNvCxnSpPr>
+          <p:nvPr/>
+        </p:nvCxnSpPr>
+        <p:spPr>
+          <a:xfrm>
+            <a:off x="2112690" y="5476914"/>
+            <a:ext cx="0" cy="180000"/>
+          </a:xfrm>
+          <a:prstGeom prst="straightConnector1">
+            <a:avLst/>
+          </a:prstGeom>
+          <a:ln>
+            <a:solidFill>
+              <a:srgbClr val="787878"/>
+            </a:solidFill>
+            <a:tailEnd type="triangle"/>
+          </a:ln>
+        </p:spPr>
+        <p:style>
+          <a:lnRef idx="1">
+            <a:schemeClr val="accent1"/>
+          </a:lnRef>
+          <a:fillRef idx="0">
+            <a:schemeClr val="accent1"/>
+          </a:fillRef>
+          <a:effectRef idx="0">
+            <a:schemeClr val="accent1"/>
+          </a:effectRef>
+          <a:fontRef idx="minor">
+            <a:schemeClr val="tx1"/>
+          </a:fontRef>
+        </p:style>
+      </p:cxnSp>
+      <p:sp>
+        <p:nvSpPr>
+          <p:cNvPr id="293" name="Rectangle 292">
+            <a:extLst>
+              <a:ext uri="{FF2B5EF4-FFF2-40B4-BE49-F238E27FC236}">
+                <a16:creationId xmlns:a16="http://schemas.microsoft.com/office/drawing/2014/main" id="{3741A75E-2684-4285-A509-E6300CDB9DB5}"/>
+              </a:ext>
+            </a:extLst>
+          </p:cNvPr>
+          <p:cNvSpPr/>
+          <p:nvPr/>
+        </p:nvSpPr>
+        <p:spPr>
+          <a:xfrm>
+            <a:off x="860825" y="1987198"/>
+            <a:ext cx="2462400" cy="830646"/>
+          </a:xfrm>
+          <a:prstGeom prst="rect">
+            <a:avLst/>
+          </a:prstGeom>
+          <a:noFill/>
+          <a:ln w="28575">
+            <a:solidFill>
+              <a:srgbClr val="0000FF"/>
+            </a:solidFill>
+            <a:prstDash val="solid"/>
+          </a:ln>
+        </p:spPr>
+        <p:style>
+          <a:lnRef idx="2">
+            <a:schemeClr val="accent1">
+              <a:shade val="50000"/>
+            </a:schemeClr>
+          </a:lnRef>
+          <a:fillRef idx="1">
+            <a:schemeClr val="accent1"/>
+          </a:fillRef>
+          <a:effectRef idx="0">
+            <a:schemeClr val="accent1"/>
+          </a:effectRef>
+          <a:fontRef idx="minor">
+            <a:schemeClr val="lt1"/>
+          </a:fontRef>
+        </p:style>
+        <p:txBody>
+          <a:bodyPr rtlCol="0" anchor="ctr"/>
+          <a:lstStyle/>
+          <a:p>
+            <a:pPr algn="ctr"/>
+            <a:endParaRPr lang="en-GB" sz="600">
+              <a:solidFill>
+                <a:schemeClr val="tx1">
+                  <a:lumMod val="65000"/>
+                  <a:lumOff val="35000"/>
+                </a:schemeClr>
+              </a:solidFill>
+            </a:endParaRPr>
+          </a:p>
+        </p:txBody>
+      </p:sp>
+      <p:cxnSp>
+        <p:nvCxnSpPr>
+          <p:cNvPr id="294" name="Straight Arrow Connector 293">
+            <a:extLst>
+              <a:ext uri="{FF2B5EF4-FFF2-40B4-BE49-F238E27FC236}">
+                <a16:creationId xmlns:a16="http://schemas.microsoft.com/office/drawing/2014/main" id="{9C5AFBCE-A318-4F05-BA05-4FEBFF9EE885}"/>
+              </a:ext>
+            </a:extLst>
+          </p:cNvPr>
+          <p:cNvCxnSpPr>
+            <a:cxnSpLocks/>
+            <a:stCxn id="272" idx="2"/>
+            <a:endCxn id="291" idx="0"/>
+          </p:cNvCxnSpPr>
+          <p:nvPr/>
+        </p:nvCxnSpPr>
+        <p:spPr>
+          <a:xfrm>
+            <a:off x="2104230" y="1913907"/>
+            <a:ext cx="0" cy="180000"/>
+          </a:xfrm>
+          <a:prstGeom prst="straightConnector1">
+            <a:avLst/>
+          </a:prstGeom>
+          <a:ln>
+            <a:solidFill>
+              <a:srgbClr val="787878"/>
+            </a:solidFill>
+            <a:tailEnd type="triangle"/>
+          </a:ln>
+        </p:spPr>
+        <p:style>
+          <a:lnRef idx="1">
+            <a:schemeClr val="accent1"/>
+          </a:lnRef>
+          <a:fillRef idx="0">
+            <a:schemeClr val="accent1"/>
+          </a:fillRef>
+          <a:effectRef idx="0">
+            <a:schemeClr val="accent1"/>
+          </a:effectRef>
+          <a:fontRef idx="minor">
+            <a:schemeClr val="tx1"/>
+          </a:fontRef>
+        </p:style>
+      </p:cxnSp>
+      <p:cxnSp>
+        <p:nvCxnSpPr>
+          <p:cNvPr id="295" name="Straight Arrow Connector 294">
+            <a:extLst>
+              <a:ext uri="{FF2B5EF4-FFF2-40B4-BE49-F238E27FC236}">
+                <a16:creationId xmlns:a16="http://schemas.microsoft.com/office/drawing/2014/main" id="{EBC3655F-6594-4C5E-B153-95243FD02587}"/>
+              </a:ext>
+            </a:extLst>
+          </p:cNvPr>
+          <p:cNvCxnSpPr>
+            <a:cxnSpLocks/>
+            <a:stCxn id="274" idx="2"/>
+            <a:endCxn id="275" idx="0"/>
+          </p:cNvCxnSpPr>
+          <p:nvPr/>
+        </p:nvCxnSpPr>
+        <p:spPr>
+          <a:xfrm>
+            <a:off x="2104230" y="2784045"/>
+            <a:ext cx="0" cy="180048"/>
+          </a:xfrm>
+          <a:prstGeom prst="straightConnector1">
+            <a:avLst/>
+          </a:prstGeom>
+          <a:ln>
+            <a:solidFill>
+              <a:srgbClr val="787878"/>
+            </a:solidFill>
+            <a:tailEnd type="triangle"/>
+          </a:ln>
+        </p:spPr>
+        <p:style>
+          <a:lnRef idx="1">
+            <a:schemeClr val="accent1"/>
+          </a:lnRef>
+          <a:fillRef idx="0">
+            <a:schemeClr val="accent1"/>
+          </a:fillRef>
+          <a:effectRef idx="0">
+            <a:schemeClr val="accent1"/>
+          </a:effectRef>
+          <a:fontRef idx="minor">
+            <a:schemeClr val="tx1"/>
+          </a:fontRef>
+        </p:style>
+      </p:cxnSp>
+      <p:sp>
+        <p:nvSpPr>
+          <p:cNvPr id="296" name="Rectangle 295">
+            <a:extLst>
+              <a:ext uri="{FF2B5EF4-FFF2-40B4-BE49-F238E27FC236}">
+                <a16:creationId xmlns:a16="http://schemas.microsoft.com/office/drawing/2014/main" id="{E3000998-2486-4D2B-8D55-8590EBA9C3C6}"/>
+              </a:ext>
+            </a:extLst>
+          </p:cNvPr>
+          <p:cNvSpPr/>
+          <p:nvPr/>
+        </p:nvSpPr>
+        <p:spPr>
+          <a:xfrm>
+            <a:off x="860825" y="1666802"/>
+            <a:ext cx="2462400" cy="288080"/>
+          </a:xfrm>
+          <a:prstGeom prst="rect">
+            <a:avLst/>
+          </a:prstGeom>
+          <a:noFill/>
+          <a:ln w="28575">
+            <a:solidFill>
+              <a:srgbClr val="00CCFF"/>
+            </a:solidFill>
+            <a:prstDash val="solid"/>
+          </a:ln>
+        </p:spPr>
+        <p:style>
+          <a:lnRef idx="2">
+            <a:schemeClr val="accent1">
+              <a:shade val="50000"/>
+            </a:schemeClr>
+          </a:lnRef>
+          <a:fillRef idx="1">
+            <a:schemeClr val="accent1"/>
+          </a:fillRef>
+          <a:effectRef idx="0">
+            <a:schemeClr val="accent1"/>
+          </a:effectRef>
+          <a:fontRef idx="minor">
+            <a:schemeClr val="lt1"/>
+          </a:fontRef>
+        </p:style>
+        <p:txBody>
+          <a:bodyPr rtlCol="0" anchor="ctr"/>
+          <a:lstStyle/>
+          <a:p>
+            <a:pPr algn="ctr"/>
+            <a:endParaRPr lang="en-GB" sz="600">
+              <a:solidFill>
+                <a:schemeClr val="tx1">
+                  <a:lumMod val="65000"/>
+                  <a:lumOff val="35000"/>
+                </a:schemeClr>
+              </a:solidFill>
+            </a:endParaRPr>
+          </a:p>
+        </p:txBody>
+      </p:sp>
+      <p:sp>
+        <p:nvSpPr>
+          <p:cNvPr id="297" name="Rectangle 296">
+            <a:extLst>
+              <a:ext uri="{FF2B5EF4-FFF2-40B4-BE49-F238E27FC236}">
+                <a16:creationId xmlns:a16="http://schemas.microsoft.com/office/drawing/2014/main" id="{213E6AAA-91CD-49FD-AFFE-16BCD14145CC}"/>
+              </a:ext>
+            </a:extLst>
+          </p:cNvPr>
+          <p:cNvSpPr/>
+          <p:nvPr/>
+        </p:nvSpPr>
+        <p:spPr>
+          <a:xfrm>
+            <a:off x="860825" y="2852715"/>
+            <a:ext cx="2462400" cy="269587"/>
+          </a:xfrm>
+          <a:prstGeom prst="rect">
+            <a:avLst/>
+          </a:prstGeom>
+          <a:noFill/>
+          <a:ln w="28575">
+            <a:solidFill>
+              <a:srgbClr val="FF0000"/>
+            </a:solidFill>
+            <a:prstDash val="solid"/>
+          </a:ln>
+        </p:spPr>
+        <p:style>
+          <a:lnRef idx="2">
+            <a:schemeClr val="accent1">
+              <a:shade val="50000"/>
+            </a:schemeClr>
+          </a:lnRef>
+          <a:fillRef idx="1">
+            <a:schemeClr val="accent1"/>
+          </a:fillRef>
+          <a:effectRef idx="0">
+            <a:schemeClr val="accent1"/>
+          </a:effectRef>
+          <a:fontRef idx="minor">
+            <a:schemeClr val="lt1"/>
+          </a:fontRef>
+        </p:style>
+        <p:txBody>
+          <a:bodyPr rtlCol="0" anchor="ctr"/>
+          <a:lstStyle/>
+          <a:p>
+            <a:pPr algn="ctr"/>
+            <a:endParaRPr lang="en-GB" sz="600">
+              <a:solidFill>
+                <a:schemeClr val="tx1">
+                  <a:lumMod val="65000"/>
+                  <a:lumOff val="35000"/>
+                </a:schemeClr>
+              </a:solidFill>
+            </a:endParaRPr>
+          </a:p>
+        </p:txBody>
+      </p:sp>
+      <p:cxnSp>
+        <p:nvCxnSpPr>
+          <p:cNvPr id="298" name="Straight Arrow Connector 297">
+            <a:extLst>
+              <a:ext uri="{FF2B5EF4-FFF2-40B4-BE49-F238E27FC236}">
+                <a16:creationId xmlns:a16="http://schemas.microsoft.com/office/drawing/2014/main" id="{162012AD-BB08-4D44-9FC5-61C14401F757}"/>
+              </a:ext>
+            </a:extLst>
+          </p:cNvPr>
+          <p:cNvCxnSpPr>
+            <a:cxnSpLocks/>
+          </p:cNvCxnSpPr>
+          <p:nvPr/>
+        </p:nvCxnSpPr>
+        <p:spPr>
+          <a:xfrm flipH="1" flipV="1">
+            <a:off x="540255" y="3548947"/>
+            <a:ext cx="398159" cy="2"/>
+          </a:xfrm>
+          <a:prstGeom prst="straightConnector1">
+            <a:avLst/>
+          </a:prstGeom>
+          <a:ln>
+            <a:solidFill>
+              <a:srgbClr val="787878"/>
+            </a:solidFill>
+            <a:tailEnd type="triangle"/>
+          </a:ln>
+        </p:spPr>
+        <p:style>
+          <a:lnRef idx="1">
+            <a:schemeClr val="accent1"/>
+          </a:lnRef>
+          <a:fillRef idx="0">
+            <a:schemeClr val="accent1"/>
+          </a:fillRef>
+          <a:effectRef idx="0">
+            <a:schemeClr val="accent1"/>
+          </a:effectRef>
+          <a:fontRef idx="minor">
+            <a:schemeClr val="tx1"/>
+          </a:fontRef>
+        </p:style>
+      </p:cxnSp>
+      <p:sp>
+        <p:nvSpPr>
+          <p:cNvPr id="299" name="Rectangle 298">
+            <a:extLst>
+              <a:ext uri="{FF2B5EF4-FFF2-40B4-BE49-F238E27FC236}">
+                <a16:creationId xmlns:a16="http://schemas.microsoft.com/office/drawing/2014/main" id="{F288CE0E-4305-4ED5-8C12-7025D6988D29}"/>
+              </a:ext>
+            </a:extLst>
+          </p:cNvPr>
+          <p:cNvSpPr/>
+          <p:nvPr/>
+        </p:nvSpPr>
+        <p:spPr>
+          <a:xfrm rot="16200000">
+            <a:off x="580250" y="3477910"/>
+            <a:ext cx="381075" cy="156565"/>
+          </a:xfrm>
+          <a:prstGeom prst="rect">
+            <a:avLst/>
+          </a:prstGeom>
+          <a:solidFill>
+            <a:schemeClr val="bg1"/>
+          </a:solidFill>
+          <a:ln w="3175">
+            <a:solidFill>
+              <a:schemeClr val="bg2">
+                <a:lumMod val="50000"/>
+              </a:schemeClr>
+            </a:solidFill>
+          </a:ln>
+        </p:spPr>
+        <p:style>
+          <a:lnRef idx="2">
+            <a:schemeClr val="accent1">
+              <a:shade val="50000"/>
+            </a:schemeClr>
+          </a:lnRef>
+          <a:fillRef idx="1">
+            <a:schemeClr val="accent1"/>
+          </a:fillRef>
+          <a:effectRef idx="0">
+            <a:schemeClr val="accent1"/>
+          </a:effectRef>
+          <a:fontRef idx="minor">
+            <a:schemeClr val="lt1"/>
+          </a:fontRef>
+        </p:style>
+        <p:txBody>
+          <a:bodyPr rtlCol="0" anchor="ctr"/>
+          <a:lstStyle/>
+          <a:p>
+            <a:pPr algn="ctr"/>
+            <a:r>
+              <a:rPr lang="en-GB" sz="600" dirty="0">
+                <a:solidFill>
+                  <a:schemeClr val="tx1">
+                    <a:lumMod val="65000"/>
+                    <a:lumOff val="35000"/>
+                  </a:schemeClr>
+                </a:solidFill>
+                <a:latin typeface="Arial" panose="020B0604020202020204" pitchFamily="34" charset="0"/>
+                <a:cs typeface="Arial" panose="020B0604020202020204" pitchFamily="34" charset="0"/>
+              </a:rPr>
+              <a:t>YES</a:t>
+            </a:r>
+          </a:p>
+        </p:txBody>
+      </p:sp>
+      <p:sp>
+        <p:nvSpPr>
+          <p:cNvPr id="300" name="Rectangle: Rounded Corners 299">
+            <a:extLst>
+              <a:ext uri="{FF2B5EF4-FFF2-40B4-BE49-F238E27FC236}">
+                <a16:creationId xmlns:a16="http://schemas.microsoft.com/office/drawing/2014/main" id="{BE8BCFD1-0565-4726-926E-EB852550DD67}"/>
+              </a:ext>
+            </a:extLst>
+          </p:cNvPr>
+          <p:cNvSpPr/>
+          <p:nvPr/>
+        </p:nvSpPr>
+        <p:spPr>
+          <a:xfrm>
+            <a:off x="19455" y="3343275"/>
+            <a:ext cx="520800" cy="387201"/>
+          </a:xfrm>
+          <a:prstGeom prst="roundRect">
+            <a:avLst>
+              <a:gd name="adj" fmla="val 0"/>
+            </a:avLst>
+          </a:prstGeom>
+          <a:solidFill>
+            <a:schemeClr val="bg2"/>
+          </a:solidFill>
+          <a:ln w="3175">
+            <a:solidFill>
+              <a:schemeClr val="bg2">
+                <a:lumMod val="50000"/>
+              </a:schemeClr>
+            </a:solidFill>
+          </a:ln>
+        </p:spPr>
+        <p:style>
+          <a:lnRef idx="2">
+            <a:schemeClr val="accent1">
+              <a:shade val="50000"/>
+            </a:schemeClr>
+          </a:lnRef>
+          <a:fillRef idx="1">
+            <a:schemeClr val="accent1"/>
+          </a:fillRef>
+          <a:effectRef idx="0">
+            <a:schemeClr val="accent1"/>
+          </a:effectRef>
+          <a:fontRef idx="minor">
+            <a:schemeClr val="lt1"/>
+          </a:fontRef>
+        </p:style>
+        <p:txBody>
+          <a:bodyPr rtlCol="0" anchor="ctr"/>
+          <a:lstStyle/>
+          <a:p>
+            <a:pPr algn="ctr"/>
+            <a:r>
+              <a:rPr lang="en-GB" sz="600" dirty="0">
+                <a:solidFill>
+                  <a:schemeClr val="tx1">
+                    <a:lumMod val="65000"/>
+                    <a:lumOff val="35000"/>
+                  </a:schemeClr>
+                </a:solidFill>
+                <a:latin typeface="Arial" panose="020B0604020202020204" pitchFamily="34" charset="0"/>
+                <a:cs typeface="Arial" panose="020B0604020202020204" pitchFamily="34" charset="0"/>
+              </a:rPr>
+              <a:t>No further actions needed </a:t>
+            </a:r>
+          </a:p>
+        </p:txBody>
+      </p:sp>
+      <p:cxnSp>
+        <p:nvCxnSpPr>
+          <p:cNvPr id="301" name="Straight Arrow Connector 300">
+            <a:extLst>
+              <a:ext uri="{FF2B5EF4-FFF2-40B4-BE49-F238E27FC236}">
+                <a16:creationId xmlns:a16="http://schemas.microsoft.com/office/drawing/2014/main" id="{E8CDA24D-5ECE-43D7-A86D-70A08F8609FB}"/>
+              </a:ext>
+            </a:extLst>
+          </p:cNvPr>
+          <p:cNvCxnSpPr>
+            <a:cxnSpLocks/>
+            <a:endCxn id="277" idx="0"/>
+          </p:cNvCxnSpPr>
+          <p:nvPr/>
+        </p:nvCxnSpPr>
+        <p:spPr>
+          <a:xfrm flipH="1">
+            <a:off x="2105413" y="3836907"/>
+            <a:ext cx="7280" cy="327266"/>
+          </a:xfrm>
+          <a:prstGeom prst="straightConnector1">
+            <a:avLst/>
+          </a:prstGeom>
+          <a:ln>
+            <a:solidFill>
+              <a:srgbClr val="787878"/>
+            </a:solidFill>
+            <a:tailEnd type="triangle"/>
+          </a:ln>
+        </p:spPr>
+        <p:style>
+          <a:lnRef idx="1">
+            <a:schemeClr val="accent1"/>
+          </a:lnRef>
+          <a:fillRef idx="0">
+            <a:schemeClr val="accent1"/>
+          </a:fillRef>
+          <a:effectRef idx="0">
+            <a:schemeClr val="accent1"/>
+          </a:effectRef>
+          <a:fontRef idx="minor">
+            <a:schemeClr val="tx1"/>
+          </a:fontRef>
+        </p:style>
+      </p:cxnSp>
+      <p:sp>
+        <p:nvSpPr>
+          <p:cNvPr id="302" name="Rectangle 301">
+            <a:extLst>
+              <a:ext uri="{FF2B5EF4-FFF2-40B4-BE49-F238E27FC236}">
+                <a16:creationId xmlns:a16="http://schemas.microsoft.com/office/drawing/2014/main" id="{D475A319-3FD8-42E1-92AA-B86C5CF7D331}"/>
+              </a:ext>
+            </a:extLst>
+          </p:cNvPr>
+          <p:cNvSpPr/>
+          <p:nvPr/>
+        </p:nvSpPr>
+        <p:spPr>
+          <a:xfrm>
+            <a:off x="1963122" y="3884662"/>
+            <a:ext cx="312475" cy="128568"/>
+          </a:xfrm>
+          <a:prstGeom prst="rect">
+            <a:avLst/>
+          </a:prstGeom>
+          <a:solidFill>
+            <a:schemeClr val="bg1"/>
+          </a:solidFill>
+          <a:ln w="3175">
+            <a:solidFill>
+              <a:schemeClr val="bg2">
+                <a:lumMod val="50000"/>
+              </a:schemeClr>
+            </a:solidFill>
+          </a:ln>
+        </p:spPr>
+        <p:style>
+          <a:lnRef idx="2">
+            <a:schemeClr val="accent1">
+              <a:shade val="50000"/>
+            </a:schemeClr>
+          </a:lnRef>
+          <a:fillRef idx="1">
+            <a:schemeClr val="accent1"/>
+          </a:fillRef>
+          <a:effectRef idx="0">
+            <a:schemeClr val="accent1"/>
+          </a:effectRef>
+          <a:fontRef idx="minor">
+            <a:schemeClr val="lt1"/>
+          </a:fontRef>
+        </p:style>
+        <p:txBody>
+          <a:bodyPr rtlCol="0" anchor="ctr"/>
+          <a:lstStyle/>
+          <a:p>
+            <a:pPr algn="ctr"/>
+            <a:r>
+              <a:rPr lang="en-GB" sz="600" dirty="0">
+                <a:solidFill>
+                  <a:schemeClr val="tx1">
+                    <a:lumMod val="65000"/>
+                    <a:lumOff val="35000"/>
+                  </a:schemeClr>
+                </a:solidFill>
+                <a:latin typeface="Arial" panose="020B0604020202020204" pitchFamily="34" charset="0"/>
+                <a:cs typeface="Arial" panose="020B0604020202020204" pitchFamily="34" charset="0"/>
+              </a:rPr>
+              <a:t>NO</a:t>
+            </a:r>
+          </a:p>
+        </p:txBody>
+      </p:sp>
+      <p:sp>
+        <p:nvSpPr>
+          <p:cNvPr id="303" name="Rectangle 302">
+            <a:extLst>
+              <a:ext uri="{FF2B5EF4-FFF2-40B4-BE49-F238E27FC236}">
+                <a16:creationId xmlns:a16="http://schemas.microsoft.com/office/drawing/2014/main" id="{2CD0A760-B455-426E-92D3-424CFEB9061A}"/>
+              </a:ext>
+            </a:extLst>
+          </p:cNvPr>
+          <p:cNvSpPr/>
+          <p:nvPr/>
+        </p:nvSpPr>
+        <p:spPr>
+          <a:xfrm>
+            <a:off x="860825" y="4051309"/>
+            <a:ext cx="2462400" cy="1486597"/>
+          </a:xfrm>
+          <a:prstGeom prst="rect">
+            <a:avLst/>
+          </a:prstGeom>
+          <a:noFill/>
+          <a:ln w="28575">
+            <a:solidFill>
+              <a:srgbClr val="00CCFF"/>
+            </a:solidFill>
+            <a:prstDash val="solid"/>
+          </a:ln>
+        </p:spPr>
+        <p:style>
+          <a:lnRef idx="2">
+            <a:schemeClr val="accent1">
+              <a:shade val="50000"/>
+            </a:schemeClr>
+          </a:lnRef>
+          <a:fillRef idx="1">
+            <a:schemeClr val="accent1"/>
+          </a:fillRef>
+          <a:effectRef idx="0">
+            <a:schemeClr val="accent1"/>
+          </a:effectRef>
+          <a:fontRef idx="minor">
+            <a:schemeClr val="lt1"/>
+          </a:fontRef>
+        </p:style>
+        <p:txBody>
+          <a:bodyPr rtlCol="0" anchor="ctr"/>
+          <a:lstStyle/>
+          <a:p>
+            <a:pPr algn="ctr"/>
+            <a:endParaRPr lang="en-GB" sz="600">
+              <a:solidFill>
+                <a:schemeClr val="tx1">
+                  <a:lumMod val="65000"/>
+                  <a:lumOff val="35000"/>
+                </a:schemeClr>
+              </a:solidFill>
+            </a:endParaRPr>
+          </a:p>
+        </p:txBody>
+      </p:sp>
+      <p:sp>
+        <p:nvSpPr>
+          <p:cNvPr id="304" name="Rectangle 303">
+            <a:extLst>
+              <a:ext uri="{FF2B5EF4-FFF2-40B4-BE49-F238E27FC236}">
+                <a16:creationId xmlns:a16="http://schemas.microsoft.com/office/drawing/2014/main" id="{7946BFAE-6D41-4881-90FF-90669DF705AB}"/>
+              </a:ext>
+            </a:extLst>
+          </p:cNvPr>
+          <p:cNvSpPr/>
+          <p:nvPr/>
+        </p:nvSpPr>
+        <p:spPr>
+          <a:xfrm rot="16200000">
+            <a:off x="560779" y="5877954"/>
+            <a:ext cx="325898" cy="133683"/>
+          </a:xfrm>
+          <a:prstGeom prst="rect">
+            <a:avLst/>
+          </a:prstGeom>
+          <a:solidFill>
+            <a:schemeClr val="bg1"/>
+          </a:solidFill>
+          <a:ln w="3175">
+            <a:solidFill>
+              <a:schemeClr val="bg2">
+                <a:lumMod val="50000"/>
+              </a:schemeClr>
+            </a:solidFill>
+          </a:ln>
+        </p:spPr>
+        <p:style>
+          <a:lnRef idx="2">
+            <a:schemeClr val="accent1">
+              <a:shade val="50000"/>
+            </a:schemeClr>
+          </a:lnRef>
+          <a:fillRef idx="1">
+            <a:schemeClr val="accent1"/>
+          </a:fillRef>
+          <a:effectRef idx="0">
+            <a:schemeClr val="accent1"/>
+          </a:effectRef>
+          <a:fontRef idx="minor">
+            <a:schemeClr val="lt1"/>
+          </a:fontRef>
+        </p:style>
+        <p:txBody>
+          <a:bodyPr rtlCol="0" anchor="ctr"/>
+          <a:lstStyle/>
+          <a:p>
+            <a:pPr algn="ctr"/>
+            <a:r>
+              <a:rPr lang="en-GB" sz="600" dirty="0">
+                <a:solidFill>
+                  <a:schemeClr val="tx1">
+                    <a:lumMod val="65000"/>
+                    <a:lumOff val="35000"/>
+                  </a:schemeClr>
+                </a:solidFill>
+                <a:latin typeface="Arial" panose="020B0604020202020204" pitchFamily="34" charset="0"/>
+                <a:cs typeface="Arial" panose="020B0604020202020204" pitchFamily="34" charset="0"/>
+              </a:rPr>
+              <a:t>NO</a:t>
+            </a:r>
+          </a:p>
+        </p:txBody>
+      </p:sp>
+      <p:sp>
+        <p:nvSpPr>
+          <p:cNvPr id="305" name="Rectangle 304">
+            <a:extLst>
+              <a:ext uri="{FF2B5EF4-FFF2-40B4-BE49-F238E27FC236}">
+                <a16:creationId xmlns:a16="http://schemas.microsoft.com/office/drawing/2014/main" id="{8D629A1A-4260-4B60-B0B1-8770137A14A9}"/>
+              </a:ext>
+            </a:extLst>
+          </p:cNvPr>
+          <p:cNvSpPr/>
+          <p:nvPr/>
+        </p:nvSpPr>
+        <p:spPr>
+          <a:xfrm>
+            <a:off x="-25575" y="532664"/>
+            <a:ext cx="1164169" cy="351941"/>
+          </a:xfrm>
+          <a:prstGeom prst="rect">
+            <a:avLst/>
+          </a:prstGeom>
+          <a:noFill/>
+          <a:ln w="28575">
+            <a:noFill/>
+            <a:prstDash val="dash"/>
+          </a:ln>
+        </p:spPr>
+        <p:style>
+          <a:lnRef idx="2">
+            <a:schemeClr val="accent1">
+              <a:shade val="50000"/>
+            </a:schemeClr>
+          </a:lnRef>
+          <a:fillRef idx="1">
+            <a:schemeClr val="accent1"/>
+          </a:fillRef>
+          <a:effectRef idx="0">
+            <a:schemeClr val="accent1"/>
+          </a:effectRef>
+          <a:fontRef idx="minor">
+            <a:schemeClr val="lt1"/>
+          </a:fontRef>
+        </p:style>
+        <p:txBody>
+          <a:bodyPr rtlCol="0" anchor="ctr"/>
+          <a:lstStyle/>
+          <a:p>
+            <a:r>
+              <a:rPr lang="en-GB" sz="600" dirty="0">
+                <a:solidFill>
+                  <a:schemeClr val="tx1">
+                    <a:lumMod val="65000"/>
+                    <a:lumOff val="35000"/>
+                  </a:schemeClr>
+                </a:solidFill>
+                <a:latin typeface="Arial" panose="020B0604020202020204" pitchFamily="34" charset="0"/>
+                <a:cs typeface="Arial" panose="020B0604020202020204" pitchFamily="34" charset="0"/>
+              </a:rPr>
+              <a:t>ecPoint Developers</a:t>
+            </a:r>
+          </a:p>
+        </p:txBody>
+      </p:sp>
+      <p:sp>
+        <p:nvSpPr>
+          <p:cNvPr id="306" name="Rectangle 305">
+            <a:extLst>
+              <a:ext uri="{FF2B5EF4-FFF2-40B4-BE49-F238E27FC236}">
+                <a16:creationId xmlns:a16="http://schemas.microsoft.com/office/drawing/2014/main" id="{D4E8D277-3A0D-4F86-92C1-7C4F41DB56AE}"/>
+              </a:ext>
+            </a:extLst>
+          </p:cNvPr>
+          <p:cNvSpPr/>
+          <p:nvPr/>
+        </p:nvSpPr>
+        <p:spPr>
+          <a:xfrm>
+            <a:off x="-25575" y="679728"/>
+            <a:ext cx="872646" cy="353392"/>
+          </a:xfrm>
+          <a:prstGeom prst="rect">
+            <a:avLst/>
+          </a:prstGeom>
+          <a:noFill/>
+          <a:ln w="28575">
+            <a:noFill/>
+            <a:prstDash val="dash"/>
+          </a:ln>
+        </p:spPr>
+        <p:style>
+          <a:lnRef idx="2">
+            <a:schemeClr val="accent1">
+              <a:shade val="50000"/>
+            </a:schemeClr>
+          </a:lnRef>
+          <a:fillRef idx="1">
+            <a:schemeClr val="accent1"/>
+          </a:fillRef>
+          <a:effectRef idx="0">
+            <a:schemeClr val="accent1"/>
+          </a:effectRef>
+          <a:fontRef idx="minor">
+            <a:schemeClr val="lt1"/>
+          </a:fontRef>
+        </p:style>
+        <p:txBody>
+          <a:bodyPr rtlCol="0" anchor="ctr"/>
+          <a:lstStyle/>
+          <a:p>
+            <a:r>
+              <a:rPr lang="en-GB" sz="600" dirty="0">
+                <a:solidFill>
+                  <a:schemeClr val="tx1">
+                    <a:lumMod val="65000"/>
+                    <a:lumOff val="35000"/>
+                  </a:schemeClr>
+                </a:solidFill>
+                <a:latin typeface="Arial" panose="020B0604020202020204" pitchFamily="34" charset="0"/>
+                <a:cs typeface="Arial" panose="020B0604020202020204" pitchFamily="34" charset="0"/>
+              </a:rPr>
+              <a:t>IMN &amp; OMSZ</a:t>
+            </a:r>
+          </a:p>
+        </p:txBody>
+      </p:sp>
+      <p:sp>
+        <p:nvSpPr>
+          <p:cNvPr id="307" name="Rectangle 306">
+            <a:extLst>
+              <a:ext uri="{FF2B5EF4-FFF2-40B4-BE49-F238E27FC236}">
+                <a16:creationId xmlns:a16="http://schemas.microsoft.com/office/drawing/2014/main" id="{B49C64FA-A57C-4AAC-9A08-0402CF70623F}"/>
+              </a:ext>
+            </a:extLst>
+          </p:cNvPr>
+          <p:cNvSpPr/>
+          <p:nvPr/>
+        </p:nvSpPr>
+        <p:spPr>
+          <a:xfrm>
+            <a:off x="-25575" y="828244"/>
+            <a:ext cx="1161779" cy="353392"/>
+          </a:xfrm>
+          <a:prstGeom prst="rect">
+            <a:avLst/>
+          </a:prstGeom>
+          <a:noFill/>
+          <a:ln w="28575">
+            <a:noFill/>
+            <a:prstDash val="dash"/>
+          </a:ln>
+        </p:spPr>
+        <p:style>
+          <a:lnRef idx="2">
+            <a:schemeClr val="accent1">
+              <a:shade val="50000"/>
+            </a:schemeClr>
+          </a:lnRef>
+          <a:fillRef idx="1">
+            <a:schemeClr val="accent1"/>
+          </a:fillRef>
+          <a:effectRef idx="0">
+            <a:schemeClr val="accent1"/>
+          </a:effectRef>
+          <a:fontRef idx="minor">
+            <a:schemeClr val="lt1"/>
+          </a:fontRef>
+        </p:style>
+        <p:txBody>
+          <a:bodyPr rtlCol="0" anchor="ctr"/>
+          <a:lstStyle/>
+          <a:p>
+            <a:r>
+              <a:rPr lang="en-GB" sz="600" dirty="0">
+                <a:solidFill>
+                  <a:schemeClr val="tx1">
+                    <a:lumMod val="65000"/>
+                    <a:lumOff val="35000"/>
+                  </a:schemeClr>
+                </a:solidFill>
+                <a:latin typeface="Arial" panose="020B0604020202020204" pitchFamily="34" charset="0"/>
+                <a:cs typeface="Arial" panose="020B0604020202020204" pitchFamily="34" charset="0"/>
+              </a:rPr>
+              <a:t>ecPoint Dev, IMN &amp; OMSZ</a:t>
+            </a:r>
+          </a:p>
+        </p:txBody>
+      </p:sp>
+      <p:cxnSp>
+        <p:nvCxnSpPr>
+          <p:cNvPr id="308" name="Straight Connector 307">
+            <a:extLst>
+              <a:ext uri="{FF2B5EF4-FFF2-40B4-BE49-F238E27FC236}">
+                <a16:creationId xmlns:a16="http://schemas.microsoft.com/office/drawing/2014/main" id="{978CC93A-5C8C-47A0-AAC2-BE127B046E39}"/>
+              </a:ext>
+            </a:extLst>
+          </p:cNvPr>
+          <p:cNvCxnSpPr>
+            <a:cxnSpLocks/>
+          </p:cNvCxnSpPr>
+          <p:nvPr/>
+        </p:nvCxnSpPr>
+        <p:spPr>
+          <a:xfrm>
+            <a:off x="64494" y="765246"/>
+            <a:ext cx="730290" cy="0"/>
+          </a:xfrm>
+          <a:prstGeom prst="line">
+            <a:avLst/>
+          </a:prstGeom>
+          <a:ln w="19050">
+            <a:solidFill>
+              <a:srgbClr val="FF0000"/>
+            </a:solidFill>
+            <a:prstDash val="solid"/>
+          </a:ln>
+        </p:spPr>
+        <p:style>
+          <a:lnRef idx="1">
+            <a:schemeClr val="accent1"/>
+          </a:lnRef>
+          <a:fillRef idx="0">
+            <a:schemeClr val="accent1"/>
+          </a:fillRef>
+          <a:effectRef idx="0">
+            <a:schemeClr val="accent1"/>
+          </a:effectRef>
+          <a:fontRef idx="minor">
+            <a:schemeClr val="tx1"/>
+          </a:fontRef>
+        </p:style>
+      </p:cxnSp>
+      <p:cxnSp>
+        <p:nvCxnSpPr>
+          <p:cNvPr id="309" name="Straight Connector 308">
+            <a:extLst>
+              <a:ext uri="{FF2B5EF4-FFF2-40B4-BE49-F238E27FC236}">
+                <a16:creationId xmlns:a16="http://schemas.microsoft.com/office/drawing/2014/main" id="{ADC1412A-3E87-4ABA-ABEE-E0A3B283540F}"/>
+              </a:ext>
+            </a:extLst>
+          </p:cNvPr>
+          <p:cNvCxnSpPr>
+            <a:cxnSpLocks/>
+          </p:cNvCxnSpPr>
+          <p:nvPr/>
+        </p:nvCxnSpPr>
+        <p:spPr>
+          <a:xfrm>
+            <a:off x="64494" y="904104"/>
+            <a:ext cx="463839" cy="0"/>
+          </a:xfrm>
+          <a:prstGeom prst="line">
+            <a:avLst/>
+          </a:prstGeom>
+          <a:ln w="19050">
+            <a:solidFill>
+              <a:srgbClr val="0000FF"/>
+            </a:solidFill>
+            <a:prstDash val="solid"/>
+          </a:ln>
+        </p:spPr>
+        <p:style>
+          <a:lnRef idx="1">
+            <a:schemeClr val="accent1"/>
+          </a:lnRef>
+          <a:fillRef idx="0">
+            <a:schemeClr val="accent1"/>
+          </a:fillRef>
+          <a:effectRef idx="0">
+            <a:schemeClr val="accent1"/>
+          </a:effectRef>
+          <a:fontRef idx="minor">
+            <a:schemeClr val="tx1"/>
+          </a:fontRef>
+        </p:style>
+      </p:cxnSp>
+      <p:cxnSp>
+        <p:nvCxnSpPr>
+          <p:cNvPr id="310" name="Straight Connector 309">
+            <a:extLst>
+              <a:ext uri="{FF2B5EF4-FFF2-40B4-BE49-F238E27FC236}">
+                <a16:creationId xmlns:a16="http://schemas.microsoft.com/office/drawing/2014/main" id="{1B7820F5-4B82-4A4C-A8EC-6D111BCCE8A4}"/>
+              </a:ext>
+            </a:extLst>
+          </p:cNvPr>
+          <p:cNvCxnSpPr>
+            <a:cxnSpLocks/>
+          </p:cNvCxnSpPr>
+          <p:nvPr/>
+        </p:nvCxnSpPr>
+        <p:spPr>
+          <a:xfrm>
+            <a:off x="64494" y="1063754"/>
+            <a:ext cx="958038" cy="0"/>
+          </a:xfrm>
+          <a:prstGeom prst="line">
+            <a:avLst/>
+          </a:prstGeom>
+          <a:ln w="19050">
+            <a:solidFill>
+              <a:srgbClr val="00CCFF"/>
+            </a:solidFill>
+            <a:prstDash val="solid"/>
+          </a:ln>
+        </p:spPr>
+        <p:style>
+          <a:lnRef idx="1">
+            <a:schemeClr val="accent1"/>
+          </a:lnRef>
+          <a:fillRef idx="0">
+            <a:schemeClr val="accent1"/>
+          </a:fillRef>
+          <a:effectRef idx="0">
+            <a:schemeClr val="accent1"/>
+          </a:effectRef>
+          <a:fontRef idx="minor">
+            <a:schemeClr val="tx1"/>
+          </a:fontRef>
+        </p:style>
+      </p:cxnSp>
+      <p:sp>
+        <p:nvSpPr>
+          <p:cNvPr id="311" name="Rectangle 310">
+            <a:extLst>
+              <a:ext uri="{FF2B5EF4-FFF2-40B4-BE49-F238E27FC236}">
+                <a16:creationId xmlns:a16="http://schemas.microsoft.com/office/drawing/2014/main" id="{6B3979BA-7712-4709-9029-0DAD87296012}"/>
+              </a:ext>
+            </a:extLst>
+          </p:cNvPr>
+          <p:cNvSpPr/>
+          <p:nvPr/>
+        </p:nvSpPr>
+        <p:spPr>
+          <a:xfrm>
+            <a:off x="1053208" y="108450"/>
+            <a:ext cx="2104392" cy="143515"/>
+          </a:xfrm>
+          <a:prstGeom prst="rect">
+            <a:avLst/>
+          </a:prstGeom>
+          <a:noFill/>
+          <a:ln w="3175">
+            <a:noFill/>
+          </a:ln>
+        </p:spPr>
+        <p:style>
+          <a:lnRef idx="2">
+            <a:schemeClr val="accent1">
+              <a:shade val="50000"/>
+            </a:schemeClr>
+          </a:lnRef>
+          <a:fillRef idx="1">
+            <a:schemeClr val="accent1"/>
+          </a:fillRef>
+          <a:effectRef idx="0">
+            <a:schemeClr val="accent1"/>
+          </a:effectRef>
+          <a:fontRef idx="minor">
+            <a:schemeClr val="lt1"/>
+          </a:fontRef>
+        </p:style>
+        <p:txBody>
+          <a:bodyPr rtlCol="0" anchor="ctr"/>
+          <a:lstStyle/>
+          <a:p>
+            <a:pPr algn="ctr"/>
+            <a:r>
+              <a:rPr lang="en-GB" sz="600" b="1" dirty="0">
+                <a:solidFill>
+                  <a:schemeClr val="tx1">
+                    <a:lumMod val="65000"/>
+                    <a:lumOff val="35000"/>
+                  </a:schemeClr>
+                </a:solidFill>
+                <a:latin typeface="Arial" panose="020B0604020202020204" pitchFamily="34" charset="0"/>
+                <a:cs typeface="Arial" panose="020B0604020202020204" pitchFamily="34" charset="0"/>
+              </a:rPr>
+              <a:t>Research Question</a:t>
+            </a:r>
+          </a:p>
+        </p:txBody>
+      </p:sp>
+      <p:sp>
+        <p:nvSpPr>
+          <p:cNvPr id="312" name="Rectangle 311">
+            <a:extLst>
+              <a:ext uri="{FF2B5EF4-FFF2-40B4-BE49-F238E27FC236}">
+                <a16:creationId xmlns:a16="http://schemas.microsoft.com/office/drawing/2014/main" id="{28C140F9-2A51-4962-B89D-BCF674EBA79D}"/>
+              </a:ext>
+            </a:extLst>
+          </p:cNvPr>
+          <p:cNvSpPr/>
+          <p:nvPr/>
+        </p:nvSpPr>
+        <p:spPr>
+          <a:xfrm>
+            <a:off x="860824" y="1231800"/>
+            <a:ext cx="2462400" cy="405509"/>
+          </a:xfrm>
+          <a:prstGeom prst="rect">
+            <a:avLst/>
+          </a:prstGeom>
+          <a:noFill/>
+          <a:ln w="28575">
+            <a:solidFill>
+              <a:srgbClr val="FF0000"/>
+            </a:solidFill>
+            <a:prstDash val="solid"/>
+          </a:ln>
+        </p:spPr>
+        <p:style>
+          <a:lnRef idx="2">
+            <a:schemeClr val="accent1">
+              <a:shade val="50000"/>
+            </a:schemeClr>
+          </a:lnRef>
+          <a:fillRef idx="1">
+            <a:schemeClr val="accent1"/>
+          </a:fillRef>
+          <a:effectRef idx="0">
+            <a:schemeClr val="accent1"/>
+          </a:effectRef>
+          <a:fontRef idx="minor">
+            <a:schemeClr val="lt1"/>
+          </a:fontRef>
+        </p:style>
+        <p:txBody>
+          <a:bodyPr rtlCol="0" anchor="ctr"/>
+          <a:lstStyle/>
+          <a:p>
+            <a:pPr algn="ctr"/>
+            <a:endParaRPr lang="en-GB" sz="600">
+              <a:solidFill>
+                <a:schemeClr val="tx1">
+                  <a:lumMod val="65000"/>
+                  <a:lumOff val="35000"/>
+                </a:schemeClr>
+              </a:solidFill>
+            </a:endParaRPr>
+          </a:p>
+        </p:txBody>
+      </p:sp>
+      <p:sp>
+        <p:nvSpPr>
+          <p:cNvPr id="313" name="Diamond 312">
+            <a:extLst>
+              <a:ext uri="{FF2B5EF4-FFF2-40B4-BE49-F238E27FC236}">
+                <a16:creationId xmlns:a16="http://schemas.microsoft.com/office/drawing/2014/main" id="{6A2C3AAB-950D-4FFC-8F52-5BD4D0B71C15}"/>
+              </a:ext>
+            </a:extLst>
+          </p:cNvPr>
+          <p:cNvSpPr/>
+          <p:nvPr/>
+        </p:nvSpPr>
+        <p:spPr>
+          <a:xfrm>
+            <a:off x="936688" y="3270093"/>
+            <a:ext cx="2342364" cy="565216"/>
+          </a:xfrm>
+          <a:prstGeom prst="diamond">
+            <a:avLst/>
+          </a:prstGeom>
+          <a:solidFill>
+            <a:srgbClr val="FFCC00"/>
+          </a:solidFill>
+          <a:ln w="3175">
+            <a:solidFill>
+              <a:schemeClr val="bg2">
+                <a:lumMod val="75000"/>
+              </a:schemeClr>
+            </a:solidFill>
+          </a:ln>
+        </p:spPr>
+        <p:style>
+          <a:lnRef idx="2">
+            <a:schemeClr val="accent1">
+              <a:shade val="50000"/>
+            </a:schemeClr>
+          </a:lnRef>
+          <a:fillRef idx="1">
+            <a:schemeClr val="accent1"/>
+          </a:fillRef>
+          <a:effectRef idx="0">
+            <a:schemeClr val="accent1"/>
+          </a:effectRef>
+          <a:fontRef idx="minor">
+            <a:schemeClr val="lt1"/>
+          </a:fontRef>
+        </p:style>
+        <p:txBody>
+          <a:bodyPr rtlCol="0" anchor="ctr"/>
+          <a:lstStyle/>
+          <a:p>
+            <a:pPr algn="ctr"/>
+            <a:endParaRPr lang="en-GB" sz="600" dirty="0">
+              <a:solidFill>
+                <a:schemeClr val="tx1">
+                  <a:lumMod val="65000"/>
+                  <a:lumOff val="35000"/>
+                </a:schemeClr>
+              </a:solidFill>
+              <a:latin typeface="Arial" panose="020B0604020202020204" pitchFamily="34" charset="0"/>
+              <a:cs typeface="Arial" panose="020B0604020202020204" pitchFamily="34" charset="0"/>
+            </a:endParaRPr>
+          </a:p>
+        </p:txBody>
+      </p:sp>
+      <p:sp>
+        <p:nvSpPr>
+          <p:cNvPr id="314" name="Rectangle 313">
+            <a:extLst>
+              <a:ext uri="{FF2B5EF4-FFF2-40B4-BE49-F238E27FC236}">
+                <a16:creationId xmlns:a16="http://schemas.microsoft.com/office/drawing/2014/main" id="{D4CCE2B4-693F-4FDC-88F0-3DE487922A31}"/>
+              </a:ext>
+            </a:extLst>
+          </p:cNvPr>
+          <p:cNvSpPr/>
+          <p:nvPr/>
+        </p:nvSpPr>
+        <p:spPr>
+          <a:xfrm>
+            <a:off x="1225494" y="2966071"/>
+            <a:ext cx="1733890" cy="1166298"/>
+          </a:xfrm>
+          <a:prstGeom prst="rect">
+            <a:avLst/>
+          </a:prstGeom>
+          <a:noFill/>
+          <a:ln w="3175">
+            <a:noFill/>
+          </a:ln>
+        </p:spPr>
+        <p:style>
+          <a:lnRef idx="2">
+            <a:schemeClr val="accent1">
+              <a:shade val="50000"/>
+            </a:schemeClr>
+          </a:lnRef>
+          <a:fillRef idx="1">
+            <a:schemeClr val="accent1"/>
+          </a:fillRef>
+          <a:effectRef idx="0">
+            <a:schemeClr val="accent1"/>
+          </a:effectRef>
+          <a:fontRef idx="minor">
+            <a:schemeClr val="lt1"/>
+          </a:fontRef>
+        </p:style>
+        <p:txBody>
+          <a:bodyPr rtlCol="0" anchor="ctr"/>
+          <a:lstStyle/>
+          <a:p>
+            <a:pPr algn="ctr"/>
+            <a:endParaRPr lang="en-GB" sz="600" dirty="0">
+              <a:solidFill>
+                <a:schemeClr val="tx1">
+                  <a:lumMod val="65000"/>
+                  <a:lumOff val="35000"/>
+                </a:schemeClr>
+              </a:solidFill>
+              <a:latin typeface="Arial" panose="020B0604020202020204" pitchFamily="34" charset="0"/>
+              <a:cs typeface="Arial" panose="020B0604020202020204" pitchFamily="34" charset="0"/>
+            </a:endParaRPr>
+          </a:p>
+          <a:p>
+            <a:pPr algn="ctr"/>
+            <a:r>
+              <a:rPr lang="en-GB" sz="600" dirty="0">
+                <a:solidFill>
+                  <a:schemeClr val="tx1">
+                    <a:lumMod val="65000"/>
+                    <a:lumOff val="35000"/>
+                  </a:schemeClr>
+                </a:solidFill>
+                <a:latin typeface="Arial" panose="020B0604020202020204" pitchFamily="34" charset="0"/>
+                <a:cs typeface="Arial" panose="020B0604020202020204" pitchFamily="34" charset="0"/>
+              </a:rPr>
+              <a:t>Is the UND-EFF relationship for ecPoint forecasts similar to the one for traditional PEFs?</a:t>
+            </a:r>
+          </a:p>
+        </p:txBody>
+      </p:sp>
+      <p:sp>
+        <p:nvSpPr>
+          <p:cNvPr id="315" name="Diamond 314">
+            <a:extLst>
+              <a:ext uri="{FF2B5EF4-FFF2-40B4-BE49-F238E27FC236}">
+                <a16:creationId xmlns:a16="http://schemas.microsoft.com/office/drawing/2014/main" id="{AB04B315-11F6-42A6-8270-B4B7D5915257}"/>
+              </a:ext>
+            </a:extLst>
+          </p:cNvPr>
+          <p:cNvSpPr/>
+          <p:nvPr/>
+        </p:nvSpPr>
+        <p:spPr>
+          <a:xfrm>
+            <a:off x="940325" y="5657021"/>
+            <a:ext cx="2342364" cy="565216"/>
+          </a:xfrm>
+          <a:prstGeom prst="diamond">
+            <a:avLst/>
+          </a:prstGeom>
+          <a:solidFill>
+            <a:srgbClr val="FFCC00"/>
+          </a:solidFill>
+          <a:ln w="3175">
+            <a:solidFill>
+              <a:schemeClr val="bg2">
+                <a:lumMod val="75000"/>
+              </a:schemeClr>
+            </a:solidFill>
+          </a:ln>
+        </p:spPr>
+        <p:style>
+          <a:lnRef idx="2">
+            <a:schemeClr val="accent1">
+              <a:shade val="50000"/>
+            </a:schemeClr>
+          </a:lnRef>
+          <a:fillRef idx="1">
+            <a:schemeClr val="accent1"/>
+          </a:fillRef>
+          <a:effectRef idx="0">
+            <a:schemeClr val="accent1"/>
+          </a:effectRef>
+          <a:fontRef idx="minor">
+            <a:schemeClr val="lt1"/>
+          </a:fontRef>
+        </p:style>
+        <p:txBody>
+          <a:bodyPr rtlCol="0" anchor="ctr"/>
+          <a:lstStyle/>
+          <a:p>
+            <a:pPr algn="ctr"/>
+            <a:endParaRPr lang="en-GB" sz="600" dirty="0">
+              <a:solidFill>
+                <a:schemeClr val="tx1">
+                  <a:lumMod val="65000"/>
+                  <a:lumOff val="35000"/>
+                </a:schemeClr>
+              </a:solidFill>
+              <a:latin typeface="Arial" panose="020B0604020202020204" pitchFamily="34" charset="0"/>
+              <a:cs typeface="Arial" panose="020B0604020202020204" pitchFamily="34" charset="0"/>
+            </a:endParaRPr>
+          </a:p>
+        </p:txBody>
+      </p:sp>
+      <p:sp>
+        <p:nvSpPr>
+          <p:cNvPr id="316" name="Rectangle 315">
+            <a:extLst>
+              <a:ext uri="{FF2B5EF4-FFF2-40B4-BE49-F238E27FC236}">
+                <a16:creationId xmlns:a16="http://schemas.microsoft.com/office/drawing/2014/main" id="{F7A72E84-50FD-4F8C-B003-B9FC56519677}"/>
+              </a:ext>
+            </a:extLst>
+          </p:cNvPr>
+          <p:cNvSpPr/>
+          <p:nvPr/>
+        </p:nvSpPr>
+        <p:spPr>
+          <a:xfrm>
+            <a:off x="1373519" y="5340722"/>
+            <a:ext cx="1528555" cy="1166298"/>
+          </a:xfrm>
+          <a:prstGeom prst="rect">
+            <a:avLst/>
+          </a:prstGeom>
+          <a:noFill/>
+          <a:ln w="3175">
+            <a:noFill/>
+          </a:ln>
+        </p:spPr>
+        <p:style>
+          <a:lnRef idx="2">
+            <a:schemeClr val="accent1">
+              <a:shade val="50000"/>
+            </a:schemeClr>
+          </a:lnRef>
+          <a:fillRef idx="1">
+            <a:schemeClr val="accent1"/>
+          </a:fillRef>
+          <a:effectRef idx="0">
+            <a:schemeClr val="accent1"/>
+          </a:effectRef>
+          <a:fontRef idx="minor">
+            <a:schemeClr val="lt1"/>
+          </a:fontRef>
+        </p:style>
+        <p:txBody>
+          <a:bodyPr rtlCol="0" anchor="ctr"/>
+          <a:lstStyle/>
+          <a:p>
+            <a:pPr algn="ctr"/>
+            <a:endParaRPr lang="en-GB" sz="600" dirty="0">
+              <a:solidFill>
+                <a:schemeClr val="tx1">
+                  <a:lumMod val="65000"/>
+                  <a:lumOff val="35000"/>
+                </a:schemeClr>
+              </a:solidFill>
+              <a:latin typeface="Arial" panose="020B0604020202020204" pitchFamily="34" charset="0"/>
+              <a:cs typeface="Arial" panose="020B0604020202020204" pitchFamily="34" charset="0"/>
+            </a:endParaRPr>
+          </a:p>
+          <a:p>
+            <a:pPr algn="ctr"/>
+            <a:r>
+              <a:rPr lang="en-GB" sz="600" dirty="0">
+                <a:solidFill>
+                  <a:schemeClr val="tx1">
+                    <a:lumMod val="65000"/>
+                    <a:lumOff val="35000"/>
+                  </a:schemeClr>
+                </a:solidFill>
+                <a:latin typeface="Arial" panose="020B0604020202020204" pitchFamily="34" charset="0"/>
+                <a:cs typeface="Arial" panose="020B0604020202020204" pitchFamily="34" charset="0"/>
+              </a:rPr>
+              <a:t>Do forecasters think ecPoint forecasts are more effectively explained with the revised guidance?</a:t>
+            </a:r>
+          </a:p>
+        </p:txBody>
+      </p:sp>
+      <p:cxnSp>
+        <p:nvCxnSpPr>
+          <p:cNvPr id="317" name="Straight Arrow Connector 316">
+            <a:extLst>
+              <a:ext uri="{FF2B5EF4-FFF2-40B4-BE49-F238E27FC236}">
+                <a16:creationId xmlns:a16="http://schemas.microsoft.com/office/drawing/2014/main" id="{8371891C-C35F-4C45-862D-DF7D764031CF}"/>
+              </a:ext>
+            </a:extLst>
+          </p:cNvPr>
+          <p:cNvCxnSpPr>
+            <a:cxnSpLocks/>
+          </p:cNvCxnSpPr>
+          <p:nvPr/>
+        </p:nvCxnSpPr>
+        <p:spPr>
+          <a:xfrm>
+            <a:off x="2128969" y="6727772"/>
+            <a:ext cx="0" cy="180000"/>
+          </a:xfrm>
+          <a:prstGeom prst="straightConnector1">
+            <a:avLst/>
+          </a:prstGeom>
+          <a:ln>
+            <a:solidFill>
+              <a:srgbClr val="787878"/>
+            </a:solidFill>
+            <a:tailEnd type="triangle"/>
+          </a:ln>
+        </p:spPr>
+        <p:style>
+          <a:lnRef idx="1">
+            <a:schemeClr val="accent1"/>
+          </a:lnRef>
+          <a:fillRef idx="0">
+            <a:schemeClr val="accent1"/>
+          </a:fillRef>
+          <a:effectRef idx="0">
+            <a:schemeClr val="accent1"/>
+          </a:effectRef>
+          <a:fontRef idx="minor">
+            <a:schemeClr val="tx1"/>
+          </a:fontRef>
+        </p:style>
+      </p:cxnSp>
+      <p:sp>
+        <p:nvSpPr>
+          <p:cNvPr id="318" name="Rectangle: Rounded Corners 317">
+            <a:extLst>
+              <a:ext uri="{FF2B5EF4-FFF2-40B4-BE49-F238E27FC236}">
+                <a16:creationId xmlns:a16="http://schemas.microsoft.com/office/drawing/2014/main" id="{037BB11E-BD44-433F-9B5E-7B0A0950D260}"/>
+              </a:ext>
+            </a:extLst>
+          </p:cNvPr>
+          <p:cNvSpPr/>
+          <p:nvPr/>
+        </p:nvSpPr>
+        <p:spPr>
+          <a:xfrm>
+            <a:off x="1447950" y="6901192"/>
+            <a:ext cx="1312559" cy="232229"/>
           </a:xfrm>
           <a:prstGeom prst="roundRect">
             <a:avLst>
@@ -9648,786 +12253,6 @@
           <a:p>
             <a:pPr algn="ctr"/>
             <a:r>
-              <a:rPr lang="en-GB" sz="800" dirty="0">
-                <a:solidFill>
-                  <a:schemeClr val="tx1"/>
-                </a:solidFill>
-                <a:latin typeface="Arial" panose="020B0604020202020204" pitchFamily="34" charset="0"/>
-                <a:cs typeface="Arial" panose="020B0604020202020204" pitchFamily="34" charset="0"/>
-              </a:rPr>
-              <a:t>Research Experiment Ends</a:t>
-            </a:r>
-          </a:p>
-        </p:txBody>
-      </p:sp>
-      <p:sp>
-        <p:nvSpPr>
-          <p:cNvPr id="209" name="Diamond 208">
-            <a:extLst>
-              <a:ext uri="{FF2B5EF4-FFF2-40B4-BE49-F238E27FC236}">
-                <a16:creationId xmlns:a16="http://schemas.microsoft.com/office/drawing/2014/main" id="{D13BAF3A-0B1D-4ABF-A79B-64712DA8F819}"/>
-              </a:ext>
-            </a:extLst>
-          </p:cNvPr>
-          <p:cNvSpPr/>
-          <p:nvPr/>
-        </p:nvSpPr>
-        <p:spPr>
-          <a:xfrm>
-            <a:off x="1039011" y="157591"/>
-            <a:ext cx="2342364" cy="890690"/>
-          </a:xfrm>
-          <a:prstGeom prst="diamond">
-            <a:avLst/>
-          </a:prstGeom>
-          <a:solidFill>
-            <a:srgbClr val="FFCC00"/>
-          </a:solidFill>
-          <a:ln w="3175">
-            <a:solidFill>
-              <a:schemeClr val="bg2">
-                <a:lumMod val="75000"/>
-              </a:schemeClr>
-            </a:solidFill>
-          </a:ln>
-        </p:spPr>
-        <p:style>
-          <a:lnRef idx="2">
-            <a:schemeClr val="accent1">
-              <a:shade val="50000"/>
-            </a:schemeClr>
-          </a:lnRef>
-          <a:fillRef idx="1">
-            <a:schemeClr val="accent1"/>
-          </a:fillRef>
-          <a:effectRef idx="0">
-            <a:schemeClr val="accent1"/>
-          </a:effectRef>
-          <a:fontRef idx="minor">
-            <a:schemeClr val="lt1"/>
-          </a:fontRef>
-        </p:style>
-        <p:txBody>
-          <a:bodyPr rtlCol="0" anchor="ctr"/>
-          <a:lstStyle/>
-          <a:p>
-            <a:pPr algn="ctr"/>
-            <a:endParaRPr lang="en-GB" sz="800" dirty="0">
-              <a:solidFill>
-                <a:schemeClr val="tx1"/>
-              </a:solidFill>
-              <a:latin typeface="Arial" panose="020B0604020202020204" pitchFamily="34" charset="0"/>
-              <a:cs typeface="Arial" panose="020B0604020202020204" pitchFamily="34" charset="0"/>
-            </a:endParaRPr>
-          </a:p>
-        </p:txBody>
-      </p:sp>
-      <p:sp>
-        <p:nvSpPr>
-          <p:cNvPr id="210" name="Rectangle 209">
-            <a:extLst>
-              <a:ext uri="{FF2B5EF4-FFF2-40B4-BE49-F238E27FC236}">
-                <a16:creationId xmlns:a16="http://schemas.microsoft.com/office/drawing/2014/main" id="{FC70445D-3475-4DF3-916E-7DA80218D296}"/>
-              </a:ext>
-            </a:extLst>
-          </p:cNvPr>
-          <p:cNvSpPr/>
-          <p:nvPr/>
-        </p:nvSpPr>
-        <p:spPr>
-          <a:xfrm>
-            <a:off x="1453721" y="-26501"/>
-            <a:ext cx="1512943" cy="1166298"/>
-          </a:xfrm>
-          <a:prstGeom prst="rect">
-            <a:avLst/>
-          </a:prstGeom>
-          <a:noFill/>
-          <a:ln w="3175">
-            <a:noFill/>
-          </a:ln>
-        </p:spPr>
-        <p:style>
-          <a:lnRef idx="2">
-            <a:schemeClr val="accent1">
-              <a:shade val="50000"/>
-            </a:schemeClr>
-          </a:lnRef>
-          <a:fillRef idx="1">
-            <a:schemeClr val="accent1"/>
-          </a:fillRef>
-          <a:effectRef idx="0">
-            <a:schemeClr val="accent1"/>
-          </a:effectRef>
-          <a:fontRef idx="minor">
-            <a:schemeClr val="lt1"/>
-          </a:fontRef>
-        </p:style>
-        <p:txBody>
-          <a:bodyPr rtlCol="0" anchor="ctr"/>
-          <a:lstStyle/>
-          <a:p>
-            <a:pPr algn="ctr"/>
-            <a:endParaRPr lang="en-GB" sz="800" dirty="0">
-              <a:solidFill>
-                <a:schemeClr val="tx1"/>
-              </a:solidFill>
-              <a:latin typeface="Arial" panose="020B0604020202020204" pitchFamily="34" charset="0"/>
-              <a:cs typeface="Arial" panose="020B0604020202020204" pitchFamily="34" charset="0"/>
-            </a:endParaRPr>
-          </a:p>
-          <a:p>
-            <a:pPr algn="ctr"/>
-            <a:r>
-              <a:rPr lang="en-GB" sz="800" dirty="0">
-                <a:solidFill>
-                  <a:schemeClr val="tx1"/>
-                </a:solidFill>
-                <a:latin typeface="Arial" panose="020B0604020202020204" pitchFamily="34" charset="0"/>
-                <a:cs typeface="Arial" panose="020B0604020202020204" pitchFamily="34" charset="0"/>
-              </a:rPr>
-              <a:t>Could training for traditional PEFs be effectively applied also for ecPoint forecasts?</a:t>
-            </a:r>
-          </a:p>
-        </p:txBody>
-      </p:sp>
-      <p:cxnSp>
-        <p:nvCxnSpPr>
-          <p:cNvPr id="211" name="Straight Arrow Connector 210">
-            <a:extLst>
-              <a:ext uri="{FF2B5EF4-FFF2-40B4-BE49-F238E27FC236}">
-                <a16:creationId xmlns:a16="http://schemas.microsoft.com/office/drawing/2014/main" id="{B1E5C43D-9A26-4C34-B77C-D124A53475BD}"/>
-              </a:ext>
-            </a:extLst>
-          </p:cNvPr>
-          <p:cNvCxnSpPr>
-            <a:cxnSpLocks/>
-            <a:stCxn id="189" idx="2"/>
-          </p:cNvCxnSpPr>
-          <p:nvPr/>
-        </p:nvCxnSpPr>
-        <p:spPr>
-          <a:xfrm>
-            <a:off x="2210180" y="2409442"/>
-            <a:ext cx="0" cy="180000"/>
-          </a:xfrm>
-          <a:prstGeom prst="straightConnector1">
-            <a:avLst/>
-          </a:prstGeom>
-          <a:ln>
-            <a:solidFill>
-              <a:srgbClr val="787878"/>
-            </a:solidFill>
-            <a:tailEnd type="triangle"/>
-          </a:ln>
-        </p:spPr>
-        <p:style>
-          <a:lnRef idx="1">
-            <a:schemeClr val="accent1"/>
-          </a:lnRef>
-          <a:fillRef idx="0">
-            <a:schemeClr val="accent1"/>
-          </a:fillRef>
-          <a:effectRef idx="0">
-            <a:schemeClr val="accent1"/>
-          </a:effectRef>
-          <a:fontRef idx="minor">
-            <a:schemeClr val="tx1"/>
-          </a:fontRef>
-        </p:style>
-      </p:cxnSp>
-      <p:sp>
-        <p:nvSpPr>
-          <p:cNvPr id="212" name="Rectangle: Rounded Corners 211">
-            <a:extLst>
-              <a:ext uri="{FF2B5EF4-FFF2-40B4-BE49-F238E27FC236}">
-                <a16:creationId xmlns:a16="http://schemas.microsoft.com/office/drawing/2014/main" id="{3A0307FD-2CA3-4B5A-875E-61E64749178C}"/>
-              </a:ext>
-            </a:extLst>
-          </p:cNvPr>
-          <p:cNvSpPr/>
-          <p:nvPr/>
-        </p:nvSpPr>
-        <p:spPr>
-          <a:xfrm>
-            <a:off x="1045675" y="3002707"/>
-            <a:ext cx="2342345" cy="450000"/>
-          </a:xfrm>
-          <a:prstGeom prst="roundRect">
-            <a:avLst>
-              <a:gd name="adj" fmla="val 0"/>
-            </a:avLst>
-          </a:prstGeom>
-          <a:solidFill>
-            <a:schemeClr val="bg2">
-              <a:lumMod val="75000"/>
-            </a:schemeClr>
-          </a:solidFill>
-          <a:ln w="3175">
-            <a:solidFill>
-              <a:schemeClr val="bg2">
-                <a:lumMod val="50000"/>
-              </a:schemeClr>
-            </a:solidFill>
-          </a:ln>
-        </p:spPr>
-        <p:style>
-          <a:lnRef idx="2">
-            <a:schemeClr val="accent1">
-              <a:shade val="50000"/>
-            </a:schemeClr>
-          </a:lnRef>
-          <a:fillRef idx="1">
-            <a:schemeClr val="accent1"/>
-          </a:fillRef>
-          <a:effectRef idx="0">
-            <a:schemeClr val="accent1"/>
-          </a:effectRef>
-          <a:fontRef idx="minor">
-            <a:schemeClr val="lt1"/>
-          </a:fontRef>
-        </p:style>
-        <p:txBody>
-          <a:bodyPr rtlCol="0" anchor="ctr"/>
-          <a:lstStyle/>
-          <a:p>
-            <a:pPr algn="ctr"/>
-            <a:r>
-              <a:rPr lang="en-GB" sz="800" dirty="0">
-                <a:solidFill>
-                  <a:schemeClr val="tx1"/>
-                </a:solidFill>
-                <a:latin typeface="Arial" panose="020B0604020202020204" pitchFamily="34" charset="0"/>
-                <a:cs typeface="Arial" panose="020B0604020202020204" pitchFamily="34" charset="0"/>
-              </a:rPr>
-              <a:t>Use over a 1-year period of ecPoint-Rainfall to predicting extreme localized events operational environments</a:t>
-            </a:r>
-          </a:p>
-        </p:txBody>
-      </p:sp>
-      <p:sp>
-        <p:nvSpPr>
-          <p:cNvPr id="213" name="Diamond 212">
-            <a:extLst>
-              <a:ext uri="{FF2B5EF4-FFF2-40B4-BE49-F238E27FC236}">
-                <a16:creationId xmlns:a16="http://schemas.microsoft.com/office/drawing/2014/main" id="{9F22AAE1-147B-4C0C-9628-F2829B609874}"/>
-              </a:ext>
-            </a:extLst>
-          </p:cNvPr>
-          <p:cNvSpPr/>
-          <p:nvPr/>
-        </p:nvSpPr>
-        <p:spPr>
-          <a:xfrm>
-            <a:off x="1062268" y="4678428"/>
-            <a:ext cx="2319080" cy="1070974"/>
-          </a:xfrm>
-          <a:prstGeom prst="diamond">
-            <a:avLst/>
-          </a:prstGeom>
-          <a:solidFill>
-            <a:srgbClr val="FFCC00"/>
-          </a:solidFill>
-          <a:ln w="3175">
-            <a:solidFill>
-              <a:schemeClr val="bg2">
-                <a:lumMod val="75000"/>
-              </a:schemeClr>
-            </a:solidFill>
-          </a:ln>
-        </p:spPr>
-        <p:style>
-          <a:lnRef idx="2">
-            <a:schemeClr val="accent1">
-              <a:shade val="50000"/>
-            </a:schemeClr>
-          </a:lnRef>
-          <a:fillRef idx="1">
-            <a:schemeClr val="accent1"/>
-          </a:fillRef>
-          <a:effectRef idx="0">
-            <a:schemeClr val="accent1"/>
-          </a:effectRef>
-          <a:fontRef idx="minor">
-            <a:schemeClr val="lt1"/>
-          </a:fontRef>
-        </p:style>
-        <p:txBody>
-          <a:bodyPr rtlCol="0" anchor="ctr"/>
-          <a:lstStyle/>
-          <a:p>
-            <a:pPr algn="ctr"/>
-            <a:endParaRPr lang="en-GB" sz="800" dirty="0">
-              <a:solidFill>
-                <a:schemeClr val="tx1"/>
-              </a:solidFill>
-              <a:latin typeface="Arial" panose="020B0604020202020204" pitchFamily="34" charset="0"/>
-              <a:cs typeface="Arial" panose="020B0604020202020204" pitchFamily="34" charset="0"/>
-            </a:endParaRPr>
-          </a:p>
-        </p:txBody>
-      </p:sp>
-      <p:sp>
-        <p:nvSpPr>
-          <p:cNvPr id="214" name="Rectangle 213">
-            <a:extLst>
-              <a:ext uri="{FF2B5EF4-FFF2-40B4-BE49-F238E27FC236}">
-                <a16:creationId xmlns:a16="http://schemas.microsoft.com/office/drawing/2014/main" id="{93A8CE63-609D-4954-99C0-A47AB7F15E9E}"/>
-              </a:ext>
-            </a:extLst>
-          </p:cNvPr>
-          <p:cNvSpPr/>
-          <p:nvPr/>
-        </p:nvSpPr>
-        <p:spPr>
-          <a:xfrm>
-            <a:off x="1363858" y="4594780"/>
-            <a:ext cx="1733890" cy="1166298"/>
-          </a:xfrm>
-          <a:prstGeom prst="rect">
-            <a:avLst/>
-          </a:prstGeom>
-          <a:noFill/>
-          <a:ln w="3175">
-            <a:noFill/>
-          </a:ln>
-        </p:spPr>
-        <p:style>
-          <a:lnRef idx="2">
-            <a:schemeClr val="accent1">
-              <a:shade val="50000"/>
-            </a:schemeClr>
-          </a:lnRef>
-          <a:fillRef idx="1">
-            <a:schemeClr val="accent1"/>
-          </a:fillRef>
-          <a:effectRef idx="0">
-            <a:schemeClr val="accent1"/>
-          </a:effectRef>
-          <a:fontRef idx="minor">
-            <a:schemeClr val="lt1"/>
-          </a:fontRef>
-        </p:style>
-        <p:txBody>
-          <a:bodyPr rtlCol="0" anchor="ctr"/>
-          <a:lstStyle/>
-          <a:p>
-            <a:pPr algn="ctr"/>
-            <a:endParaRPr lang="en-GB" sz="800" dirty="0">
-              <a:solidFill>
-                <a:schemeClr val="tx1"/>
-              </a:solidFill>
-              <a:latin typeface="Arial" panose="020B0604020202020204" pitchFamily="34" charset="0"/>
-              <a:cs typeface="Arial" panose="020B0604020202020204" pitchFamily="34" charset="0"/>
-            </a:endParaRPr>
-          </a:p>
-          <a:p>
-            <a:pPr algn="ctr"/>
-            <a:r>
-              <a:rPr lang="en-GB" sz="800" dirty="0">
-                <a:solidFill>
-                  <a:schemeClr val="tx1"/>
-                </a:solidFill>
-                <a:latin typeface="Arial" panose="020B0604020202020204" pitchFamily="34" charset="0"/>
-                <a:cs typeface="Arial" panose="020B0604020202020204" pitchFamily="34" charset="0"/>
-              </a:rPr>
-              <a:t>Is the UND-EFF relationship for ecPoint forecasts similar to the one for traditional PEFs?</a:t>
-            </a:r>
-          </a:p>
-        </p:txBody>
-      </p:sp>
-      <p:cxnSp>
-        <p:nvCxnSpPr>
-          <p:cNvPr id="215" name="Straight Arrow Connector 214">
-            <a:extLst>
-              <a:ext uri="{FF2B5EF4-FFF2-40B4-BE49-F238E27FC236}">
-                <a16:creationId xmlns:a16="http://schemas.microsoft.com/office/drawing/2014/main" id="{06D8099D-10BA-4420-9F4C-0200EC15FC29}"/>
-              </a:ext>
-            </a:extLst>
-          </p:cNvPr>
-          <p:cNvCxnSpPr>
-            <a:cxnSpLocks/>
-            <a:stCxn id="200" idx="2"/>
-            <a:endCxn id="226" idx="0"/>
-          </p:cNvCxnSpPr>
-          <p:nvPr/>
-        </p:nvCxnSpPr>
-        <p:spPr>
-          <a:xfrm>
-            <a:off x="2217162" y="7988217"/>
-            <a:ext cx="1203" cy="182136"/>
-          </a:xfrm>
-          <a:prstGeom prst="straightConnector1">
-            <a:avLst/>
-          </a:prstGeom>
-          <a:ln>
-            <a:solidFill>
-              <a:srgbClr val="787878"/>
-            </a:solidFill>
-            <a:tailEnd type="triangle"/>
-          </a:ln>
-        </p:spPr>
-        <p:style>
-          <a:lnRef idx="1">
-            <a:schemeClr val="accent1"/>
-          </a:lnRef>
-          <a:fillRef idx="0">
-            <a:schemeClr val="accent1"/>
-          </a:fillRef>
-          <a:effectRef idx="0">
-            <a:schemeClr val="accent1"/>
-          </a:effectRef>
-          <a:fontRef idx="minor">
-            <a:schemeClr val="tx1"/>
-          </a:fontRef>
-        </p:style>
-      </p:cxnSp>
-      <p:sp>
-        <p:nvSpPr>
-          <p:cNvPr id="216" name="Rectangle 215">
-            <a:extLst>
-              <a:ext uri="{FF2B5EF4-FFF2-40B4-BE49-F238E27FC236}">
-                <a16:creationId xmlns:a16="http://schemas.microsoft.com/office/drawing/2014/main" id="{11B3E8B0-17CB-4537-9A5C-C1C44CAF9CC2}"/>
-              </a:ext>
-            </a:extLst>
-          </p:cNvPr>
-          <p:cNvSpPr/>
-          <p:nvPr/>
-        </p:nvSpPr>
-        <p:spPr>
-          <a:xfrm>
-            <a:off x="917076" y="2895442"/>
-            <a:ext cx="2607167" cy="1077689"/>
-          </a:xfrm>
-          <a:prstGeom prst="rect">
-            <a:avLst/>
-          </a:prstGeom>
-          <a:noFill/>
-          <a:ln w="28575">
-            <a:solidFill>
-              <a:srgbClr val="0000FF"/>
-            </a:solidFill>
-            <a:prstDash val="dash"/>
-          </a:ln>
-        </p:spPr>
-        <p:style>
-          <a:lnRef idx="2">
-            <a:schemeClr val="accent1">
-              <a:shade val="50000"/>
-            </a:schemeClr>
-          </a:lnRef>
-          <a:fillRef idx="1">
-            <a:schemeClr val="accent1"/>
-          </a:fillRef>
-          <a:effectRef idx="0">
-            <a:schemeClr val="accent1"/>
-          </a:effectRef>
-          <a:fontRef idx="minor">
-            <a:schemeClr val="lt1"/>
-          </a:fontRef>
-        </p:style>
-        <p:txBody>
-          <a:bodyPr rtlCol="0" anchor="ctr"/>
-          <a:lstStyle/>
-          <a:p>
-            <a:pPr algn="ctr"/>
-            <a:endParaRPr lang="en-GB"/>
-          </a:p>
-        </p:txBody>
-      </p:sp>
-      <p:cxnSp>
-        <p:nvCxnSpPr>
-          <p:cNvPr id="217" name="Straight Arrow Connector 216">
-            <a:extLst>
-              <a:ext uri="{FF2B5EF4-FFF2-40B4-BE49-F238E27FC236}">
-                <a16:creationId xmlns:a16="http://schemas.microsoft.com/office/drawing/2014/main" id="{5565A209-3D07-4BB7-9BA1-2C9F5064D220}"/>
-              </a:ext>
-            </a:extLst>
-          </p:cNvPr>
-          <p:cNvCxnSpPr>
-            <a:cxnSpLocks/>
-            <a:stCxn id="191" idx="2"/>
-            <a:endCxn id="212" idx="0"/>
-          </p:cNvCxnSpPr>
-          <p:nvPr/>
-        </p:nvCxnSpPr>
-        <p:spPr>
-          <a:xfrm flipH="1">
-            <a:off x="2216848" y="2820344"/>
-            <a:ext cx="1" cy="180000"/>
-          </a:xfrm>
-          <a:prstGeom prst="straightConnector1">
-            <a:avLst/>
-          </a:prstGeom>
-          <a:ln>
-            <a:solidFill>
-              <a:srgbClr val="787878"/>
-            </a:solidFill>
-            <a:tailEnd type="triangle"/>
-          </a:ln>
-        </p:spPr>
-        <p:style>
-          <a:lnRef idx="1">
-            <a:schemeClr val="accent1"/>
-          </a:lnRef>
-          <a:fillRef idx="0">
-            <a:schemeClr val="accent1"/>
-          </a:fillRef>
-          <a:effectRef idx="0">
-            <a:schemeClr val="accent1"/>
-          </a:effectRef>
-          <a:fontRef idx="minor">
-            <a:schemeClr val="tx1"/>
-          </a:fontRef>
-        </p:style>
-      </p:cxnSp>
-      <p:cxnSp>
-        <p:nvCxnSpPr>
-          <p:cNvPr id="218" name="Straight Arrow Connector 217">
-            <a:extLst>
-              <a:ext uri="{FF2B5EF4-FFF2-40B4-BE49-F238E27FC236}">
-                <a16:creationId xmlns:a16="http://schemas.microsoft.com/office/drawing/2014/main" id="{0FE2EEEF-1CBA-46EA-A621-FB5EB3B95F78}"/>
-              </a:ext>
-            </a:extLst>
-          </p:cNvPr>
-          <p:cNvCxnSpPr>
-            <a:cxnSpLocks/>
-          </p:cNvCxnSpPr>
-          <p:nvPr/>
-        </p:nvCxnSpPr>
-        <p:spPr>
-          <a:xfrm>
-            <a:off x="2224135" y="3932984"/>
-            <a:ext cx="0" cy="180000"/>
-          </a:xfrm>
-          <a:prstGeom prst="straightConnector1">
-            <a:avLst/>
-          </a:prstGeom>
-          <a:ln>
-            <a:solidFill>
-              <a:srgbClr val="787878"/>
-            </a:solidFill>
-            <a:tailEnd type="triangle"/>
-          </a:ln>
-        </p:spPr>
-        <p:style>
-          <a:lnRef idx="1">
-            <a:schemeClr val="accent1"/>
-          </a:lnRef>
-          <a:fillRef idx="0">
-            <a:schemeClr val="accent1"/>
-          </a:fillRef>
-          <a:effectRef idx="0">
-            <a:schemeClr val="accent1"/>
-          </a:effectRef>
-          <a:fontRef idx="minor">
-            <a:schemeClr val="tx1"/>
-          </a:fontRef>
-        </p:style>
-      </p:cxnSp>
-      <p:sp>
-        <p:nvSpPr>
-          <p:cNvPr id="219" name="Rectangle 218">
-            <a:extLst>
-              <a:ext uri="{FF2B5EF4-FFF2-40B4-BE49-F238E27FC236}">
-                <a16:creationId xmlns:a16="http://schemas.microsoft.com/office/drawing/2014/main" id="{2CEF687A-C095-41CD-84A5-5FCE448F387F}"/>
-              </a:ext>
-            </a:extLst>
-          </p:cNvPr>
-          <p:cNvSpPr/>
-          <p:nvPr/>
-        </p:nvSpPr>
-        <p:spPr>
-          <a:xfrm>
-            <a:off x="917064" y="2459657"/>
-            <a:ext cx="2607167" cy="399785"/>
-          </a:xfrm>
-          <a:prstGeom prst="rect">
-            <a:avLst/>
-          </a:prstGeom>
-          <a:noFill/>
-          <a:ln w="28575">
-            <a:solidFill>
-              <a:srgbClr val="FF00FF"/>
-            </a:solidFill>
-            <a:prstDash val="dash"/>
-          </a:ln>
-        </p:spPr>
-        <p:style>
-          <a:lnRef idx="2">
-            <a:schemeClr val="accent1">
-              <a:shade val="50000"/>
-            </a:schemeClr>
-          </a:lnRef>
-          <a:fillRef idx="1">
-            <a:schemeClr val="accent1"/>
-          </a:fillRef>
-          <a:effectRef idx="0">
-            <a:schemeClr val="accent1"/>
-          </a:effectRef>
-          <a:fontRef idx="minor">
-            <a:schemeClr val="lt1"/>
-          </a:fontRef>
-        </p:style>
-        <p:txBody>
-          <a:bodyPr rtlCol="0" anchor="ctr"/>
-          <a:lstStyle/>
-          <a:p>
-            <a:pPr algn="ctr"/>
-            <a:endParaRPr lang="en-GB"/>
-          </a:p>
-        </p:txBody>
-      </p:sp>
-      <p:sp>
-        <p:nvSpPr>
-          <p:cNvPr id="220" name="Rectangle 219">
-            <a:extLst>
-              <a:ext uri="{FF2B5EF4-FFF2-40B4-BE49-F238E27FC236}">
-                <a16:creationId xmlns:a16="http://schemas.microsoft.com/office/drawing/2014/main" id="{1EA52841-FBFC-4CCE-B848-4FE28C810DFB}"/>
-              </a:ext>
-            </a:extLst>
-          </p:cNvPr>
-          <p:cNvSpPr/>
-          <p:nvPr/>
-        </p:nvSpPr>
-        <p:spPr>
-          <a:xfrm>
-            <a:off x="914404" y="4020859"/>
-            <a:ext cx="2607165" cy="525576"/>
-          </a:xfrm>
-          <a:prstGeom prst="rect">
-            <a:avLst/>
-          </a:prstGeom>
-          <a:noFill/>
-          <a:ln w="28575">
-            <a:solidFill>
-              <a:srgbClr val="FF0000"/>
-            </a:solidFill>
-            <a:prstDash val="dash"/>
-          </a:ln>
-        </p:spPr>
-        <p:style>
-          <a:lnRef idx="2">
-            <a:schemeClr val="accent1">
-              <a:shade val="50000"/>
-            </a:schemeClr>
-          </a:lnRef>
-          <a:fillRef idx="1">
-            <a:schemeClr val="accent1"/>
-          </a:fillRef>
-          <a:effectRef idx="0">
-            <a:schemeClr val="accent1"/>
-          </a:effectRef>
-          <a:fontRef idx="minor">
-            <a:schemeClr val="lt1"/>
-          </a:fontRef>
-        </p:style>
-        <p:txBody>
-          <a:bodyPr rtlCol="0" anchor="ctr"/>
-          <a:lstStyle/>
-          <a:p>
-            <a:pPr algn="ctr"/>
-            <a:endParaRPr lang="en-GB"/>
-          </a:p>
-        </p:txBody>
-      </p:sp>
-      <p:cxnSp>
-        <p:nvCxnSpPr>
-          <p:cNvPr id="221" name="Straight Arrow Connector 220">
-            <a:extLst>
-              <a:ext uri="{FF2B5EF4-FFF2-40B4-BE49-F238E27FC236}">
-                <a16:creationId xmlns:a16="http://schemas.microsoft.com/office/drawing/2014/main" id="{F8B27E64-BB2E-4B14-8ABC-8774749F5A43}"/>
-              </a:ext>
-            </a:extLst>
-          </p:cNvPr>
-          <p:cNvCxnSpPr>
-            <a:cxnSpLocks/>
-          </p:cNvCxnSpPr>
-          <p:nvPr/>
-        </p:nvCxnSpPr>
-        <p:spPr>
-          <a:xfrm flipH="1" flipV="1">
-            <a:off x="656785" y="5216388"/>
-            <a:ext cx="398159" cy="2"/>
-          </a:xfrm>
-          <a:prstGeom prst="straightConnector1">
-            <a:avLst/>
-          </a:prstGeom>
-          <a:ln>
-            <a:solidFill>
-              <a:srgbClr val="787878"/>
-            </a:solidFill>
-            <a:tailEnd type="triangle"/>
-          </a:ln>
-        </p:spPr>
-        <p:style>
-          <a:lnRef idx="1">
-            <a:schemeClr val="accent1"/>
-          </a:lnRef>
-          <a:fillRef idx="0">
-            <a:schemeClr val="accent1"/>
-          </a:fillRef>
-          <a:effectRef idx="0">
-            <a:schemeClr val="accent1"/>
-          </a:effectRef>
-          <a:fontRef idx="minor">
-            <a:schemeClr val="tx1"/>
-          </a:fontRef>
-        </p:style>
-      </p:cxnSp>
-      <p:sp>
-        <p:nvSpPr>
-          <p:cNvPr id="222" name="Rectangle 221">
-            <a:extLst>
-              <a:ext uri="{FF2B5EF4-FFF2-40B4-BE49-F238E27FC236}">
-                <a16:creationId xmlns:a16="http://schemas.microsoft.com/office/drawing/2014/main" id="{D3523231-81E0-4C20-83CD-BF45FE31C771}"/>
-              </a:ext>
-            </a:extLst>
-          </p:cNvPr>
-          <p:cNvSpPr/>
-          <p:nvPr/>
-        </p:nvSpPr>
-        <p:spPr>
-          <a:xfrm rot="16200000">
-            <a:off x="696780" y="5145351"/>
-            <a:ext cx="381075" cy="156565"/>
-          </a:xfrm>
-          <a:prstGeom prst="rect">
-            <a:avLst/>
-          </a:prstGeom>
-          <a:solidFill>
-            <a:schemeClr val="bg1"/>
-          </a:solidFill>
-          <a:ln>
-            <a:solidFill>
-              <a:schemeClr val="bg2">
-                <a:lumMod val="50000"/>
-              </a:schemeClr>
-            </a:solidFill>
-          </a:ln>
-        </p:spPr>
-        <p:style>
-          <a:lnRef idx="2">
-            <a:schemeClr val="accent1">
-              <a:shade val="50000"/>
-            </a:schemeClr>
-          </a:lnRef>
-          <a:fillRef idx="1">
-            <a:schemeClr val="accent1"/>
-          </a:fillRef>
-          <a:effectRef idx="0">
-            <a:schemeClr val="accent1"/>
-          </a:effectRef>
-          <a:fontRef idx="minor">
-            <a:schemeClr val="lt1"/>
-          </a:fontRef>
-        </p:style>
-        <p:txBody>
-          <a:bodyPr rtlCol="0" anchor="ctr"/>
-          <a:lstStyle/>
-          <a:p>
-            <a:pPr algn="ctr"/>
-            <a:r>
               <a:rPr lang="en-GB" sz="600" dirty="0">
                 <a:solidFill>
                   <a:schemeClr val="tx1">
@@ -10438,753 +12263,11 @@
                 <a:latin typeface="Arial" panose="020B0604020202020204" pitchFamily="34" charset="0"/>
                 <a:cs typeface="Arial" panose="020B0604020202020204" pitchFamily="34" charset="0"/>
               </a:rPr>
-              <a:t>YES</a:t>
+              <a:t>Research Experiment Ends</a:t>
             </a:r>
           </a:p>
         </p:txBody>
       </p:sp>
-      <p:sp>
-        <p:nvSpPr>
-          <p:cNvPr id="223" name="Rectangle: Rounded Corners 222">
-            <a:extLst>
-              <a:ext uri="{FF2B5EF4-FFF2-40B4-BE49-F238E27FC236}">
-                <a16:creationId xmlns:a16="http://schemas.microsoft.com/office/drawing/2014/main" id="{AB7A39FB-D3E5-4655-A071-08B04DD82B9A}"/>
-              </a:ext>
-            </a:extLst>
-          </p:cNvPr>
-          <p:cNvSpPr/>
-          <p:nvPr/>
-        </p:nvSpPr>
-        <p:spPr>
-          <a:xfrm>
-            <a:off x="47625" y="4911736"/>
-            <a:ext cx="609160" cy="576153"/>
-          </a:xfrm>
-          <a:prstGeom prst="roundRect">
-            <a:avLst>
-              <a:gd name="adj" fmla="val 0"/>
-            </a:avLst>
-          </a:prstGeom>
-          <a:solidFill>
-            <a:schemeClr val="bg2">
-              <a:lumMod val="75000"/>
-            </a:schemeClr>
-          </a:solidFill>
-          <a:ln w="3175">
-            <a:solidFill>
-              <a:schemeClr val="bg2">
-                <a:lumMod val="50000"/>
-              </a:schemeClr>
-            </a:solidFill>
-          </a:ln>
-        </p:spPr>
-        <p:style>
-          <a:lnRef idx="2">
-            <a:schemeClr val="accent1">
-              <a:shade val="50000"/>
-            </a:schemeClr>
-          </a:lnRef>
-          <a:fillRef idx="1">
-            <a:schemeClr val="accent1"/>
-          </a:fillRef>
-          <a:effectRef idx="0">
-            <a:schemeClr val="accent1"/>
-          </a:effectRef>
-          <a:fontRef idx="minor">
-            <a:schemeClr val="lt1"/>
-          </a:fontRef>
-        </p:style>
-        <p:txBody>
-          <a:bodyPr rtlCol="0" anchor="ctr"/>
-          <a:lstStyle/>
-          <a:p>
-            <a:pPr algn="ctr"/>
-            <a:r>
-              <a:rPr lang="en-GB" sz="800" dirty="0">
-                <a:solidFill>
-                  <a:schemeClr val="tx1"/>
-                </a:solidFill>
-                <a:latin typeface="Arial" panose="020B0604020202020204" pitchFamily="34" charset="0"/>
-                <a:cs typeface="Arial" panose="020B0604020202020204" pitchFamily="34" charset="0"/>
-              </a:rPr>
-              <a:t>No further actions needed </a:t>
-            </a:r>
-          </a:p>
-        </p:txBody>
-      </p:sp>
-      <p:cxnSp>
-        <p:nvCxnSpPr>
-          <p:cNvPr id="224" name="Straight Arrow Connector 223">
-            <a:extLst>
-              <a:ext uri="{FF2B5EF4-FFF2-40B4-BE49-F238E27FC236}">
-                <a16:creationId xmlns:a16="http://schemas.microsoft.com/office/drawing/2014/main" id="{912B2D11-C4C3-40A1-8EC0-85E470ED77FB}"/>
-              </a:ext>
-            </a:extLst>
-          </p:cNvPr>
-          <p:cNvCxnSpPr>
-            <a:cxnSpLocks/>
-          </p:cNvCxnSpPr>
-          <p:nvPr/>
-        </p:nvCxnSpPr>
-        <p:spPr>
-          <a:xfrm flipH="1">
-            <a:off x="2212822" y="5742362"/>
-            <a:ext cx="1" cy="351941"/>
-          </a:xfrm>
-          <a:prstGeom prst="straightConnector1">
-            <a:avLst/>
-          </a:prstGeom>
-          <a:ln>
-            <a:solidFill>
-              <a:srgbClr val="787878"/>
-            </a:solidFill>
-            <a:tailEnd type="triangle"/>
-          </a:ln>
-        </p:spPr>
-        <p:style>
-          <a:lnRef idx="1">
-            <a:schemeClr val="accent1"/>
-          </a:lnRef>
-          <a:fillRef idx="0">
-            <a:schemeClr val="accent1"/>
-          </a:fillRef>
-          <a:effectRef idx="0">
-            <a:schemeClr val="accent1"/>
-          </a:effectRef>
-          <a:fontRef idx="minor">
-            <a:schemeClr val="tx1"/>
-          </a:fontRef>
-        </p:style>
-      </p:cxnSp>
-      <p:sp>
-        <p:nvSpPr>
-          <p:cNvPr id="225" name="Rectangle 224">
-            <a:extLst>
-              <a:ext uri="{FF2B5EF4-FFF2-40B4-BE49-F238E27FC236}">
-                <a16:creationId xmlns:a16="http://schemas.microsoft.com/office/drawing/2014/main" id="{6B7AD368-8C63-47FF-AF97-5254D06A2A9B}"/>
-              </a:ext>
-            </a:extLst>
-          </p:cNvPr>
-          <p:cNvSpPr/>
-          <p:nvPr/>
-        </p:nvSpPr>
-        <p:spPr>
-          <a:xfrm>
-            <a:off x="2063254" y="5798068"/>
-            <a:ext cx="312475" cy="128568"/>
-          </a:xfrm>
-          <a:prstGeom prst="rect">
-            <a:avLst/>
-          </a:prstGeom>
-          <a:solidFill>
-            <a:schemeClr val="bg1"/>
-          </a:solidFill>
-          <a:ln>
-            <a:solidFill>
-              <a:schemeClr val="bg2">
-                <a:lumMod val="50000"/>
-              </a:schemeClr>
-            </a:solidFill>
-          </a:ln>
-        </p:spPr>
-        <p:style>
-          <a:lnRef idx="2">
-            <a:schemeClr val="accent1">
-              <a:shade val="50000"/>
-            </a:schemeClr>
-          </a:lnRef>
-          <a:fillRef idx="1">
-            <a:schemeClr val="accent1"/>
-          </a:fillRef>
-          <a:effectRef idx="0">
-            <a:schemeClr val="accent1"/>
-          </a:effectRef>
-          <a:fontRef idx="minor">
-            <a:schemeClr val="lt1"/>
-          </a:fontRef>
-        </p:style>
-        <p:txBody>
-          <a:bodyPr rtlCol="0" anchor="ctr"/>
-          <a:lstStyle/>
-          <a:p>
-            <a:pPr algn="ctr"/>
-            <a:r>
-              <a:rPr lang="en-GB" sz="600" dirty="0">
-                <a:solidFill>
-                  <a:schemeClr val="tx1">
-                    <a:lumMod val="65000"/>
-                    <a:lumOff val="35000"/>
-                  </a:schemeClr>
-                </a:solidFill>
-                <a:latin typeface="Arial" panose="020B0604020202020204" pitchFamily="34" charset="0"/>
-                <a:cs typeface="Arial" panose="020B0604020202020204" pitchFamily="34" charset="0"/>
-              </a:rPr>
-              <a:t>NO</a:t>
-            </a:r>
-          </a:p>
-        </p:txBody>
-      </p:sp>
-      <p:sp>
-        <p:nvSpPr>
-          <p:cNvPr id="226" name="Diamond 225">
-            <a:extLst>
-              <a:ext uri="{FF2B5EF4-FFF2-40B4-BE49-F238E27FC236}">
-                <a16:creationId xmlns:a16="http://schemas.microsoft.com/office/drawing/2014/main" id="{512D1C27-766B-4552-B090-B7C42431F7DC}"/>
-              </a:ext>
-            </a:extLst>
-          </p:cNvPr>
-          <p:cNvSpPr/>
-          <p:nvPr/>
-        </p:nvSpPr>
-        <p:spPr>
-          <a:xfrm>
-            <a:off x="1055511" y="8170353"/>
-            <a:ext cx="2325707" cy="1070974"/>
-          </a:xfrm>
-          <a:prstGeom prst="diamond">
-            <a:avLst/>
-          </a:prstGeom>
-          <a:solidFill>
-            <a:srgbClr val="FFCC00"/>
-          </a:solidFill>
-          <a:ln w="3175">
-            <a:solidFill>
-              <a:schemeClr val="bg2">
-                <a:lumMod val="75000"/>
-              </a:schemeClr>
-            </a:solidFill>
-          </a:ln>
-        </p:spPr>
-        <p:style>
-          <a:lnRef idx="2">
-            <a:schemeClr val="accent1">
-              <a:shade val="50000"/>
-            </a:schemeClr>
-          </a:lnRef>
-          <a:fillRef idx="1">
-            <a:schemeClr val="accent1"/>
-          </a:fillRef>
-          <a:effectRef idx="0">
-            <a:schemeClr val="accent1"/>
-          </a:effectRef>
-          <a:fontRef idx="minor">
-            <a:schemeClr val="lt1"/>
-          </a:fontRef>
-        </p:style>
-        <p:txBody>
-          <a:bodyPr rtlCol="0" anchor="ctr"/>
-          <a:lstStyle/>
-          <a:p>
-            <a:pPr algn="ctr"/>
-            <a:endParaRPr lang="en-GB" sz="800" dirty="0">
-              <a:solidFill>
-                <a:schemeClr val="tx1"/>
-              </a:solidFill>
-              <a:latin typeface="Arial" panose="020B0604020202020204" pitchFamily="34" charset="0"/>
-              <a:cs typeface="Arial" panose="020B0604020202020204" pitchFamily="34" charset="0"/>
-            </a:endParaRPr>
-          </a:p>
-        </p:txBody>
-      </p:sp>
-      <p:sp>
-        <p:nvSpPr>
-          <p:cNvPr id="227" name="Rectangle 226">
-            <a:extLst>
-              <a:ext uri="{FF2B5EF4-FFF2-40B4-BE49-F238E27FC236}">
-                <a16:creationId xmlns:a16="http://schemas.microsoft.com/office/drawing/2014/main" id="{8B42F4C0-E5EE-4349-AA41-2890BA841D7D}"/>
-              </a:ext>
-            </a:extLst>
-          </p:cNvPr>
-          <p:cNvSpPr/>
-          <p:nvPr/>
-        </p:nvSpPr>
-        <p:spPr>
-          <a:xfrm>
-            <a:off x="919723" y="5983745"/>
-            <a:ext cx="2607167" cy="2082414"/>
-          </a:xfrm>
-          <a:prstGeom prst="rect">
-            <a:avLst/>
-          </a:prstGeom>
-          <a:noFill/>
-          <a:ln w="28575">
-            <a:solidFill>
-              <a:srgbClr val="FF00FF"/>
-            </a:solidFill>
-            <a:prstDash val="dash"/>
-          </a:ln>
-        </p:spPr>
-        <p:style>
-          <a:lnRef idx="2">
-            <a:schemeClr val="accent1">
-              <a:shade val="50000"/>
-            </a:schemeClr>
-          </a:lnRef>
-          <a:fillRef idx="1">
-            <a:schemeClr val="accent1"/>
-          </a:fillRef>
-          <a:effectRef idx="0">
-            <a:schemeClr val="accent1"/>
-          </a:effectRef>
-          <a:fontRef idx="minor">
-            <a:schemeClr val="lt1"/>
-          </a:fontRef>
-        </p:style>
-        <p:txBody>
-          <a:bodyPr rtlCol="0" anchor="ctr"/>
-          <a:lstStyle/>
-          <a:p>
-            <a:pPr algn="ctr"/>
-            <a:endParaRPr lang="en-GB"/>
-          </a:p>
-        </p:txBody>
-      </p:sp>
-      <p:sp>
-        <p:nvSpPr>
-          <p:cNvPr id="228" name="Rectangle 227">
-            <a:extLst>
-              <a:ext uri="{FF2B5EF4-FFF2-40B4-BE49-F238E27FC236}">
-                <a16:creationId xmlns:a16="http://schemas.microsoft.com/office/drawing/2014/main" id="{8B947C78-D353-4DC3-B750-B624EE887E98}"/>
-              </a:ext>
-            </a:extLst>
-          </p:cNvPr>
-          <p:cNvSpPr/>
-          <p:nvPr/>
-        </p:nvSpPr>
-        <p:spPr>
-          <a:xfrm>
-            <a:off x="1479706" y="8124304"/>
-            <a:ext cx="1528555" cy="1166298"/>
-          </a:xfrm>
-          <a:prstGeom prst="rect">
-            <a:avLst/>
-          </a:prstGeom>
-          <a:noFill/>
-          <a:ln w="3175">
-            <a:noFill/>
-          </a:ln>
-        </p:spPr>
-        <p:style>
-          <a:lnRef idx="2">
-            <a:schemeClr val="accent1">
-              <a:shade val="50000"/>
-            </a:schemeClr>
-          </a:lnRef>
-          <a:fillRef idx="1">
-            <a:schemeClr val="accent1"/>
-          </a:fillRef>
-          <a:effectRef idx="0">
-            <a:schemeClr val="accent1"/>
-          </a:effectRef>
-          <a:fontRef idx="minor">
-            <a:schemeClr val="lt1"/>
-          </a:fontRef>
-        </p:style>
-        <p:txBody>
-          <a:bodyPr rtlCol="0" anchor="ctr"/>
-          <a:lstStyle/>
-          <a:p>
-            <a:pPr algn="ctr"/>
-            <a:endParaRPr lang="en-GB" sz="800" dirty="0">
-              <a:solidFill>
-                <a:schemeClr val="tx1"/>
-              </a:solidFill>
-              <a:latin typeface="Arial" panose="020B0604020202020204" pitchFamily="34" charset="0"/>
-              <a:cs typeface="Arial" panose="020B0604020202020204" pitchFamily="34" charset="0"/>
-            </a:endParaRPr>
-          </a:p>
-          <a:p>
-            <a:pPr algn="ctr"/>
-            <a:r>
-              <a:rPr lang="en-GB" sz="800" dirty="0">
-                <a:solidFill>
-                  <a:schemeClr val="tx1"/>
-                </a:solidFill>
-                <a:latin typeface="Arial" panose="020B0604020202020204" pitchFamily="34" charset="0"/>
-                <a:cs typeface="Arial" panose="020B0604020202020204" pitchFamily="34" charset="0"/>
-              </a:rPr>
-              <a:t>Do forecasters think ecPoint forecasts are more effectively explained with the revised guidance?</a:t>
-            </a:r>
-          </a:p>
-        </p:txBody>
-      </p:sp>
-      <p:sp>
-        <p:nvSpPr>
-          <p:cNvPr id="229" name="Rectangle 228">
-            <a:extLst>
-              <a:ext uri="{FF2B5EF4-FFF2-40B4-BE49-F238E27FC236}">
-                <a16:creationId xmlns:a16="http://schemas.microsoft.com/office/drawing/2014/main" id="{04CE0786-B227-42BD-9960-30DFBF38F6A4}"/>
-              </a:ext>
-            </a:extLst>
-          </p:cNvPr>
-          <p:cNvSpPr/>
-          <p:nvPr/>
-        </p:nvSpPr>
-        <p:spPr>
-          <a:xfrm rot="16200000">
-            <a:off x="681474" y="8643475"/>
-            <a:ext cx="325898" cy="133683"/>
-          </a:xfrm>
-          <a:prstGeom prst="rect">
-            <a:avLst/>
-          </a:prstGeom>
-          <a:solidFill>
-            <a:schemeClr val="bg1"/>
-          </a:solidFill>
-          <a:ln>
-            <a:solidFill>
-              <a:schemeClr val="bg2">
-                <a:lumMod val="50000"/>
-              </a:schemeClr>
-            </a:solidFill>
-          </a:ln>
-        </p:spPr>
-        <p:style>
-          <a:lnRef idx="2">
-            <a:schemeClr val="accent1">
-              <a:shade val="50000"/>
-            </a:schemeClr>
-          </a:lnRef>
-          <a:fillRef idx="1">
-            <a:schemeClr val="accent1"/>
-          </a:fillRef>
-          <a:effectRef idx="0">
-            <a:schemeClr val="accent1"/>
-          </a:effectRef>
-          <a:fontRef idx="minor">
-            <a:schemeClr val="lt1"/>
-          </a:fontRef>
-        </p:style>
-        <p:txBody>
-          <a:bodyPr rtlCol="0" anchor="ctr"/>
-          <a:lstStyle/>
-          <a:p>
-            <a:pPr algn="ctr"/>
-            <a:r>
-              <a:rPr lang="en-GB" sz="600" dirty="0">
-                <a:solidFill>
-                  <a:schemeClr val="tx1">
-                    <a:lumMod val="65000"/>
-                    <a:lumOff val="35000"/>
-                  </a:schemeClr>
-                </a:solidFill>
-                <a:latin typeface="Arial" panose="020B0604020202020204" pitchFamily="34" charset="0"/>
-                <a:cs typeface="Arial" panose="020B0604020202020204" pitchFamily="34" charset="0"/>
-              </a:rPr>
-              <a:t>NO</a:t>
-            </a:r>
-          </a:p>
-        </p:txBody>
-      </p:sp>
-      <p:sp>
-        <p:nvSpPr>
-          <p:cNvPr id="230" name="Rectangle 229">
-            <a:extLst>
-              <a:ext uri="{FF2B5EF4-FFF2-40B4-BE49-F238E27FC236}">
-                <a16:creationId xmlns:a16="http://schemas.microsoft.com/office/drawing/2014/main" id="{5B191990-5FCF-4841-AE4A-2DF9D1F247F5}"/>
-              </a:ext>
-            </a:extLst>
-          </p:cNvPr>
-          <p:cNvSpPr/>
-          <p:nvPr/>
-        </p:nvSpPr>
-        <p:spPr>
-          <a:xfrm>
-            <a:off x="82197" y="1020076"/>
-            <a:ext cx="1164169" cy="351941"/>
-          </a:xfrm>
-          <a:prstGeom prst="rect">
-            <a:avLst/>
-          </a:prstGeom>
-          <a:noFill/>
-          <a:ln w="28575">
-            <a:noFill/>
-            <a:prstDash val="dash"/>
-          </a:ln>
-        </p:spPr>
-        <p:style>
-          <a:lnRef idx="2">
-            <a:schemeClr val="accent1">
-              <a:shade val="50000"/>
-            </a:schemeClr>
-          </a:lnRef>
-          <a:fillRef idx="1">
-            <a:schemeClr val="accent1"/>
-          </a:fillRef>
-          <a:effectRef idx="0">
-            <a:schemeClr val="accent1"/>
-          </a:effectRef>
-          <a:fontRef idx="minor">
-            <a:schemeClr val="lt1"/>
-          </a:fontRef>
-        </p:style>
-        <p:txBody>
-          <a:bodyPr rtlCol="0" anchor="ctr"/>
-          <a:lstStyle/>
-          <a:p>
-            <a:r>
-              <a:rPr lang="en-GB" sz="800" dirty="0">
-                <a:solidFill>
-                  <a:schemeClr val="tx1"/>
-                </a:solidFill>
-                <a:latin typeface="Arial" panose="020B0604020202020204" pitchFamily="34" charset="0"/>
-                <a:cs typeface="Arial" panose="020B0604020202020204" pitchFamily="34" charset="0"/>
-              </a:rPr>
-              <a:t>ecPoint Developers</a:t>
-            </a:r>
-          </a:p>
-        </p:txBody>
-      </p:sp>
-      <p:sp>
-        <p:nvSpPr>
-          <p:cNvPr id="231" name="Rectangle 230">
-            <a:extLst>
-              <a:ext uri="{FF2B5EF4-FFF2-40B4-BE49-F238E27FC236}">
-                <a16:creationId xmlns:a16="http://schemas.microsoft.com/office/drawing/2014/main" id="{0D011B38-64CD-4E12-AB26-EF62193A2CA0}"/>
-              </a:ext>
-            </a:extLst>
-          </p:cNvPr>
-          <p:cNvSpPr/>
-          <p:nvPr/>
-        </p:nvSpPr>
-        <p:spPr>
-          <a:xfrm>
-            <a:off x="102399" y="1228103"/>
-            <a:ext cx="872646" cy="353392"/>
-          </a:xfrm>
-          <a:prstGeom prst="rect">
-            <a:avLst/>
-          </a:prstGeom>
-          <a:noFill/>
-          <a:ln w="28575">
-            <a:noFill/>
-            <a:prstDash val="dash"/>
-          </a:ln>
-        </p:spPr>
-        <p:style>
-          <a:lnRef idx="2">
-            <a:schemeClr val="accent1">
-              <a:shade val="50000"/>
-            </a:schemeClr>
-          </a:lnRef>
-          <a:fillRef idx="1">
-            <a:schemeClr val="accent1"/>
-          </a:fillRef>
-          <a:effectRef idx="0">
-            <a:schemeClr val="accent1"/>
-          </a:effectRef>
-          <a:fontRef idx="minor">
-            <a:schemeClr val="lt1"/>
-          </a:fontRef>
-        </p:style>
-        <p:txBody>
-          <a:bodyPr rtlCol="0" anchor="ctr"/>
-          <a:lstStyle/>
-          <a:p>
-            <a:r>
-              <a:rPr lang="en-GB" sz="800" dirty="0">
-                <a:solidFill>
-                  <a:schemeClr val="tx1"/>
-                </a:solidFill>
-                <a:latin typeface="Arial" panose="020B0604020202020204" pitchFamily="34" charset="0"/>
-                <a:cs typeface="Arial" panose="020B0604020202020204" pitchFamily="34" charset="0"/>
-              </a:rPr>
-              <a:t>IMN &amp; OMSZ</a:t>
-            </a:r>
-          </a:p>
-        </p:txBody>
-      </p:sp>
-      <p:sp>
-        <p:nvSpPr>
-          <p:cNvPr id="232" name="Rectangle 231">
-            <a:extLst>
-              <a:ext uri="{FF2B5EF4-FFF2-40B4-BE49-F238E27FC236}">
-                <a16:creationId xmlns:a16="http://schemas.microsoft.com/office/drawing/2014/main" id="{8F835A08-20B0-47AA-86C1-46940EC71468}"/>
-              </a:ext>
-            </a:extLst>
-          </p:cNvPr>
-          <p:cNvSpPr/>
-          <p:nvPr/>
-        </p:nvSpPr>
-        <p:spPr>
-          <a:xfrm>
-            <a:off x="102399" y="1437582"/>
-            <a:ext cx="1832167" cy="353392"/>
-          </a:xfrm>
-          <a:prstGeom prst="rect">
-            <a:avLst/>
-          </a:prstGeom>
-          <a:noFill/>
-          <a:ln w="28575">
-            <a:noFill/>
-            <a:prstDash val="dash"/>
-          </a:ln>
-        </p:spPr>
-        <p:style>
-          <a:lnRef idx="2">
-            <a:schemeClr val="accent1">
-              <a:shade val="50000"/>
-            </a:schemeClr>
-          </a:lnRef>
-          <a:fillRef idx="1">
-            <a:schemeClr val="accent1"/>
-          </a:fillRef>
-          <a:effectRef idx="0">
-            <a:schemeClr val="accent1"/>
-          </a:effectRef>
-          <a:fontRef idx="minor">
-            <a:schemeClr val="lt1"/>
-          </a:fontRef>
-        </p:style>
-        <p:txBody>
-          <a:bodyPr rtlCol="0" anchor="ctr"/>
-          <a:lstStyle/>
-          <a:p>
-            <a:r>
-              <a:rPr lang="en-GB" sz="800" dirty="0">
-                <a:solidFill>
-                  <a:schemeClr val="tx1"/>
-                </a:solidFill>
-                <a:latin typeface="Arial" panose="020B0604020202020204" pitchFamily="34" charset="0"/>
-                <a:cs typeface="Arial" panose="020B0604020202020204" pitchFamily="34" charset="0"/>
-              </a:rPr>
-              <a:t>ecPoint Dev, IMN &amp; OMSZ</a:t>
-            </a:r>
-          </a:p>
-        </p:txBody>
-      </p:sp>
-      <p:cxnSp>
-        <p:nvCxnSpPr>
-          <p:cNvPr id="233" name="Straight Connector 232">
-            <a:extLst>
-              <a:ext uri="{FF2B5EF4-FFF2-40B4-BE49-F238E27FC236}">
-                <a16:creationId xmlns:a16="http://schemas.microsoft.com/office/drawing/2014/main" id="{E7FD80BE-2A8A-4781-AB87-D4AD95BD366C}"/>
-              </a:ext>
-            </a:extLst>
-          </p:cNvPr>
-          <p:cNvCxnSpPr>
-            <a:cxnSpLocks/>
-          </p:cNvCxnSpPr>
-          <p:nvPr/>
-        </p:nvCxnSpPr>
-        <p:spPr>
-          <a:xfrm>
-            <a:off x="180975" y="1270076"/>
-            <a:ext cx="881293" cy="0"/>
-          </a:xfrm>
-          <a:prstGeom prst="line">
-            <a:avLst/>
-          </a:prstGeom>
-          <a:ln w="19050">
-            <a:solidFill>
-              <a:srgbClr val="FF0000"/>
-            </a:solidFill>
-            <a:prstDash val="dash"/>
-          </a:ln>
-        </p:spPr>
-        <p:style>
-          <a:lnRef idx="1">
-            <a:schemeClr val="accent1"/>
-          </a:lnRef>
-          <a:fillRef idx="0">
-            <a:schemeClr val="accent1"/>
-          </a:fillRef>
-          <a:effectRef idx="0">
-            <a:schemeClr val="accent1"/>
-          </a:effectRef>
-          <a:fontRef idx="minor">
-            <a:schemeClr val="tx1"/>
-          </a:fontRef>
-        </p:style>
-      </p:cxnSp>
-      <p:cxnSp>
-        <p:nvCxnSpPr>
-          <p:cNvPr id="234" name="Straight Connector 233">
-            <a:extLst>
-              <a:ext uri="{FF2B5EF4-FFF2-40B4-BE49-F238E27FC236}">
-                <a16:creationId xmlns:a16="http://schemas.microsoft.com/office/drawing/2014/main" id="{9D6FFF22-C33E-4672-9059-2F43F4D41092}"/>
-              </a:ext>
-            </a:extLst>
-          </p:cNvPr>
-          <p:cNvCxnSpPr>
-            <a:cxnSpLocks/>
-          </p:cNvCxnSpPr>
-          <p:nvPr/>
-        </p:nvCxnSpPr>
-        <p:spPr>
-          <a:xfrm>
-            <a:off x="192946" y="1468264"/>
-            <a:ext cx="625534" cy="0"/>
-          </a:xfrm>
-          <a:prstGeom prst="line">
-            <a:avLst/>
-          </a:prstGeom>
-          <a:ln w="19050">
-            <a:solidFill>
-              <a:srgbClr val="0000FF"/>
-            </a:solidFill>
-            <a:prstDash val="dash"/>
-          </a:ln>
-        </p:spPr>
-        <p:style>
-          <a:lnRef idx="1">
-            <a:schemeClr val="accent1"/>
-          </a:lnRef>
-          <a:fillRef idx="0">
-            <a:schemeClr val="accent1"/>
-          </a:fillRef>
-          <a:effectRef idx="0">
-            <a:schemeClr val="accent1"/>
-          </a:effectRef>
-          <a:fontRef idx="minor">
-            <a:schemeClr val="tx1"/>
-          </a:fontRef>
-        </p:style>
-      </p:cxnSp>
-      <p:cxnSp>
-        <p:nvCxnSpPr>
-          <p:cNvPr id="235" name="Straight Connector 234">
-            <a:extLst>
-              <a:ext uri="{FF2B5EF4-FFF2-40B4-BE49-F238E27FC236}">
-                <a16:creationId xmlns:a16="http://schemas.microsoft.com/office/drawing/2014/main" id="{6EB26795-72BA-45BF-91B1-4EE96ADC33EF}"/>
-              </a:ext>
-            </a:extLst>
-          </p:cNvPr>
-          <p:cNvCxnSpPr>
-            <a:cxnSpLocks/>
-          </p:cNvCxnSpPr>
-          <p:nvPr/>
-        </p:nvCxnSpPr>
-        <p:spPr>
-          <a:xfrm>
-            <a:off x="199945" y="1681999"/>
-            <a:ext cx="1263221" cy="0"/>
-          </a:xfrm>
-          <a:prstGeom prst="line">
-            <a:avLst/>
-          </a:prstGeom>
-          <a:ln w="19050">
-            <a:solidFill>
-              <a:srgbClr val="FF00FF"/>
-            </a:solidFill>
-            <a:prstDash val="dash"/>
-          </a:ln>
-        </p:spPr>
-        <p:style>
-          <a:lnRef idx="1">
-            <a:schemeClr val="accent1"/>
-          </a:lnRef>
-          <a:fillRef idx="0">
-            <a:schemeClr val="accent1"/>
-          </a:fillRef>
-          <a:effectRef idx="0">
-            <a:schemeClr val="accent1"/>
-          </a:effectRef>
-          <a:fontRef idx="minor">
-            <a:schemeClr val="tx1"/>
-          </a:fontRef>
-        </p:style>
-      </p:cxnSp>
     </p:spTree>
     <p:extLst>
       <p:ext uri="{BB962C8B-B14F-4D97-AF65-F5344CB8AC3E}">

--- a/manuscript/Figures/FlowChart.pptx
+++ b/manuscript/Figures/FlowChart.pptx
@@ -115,7 +115,7 @@
 <file path=ppt/revisionInfo.xml><?xml version="1.0" encoding="utf-8"?>
 <p1510:revInfo xmlns:a="http://schemas.openxmlformats.org/drawingml/2006/main" xmlns:r="http://schemas.openxmlformats.org/officeDocument/2006/relationships" xmlns:p1510="http://schemas.microsoft.com/office/powerpoint/2015/10/main">
   <p1510:revLst>
-    <p1510:client id="{B303C878-8799-4007-876A-6617B70F571A}" v="211" dt="2020-12-01T12:45:34.464"/>
+    <p1510:client id="{B303C878-8799-4007-876A-6617B70F571A}" v="212" dt="2020-12-01T12:50:37.265"/>
   </p1510:revLst>
 </p1510:revInfo>
 </file>
@@ -125,12 +125,12 @@
   <pc:docChgLst>
     <pc:chgData name="Fatima Pillosu" userId="a6295d4dc9e22643" providerId="LiveId" clId="{B303C878-8799-4007-876A-6617B70F571A}"/>
     <pc:docChg chg="undo redo custSel modSld">
-      <pc:chgData name="Fatima Pillosu" userId="a6295d4dc9e22643" providerId="LiveId" clId="{B303C878-8799-4007-876A-6617B70F571A}" dt="2020-12-01T12:45:44.848" v="5003" actId="1036"/>
+      <pc:chgData name="Fatima Pillosu" userId="a6295d4dc9e22643" providerId="LiveId" clId="{B303C878-8799-4007-876A-6617B70F571A}" dt="2020-12-01T12:50:37.264" v="5004" actId="207"/>
       <pc:docMkLst>
         <pc:docMk/>
       </pc:docMkLst>
       <pc:sldChg chg="addSp delSp modSp">
-        <pc:chgData name="Fatima Pillosu" userId="a6295d4dc9e22643" providerId="LiveId" clId="{B303C878-8799-4007-876A-6617B70F571A}" dt="2020-12-01T12:45:44.848" v="5003" actId="1036"/>
+        <pc:chgData name="Fatima Pillosu" userId="a6295d4dc9e22643" providerId="LiveId" clId="{B303C878-8799-4007-876A-6617B70F571A}" dt="2020-12-01T12:50:37.264" v="5004" actId="207"/>
         <pc:sldMkLst>
           <pc:docMk/>
           <pc:sldMk cId="2969362105" sldId="256"/>
@@ -1960,7 +1960,7 @@
           </ac:spMkLst>
         </pc:spChg>
         <pc:spChg chg="add mod">
-          <ac:chgData name="Fatima Pillosu" userId="a6295d4dc9e22643" providerId="LiveId" clId="{B303C878-8799-4007-876A-6617B70F571A}" dt="2020-12-01T12:45:38.708" v="5002" actId="1035"/>
+          <ac:chgData name="Fatima Pillosu" userId="a6295d4dc9e22643" providerId="LiveId" clId="{B303C878-8799-4007-876A-6617B70F571A}" dt="2020-12-01T12:50:37.264" v="5004" actId="207"/>
           <ac:spMkLst>
             <pc:docMk/>
             <pc:sldMk cId="2969362105" sldId="256"/>
@@ -2160,7 +2160,7 @@
           </ac:spMkLst>
         </pc:spChg>
         <pc:spChg chg="add mod">
-          <ac:chgData name="Fatima Pillosu" userId="a6295d4dc9e22643" providerId="LiveId" clId="{B303C878-8799-4007-876A-6617B70F571A}" dt="2020-12-01T12:45:38.708" v="5002" actId="1035"/>
+          <ac:chgData name="Fatima Pillosu" userId="a6295d4dc9e22643" providerId="LiveId" clId="{B303C878-8799-4007-876A-6617B70F571A}" dt="2020-12-01T12:50:37.264" v="5004" actId="207"/>
           <ac:spMkLst>
             <pc:docMk/>
             <pc:sldMk cId="2969362105" sldId="256"/>
@@ -2184,7 +2184,7 @@
           </ac:spMkLst>
         </pc:spChg>
         <pc:spChg chg="add mod">
-          <ac:chgData name="Fatima Pillosu" userId="a6295d4dc9e22643" providerId="LiveId" clId="{B303C878-8799-4007-876A-6617B70F571A}" dt="2020-12-01T12:45:38.708" v="5002" actId="1035"/>
+          <ac:chgData name="Fatima Pillosu" userId="a6295d4dc9e22643" providerId="LiveId" clId="{B303C878-8799-4007-876A-6617B70F571A}" dt="2020-12-01T12:50:37.264" v="5004" actId="207"/>
           <ac:spMkLst>
             <pc:docMk/>
             <pc:sldMk cId="2969362105" sldId="256"/>
@@ -10456,7 +10456,7 @@
             <a:avLst/>
           </a:prstGeom>
           <a:solidFill>
-            <a:srgbClr val="FFCC00"/>
+            <a:srgbClr val="FFDF57"/>
           </a:solidFill>
           <a:ln w="3175">
             <a:solidFill>
@@ -11892,7 +11892,7 @@
             <a:avLst/>
           </a:prstGeom>
           <a:solidFill>
-            <a:srgbClr val="FFCC00"/>
+            <a:srgbClr val="FFDF57"/>
           </a:solidFill>
           <a:ln w="3175">
             <a:solidFill>
@@ -12032,7 +12032,7 @@
             <a:avLst/>
           </a:prstGeom>
           <a:solidFill>
-            <a:srgbClr val="FFCC00"/>
+            <a:srgbClr val="FFDF57"/>
           </a:solidFill>
           <a:ln w="3175">
             <a:solidFill>

--- a/manuscript/Figures/FlowChart.pptx
+++ b/manuscript/Figures/FlowChart.pptx
@@ -2,12 +2,15 @@
 <file path=ppt/presentation.xml><?xml version="1.0" encoding="utf-8"?>
 <p:presentation xmlns:a="http://schemas.openxmlformats.org/drawingml/2006/main" xmlns:r="http://schemas.openxmlformats.org/officeDocument/2006/relationships" xmlns:p="http://schemas.openxmlformats.org/presentationml/2006/main" saveSubsetFonts="1">
   <p:sldMasterIdLst>
-    <p:sldMasterId id="2147483780" r:id="rId1"/>
+    <p:sldMasterId id="2147483840" r:id="rId1"/>
   </p:sldMasterIdLst>
+  <p:notesMasterIdLst>
+    <p:notesMasterId r:id="rId3"/>
+  </p:notesMasterIdLst>
   <p:sldIdLst>
     <p:sldId id="256" r:id="rId2"/>
   </p:sldIdLst>
-  <p:sldSz cx="3365500" cy="7164388"/>
+  <p:sldSz cx="3851275" cy="6911975"/>
   <p:notesSz cx="6858000" cy="9144000"/>
   <p:defaultTextStyle>
     <a:defPPr>
@@ -115,7 +118,7 @@
 <file path=ppt/revisionInfo.xml><?xml version="1.0" encoding="utf-8"?>
 <p1510:revInfo xmlns:a="http://schemas.openxmlformats.org/drawingml/2006/main" xmlns:r="http://schemas.openxmlformats.org/officeDocument/2006/relationships" xmlns:p1510="http://schemas.microsoft.com/office/powerpoint/2015/10/main">
   <p1510:revLst>
-    <p1510:client id="{B303C878-8799-4007-876A-6617B70F571A}" v="212" dt="2020-12-01T12:50:37.265"/>
+    <p1510:client id="{B303C878-8799-4007-876A-6617B70F571A}" v="277" dt="2020-12-03T09:59:00.798"/>
   </p1510:revLst>
 </p1510:revInfo>
 </file>
@@ -124,13 +127,20 @@
 <pc:chgInfo xmlns:a="http://schemas.openxmlformats.org/drawingml/2006/main" xmlns:r="http://schemas.openxmlformats.org/officeDocument/2006/relationships" xmlns:ac="http://schemas.microsoft.com/office/drawing/2013/main/command" xmlns:pc="http://schemas.microsoft.com/office/powerpoint/2013/main/command">
   <pc:docChgLst>
     <pc:chgData name="Fatima Pillosu" userId="a6295d4dc9e22643" providerId="LiveId" clId="{B303C878-8799-4007-876A-6617B70F571A}"/>
-    <pc:docChg chg="undo redo custSel modSld">
-      <pc:chgData name="Fatima Pillosu" userId="a6295d4dc9e22643" providerId="LiveId" clId="{B303C878-8799-4007-876A-6617B70F571A}" dt="2020-12-01T12:50:37.264" v="5004" actId="207"/>
+    <pc:docChg chg="undo redo custSel addSld delSld modSld">
+      <pc:chgData name="Fatima Pillosu" userId="a6295d4dc9e22643" providerId="LiveId" clId="{B303C878-8799-4007-876A-6617B70F571A}" dt="2020-12-03T09:59:07.009" v="7895" actId="1036"/>
       <pc:docMkLst>
         <pc:docMk/>
       </pc:docMkLst>
-      <pc:sldChg chg="addSp delSp modSp">
-        <pc:chgData name="Fatima Pillosu" userId="a6295d4dc9e22643" providerId="LiveId" clId="{B303C878-8799-4007-876A-6617B70F571A}" dt="2020-12-01T12:50:37.264" v="5004" actId="207"/>
+      <pc:sldChg chg="add del">
+        <pc:chgData name="Fatima Pillosu" userId="a6295d4dc9e22643" providerId="LiveId" clId="{B303C878-8799-4007-876A-6617B70F571A}" dt="2020-12-03T09:58:25.877" v="7873"/>
+        <pc:sldMkLst>
+          <pc:docMk/>
+          <pc:sldMk cId="1414737735" sldId="256"/>
+        </pc:sldMkLst>
+      </pc:sldChg>
+      <pc:sldChg chg="addSp delSp modSp add del">
+        <pc:chgData name="Fatima Pillosu" userId="a6295d4dc9e22643" providerId="LiveId" clId="{B303C878-8799-4007-876A-6617B70F571A}" dt="2020-12-03T09:59:07.009" v="7895" actId="1036"/>
         <pc:sldMkLst>
           <pc:docMk/>
           <pc:sldMk cId="2969362105" sldId="256"/>
@@ -167,6 +177,22 @@
             <ac:spMk id="6" creationId="{23FF4472-E79D-4276-887A-376CFE7E5ADA}"/>
           </ac:spMkLst>
         </pc:spChg>
+        <pc:spChg chg="add del mod">
+          <ac:chgData name="Fatima Pillosu" userId="a6295d4dc9e22643" providerId="LiveId" clId="{B303C878-8799-4007-876A-6617B70F571A}" dt="2020-12-03T09:21:23.610" v="7099" actId="478"/>
+          <ac:spMkLst>
+            <pc:docMk/>
+            <pc:sldMk cId="2969362105" sldId="256"/>
+            <ac:spMk id="9" creationId="{3473C022-A181-4285-BBA5-BC31B70FD759}"/>
+          </ac:spMkLst>
+        </pc:spChg>
+        <pc:spChg chg="add del mod">
+          <ac:chgData name="Fatima Pillosu" userId="a6295d4dc9e22643" providerId="LiveId" clId="{B303C878-8799-4007-876A-6617B70F571A}" dt="2020-12-03T09:25:58.265" v="7153"/>
+          <ac:spMkLst>
+            <pc:docMk/>
+            <pc:sldMk cId="2969362105" sldId="256"/>
+            <ac:spMk id="10" creationId="{B008DAAB-8F47-4518-AA1E-7A048292029C}"/>
+          </ac:spMkLst>
+        </pc:spChg>
         <pc:spChg chg="add mod">
           <ac:chgData name="Fatima Pillosu" userId="a6295d4dc9e22643" providerId="LiveId" clId="{B303C878-8799-4007-876A-6617B70F571A}" dt="2020-12-01T10:41:19.622" v="2775" actId="1076"/>
           <ac:spMkLst>
@@ -464,6 +490,14 @@
           </ac:spMkLst>
         </pc:spChg>
         <pc:spChg chg="add del mod">
+          <ac:chgData name="Fatima Pillosu" userId="a6295d4dc9e22643" providerId="LiveId" clId="{B303C878-8799-4007-876A-6617B70F571A}" dt="2020-12-03T09:25:58.265" v="7153"/>
+          <ac:spMkLst>
+            <pc:docMk/>
+            <pc:sldMk cId="2969362105" sldId="256"/>
+            <ac:spMk id="57" creationId="{40161965-7B0E-4C01-8A45-AA98523DC32C}"/>
+          </ac:spMkLst>
+        </pc:spChg>
+        <pc:spChg chg="add del mod">
           <ac:chgData name="Fatima Pillosu" userId="a6295d4dc9e22643" providerId="LiveId" clId="{B303C878-8799-4007-876A-6617B70F571A}" dt="2020-12-01T11:47:41.953" v="4106" actId="478"/>
           <ac:spMkLst>
             <pc:docMk/>
@@ -488,6 +522,14 @@
           </ac:spMkLst>
         </pc:spChg>
         <pc:spChg chg="add del mod">
+          <ac:chgData name="Fatima Pillosu" userId="a6295d4dc9e22643" providerId="LiveId" clId="{B303C878-8799-4007-876A-6617B70F571A}" dt="2020-12-03T09:25:58.265" v="7153"/>
+          <ac:spMkLst>
+            <pc:docMk/>
+            <pc:sldMk cId="2969362105" sldId="256"/>
+            <ac:spMk id="60" creationId="{E02CCAB7-49C4-4512-AC95-B9F5F00BEAEA}"/>
+          </ac:spMkLst>
+        </pc:spChg>
+        <pc:spChg chg="add del mod">
           <ac:chgData name="Fatima Pillosu" userId="a6295d4dc9e22643" providerId="LiveId" clId="{B303C878-8799-4007-876A-6617B70F571A}" dt="2020-12-01T10:28:34.422" v="2509" actId="478"/>
           <ac:spMkLst>
             <pc:docMk/>
@@ -544,11 +586,35 @@
           </ac:spMkLst>
         </pc:spChg>
         <pc:spChg chg="add del mod">
+          <ac:chgData name="Fatima Pillosu" userId="a6295d4dc9e22643" providerId="LiveId" clId="{B303C878-8799-4007-876A-6617B70F571A}" dt="2020-12-02T17:24:47.237" v="6872"/>
+          <ac:spMkLst>
+            <pc:docMk/>
+            <pc:sldMk cId="2969362105" sldId="256"/>
+            <ac:spMk id="67" creationId="{67B5D566-38CA-4BCF-A547-17D1268E0307}"/>
+          </ac:spMkLst>
+        </pc:spChg>
+        <pc:spChg chg="add del mod">
+          <ac:chgData name="Fatima Pillosu" userId="a6295d4dc9e22643" providerId="LiveId" clId="{B303C878-8799-4007-876A-6617B70F571A}" dt="2020-12-03T09:21:23.067" v="7098" actId="478"/>
+          <ac:spMkLst>
+            <pc:docMk/>
+            <pc:sldMk cId="2969362105" sldId="256"/>
+            <ac:spMk id="68" creationId="{D8BF5254-15C1-4A3C-93B7-390E541AED06}"/>
+          </ac:spMkLst>
+        </pc:spChg>
+        <pc:spChg chg="add del mod">
           <ac:chgData name="Fatima Pillosu" userId="a6295d4dc9e22643" providerId="LiveId" clId="{B303C878-8799-4007-876A-6617B70F571A}" dt="2020-12-01T10:51:15.119" v="2868" actId="478"/>
           <ac:spMkLst>
             <pc:docMk/>
             <pc:sldMk cId="2969362105" sldId="256"/>
             <ac:spMk id="69" creationId="{2E3D94CD-3B0F-4A7F-8A14-F37A95105056}"/>
+          </ac:spMkLst>
+        </pc:spChg>
+        <pc:spChg chg="add del mod">
+          <ac:chgData name="Fatima Pillosu" userId="a6295d4dc9e22643" providerId="LiveId" clId="{B303C878-8799-4007-876A-6617B70F571A}" dt="2020-12-03T09:25:58.265" v="7153"/>
+          <ac:spMkLst>
+            <pc:docMk/>
+            <pc:sldMk cId="2969362105" sldId="256"/>
+            <ac:spMk id="69" creationId="{4942D1C2-0B41-4C2B-AD5F-26D29AABC4D3}"/>
           </ac:spMkLst>
         </pc:spChg>
         <pc:spChg chg="add mod">
@@ -559,6 +625,22 @@
             <ac:spMk id="70" creationId="{734E3D87-D346-46B1-A3CE-6866389D64A1}"/>
           </ac:spMkLst>
         </pc:spChg>
+        <pc:spChg chg="add del mod">
+          <ac:chgData name="Fatima Pillosu" userId="a6295d4dc9e22643" providerId="LiveId" clId="{B303C878-8799-4007-876A-6617B70F571A}" dt="2020-12-03T09:25:58.265" v="7153"/>
+          <ac:spMkLst>
+            <pc:docMk/>
+            <pc:sldMk cId="2969362105" sldId="256"/>
+            <ac:spMk id="70" creationId="{F3E56E9A-EF5A-47D3-9F0C-377D737F9ACC}"/>
+          </ac:spMkLst>
+        </pc:spChg>
+        <pc:spChg chg="add del mod">
+          <ac:chgData name="Fatima Pillosu" userId="a6295d4dc9e22643" providerId="LiveId" clId="{B303C878-8799-4007-876A-6617B70F571A}" dt="2020-12-03T09:25:58.265" v="7153"/>
+          <ac:spMkLst>
+            <pc:docMk/>
+            <pc:sldMk cId="2969362105" sldId="256"/>
+            <ac:spMk id="71" creationId="{0BF6B37C-29AE-44DD-9ADF-05051B68EED7}"/>
+          </ac:spMkLst>
+        </pc:spChg>
         <pc:spChg chg="del">
           <ac:chgData name="Fatima Pillosu" userId="a6295d4dc9e22643" providerId="LiveId" clId="{B303C878-8799-4007-876A-6617B70F571A}" dt="2020-12-01T09:11:52.646" v="0" actId="478"/>
           <ac:spMkLst>
@@ -567,6 +649,22 @@
             <ac:spMk id="72" creationId="{0A3D0CAC-5C1C-4E05-AD36-4243DF1B2677}"/>
           </ac:spMkLst>
         </pc:spChg>
+        <pc:spChg chg="add del mod">
+          <ac:chgData name="Fatima Pillosu" userId="a6295d4dc9e22643" providerId="LiveId" clId="{B303C878-8799-4007-876A-6617B70F571A}" dt="2020-12-03T09:25:58.265" v="7153"/>
+          <ac:spMkLst>
+            <pc:docMk/>
+            <pc:sldMk cId="2969362105" sldId="256"/>
+            <ac:spMk id="72" creationId="{6BEDEECF-4F8E-47DA-B7EB-9DE7C570DC23}"/>
+          </ac:spMkLst>
+        </pc:spChg>
+        <pc:spChg chg="add del mod">
+          <ac:chgData name="Fatima Pillosu" userId="a6295d4dc9e22643" providerId="LiveId" clId="{B303C878-8799-4007-876A-6617B70F571A}" dt="2020-12-03T09:25:58.265" v="7153"/>
+          <ac:spMkLst>
+            <pc:docMk/>
+            <pc:sldMk cId="2969362105" sldId="256"/>
+            <ac:spMk id="73" creationId="{5F8C58C2-650F-4914-9413-F86CE4B4A1D1}"/>
+          </ac:spMkLst>
+        </pc:spChg>
         <pc:spChg chg="del">
           <ac:chgData name="Fatima Pillosu" userId="a6295d4dc9e22643" providerId="LiveId" clId="{B303C878-8799-4007-876A-6617B70F571A}" dt="2020-12-01T09:11:52.646" v="0" actId="478"/>
           <ac:spMkLst>
@@ -631,6 +729,14 @@
             <ac:spMk id="79" creationId="{2F9DCDD0-223E-4108-BFA2-1032D3925314}"/>
           </ac:spMkLst>
         </pc:spChg>
+        <pc:spChg chg="add del mod">
+          <ac:chgData name="Fatima Pillosu" userId="a6295d4dc9e22643" providerId="LiveId" clId="{B303C878-8799-4007-876A-6617B70F571A}" dt="2020-12-03T09:28:58.705" v="7194"/>
+          <ac:spMkLst>
+            <pc:docMk/>
+            <pc:sldMk cId="2969362105" sldId="256"/>
+            <ac:spMk id="80" creationId="{62397146-6E02-4CCF-8804-846ADC916EE6}"/>
+          </ac:spMkLst>
+        </pc:spChg>
         <pc:spChg chg="del">
           <ac:chgData name="Fatima Pillosu" userId="a6295d4dc9e22643" providerId="LiveId" clId="{B303C878-8799-4007-876A-6617B70F571A}" dt="2020-12-01T09:11:52.646" v="0" actId="478"/>
           <ac:spMkLst>
@@ -639,6 +745,14 @@
             <ac:spMk id="81" creationId="{D4726608-5057-4FFC-A7A2-A3180E0675E5}"/>
           </ac:spMkLst>
         </pc:spChg>
+        <pc:spChg chg="add del mod">
+          <ac:chgData name="Fatima Pillosu" userId="a6295d4dc9e22643" providerId="LiveId" clId="{B303C878-8799-4007-876A-6617B70F571A}" dt="2020-12-03T09:28:58.705" v="7194"/>
+          <ac:spMkLst>
+            <pc:docMk/>
+            <pc:sldMk cId="2969362105" sldId="256"/>
+            <ac:spMk id="82" creationId="{07DCDF23-5B7B-4A49-BD1B-B92BE44CEA32}"/>
+          </ac:spMkLst>
+        </pc:spChg>
         <pc:spChg chg="del">
           <ac:chgData name="Fatima Pillosu" userId="a6295d4dc9e22643" providerId="LiveId" clId="{B303C878-8799-4007-876A-6617B70F571A}" dt="2020-12-01T09:11:52.646" v="0" actId="478"/>
           <ac:spMkLst>
@@ -664,6 +778,14 @@
           </ac:spMkLst>
         </pc:spChg>
         <pc:spChg chg="add del mod">
+          <ac:chgData name="Fatima Pillosu" userId="a6295d4dc9e22643" providerId="LiveId" clId="{B303C878-8799-4007-876A-6617B70F571A}" dt="2020-12-03T09:28:58.705" v="7194"/>
+          <ac:spMkLst>
+            <pc:docMk/>
+            <pc:sldMk cId="2969362105" sldId="256"/>
+            <ac:spMk id="84" creationId="{EFAEFA57-9E46-4A89-8C83-FF8E0BB95161}"/>
+          </ac:spMkLst>
+        </pc:spChg>
+        <pc:spChg chg="add del mod">
           <ac:chgData name="Fatima Pillosu" userId="a6295d4dc9e22643" providerId="LiveId" clId="{B303C878-8799-4007-876A-6617B70F571A}" dt="2020-12-01T12:08:26.520" v="4465"/>
           <ac:spMkLst>
             <pc:docMk/>
@@ -680,11 +802,27 @@
           </ac:spMkLst>
         </pc:spChg>
         <pc:spChg chg="add del mod">
+          <ac:chgData name="Fatima Pillosu" userId="a6295d4dc9e22643" providerId="LiveId" clId="{B303C878-8799-4007-876A-6617B70F571A}" dt="2020-12-03T09:28:58.705" v="7194"/>
+          <ac:spMkLst>
+            <pc:docMk/>
+            <pc:sldMk cId="2969362105" sldId="256"/>
+            <ac:spMk id="86" creationId="{9C680644-5EEB-4C76-A825-B57FE4704776}"/>
+          </ac:spMkLst>
+        </pc:spChg>
+        <pc:spChg chg="add del mod">
           <ac:chgData name="Fatima Pillosu" userId="a6295d4dc9e22643" providerId="LiveId" clId="{B303C878-8799-4007-876A-6617B70F571A}" dt="2020-12-01T12:08:26.520" v="4465"/>
           <ac:spMkLst>
             <pc:docMk/>
             <pc:sldMk cId="2969362105" sldId="256"/>
             <ac:spMk id="87" creationId="{47C7CF65-D467-4401-918C-4EEDB53178F2}"/>
+          </ac:spMkLst>
+        </pc:spChg>
+        <pc:spChg chg="add del mod">
+          <ac:chgData name="Fatima Pillosu" userId="a6295d4dc9e22643" providerId="LiveId" clId="{B303C878-8799-4007-876A-6617B70F571A}" dt="2020-12-03T09:28:58.705" v="7194"/>
+          <ac:spMkLst>
+            <pc:docMk/>
+            <pc:sldMk cId="2969362105" sldId="256"/>
+            <ac:spMk id="87" creationId="{80D7E38A-525E-4A03-82ED-5BFE91CF4EEA}"/>
           </ac:spMkLst>
         </pc:spChg>
         <pc:spChg chg="del">
@@ -711,6 +849,22 @@
             <ac:spMk id="89" creationId="{96E2DEF5-1D8D-4512-89B6-1B6D91B6162B}"/>
           </ac:spMkLst>
         </pc:spChg>
+        <pc:spChg chg="add del mod">
+          <ac:chgData name="Fatima Pillosu" userId="a6295d4dc9e22643" providerId="LiveId" clId="{B303C878-8799-4007-876A-6617B70F571A}" dt="2020-12-03T09:28:58.705" v="7194"/>
+          <ac:spMkLst>
+            <pc:docMk/>
+            <pc:sldMk cId="2969362105" sldId="256"/>
+            <ac:spMk id="89" creationId="{F5135051-5D8F-43C2-80C7-A8C23766080C}"/>
+          </ac:spMkLst>
+        </pc:spChg>
+        <pc:spChg chg="add del mod">
+          <ac:chgData name="Fatima Pillosu" userId="a6295d4dc9e22643" providerId="LiveId" clId="{B303C878-8799-4007-876A-6617B70F571A}" dt="2020-12-03T09:28:58.705" v="7194"/>
+          <ac:spMkLst>
+            <pc:docMk/>
+            <pc:sldMk cId="2969362105" sldId="256"/>
+            <ac:spMk id="90" creationId="{1B5C5271-19B4-4E5B-8ED2-62F697BBB264}"/>
+          </ac:spMkLst>
+        </pc:spChg>
         <pc:spChg chg="del">
           <ac:chgData name="Fatima Pillosu" userId="a6295d4dc9e22643" providerId="LiveId" clId="{B303C878-8799-4007-876A-6617B70F571A}" dt="2020-12-01T09:11:52.646" v="0" actId="478"/>
           <ac:spMkLst>
@@ -727,6 +881,14 @@
             <ac:spMk id="91" creationId="{19CB4F9F-352D-4CF3-964B-B3E3C791B441}"/>
           </ac:spMkLst>
         </pc:spChg>
+        <pc:spChg chg="add del mod">
+          <ac:chgData name="Fatima Pillosu" userId="a6295d4dc9e22643" providerId="LiveId" clId="{B303C878-8799-4007-876A-6617B70F571A}" dt="2020-12-03T09:28:58.705" v="7194"/>
+          <ac:spMkLst>
+            <pc:docMk/>
+            <pc:sldMk cId="2969362105" sldId="256"/>
+            <ac:spMk id="93" creationId="{E8D072D0-EC4B-4D9B-AF31-13AE8689714F}"/>
+          </ac:spMkLst>
+        </pc:spChg>
         <pc:spChg chg="add mod">
           <ac:chgData name="Fatima Pillosu" userId="a6295d4dc9e22643" providerId="LiveId" clId="{B303C878-8799-4007-876A-6617B70F571A}" dt="2020-12-01T11:02:42.092" v="3318" actId="164"/>
           <ac:spMkLst>
@@ -743,6 +905,14 @@
             <ac:spMk id="97" creationId="{36194352-7987-4255-A968-87C23474A811}"/>
           </ac:spMkLst>
         </pc:spChg>
+        <pc:spChg chg="add del mod">
+          <ac:chgData name="Fatima Pillosu" userId="a6295d4dc9e22643" providerId="LiveId" clId="{B303C878-8799-4007-876A-6617B70F571A}" dt="2020-12-03T09:28:58.705" v="7194"/>
+          <ac:spMkLst>
+            <pc:docMk/>
+            <pc:sldMk cId="2969362105" sldId="256"/>
+            <ac:spMk id="97" creationId="{E462AC69-20B8-4E09-8D2A-80F300CCED48}"/>
+          </ac:spMkLst>
+        </pc:spChg>
         <pc:spChg chg="add del">
           <ac:chgData name="Fatima Pillosu" userId="a6295d4dc9e22643" providerId="LiveId" clId="{B303C878-8799-4007-876A-6617B70F571A}" dt="2020-12-01T11:50:27.512" v="4155"/>
           <ac:spMkLst>
@@ -768,6 +938,14 @@
           </ac:spMkLst>
         </pc:spChg>
         <pc:spChg chg="add del mod">
+          <ac:chgData name="Fatima Pillosu" userId="a6295d4dc9e22643" providerId="LiveId" clId="{B303C878-8799-4007-876A-6617B70F571A}" dt="2020-12-03T09:28:58.705" v="7194"/>
+          <ac:spMkLst>
+            <pc:docMk/>
+            <pc:sldMk cId="2969362105" sldId="256"/>
+            <ac:spMk id="99" creationId="{EBC5EC2B-62F8-4226-A499-74E915F053EA}"/>
+          </ac:spMkLst>
+        </pc:spChg>
+        <pc:spChg chg="add del mod">
           <ac:chgData name="Fatima Pillosu" userId="a6295d4dc9e22643" providerId="LiveId" clId="{B303C878-8799-4007-876A-6617B70F571A}" dt="2020-12-01T12:08:26.520" v="4465"/>
           <ac:spMkLst>
             <pc:docMk/>
@@ -776,6 +954,14 @@
           </ac:spMkLst>
         </pc:spChg>
         <pc:spChg chg="add del mod">
+          <ac:chgData name="Fatima Pillosu" userId="a6295d4dc9e22643" providerId="LiveId" clId="{B303C878-8799-4007-876A-6617B70F571A}" dt="2020-12-03T09:28:58.705" v="7194"/>
+          <ac:spMkLst>
+            <pc:docMk/>
+            <pc:sldMk cId="2969362105" sldId="256"/>
+            <ac:spMk id="100" creationId="{991FAEA9-6184-435E-836E-4AD5F8AA6C1E}"/>
+          </ac:spMkLst>
+        </pc:spChg>
+        <pc:spChg chg="add del mod">
           <ac:chgData name="Fatima Pillosu" userId="a6295d4dc9e22643" providerId="LiveId" clId="{B303C878-8799-4007-876A-6617B70F571A}" dt="2020-12-01T11:53:18.689" v="4180" actId="478"/>
           <ac:spMkLst>
             <pc:docMk/>
@@ -789,6 +975,30 @@
             <pc:docMk/>
             <pc:sldMk cId="2969362105" sldId="256"/>
             <ac:spMk id="101" creationId="{4E775EF6-77F7-439D-9099-9D1B25EC2FCC}"/>
+          </ac:spMkLst>
+        </pc:spChg>
+        <pc:spChg chg="add del mod">
+          <ac:chgData name="Fatima Pillosu" userId="a6295d4dc9e22643" providerId="LiveId" clId="{B303C878-8799-4007-876A-6617B70F571A}" dt="2020-12-03T09:28:58.705" v="7194"/>
+          <ac:spMkLst>
+            <pc:docMk/>
+            <pc:sldMk cId="2969362105" sldId="256"/>
+            <ac:spMk id="101" creationId="{995509D3-88A4-4CEB-BE2E-B945A47E52D3}"/>
+          </ac:spMkLst>
+        </pc:spChg>
+        <pc:spChg chg="add del mod">
+          <ac:chgData name="Fatima Pillosu" userId="a6295d4dc9e22643" providerId="LiveId" clId="{B303C878-8799-4007-876A-6617B70F571A}" dt="2020-12-03T09:28:58.705" v="7194"/>
+          <ac:spMkLst>
+            <pc:docMk/>
+            <pc:sldMk cId="2969362105" sldId="256"/>
+            <ac:spMk id="102" creationId="{CC7043EA-F4BE-4C73-AE41-0EB4A8F704E0}"/>
+          </ac:spMkLst>
+        </pc:spChg>
+        <pc:spChg chg="add del mod">
+          <ac:chgData name="Fatima Pillosu" userId="a6295d4dc9e22643" providerId="LiveId" clId="{B303C878-8799-4007-876A-6617B70F571A}" dt="2020-12-03T09:28:58.705" v="7194"/>
+          <ac:spMkLst>
+            <pc:docMk/>
+            <pc:sldMk cId="2969362105" sldId="256"/>
+            <ac:spMk id="104" creationId="{DA0DB68E-BF07-4767-939E-F53690FA1C9B}"/>
           </ac:spMkLst>
         </pc:spChg>
         <pc:spChg chg="add del mod">
@@ -808,6 +1018,30 @@
           </ac:spMkLst>
         </pc:spChg>
         <pc:spChg chg="add del mod">
+          <ac:chgData name="Fatima Pillosu" userId="a6295d4dc9e22643" providerId="LiveId" clId="{B303C878-8799-4007-876A-6617B70F571A}" dt="2020-12-03T09:28:58.705" v="7194"/>
+          <ac:spMkLst>
+            <pc:docMk/>
+            <pc:sldMk cId="2969362105" sldId="256"/>
+            <ac:spMk id="107" creationId="{999149E6-3BDC-42CD-BFB4-519A64C3ADE2}"/>
+          </ac:spMkLst>
+        </pc:spChg>
+        <pc:spChg chg="add del mod">
+          <ac:chgData name="Fatima Pillosu" userId="a6295d4dc9e22643" providerId="LiveId" clId="{B303C878-8799-4007-876A-6617B70F571A}" dt="2020-12-03T09:28:58.705" v="7194"/>
+          <ac:spMkLst>
+            <pc:docMk/>
+            <pc:sldMk cId="2969362105" sldId="256"/>
+            <ac:spMk id="108" creationId="{739D775C-8930-44A1-8A2E-0653AE08995B}"/>
+          </ac:spMkLst>
+        </pc:spChg>
+        <pc:spChg chg="add del mod">
+          <ac:chgData name="Fatima Pillosu" userId="a6295d4dc9e22643" providerId="LiveId" clId="{B303C878-8799-4007-876A-6617B70F571A}" dt="2020-12-03T09:28:58.705" v="7194"/>
+          <ac:spMkLst>
+            <pc:docMk/>
+            <pc:sldMk cId="2969362105" sldId="256"/>
+            <ac:spMk id="110" creationId="{EE806AD4-D7E2-4247-B69D-437FD72E143B}"/>
+          </ac:spMkLst>
+        </pc:spChg>
+        <pc:spChg chg="add del mod">
           <ac:chgData name="Fatima Pillosu" userId="a6295d4dc9e22643" providerId="LiveId" clId="{B303C878-8799-4007-876A-6617B70F571A}" dt="2020-12-01T11:04:37.453" v="3333"/>
           <ac:spMkLst>
             <pc:docMk/>
@@ -832,6 +1066,22 @@
           </ac:spMkLst>
         </pc:spChg>
         <pc:spChg chg="add del mod">
+          <ac:chgData name="Fatima Pillosu" userId="a6295d4dc9e22643" providerId="LiveId" clId="{B303C878-8799-4007-876A-6617B70F571A}" dt="2020-12-03T09:28:58.705" v="7194"/>
+          <ac:spMkLst>
+            <pc:docMk/>
+            <pc:sldMk cId="2969362105" sldId="256"/>
+            <ac:spMk id="112" creationId="{59B668D6-648C-46E7-B207-B525AD44624D}"/>
+          </ac:spMkLst>
+        </pc:spChg>
+        <pc:spChg chg="add del mod">
+          <ac:chgData name="Fatima Pillosu" userId="a6295d4dc9e22643" providerId="LiveId" clId="{B303C878-8799-4007-876A-6617B70F571A}" dt="2020-12-03T09:28:58.705" v="7194"/>
+          <ac:spMkLst>
+            <pc:docMk/>
+            <pc:sldMk cId="2969362105" sldId="256"/>
+            <ac:spMk id="113" creationId="{105FCF7C-F803-459A-9C87-ABB741503374}"/>
+          </ac:spMkLst>
+        </pc:spChg>
+        <pc:spChg chg="add del mod">
           <ac:chgData name="Fatima Pillosu" userId="a6295d4dc9e22643" providerId="LiveId" clId="{B303C878-8799-4007-876A-6617B70F571A}" dt="2020-12-01T12:08:26.520" v="4465"/>
           <ac:spMkLst>
             <pc:docMk/>
@@ -840,6 +1090,14 @@
           </ac:spMkLst>
         </pc:spChg>
         <pc:spChg chg="add del mod">
+          <ac:chgData name="Fatima Pillosu" userId="a6295d4dc9e22643" providerId="LiveId" clId="{B303C878-8799-4007-876A-6617B70F571A}" dt="2020-12-03T09:28:58.705" v="7194"/>
+          <ac:spMkLst>
+            <pc:docMk/>
+            <pc:sldMk cId="2969362105" sldId="256"/>
+            <ac:spMk id="114" creationId="{D2988230-BE8D-44AD-9042-FE0A1B5D6B51}"/>
+          </ac:spMkLst>
+        </pc:spChg>
+        <pc:spChg chg="add del mod">
           <ac:chgData name="Fatima Pillosu" userId="a6295d4dc9e22643" providerId="LiveId" clId="{B303C878-8799-4007-876A-6617B70F571A}" dt="2020-12-01T12:08:26.520" v="4465"/>
           <ac:spMkLst>
             <pc:docMk/>
@@ -856,6 +1114,30 @@
           </ac:spMkLst>
         </pc:spChg>
         <pc:spChg chg="add del mod">
+          <ac:chgData name="Fatima Pillosu" userId="a6295d4dc9e22643" providerId="LiveId" clId="{B303C878-8799-4007-876A-6617B70F571A}" dt="2020-12-03T09:28:58.705" v="7194"/>
+          <ac:spMkLst>
+            <pc:docMk/>
+            <pc:sldMk cId="2969362105" sldId="256"/>
+            <ac:spMk id="115" creationId="{F29DD816-3991-4EC9-BC84-A9552D742C10}"/>
+          </ac:spMkLst>
+        </pc:spChg>
+        <pc:spChg chg="add del mod">
+          <ac:chgData name="Fatima Pillosu" userId="a6295d4dc9e22643" providerId="LiveId" clId="{B303C878-8799-4007-876A-6617B70F571A}" dt="2020-12-03T09:28:58.705" v="7194"/>
+          <ac:spMkLst>
+            <pc:docMk/>
+            <pc:sldMk cId="2969362105" sldId="256"/>
+            <ac:spMk id="116" creationId="{789E3926-FA57-488C-A037-09534A89BD52}"/>
+          </ac:spMkLst>
+        </pc:spChg>
+        <pc:spChg chg="add del mod">
+          <ac:chgData name="Fatima Pillosu" userId="a6295d4dc9e22643" providerId="LiveId" clId="{B303C878-8799-4007-876A-6617B70F571A}" dt="2020-12-03T09:28:58.705" v="7194"/>
+          <ac:spMkLst>
+            <pc:docMk/>
+            <pc:sldMk cId="2969362105" sldId="256"/>
+            <ac:spMk id="117" creationId="{1BE80128-8927-40D1-8717-39B1AB4E6644}"/>
+          </ac:spMkLst>
+        </pc:spChg>
+        <pc:spChg chg="add del mod">
           <ac:chgData name="Fatima Pillosu" userId="a6295d4dc9e22643" providerId="LiveId" clId="{B303C878-8799-4007-876A-6617B70F571A}" dt="2020-12-01T11:04:37.453" v="3333"/>
           <ac:spMkLst>
             <pc:docMk/>
@@ -877,6 +1159,62 @@
             <pc:docMk/>
             <pc:sldMk cId="2969362105" sldId="256"/>
             <ac:spMk id="121" creationId="{60C5FB0B-8579-4FF7-A9D7-6B178EA9256E}"/>
+          </ac:spMkLst>
+        </pc:spChg>
+        <pc:spChg chg="add del mod">
+          <ac:chgData name="Fatima Pillosu" userId="a6295d4dc9e22643" providerId="LiveId" clId="{B303C878-8799-4007-876A-6617B70F571A}" dt="2020-12-03T09:28:58.705" v="7194"/>
+          <ac:spMkLst>
+            <pc:docMk/>
+            <pc:sldMk cId="2969362105" sldId="256"/>
+            <ac:spMk id="121" creationId="{96F58821-E4BF-4B25-8B81-6255F7FC1391}"/>
+          </ac:spMkLst>
+        </pc:spChg>
+        <pc:spChg chg="add del mod">
+          <ac:chgData name="Fatima Pillosu" userId="a6295d4dc9e22643" providerId="LiveId" clId="{B303C878-8799-4007-876A-6617B70F571A}" dt="2020-12-03T09:28:58.705" v="7194"/>
+          <ac:spMkLst>
+            <pc:docMk/>
+            <pc:sldMk cId="2969362105" sldId="256"/>
+            <ac:spMk id="122" creationId="{C54E557B-FC92-4876-A2F1-FC73F09946A0}"/>
+          </ac:spMkLst>
+        </pc:spChg>
+        <pc:spChg chg="add del mod">
+          <ac:chgData name="Fatima Pillosu" userId="a6295d4dc9e22643" providerId="LiveId" clId="{B303C878-8799-4007-876A-6617B70F571A}" dt="2020-12-03T09:28:58.705" v="7194"/>
+          <ac:spMkLst>
+            <pc:docMk/>
+            <pc:sldMk cId="2969362105" sldId="256"/>
+            <ac:spMk id="123" creationId="{F20A1E7B-B758-4D64-85BB-546A1836FF31}"/>
+          </ac:spMkLst>
+        </pc:spChg>
+        <pc:spChg chg="add del mod">
+          <ac:chgData name="Fatima Pillosu" userId="a6295d4dc9e22643" providerId="LiveId" clId="{B303C878-8799-4007-876A-6617B70F571A}" dt="2020-12-03T09:28:58.705" v="7194"/>
+          <ac:spMkLst>
+            <pc:docMk/>
+            <pc:sldMk cId="2969362105" sldId="256"/>
+            <ac:spMk id="124" creationId="{BAFEED48-24E3-4F73-9D48-A2D2BF8CB0CB}"/>
+          </ac:spMkLst>
+        </pc:spChg>
+        <pc:spChg chg="add del mod">
+          <ac:chgData name="Fatima Pillosu" userId="a6295d4dc9e22643" providerId="LiveId" clId="{B303C878-8799-4007-876A-6617B70F571A}" dt="2020-12-03T09:28:58.705" v="7194"/>
+          <ac:spMkLst>
+            <pc:docMk/>
+            <pc:sldMk cId="2969362105" sldId="256"/>
+            <ac:spMk id="125" creationId="{6091397C-E157-4F66-90C3-606167F64E86}"/>
+          </ac:spMkLst>
+        </pc:spChg>
+        <pc:spChg chg="add del mod">
+          <ac:chgData name="Fatima Pillosu" userId="a6295d4dc9e22643" providerId="LiveId" clId="{B303C878-8799-4007-876A-6617B70F571A}" dt="2020-12-03T09:28:58.705" v="7194"/>
+          <ac:spMkLst>
+            <pc:docMk/>
+            <pc:sldMk cId="2969362105" sldId="256"/>
+            <ac:spMk id="127" creationId="{0C59D0B9-B511-4796-A4D5-CB2D19C402D5}"/>
+          </ac:spMkLst>
+        </pc:spChg>
+        <pc:spChg chg="add del mod">
+          <ac:chgData name="Fatima Pillosu" userId="a6295d4dc9e22643" providerId="LiveId" clId="{B303C878-8799-4007-876A-6617B70F571A}" dt="2020-12-03T09:28:58.705" v="7194"/>
+          <ac:spMkLst>
+            <pc:docMk/>
+            <pc:sldMk cId="2969362105" sldId="256"/>
+            <ac:spMk id="128" creationId="{9E971166-0329-4B31-B69F-068C829AA173}"/>
           </ac:spMkLst>
         </pc:spChg>
         <pc:spChg chg="add del">
@@ -887,6 +1225,14 @@
             <ac:spMk id="129" creationId="{30040999-EE9D-48E3-BD83-EC1A0FF9BBA0}"/>
           </ac:spMkLst>
         </pc:spChg>
+        <pc:spChg chg="add del mod">
+          <ac:chgData name="Fatima Pillosu" userId="a6295d4dc9e22643" providerId="LiveId" clId="{B303C878-8799-4007-876A-6617B70F571A}" dt="2020-12-03T09:28:58.705" v="7194"/>
+          <ac:spMkLst>
+            <pc:docMk/>
+            <pc:sldMk cId="2969362105" sldId="256"/>
+            <ac:spMk id="129" creationId="{74B1AD90-700E-4140-9288-092563F7642F}"/>
+          </ac:spMkLst>
+        </pc:spChg>
         <pc:spChg chg="add mod">
           <ac:chgData name="Fatima Pillosu" userId="a6295d4dc9e22643" providerId="LiveId" clId="{B303C878-8799-4007-876A-6617B70F571A}" dt="2020-12-01T10:22:51.914" v="2317" actId="164"/>
           <ac:spMkLst>
@@ -895,6 +1241,14 @@
             <ac:spMk id="130" creationId="{3E5934DD-0701-4700-B2D0-37A902F68135}"/>
           </ac:spMkLst>
         </pc:spChg>
+        <pc:spChg chg="add del mod">
+          <ac:chgData name="Fatima Pillosu" userId="a6295d4dc9e22643" providerId="LiveId" clId="{B303C878-8799-4007-876A-6617B70F571A}" dt="2020-12-03T09:28:58.705" v="7194"/>
+          <ac:spMkLst>
+            <pc:docMk/>
+            <pc:sldMk cId="2969362105" sldId="256"/>
+            <ac:spMk id="130" creationId="{58A10944-7E7E-4EFF-B517-3BDBE609637D}"/>
+          </ac:spMkLst>
+        </pc:spChg>
         <pc:spChg chg="add del">
           <ac:chgData name="Fatima Pillosu" userId="a6295d4dc9e22643" providerId="LiveId" clId="{B303C878-8799-4007-876A-6617B70F571A}" dt="2020-12-01T12:08:58.283" v="4467"/>
           <ac:spMkLst>
@@ -903,6 +1257,14 @@
             <ac:spMk id="130" creationId="{C88C2636-7336-4819-A84A-81CD3A587F43}"/>
           </ac:spMkLst>
         </pc:spChg>
+        <pc:spChg chg="add del mod">
+          <ac:chgData name="Fatima Pillosu" userId="a6295d4dc9e22643" providerId="LiveId" clId="{B303C878-8799-4007-876A-6617B70F571A}" dt="2020-12-03T09:28:58.705" v="7194"/>
+          <ac:spMkLst>
+            <pc:docMk/>
+            <pc:sldMk cId="2969362105" sldId="256"/>
+            <ac:spMk id="131" creationId="{147D1F78-0D70-436B-9A5E-CF3927BF2EBB}"/>
+          </ac:spMkLst>
+        </pc:spChg>
         <pc:spChg chg="add del">
           <ac:chgData name="Fatima Pillosu" userId="a6295d4dc9e22643" providerId="LiveId" clId="{B303C878-8799-4007-876A-6617B70F571A}" dt="2020-12-01T12:08:58.283" v="4467"/>
           <ac:spMkLst>
@@ -911,6 +1273,14 @@
             <ac:spMk id="131" creationId="{DC9CBE23-4BCE-4A32-9DF0-EB3EA10FCF85}"/>
           </ac:spMkLst>
         </pc:spChg>
+        <pc:spChg chg="add del mod">
+          <ac:chgData name="Fatima Pillosu" userId="a6295d4dc9e22643" providerId="LiveId" clId="{B303C878-8799-4007-876A-6617B70F571A}" dt="2020-12-03T09:28:58.705" v="7194"/>
+          <ac:spMkLst>
+            <pc:docMk/>
+            <pc:sldMk cId="2969362105" sldId="256"/>
+            <ac:spMk id="132" creationId="{7E21BB33-A5D0-4392-99AB-679B73B2E565}"/>
+          </ac:spMkLst>
+        </pc:spChg>
         <pc:spChg chg="add del">
           <ac:chgData name="Fatima Pillosu" userId="a6295d4dc9e22643" providerId="LiveId" clId="{B303C878-8799-4007-876A-6617B70F571A}" dt="2020-12-01T12:08:58.283" v="4467"/>
           <ac:spMkLst>
@@ -919,6 +1289,14 @@
             <ac:spMk id="133" creationId="{14B1F81D-94AC-4633-A53B-D52327E89F79}"/>
           </ac:spMkLst>
         </pc:spChg>
+        <pc:spChg chg="add del mod">
+          <ac:chgData name="Fatima Pillosu" userId="a6295d4dc9e22643" providerId="LiveId" clId="{B303C878-8799-4007-876A-6617B70F571A}" dt="2020-12-03T09:28:58.705" v="7194"/>
+          <ac:spMkLst>
+            <pc:docMk/>
+            <pc:sldMk cId="2969362105" sldId="256"/>
+            <ac:spMk id="133" creationId="{4B062C94-F65D-47CC-AE80-996CB0F5754F}"/>
+          </ac:spMkLst>
+        </pc:spChg>
         <pc:spChg chg="add del">
           <ac:chgData name="Fatima Pillosu" userId="a6295d4dc9e22643" providerId="LiveId" clId="{B303C878-8799-4007-876A-6617B70F571A}" dt="2020-12-01T12:08:58.283" v="4467"/>
           <ac:spMkLst>
@@ -927,6 +1305,22 @@
             <ac:spMk id="134" creationId="{76ABEA52-10D9-41B7-ADD9-527DDA96B8B2}"/>
           </ac:spMkLst>
         </pc:spChg>
+        <pc:spChg chg="add del mod">
+          <ac:chgData name="Fatima Pillosu" userId="a6295d4dc9e22643" providerId="LiveId" clId="{B303C878-8799-4007-876A-6617B70F571A}" dt="2020-12-03T09:28:58.705" v="7194"/>
+          <ac:spMkLst>
+            <pc:docMk/>
+            <pc:sldMk cId="2969362105" sldId="256"/>
+            <ac:spMk id="134" creationId="{79BED8B3-F692-48E8-A77B-C7A2E30816B1}"/>
+          </ac:spMkLst>
+        </pc:spChg>
+        <pc:spChg chg="add del mod">
+          <ac:chgData name="Fatima Pillosu" userId="a6295d4dc9e22643" providerId="LiveId" clId="{B303C878-8799-4007-876A-6617B70F571A}" dt="2020-12-03T09:28:58.705" v="7194"/>
+          <ac:spMkLst>
+            <pc:docMk/>
+            <pc:sldMk cId="2969362105" sldId="256"/>
+            <ac:spMk id="135" creationId="{3E9600F5-DAA2-4DED-BAA4-ED648EF83EAA}"/>
+          </ac:spMkLst>
+        </pc:spChg>
         <pc:spChg chg="add del">
           <ac:chgData name="Fatima Pillosu" userId="a6295d4dc9e22643" providerId="LiveId" clId="{B303C878-8799-4007-876A-6617B70F571A}" dt="2020-12-01T12:08:58.283" v="4467"/>
           <ac:spMkLst>
@@ -959,6 +1353,14 @@
             <ac:spMk id="139" creationId="{340BBF9D-C2FB-43BB-BF6A-46A5EB628A19}"/>
           </ac:spMkLst>
         </pc:spChg>
+        <pc:spChg chg="add del mod">
+          <ac:chgData name="Fatima Pillosu" userId="a6295d4dc9e22643" providerId="LiveId" clId="{B303C878-8799-4007-876A-6617B70F571A}" dt="2020-12-03T09:57:22.272" v="7850"/>
+          <ac:spMkLst>
+            <pc:docMk/>
+            <pc:sldMk cId="2969362105" sldId="256"/>
+            <ac:spMk id="140" creationId="{1394B9DF-AA03-45E4-8C1D-71C6D1891587}"/>
+          </ac:spMkLst>
+        </pc:spChg>
         <pc:spChg chg="add del">
           <ac:chgData name="Fatima Pillosu" userId="a6295d4dc9e22643" providerId="LiveId" clId="{B303C878-8799-4007-876A-6617B70F571A}" dt="2020-12-01T12:08:58.283" v="4467"/>
           <ac:spMkLst>
@@ -975,6 +1377,14 @@
             <ac:spMk id="142" creationId="{27E9A553-DC92-4A30-864B-2E789EEC438F}"/>
           </ac:spMkLst>
         </pc:spChg>
+        <pc:spChg chg="add del mod">
+          <ac:chgData name="Fatima Pillosu" userId="a6295d4dc9e22643" providerId="LiveId" clId="{B303C878-8799-4007-876A-6617B70F571A}" dt="2020-12-03T09:57:22.272" v="7850"/>
+          <ac:spMkLst>
+            <pc:docMk/>
+            <pc:sldMk cId="2969362105" sldId="256"/>
+            <ac:spMk id="142" creationId="{7C01C66E-F3B2-4895-834A-60FABBCEEEEA}"/>
+          </ac:spMkLst>
+        </pc:spChg>
         <pc:spChg chg="add del">
           <ac:chgData name="Fatima Pillosu" userId="a6295d4dc9e22643" providerId="LiveId" clId="{B303C878-8799-4007-876A-6617B70F571A}" dt="2020-12-01T10:26:55.167" v="2351"/>
           <ac:spMkLst>
@@ -999,6 +1409,14 @@
             <ac:spMk id="144" creationId="{2CF25D80-61D1-402B-B5FF-A894C20FD706}"/>
           </ac:spMkLst>
         </pc:spChg>
+        <pc:spChg chg="add del mod">
+          <ac:chgData name="Fatima Pillosu" userId="a6295d4dc9e22643" providerId="LiveId" clId="{B303C878-8799-4007-876A-6617B70F571A}" dt="2020-12-03T09:57:22.272" v="7850"/>
+          <ac:spMkLst>
+            <pc:docMk/>
+            <pc:sldMk cId="2969362105" sldId="256"/>
+            <ac:spMk id="144" creationId="{A000F437-83D3-4C9D-9CF7-028FA9CC9FBA}"/>
+          </ac:spMkLst>
+        </pc:spChg>
         <pc:spChg chg="mod">
           <ac:chgData name="Fatima Pillosu" userId="a6295d4dc9e22643" providerId="LiveId" clId="{B303C878-8799-4007-876A-6617B70F571A}" dt="2020-12-01T10:50:27.280" v="2865" actId="1035"/>
           <ac:spMkLst>
@@ -1015,6 +1433,30 @@
             <ac:spMk id="146" creationId="{BBDB25E5-AA1D-4BCD-BF6F-9E8138B2C86A}"/>
           </ac:spMkLst>
         </pc:spChg>
+        <pc:spChg chg="add del mod">
+          <ac:chgData name="Fatima Pillosu" userId="a6295d4dc9e22643" providerId="LiveId" clId="{B303C878-8799-4007-876A-6617B70F571A}" dt="2020-12-03T09:57:22.272" v="7850"/>
+          <ac:spMkLst>
+            <pc:docMk/>
+            <pc:sldMk cId="2969362105" sldId="256"/>
+            <ac:spMk id="146" creationId="{EE8DCC67-71E4-463F-B538-2935597040D1}"/>
+          </ac:spMkLst>
+        </pc:spChg>
+        <pc:spChg chg="add del mod">
+          <ac:chgData name="Fatima Pillosu" userId="a6295d4dc9e22643" providerId="LiveId" clId="{B303C878-8799-4007-876A-6617B70F571A}" dt="2020-12-03T09:57:22.272" v="7850"/>
+          <ac:spMkLst>
+            <pc:docMk/>
+            <pc:sldMk cId="2969362105" sldId="256"/>
+            <ac:spMk id="147" creationId="{547C527B-DBB4-4738-B201-8EA7C75B828D}"/>
+          </ac:spMkLst>
+        </pc:spChg>
+        <pc:spChg chg="add del mod">
+          <ac:chgData name="Fatima Pillosu" userId="a6295d4dc9e22643" providerId="LiveId" clId="{B303C878-8799-4007-876A-6617B70F571A}" dt="2020-12-03T09:57:22.272" v="7850"/>
+          <ac:spMkLst>
+            <pc:docMk/>
+            <pc:sldMk cId="2969362105" sldId="256"/>
+            <ac:spMk id="149" creationId="{4DC5DF17-7AA8-4300-B39A-CDAAE0BE6F59}"/>
+          </ac:spMkLst>
+        </pc:spChg>
         <pc:spChg chg="add del">
           <ac:chgData name="Fatima Pillosu" userId="a6295d4dc9e22643" providerId="LiveId" clId="{B303C878-8799-4007-876A-6617B70F571A}" dt="2020-12-01T12:08:58.283" v="4467"/>
           <ac:spMkLst>
@@ -1023,6 +1465,14 @@
             <ac:spMk id="150" creationId="{57D37509-D6F2-4271-BED6-7A5A20A930A1}"/>
           </ac:spMkLst>
         </pc:spChg>
+        <pc:spChg chg="add del mod">
+          <ac:chgData name="Fatima Pillosu" userId="a6295d4dc9e22643" providerId="LiveId" clId="{B303C878-8799-4007-876A-6617B70F571A}" dt="2020-12-03T09:57:22.272" v="7850"/>
+          <ac:spMkLst>
+            <pc:docMk/>
+            <pc:sldMk cId="2969362105" sldId="256"/>
+            <ac:spMk id="150" creationId="{CD731F86-E04F-4471-A541-ACD33CC0DBA3}"/>
+          </ac:spMkLst>
+        </pc:spChg>
         <pc:spChg chg="add del">
           <ac:chgData name="Fatima Pillosu" userId="a6295d4dc9e22643" providerId="LiveId" clId="{B303C878-8799-4007-876A-6617B70F571A}" dt="2020-12-01T12:08:58.283" v="4467"/>
           <ac:spMkLst>
@@ -1031,6 +1481,14 @@
             <ac:spMk id="152" creationId="{02497556-EA18-48D2-A05E-8162D0255A23}"/>
           </ac:spMkLst>
         </pc:spChg>
+        <pc:spChg chg="add del mod">
+          <ac:chgData name="Fatima Pillosu" userId="a6295d4dc9e22643" providerId="LiveId" clId="{B303C878-8799-4007-876A-6617B70F571A}" dt="2020-12-03T09:57:22.272" v="7850"/>
+          <ac:spMkLst>
+            <pc:docMk/>
+            <pc:sldMk cId="2969362105" sldId="256"/>
+            <ac:spMk id="153" creationId="{A7D4E6A8-7972-4EF0-A26B-98A44F2D2D2E}"/>
+          </ac:spMkLst>
+        </pc:spChg>
         <pc:spChg chg="add del">
           <ac:chgData name="Fatima Pillosu" userId="a6295d4dc9e22643" providerId="LiveId" clId="{B303C878-8799-4007-876A-6617B70F571A}" dt="2020-12-01T12:08:58.283" v="4467"/>
           <ac:spMkLst>
@@ -1071,6 +1529,14 @@
             <ac:spMk id="157" creationId="{90DAB88C-3CE7-43DF-8C12-9A908444C337}"/>
           </ac:spMkLst>
         </pc:spChg>
+        <pc:spChg chg="add del mod">
+          <ac:chgData name="Fatima Pillosu" userId="a6295d4dc9e22643" providerId="LiveId" clId="{B303C878-8799-4007-876A-6617B70F571A}" dt="2020-12-03T09:57:22.272" v="7850"/>
+          <ac:spMkLst>
+            <pc:docMk/>
+            <pc:sldMk cId="2969362105" sldId="256"/>
+            <ac:spMk id="157" creationId="{D7F5D044-6F7E-45AE-8D87-E23B4892C290}"/>
+          </ac:spMkLst>
+        </pc:spChg>
         <pc:spChg chg="add del">
           <ac:chgData name="Fatima Pillosu" userId="a6295d4dc9e22643" providerId="LiveId" clId="{B303C878-8799-4007-876A-6617B70F571A}" dt="2020-12-01T12:08:58.283" v="4467"/>
           <ac:spMkLst>
@@ -1079,6 +1545,14 @@
             <ac:spMk id="158" creationId="{4F23BD90-CDA3-4116-A93C-4FDB7D20FD21}"/>
           </ac:spMkLst>
         </pc:spChg>
+        <pc:spChg chg="add del mod">
+          <ac:chgData name="Fatima Pillosu" userId="a6295d4dc9e22643" providerId="LiveId" clId="{B303C878-8799-4007-876A-6617B70F571A}" dt="2020-12-03T09:57:22.272" v="7850"/>
+          <ac:spMkLst>
+            <pc:docMk/>
+            <pc:sldMk cId="2969362105" sldId="256"/>
+            <ac:spMk id="159" creationId="{9BDE01DE-CE2F-41A5-8B22-9ABA03477A67}"/>
+          </ac:spMkLst>
+        </pc:spChg>
         <pc:spChg chg="add del">
           <ac:chgData name="Fatima Pillosu" userId="a6295d4dc9e22643" providerId="LiveId" clId="{B303C878-8799-4007-876A-6617B70F571A}" dt="2020-12-01T12:08:58.283" v="4467"/>
           <ac:spMkLst>
@@ -1104,6 +1578,14 @@
           </ac:spMkLst>
         </pc:spChg>
         <pc:spChg chg="add del mod">
+          <ac:chgData name="Fatima Pillosu" userId="a6295d4dc9e22643" providerId="LiveId" clId="{B303C878-8799-4007-876A-6617B70F571A}" dt="2020-12-03T09:57:22.272" v="7850"/>
+          <ac:spMkLst>
+            <pc:docMk/>
+            <pc:sldMk cId="2969362105" sldId="256"/>
+            <ac:spMk id="160" creationId="{153D1E39-FE06-4E97-8E53-59A9ACFF55FC}"/>
+          </ac:spMkLst>
+        </pc:spChg>
+        <pc:spChg chg="add del mod">
           <ac:chgData name="Fatima Pillosu" userId="a6295d4dc9e22643" providerId="LiveId" clId="{B303C878-8799-4007-876A-6617B70F571A}" dt="2020-12-01T12:45:21.654" v="4996"/>
           <ac:spMkLst>
             <pc:docMk/>
@@ -1112,11 +1594,27 @@
           </ac:spMkLst>
         </pc:spChg>
         <pc:spChg chg="add del mod">
+          <ac:chgData name="Fatima Pillosu" userId="a6295d4dc9e22643" providerId="LiveId" clId="{B303C878-8799-4007-876A-6617B70F571A}" dt="2020-12-03T09:57:22.272" v="7850"/>
+          <ac:spMkLst>
+            <pc:docMk/>
+            <pc:sldMk cId="2969362105" sldId="256"/>
+            <ac:spMk id="161" creationId="{70EA140E-5D9E-4B63-98AB-44845245DCDB}"/>
+          </ac:spMkLst>
+        </pc:spChg>
+        <pc:spChg chg="add del mod">
           <ac:chgData name="Fatima Pillosu" userId="a6295d4dc9e22643" providerId="LiveId" clId="{B303C878-8799-4007-876A-6617B70F571A}" dt="2020-12-01T12:45:21.654" v="4996"/>
           <ac:spMkLst>
             <pc:docMk/>
             <pc:sldMk cId="2969362105" sldId="256"/>
             <ac:spMk id="161" creationId="{F37D4F6C-A5EF-4686-96FA-150F0586848B}"/>
+          </ac:spMkLst>
+        </pc:spChg>
+        <pc:spChg chg="add del mod">
+          <ac:chgData name="Fatima Pillosu" userId="a6295d4dc9e22643" providerId="LiveId" clId="{B303C878-8799-4007-876A-6617B70F571A}" dt="2020-12-03T09:57:22.272" v="7850"/>
+          <ac:spMkLst>
+            <pc:docMk/>
+            <pc:sldMk cId="2969362105" sldId="256"/>
+            <ac:spMk id="162" creationId="{BE474C11-0C4A-4E0A-97E6-D790B6C930B0}"/>
           </ac:spMkLst>
         </pc:spChg>
         <pc:spChg chg="add del">
@@ -1136,6 +1634,14 @@
           </ac:spMkLst>
         </pc:spChg>
         <pc:spChg chg="add del mod">
+          <ac:chgData name="Fatima Pillosu" userId="a6295d4dc9e22643" providerId="LiveId" clId="{B303C878-8799-4007-876A-6617B70F571A}" dt="2020-12-03T09:57:22.272" v="7850"/>
+          <ac:spMkLst>
+            <pc:docMk/>
+            <pc:sldMk cId="2969362105" sldId="256"/>
+            <ac:spMk id="164" creationId="{C966405A-5128-43DA-B511-BBE1178120A4}"/>
+          </ac:spMkLst>
+        </pc:spChg>
+        <pc:spChg chg="add del mod">
           <ac:chgData name="Fatima Pillosu" userId="a6295d4dc9e22643" providerId="LiveId" clId="{B303C878-8799-4007-876A-6617B70F571A}" dt="2020-12-01T12:45:21.654" v="4996"/>
           <ac:spMkLst>
             <pc:docMk/>
@@ -1168,6 +1674,14 @@
           </ac:spMkLst>
         </pc:spChg>
         <pc:spChg chg="add del mod">
+          <ac:chgData name="Fatima Pillosu" userId="a6295d4dc9e22643" providerId="LiveId" clId="{B303C878-8799-4007-876A-6617B70F571A}" dt="2020-12-03T09:57:22.272" v="7850"/>
+          <ac:spMkLst>
+            <pc:docMk/>
+            <pc:sldMk cId="2969362105" sldId="256"/>
+            <ac:spMk id="167" creationId="{EC1024A9-7EC0-48C4-AB3E-1735675A8809}"/>
+          </ac:spMkLst>
+        </pc:spChg>
+        <pc:spChg chg="add del mod">
           <ac:chgData name="Fatima Pillosu" userId="a6295d4dc9e22643" providerId="LiveId" clId="{B303C878-8799-4007-876A-6617B70F571A}" dt="2020-12-01T12:45:21.654" v="4996"/>
           <ac:spMkLst>
             <pc:docMk/>
@@ -1183,6 +1697,14 @@
             <ac:spMk id="168" creationId="{2DC1EBDF-1254-4149-8241-06DA62634862}"/>
           </ac:spMkLst>
         </pc:spChg>
+        <pc:spChg chg="add del mod">
+          <ac:chgData name="Fatima Pillosu" userId="a6295d4dc9e22643" providerId="LiveId" clId="{B303C878-8799-4007-876A-6617B70F571A}" dt="2020-12-03T09:57:22.272" v="7850"/>
+          <ac:spMkLst>
+            <pc:docMk/>
+            <pc:sldMk cId="2969362105" sldId="256"/>
+            <ac:spMk id="168" creationId="{83345073-EA02-4BC8-BDE0-457BD6831A5F}"/>
+          </ac:spMkLst>
+        </pc:spChg>
         <pc:spChg chg="add del">
           <ac:chgData name="Fatima Pillosu" userId="a6295d4dc9e22643" providerId="LiveId" clId="{B303C878-8799-4007-876A-6617B70F571A}" dt="2020-12-01T12:08:58.283" v="4467"/>
           <ac:spMkLst>
@@ -1199,6 +1721,14 @@
             <ac:spMk id="169" creationId="{ABCAD01E-8505-4A26-BD78-E023724D42C5}"/>
           </ac:spMkLst>
         </pc:spChg>
+        <pc:spChg chg="add del mod">
+          <ac:chgData name="Fatima Pillosu" userId="a6295d4dc9e22643" providerId="LiveId" clId="{B303C878-8799-4007-876A-6617B70F571A}" dt="2020-12-03T09:57:22.272" v="7850"/>
+          <ac:spMkLst>
+            <pc:docMk/>
+            <pc:sldMk cId="2969362105" sldId="256"/>
+            <ac:spMk id="170" creationId="{148B5475-CB3D-4C42-A326-6820FAE85389}"/>
+          </ac:spMkLst>
+        </pc:spChg>
         <pc:spChg chg="add del">
           <ac:chgData name="Fatima Pillosu" userId="a6295d4dc9e22643" providerId="LiveId" clId="{B303C878-8799-4007-876A-6617B70F571A}" dt="2020-12-01T12:08:58.283" v="4467"/>
           <ac:spMkLst>
@@ -1215,6 +1745,14 @@
             <ac:spMk id="172" creationId="{90B779C7-2642-42FE-ACD8-95AAC4ED1D1B}"/>
           </ac:spMkLst>
         </pc:spChg>
+        <pc:spChg chg="add del mod">
+          <ac:chgData name="Fatima Pillosu" userId="a6295d4dc9e22643" providerId="LiveId" clId="{B303C878-8799-4007-876A-6617B70F571A}" dt="2020-12-03T09:57:22.272" v="7850"/>
+          <ac:spMkLst>
+            <pc:docMk/>
+            <pc:sldMk cId="2969362105" sldId="256"/>
+            <ac:spMk id="172" creationId="{B08231E9-9B69-464F-8B85-91B03176532D}"/>
+          </ac:spMkLst>
+        </pc:spChg>
         <pc:spChg chg="add del">
           <ac:chgData name="Fatima Pillosu" userId="a6295d4dc9e22643" providerId="LiveId" clId="{B303C878-8799-4007-876A-6617B70F571A}" dt="2020-12-01T12:08:58.283" v="4467"/>
           <ac:spMkLst>
@@ -1231,6 +1769,22 @@
             <ac:spMk id="173" creationId="{4B101D6A-2CEA-4727-A1CB-9F32CB9D3F57}"/>
           </ac:spMkLst>
         </pc:spChg>
+        <pc:spChg chg="add del mod">
+          <ac:chgData name="Fatima Pillosu" userId="a6295d4dc9e22643" providerId="LiveId" clId="{B303C878-8799-4007-876A-6617B70F571A}" dt="2020-12-03T09:57:22.272" v="7850"/>
+          <ac:spMkLst>
+            <pc:docMk/>
+            <pc:sldMk cId="2969362105" sldId="256"/>
+            <ac:spMk id="173" creationId="{72A756AA-BABC-49A7-9453-845077645913}"/>
+          </ac:spMkLst>
+        </pc:spChg>
+        <pc:spChg chg="add del mod">
+          <ac:chgData name="Fatima Pillosu" userId="a6295d4dc9e22643" providerId="LiveId" clId="{B303C878-8799-4007-876A-6617B70F571A}" dt="2020-12-03T09:57:22.272" v="7850"/>
+          <ac:spMkLst>
+            <pc:docMk/>
+            <pc:sldMk cId="2969362105" sldId="256"/>
+            <ac:spMk id="174" creationId="{91719689-E91E-4A52-9326-E8152C427CF5}"/>
+          </ac:spMkLst>
+        </pc:spChg>
         <pc:spChg chg="add del">
           <ac:chgData name="Fatima Pillosu" userId="a6295d4dc9e22643" providerId="LiveId" clId="{B303C878-8799-4007-876A-6617B70F571A}" dt="2020-12-01T12:08:58.283" v="4467"/>
           <ac:spMkLst>
@@ -1247,6 +1801,14 @@
             <ac:spMk id="175" creationId="{42166351-5681-4050-9D54-B153C9FE6CA7}"/>
           </ac:spMkLst>
         </pc:spChg>
+        <pc:spChg chg="add del mod">
+          <ac:chgData name="Fatima Pillosu" userId="a6295d4dc9e22643" providerId="LiveId" clId="{B303C878-8799-4007-876A-6617B70F571A}" dt="2020-12-03T09:57:22.272" v="7850"/>
+          <ac:spMkLst>
+            <pc:docMk/>
+            <pc:sldMk cId="2969362105" sldId="256"/>
+            <ac:spMk id="175" creationId="{DA5284EE-3849-4BC4-8723-85F4ECE30529}"/>
+          </ac:spMkLst>
+        </pc:spChg>
         <pc:spChg chg="add del">
           <ac:chgData name="Fatima Pillosu" userId="a6295d4dc9e22643" providerId="LiveId" clId="{B303C878-8799-4007-876A-6617B70F571A}" dt="2020-12-01T12:08:58.283" v="4467"/>
           <ac:spMkLst>
@@ -1256,6 +1818,14 @@
           </ac:spMkLst>
         </pc:spChg>
         <pc:spChg chg="add del mod">
+          <ac:chgData name="Fatima Pillosu" userId="a6295d4dc9e22643" providerId="LiveId" clId="{B303C878-8799-4007-876A-6617B70F571A}" dt="2020-12-03T09:57:22.272" v="7850"/>
+          <ac:spMkLst>
+            <pc:docMk/>
+            <pc:sldMk cId="2969362105" sldId="256"/>
+            <ac:spMk id="176" creationId="{B1A3C2DF-94DB-4DEE-878C-20666E268253}"/>
+          </ac:spMkLst>
+        </pc:spChg>
+        <pc:spChg chg="add del mod">
           <ac:chgData name="Fatima Pillosu" userId="a6295d4dc9e22643" providerId="LiveId" clId="{B303C878-8799-4007-876A-6617B70F571A}" dt="2020-12-01T12:45:21.654" v="4996"/>
           <ac:spMkLst>
             <pc:docMk/>
@@ -1272,6 +1842,14 @@
           </ac:spMkLst>
         </pc:spChg>
         <pc:spChg chg="add del mod">
+          <ac:chgData name="Fatima Pillosu" userId="a6295d4dc9e22643" providerId="LiveId" clId="{B303C878-8799-4007-876A-6617B70F571A}" dt="2020-12-03T09:57:22.272" v="7850"/>
+          <ac:spMkLst>
+            <pc:docMk/>
+            <pc:sldMk cId="2969362105" sldId="256"/>
+            <ac:spMk id="177" creationId="{A75901CA-59F0-4380-A7B8-4DD2DEA29882}"/>
+          </ac:spMkLst>
+        </pc:spChg>
+        <pc:spChg chg="add del mod">
           <ac:chgData name="Fatima Pillosu" userId="a6295d4dc9e22643" providerId="LiveId" clId="{B303C878-8799-4007-876A-6617B70F571A}" dt="2020-12-01T12:45:21.654" v="4996"/>
           <ac:spMkLst>
             <pc:docMk/>
@@ -1312,11 +1890,43 @@
           </ac:spMkLst>
         </pc:spChg>
         <pc:spChg chg="add del mod">
+          <ac:chgData name="Fatima Pillosu" userId="a6295d4dc9e22643" providerId="LiveId" clId="{B303C878-8799-4007-876A-6617B70F571A}" dt="2020-12-03T09:57:22.272" v="7850"/>
+          <ac:spMkLst>
+            <pc:docMk/>
+            <pc:sldMk cId="2969362105" sldId="256"/>
+            <ac:spMk id="181" creationId="{6F1AE8B2-D7A5-4707-952F-890AF2597944}"/>
+          </ac:spMkLst>
+        </pc:spChg>
+        <pc:spChg chg="add del mod">
+          <ac:chgData name="Fatima Pillosu" userId="a6295d4dc9e22643" providerId="LiveId" clId="{B303C878-8799-4007-876A-6617B70F571A}" dt="2020-12-03T09:57:22.272" v="7850"/>
+          <ac:spMkLst>
+            <pc:docMk/>
+            <pc:sldMk cId="2969362105" sldId="256"/>
+            <ac:spMk id="182" creationId="{12CFCB76-510B-4543-88FA-32A88DB68093}"/>
+          </ac:spMkLst>
+        </pc:spChg>
+        <pc:spChg chg="add del mod">
           <ac:chgData name="Fatima Pillosu" userId="a6295d4dc9e22643" providerId="LiveId" clId="{B303C878-8799-4007-876A-6617B70F571A}" dt="2020-12-01T12:44:29.607" v="4990"/>
           <ac:spMkLst>
             <pc:docMk/>
             <pc:sldMk cId="2969362105" sldId="256"/>
             <ac:spMk id="183" creationId="{10014996-DF08-41E9-9D1E-2ABD5E174897}"/>
+          </ac:spMkLst>
+        </pc:spChg>
+        <pc:spChg chg="add del mod">
+          <ac:chgData name="Fatima Pillosu" userId="a6295d4dc9e22643" providerId="LiveId" clId="{B303C878-8799-4007-876A-6617B70F571A}" dt="2020-12-03T09:57:22.272" v="7850"/>
+          <ac:spMkLst>
+            <pc:docMk/>
+            <pc:sldMk cId="2969362105" sldId="256"/>
+            <ac:spMk id="183" creationId="{98F98393-8627-475B-8F54-F06A10F34915}"/>
+          </ac:spMkLst>
+        </pc:spChg>
+        <pc:spChg chg="add del mod">
+          <ac:chgData name="Fatima Pillosu" userId="a6295d4dc9e22643" providerId="LiveId" clId="{B303C878-8799-4007-876A-6617B70F571A}" dt="2020-12-03T09:57:22.272" v="7850"/>
+          <ac:spMkLst>
+            <pc:docMk/>
+            <pc:sldMk cId="2969362105" sldId="256"/>
+            <ac:spMk id="184" creationId="{2CFE6AC7-35A7-4549-A40A-1374E3BD202A}"/>
           </ac:spMkLst>
         </pc:spChg>
         <pc:spChg chg="add del mod">
@@ -1336,6 +1946,14 @@
           </ac:spMkLst>
         </pc:spChg>
         <pc:spChg chg="add del mod">
+          <ac:chgData name="Fatima Pillosu" userId="a6295d4dc9e22643" providerId="LiveId" clId="{B303C878-8799-4007-876A-6617B70F571A}" dt="2020-12-03T09:57:22.272" v="7850"/>
+          <ac:spMkLst>
+            <pc:docMk/>
+            <pc:sldMk cId="2969362105" sldId="256"/>
+            <ac:spMk id="185" creationId="{5228F7EA-AABD-431A-B582-E6041A890D5E}"/>
+          </ac:spMkLst>
+        </pc:spChg>
+        <pc:spChg chg="add del mod">
           <ac:chgData name="Fatima Pillosu" userId="a6295d4dc9e22643" providerId="LiveId" clId="{B303C878-8799-4007-876A-6617B70F571A}" dt="2020-12-01T12:44:29.607" v="4990"/>
           <ac:spMkLst>
             <pc:docMk/>
@@ -1344,6 +1962,14 @@
           </ac:spMkLst>
         </pc:spChg>
         <pc:spChg chg="add del mod">
+          <ac:chgData name="Fatima Pillosu" userId="a6295d4dc9e22643" providerId="LiveId" clId="{B303C878-8799-4007-876A-6617B70F571A}" dt="2020-12-03T09:57:22.272" v="7850"/>
+          <ac:spMkLst>
+            <pc:docMk/>
+            <pc:sldMk cId="2969362105" sldId="256"/>
+            <ac:spMk id="187" creationId="{D6638841-BB07-4688-BD34-60531DCC63FA}"/>
+          </ac:spMkLst>
+        </pc:spChg>
+        <pc:spChg chg="add del mod">
           <ac:chgData name="Fatima Pillosu" userId="a6295d4dc9e22643" providerId="LiveId" clId="{B303C878-8799-4007-876A-6617B70F571A}" dt="2020-12-01T12:44:29.607" v="4990"/>
           <ac:spMkLst>
             <pc:docMk/>
@@ -1352,6 +1978,14 @@
           </ac:spMkLst>
         </pc:spChg>
         <pc:spChg chg="add del mod">
+          <ac:chgData name="Fatima Pillosu" userId="a6295d4dc9e22643" providerId="LiveId" clId="{B303C878-8799-4007-876A-6617B70F571A}" dt="2020-12-03T09:57:22.272" v="7850"/>
+          <ac:spMkLst>
+            <pc:docMk/>
+            <pc:sldMk cId="2969362105" sldId="256"/>
+            <ac:spMk id="188" creationId="{5ED7A530-BD17-4FA8-A567-23C8BD28D078}"/>
+          </ac:spMkLst>
+        </pc:spChg>
+        <pc:spChg chg="add del mod">
           <ac:chgData name="Fatima Pillosu" userId="a6295d4dc9e22643" providerId="LiveId" clId="{B303C878-8799-4007-876A-6617B70F571A}" dt="2020-12-01T12:44:29.607" v="4990"/>
           <ac:spMkLst>
             <pc:docMk/>
@@ -1360,6 +1994,30 @@
           </ac:spMkLst>
         </pc:spChg>
         <pc:spChg chg="add del mod">
+          <ac:chgData name="Fatima Pillosu" userId="a6295d4dc9e22643" providerId="LiveId" clId="{B303C878-8799-4007-876A-6617B70F571A}" dt="2020-12-03T09:57:22.272" v="7850"/>
+          <ac:spMkLst>
+            <pc:docMk/>
+            <pc:sldMk cId="2969362105" sldId="256"/>
+            <ac:spMk id="189" creationId="{4B26E541-B7EF-4C63-9868-303BA2B5924A}"/>
+          </ac:spMkLst>
+        </pc:spChg>
+        <pc:spChg chg="add del mod">
+          <ac:chgData name="Fatima Pillosu" userId="a6295d4dc9e22643" providerId="LiveId" clId="{B303C878-8799-4007-876A-6617B70F571A}" dt="2020-12-03T09:57:22.272" v="7850"/>
+          <ac:spMkLst>
+            <pc:docMk/>
+            <pc:sldMk cId="2969362105" sldId="256"/>
+            <ac:spMk id="190" creationId="{6337610A-0EDF-42A8-9C8A-349A7A72142F}"/>
+          </ac:spMkLst>
+        </pc:spChg>
+        <pc:spChg chg="add del mod">
+          <ac:chgData name="Fatima Pillosu" userId="a6295d4dc9e22643" providerId="LiveId" clId="{B303C878-8799-4007-876A-6617B70F571A}" dt="2020-12-03T09:57:22.272" v="7850"/>
+          <ac:spMkLst>
+            <pc:docMk/>
+            <pc:sldMk cId="2969362105" sldId="256"/>
+            <ac:spMk id="191" creationId="{6E03ADC8-7F68-4E54-BA98-D2EC0CBCC5DC}"/>
+          </ac:spMkLst>
+        </pc:spChg>
+        <pc:spChg chg="add del mod">
           <ac:chgData name="Fatima Pillosu" userId="a6295d4dc9e22643" providerId="LiveId" clId="{B303C878-8799-4007-876A-6617B70F571A}" dt="2020-12-01T12:44:29.607" v="4990"/>
           <ac:spMkLst>
             <pc:docMk/>
@@ -1368,6 +2026,14 @@
           </ac:spMkLst>
         </pc:spChg>
         <pc:spChg chg="add del mod">
+          <ac:chgData name="Fatima Pillosu" userId="a6295d4dc9e22643" providerId="LiveId" clId="{B303C878-8799-4007-876A-6617B70F571A}" dt="2020-12-03T09:57:22.272" v="7850"/>
+          <ac:spMkLst>
+            <pc:docMk/>
+            <pc:sldMk cId="2969362105" sldId="256"/>
+            <ac:spMk id="192" creationId="{C8B75723-8EEA-4922-8CF1-FB4DA5103C3C}"/>
+          </ac:spMkLst>
+        </pc:spChg>
+        <pc:spChg chg="add del mod">
           <ac:chgData name="Fatima Pillosu" userId="a6295d4dc9e22643" providerId="LiveId" clId="{B303C878-8799-4007-876A-6617B70F571A}" dt="2020-12-01T12:44:29.607" v="4990"/>
           <ac:spMkLst>
             <pc:docMk/>
@@ -1376,11 +2042,35 @@
           </ac:spMkLst>
         </pc:spChg>
         <pc:spChg chg="add del mod">
+          <ac:chgData name="Fatima Pillosu" userId="a6295d4dc9e22643" providerId="LiveId" clId="{B303C878-8799-4007-876A-6617B70F571A}" dt="2020-12-03T09:57:22.272" v="7850"/>
+          <ac:spMkLst>
+            <pc:docMk/>
+            <pc:sldMk cId="2969362105" sldId="256"/>
+            <ac:spMk id="193" creationId="{F853D99E-15AC-4A73-9E2B-EB2A5EBB3783}"/>
+          </ac:spMkLst>
+        </pc:spChg>
+        <pc:spChg chg="add del mod">
           <ac:chgData name="Fatima Pillosu" userId="a6295d4dc9e22643" providerId="LiveId" clId="{B303C878-8799-4007-876A-6617B70F571A}" dt="2020-12-01T12:44:29.607" v="4990"/>
           <ac:spMkLst>
             <pc:docMk/>
             <pc:sldMk cId="2969362105" sldId="256"/>
             <ac:spMk id="194" creationId="{A9A0ADA0-581B-4300-BFE5-3C26F6BCA954}"/>
+          </ac:spMkLst>
+        </pc:spChg>
+        <pc:spChg chg="add del mod">
+          <ac:chgData name="Fatima Pillosu" userId="a6295d4dc9e22643" providerId="LiveId" clId="{B303C878-8799-4007-876A-6617B70F571A}" dt="2020-12-03T09:57:22.272" v="7850"/>
+          <ac:spMkLst>
+            <pc:docMk/>
+            <pc:sldMk cId="2969362105" sldId="256"/>
+            <ac:spMk id="194" creationId="{D63B73B8-B8BF-48B5-AD68-ED187EB789CC}"/>
+          </ac:spMkLst>
+        </pc:spChg>
+        <pc:spChg chg="add del mod">
+          <ac:chgData name="Fatima Pillosu" userId="a6295d4dc9e22643" providerId="LiveId" clId="{B303C878-8799-4007-876A-6617B70F571A}" dt="2020-12-03T09:57:22.272" v="7850"/>
+          <ac:spMkLst>
+            <pc:docMk/>
+            <pc:sldMk cId="2969362105" sldId="256"/>
+            <ac:spMk id="195" creationId="{B286253A-5206-4414-B5CF-627A0A66AE37}"/>
           </ac:spMkLst>
         </pc:spChg>
         <pc:spChg chg="add del mod">
@@ -1592,6 +2282,14 @@
           </ac:spMkLst>
         </pc:spChg>
         <pc:spChg chg="add del mod">
+          <ac:chgData name="Fatima Pillosu" userId="a6295d4dc9e22643" providerId="LiveId" clId="{B303C878-8799-4007-876A-6617B70F571A}" dt="2020-12-03T09:57:22.272" v="7850"/>
+          <ac:spMkLst>
+            <pc:docMk/>
+            <pc:sldMk cId="2969362105" sldId="256"/>
+            <ac:spMk id="229" creationId="{534581CA-1C9B-4F74-BF45-137B9B8C0BFE}"/>
+          </ac:spMkLst>
+        </pc:spChg>
+        <pc:spChg chg="add del mod">
           <ac:chgData name="Fatima Pillosu" userId="a6295d4dc9e22643" providerId="LiveId" clId="{B303C878-8799-4007-876A-6617B70F571A}" dt="2020-12-01T12:44:29.607" v="4990"/>
           <ac:spMkLst>
             <pc:docMk/>
@@ -1624,6 +2322,22 @@
           </ac:spMkLst>
         </pc:spChg>
         <pc:spChg chg="add del mod">
+          <ac:chgData name="Fatima Pillosu" userId="a6295d4dc9e22643" providerId="LiveId" clId="{B303C878-8799-4007-876A-6617B70F571A}" dt="2020-12-03T09:58:28.905" v="7875"/>
+          <ac:spMkLst>
+            <pc:docMk/>
+            <pc:sldMk cId="2969362105" sldId="256"/>
+            <ac:spMk id="236" creationId="{F4CA77AD-1E89-4149-A533-59B66E4BF5E5}"/>
+          </ac:spMkLst>
+        </pc:spChg>
+        <pc:spChg chg="add del mod">
+          <ac:chgData name="Fatima Pillosu" userId="a6295d4dc9e22643" providerId="LiveId" clId="{B303C878-8799-4007-876A-6617B70F571A}" dt="2020-12-03T09:58:28.905" v="7875"/>
+          <ac:spMkLst>
+            <pc:docMk/>
+            <pc:sldMk cId="2969362105" sldId="256"/>
+            <ac:spMk id="238" creationId="{60BF6E25-BF70-4ADB-A024-5F1298052F31}"/>
+          </ac:spMkLst>
+        </pc:spChg>
+        <pc:spChg chg="add del mod">
           <ac:chgData name="Fatima Pillosu" userId="a6295d4dc9e22643" providerId="LiveId" clId="{B303C878-8799-4007-876A-6617B70F571A}" dt="2020-12-01T12:45:21.654" v="4996"/>
           <ac:spMkLst>
             <pc:docMk/>
@@ -1632,6 +2346,14 @@
           </ac:spMkLst>
         </pc:spChg>
         <pc:spChg chg="add del mod">
+          <ac:chgData name="Fatima Pillosu" userId="a6295d4dc9e22643" providerId="LiveId" clId="{B303C878-8799-4007-876A-6617B70F571A}" dt="2020-12-03T09:58:28.905" v="7875"/>
+          <ac:spMkLst>
+            <pc:docMk/>
+            <pc:sldMk cId="2969362105" sldId="256"/>
+            <ac:spMk id="240" creationId="{87646A4A-84AB-49BF-B926-9739DDC44068}"/>
+          </ac:spMkLst>
+        </pc:spChg>
+        <pc:spChg chg="add del mod">
           <ac:chgData name="Fatima Pillosu" userId="a6295d4dc9e22643" providerId="LiveId" clId="{B303C878-8799-4007-876A-6617B70F571A}" dt="2020-12-01T12:45:21.654" v="4996"/>
           <ac:spMkLst>
             <pc:docMk/>
@@ -1648,6 +2370,22 @@
           </ac:spMkLst>
         </pc:spChg>
         <pc:spChg chg="add del mod">
+          <ac:chgData name="Fatima Pillosu" userId="a6295d4dc9e22643" providerId="LiveId" clId="{B303C878-8799-4007-876A-6617B70F571A}" dt="2020-12-03T09:58:28.905" v="7875"/>
+          <ac:spMkLst>
+            <pc:docMk/>
+            <pc:sldMk cId="2969362105" sldId="256"/>
+            <ac:spMk id="242" creationId="{1BFEF806-DAC1-479D-94F5-F9E8738871FA}"/>
+          </ac:spMkLst>
+        </pc:spChg>
+        <pc:spChg chg="add del mod">
+          <ac:chgData name="Fatima Pillosu" userId="a6295d4dc9e22643" providerId="LiveId" clId="{B303C878-8799-4007-876A-6617B70F571A}" dt="2020-12-03T09:58:28.905" v="7875"/>
+          <ac:spMkLst>
+            <pc:docMk/>
+            <pc:sldMk cId="2969362105" sldId="256"/>
+            <ac:spMk id="243" creationId="{5F3B6D62-5A06-4C40-81DB-253D61088D36}"/>
+          </ac:spMkLst>
+        </pc:spChg>
+        <pc:spChg chg="add del mod">
           <ac:chgData name="Fatima Pillosu" userId="a6295d4dc9e22643" providerId="LiveId" clId="{B303C878-8799-4007-876A-6617B70F571A}" dt="2020-12-01T12:45:21.654" v="4996"/>
           <ac:spMkLst>
             <pc:docMk/>
@@ -1664,6 +2402,22 @@
           </ac:spMkLst>
         </pc:spChg>
         <pc:spChg chg="add del mod">
+          <ac:chgData name="Fatima Pillosu" userId="a6295d4dc9e22643" providerId="LiveId" clId="{B303C878-8799-4007-876A-6617B70F571A}" dt="2020-12-03T09:58:28.905" v="7875"/>
+          <ac:spMkLst>
+            <pc:docMk/>
+            <pc:sldMk cId="2969362105" sldId="256"/>
+            <ac:spMk id="245" creationId="{D41615A6-D45F-44AF-81B3-3C2C07640042}"/>
+          </ac:spMkLst>
+        </pc:spChg>
+        <pc:spChg chg="add del mod">
+          <ac:chgData name="Fatima Pillosu" userId="a6295d4dc9e22643" providerId="LiveId" clId="{B303C878-8799-4007-876A-6617B70F571A}" dt="2020-12-03T09:58:28.905" v="7875"/>
+          <ac:spMkLst>
+            <pc:docMk/>
+            <pc:sldMk cId="2969362105" sldId="256"/>
+            <ac:spMk id="246" creationId="{9BD66EF9-B065-48FE-A623-221EB6C808BD}"/>
+          </ac:spMkLst>
+        </pc:spChg>
+        <pc:spChg chg="add del mod">
           <ac:chgData name="Fatima Pillosu" userId="a6295d4dc9e22643" providerId="LiveId" clId="{B303C878-8799-4007-876A-6617B70F571A}" dt="2020-12-01T12:45:21.654" v="4996"/>
           <ac:spMkLst>
             <pc:docMk/>
@@ -1688,6 +2442,14 @@
           </ac:spMkLst>
         </pc:spChg>
         <pc:spChg chg="add del mod">
+          <ac:chgData name="Fatima Pillosu" userId="a6295d4dc9e22643" providerId="LiveId" clId="{B303C878-8799-4007-876A-6617B70F571A}" dt="2020-12-03T09:58:28.905" v="7875"/>
+          <ac:spMkLst>
+            <pc:docMk/>
+            <pc:sldMk cId="2969362105" sldId="256"/>
+            <ac:spMk id="249" creationId="{8A586D6A-E991-4D05-A06B-57C2C69A9AF8}"/>
+          </ac:spMkLst>
+        </pc:spChg>
+        <pc:spChg chg="add del mod">
           <ac:chgData name="Fatima Pillosu" userId="a6295d4dc9e22643" providerId="LiveId" clId="{B303C878-8799-4007-876A-6617B70F571A}" dt="2020-12-01T12:45:21.654" v="4996"/>
           <ac:spMkLst>
             <pc:docMk/>
@@ -1712,6 +2474,22 @@
           </ac:spMkLst>
         </pc:spChg>
         <pc:spChg chg="add del mod">
+          <ac:chgData name="Fatima Pillosu" userId="a6295d4dc9e22643" providerId="LiveId" clId="{B303C878-8799-4007-876A-6617B70F571A}" dt="2020-12-03T09:58:28.905" v="7875"/>
+          <ac:spMkLst>
+            <pc:docMk/>
+            <pc:sldMk cId="2969362105" sldId="256"/>
+            <ac:spMk id="253" creationId="{EDF352BE-8514-4A70-83C4-5484C428B399}"/>
+          </ac:spMkLst>
+        </pc:spChg>
+        <pc:spChg chg="add del mod">
+          <ac:chgData name="Fatima Pillosu" userId="a6295d4dc9e22643" providerId="LiveId" clId="{B303C878-8799-4007-876A-6617B70F571A}" dt="2020-12-03T09:58:28.905" v="7875"/>
+          <ac:spMkLst>
+            <pc:docMk/>
+            <pc:sldMk cId="2969362105" sldId="256"/>
+            <ac:spMk id="255" creationId="{5A3446FB-9C93-4FF2-8FC3-B3E61C0500E6}"/>
+          </ac:spMkLst>
+        </pc:spChg>
+        <pc:spChg chg="add del mod">
           <ac:chgData name="Fatima Pillosu" userId="a6295d4dc9e22643" providerId="LiveId" clId="{B303C878-8799-4007-876A-6617B70F571A}" dt="2020-12-01T12:45:21.654" v="4996"/>
           <ac:spMkLst>
             <pc:docMk/>
@@ -1720,6 +2498,22 @@
           </ac:spMkLst>
         </pc:spChg>
         <pc:spChg chg="add del mod">
+          <ac:chgData name="Fatima Pillosu" userId="a6295d4dc9e22643" providerId="LiveId" clId="{B303C878-8799-4007-876A-6617B70F571A}" dt="2020-12-03T09:58:28.905" v="7875"/>
+          <ac:spMkLst>
+            <pc:docMk/>
+            <pc:sldMk cId="2969362105" sldId="256"/>
+            <ac:spMk id="256" creationId="{7BF857D7-5F37-4319-AAF0-1E2C8EAE62D2}"/>
+          </ac:spMkLst>
+        </pc:spChg>
+        <pc:spChg chg="add del mod">
+          <ac:chgData name="Fatima Pillosu" userId="a6295d4dc9e22643" providerId="LiveId" clId="{B303C878-8799-4007-876A-6617B70F571A}" dt="2020-12-03T09:58:28.905" v="7875"/>
+          <ac:spMkLst>
+            <pc:docMk/>
+            <pc:sldMk cId="2969362105" sldId="256"/>
+            <ac:spMk id="257" creationId="{36B14897-25DD-46CE-8107-BE0FC993DEF5}"/>
+          </ac:spMkLst>
+        </pc:spChg>
+        <pc:spChg chg="add del mod">
           <ac:chgData name="Fatima Pillosu" userId="a6295d4dc9e22643" providerId="LiveId" clId="{B303C878-8799-4007-876A-6617B70F571A}" dt="2020-12-01T12:45:21.654" v="4996"/>
           <ac:spMkLst>
             <pc:docMk/>
@@ -1736,6 +2530,14 @@
           </ac:spMkLst>
         </pc:spChg>
         <pc:spChg chg="add del mod">
+          <ac:chgData name="Fatima Pillosu" userId="a6295d4dc9e22643" providerId="LiveId" clId="{B303C878-8799-4007-876A-6617B70F571A}" dt="2020-12-03T09:58:28.905" v="7875"/>
+          <ac:spMkLst>
+            <pc:docMk/>
+            <pc:sldMk cId="2969362105" sldId="256"/>
+            <ac:spMk id="258" creationId="{0298E4D2-4E7B-4151-994F-D5FD8D091C86}"/>
+          </ac:spMkLst>
+        </pc:spChg>
+        <pc:spChg chg="add del mod">
           <ac:chgData name="Fatima Pillosu" userId="a6295d4dc9e22643" providerId="LiveId" clId="{B303C878-8799-4007-876A-6617B70F571A}" dt="2020-12-01T11:07:56.148" v="3385"/>
           <ac:spMkLst>
             <pc:docMk/>
@@ -1776,6 +2578,14 @@
           </ac:spMkLst>
         </pc:spChg>
         <pc:spChg chg="add del mod">
+          <ac:chgData name="Fatima Pillosu" userId="a6295d4dc9e22643" providerId="LiveId" clId="{B303C878-8799-4007-876A-6617B70F571A}" dt="2020-12-03T09:58:28.905" v="7875"/>
+          <ac:spMkLst>
+            <pc:docMk/>
+            <pc:sldMk cId="2969362105" sldId="256"/>
+            <ac:spMk id="260" creationId="{9FBD6DF0-5BB9-4C9F-B93B-52DE3ED445C9}"/>
+          </ac:spMkLst>
+        </pc:spChg>
+        <pc:spChg chg="add del mod">
           <ac:chgData name="Fatima Pillosu" userId="a6295d4dc9e22643" providerId="LiveId" clId="{B303C878-8799-4007-876A-6617B70F571A}" dt="2020-12-01T12:45:21.654" v="4996"/>
           <ac:spMkLst>
             <pc:docMk/>
@@ -1784,6 +2594,14 @@
           </ac:spMkLst>
         </pc:spChg>
         <pc:spChg chg="add del mod">
+          <ac:chgData name="Fatima Pillosu" userId="a6295d4dc9e22643" providerId="LiveId" clId="{B303C878-8799-4007-876A-6617B70F571A}" dt="2020-12-03T09:58:28.905" v="7875"/>
+          <ac:spMkLst>
+            <pc:docMk/>
+            <pc:sldMk cId="2969362105" sldId="256"/>
+            <ac:spMk id="263" creationId="{B1087AF6-7507-4AE1-B232-9B07B3B06A50}"/>
+          </ac:spMkLst>
+        </pc:spChg>
+        <pc:spChg chg="add del mod">
           <ac:chgData name="Fatima Pillosu" userId="a6295d4dc9e22643" providerId="LiveId" clId="{B303C878-8799-4007-876A-6617B70F571A}" dt="2020-12-01T12:45:21.654" v="4996"/>
           <ac:spMkLst>
             <pc:docMk/>
@@ -1791,24 +2609,24 @@
             <ac:spMk id="263" creationId="{F94E7BE2-A9CA-474B-85D5-F1B88169F29F}"/>
           </ac:spMkLst>
         </pc:spChg>
-        <pc:spChg chg="add mod">
-          <ac:chgData name="Fatima Pillosu" userId="a6295d4dc9e22643" providerId="LiveId" clId="{B303C878-8799-4007-876A-6617B70F571A}" dt="2020-12-01T12:45:44.848" v="5003" actId="1036"/>
+        <pc:spChg chg="add del mod">
+          <ac:chgData name="Fatima Pillosu" userId="a6295d4dc9e22643" providerId="LiveId" clId="{B303C878-8799-4007-876A-6617B70F571A}" dt="2020-12-03T09:25:58.265" v="7153"/>
           <ac:spMkLst>
             <pc:docMk/>
             <pc:sldMk cId="2969362105" sldId="256"/>
             <ac:spMk id="265" creationId="{BBCEC9F5-2E46-45F5-B8F8-AE181445FC3D}"/>
           </ac:spMkLst>
         </pc:spChg>
-        <pc:spChg chg="add mod">
-          <ac:chgData name="Fatima Pillosu" userId="a6295d4dc9e22643" providerId="LiveId" clId="{B303C878-8799-4007-876A-6617B70F571A}" dt="2020-12-01T12:45:38.708" v="5002" actId="1035"/>
+        <pc:spChg chg="add del mod">
+          <ac:chgData name="Fatima Pillosu" userId="a6295d4dc9e22643" providerId="LiveId" clId="{B303C878-8799-4007-876A-6617B70F571A}" dt="2020-12-03T09:18:29.523" v="6984" actId="478"/>
           <ac:spMkLst>
             <pc:docMk/>
             <pc:sldMk cId="2969362105" sldId="256"/>
             <ac:spMk id="266" creationId="{74524FB7-856F-4C68-B76A-52A55DE02741}"/>
           </ac:spMkLst>
         </pc:spChg>
-        <pc:spChg chg="add mod">
-          <ac:chgData name="Fatima Pillosu" userId="a6295d4dc9e22643" providerId="LiveId" clId="{B303C878-8799-4007-876A-6617B70F571A}" dt="2020-12-01T12:45:38.708" v="5002" actId="1035"/>
+        <pc:spChg chg="add del mod">
+          <ac:chgData name="Fatima Pillosu" userId="a6295d4dc9e22643" providerId="LiveId" clId="{B303C878-8799-4007-876A-6617B70F571A}" dt="2020-12-02T17:01:20.142" v="6141" actId="478"/>
           <ac:spMkLst>
             <pc:docMk/>
             <pc:sldMk cId="2969362105" sldId="256"/>
@@ -1823,8 +2641,8 @@
             <ac:spMk id="268" creationId="{8B2F87D6-05E2-4D7C-BFE9-C020AD3F5D50}"/>
           </ac:spMkLst>
         </pc:spChg>
-        <pc:spChg chg="add mod">
-          <ac:chgData name="Fatima Pillosu" userId="a6295d4dc9e22643" providerId="LiveId" clId="{B303C878-8799-4007-876A-6617B70F571A}" dt="2020-12-01T12:45:38.708" v="5002" actId="1035"/>
+        <pc:spChg chg="add del mod">
+          <ac:chgData name="Fatima Pillosu" userId="a6295d4dc9e22643" providerId="LiveId" clId="{B303C878-8799-4007-876A-6617B70F571A}" dt="2020-12-03T09:25:58.265" v="7153"/>
           <ac:spMkLst>
             <pc:docMk/>
             <pc:sldMk cId="2969362105" sldId="256"/>
@@ -1839,48 +2657,48 @@
             <ac:spMk id="269" creationId="{E77C0BD0-1724-4EBA-A41A-AA618F917039}"/>
           </ac:spMkLst>
         </pc:spChg>
-        <pc:spChg chg="add mod">
-          <ac:chgData name="Fatima Pillosu" userId="a6295d4dc9e22643" providerId="LiveId" clId="{B303C878-8799-4007-876A-6617B70F571A}" dt="2020-12-01T12:45:38.708" v="5002" actId="1035"/>
+        <pc:spChg chg="add del mod">
+          <ac:chgData name="Fatima Pillosu" userId="a6295d4dc9e22643" providerId="LiveId" clId="{B303C878-8799-4007-876A-6617B70F571A}" dt="2020-12-02T16:54:06.226" v="6059" actId="478"/>
           <ac:spMkLst>
             <pc:docMk/>
             <pc:sldMk cId="2969362105" sldId="256"/>
             <ac:spMk id="270" creationId="{58F7A73A-0E22-45E5-9EF0-FC0C44A2D98B}"/>
           </ac:spMkLst>
         </pc:spChg>
-        <pc:spChg chg="add mod">
-          <ac:chgData name="Fatima Pillosu" userId="a6295d4dc9e22643" providerId="LiveId" clId="{B303C878-8799-4007-876A-6617B70F571A}" dt="2020-12-01T12:45:38.708" v="5002" actId="1035"/>
+        <pc:spChg chg="add del mod">
+          <ac:chgData name="Fatima Pillosu" userId="a6295d4dc9e22643" providerId="LiveId" clId="{B303C878-8799-4007-876A-6617B70F571A}" dt="2020-12-03T09:25:58.265" v="7153"/>
           <ac:spMkLst>
             <pc:docMk/>
             <pc:sldMk cId="2969362105" sldId="256"/>
             <ac:spMk id="272" creationId="{CE200B3C-FC65-4245-82B5-9E23715ADD96}"/>
           </ac:spMkLst>
         </pc:spChg>
-        <pc:spChg chg="add mod">
-          <ac:chgData name="Fatima Pillosu" userId="a6295d4dc9e22643" providerId="LiveId" clId="{B303C878-8799-4007-876A-6617B70F571A}" dt="2020-12-01T12:45:38.708" v="5002" actId="1035"/>
+        <pc:spChg chg="add del mod">
+          <ac:chgData name="Fatima Pillosu" userId="a6295d4dc9e22643" providerId="LiveId" clId="{B303C878-8799-4007-876A-6617B70F571A}" dt="2020-12-03T09:25:58.265" v="7153"/>
           <ac:spMkLst>
             <pc:docMk/>
             <pc:sldMk cId="2969362105" sldId="256"/>
             <ac:spMk id="274" creationId="{9FBD6828-15C3-4E4B-A176-6D4A43ED0DAE}"/>
           </ac:spMkLst>
         </pc:spChg>
-        <pc:spChg chg="add mod">
-          <ac:chgData name="Fatima Pillosu" userId="a6295d4dc9e22643" providerId="LiveId" clId="{B303C878-8799-4007-876A-6617B70F571A}" dt="2020-12-01T12:45:38.708" v="5002" actId="1035"/>
+        <pc:spChg chg="add del mod">
+          <ac:chgData name="Fatima Pillosu" userId="a6295d4dc9e22643" providerId="LiveId" clId="{B303C878-8799-4007-876A-6617B70F571A}" dt="2020-12-03T09:25:58.265" v="7153"/>
           <ac:spMkLst>
             <pc:docMk/>
             <pc:sldMk cId="2969362105" sldId="256"/>
             <ac:spMk id="275" creationId="{A2AEB448-4F6C-4193-AC6F-0230FC209869}"/>
           </ac:spMkLst>
         </pc:spChg>
-        <pc:spChg chg="add mod">
-          <ac:chgData name="Fatima Pillosu" userId="a6295d4dc9e22643" providerId="LiveId" clId="{B303C878-8799-4007-876A-6617B70F571A}" dt="2020-12-01T12:45:38.708" v="5002" actId="1035"/>
+        <pc:spChg chg="add del mod">
+          <ac:chgData name="Fatima Pillosu" userId="a6295d4dc9e22643" providerId="LiveId" clId="{B303C878-8799-4007-876A-6617B70F571A}" dt="2020-12-03T09:25:58.265" v="7153"/>
           <ac:spMkLst>
             <pc:docMk/>
             <pc:sldMk cId="2969362105" sldId="256"/>
             <ac:spMk id="277" creationId="{8EA89C0C-4B16-49CC-BEB9-1B5C18494F32}"/>
           </ac:spMkLst>
         </pc:spChg>
-        <pc:spChg chg="add mod">
-          <ac:chgData name="Fatima Pillosu" userId="a6295d4dc9e22643" providerId="LiveId" clId="{B303C878-8799-4007-876A-6617B70F571A}" dt="2020-12-01T12:45:38.708" v="5002" actId="1035"/>
+        <pc:spChg chg="add del mod">
+          <ac:chgData name="Fatima Pillosu" userId="a6295d4dc9e22643" providerId="LiveId" clId="{B303C878-8799-4007-876A-6617B70F571A}" dt="2020-12-03T09:25:58.265" v="7153"/>
           <ac:spMkLst>
             <pc:docMk/>
             <pc:sldMk cId="2969362105" sldId="256"/>
@@ -1895,8 +2713,8 @@
             <ac:spMk id="280" creationId="{1BED721C-6DD7-44C3-A937-476EE4AD45B6}"/>
           </ac:spMkLst>
         </pc:spChg>
-        <pc:spChg chg="add mod">
-          <ac:chgData name="Fatima Pillosu" userId="a6295d4dc9e22643" providerId="LiveId" clId="{B303C878-8799-4007-876A-6617B70F571A}" dt="2020-12-01T12:45:38.708" v="5002" actId="1035"/>
+        <pc:spChg chg="add del mod">
+          <ac:chgData name="Fatima Pillosu" userId="a6295d4dc9e22643" providerId="LiveId" clId="{B303C878-8799-4007-876A-6617B70F571A}" dt="2020-12-03T09:25:58.265" v="7153"/>
           <ac:spMkLst>
             <pc:docMk/>
             <pc:sldMk cId="2969362105" sldId="256"/>
@@ -1919,8 +2737,8 @@
             <ac:spMk id="282" creationId="{573FFD37-247E-4181-8CBC-EE816545AD84}"/>
           </ac:spMkLst>
         </pc:spChg>
-        <pc:spChg chg="add mod">
-          <ac:chgData name="Fatima Pillosu" userId="a6295d4dc9e22643" providerId="LiveId" clId="{B303C878-8799-4007-876A-6617B70F571A}" dt="2020-12-01T12:45:38.708" v="5002" actId="1035"/>
+        <pc:spChg chg="add del mod">
+          <ac:chgData name="Fatima Pillosu" userId="a6295d4dc9e22643" providerId="LiveId" clId="{B303C878-8799-4007-876A-6617B70F571A}" dt="2020-12-03T09:25:58.265" v="7153"/>
           <ac:spMkLst>
             <pc:docMk/>
             <pc:sldMk cId="2969362105" sldId="256"/>
@@ -1943,8 +2761,8 @@
             <ac:spMk id="286" creationId="{DCB9A6A9-77AF-4988-B22A-C3AFB2EE1984}"/>
           </ac:spMkLst>
         </pc:spChg>
-        <pc:spChg chg="add mod">
-          <ac:chgData name="Fatima Pillosu" userId="a6295d4dc9e22643" providerId="LiveId" clId="{B303C878-8799-4007-876A-6617B70F571A}" dt="2020-12-01T12:45:38.708" v="5002" actId="1035"/>
+        <pc:spChg chg="add del mod">
+          <ac:chgData name="Fatima Pillosu" userId="a6295d4dc9e22643" providerId="LiveId" clId="{B303C878-8799-4007-876A-6617B70F571A}" dt="2020-12-03T09:25:58.265" v="7153"/>
           <ac:spMkLst>
             <pc:docMk/>
             <pc:sldMk cId="2969362105" sldId="256"/>
@@ -1959,16 +2777,16 @@
             <ac:spMk id="287" creationId="{F0DBD3D8-48F8-4362-BBFA-31B7A91CD65B}"/>
           </ac:spMkLst>
         </pc:spChg>
-        <pc:spChg chg="add mod">
-          <ac:chgData name="Fatima Pillosu" userId="a6295d4dc9e22643" providerId="LiveId" clId="{B303C878-8799-4007-876A-6617B70F571A}" dt="2020-12-01T12:50:37.264" v="5004" actId="207"/>
+        <pc:spChg chg="add del mod">
+          <ac:chgData name="Fatima Pillosu" userId="a6295d4dc9e22643" providerId="LiveId" clId="{B303C878-8799-4007-876A-6617B70F571A}" dt="2020-12-03T09:25:58.265" v="7153"/>
           <ac:spMkLst>
             <pc:docMk/>
             <pc:sldMk cId="2969362105" sldId="256"/>
             <ac:spMk id="288" creationId="{39E1C81E-A68E-4CEB-9CF9-CBB38E1EAB9B}"/>
           </ac:spMkLst>
         </pc:spChg>
-        <pc:spChg chg="add mod">
-          <ac:chgData name="Fatima Pillosu" userId="a6295d4dc9e22643" providerId="LiveId" clId="{B303C878-8799-4007-876A-6617B70F571A}" dt="2020-12-01T12:45:38.708" v="5002" actId="1035"/>
+        <pc:spChg chg="add del mod">
+          <ac:chgData name="Fatima Pillosu" userId="a6295d4dc9e22643" providerId="LiveId" clId="{B303C878-8799-4007-876A-6617B70F571A}" dt="2020-12-03T09:25:58.265" v="7153"/>
           <ac:spMkLst>
             <pc:docMk/>
             <pc:sldMk cId="2969362105" sldId="256"/>
@@ -1991,16 +2809,16 @@
             <ac:spMk id="291" creationId="{31EC7A67-43F6-457F-A2E2-10B7C2D10ED5}"/>
           </ac:spMkLst>
         </pc:spChg>
-        <pc:spChg chg="add mod">
-          <ac:chgData name="Fatima Pillosu" userId="a6295d4dc9e22643" providerId="LiveId" clId="{B303C878-8799-4007-876A-6617B70F571A}" dt="2020-12-01T12:45:38.708" v="5002" actId="1035"/>
+        <pc:spChg chg="add del mod">
+          <ac:chgData name="Fatima Pillosu" userId="a6295d4dc9e22643" providerId="LiveId" clId="{B303C878-8799-4007-876A-6617B70F571A}" dt="2020-12-03T09:25:58.265" v="7153"/>
           <ac:spMkLst>
             <pc:docMk/>
             <pc:sldMk cId="2969362105" sldId="256"/>
             <ac:spMk id="291" creationId="{EF5A0844-CEAE-44E8-8196-AC0841D0F512}"/>
           </ac:spMkLst>
         </pc:spChg>
-        <pc:spChg chg="add mod">
-          <ac:chgData name="Fatima Pillosu" userId="a6295d4dc9e22643" providerId="LiveId" clId="{B303C878-8799-4007-876A-6617B70F571A}" dt="2020-12-01T12:45:38.708" v="5002" actId="1035"/>
+        <pc:spChg chg="add del mod">
+          <ac:chgData name="Fatima Pillosu" userId="a6295d4dc9e22643" providerId="LiveId" clId="{B303C878-8799-4007-876A-6617B70F571A}" dt="2020-12-03T09:25:58.265" v="7153"/>
           <ac:spMkLst>
             <pc:docMk/>
             <pc:sldMk cId="2969362105" sldId="256"/>
@@ -2015,16 +2833,16 @@
             <ac:spMk id="293" creationId="{40763979-BB20-4163-86D2-2EADE7494E2E}"/>
           </ac:spMkLst>
         </pc:spChg>
-        <pc:spChg chg="add mod">
-          <ac:chgData name="Fatima Pillosu" userId="a6295d4dc9e22643" providerId="LiveId" clId="{B303C878-8799-4007-876A-6617B70F571A}" dt="2020-12-01T12:45:38.708" v="5002" actId="1035"/>
+        <pc:spChg chg="add del mod">
+          <ac:chgData name="Fatima Pillosu" userId="a6295d4dc9e22643" providerId="LiveId" clId="{B303C878-8799-4007-876A-6617B70F571A}" dt="2020-12-03T09:25:58.265" v="7153"/>
           <ac:spMkLst>
             <pc:docMk/>
             <pc:sldMk cId="2969362105" sldId="256"/>
             <ac:spMk id="296" creationId="{E3000998-2486-4D2B-8D55-8590EBA9C3C6}"/>
           </ac:spMkLst>
         </pc:spChg>
-        <pc:spChg chg="add mod">
-          <ac:chgData name="Fatima Pillosu" userId="a6295d4dc9e22643" providerId="LiveId" clId="{B303C878-8799-4007-876A-6617B70F571A}" dt="2020-12-01T12:45:38.708" v="5002" actId="1035"/>
+        <pc:spChg chg="add del mod">
+          <ac:chgData name="Fatima Pillosu" userId="a6295d4dc9e22643" providerId="LiveId" clId="{B303C878-8799-4007-876A-6617B70F571A}" dt="2020-12-03T09:25:58.265" v="7153"/>
           <ac:spMkLst>
             <pc:docMk/>
             <pc:sldMk cId="2969362105" sldId="256"/>
@@ -2039,8 +2857,8 @@
             <ac:spMk id="297" creationId="{5FD1DD5D-B2B2-405C-B53F-DABAF007C75F}"/>
           </ac:spMkLst>
         </pc:spChg>
-        <pc:spChg chg="add mod">
-          <ac:chgData name="Fatima Pillosu" userId="a6295d4dc9e22643" providerId="LiveId" clId="{B303C878-8799-4007-876A-6617B70F571A}" dt="2020-12-01T12:45:38.708" v="5002" actId="1035"/>
+        <pc:spChg chg="add del mod">
+          <ac:chgData name="Fatima Pillosu" userId="a6295d4dc9e22643" providerId="LiveId" clId="{B303C878-8799-4007-876A-6617B70F571A}" dt="2020-12-03T09:25:58.265" v="7153"/>
           <ac:spMkLst>
             <pc:docMk/>
             <pc:sldMk cId="2969362105" sldId="256"/>
@@ -2055,24 +2873,24 @@
             <ac:spMk id="300" creationId="{4B06C039-1C8A-4C6A-B16C-53DC354BBE97}"/>
           </ac:spMkLst>
         </pc:spChg>
-        <pc:spChg chg="add mod">
-          <ac:chgData name="Fatima Pillosu" userId="a6295d4dc9e22643" providerId="LiveId" clId="{B303C878-8799-4007-876A-6617B70F571A}" dt="2020-12-01T12:45:38.708" v="5002" actId="1035"/>
+        <pc:spChg chg="add del mod">
+          <ac:chgData name="Fatima Pillosu" userId="a6295d4dc9e22643" providerId="LiveId" clId="{B303C878-8799-4007-876A-6617B70F571A}" dt="2020-12-02T13:29:15.605" v="5005" actId="478"/>
           <ac:spMkLst>
             <pc:docMk/>
             <pc:sldMk cId="2969362105" sldId="256"/>
             <ac:spMk id="300" creationId="{BE8BCFD1-0565-4726-926E-EB852550DD67}"/>
           </ac:spMkLst>
         </pc:spChg>
-        <pc:spChg chg="add mod">
-          <ac:chgData name="Fatima Pillosu" userId="a6295d4dc9e22643" providerId="LiveId" clId="{B303C878-8799-4007-876A-6617B70F571A}" dt="2020-12-01T12:45:38.708" v="5002" actId="1035"/>
+        <pc:spChg chg="add del mod">
+          <ac:chgData name="Fatima Pillosu" userId="a6295d4dc9e22643" providerId="LiveId" clId="{B303C878-8799-4007-876A-6617B70F571A}" dt="2020-12-03T09:25:58.265" v="7153"/>
           <ac:spMkLst>
             <pc:docMk/>
             <pc:sldMk cId="2969362105" sldId="256"/>
             <ac:spMk id="302" creationId="{D475A319-3FD8-42E1-92AA-B86C5CF7D331}"/>
           </ac:spMkLst>
         </pc:spChg>
-        <pc:spChg chg="add mod">
-          <ac:chgData name="Fatima Pillosu" userId="a6295d4dc9e22643" providerId="LiveId" clId="{B303C878-8799-4007-876A-6617B70F571A}" dt="2020-12-01T12:45:38.708" v="5002" actId="1035"/>
+        <pc:spChg chg="add del mod">
+          <ac:chgData name="Fatima Pillosu" userId="a6295d4dc9e22643" providerId="LiveId" clId="{B303C878-8799-4007-876A-6617B70F571A}" dt="2020-12-03T09:25:58.265" v="7153"/>
           <ac:spMkLst>
             <pc:docMk/>
             <pc:sldMk cId="2969362105" sldId="256"/>
@@ -2087,16 +2905,16 @@
             <ac:spMk id="303" creationId="{50F866E7-DFF9-4B39-96CA-2B5FB90C6BFC}"/>
           </ac:spMkLst>
         </pc:spChg>
-        <pc:spChg chg="add mod">
-          <ac:chgData name="Fatima Pillosu" userId="a6295d4dc9e22643" providerId="LiveId" clId="{B303C878-8799-4007-876A-6617B70F571A}" dt="2020-12-01T12:45:38.708" v="5002" actId="1035"/>
+        <pc:spChg chg="add del mod">
+          <ac:chgData name="Fatima Pillosu" userId="a6295d4dc9e22643" providerId="LiveId" clId="{B303C878-8799-4007-876A-6617B70F571A}" dt="2020-12-03T09:25:58.265" v="7153"/>
           <ac:spMkLst>
             <pc:docMk/>
             <pc:sldMk cId="2969362105" sldId="256"/>
             <ac:spMk id="304" creationId="{7946BFAE-6D41-4881-90FF-90669DF705AB}"/>
           </ac:spMkLst>
         </pc:spChg>
-        <pc:spChg chg="add mod">
-          <ac:chgData name="Fatima Pillosu" userId="a6295d4dc9e22643" providerId="LiveId" clId="{B303C878-8799-4007-876A-6617B70F571A}" dt="2020-12-01T12:45:38.708" v="5002" actId="1035"/>
+        <pc:spChg chg="add del mod">
+          <ac:chgData name="Fatima Pillosu" userId="a6295d4dc9e22643" providerId="LiveId" clId="{B303C878-8799-4007-876A-6617B70F571A}" dt="2020-12-03T09:25:58.265" v="7153"/>
           <ac:spMkLst>
             <pc:docMk/>
             <pc:sldMk cId="2969362105" sldId="256"/>
@@ -2111,16 +2929,16 @@
             <ac:spMk id="306" creationId="{1F2F0735-E5FD-4DEC-B16C-01A79899A46B}"/>
           </ac:spMkLst>
         </pc:spChg>
-        <pc:spChg chg="add mod">
-          <ac:chgData name="Fatima Pillosu" userId="a6295d4dc9e22643" providerId="LiveId" clId="{B303C878-8799-4007-876A-6617B70F571A}" dt="2020-12-01T12:45:38.708" v="5002" actId="1035"/>
+        <pc:spChg chg="add del mod">
+          <ac:chgData name="Fatima Pillosu" userId="a6295d4dc9e22643" providerId="LiveId" clId="{B303C878-8799-4007-876A-6617B70F571A}" dt="2020-12-03T09:25:58.265" v="7153"/>
           <ac:spMkLst>
             <pc:docMk/>
             <pc:sldMk cId="2969362105" sldId="256"/>
             <ac:spMk id="306" creationId="{D4E8D277-3A0D-4F86-92C1-7C4F41DB56AE}"/>
           </ac:spMkLst>
         </pc:spChg>
-        <pc:spChg chg="add mod">
-          <ac:chgData name="Fatima Pillosu" userId="a6295d4dc9e22643" providerId="LiveId" clId="{B303C878-8799-4007-876A-6617B70F571A}" dt="2020-12-01T12:45:38.708" v="5002" actId="1035"/>
+        <pc:spChg chg="add del mod">
+          <ac:chgData name="Fatima Pillosu" userId="a6295d4dc9e22643" providerId="LiveId" clId="{B303C878-8799-4007-876A-6617B70F571A}" dt="2020-12-03T09:25:58.265" v="7153"/>
           <ac:spMkLst>
             <pc:docMk/>
             <pc:sldMk cId="2969362105" sldId="256"/>
@@ -2143,24 +2961,24 @@
             <ac:spMk id="310" creationId="{79919C8B-6DC1-4CBC-AAAB-A0A4A9FF5B56}"/>
           </ac:spMkLst>
         </pc:spChg>
-        <pc:spChg chg="add mod">
-          <ac:chgData name="Fatima Pillosu" userId="a6295d4dc9e22643" providerId="LiveId" clId="{B303C878-8799-4007-876A-6617B70F571A}" dt="2020-12-01T12:45:38.708" v="5002" actId="1035"/>
+        <pc:spChg chg="add del mod">
+          <ac:chgData name="Fatima Pillosu" userId="a6295d4dc9e22643" providerId="LiveId" clId="{B303C878-8799-4007-876A-6617B70F571A}" dt="2020-12-03T09:25:58.265" v="7153"/>
           <ac:spMkLst>
             <pc:docMk/>
             <pc:sldMk cId="2969362105" sldId="256"/>
             <ac:spMk id="311" creationId="{6B3979BA-7712-4709-9029-0DAD87296012}"/>
           </ac:spMkLst>
         </pc:spChg>
-        <pc:spChg chg="add mod">
-          <ac:chgData name="Fatima Pillosu" userId="a6295d4dc9e22643" providerId="LiveId" clId="{B303C878-8799-4007-876A-6617B70F571A}" dt="2020-12-01T12:45:38.708" v="5002" actId="1035"/>
+        <pc:spChg chg="add del mod">
+          <ac:chgData name="Fatima Pillosu" userId="a6295d4dc9e22643" providerId="LiveId" clId="{B303C878-8799-4007-876A-6617B70F571A}" dt="2020-12-02T16:54:05.061" v="6058" actId="478"/>
           <ac:spMkLst>
             <pc:docMk/>
             <pc:sldMk cId="2969362105" sldId="256"/>
             <ac:spMk id="312" creationId="{28C140F9-2A51-4962-B89D-BCF674EBA79D}"/>
           </ac:spMkLst>
         </pc:spChg>
-        <pc:spChg chg="add mod">
-          <ac:chgData name="Fatima Pillosu" userId="a6295d4dc9e22643" providerId="LiveId" clId="{B303C878-8799-4007-876A-6617B70F571A}" dt="2020-12-01T12:50:37.264" v="5004" actId="207"/>
+        <pc:spChg chg="add del mod">
+          <ac:chgData name="Fatima Pillosu" userId="a6295d4dc9e22643" providerId="LiveId" clId="{B303C878-8799-4007-876A-6617B70F571A}" dt="2020-12-03T09:25:58.265" v="7153"/>
           <ac:spMkLst>
             <pc:docMk/>
             <pc:sldMk cId="2969362105" sldId="256"/>
@@ -2175,32 +2993,32 @@
             <ac:spMk id="314" creationId="{3760AB98-B2C5-4E98-911F-CAE1838608DC}"/>
           </ac:spMkLst>
         </pc:spChg>
-        <pc:spChg chg="add mod">
-          <ac:chgData name="Fatima Pillosu" userId="a6295d4dc9e22643" providerId="LiveId" clId="{B303C878-8799-4007-876A-6617B70F571A}" dt="2020-12-01T12:45:38.708" v="5002" actId="1035"/>
+        <pc:spChg chg="add del mod">
+          <ac:chgData name="Fatima Pillosu" userId="a6295d4dc9e22643" providerId="LiveId" clId="{B303C878-8799-4007-876A-6617B70F571A}" dt="2020-12-03T09:25:58.265" v="7153"/>
           <ac:spMkLst>
             <pc:docMk/>
             <pc:sldMk cId="2969362105" sldId="256"/>
             <ac:spMk id="314" creationId="{D4CCE2B4-693F-4FDC-88F0-3DE487922A31}"/>
           </ac:spMkLst>
         </pc:spChg>
-        <pc:spChg chg="add mod">
-          <ac:chgData name="Fatima Pillosu" userId="a6295d4dc9e22643" providerId="LiveId" clId="{B303C878-8799-4007-876A-6617B70F571A}" dt="2020-12-01T12:50:37.264" v="5004" actId="207"/>
+        <pc:spChg chg="add del mod">
+          <ac:chgData name="Fatima Pillosu" userId="a6295d4dc9e22643" providerId="LiveId" clId="{B303C878-8799-4007-876A-6617B70F571A}" dt="2020-12-03T09:25:58.265" v="7153"/>
           <ac:spMkLst>
             <pc:docMk/>
             <pc:sldMk cId="2969362105" sldId="256"/>
             <ac:spMk id="315" creationId="{AB04B315-11F6-42A6-8270-B4B7D5915257}"/>
           </ac:spMkLst>
         </pc:spChg>
-        <pc:spChg chg="add mod">
-          <ac:chgData name="Fatima Pillosu" userId="a6295d4dc9e22643" providerId="LiveId" clId="{B303C878-8799-4007-876A-6617B70F571A}" dt="2020-12-01T12:45:38.708" v="5002" actId="1035"/>
+        <pc:spChg chg="add del mod">
+          <ac:chgData name="Fatima Pillosu" userId="a6295d4dc9e22643" providerId="LiveId" clId="{B303C878-8799-4007-876A-6617B70F571A}" dt="2020-12-03T09:25:58.265" v="7153"/>
           <ac:spMkLst>
             <pc:docMk/>
             <pc:sldMk cId="2969362105" sldId="256"/>
             <ac:spMk id="316" creationId="{F7A72E84-50FD-4F8C-B003-B9FC56519677}"/>
           </ac:spMkLst>
         </pc:spChg>
-        <pc:spChg chg="add mod">
-          <ac:chgData name="Fatima Pillosu" userId="a6295d4dc9e22643" providerId="LiveId" clId="{B303C878-8799-4007-876A-6617B70F571A}" dt="2020-12-01T12:45:38.708" v="5002" actId="1035"/>
+        <pc:spChg chg="add del mod">
+          <ac:chgData name="Fatima Pillosu" userId="a6295d4dc9e22643" providerId="LiveId" clId="{B303C878-8799-4007-876A-6617B70F571A}" dt="2020-12-03T09:25:58.265" v="7153"/>
           <ac:spMkLst>
             <pc:docMk/>
             <pc:sldMk cId="2969362105" sldId="256"/>
@@ -2215,6 +3033,22 @@
             <ac:spMk id="319" creationId="{09F38C64-5E9F-4EB4-AE69-DCD0441F1889}"/>
           </ac:spMkLst>
         </pc:spChg>
+        <pc:spChg chg="add del mod">
+          <ac:chgData name="Fatima Pillosu" userId="a6295d4dc9e22643" providerId="LiveId" clId="{B303C878-8799-4007-876A-6617B70F571A}" dt="2020-12-03T09:58:28.905" v="7875"/>
+          <ac:spMkLst>
+            <pc:docMk/>
+            <pc:sldMk cId="2969362105" sldId="256"/>
+            <ac:spMk id="319" creationId="{E034B88A-1D6D-4758-A100-C75BF6ED2C45}"/>
+          </ac:spMkLst>
+        </pc:spChg>
+        <pc:spChg chg="add del mod">
+          <ac:chgData name="Fatima Pillosu" userId="a6295d4dc9e22643" providerId="LiveId" clId="{B303C878-8799-4007-876A-6617B70F571A}" dt="2020-12-03T09:58:28.905" v="7875"/>
+          <ac:spMkLst>
+            <pc:docMk/>
+            <pc:sldMk cId="2969362105" sldId="256"/>
+            <ac:spMk id="321" creationId="{58A9F83F-4B7D-48E1-8137-37BB7F2C92D7}"/>
+          </ac:spMkLst>
+        </pc:spChg>
         <pc:spChg chg="del mod topLvl">
           <ac:chgData name="Fatima Pillosu" userId="a6295d4dc9e22643" providerId="LiveId" clId="{B303C878-8799-4007-876A-6617B70F571A}" dt="2020-12-01T11:10:09.564" v="3469"/>
           <ac:spMkLst>
@@ -2223,6 +3057,14 @@
             <ac:spMk id="321" creationId="{61B129BB-DB6C-4D36-94CE-54096783915A}"/>
           </ac:spMkLst>
         </pc:spChg>
+        <pc:spChg chg="add del mod">
+          <ac:chgData name="Fatima Pillosu" userId="a6295d4dc9e22643" providerId="LiveId" clId="{B303C878-8799-4007-876A-6617B70F571A}" dt="2020-12-03T09:58:28.905" v="7875"/>
+          <ac:spMkLst>
+            <pc:docMk/>
+            <pc:sldMk cId="2969362105" sldId="256"/>
+            <ac:spMk id="323" creationId="{5C2A1640-F8DD-419B-A256-9238E1142A6D}"/>
+          </ac:spMkLst>
+        </pc:spChg>
         <pc:spChg chg="del mod topLvl">
           <ac:chgData name="Fatima Pillosu" userId="a6295d4dc9e22643" providerId="LiveId" clId="{B303C878-8799-4007-876A-6617B70F571A}" dt="2020-12-01T11:10:09.564" v="3469"/>
           <ac:spMkLst>
@@ -2231,6 +3073,30 @@
             <ac:spMk id="323" creationId="{F445F14E-4316-4EC6-BB3F-2B7534D56A06}"/>
           </ac:spMkLst>
         </pc:spChg>
+        <pc:spChg chg="add del mod">
+          <ac:chgData name="Fatima Pillosu" userId="a6295d4dc9e22643" providerId="LiveId" clId="{B303C878-8799-4007-876A-6617B70F571A}" dt="2020-12-03T09:58:28.905" v="7875"/>
+          <ac:spMkLst>
+            <pc:docMk/>
+            <pc:sldMk cId="2969362105" sldId="256"/>
+            <ac:spMk id="324" creationId="{C10F6ADA-4792-4CEE-88CC-41BDCD959CDA}"/>
+          </ac:spMkLst>
+        </pc:spChg>
+        <pc:spChg chg="add del mod">
+          <ac:chgData name="Fatima Pillosu" userId="a6295d4dc9e22643" providerId="LiveId" clId="{B303C878-8799-4007-876A-6617B70F571A}" dt="2020-12-03T09:58:28.905" v="7875"/>
+          <ac:spMkLst>
+            <pc:docMk/>
+            <pc:sldMk cId="2969362105" sldId="256"/>
+            <ac:spMk id="325" creationId="{DA20CB41-5832-4118-AA51-BFB3A916E6F0}"/>
+          </ac:spMkLst>
+        </pc:spChg>
+        <pc:spChg chg="add del mod">
+          <ac:chgData name="Fatima Pillosu" userId="a6295d4dc9e22643" providerId="LiveId" clId="{B303C878-8799-4007-876A-6617B70F571A}" dt="2020-12-03T09:58:28.905" v="7875"/>
+          <ac:spMkLst>
+            <pc:docMk/>
+            <pc:sldMk cId="2969362105" sldId="256"/>
+            <ac:spMk id="326" creationId="{A3EF16FC-9DC8-4D62-9F90-B606CCE874B5}"/>
+          </ac:spMkLst>
+        </pc:spChg>
         <pc:spChg chg="del mod topLvl">
           <ac:chgData name="Fatima Pillosu" userId="a6295d4dc9e22643" providerId="LiveId" clId="{B303C878-8799-4007-876A-6617B70F571A}" dt="2020-12-01T11:10:09.564" v="3469"/>
           <ac:spMkLst>
@@ -2239,6 +3105,22 @@
             <ac:spMk id="326" creationId="{A9F84BAB-C5E8-4D29-9FB9-DD8C3F322FBC}"/>
           </ac:spMkLst>
         </pc:spChg>
+        <pc:spChg chg="add del mod">
+          <ac:chgData name="Fatima Pillosu" userId="a6295d4dc9e22643" providerId="LiveId" clId="{B303C878-8799-4007-876A-6617B70F571A}" dt="2020-12-03T09:58:28.905" v="7875"/>
+          <ac:spMkLst>
+            <pc:docMk/>
+            <pc:sldMk cId="2969362105" sldId="256"/>
+            <ac:spMk id="327" creationId="{2FCA9152-CA52-4ED8-AC6F-1E235DFCBAFA}"/>
+          </ac:spMkLst>
+        </pc:spChg>
+        <pc:spChg chg="add del mod">
+          <ac:chgData name="Fatima Pillosu" userId="a6295d4dc9e22643" providerId="LiveId" clId="{B303C878-8799-4007-876A-6617B70F571A}" dt="2020-12-03T09:58:28.905" v="7875"/>
+          <ac:spMkLst>
+            <pc:docMk/>
+            <pc:sldMk cId="2969362105" sldId="256"/>
+            <ac:spMk id="328" creationId="{62A62DD7-1762-4CD7-85E3-FE2084AC4AC1}"/>
+          </ac:spMkLst>
+        </pc:spChg>
         <pc:spChg chg="del mod topLvl">
           <ac:chgData name="Fatima Pillosu" userId="a6295d4dc9e22643" providerId="LiveId" clId="{B303C878-8799-4007-876A-6617B70F571A}" dt="2020-12-01T11:10:09.564" v="3469"/>
           <ac:spMkLst>
@@ -2255,6 +3137,14 @@
             <ac:spMk id="329" creationId="{6A02B715-5EC6-4AE1-AD20-B1C4D97D0D7B}"/>
           </ac:spMkLst>
         </pc:spChg>
+        <pc:spChg chg="add del mod">
+          <ac:chgData name="Fatima Pillosu" userId="a6295d4dc9e22643" providerId="LiveId" clId="{B303C878-8799-4007-876A-6617B70F571A}" dt="2020-12-03T09:58:28.905" v="7875"/>
+          <ac:spMkLst>
+            <pc:docMk/>
+            <pc:sldMk cId="2969362105" sldId="256"/>
+            <ac:spMk id="332" creationId="{43FB1A1C-9895-4498-BC74-DFC7EA76FC0C}"/>
+          </ac:spMkLst>
+        </pc:spChg>
         <pc:spChg chg="del mod topLvl">
           <ac:chgData name="Fatima Pillosu" userId="a6295d4dc9e22643" providerId="LiveId" clId="{B303C878-8799-4007-876A-6617B70F571A}" dt="2020-12-01T11:10:09.564" v="3469"/>
           <ac:spMkLst>
@@ -2272,6 +3162,22 @@
           </ac:spMkLst>
         </pc:spChg>
         <pc:spChg chg="add del mod">
+          <ac:chgData name="Fatima Pillosu" userId="a6295d4dc9e22643" providerId="LiveId" clId="{B303C878-8799-4007-876A-6617B70F571A}" dt="2020-12-03T09:58:28.905" v="7875"/>
+          <ac:spMkLst>
+            <pc:docMk/>
+            <pc:sldMk cId="2969362105" sldId="256"/>
+            <ac:spMk id="333" creationId="{842B5DA8-D025-4C2D-B2F2-02C8C497D369}"/>
+          </ac:spMkLst>
+        </pc:spChg>
+        <pc:spChg chg="add del mod">
+          <ac:chgData name="Fatima Pillosu" userId="a6295d4dc9e22643" providerId="LiveId" clId="{B303C878-8799-4007-876A-6617B70F571A}" dt="2020-12-03T09:58:28.905" v="7875"/>
+          <ac:spMkLst>
+            <pc:docMk/>
+            <pc:sldMk cId="2969362105" sldId="256"/>
+            <ac:spMk id="334" creationId="{575AF6C3-6176-4AE8-8428-BFF350EA7668}"/>
+          </ac:spMkLst>
+        </pc:spChg>
+        <pc:spChg chg="add del mod">
           <ac:chgData name="Fatima Pillosu" userId="a6295d4dc9e22643" providerId="LiveId" clId="{B303C878-8799-4007-876A-6617B70F571A}" dt="2020-12-01T11:10:09.564" v="3469"/>
           <ac:spMkLst>
             <pc:docMk/>
@@ -2280,11 +3186,35 @@
           </ac:spMkLst>
         </pc:spChg>
         <pc:spChg chg="add del mod">
+          <ac:chgData name="Fatima Pillosu" userId="a6295d4dc9e22643" providerId="LiveId" clId="{B303C878-8799-4007-876A-6617B70F571A}" dt="2020-12-03T09:58:28.905" v="7875"/>
+          <ac:spMkLst>
+            <pc:docMk/>
+            <pc:sldMk cId="2969362105" sldId="256"/>
+            <ac:spMk id="335" creationId="{D45350AB-0E54-4513-89DA-7297BE6296EE}"/>
+          </ac:spMkLst>
+        </pc:spChg>
+        <pc:spChg chg="add del mod">
           <ac:chgData name="Fatima Pillosu" userId="a6295d4dc9e22643" providerId="LiveId" clId="{B303C878-8799-4007-876A-6617B70F571A}" dt="2020-12-01T11:10:09.564" v="3469"/>
           <ac:spMkLst>
             <pc:docMk/>
             <pc:sldMk cId="2969362105" sldId="256"/>
             <ac:spMk id="335" creationId="{FFCA0466-FE6E-4DFC-A808-00D2B8F5D1E2}"/>
+          </ac:spMkLst>
+        </pc:spChg>
+        <pc:spChg chg="add del mod">
+          <ac:chgData name="Fatima Pillosu" userId="a6295d4dc9e22643" providerId="LiveId" clId="{B303C878-8799-4007-876A-6617B70F571A}" dt="2020-12-03T09:58:28.905" v="7875"/>
+          <ac:spMkLst>
+            <pc:docMk/>
+            <pc:sldMk cId="2969362105" sldId="256"/>
+            <ac:spMk id="336" creationId="{43903AAB-11A5-4A6E-BDEB-1D3CA1815B8A}"/>
+          </ac:spMkLst>
+        </pc:spChg>
+        <pc:spChg chg="add del mod">
+          <ac:chgData name="Fatima Pillosu" userId="a6295d4dc9e22643" providerId="LiveId" clId="{B303C878-8799-4007-876A-6617B70F571A}" dt="2020-12-03T09:58:28.905" v="7875"/>
+          <ac:spMkLst>
+            <pc:docMk/>
+            <pc:sldMk cId="2969362105" sldId="256"/>
+            <ac:spMk id="338" creationId="{B4B9F3B5-74EF-42A4-9BB5-3A71313F9502}"/>
           </ac:spMkLst>
         </pc:spChg>
         <pc:spChg chg="del mod topLvl">
@@ -2295,6 +3225,22 @@
             <ac:spMk id="338" creationId="{CF1B162F-20BD-4226-9264-F6C1562CF308}"/>
           </ac:spMkLst>
         </pc:spChg>
+        <pc:spChg chg="add del mod">
+          <ac:chgData name="Fatima Pillosu" userId="a6295d4dc9e22643" providerId="LiveId" clId="{B303C878-8799-4007-876A-6617B70F571A}" dt="2020-12-03T09:58:28.905" v="7875"/>
+          <ac:spMkLst>
+            <pc:docMk/>
+            <pc:sldMk cId="2969362105" sldId="256"/>
+            <ac:spMk id="339" creationId="{A876F7C7-F9AC-4A35-B820-63B06105E998}"/>
+          </ac:spMkLst>
+        </pc:spChg>
+        <pc:spChg chg="add del mod">
+          <ac:chgData name="Fatima Pillosu" userId="a6295d4dc9e22643" providerId="LiveId" clId="{B303C878-8799-4007-876A-6617B70F571A}" dt="2020-12-03T09:58:28.905" v="7875"/>
+          <ac:spMkLst>
+            <pc:docMk/>
+            <pc:sldMk cId="2969362105" sldId="256"/>
+            <ac:spMk id="340" creationId="{B63F85BE-B7AF-40E3-9266-12DF910136AE}"/>
+          </ac:spMkLst>
+        </pc:spChg>
         <pc:spChg chg="del mod topLvl">
           <ac:chgData name="Fatima Pillosu" userId="a6295d4dc9e22643" providerId="LiveId" clId="{B303C878-8799-4007-876A-6617B70F571A}" dt="2020-12-01T11:10:09.564" v="3469"/>
           <ac:spMkLst>
@@ -2303,6 +3249,14 @@
             <ac:spMk id="340" creationId="{EB8A5ED2-121B-434E-80DF-7C41E21EC975}"/>
           </ac:spMkLst>
         </pc:spChg>
+        <pc:spChg chg="add del mod">
+          <ac:chgData name="Fatima Pillosu" userId="a6295d4dc9e22643" providerId="LiveId" clId="{B303C878-8799-4007-876A-6617B70F571A}" dt="2020-12-03T09:58:28.905" v="7875"/>
+          <ac:spMkLst>
+            <pc:docMk/>
+            <pc:sldMk cId="2969362105" sldId="256"/>
+            <ac:spMk id="341" creationId="{1144691B-94CC-40B8-9657-CCDBB90000EF}"/>
+          </ac:spMkLst>
+        </pc:spChg>
         <pc:spChg chg="del mod topLvl">
           <ac:chgData name="Fatima Pillosu" userId="a6295d4dc9e22643" providerId="LiveId" clId="{B303C878-8799-4007-876A-6617B70F571A}" dt="2020-12-01T11:10:09.564" v="3469"/>
           <ac:spMkLst>
@@ -2311,6 +3265,30 @@
             <ac:spMk id="341" creationId="{71AAC0E4-639F-493E-A945-91EC2C91C590}"/>
           </ac:spMkLst>
         </pc:spChg>
+        <pc:spChg chg="add del mod">
+          <ac:chgData name="Fatima Pillosu" userId="a6295d4dc9e22643" providerId="LiveId" clId="{B303C878-8799-4007-876A-6617B70F571A}" dt="2020-12-03T09:58:28.905" v="7875"/>
+          <ac:spMkLst>
+            <pc:docMk/>
+            <pc:sldMk cId="2969362105" sldId="256"/>
+            <ac:spMk id="342" creationId="{5BE20E9A-DC63-46E9-BC94-043574B3E017}"/>
+          </ac:spMkLst>
+        </pc:spChg>
+        <pc:spChg chg="add del mod">
+          <ac:chgData name="Fatima Pillosu" userId="a6295d4dc9e22643" providerId="LiveId" clId="{B303C878-8799-4007-876A-6617B70F571A}" dt="2020-12-03T09:58:28.905" v="7875"/>
+          <ac:spMkLst>
+            <pc:docMk/>
+            <pc:sldMk cId="2969362105" sldId="256"/>
+            <ac:spMk id="343" creationId="{D46B96D2-B2F2-4544-A495-D1DBCCD76919}"/>
+          </ac:spMkLst>
+        </pc:spChg>
+        <pc:spChg chg="add del mod">
+          <ac:chgData name="Fatima Pillosu" userId="a6295d4dc9e22643" providerId="LiveId" clId="{B303C878-8799-4007-876A-6617B70F571A}" dt="2020-12-03T09:58:28.905" v="7875"/>
+          <ac:spMkLst>
+            <pc:docMk/>
+            <pc:sldMk cId="2969362105" sldId="256"/>
+            <ac:spMk id="344" creationId="{2FF45C76-3867-478E-8E2E-FD6A22D9D4D8}"/>
+          </ac:spMkLst>
+        </pc:spChg>
         <pc:spChg chg="del mod topLvl">
           <ac:chgData name="Fatima Pillosu" userId="a6295d4dc9e22643" providerId="LiveId" clId="{B303C878-8799-4007-876A-6617B70F571A}" dt="2020-12-01T11:10:09.564" v="3469"/>
           <ac:spMkLst>
@@ -2328,6 +3306,54 @@
           </ac:spMkLst>
         </pc:spChg>
         <pc:spChg chg="add del mod">
+          <ac:chgData name="Fatima Pillosu" userId="a6295d4dc9e22643" providerId="LiveId" clId="{B303C878-8799-4007-876A-6617B70F571A}" dt="2020-12-03T09:58:28.905" v="7875"/>
+          <ac:spMkLst>
+            <pc:docMk/>
+            <pc:sldMk cId="2969362105" sldId="256"/>
+            <ac:spMk id="345" creationId="{20E4E409-624B-4432-B187-79C205FE46BD}"/>
+          </ac:spMkLst>
+        </pc:spChg>
+        <pc:spChg chg="add del mod">
+          <ac:chgData name="Fatima Pillosu" userId="a6295d4dc9e22643" providerId="LiveId" clId="{B303C878-8799-4007-876A-6617B70F571A}" dt="2020-12-03T09:58:28.905" v="7875"/>
+          <ac:spMkLst>
+            <pc:docMk/>
+            <pc:sldMk cId="2969362105" sldId="256"/>
+            <ac:spMk id="346" creationId="{4395BDC2-7CBE-4DAE-986B-42A4F215FC49}"/>
+          </ac:spMkLst>
+        </pc:spChg>
+        <pc:spChg chg="add del mod">
+          <ac:chgData name="Fatima Pillosu" userId="a6295d4dc9e22643" providerId="LiveId" clId="{B303C878-8799-4007-876A-6617B70F571A}" dt="2020-12-03T09:58:28.905" v="7875"/>
+          <ac:spMkLst>
+            <pc:docMk/>
+            <pc:sldMk cId="2969362105" sldId="256"/>
+            <ac:spMk id="347" creationId="{03BEE3A4-3370-4BE0-9729-1F505AECC8DC}"/>
+          </ac:spMkLst>
+        </pc:spChg>
+        <pc:spChg chg="add del">
+          <ac:chgData name="Fatima Pillosu" userId="a6295d4dc9e22643" providerId="LiveId" clId="{B303C878-8799-4007-876A-6617B70F571A}" dt="2020-12-03T09:58:16.803" v="7869"/>
+          <ac:spMkLst>
+            <pc:docMk/>
+            <pc:sldMk cId="2969362105" sldId="256"/>
+            <ac:spMk id="349" creationId="{E0E43537-D803-4903-8CD1-15A18AFE71B8}"/>
+          </ac:spMkLst>
+        </pc:spChg>
+        <pc:spChg chg="add del">
+          <ac:chgData name="Fatima Pillosu" userId="a6295d4dc9e22643" providerId="LiveId" clId="{B303C878-8799-4007-876A-6617B70F571A}" dt="2020-12-03T09:58:16.803" v="7869"/>
+          <ac:spMkLst>
+            <pc:docMk/>
+            <pc:sldMk cId="2969362105" sldId="256"/>
+            <ac:spMk id="351" creationId="{4EAE1C7D-3DD8-45B0-ADE3-28BC67F8E0F0}"/>
+          </ac:spMkLst>
+        </pc:spChg>
+        <pc:spChg chg="add del">
+          <ac:chgData name="Fatima Pillosu" userId="a6295d4dc9e22643" providerId="LiveId" clId="{B303C878-8799-4007-876A-6617B70F571A}" dt="2020-12-03T09:58:16.803" v="7869"/>
+          <ac:spMkLst>
+            <pc:docMk/>
+            <pc:sldMk cId="2969362105" sldId="256"/>
+            <ac:spMk id="353" creationId="{43C975CC-9685-4486-943B-1C1F5DB45860}"/>
+          </ac:spMkLst>
+        </pc:spChg>
+        <pc:spChg chg="add del mod">
           <ac:chgData name="Fatima Pillosu" userId="a6295d4dc9e22643" providerId="LiveId" clId="{B303C878-8799-4007-876A-6617B70F571A}" dt="2020-12-01T11:10:46.684" v="3477"/>
           <ac:spMkLst>
             <pc:docMk/>
@@ -2351,6 +3377,22 @@
             <ac:spMk id="355" creationId="{1FA3C503-B408-4595-AD6E-A96CB271A7DB}"/>
           </ac:spMkLst>
         </pc:spChg>
+        <pc:spChg chg="add del">
+          <ac:chgData name="Fatima Pillosu" userId="a6295d4dc9e22643" providerId="LiveId" clId="{B303C878-8799-4007-876A-6617B70F571A}" dt="2020-12-03T09:58:16.803" v="7869"/>
+          <ac:spMkLst>
+            <pc:docMk/>
+            <pc:sldMk cId="2969362105" sldId="256"/>
+            <ac:spMk id="355" creationId="{F005FD7F-4931-454B-A49E-8C4F1DF0DEAB}"/>
+          </ac:spMkLst>
+        </pc:spChg>
+        <pc:spChg chg="add del">
+          <ac:chgData name="Fatima Pillosu" userId="a6295d4dc9e22643" providerId="LiveId" clId="{B303C878-8799-4007-876A-6617B70F571A}" dt="2020-12-03T09:58:16.803" v="7869"/>
+          <ac:spMkLst>
+            <pc:docMk/>
+            <pc:sldMk cId="2969362105" sldId="256"/>
+            <ac:spMk id="356" creationId="{4B1D9A19-DD97-4BA3-AEE7-09FAD006D59A}"/>
+          </ac:spMkLst>
+        </pc:spChg>
         <pc:spChg chg="add del mod">
           <ac:chgData name="Fatima Pillosu" userId="a6295d4dc9e22643" providerId="LiveId" clId="{B303C878-8799-4007-876A-6617B70F571A}" dt="2020-12-01T11:10:46.684" v="3477"/>
           <ac:spMkLst>
@@ -2367,6 +3409,14 @@
             <ac:spMk id="358" creationId="{A6573855-790E-4597-97E7-0F80F3B78106}"/>
           </ac:spMkLst>
         </pc:spChg>
+        <pc:spChg chg="add del">
+          <ac:chgData name="Fatima Pillosu" userId="a6295d4dc9e22643" providerId="LiveId" clId="{B303C878-8799-4007-876A-6617B70F571A}" dt="2020-12-03T09:58:16.803" v="7869"/>
+          <ac:spMkLst>
+            <pc:docMk/>
+            <pc:sldMk cId="2969362105" sldId="256"/>
+            <ac:spMk id="358" creationId="{E8C42DCF-732D-43BD-B9FE-450A035D70D3}"/>
+          </ac:spMkLst>
+        </pc:spChg>
         <pc:spChg chg="add del mod">
           <ac:chgData name="Fatima Pillosu" userId="a6295d4dc9e22643" providerId="LiveId" clId="{B303C878-8799-4007-876A-6617B70F571A}" dt="2020-12-01T11:10:46.684" v="3477"/>
           <ac:spMkLst>
@@ -2375,6 +3425,14 @@
             <ac:spMk id="359" creationId="{89B4AF21-4A09-407C-9CAA-4D19C081DE09}"/>
           </ac:spMkLst>
         </pc:spChg>
+        <pc:spChg chg="add del">
+          <ac:chgData name="Fatima Pillosu" userId="a6295d4dc9e22643" providerId="LiveId" clId="{B303C878-8799-4007-876A-6617B70F571A}" dt="2020-12-03T09:58:16.803" v="7869"/>
+          <ac:spMkLst>
+            <pc:docMk/>
+            <pc:sldMk cId="2969362105" sldId="256"/>
+            <ac:spMk id="359" creationId="{F7B86634-B59F-4A62-8D99-7C895279729D}"/>
+          </ac:spMkLst>
+        </pc:spChg>
         <pc:spChg chg="add del mod">
           <ac:chgData name="Fatima Pillosu" userId="a6295d4dc9e22643" providerId="LiveId" clId="{B303C878-8799-4007-876A-6617B70F571A}" dt="2020-12-01T11:10:46.684" v="3477"/>
           <ac:spMkLst>
@@ -2383,6 +3441,14 @@
             <ac:spMk id="361" creationId="{FB432B1B-37EC-4E27-8159-AD460B9FB846}"/>
           </ac:spMkLst>
         </pc:spChg>
+        <pc:spChg chg="add del">
+          <ac:chgData name="Fatima Pillosu" userId="a6295d4dc9e22643" providerId="LiveId" clId="{B303C878-8799-4007-876A-6617B70F571A}" dt="2020-12-03T09:58:16.803" v="7869"/>
+          <ac:spMkLst>
+            <pc:docMk/>
+            <pc:sldMk cId="2969362105" sldId="256"/>
+            <ac:spMk id="362" creationId="{05EBD8D8-D43A-494F-B19B-4BDE4B38D354}"/>
+          </ac:spMkLst>
+        </pc:spChg>
         <pc:spChg chg="add del mod">
           <ac:chgData name="Fatima Pillosu" userId="a6295d4dc9e22643" providerId="LiveId" clId="{B303C878-8799-4007-876A-6617B70F571A}" dt="2020-12-01T11:10:46.684" v="3477"/>
           <ac:spMkLst>
@@ -2407,6 +3473,14 @@
             <ac:spMk id="366" creationId="{75947C78-25D7-4781-BF5D-6970B45E589E}"/>
           </ac:spMkLst>
         </pc:spChg>
+        <pc:spChg chg="add del">
+          <ac:chgData name="Fatima Pillosu" userId="a6295d4dc9e22643" providerId="LiveId" clId="{B303C878-8799-4007-876A-6617B70F571A}" dt="2020-12-03T09:58:16.803" v="7869"/>
+          <ac:spMkLst>
+            <pc:docMk/>
+            <pc:sldMk cId="2969362105" sldId="256"/>
+            <ac:spMk id="366" creationId="{AE20ECEA-46AD-44CD-B5EF-1C3AFE137117}"/>
+          </ac:spMkLst>
+        </pc:spChg>
         <pc:spChg chg="add del mod">
           <ac:chgData name="Fatima Pillosu" userId="a6295d4dc9e22643" providerId="LiveId" clId="{B303C878-8799-4007-876A-6617B70F571A}" dt="2020-12-01T11:10:46.684" v="3477"/>
           <ac:spMkLst>
@@ -2415,6 +3489,30 @@
             <ac:spMk id="368" creationId="{7B2CF29B-78BA-4F1F-B104-F56E5EF01323}"/>
           </ac:spMkLst>
         </pc:spChg>
+        <pc:spChg chg="add del">
+          <ac:chgData name="Fatima Pillosu" userId="a6295d4dc9e22643" providerId="LiveId" clId="{B303C878-8799-4007-876A-6617B70F571A}" dt="2020-12-03T09:58:16.803" v="7869"/>
+          <ac:spMkLst>
+            <pc:docMk/>
+            <pc:sldMk cId="2969362105" sldId="256"/>
+            <ac:spMk id="368" creationId="{C194554D-C625-40DF-AD79-1A0CC0D9A265}"/>
+          </ac:spMkLst>
+        </pc:spChg>
+        <pc:spChg chg="add del">
+          <ac:chgData name="Fatima Pillosu" userId="a6295d4dc9e22643" providerId="LiveId" clId="{B303C878-8799-4007-876A-6617B70F571A}" dt="2020-12-03T09:58:16.803" v="7869"/>
+          <ac:spMkLst>
+            <pc:docMk/>
+            <pc:sldMk cId="2969362105" sldId="256"/>
+            <ac:spMk id="369" creationId="{D6569E73-05F2-43DC-B988-8BBAAB067EFC}"/>
+          </ac:spMkLst>
+        </pc:spChg>
+        <pc:spChg chg="add del">
+          <ac:chgData name="Fatima Pillosu" userId="a6295d4dc9e22643" providerId="LiveId" clId="{B303C878-8799-4007-876A-6617B70F571A}" dt="2020-12-03T09:58:16.803" v="7869"/>
+          <ac:spMkLst>
+            <pc:docMk/>
+            <pc:sldMk cId="2969362105" sldId="256"/>
+            <ac:spMk id="370" creationId="{A5704B07-5C6B-4791-BD9F-6A2DF0352342}"/>
+          </ac:spMkLst>
+        </pc:spChg>
         <pc:spChg chg="add del mod">
           <ac:chgData name="Fatima Pillosu" userId="a6295d4dc9e22643" providerId="LiveId" clId="{B303C878-8799-4007-876A-6617B70F571A}" dt="2020-12-01T11:10:46.684" v="3477"/>
           <ac:spMkLst>
@@ -2423,6 +3521,14 @@
             <ac:spMk id="370" creationId="{FDF33525-B0DC-464A-BAEC-C6D779AC1FFA}"/>
           </ac:spMkLst>
         </pc:spChg>
+        <pc:spChg chg="add del">
+          <ac:chgData name="Fatima Pillosu" userId="a6295d4dc9e22643" providerId="LiveId" clId="{B303C878-8799-4007-876A-6617B70F571A}" dt="2020-12-03T09:58:16.803" v="7869"/>
+          <ac:spMkLst>
+            <pc:docMk/>
+            <pc:sldMk cId="2969362105" sldId="256"/>
+            <ac:spMk id="371" creationId="{37A02BAC-BC5D-444A-8017-B52F265D9059}"/>
+          </ac:spMkLst>
+        </pc:spChg>
         <pc:spChg chg="add del mod">
           <ac:chgData name="Fatima Pillosu" userId="a6295d4dc9e22643" providerId="LiveId" clId="{B303C878-8799-4007-876A-6617B70F571A}" dt="2020-12-01T11:10:46.684" v="3477"/>
           <ac:spMkLst>
@@ -2431,6 +3537,14 @@
             <ac:spMk id="372" creationId="{B5B45D0B-1268-412D-A381-50B7FF8A85DD}"/>
           </ac:spMkLst>
         </pc:spChg>
+        <pc:spChg chg="add del">
+          <ac:chgData name="Fatima Pillosu" userId="a6295d4dc9e22643" providerId="LiveId" clId="{B303C878-8799-4007-876A-6617B70F571A}" dt="2020-12-03T09:58:16.803" v="7869"/>
+          <ac:spMkLst>
+            <pc:docMk/>
+            <pc:sldMk cId="2969362105" sldId="256"/>
+            <ac:spMk id="373" creationId="{566898B4-2919-464C-848F-113AAE335C7E}"/>
+          </ac:spMkLst>
+        </pc:spChg>
         <pc:spChg chg="add del mod">
           <ac:chgData name="Fatima Pillosu" userId="a6295d4dc9e22643" providerId="LiveId" clId="{B303C878-8799-4007-876A-6617B70F571A}" dt="2020-12-01T11:10:46.684" v="3477"/>
           <ac:spMkLst>
@@ -2447,6 +3561,22 @@
             <ac:spMk id="375" creationId="{B1D2D640-5893-4630-BF95-156D55D55E0D}"/>
           </ac:spMkLst>
         </pc:spChg>
+        <pc:spChg chg="add del">
+          <ac:chgData name="Fatima Pillosu" userId="a6295d4dc9e22643" providerId="LiveId" clId="{B303C878-8799-4007-876A-6617B70F571A}" dt="2020-12-03T09:58:16.803" v="7869"/>
+          <ac:spMkLst>
+            <pc:docMk/>
+            <pc:sldMk cId="2969362105" sldId="256"/>
+            <ac:spMk id="376" creationId="{EA0714F2-74C7-43CD-8E23-B6FC963462C6}"/>
+          </ac:spMkLst>
+        </pc:spChg>
+        <pc:spChg chg="add del">
+          <ac:chgData name="Fatima Pillosu" userId="a6295d4dc9e22643" providerId="LiveId" clId="{B303C878-8799-4007-876A-6617B70F571A}" dt="2020-12-03T09:58:16.803" v="7869"/>
+          <ac:spMkLst>
+            <pc:docMk/>
+            <pc:sldMk cId="2969362105" sldId="256"/>
+            <ac:spMk id="377" creationId="{E6896315-2844-4D97-81B8-43D538A4583B}"/>
+          </ac:spMkLst>
+        </pc:spChg>
         <pc:spChg chg="add del mod">
           <ac:chgData name="Fatima Pillosu" userId="a6295d4dc9e22643" providerId="LiveId" clId="{B303C878-8799-4007-876A-6617B70F571A}" dt="2020-12-01T11:10:46.684" v="3477"/>
           <ac:spMkLst>
@@ -2455,6 +3585,22 @@
             <ac:spMk id="378" creationId="{6FEEFB6E-8B8C-477D-A3D3-170C59733F8B}"/>
           </ac:spMkLst>
         </pc:spChg>
+        <pc:spChg chg="add del">
+          <ac:chgData name="Fatima Pillosu" userId="a6295d4dc9e22643" providerId="LiveId" clId="{B303C878-8799-4007-876A-6617B70F571A}" dt="2020-12-03T09:58:16.803" v="7869"/>
+          <ac:spMkLst>
+            <pc:docMk/>
+            <pc:sldMk cId="2969362105" sldId="256"/>
+            <ac:spMk id="379" creationId="{967D6F28-D2CD-4685-BBF3-2841E01C80CB}"/>
+          </ac:spMkLst>
+        </pc:spChg>
+        <pc:spChg chg="add del">
+          <ac:chgData name="Fatima Pillosu" userId="a6295d4dc9e22643" providerId="LiveId" clId="{B303C878-8799-4007-876A-6617B70F571A}" dt="2020-12-03T09:58:16.803" v="7869"/>
+          <ac:spMkLst>
+            <pc:docMk/>
+            <pc:sldMk cId="2969362105" sldId="256"/>
+            <ac:spMk id="381" creationId="{4C796895-7B5D-43F2-AB17-C2A8E0FB6769}"/>
+          </ac:spMkLst>
+        </pc:spChg>
         <pc:spChg chg="add del mod">
           <ac:chgData name="Fatima Pillosu" userId="a6295d4dc9e22643" providerId="LiveId" clId="{B303C878-8799-4007-876A-6617B70F571A}" dt="2020-12-01T11:10:46.684" v="3477"/>
           <ac:spMkLst>
@@ -2463,6 +3609,14 @@
             <ac:spMk id="382" creationId="{6B87F13E-439B-4E57-9565-3AE782CE8525}"/>
           </ac:spMkLst>
         </pc:spChg>
+        <pc:spChg chg="add del">
+          <ac:chgData name="Fatima Pillosu" userId="a6295d4dc9e22643" providerId="LiveId" clId="{B303C878-8799-4007-876A-6617B70F571A}" dt="2020-12-03T09:58:16.803" v="7869"/>
+          <ac:spMkLst>
+            <pc:docMk/>
+            <pc:sldMk cId="2969362105" sldId="256"/>
+            <ac:spMk id="382" creationId="{F5D5C19E-7A4D-4244-A844-D956A86DAAA8}"/>
+          </ac:spMkLst>
+        </pc:spChg>
         <pc:spChg chg="add del mod">
           <ac:chgData name="Fatima Pillosu" userId="a6295d4dc9e22643" providerId="LiveId" clId="{B303C878-8799-4007-876A-6617B70F571A}" dt="2020-12-01T11:10:46.684" v="3477"/>
           <ac:spMkLst>
@@ -2471,6 +3625,30 @@
             <ac:spMk id="383" creationId="{95C61B19-5DC9-4083-A6B7-838EE7AE341F}"/>
           </ac:spMkLst>
         </pc:spChg>
+        <pc:spChg chg="add del">
+          <ac:chgData name="Fatima Pillosu" userId="a6295d4dc9e22643" providerId="LiveId" clId="{B303C878-8799-4007-876A-6617B70F571A}" dt="2020-12-03T09:58:16.803" v="7869"/>
+          <ac:spMkLst>
+            <pc:docMk/>
+            <pc:sldMk cId="2969362105" sldId="256"/>
+            <ac:spMk id="383" creationId="{D1483977-4ED4-455E-BAF7-FDED286345E2}"/>
+          </ac:spMkLst>
+        </pc:spChg>
+        <pc:spChg chg="add del">
+          <ac:chgData name="Fatima Pillosu" userId="a6295d4dc9e22643" providerId="LiveId" clId="{B303C878-8799-4007-876A-6617B70F571A}" dt="2020-12-03T09:58:16.803" v="7869"/>
+          <ac:spMkLst>
+            <pc:docMk/>
+            <pc:sldMk cId="2969362105" sldId="256"/>
+            <ac:spMk id="384" creationId="{E4C0B46F-9F0E-4BED-B5D5-B3C1D388B39B}"/>
+          </ac:spMkLst>
+        </pc:spChg>
+        <pc:spChg chg="add del">
+          <ac:chgData name="Fatima Pillosu" userId="a6295d4dc9e22643" providerId="LiveId" clId="{B303C878-8799-4007-876A-6617B70F571A}" dt="2020-12-03T09:58:16.803" v="7869"/>
+          <ac:spMkLst>
+            <pc:docMk/>
+            <pc:sldMk cId="2969362105" sldId="256"/>
+            <ac:spMk id="385" creationId="{AB2D24F6-00B8-41B1-B261-C46822EBD35B}"/>
+          </ac:spMkLst>
+        </pc:spChg>
         <pc:spChg chg="add del mod">
           <ac:chgData name="Fatima Pillosu" userId="a6295d4dc9e22643" providerId="LiveId" clId="{B303C878-8799-4007-876A-6617B70F571A}" dt="2020-12-01T11:10:46.684" v="3477"/>
           <ac:spMkLst>
@@ -2479,6 +3657,14 @@
             <ac:spMk id="385" creationId="{CCBA355A-6E98-4FC8-8D6E-3D3CF7E5A71F}"/>
           </ac:spMkLst>
         </pc:spChg>
+        <pc:spChg chg="add del">
+          <ac:chgData name="Fatima Pillosu" userId="a6295d4dc9e22643" providerId="LiveId" clId="{B303C878-8799-4007-876A-6617B70F571A}" dt="2020-12-03T09:58:16.803" v="7869"/>
+          <ac:spMkLst>
+            <pc:docMk/>
+            <pc:sldMk cId="2969362105" sldId="256"/>
+            <ac:spMk id="386" creationId="{D583801E-7DCC-4AB1-A2CB-367F5FFD3916}"/>
+          </ac:spMkLst>
+        </pc:spChg>
         <pc:spChg chg="add del mod">
           <ac:chgData name="Fatima Pillosu" userId="a6295d4dc9e22643" providerId="LiveId" clId="{B303C878-8799-4007-876A-6617B70F571A}" dt="2020-12-01T11:10:46.684" v="3477"/>
           <ac:spMkLst>
@@ -2503,6 +3689,22 @@
             <ac:spMk id="389" creationId="{6DBA23B4-FC85-44B7-8623-7BBC00030656}"/>
           </ac:spMkLst>
         </pc:spChg>
+        <pc:spChg chg="add del">
+          <ac:chgData name="Fatima Pillosu" userId="a6295d4dc9e22643" providerId="LiveId" clId="{B303C878-8799-4007-876A-6617B70F571A}" dt="2020-12-03T09:58:16.803" v="7869"/>
+          <ac:spMkLst>
+            <pc:docMk/>
+            <pc:sldMk cId="2969362105" sldId="256"/>
+            <ac:spMk id="390" creationId="{A463AC9E-D7C9-41BE-8C31-FFA13A749E94}"/>
+          </ac:spMkLst>
+        </pc:spChg>
+        <pc:spChg chg="add del">
+          <ac:chgData name="Fatima Pillosu" userId="a6295d4dc9e22643" providerId="LiveId" clId="{B303C878-8799-4007-876A-6617B70F571A}" dt="2020-12-03T09:58:16.803" v="7869"/>
+          <ac:spMkLst>
+            <pc:docMk/>
+            <pc:sldMk cId="2969362105" sldId="256"/>
+            <ac:spMk id="391" creationId="{CB1B1329-AC45-450B-A7FD-E4D8437F78DA}"/>
+          </ac:spMkLst>
+        </pc:spChg>
         <pc:spChg chg="add del mod">
           <ac:chgData name="Fatima Pillosu" userId="a6295d4dc9e22643" providerId="LiveId" clId="{B303C878-8799-4007-876A-6617B70F571A}" dt="2020-12-01T11:10:46.684" v="3477"/>
           <ac:spMkLst>
@@ -2519,6 +3721,22 @@
             <ac:spMk id="392" creationId="{15E350C7-B4A4-404A-98BC-9059EDA0B9A5}"/>
           </ac:spMkLst>
         </pc:spChg>
+        <pc:spChg chg="add del">
+          <ac:chgData name="Fatima Pillosu" userId="a6295d4dc9e22643" providerId="LiveId" clId="{B303C878-8799-4007-876A-6617B70F571A}" dt="2020-12-03T09:58:16.803" v="7869"/>
+          <ac:spMkLst>
+            <pc:docMk/>
+            <pc:sldMk cId="2969362105" sldId="256"/>
+            <ac:spMk id="392" creationId="{83607031-9DB3-4959-B028-AA4CFD732DFE}"/>
+          </ac:spMkLst>
+        </pc:spChg>
+        <pc:spChg chg="add del">
+          <ac:chgData name="Fatima Pillosu" userId="a6295d4dc9e22643" providerId="LiveId" clId="{B303C878-8799-4007-876A-6617B70F571A}" dt="2020-12-03T09:58:16.803" v="7869"/>
+          <ac:spMkLst>
+            <pc:docMk/>
+            <pc:sldMk cId="2969362105" sldId="256"/>
+            <ac:spMk id="393" creationId="{161D8419-D321-4B25-BBB6-A8708E8F0FDB}"/>
+          </ac:spMkLst>
+        </pc:spChg>
         <pc:spChg chg="add del mod">
           <ac:chgData name="Fatima Pillosu" userId="a6295d4dc9e22643" providerId="LiveId" clId="{B303C878-8799-4007-876A-6617B70F571A}" dt="2020-12-01T11:10:46.684" v="3477"/>
           <ac:spMkLst>
@@ -2535,6 +3753,14 @@
             <ac:spMk id="394" creationId="{5398A540-9F30-4AE8-8DA6-1530CDBF80FB}"/>
           </ac:spMkLst>
         </pc:spChg>
+        <pc:spChg chg="add del">
+          <ac:chgData name="Fatima Pillosu" userId="a6295d4dc9e22643" providerId="LiveId" clId="{B303C878-8799-4007-876A-6617B70F571A}" dt="2020-12-03T09:58:16.803" v="7869"/>
+          <ac:spMkLst>
+            <pc:docMk/>
+            <pc:sldMk cId="2969362105" sldId="256"/>
+            <ac:spMk id="394" creationId="{A979FCA9-73D9-4DFE-B62C-54156262A4DA}"/>
+          </ac:spMkLst>
+        </pc:spChg>
         <pc:spChg chg="add del mod">
           <ac:chgData name="Fatima Pillosu" userId="a6295d4dc9e22643" providerId="LiveId" clId="{B303C878-8799-4007-876A-6617B70F571A}" dt="2020-12-01T11:10:46.684" v="3477"/>
           <ac:spMkLst>
@@ -2543,6 +3769,14 @@
             <ac:spMk id="396" creationId="{4C73D662-C4F7-4131-A0E9-5E88E9CEF82F}"/>
           </ac:spMkLst>
         </pc:spChg>
+        <pc:spChg chg="add del">
+          <ac:chgData name="Fatima Pillosu" userId="a6295d4dc9e22643" providerId="LiveId" clId="{B303C878-8799-4007-876A-6617B70F571A}" dt="2020-12-03T09:58:16.803" v="7869"/>
+          <ac:spMkLst>
+            <pc:docMk/>
+            <pc:sldMk cId="2969362105" sldId="256"/>
+            <ac:spMk id="396" creationId="{AFDDADF5-F531-4E0B-B890-587FBF0C0A32}"/>
+          </ac:spMkLst>
+        </pc:spChg>
         <pc:spChg chg="add del mod">
           <ac:chgData name="Fatima Pillosu" userId="a6295d4dc9e22643" providerId="LiveId" clId="{B303C878-8799-4007-876A-6617B70F571A}" dt="2020-12-01T11:10:46.684" v="3477"/>
           <ac:spMkLst>
@@ -2551,6 +3785,22 @@
             <ac:spMk id="397" creationId="{55E3616B-9A4C-42E9-A752-4687FF1AABAD}"/>
           </ac:spMkLst>
         </pc:spChg>
+        <pc:spChg chg="add del">
+          <ac:chgData name="Fatima Pillosu" userId="a6295d4dc9e22643" providerId="LiveId" clId="{B303C878-8799-4007-876A-6617B70F571A}" dt="2020-12-03T09:58:16.803" v="7869"/>
+          <ac:spMkLst>
+            <pc:docMk/>
+            <pc:sldMk cId="2969362105" sldId="256"/>
+            <ac:spMk id="397" creationId="{5C96B8B5-0F16-4577-B4A6-F275393004F3}"/>
+          </ac:spMkLst>
+        </pc:spChg>
+        <pc:spChg chg="add del">
+          <ac:chgData name="Fatima Pillosu" userId="a6295d4dc9e22643" providerId="LiveId" clId="{B303C878-8799-4007-876A-6617B70F571A}" dt="2020-12-03T09:58:16.803" v="7869"/>
+          <ac:spMkLst>
+            <pc:docMk/>
+            <pc:sldMk cId="2969362105" sldId="256"/>
+            <ac:spMk id="398" creationId="{BC8FFDA5-F911-4624-BD81-70EA4409959B}"/>
+          </ac:spMkLst>
+        </pc:spChg>
         <pc:spChg chg="add del mod">
           <ac:chgData name="Fatima Pillosu" userId="a6295d4dc9e22643" providerId="LiveId" clId="{B303C878-8799-4007-876A-6617B70F571A}" dt="2020-12-01T11:10:46.684" v="3477"/>
           <ac:spMkLst>
@@ -2559,6 +3809,14 @@
             <ac:spMk id="398" creationId="{C82B3F98-1DBE-4397-9482-282BCFE4E57B}"/>
           </ac:spMkLst>
         </pc:spChg>
+        <pc:spChg chg="add del">
+          <ac:chgData name="Fatima Pillosu" userId="a6295d4dc9e22643" providerId="LiveId" clId="{B303C878-8799-4007-876A-6617B70F571A}" dt="2020-12-03T09:58:16.803" v="7869"/>
+          <ac:spMkLst>
+            <pc:docMk/>
+            <pc:sldMk cId="2969362105" sldId="256"/>
+            <ac:spMk id="399" creationId="{7D1BF5B2-8B78-487C-A641-B3173714ADCA}"/>
+          </ac:spMkLst>
+        </pc:spChg>
         <pc:spChg chg="add del mod">
           <ac:chgData name="Fatima Pillosu" userId="a6295d4dc9e22643" providerId="LiveId" clId="{B303C878-8799-4007-876A-6617B70F571A}" dt="2020-12-01T11:10:46.684" v="3477"/>
           <ac:spMkLst>
@@ -2567,6 +3825,22 @@
             <ac:spMk id="400" creationId="{DB2F8CC7-C747-4D74-BF27-980300B04D2E}"/>
           </ac:spMkLst>
         </pc:spChg>
+        <pc:spChg chg="add del">
+          <ac:chgData name="Fatima Pillosu" userId="a6295d4dc9e22643" providerId="LiveId" clId="{B303C878-8799-4007-876A-6617B70F571A}" dt="2020-12-03T09:58:16.803" v="7869"/>
+          <ac:spMkLst>
+            <pc:docMk/>
+            <pc:sldMk cId="2969362105" sldId="256"/>
+            <ac:spMk id="400" creationId="{FF4EF614-F427-4FFC-99FF-E95AF975ADC4}"/>
+          </ac:spMkLst>
+        </pc:spChg>
+        <pc:spChg chg="add del">
+          <ac:chgData name="Fatima Pillosu" userId="a6295d4dc9e22643" providerId="LiveId" clId="{B303C878-8799-4007-876A-6617B70F571A}" dt="2020-12-03T09:58:16.803" v="7869"/>
+          <ac:spMkLst>
+            <pc:docMk/>
+            <pc:sldMk cId="2969362105" sldId="256"/>
+            <ac:spMk id="401" creationId="{0A52B4CE-18E7-43FC-90DF-55E277F48917}"/>
+          </ac:spMkLst>
+        </pc:spChg>
         <pc:spChg chg="add del mod">
           <ac:chgData name="Fatima Pillosu" userId="a6295d4dc9e22643" providerId="LiveId" clId="{B303C878-8799-4007-876A-6617B70F571A}" dt="2020-12-01T11:10:46.684" v="3477"/>
           <ac:spMkLst>
@@ -2575,6 +3849,38 @@
             <ac:spMk id="401" creationId="{C6BF4E62-C408-497F-A93E-E0C329166472}"/>
           </ac:spMkLst>
         </pc:spChg>
+        <pc:spChg chg="add del">
+          <ac:chgData name="Fatima Pillosu" userId="a6295d4dc9e22643" providerId="LiveId" clId="{B303C878-8799-4007-876A-6617B70F571A}" dt="2020-12-03T09:58:16.803" v="7869"/>
+          <ac:spMkLst>
+            <pc:docMk/>
+            <pc:sldMk cId="2969362105" sldId="256"/>
+            <ac:spMk id="402" creationId="{09730C6E-AC0D-46AA-A999-36B2684C5AED}"/>
+          </ac:spMkLst>
+        </pc:spChg>
+        <pc:spChg chg="add del">
+          <ac:chgData name="Fatima Pillosu" userId="a6295d4dc9e22643" providerId="LiveId" clId="{B303C878-8799-4007-876A-6617B70F571A}" dt="2020-12-03T09:58:16.803" v="7869"/>
+          <ac:spMkLst>
+            <pc:docMk/>
+            <pc:sldMk cId="2969362105" sldId="256"/>
+            <ac:spMk id="403" creationId="{90494559-46A8-4DFE-B9EA-3C36E8C139EA}"/>
+          </ac:spMkLst>
+        </pc:spChg>
+        <pc:spChg chg="add del">
+          <ac:chgData name="Fatima Pillosu" userId="a6295d4dc9e22643" providerId="LiveId" clId="{B303C878-8799-4007-876A-6617B70F571A}" dt="2020-12-03T09:58:16.803" v="7869"/>
+          <ac:spMkLst>
+            <pc:docMk/>
+            <pc:sldMk cId="2969362105" sldId="256"/>
+            <ac:spMk id="404" creationId="{473B51B4-95B1-4D04-B2E3-6F5B2C418AD4}"/>
+          </ac:spMkLst>
+        </pc:spChg>
+        <pc:spChg chg="add del">
+          <ac:chgData name="Fatima Pillosu" userId="a6295d4dc9e22643" providerId="LiveId" clId="{B303C878-8799-4007-876A-6617B70F571A}" dt="2020-12-03T09:58:16.803" v="7869"/>
+          <ac:spMkLst>
+            <pc:docMk/>
+            <pc:sldMk cId="2969362105" sldId="256"/>
+            <ac:spMk id="405" creationId="{9A31F2A7-FAE1-4D9B-BC44-0064B8C8E5A7}"/>
+          </ac:spMkLst>
+        </pc:spChg>
         <pc:spChg chg="add del mod">
           <ac:chgData name="Fatima Pillosu" userId="a6295d4dc9e22643" providerId="LiveId" clId="{B303C878-8799-4007-876A-6617B70F571A}" dt="2020-12-01T11:12:38.421" v="3514"/>
           <ac:spMkLst>
@@ -2584,6 +3890,14 @@
           </ac:spMkLst>
         </pc:spChg>
         <pc:spChg chg="add del mod">
+          <ac:chgData name="Fatima Pillosu" userId="a6295d4dc9e22643" providerId="LiveId" clId="{B303C878-8799-4007-876A-6617B70F571A}" dt="2020-12-03T09:58:50.389" v="7887"/>
+          <ac:spMkLst>
+            <pc:docMk/>
+            <pc:sldMk cId="2969362105" sldId="256"/>
+            <ac:spMk id="407" creationId="{20C6D8AA-5F5A-4703-9D70-CEA74F036124}"/>
+          </ac:spMkLst>
+        </pc:spChg>
+        <pc:spChg chg="add del mod">
           <ac:chgData name="Fatima Pillosu" userId="a6295d4dc9e22643" providerId="LiveId" clId="{B303C878-8799-4007-876A-6617B70F571A}" dt="2020-12-01T11:12:38.421" v="3514"/>
           <ac:spMkLst>
             <pc:docMk/>
@@ -2600,6 +3914,14 @@
           </ac:spMkLst>
         </pc:spChg>
         <pc:spChg chg="add del mod">
+          <ac:chgData name="Fatima Pillosu" userId="a6295d4dc9e22643" providerId="LiveId" clId="{B303C878-8799-4007-876A-6617B70F571A}" dt="2020-12-03T09:58:50.389" v="7887"/>
+          <ac:spMkLst>
+            <pc:docMk/>
+            <pc:sldMk cId="2969362105" sldId="256"/>
+            <ac:spMk id="409" creationId="{06609EC6-00A6-4DD0-A907-25FD00A0CF7C}"/>
+          </ac:spMkLst>
+        </pc:spChg>
+        <pc:spChg chg="add del mod">
           <ac:chgData name="Fatima Pillosu" userId="a6295d4dc9e22643" providerId="LiveId" clId="{B303C878-8799-4007-876A-6617B70F571A}" dt="2020-12-01T11:12:38.421" v="3514"/>
           <ac:spMkLst>
             <pc:docMk/>
@@ -2608,6 +3930,14 @@
           </ac:spMkLst>
         </pc:spChg>
         <pc:spChg chg="add del mod">
+          <ac:chgData name="Fatima Pillosu" userId="a6295d4dc9e22643" providerId="LiveId" clId="{B303C878-8799-4007-876A-6617B70F571A}" dt="2020-12-03T09:58:50.389" v="7887"/>
+          <ac:spMkLst>
+            <pc:docMk/>
+            <pc:sldMk cId="2969362105" sldId="256"/>
+            <ac:spMk id="411" creationId="{24CC9B14-46D3-4635-A893-87F0FB5251B8}"/>
+          </ac:spMkLst>
+        </pc:spChg>
+        <pc:spChg chg="add del mod">
           <ac:chgData name="Fatima Pillosu" userId="a6295d4dc9e22643" providerId="LiveId" clId="{B303C878-8799-4007-876A-6617B70F571A}" dt="2020-12-01T11:12:38.421" v="3514"/>
           <ac:spMkLst>
             <pc:docMk/>
@@ -2624,6 +3954,14 @@
           </ac:spMkLst>
         </pc:spChg>
         <pc:spChg chg="add del mod">
+          <ac:chgData name="Fatima Pillosu" userId="a6295d4dc9e22643" providerId="LiveId" clId="{B303C878-8799-4007-876A-6617B70F571A}" dt="2020-12-03T09:58:50.389" v="7887"/>
+          <ac:spMkLst>
+            <pc:docMk/>
+            <pc:sldMk cId="2969362105" sldId="256"/>
+            <ac:spMk id="413" creationId="{AF4D402B-AEF0-44B8-8725-0B8B6AA0A6BD}"/>
+          </ac:spMkLst>
+        </pc:spChg>
+        <pc:spChg chg="add del mod">
           <ac:chgData name="Fatima Pillosu" userId="a6295d4dc9e22643" providerId="LiveId" clId="{B303C878-8799-4007-876A-6617B70F571A}" dt="2020-12-01T11:12:38.421" v="3514"/>
           <ac:spMkLst>
             <pc:docMk/>
@@ -2632,6 +3970,14 @@
           </ac:spMkLst>
         </pc:spChg>
         <pc:spChg chg="add del mod">
+          <ac:chgData name="Fatima Pillosu" userId="a6295d4dc9e22643" providerId="LiveId" clId="{B303C878-8799-4007-876A-6617B70F571A}" dt="2020-12-03T09:58:50.389" v="7887"/>
+          <ac:spMkLst>
+            <pc:docMk/>
+            <pc:sldMk cId="2969362105" sldId="256"/>
+            <ac:spMk id="414" creationId="{F1B96AFE-9844-4417-AF06-63E6D29E1805}"/>
+          </ac:spMkLst>
+        </pc:spChg>
+        <pc:spChg chg="add del mod">
           <ac:chgData name="Fatima Pillosu" userId="a6295d4dc9e22643" providerId="LiveId" clId="{B303C878-8799-4007-876A-6617B70F571A}" dt="2020-12-01T11:12:38.421" v="3514"/>
           <ac:spMkLst>
             <pc:docMk/>
@@ -2648,6 +3994,22 @@
           </ac:spMkLst>
         </pc:spChg>
         <pc:spChg chg="add del mod">
+          <ac:chgData name="Fatima Pillosu" userId="a6295d4dc9e22643" providerId="LiveId" clId="{B303C878-8799-4007-876A-6617B70F571A}" dt="2020-12-03T09:58:50.389" v="7887"/>
+          <ac:spMkLst>
+            <pc:docMk/>
+            <pc:sldMk cId="2969362105" sldId="256"/>
+            <ac:spMk id="416" creationId="{778B77AF-F30C-4070-BC4F-9C4E0B6B223A}"/>
+          </ac:spMkLst>
+        </pc:spChg>
+        <pc:spChg chg="add del mod">
+          <ac:chgData name="Fatima Pillosu" userId="a6295d4dc9e22643" providerId="LiveId" clId="{B303C878-8799-4007-876A-6617B70F571A}" dt="2020-12-03T09:58:50.389" v="7887"/>
+          <ac:spMkLst>
+            <pc:docMk/>
+            <pc:sldMk cId="2969362105" sldId="256"/>
+            <ac:spMk id="417" creationId="{EBE038F6-79AF-4A86-9D25-2C1D6AFB8B25}"/>
+          </ac:spMkLst>
+        </pc:spChg>
+        <pc:spChg chg="add del mod">
           <ac:chgData name="Fatima Pillosu" userId="a6295d4dc9e22643" providerId="LiveId" clId="{B303C878-8799-4007-876A-6617B70F571A}" dt="2020-12-01T11:12:38.421" v="3514"/>
           <ac:spMkLst>
             <pc:docMk/>
@@ -2656,6 +4018,14 @@
           </ac:spMkLst>
         </pc:spChg>
         <pc:spChg chg="add del mod">
+          <ac:chgData name="Fatima Pillosu" userId="a6295d4dc9e22643" providerId="LiveId" clId="{B303C878-8799-4007-876A-6617B70F571A}" dt="2020-12-03T09:58:50.389" v="7887"/>
+          <ac:spMkLst>
+            <pc:docMk/>
+            <pc:sldMk cId="2969362105" sldId="256"/>
+            <ac:spMk id="420" creationId="{E3CCADE7-05F7-48C4-A828-55E38FDED387}"/>
+          </ac:spMkLst>
+        </pc:spChg>
+        <pc:spChg chg="add del mod">
           <ac:chgData name="Fatima Pillosu" userId="a6295d4dc9e22643" providerId="LiveId" clId="{B303C878-8799-4007-876A-6617B70F571A}" dt="2020-12-01T11:12:38.421" v="3514"/>
           <ac:spMkLst>
             <pc:docMk/>
@@ -2672,6 +4042,14 @@
           </ac:spMkLst>
         </pc:spChg>
         <pc:spChg chg="add del mod">
+          <ac:chgData name="Fatima Pillosu" userId="a6295d4dc9e22643" providerId="LiveId" clId="{B303C878-8799-4007-876A-6617B70F571A}" dt="2020-12-03T09:58:50.389" v="7887"/>
+          <ac:spMkLst>
+            <pc:docMk/>
+            <pc:sldMk cId="2969362105" sldId="256"/>
+            <ac:spMk id="424" creationId="{2EC566E6-2EB7-4CAA-9EF1-78E37162FD81}"/>
+          </ac:spMkLst>
+        </pc:spChg>
+        <pc:spChg chg="add del mod">
           <ac:chgData name="Fatima Pillosu" userId="a6295d4dc9e22643" providerId="LiveId" clId="{B303C878-8799-4007-876A-6617B70F571A}" dt="2020-12-01T11:12:38.421" v="3514"/>
           <ac:spMkLst>
             <pc:docMk/>
@@ -2680,6 +4058,22 @@
           </ac:spMkLst>
         </pc:spChg>
         <pc:spChg chg="add del mod">
+          <ac:chgData name="Fatima Pillosu" userId="a6295d4dc9e22643" providerId="LiveId" clId="{B303C878-8799-4007-876A-6617B70F571A}" dt="2020-12-03T09:58:50.389" v="7887"/>
+          <ac:spMkLst>
+            <pc:docMk/>
+            <pc:sldMk cId="2969362105" sldId="256"/>
+            <ac:spMk id="426" creationId="{9895E6A3-EE85-4E36-A1AB-8F3D89689549}"/>
+          </ac:spMkLst>
+        </pc:spChg>
+        <pc:spChg chg="add del mod">
+          <ac:chgData name="Fatima Pillosu" userId="a6295d4dc9e22643" providerId="LiveId" clId="{B303C878-8799-4007-876A-6617B70F571A}" dt="2020-12-03T09:58:50.389" v="7887"/>
+          <ac:spMkLst>
+            <pc:docMk/>
+            <pc:sldMk cId="2969362105" sldId="256"/>
+            <ac:spMk id="427" creationId="{3A41BD43-BEB7-4C76-BE78-6B47A36F52D6}"/>
+          </ac:spMkLst>
+        </pc:spChg>
+        <pc:spChg chg="add del mod">
           <ac:chgData name="Fatima Pillosu" userId="a6295d4dc9e22643" providerId="LiveId" clId="{B303C878-8799-4007-876A-6617B70F571A}" dt="2020-12-01T11:12:38.421" v="3514"/>
           <ac:spMkLst>
             <pc:docMk/>
@@ -2688,6 +4082,14 @@
           </ac:spMkLst>
         </pc:spChg>
         <pc:spChg chg="add del mod">
+          <ac:chgData name="Fatima Pillosu" userId="a6295d4dc9e22643" providerId="LiveId" clId="{B303C878-8799-4007-876A-6617B70F571A}" dt="2020-12-03T09:58:50.389" v="7887"/>
+          <ac:spMkLst>
+            <pc:docMk/>
+            <pc:sldMk cId="2969362105" sldId="256"/>
+            <ac:spMk id="428" creationId="{499FAC29-D3F4-4AB8-8E85-426C6D11CBF3}"/>
+          </ac:spMkLst>
+        </pc:spChg>
+        <pc:spChg chg="add del mod">
           <ac:chgData name="Fatima Pillosu" userId="a6295d4dc9e22643" providerId="LiveId" clId="{B303C878-8799-4007-876A-6617B70F571A}" dt="2020-12-01T11:12:38.421" v="3514"/>
           <ac:spMkLst>
             <pc:docMk/>
@@ -2696,6 +4098,14 @@
           </ac:spMkLst>
         </pc:spChg>
         <pc:spChg chg="add del mod">
+          <ac:chgData name="Fatima Pillosu" userId="a6295d4dc9e22643" providerId="LiveId" clId="{B303C878-8799-4007-876A-6617B70F571A}" dt="2020-12-03T09:58:50.389" v="7887"/>
+          <ac:spMkLst>
+            <pc:docMk/>
+            <pc:sldMk cId="2969362105" sldId="256"/>
+            <ac:spMk id="429" creationId="{60D4D753-7C9D-4BDD-96DF-1E4BF37D7832}"/>
+          </ac:spMkLst>
+        </pc:spChg>
+        <pc:spChg chg="add del mod">
           <ac:chgData name="Fatima Pillosu" userId="a6295d4dc9e22643" providerId="LiveId" clId="{B303C878-8799-4007-876A-6617B70F571A}" dt="2020-12-01T11:12:38.421" v="3514"/>
           <ac:spMkLst>
             <pc:docMk/>
@@ -2704,6 +4114,30 @@
           </ac:spMkLst>
         </pc:spChg>
         <pc:spChg chg="add del mod">
+          <ac:chgData name="Fatima Pillosu" userId="a6295d4dc9e22643" providerId="LiveId" clId="{B303C878-8799-4007-876A-6617B70F571A}" dt="2020-12-03T09:58:50.389" v="7887"/>
+          <ac:spMkLst>
+            <pc:docMk/>
+            <pc:sldMk cId="2969362105" sldId="256"/>
+            <ac:spMk id="431" creationId="{EDF82900-FDAA-426B-B832-C18207A27073}"/>
+          </ac:spMkLst>
+        </pc:spChg>
+        <pc:spChg chg="add del mod">
+          <ac:chgData name="Fatima Pillosu" userId="a6295d4dc9e22643" providerId="LiveId" clId="{B303C878-8799-4007-876A-6617B70F571A}" dt="2020-12-03T09:58:50.389" v="7887"/>
+          <ac:spMkLst>
+            <pc:docMk/>
+            <pc:sldMk cId="2969362105" sldId="256"/>
+            <ac:spMk id="434" creationId="{D34888A1-E4E2-46BF-B54D-BB22CF3AC492}"/>
+          </ac:spMkLst>
+        </pc:spChg>
+        <pc:spChg chg="add del mod">
+          <ac:chgData name="Fatima Pillosu" userId="a6295d4dc9e22643" providerId="LiveId" clId="{B303C878-8799-4007-876A-6617B70F571A}" dt="2020-12-03T09:58:50.389" v="7887"/>
+          <ac:spMkLst>
+            <pc:docMk/>
+            <pc:sldMk cId="2969362105" sldId="256"/>
+            <ac:spMk id="435" creationId="{07FC2FE9-BF11-4E2D-9933-21C815F1C01B}"/>
+          </ac:spMkLst>
+        </pc:spChg>
+        <pc:spChg chg="add del mod">
           <ac:chgData name="Fatima Pillosu" userId="a6295d4dc9e22643" providerId="LiveId" clId="{B303C878-8799-4007-876A-6617B70F571A}" dt="2020-12-01T11:12:38.421" v="3514"/>
           <ac:spMkLst>
             <pc:docMk/>
@@ -2720,6 +4154,14 @@
           </ac:spMkLst>
         </pc:spChg>
         <pc:spChg chg="add del mod">
+          <ac:chgData name="Fatima Pillosu" userId="a6295d4dc9e22643" providerId="LiveId" clId="{B303C878-8799-4007-876A-6617B70F571A}" dt="2020-12-03T09:58:50.389" v="7887"/>
+          <ac:spMkLst>
+            <pc:docMk/>
+            <pc:sldMk cId="2969362105" sldId="256"/>
+            <ac:spMk id="437" creationId="{873173D1-CBC4-4AB8-AC8B-78F6A27B2A08}"/>
+          </ac:spMkLst>
+        </pc:spChg>
+        <pc:spChg chg="add del mod">
           <ac:chgData name="Fatima Pillosu" userId="a6295d4dc9e22643" providerId="LiveId" clId="{B303C878-8799-4007-876A-6617B70F571A}" dt="2020-12-01T11:12:38.421" v="3514"/>
           <ac:spMkLst>
             <pc:docMk/>
@@ -2728,6 +4170,14 @@
           </ac:spMkLst>
         </pc:spChg>
         <pc:spChg chg="add del mod">
+          <ac:chgData name="Fatima Pillosu" userId="a6295d4dc9e22643" providerId="LiveId" clId="{B303C878-8799-4007-876A-6617B70F571A}" dt="2020-12-03T09:58:50.389" v="7887"/>
+          <ac:spMkLst>
+            <pc:docMk/>
+            <pc:sldMk cId="2969362105" sldId="256"/>
+            <ac:spMk id="439" creationId="{800CB2C7-617C-4734-B174-38E31919DE7E}"/>
+          </ac:spMkLst>
+        </pc:spChg>
+        <pc:spChg chg="add del mod">
           <ac:chgData name="Fatima Pillosu" userId="a6295d4dc9e22643" providerId="LiveId" clId="{B303C878-8799-4007-876A-6617B70F571A}" dt="2020-12-01T11:12:38.421" v="3514"/>
           <ac:spMkLst>
             <pc:docMk/>
@@ -2736,6 +4186,22 @@
           </ac:spMkLst>
         </pc:spChg>
         <pc:spChg chg="add del mod">
+          <ac:chgData name="Fatima Pillosu" userId="a6295d4dc9e22643" providerId="LiveId" clId="{B303C878-8799-4007-876A-6617B70F571A}" dt="2020-12-03T09:58:50.389" v="7887"/>
+          <ac:spMkLst>
+            <pc:docMk/>
+            <pc:sldMk cId="2969362105" sldId="256"/>
+            <ac:spMk id="440" creationId="{B0684F50-EB1B-48EE-8355-F6C8A41ADC23}"/>
+          </ac:spMkLst>
+        </pc:spChg>
+        <pc:spChg chg="add del mod">
+          <ac:chgData name="Fatima Pillosu" userId="a6295d4dc9e22643" providerId="LiveId" clId="{B303C878-8799-4007-876A-6617B70F571A}" dt="2020-12-03T09:58:50.389" v="7887"/>
+          <ac:spMkLst>
+            <pc:docMk/>
+            <pc:sldMk cId="2969362105" sldId="256"/>
+            <ac:spMk id="441" creationId="{18E897FB-84B8-4F63-BBB0-BDB902B49718}"/>
+          </ac:spMkLst>
+        </pc:spChg>
+        <pc:spChg chg="add del mod">
           <ac:chgData name="Fatima Pillosu" userId="a6295d4dc9e22643" providerId="LiveId" clId="{B303C878-8799-4007-876A-6617B70F571A}" dt="2020-12-01T11:12:38.421" v="3514"/>
           <ac:spMkLst>
             <pc:docMk/>
@@ -2744,6 +4210,14 @@
           </ac:spMkLst>
         </pc:spChg>
         <pc:spChg chg="add del mod">
+          <ac:chgData name="Fatima Pillosu" userId="a6295d4dc9e22643" providerId="LiveId" clId="{B303C878-8799-4007-876A-6617B70F571A}" dt="2020-12-03T09:58:50.389" v="7887"/>
+          <ac:spMkLst>
+            <pc:docMk/>
+            <pc:sldMk cId="2969362105" sldId="256"/>
+            <ac:spMk id="442" creationId="{6DCDADE9-967D-4E3A-9B4F-3E3776BC905E}"/>
+          </ac:spMkLst>
+        </pc:spChg>
+        <pc:spChg chg="add del mod">
           <ac:chgData name="Fatima Pillosu" userId="a6295d4dc9e22643" providerId="LiveId" clId="{B303C878-8799-4007-876A-6617B70F571A}" dt="2020-12-01T11:12:38.421" v="3514"/>
           <ac:spMkLst>
             <pc:docMk/>
@@ -2752,6 +4226,22 @@
           </ac:spMkLst>
         </pc:spChg>
         <pc:spChg chg="add del mod">
+          <ac:chgData name="Fatima Pillosu" userId="a6295d4dc9e22643" providerId="LiveId" clId="{B303C878-8799-4007-876A-6617B70F571A}" dt="2020-12-03T09:58:50.389" v="7887"/>
+          <ac:spMkLst>
+            <pc:docMk/>
+            <pc:sldMk cId="2969362105" sldId="256"/>
+            <ac:spMk id="443" creationId="{CAE87D0C-FEE5-4332-95EA-DD035AB6B783}"/>
+          </ac:spMkLst>
+        </pc:spChg>
+        <pc:spChg chg="add del mod">
+          <ac:chgData name="Fatima Pillosu" userId="a6295d4dc9e22643" providerId="LiveId" clId="{B303C878-8799-4007-876A-6617B70F571A}" dt="2020-12-03T09:58:50.389" v="7887"/>
+          <ac:spMkLst>
+            <pc:docMk/>
+            <pc:sldMk cId="2969362105" sldId="256"/>
+            <ac:spMk id="444" creationId="{0BFFBA25-D460-4921-8DF6-9B13B871883E}"/>
+          </ac:spMkLst>
+        </pc:spChg>
+        <pc:spChg chg="add del mod">
           <ac:chgData name="Fatima Pillosu" userId="a6295d4dc9e22643" providerId="LiveId" clId="{B303C878-8799-4007-876A-6617B70F571A}" dt="2020-12-01T11:12:38.421" v="3514"/>
           <ac:spMkLst>
             <pc:docMk/>
@@ -2784,6 +4274,22 @@
           </ac:spMkLst>
         </pc:spChg>
         <pc:spChg chg="add del mod">
+          <ac:chgData name="Fatima Pillosu" userId="a6295d4dc9e22643" providerId="LiveId" clId="{B303C878-8799-4007-876A-6617B70F571A}" dt="2020-12-03T09:58:50.389" v="7887"/>
+          <ac:spMkLst>
+            <pc:docMk/>
+            <pc:sldMk cId="2969362105" sldId="256"/>
+            <ac:spMk id="448" creationId="{8BD0F280-8514-4AF3-805A-F3F6AFCEFE34}"/>
+          </ac:spMkLst>
+        </pc:spChg>
+        <pc:spChg chg="add del mod">
+          <ac:chgData name="Fatima Pillosu" userId="a6295d4dc9e22643" providerId="LiveId" clId="{B303C878-8799-4007-876A-6617B70F571A}" dt="2020-12-03T09:58:50.389" v="7887"/>
+          <ac:spMkLst>
+            <pc:docMk/>
+            <pc:sldMk cId="2969362105" sldId="256"/>
+            <ac:spMk id="449" creationId="{6FC3A8F0-D125-4ACE-8B93-98E3AD7F6FCA}"/>
+          </ac:spMkLst>
+        </pc:spChg>
+        <pc:spChg chg="add del mod">
           <ac:chgData name="Fatima Pillosu" userId="a6295d4dc9e22643" providerId="LiveId" clId="{B303C878-8799-4007-876A-6617B70F571A}" dt="2020-12-01T11:12:38.421" v="3514"/>
           <ac:spMkLst>
             <pc:docMk/>
@@ -2792,6 +4298,14 @@
           </ac:spMkLst>
         </pc:spChg>
         <pc:spChg chg="add del mod">
+          <ac:chgData name="Fatima Pillosu" userId="a6295d4dc9e22643" providerId="LiveId" clId="{B303C878-8799-4007-876A-6617B70F571A}" dt="2020-12-03T09:58:50.389" v="7887"/>
+          <ac:spMkLst>
+            <pc:docMk/>
+            <pc:sldMk cId="2969362105" sldId="256"/>
+            <ac:spMk id="450" creationId="{8B0A382B-57F8-45CE-8EDB-2E1D30C0018F}"/>
+          </ac:spMkLst>
+        </pc:spChg>
+        <pc:spChg chg="add del mod">
           <ac:chgData name="Fatima Pillosu" userId="a6295d4dc9e22643" providerId="LiveId" clId="{B303C878-8799-4007-876A-6617B70F571A}" dt="2020-12-01T11:12:38.421" v="3514"/>
           <ac:spMkLst>
             <pc:docMk/>
@@ -2800,6 +4314,14 @@
           </ac:spMkLst>
         </pc:spChg>
         <pc:spChg chg="add del mod">
+          <ac:chgData name="Fatima Pillosu" userId="a6295d4dc9e22643" providerId="LiveId" clId="{B303C878-8799-4007-876A-6617B70F571A}" dt="2020-12-03T09:58:50.389" v="7887"/>
+          <ac:spMkLst>
+            <pc:docMk/>
+            <pc:sldMk cId="2969362105" sldId="256"/>
+            <ac:spMk id="451" creationId="{3BAB1A24-78E3-4913-BB9A-A8541E627909}"/>
+          </ac:spMkLst>
+        </pc:spChg>
+        <pc:spChg chg="add del mod">
           <ac:chgData name="Fatima Pillosu" userId="a6295d4dc9e22643" providerId="LiveId" clId="{B303C878-8799-4007-876A-6617B70F571A}" dt="2020-12-01T11:12:38.421" v="3514"/>
           <ac:spMkLst>
             <pc:docMk/>
@@ -2808,6 +4330,14 @@
           </ac:spMkLst>
         </pc:spChg>
         <pc:spChg chg="add del mod">
+          <ac:chgData name="Fatima Pillosu" userId="a6295d4dc9e22643" providerId="LiveId" clId="{B303C878-8799-4007-876A-6617B70F571A}" dt="2020-12-03T09:58:50.389" v="7887"/>
+          <ac:spMkLst>
+            <pc:docMk/>
+            <pc:sldMk cId="2969362105" sldId="256"/>
+            <ac:spMk id="452" creationId="{96375473-0CBD-4F89-A964-5ACBCC5DF5D5}"/>
+          </ac:spMkLst>
+        </pc:spChg>
+        <pc:spChg chg="add del mod">
           <ac:chgData name="Fatima Pillosu" userId="a6295d4dc9e22643" providerId="LiveId" clId="{B303C878-8799-4007-876A-6617B70F571A}" dt="2020-12-01T11:12:38.421" v="3514"/>
           <ac:spMkLst>
             <pc:docMk/>
@@ -2821,6 +4351,94 @@
             <pc:docMk/>
             <pc:sldMk cId="2969362105" sldId="256"/>
             <ac:spMk id="454" creationId="{14629FAE-1E48-4A41-BF73-281D11C8D8EB}"/>
+          </ac:spMkLst>
+        </pc:spChg>
+        <pc:spChg chg="add del mod">
+          <ac:chgData name="Fatima Pillosu" userId="a6295d4dc9e22643" providerId="LiveId" clId="{B303C878-8799-4007-876A-6617B70F571A}" dt="2020-12-03T09:58:50.389" v="7887"/>
+          <ac:spMkLst>
+            <pc:docMk/>
+            <pc:sldMk cId="2969362105" sldId="256"/>
+            <ac:spMk id="454" creationId="{AC527C43-18FE-4793-9F19-FC2918797B13}"/>
+          </ac:spMkLst>
+        </pc:spChg>
+        <pc:spChg chg="add del mod">
+          <ac:chgData name="Fatima Pillosu" userId="a6295d4dc9e22643" providerId="LiveId" clId="{B303C878-8799-4007-876A-6617B70F571A}" dt="2020-12-03T09:58:50.389" v="7887"/>
+          <ac:spMkLst>
+            <pc:docMk/>
+            <pc:sldMk cId="2969362105" sldId="256"/>
+            <ac:spMk id="455" creationId="{23D4B13C-EDDB-48C1-9155-CA975B1BB761}"/>
+          </ac:spMkLst>
+        </pc:spChg>
+        <pc:spChg chg="add del mod">
+          <ac:chgData name="Fatima Pillosu" userId="a6295d4dc9e22643" providerId="LiveId" clId="{B303C878-8799-4007-876A-6617B70F571A}" dt="2020-12-03T09:58:50.389" v="7887"/>
+          <ac:spMkLst>
+            <pc:docMk/>
+            <pc:sldMk cId="2969362105" sldId="256"/>
+            <ac:spMk id="456" creationId="{689DABCB-2B74-45DE-8D3B-7D662F085C4F}"/>
+          </ac:spMkLst>
+        </pc:spChg>
+        <pc:spChg chg="add del mod">
+          <ac:chgData name="Fatima Pillosu" userId="a6295d4dc9e22643" providerId="LiveId" clId="{B303C878-8799-4007-876A-6617B70F571A}" dt="2020-12-03T09:58:50.389" v="7887"/>
+          <ac:spMkLst>
+            <pc:docMk/>
+            <pc:sldMk cId="2969362105" sldId="256"/>
+            <ac:spMk id="457" creationId="{ECE61AF6-6EAC-42B1-A4DD-321F8371703C}"/>
+          </ac:spMkLst>
+        </pc:spChg>
+        <pc:spChg chg="add del mod">
+          <ac:chgData name="Fatima Pillosu" userId="a6295d4dc9e22643" providerId="LiveId" clId="{B303C878-8799-4007-876A-6617B70F571A}" dt="2020-12-03T09:58:50.389" v="7887"/>
+          <ac:spMkLst>
+            <pc:docMk/>
+            <pc:sldMk cId="2969362105" sldId="256"/>
+            <ac:spMk id="458" creationId="{6892BE98-5447-4B05-9F9B-1AC73E53D834}"/>
+          </ac:spMkLst>
+        </pc:spChg>
+        <pc:spChg chg="add del mod">
+          <ac:chgData name="Fatima Pillosu" userId="a6295d4dc9e22643" providerId="LiveId" clId="{B303C878-8799-4007-876A-6617B70F571A}" dt="2020-12-03T09:58:50.389" v="7887"/>
+          <ac:spMkLst>
+            <pc:docMk/>
+            <pc:sldMk cId="2969362105" sldId="256"/>
+            <ac:spMk id="459" creationId="{F91FF6A3-F360-4201-AD84-AEAF9C76F8E9}"/>
+          </ac:spMkLst>
+        </pc:spChg>
+        <pc:spChg chg="add del mod">
+          <ac:chgData name="Fatima Pillosu" userId="a6295d4dc9e22643" providerId="LiveId" clId="{B303C878-8799-4007-876A-6617B70F571A}" dt="2020-12-03T09:58:50.389" v="7887"/>
+          <ac:spMkLst>
+            <pc:docMk/>
+            <pc:sldMk cId="2969362105" sldId="256"/>
+            <ac:spMk id="460" creationId="{92FF846D-03D3-4E03-B359-3197FD98431B}"/>
+          </ac:spMkLst>
+        </pc:spChg>
+        <pc:spChg chg="add del mod">
+          <ac:chgData name="Fatima Pillosu" userId="a6295d4dc9e22643" providerId="LiveId" clId="{B303C878-8799-4007-876A-6617B70F571A}" dt="2020-12-03T09:58:50.389" v="7887"/>
+          <ac:spMkLst>
+            <pc:docMk/>
+            <pc:sldMk cId="2969362105" sldId="256"/>
+            <ac:spMk id="461" creationId="{4CB3D364-DDA3-431D-A420-38C22072E35A}"/>
+          </ac:spMkLst>
+        </pc:spChg>
+        <pc:spChg chg="add del mod">
+          <ac:chgData name="Fatima Pillosu" userId="a6295d4dc9e22643" providerId="LiveId" clId="{B303C878-8799-4007-876A-6617B70F571A}" dt="2020-12-03T09:58:50.389" v="7887"/>
+          <ac:spMkLst>
+            <pc:docMk/>
+            <pc:sldMk cId="2969362105" sldId="256"/>
+            <ac:spMk id="462" creationId="{5108FD85-A437-412E-8336-6FC898A16C29}"/>
+          </ac:spMkLst>
+        </pc:spChg>
+        <pc:spChg chg="add del mod">
+          <ac:chgData name="Fatima Pillosu" userId="a6295d4dc9e22643" providerId="LiveId" clId="{B303C878-8799-4007-876A-6617B70F571A}" dt="2020-12-03T09:58:50.389" v="7887"/>
+          <ac:spMkLst>
+            <pc:docMk/>
+            <pc:sldMk cId="2969362105" sldId="256"/>
+            <ac:spMk id="463" creationId="{7681FA91-E630-4513-97E4-90B014578861}"/>
+          </ac:spMkLst>
+        </pc:spChg>
+        <pc:spChg chg="add mod">
+          <ac:chgData name="Fatima Pillosu" userId="a6295d4dc9e22643" providerId="LiveId" clId="{B303C878-8799-4007-876A-6617B70F571A}" dt="2020-12-03T09:59:07.009" v="7895" actId="1036"/>
+          <ac:spMkLst>
+            <pc:docMk/>
+            <pc:sldMk cId="2969362105" sldId="256"/>
+            <ac:spMk id="465" creationId="{7E4A8C36-ACEA-4934-9A43-FFFDB4668CD9}"/>
           </ac:spMkLst>
         </pc:spChg>
         <pc:spChg chg="add del">
@@ -2831,6 +4449,14 @@
             <ac:spMk id="467" creationId="{30768070-4869-444A-AAFB-6ED863B6CC70}"/>
           </ac:spMkLst>
         </pc:spChg>
+        <pc:spChg chg="add mod">
+          <ac:chgData name="Fatima Pillosu" userId="a6295d4dc9e22643" providerId="LiveId" clId="{B303C878-8799-4007-876A-6617B70F571A}" dt="2020-12-03T09:59:07.009" v="7895" actId="1036"/>
+          <ac:spMkLst>
+            <pc:docMk/>
+            <pc:sldMk cId="2969362105" sldId="256"/>
+            <ac:spMk id="467" creationId="{86943C14-87EC-410A-BC98-573650AC41F1}"/>
+          </ac:spMkLst>
+        </pc:spChg>
         <pc:spChg chg="add del">
           <ac:chgData name="Fatima Pillosu" userId="a6295d4dc9e22643" providerId="LiveId" clId="{B303C878-8799-4007-876A-6617B70F571A}" dt="2020-12-01T11:13:47.748" v="3534"/>
           <ac:spMkLst>
@@ -2847,6 +4473,14 @@
             <ac:spMk id="469" creationId="{6285E0F0-AE9C-4E75-950F-896C143C2DB5}"/>
           </ac:spMkLst>
         </pc:spChg>
+        <pc:spChg chg="add mod">
+          <ac:chgData name="Fatima Pillosu" userId="a6295d4dc9e22643" providerId="LiveId" clId="{B303C878-8799-4007-876A-6617B70F571A}" dt="2020-12-03T09:59:07.009" v="7895" actId="1036"/>
+          <ac:spMkLst>
+            <pc:docMk/>
+            <pc:sldMk cId="2969362105" sldId="256"/>
+            <ac:spMk id="469" creationId="{940EA5CF-51CB-4A73-9091-059198B034AB}"/>
+          </ac:spMkLst>
+        </pc:spChg>
         <pc:spChg chg="add del mod">
           <ac:chgData name="Fatima Pillosu" userId="a6295d4dc9e22643" providerId="LiveId" clId="{B303C878-8799-4007-876A-6617B70F571A}" dt="2020-12-01T11:13:47.748" v="3534"/>
           <ac:spMkLst>
@@ -2855,6 +4489,22 @@
             <ac:spMk id="471" creationId="{5C896204-E41D-4495-A953-FF2B97F79862}"/>
           </ac:spMkLst>
         </pc:spChg>
+        <pc:spChg chg="add mod">
+          <ac:chgData name="Fatima Pillosu" userId="a6295d4dc9e22643" providerId="LiveId" clId="{B303C878-8799-4007-876A-6617B70F571A}" dt="2020-12-03T09:59:07.009" v="7895" actId="1036"/>
+          <ac:spMkLst>
+            <pc:docMk/>
+            <pc:sldMk cId="2969362105" sldId="256"/>
+            <ac:spMk id="471" creationId="{C4E711C0-194D-40B8-930F-D98FB7AA7C5B}"/>
+          </ac:spMkLst>
+        </pc:spChg>
+        <pc:spChg chg="add mod">
+          <ac:chgData name="Fatima Pillosu" userId="a6295d4dc9e22643" providerId="LiveId" clId="{B303C878-8799-4007-876A-6617B70F571A}" dt="2020-12-03T09:59:07.009" v="7895" actId="1036"/>
+          <ac:spMkLst>
+            <pc:docMk/>
+            <pc:sldMk cId="2969362105" sldId="256"/>
+            <ac:spMk id="472" creationId="{1119BC35-51E7-4626-B6ED-4897A9F600B0}"/>
+          </ac:spMkLst>
+        </pc:spChg>
         <pc:spChg chg="add del mod">
           <ac:chgData name="Fatima Pillosu" userId="a6295d4dc9e22643" providerId="LiveId" clId="{B303C878-8799-4007-876A-6617B70F571A}" dt="2020-12-01T11:13:47.748" v="3534"/>
           <ac:spMkLst>
@@ -2871,6 +4521,22 @@
             <ac:spMk id="473" creationId="{CC1B3A07-8FBF-4CDC-8806-AE9707B0A5A0}"/>
           </ac:spMkLst>
         </pc:spChg>
+        <pc:spChg chg="add mod">
+          <ac:chgData name="Fatima Pillosu" userId="a6295d4dc9e22643" providerId="LiveId" clId="{B303C878-8799-4007-876A-6617B70F571A}" dt="2020-12-03T09:59:07.009" v="7895" actId="1036"/>
+          <ac:spMkLst>
+            <pc:docMk/>
+            <pc:sldMk cId="2969362105" sldId="256"/>
+            <ac:spMk id="474" creationId="{A19F4E61-1A10-4150-8AD7-ED10EF1781B4}"/>
+          </ac:spMkLst>
+        </pc:spChg>
+        <pc:spChg chg="add mod">
+          <ac:chgData name="Fatima Pillosu" userId="a6295d4dc9e22643" providerId="LiveId" clId="{B303C878-8799-4007-876A-6617B70F571A}" dt="2020-12-03T09:59:07.009" v="7895" actId="1036"/>
+          <ac:spMkLst>
+            <pc:docMk/>
+            <pc:sldMk cId="2969362105" sldId="256"/>
+            <ac:spMk id="475" creationId="{4D8F7A0B-EC7F-4F99-9928-2825185793A5}"/>
+          </ac:spMkLst>
+        </pc:spChg>
         <pc:spChg chg="add del mod">
           <ac:chgData name="Fatima Pillosu" userId="a6295d4dc9e22643" providerId="LiveId" clId="{B303C878-8799-4007-876A-6617B70F571A}" dt="2020-12-01T11:13:47.748" v="3534"/>
           <ac:spMkLst>
@@ -2895,6 +4561,14 @@
             <ac:spMk id="477" creationId="{FFD27079-8EBC-4F2D-8329-BAC9A11ACB60}"/>
           </ac:spMkLst>
         </pc:spChg>
+        <pc:spChg chg="add mod">
+          <ac:chgData name="Fatima Pillosu" userId="a6295d4dc9e22643" providerId="LiveId" clId="{B303C878-8799-4007-876A-6617B70F571A}" dt="2020-12-03T09:59:07.009" v="7895" actId="1036"/>
+          <ac:spMkLst>
+            <pc:docMk/>
+            <pc:sldMk cId="2969362105" sldId="256"/>
+            <ac:spMk id="478" creationId="{9093A179-0643-4200-BC81-1F92BAEC0D6D}"/>
+          </ac:spMkLst>
+        </pc:spChg>
         <pc:spChg chg="add del mod">
           <ac:chgData name="Fatima Pillosu" userId="a6295d4dc9e22643" providerId="LiveId" clId="{B303C878-8799-4007-876A-6617B70F571A}" dt="2020-12-01T11:13:47.748" v="3534"/>
           <ac:spMkLst>
@@ -2903,6 +4577,14 @@
             <ac:spMk id="480" creationId="{A59E0CB1-5EB7-4485-A5E7-F315E714075D}"/>
           </ac:spMkLst>
         </pc:spChg>
+        <pc:spChg chg="add mod">
+          <ac:chgData name="Fatima Pillosu" userId="a6295d4dc9e22643" providerId="LiveId" clId="{B303C878-8799-4007-876A-6617B70F571A}" dt="2020-12-03T09:59:07.009" v="7895" actId="1036"/>
+          <ac:spMkLst>
+            <pc:docMk/>
+            <pc:sldMk cId="2969362105" sldId="256"/>
+            <ac:spMk id="482" creationId="{1BA5B42F-57FF-4AF9-95DA-7475D36127FA}"/>
+          </ac:spMkLst>
+        </pc:spChg>
         <pc:spChg chg="add del mod">
           <ac:chgData name="Fatima Pillosu" userId="a6295d4dc9e22643" providerId="LiveId" clId="{B303C878-8799-4007-876A-6617B70F571A}" dt="2020-12-01T11:13:47.748" v="3534"/>
           <ac:spMkLst>
@@ -2919,6 +4601,22 @@
             <ac:spMk id="484" creationId="{1A21D2A9-C21F-4DF9-93A4-8B2B24DAB8A8}"/>
           </ac:spMkLst>
         </pc:spChg>
+        <pc:spChg chg="add mod">
+          <ac:chgData name="Fatima Pillosu" userId="a6295d4dc9e22643" providerId="LiveId" clId="{B303C878-8799-4007-876A-6617B70F571A}" dt="2020-12-03T09:59:07.009" v="7895" actId="1036"/>
+          <ac:spMkLst>
+            <pc:docMk/>
+            <pc:sldMk cId="2969362105" sldId="256"/>
+            <ac:spMk id="484" creationId="{B28BE4E2-67A1-4538-9540-7C2B4B84B733}"/>
+          </ac:spMkLst>
+        </pc:spChg>
+        <pc:spChg chg="add mod">
+          <ac:chgData name="Fatima Pillosu" userId="a6295d4dc9e22643" providerId="LiveId" clId="{B303C878-8799-4007-876A-6617B70F571A}" dt="2020-12-03T09:59:07.009" v="7895" actId="1036"/>
+          <ac:spMkLst>
+            <pc:docMk/>
+            <pc:sldMk cId="2969362105" sldId="256"/>
+            <ac:spMk id="485" creationId="{B4A68F6B-316B-4B6F-B4B8-F1475E887874}"/>
+          </ac:spMkLst>
+        </pc:spChg>
         <pc:spChg chg="add del mod">
           <ac:chgData name="Fatima Pillosu" userId="a6295d4dc9e22643" providerId="LiveId" clId="{B303C878-8799-4007-876A-6617B70F571A}" dt="2020-12-01T11:13:47.748" v="3534"/>
           <ac:spMkLst>
@@ -2927,6 +4625,22 @@
             <ac:spMk id="486" creationId="{6D50BD09-083B-49EB-AC7F-A85A938538DD}"/>
           </ac:spMkLst>
         </pc:spChg>
+        <pc:spChg chg="add mod">
+          <ac:chgData name="Fatima Pillosu" userId="a6295d4dc9e22643" providerId="LiveId" clId="{B303C878-8799-4007-876A-6617B70F571A}" dt="2020-12-03T09:59:07.009" v="7895" actId="1036"/>
+          <ac:spMkLst>
+            <pc:docMk/>
+            <pc:sldMk cId="2969362105" sldId="256"/>
+            <ac:spMk id="486" creationId="{C5EA621A-1ABE-4A5E-A0AA-81CE869A521E}"/>
+          </ac:spMkLst>
+        </pc:spChg>
+        <pc:spChg chg="add mod">
+          <ac:chgData name="Fatima Pillosu" userId="a6295d4dc9e22643" providerId="LiveId" clId="{B303C878-8799-4007-876A-6617B70F571A}" dt="2020-12-03T09:59:07.009" v="7895" actId="1036"/>
+          <ac:spMkLst>
+            <pc:docMk/>
+            <pc:sldMk cId="2969362105" sldId="256"/>
+            <ac:spMk id="487" creationId="{B76A406E-8FD9-481E-A564-E98C5B9F7752}"/>
+          </ac:spMkLst>
+        </pc:spChg>
         <pc:spChg chg="add del mod">
           <ac:chgData name="Fatima Pillosu" userId="a6295d4dc9e22643" providerId="LiveId" clId="{B303C878-8799-4007-876A-6617B70F571A}" dt="2020-12-01T11:13:47.748" v="3534"/>
           <ac:spMkLst>
@@ -2943,6 +4657,14 @@
             <ac:spMk id="489" creationId="{6EDF2BDB-6CA6-43B9-926F-36B28CCFC6C7}"/>
           </ac:spMkLst>
         </pc:spChg>
+        <pc:spChg chg="add mod">
+          <ac:chgData name="Fatima Pillosu" userId="a6295d4dc9e22643" providerId="LiveId" clId="{B303C878-8799-4007-876A-6617B70F571A}" dt="2020-12-03T09:59:07.009" v="7895" actId="1036"/>
+          <ac:spMkLst>
+            <pc:docMk/>
+            <pc:sldMk cId="2969362105" sldId="256"/>
+            <ac:spMk id="489" creationId="{B52029EA-D598-4E53-B992-ABA34CDA8998}"/>
+          </ac:spMkLst>
+        </pc:spChg>
         <pc:spChg chg="add del mod">
           <ac:chgData name="Fatima Pillosu" userId="a6295d4dc9e22643" providerId="LiveId" clId="{B303C878-8799-4007-876A-6617B70F571A}" dt="2020-12-01T11:13:47.748" v="3534"/>
           <ac:spMkLst>
@@ -2951,6 +4673,30 @@
             <ac:spMk id="492" creationId="{49E5D631-8C5E-48BB-BB05-DE1439D97F10}"/>
           </ac:spMkLst>
         </pc:spChg>
+        <pc:spChg chg="add mod">
+          <ac:chgData name="Fatima Pillosu" userId="a6295d4dc9e22643" providerId="LiveId" clId="{B303C878-8799-4007-876A-6617B70F571A}" dt="2020-12-03T09:59:07.009" v="7895" actId="1036"/>
+          <ac:spMkLst>
+            <pc:docMk/>
+            <pc:sldMk cId="2969362105" sldId="256"/>
+            <ac:spMk id="492" creationId="{771B083D-A159-49F5-949C-2E754AEFC286}"/>
+          </ac:spMkLst>
+        </pc:spChg>
+        <pc:spChg chg="add mod">
+          <ac:chgData name="Fatima Pillosu" userId="a6295d4dc9e22643" providerId="LiveId" clId="{B303C878-8799-4007-876A-6617B70F571A}" dt="2020-12-03T09:59:07.009" v="7895" actId="1036"/>
+          <ac:spMkLst>
+            <pc:docMk/>
+            <pc:sldMk cId="2969362105" sldId="256"/>
+            <ac:spMk id="493" creationId="{F7362386-B987-4456-915F-1623B14D210E}"/>
+          </ac:spMkLst>
+        </pc:spChg>
+        <pc:spChg chg="add mod">
+          <ac:chgData name="Fatima Pillosu" userId="a6295d4dc9e22643" providerId="LiveId" clId="{B303C878-8799-4007-876A-6617B70F571A}" dt="2020-12-03T09:59:07.009" v="7895" actId="1036"/>
+          <ac:spMkLst>
+            <pc:docMk/>
+            <pc:sldMk cId="2969362105" sldId="256"/>
+            <ac:spMk id="495" creationId="{5A0C0298-8DAC-4D51-B7D0-CFAAEA98CC6C}"/>
+          </ac:spMkLst>
+        </pc:spChg>
         <pc:spChg chg="add del mod">
           <ac:chgData name="Fatima Pillosu" userId="a6295d4dc9e22643" providerId="LiveId" clId="{B303C878-8799-4007-876A-6617B70F571A}" dt="2020-12-01T11:13:47.748" v="3534"/>
           <ac:spMkLst>
@@ -2959,6 +4705,14 @@
             <ac:spMk id="496" creationId="{CE109302-84F3-41F1-B7D0-5DC474F56AD2}"/>
           </ac:spMkLst>
         </pc:spChg>
+        <pc:spChg chg="add mod">
+          <ac:chgData name="Fatima Pillosu" userId="a6295d4dc9e22643" providerId="LiveId" clId="{B303C878-8799-4007-876A-6617B70F571A}" dt="2020-12-03T09:59:07.009" v="7895" actId="1036"/>
+          <ac:spMkLst>
+            <pc:docMk/>
+            <pc:sldMk cId="2969362105" sldId="256"/>
+            <ac:spMk id="497" creationId="{17275D91-855A-44CA-B216-D400EFB231F3}"/>
+          </ac:spMkLst>
+        </pc:spChg>
         <pc:spChg chg="add del mod">
           <ac:chgData name="Fatima Pillosu" userId="a6295d4dc9e22643" providerId="LiveId" clId="{B303C878-8799-4007-876A-6617B70F571A}" dt="2020-12-01T11:13:47.748" v="3534"/>
           <ac:spMkLst>
@@ -2967,6 +4721,22 @@
             <ac:spMk id="497" creationId="{65245B4B-E734-47C2-AC68-BA59CA04B0FD}"/>
           </ac:spMkLst>
         </pc:spChg>
+        <pc:spChg chg="add mod">
+          <ac:chgData name="Fatima Pillosu" userId="a6295d4dc9e22643" providerId="LiveId" clId="{B303C878-8799-4007-876A-6617B70F571A}" dt="2020-12-03T09:59:07.009" v="7895" actId="1036"/>
+          <ac:spMkLst>
+            <pc:docMk/>
+            <pc:sldMk cId="2969362105" sldId="256"/>
+            <ac:spMk id="498" creationId="{ED8A156E-BA61-4013-B500-A30E690539CA}"/>
+          </ac:spMkLst>
+        </pc:spChg>
+        <pc:spChg chg="add mod">
+          <ac:chgData name="Fatima Pillosu" userId="a6295d4dc9e22643" providerId="LiveId" clId="{B303C878-8799-4007-876A-6617B70F571A}" dt="2020-12-03T09:59:07.009" v="7895" actId="1036"/>
+          <ac:spMkLst>
+            <pc:docMk/>
+            <pc:sldMk cId="2969362105" sldId="256"/>
+            <ac:spMk id="499" creationId="{33BA6D74-B854-4FAC-9490-294744848051}"/>
+          </ac:spMkLst>
+        </pc:spChg>
         <pc:spChg chg="add del mod">
           <ac:chgData name="Fatima Pillosu" userId="a6295d4dc9e22643" providerId="LiveId" clId="{B303C878-8799-4007-876A-6617B70F571A}" dt="2020-12-01T11:13:47.748" v="3534"/>
           <ac:spMkLst>
@@ -2975,6 +4745,22 @@
             <ac:spMk id="499" creationId="{76A68EBE-BB3B-445F-8169-FF84916C3BDD}"/>
           </ac:spMkLst>
         </pc:spChg>
+        <pc:spChg chg="add mod">
+          <ac:chgData name="Fatima Pillosu" userId="a6295d4dc9e22643" providerId="LiveId" clId="{B303C878-8799-4007-876A-6617B70F571A}" dt="2020-12-03T09:59:07.009" v="7895" actId="1036"/>
+          <ac:spMkLst>
+            <pc:docMk/>
+            <pc:sldMk cId="2969362105" sldId="256"/>
+            <ac:spMk id="500" creationId="{2AD6411D-2E8F-4679-B775-AB36E7CC34CF}"/>
+          </ac:spMkLst>
+        </pc:spChg>
+        <pc:spChg chg="add mod">
+          <ac:chgData name="Fatima Pillosu" userId="a6295d4dc9e22643" providerId="LiveId" clId="{B303C878-8799-4007-876A-6617B70F571A}" dt="2020-12-03T09:59:07.009" v="7895" actId="1036"/>
+          <ac:spMkLst>
+            <pc:docMk/>
+            <pc:sldMk cId="2969362105" sldId="256"/>
+            <ac:spMk id="501" creationId="{C1A1EB64-361E-405B-B0C2-B191926B6DB4}"/>
+          </ac:spMkLst>
+        </pc:spChg>
         <pc:spChg chg="add del mod">
           <ac:chgData name="Fatima Pillosu" userId="a6295d4dc9e22643" providerId="LiveId" clId="{B303C878-8799-4007-876A-6617B70F571A}" dt="2020-12-01T11:13:47.748" v="3534"/>
           <ac:spMkLst>
@@ -2983,6 +4769,14 @@
             <ac:spMk id="501" creationId="{DD7EA9FB-68FA-4752-A4D5-5F18042A472E}"/>
           </ac:spMkLst>
         </pc:spChg>
+        <pc:spChg chg="add mod">
+          <ac:chgData name="Fatima Pillosu" userId="a6295d4dc9e22643" providerId="LiveId" clId="{B303C878-8799-4007-876A-6617B70F571A}" dt="2020-12-03T09:59:07.009" v="7895" actId="1036"/>
+          <ac:spMkLst>
+            <pc:docMk/>
+            <pc:sldMk cId="2969362105" sldId="256"/>
+            <ac:spMk id="502" creationId="{73D9DAE7-09B1-4B43-A644-EEACF9A45090}"/>
+          </ac:spMkLst>
+        </pc:spChg>
         <pc:spChg chg="add del mod">
           <ac:chgData name="Fatima Pillosu" userId="a6295d4dc9e22643" providerId="LiveId" clId="{B303C878-8799-4007-876A-6617B70F571A}" dt="2020-12-01T11:13:47.748" v="3534"/>
           <ac:spMkLst>
@@ -3015,6 +4809,22 @@
             <ac:spMk id="506" creationId="{1907EF11-8AD5-4DAE-8F92-18D88E0DD306}"/>
           </ac:spMkLst>
         </pc:spChg>
+        <pc:spChg chg="add mod">
+          <ac:chgData name="Fatima Pillosu" userId="a6295d4dc9e22643" providerId="LiveId" clId="{B303C878-8799-4007-876A-6617B70F571A}" dt="2020-12-03T09:59:07.009" v="7895" actId="1036"/>
+          <ac:spMkLst>
+            <pc:docMk/>
+            <pc:sldMk cId="2969362105" sldId="256"/>
+            <ac:spMk id="506" creationId="{4F4C3D15-1D32-42F1-BB42-269A2A8C309A}"/>
+          </ac:spMkLst>
+        </pc:spChg>
+        <pc:spChg chg="add mod">
+          <ac:chgData name="Fatima Pillosu" userId="a6295d4dc9e22643" providerId="LiveId" clId="{B303C878-8799-4007-876A-6617B70F571A}" dt="2020-12-03T09:59:07.009" v="7895" actId="1036"/>
+          <ac:spMkLst>
+            <pc:docMk/>
+            <pc:sldMk cId="2969362105" sldId="256"/>
+            <ac:spMk id="507" creationId="{109B0D16-3A89-4EAE-AD28-62971053DFB3}"/>
+          </ac:spMkLst>
+        </pc:spChg>
         <pc:spChg chg="add del mod">
           <ac:chgData name="Fatima Pillosu" userId="a6295d4dc9e22643" providerId="LiveId" clId="{B303C878-8799-4007-876A-6617B70F571A}" dt="2020-12-01T11:13:47.748" v="3534"/>
           <ac:spMkLst>
@@ -3023,6 +4833,14 @@
             <ac:spMk id="507" creationId="{8F624067-139D-4281-9B0B-7D52DAA0DD71}"/>
           </ac:spMkLst>
         </pc:spChg>
+        <pc:spChg chg="add mod">
+          <ac:chgData name="Fatima Pillosu" userId="a6295d4dc9e22643" providerId="LiveId" clId="{B303C878-8799-4007-876A-6617B70F571A}" dt="2020-12-03T09:59:07.009" v="7895" actId="1036"/>
+          <ac:spMkLst>
+            <pc:docMk/>
+            <pc:sldMk cId="2969362105" sldId="256"/>
+            <ac:spMk id="508" creationId="{4E6C7F05-8A95-4CFE-9C21-69F6F17D8894}"/>
+          </ac:spMkLst>
+        </pc:spChg>
         <pc:spChg chg="add del mod">
           <ac:chgData name="Fatima Pillosu" userId="a6295d4dc9e22643" providerId="LiveId" clId="{B303C878-8799-4007-876A-6617B70F571A}" dt="2020-12-01T11:13:47.748" v="3534"/>
           <ac:spMkLst>
@@ -3031,6 +4849,22 @@
             <ac:spMk id="508" creationId="{61124109-2A79-45E1-AE95-A87ABCE48734}"/>
           </ac:spMkLst>
         </pc:spChg>
+        <pc:spChg chg="add mod">
+          <ac:chgData name="Fatima Pillosu" userId="a6295d4dc9e22643" providerId="LiveId" clId="{B303C878-8799-4007-876A-6617B70F571A}" dt="2020-12-03T09:59:07.009" v="7895" actId="1036"/>
+          <ac:spMkLst>
+            <pc:docMk/>
+            <pc:sldMk cId="2969362105" sldId="256"/>
+            <ac:spMk id="509" creationId="{2E254674-B4A1-45B3-9ADE-F4EB5E3E751D}"/>
+          </ac:spMkLst>
+        </pc:spChg>
+        <pc:spChg chg="add mod">
+          <ac:chgData name="Fatima Pillosu" userId="a6295d4dc9e22643" providerId="LiveId" clId="{B303C878-8799-4007-876A-6617B70F571A}" dt="2020-12-03T09:59:07.009" v="7895" actId="1036"/>
+          <ac:spMkLst>
+            <pc:docMk/>
+            <pc:sldMk cId="2969362105" sldId="256"/>
+            <ac:spMk id="510" creationId="{4616446E-1252-4FB9-B48E-F1D60884A883}"/>
+          </ac:spMkLst>
+        </pc:spChg>
         <pc:spChg chg="add del mod">
           <ac:chgData name="Fatima Pillosu" userId="a6295d4dc9e22643" providerId="LiveId" clId="{B303C878-8799-4007-876A-6617B70F571A}" dt="2020-12-01T11:13:47.748" v="3534"/>
           <ac:spMkLst>
@@ -3047,6 +4881,14 @@
             <ac:spMk id="511" creationId="{A5908AEF-386F-44ED-9E14-9EFCFA0F55B3}"/>
           </ac:spMkLst>
         </pc:spChg>
+        <pc:spChg chg="add mod">
+          <ac:chgData name="Fatima Pillosu" userId="a6295d4dc9e22643" providerId="LiveId" clId="{B303C878-8799-4007-876A-6617B70F571A}" dt="2020-12-03T09:59:07.009" v="7895" actId="1036"/>
+          <ac:spMkLst>
+            <pc:docMk/>
+            <pc:sldMk cId="2969362105" sldId="256"/>
+            <ac:spMk id="512" creationId="{4AB6B2D2-54F4-4460-89DD-70C988F84666}"/>
+          </ac:spMkLst>
+        </pc:spChg>
         <pc:spChg chg="add del mod">
           <ac:chgData name="Fatima Pillosu" userId="a6295d4dc9e22643" providerId="LiveId" clId="{B303C878-8799-4007-876A-6617B70F571A}" dt="2020-12-01T11:13:47.748" v="3534"/>
           <ac:spMkLst>
@@ -3055,6 +4897,14 @@
             <ac:spMk id="512" creationId="{ED863EE3-1BF5-4318-BEE4-198986008DA7}"/>
           </ac:spMkLst>
         </pc:spChg>
+        <pc:spChg chg="add mod">
+          <ac:chgData name="Fatima Pillosu" userId="a6295d4dc9e22643" providerId="LiveId" clId="{B303C878-8799-4007-876A-6617B70F571A}" dt="2020-12-03T09:59:07.009" v="7895" actId="1036"/>
+          <ac:spMkLst>
+            <pc:docMk/>
+            <pc:sldMk cId="2969362105" sldId="256"/>
+            <ac:spMk id="513" creationId="{0821C3C3-DAFA-4D1C-BDA4-9E18E9B3E9F0}"/>
+          </ac:spMkLst>
+        </pc:spChg>
         <pc:spChg chg="add del mod">
           <ac:chgData name="Fatima Pillosu" userId="a6295d4dc9e22643" providerId="LiveId" clId="{B303C878-8799-4007-876A-6617B70F571A}" dt="2020-12-01T11:13:47.748" v="3534"/>
           <ac:spMkLst>
@@ -3063,12 +4913,68 @@
             <ac:spMk id="514" creationId="{3FF52796-A14A-429C-AB77-36F897F1E4B1}"/>
           </ac:spMkLst>
         </pc:spChg>
+        <pc:spChg chg="add mod">
+          <ac:chgData name="Fatima Pillosu" userId="a6295d4dc9e22643" providerId="LiveId" clId="{B303C878-8799-4007-876A-6617B70F571A}" dt="2020-12-03T09:59:07.009" v="7895" actId="1036"/>
+          <ac:spMkLst>
+            <pc:docMk/>
+            <pc:sldMk cId="2969362105" sldId="256"/>
+            <ac:spMk id="514" creationId="{D9E05BE6-D584-4905-A812-82A298D32D4C}"/>
+          </ac:spMkLst>
+        </pc:spChg>
         <pc:spChg chg="add del mod">
           <ac:chgData name="Fatima Pillosu" userId="a6295d4dc9e22643" providerId="LiveId" clId="{B303C878-8799-4007-876A-6617B70F571A}" dt="2020-12-01T11:13:47.748" v="3534"/>
           <ac:spMkLst>
             <pc:docMk/>
             <pc:sldMk cId="2969362105" sldId="256"/>
             <ac:spMk id="515" creationId="{15501998-BA38-48DF-95E9-56F11D27A682}"/>
+          </ac:spMkLst>
+        </pc:spChg>
+        <pc:spChg chg="add mod">
+          <ac:chgData name="Fatima Pillosu" userId="a6295d4dc9e22643" providerId="LiveId" clId="{B303C878-8799-4007-876A-6617B70F571A}" dt="2020-12-03T09:59:07.009" v="7895" actId="1036"/>
+          <ac:spMkLst>
+            <pc:docMk/>
+            <pc:sldMk cId="2969362105" sldId="256"/>
+            <ac:spMk id="515" creationId="{215634C7-49E3-4904-8006-4A113FE8E177}"/>
+          </ac:spMkLst>
+        </pc:spChg>
+        <pc:spChg chg="add mod">
+          <ac:chgData name="Fatima Pillosu" userId="a6295d4dc9e22643" providerId="LiveId" clId="{B303C878-8799-4007-876A-6617B70F571A}" dt="2020-12-03T09:59:07.009" v="7895" actId="1036"/>
+          <ac:spMkLst>
+            <pc:docMk/>
+            <pc:sldMk cId="2969362105" sldId="256"/>
+            <ac:spMk id="516" creationId="{978FF368-6649-4BA9-B979-B1BB24985335}"/>
+          </ac:spMkLst>
+        </pc:spChg>
+        <pc:spChg chg="add mod">
+          <ac:chgData name="Fatima Pillosu" userId="a6295d4dc9e22643" providerId="LiveId" clId="{B303C878-8799-4007-876A-6617B70F571A}" dt="2020-12-03T09:59:07.009" v="7895" actId="1036"/>
+          <ac:spMkLst>
+            <pc:docMk/>
+            <pc:sldMk cId="2969362105" sldId="256"/>
+            <ac:spMk id="517" creationId="{194F20A8-7DDE-430F-8102-A24011A14F5E}"/>
+          </ac:spMkLst>
+        </pc:spChg>
+        <pc:spChg chg="add mod">
+          <ac:chgData name="Fatima Pillosu" userId="a6295d4dc9e22643" providerId="LiveId" clId="{B303C878-8799-4007-876A-6617B70F571A}" dt="2020-12-03T09:59:07.009" v="7895" actId="1036"/>
+          <ac:spMkLst>
+            <pc:docMk/>
+            <pc:sldMk cId="2969362105" sldId="256"/>
+            <ac:spMk id="518" creationId="{FFF49690-6F58-48A3-84F8-99E0E2A5104D}"/>
+          </ac:spMkLst>
+        </pc:spChg>
+        <pc:spChg chg="add mod">
+          <ac:chgData name="Fatima Pillosu" userId="a6295d4dc9e22643" providerId="LiveId" clId="{B303C878-8799-4007-876A-6617B70F571A}" dt="2020-12-03T09:59:07.009" v="7895" actId="1036"/>
+          <ac:spMkLst>
+            <pc:docMk/>
+            <pc:sldMk cId="2969362105" sldId="256"/>
+            <ac:spMk id="519" creationId="{3A70BCB8-E7FC-4473-B0A0-144B170FD542}"/>
+          </ac:spMkLst>
+        </pc:spChg>
+        <pc:spChg chg="add mod">
+          <ac:chgData name="Fatima Pillosu" userId="a6295d4dc9e22643" providerId="LiveId" clId="{B303C878-8799-4007-876A-6617B70F571A}" dt="2020-12-03T09:59:07.009" v="7895" actId="1036"/>
+          <ac:spMkLst>
+            <pc:docMk/>
+            <pc:sldMk cId="2969362105" sldId="256"/>
+            <ac:spMk id="520" creationId="{8DC48824-566F-4170-831A-237A0FD72713}"/>
           </ac:spMkLst>
         </pc:spChg>
         <pc:spChg chg="add del">
@@ -3077,6 +4983,14 @@
             <pc:docMk/>
             <pc:sldMk cId="2969362105" sldId="256"/>
             <ac:spMk id="520" creationId="{E686B853-BB87-4971-B688-D21F8B0C07BA}"/>
+          </ac:spMkLst>
+        </pc:spChg>
+        <pc:spChg chg="add mod">
+          <ac:chgData name="Fatima Pillosu" userId="a6295d4dc9e22643" providerId="LiveId" clId="{B303C878-8799-4007-876A-6617B70F571A}" dt="2020-12-03T09:59:07.009" v="7895" actId="1036"/>
+          <ac:spMkLst>
+            <pc:docMk/>
+            <pc:sldMk cId="2969362105" sldId="256"/>
+            <ac:spMk id="521" creationId="{8F34D7DC-F292-46CA-A3EF-4D11C8740841}"/>
           </ac:spMkLst>
         </pc:spChg>
         <pc:spChg chg="add del">
@@ -4151,6 +6065,30 @@
             <ac:cxnSpMk id="8" creationId="{E297ECF0-CDA3-440F-A53A-1F63D0459405}"/>
           </ac:cxnSpMkLst>
         </pc:cxnChg>
+        <pc:cxnChg chg="add del mod">
+          <ac:chgData name="Fatima Pillosu" userId="a6295d4dc9e22643" providerId="LiveId" clId="{B303C878-8799-4007-876A-6617B70F571A}" dt="2020-12-03T09:25:26.926" v="7150" actId="478"/>
+          <ac:cxnSpMkLst>
+            <pc:docMk/>
+            <pc:sldMk cId="2969362105" sldId="256"/>
+            <ac:cxnSpMk id="12" creationId="{B79D0682-94A5-4525-846E-9F3E5604E323}"/>
+          </ac:cxnSpMkLst>
+        </pc:cxnChg>
+        <pc:cxnChg chg="add del mod">
+          <ac:chgData name="Fatima Pillosu" userId="a6295d4dc9e22643" providerId="LiveId" clId="{B303C878-8799-4007-876A-6617B70F571A}" dt="2020-12-03T09:25:56.677" v="7152" actId="478"/>
+          <ac:cxnSpMkLst>
+            <pc:docMk/>
+            <pc:sldMk cId="2969362105" sldId="256"/>
+            <ac:cxnSpMk id="14" creationId="{8AC09808-A20E-4B26-907C-53D27FDC9122}"/>
+          </ac:cxnSpMkLst>
+        </pc:cxnChg>
+        <pc:cxnChg chg="add del mod">
+          <ac:chgData name="Fatima Pillosu" userId="a6295d4dc9e22643" providerId="LiveId" clId="{B303C878-8799-4007-876A-6617B70F571A}" dt="2020-12-03T09:28:54.717" v="7193" actId="478"/>
+          <ac:cxnSpMkLst>
+            <pc:docMk/>
+            <pc:sldMk cId="2969362105" sldId="256"/>
+            <ac:cxnSpMk id="17" creationId="{071FB51B-022D-4427-89B9-5A7B99ED6321}"/>
+          </ac:cxnSpMkLst>
+        </pc:cxnChg>
         <pc:cxnChg chg="add mod topLvl">
           <ac:chgData name="Fatima Pillosu" userId="a6295d4dc9e22643" providerId="LiveId" clId="{B303C878-8799-4007-876A-6617B70F571A}" dt="2020-12-01T10:43:47.608" v="2810" actId="1076"/>
           <ac:cxnSpMkLst>
@@ -4215,6 +6153,14 @@
             <ac:cxnSpMk id="52" creationId="{6A1214B8-2572-45A0-A043-3BB83B519FDF}"/>
           </ac:cxnSpMkLst>
         </pc:cxnChg>
+        <pc:cxnChg chg="add del mod">
+          <ac:chgData name="Fatima Pillosu" userId="a6295d4dc9e22643" providerId="LiveId" clId="{B303C878-8799-4007-876A-6617B70F571A}" dt="2020-12-03T09:56:59.644" v="7847" actId="478"/>
+          <ac:cxnSpMkLst>
+            <pc:docMk/>
+            <pc:sldMk cId="2969362105" sldId="256"/>
+            <ac:cxnSpMk id="53" creationId="{7C9D3644-B58A-45B0-871C-5F5191A6F7AF}"/>
+          </ac:cxnSpMkLst>
+        </pc:cxnChg>
         <pc:cxnChg chg="add mod topLvl">
           <ac:chgData name="Fatima Pillosu" userId="a6295d4dc9e22643" providerId="LiveId" clId="{B303C878-8799-4007-876A-6617B70F571A}" dt="2020-12-01T10:31:04.316" v="2534" actId="164"/>
           <ac:cxnSpMkLst>
@@ -4223,6 +6169,14 @@
             <ac:cxnSpMk id="54" creationId="{51A041EE-049F-4FC7-A67E-CE00BBAC9C3B}"/>
           </ac:cxnSpMkLst>
         </pc:cxnChg>
+        <pc:cxnChg chg="add del mod">
+          <ac:chgData name="Fatima Pillosu" userId="a6295d4dc9e22643" providerId="LiveId" clId="{B303C878-8799-4007-876A-6617B70F571A}" dt="2020-12-03T09:57:15.846" v="7849" actId="478"/>
+          <ac:cxnSpMkLst>
+            <pc:docMk/>
+            <pc:sldMk cId="2969362105" sldId="256"/>
+            <ac:cxnSpMk id="55" creationId="{179A96AB-83D6-4AB9-AC2F-54EDE6B04DEC}"/>
+          </ac:cxnSpMkLst>
+        </pc:cxnChg>
         <pc:cxnChg chg="del">
           <ac:chgData name="Fatima Pillosu" userId="a6295d4dc9e22643" providerId="LiveId" clId="{B303C878-8799-4007-876A-6617B70F571A}" dt="2020-12-01T09:11:59.647" v="3" actId="478"/>
           <ac:cxnSpMkLst>
@@ -4336,6 +6290,14 @@
           </ac:cxnSpMkLst>
         </pc:cxnChg>
         <pc:cxnChg chg="add del mod">
+          <ac:chgData name="Fatima Pillosu" userId="a6295d4dc9e22643" providerId="LiveId" clId="{B303C878-8799-4007-876A-6617B70F571A}" dt="2020-12-03T09:28:58.705" v="7194"/>
+          <ac:cxnSpMkLst>
+            <pc:docMk/>
+            <pc:sldMk cId="2969362105" sldId="256"/>
+            <ac:cxnSpMk id="79" creationId="{E00D0ABE-2954-4110-B54C-F90ED57F87E8}"/>
+          </ac:cxnSpMkLst>
+        </pc:cxnChg>
+        <pc:cxnChg chg="add del mod">
           <ac:chgData name="Fatima Pillosu" userId="a6295d4dc9e22643" providerId="LiveId" clId="{B303C878-8799-4007-876A-6617B70F571A}" dt="2020-12-01T09:52:24.562" v="1642" actId="478"/>
           <ac:cxnSpMkLst>
             <pc:docMk/>
@@ -4344,11 +6306,35 @@
           </ac:cxnSpMkLst>
         </pc:cxnChg>
         <pc:cxnChg chg="add del mod">
+          <ac:chgData name="Fatima Pillosu" userId="a6295d4dc9e22643" providerId="LiveId" clId="{B303C878-8799-4007-876A-6617B70F571A}" dt="2020-12-03T09:28:58.705" v="7194"/>
+          <ac:cxnSpMkLst>
+            <pc:docMk/>
+            <pc:sldMk cId="2969362105" sldId="256"/>
+            <ac:cxnSpMk id="81" creationId="{4699DCA0-542F-4777-9AD7-1DEBDEFB0C44}"/>
+          </ac:cxnSpMkLst>
+        </pc:cxnChg>
+        <pc:cxnChg chg="add del mod">
+          <ac:chgData name="Fatima Pillosu" userId="a6295d4dc9e22643" providerId="LiveId" clId="{B303C878-8799-4007-876A-6617B70F571A}" dt="2020-12-03T09:28:58.705" v="7194"/>
+          <ac:cxnSpMkLst>
+            <pc:docMk/>
+            <pc:sldMk cId="2969362105" sldId="256"/>
+            <ac:cxnSpMk id="83" creationId="{40CC5203-EBBF-4EFE-8159-505938309818}"/>
+          </ac:cxnSpMkLst>
+        </pc:cxnChg>
+        <pc:cxnChg chg="add del mod">
           <ac:chgData name="Fatima Pillosu" userId="a6295d4dc9e22643" providerId="LiveId" clId="{B303C878-8799-4007-876A-6617B70F571A}" dt="2020-12-01T12:08:26.520" v="4465"/>
           <ac:cxnSpMkLst>
             <pc:docMk/>
             <pc:sldMk cId="2969362105" sldId="256"/>
             <ac:cxnSpMk id="83" creationId="{8EA05C2A-0CC8-4474-AF85-D9AE72A9450D}"/>
+          </ac:cxnSpMkLst>
+        </pc:cxnChg>
+        <pc:cxnChg chg="add del mod">
+          <ac:chgData name="Fatima Pillosu" userId="a6295d4dc9e22643" providerId="LiveId" clId="{B303C878-8799-4007-876A-6617B70F571A}" dt="2020-12-03T09:28:58.705" v="7194"/>
+          <ac:cxnSpMkLst>
+            <pc:docMk/>
+            <pc:sldMk cId="2969362105" sldId="256"/>
+            <ac:cxnSpMk id="85" creationId="{6049941F-F7F5-4790-8395-68CE08B4A197}"/>
           </ac:cxnSpMkLst>
         </pc:cxnChg>
         <pc:cxnChg chg="del mod">
@@ -4384,6 +6370,14 @@
           </ac:cxnSpMkLst>
         </pc:cxnChg>
         <pc:cxnChg chg="add del mod">
+          <ac:chgData name="Fatima Pillosu" userId="a6295d4dc9e22643" providerId="LiveId" clId="{B303C878-8799-4007-876A-6617B70F571A}" dt="2020-12-03T09:28:58.705" v="7194"/>
+          <ac:cxnSpMkLst>
+            <pc:docMk/>
+            <pc:sldMk cId="2969362105" sldId="256"/>
+            <ac:cxnSpMk id="88" creationId="{ADC9A4CA-0258-40E7-A92F-F19F4875F629}"/>
+          </ac:cxnSpMkLst>
+        </pc:cxnChg>
+        <pc:cxnChg chg="add del mod">
           <ac:chgData name="Fatima Pillosu" userId="a6295d4dc9e22643" providerId="LiveId" clId="{B303C878-8799-4007-876A-6617B70F571A}" dt="2020-12-01T12:08:26.520" v="4465"/>
           <ac:cxnSpMkLst>
             <pc:docMk/>
@@ -4400,11 +6394,35 @@
           </ac:cxnSpMkLst>
         </pc:cxnChg>
         <pc:cxnChg chg="add del mod">
+          <ac:chgData name="Fatima Pillosu" userId="a6295d4dc9e22643" providerId="LiveId" clId="{B303C878-8799-4007-876A-6617B70F571A}" dt="2020-12-03T09:28:58.705" v="7194"/>
+          <ac:cxnSpMkLst>
+            <pc:docMk/>
+            <pc:sldMk cId="2969362105" sldId="256"/>
+            <ac:cxnSpMk id="91" creationId="{084541CC-FBE2-4AAC-A7C1-04A76C4EAC52}"/>
+          </ac:cxnSpMkLst>
+        </pc:cxnChg>
+        <pc:cxnChg chg="add del mod">
+          <ac:chgData name="Fatima Pillosu" userId="a6295d4dc9e22643" providerId="LiveId" clId="{B303C878-8799-4007-876A-6617B70F571A}" dt="2020-12-03T09:28:58.705" v="7194"/>
+          <ac:cxnSpMkLst>
+            <pc:docMk/>
+            <pc:sldMk cId="2969362105" sldId="256"/>
+            <ac:cxnSpMk id="92" creationId="{510ED1F5-F0EF-4F2B-A172-2C937AB84CE1}"/>
+          </ac:cxnSpMkLst>
+        </pc:cxnChg>
+        <pc:cxnChg chg="add del mod">
           <ac:chgData name="Fatima Pillosu" userId="a6295d4dc9e22643" providerId="LiveId" clId="{B303C878-8799-4007-876A-6617B70F571A}" dt="2020-12-01T12:44:06.256" v="4985" actId="478"/>
           <ac:cxnSpMkLst>
             <pc:docMk/>
             <pc:sldMk cId="2969362105" sldId="256"/>
             <ac:cxnSpMk id="94" creationId="{034CECD3-2CB2-4016-A3F1-70BCE1335DDF}"/>
+          </ac:cxnSpMkLst>
+        </pc:cxnChg>
+        <pc:cxnChg chg="add del mod">
+          <ac:chgData name="Fatima Pillosu" userId="a6295d4dc9e22643" providerId="LiveId" clId="{B303C878-8799-4007-876A-6617B70F571A}" dt="2020-12-03T09:28:58.705" v="7194"/>
+          <ac:cxnSpMkLst>
+            <pc:docMk/>
+            <pc:sldMk cId="2969362105" sldId="256"/>
+            <ac:cxnSpMk id="94" creationId="{71DDB7CC-C960-45CE-8B29-E03B61EA76F2}"/>
           </ac:cxnSpMkLst>
         </pc:cxnChg>
         <pc:cxnChg chg="add mod">
@@ -4416,6 +6434,22 @@
           </ac:cxnSpMkLst>
         </pc:cxnChg>
         <pc:cxnChg chg="add del mod">
+          <ac:chgData name="Fatima Pillosu" userId="a6295d4dc9e22643" providerId="LiveId" clId="{B303C878-8799-4007-876A-6617B70F571A}" dt="2020-12-03T09:28:58.705" v="7194"/>
+          <ac:cxnSpMkLst>
+            <pc:docMk/>
+            <pc:sldMk cId="2969362105" sldId="256"/>
+            <ac:cxnSpMk id="95" creationId="{9FC70AEC-4CC6-48EA-B7E0-DFC86C019AEF}"/>
+          </ac:cxnSpMkLst>
+        </pc:cxnChg>
+        <pc:cxnChg chg="add del mod">
+          <ac:chgData name="Fatima Pillosu" userId="a6295d4dc9e22643" providerId="LiveId" clId="{B303C878-8799-4007-876A-6617B70F571A}" dt="2020-12-03T09:28:58.705" v="7194"/>
+          <ac:cxnSpMkLst>
+            <pc:docMk/>
+            <pc:sldMk cId="2969362105" sldId="256"/>
+            <ac:cxnSpMk id="96" creationId="{84ED3CF8-BD5E-4AFC-AE41-0B08996739F2}"/>
+          </ac:cxnSpMkLst>
+        </pc:cxnChg>
+        <pc:cxnChg chg="add del mod">
           <ac:chgData name="Fatima Pillosu" userId="a6295d4dc9e22643" providerId="LiveId" clId="{B303C878-8799-4007-876A-6617B70F571A}" dt="2020-12-01T12:44:26.967" v="4989" actId="11529"/>
           <ac:cxnSpMkLst>
             <pc:docMk/>
@@ -4432,11 +6466,27 @@
           </ac:cxnSpMkLst>
         </pc:cxnChg>
         <pc:cxnChg chg="add del mod">
+          <ac:chgData name="Fatima Pillosu" userId="a6295d4dc9e22643" providerId="LiveId" clId="{B303C878-8799-4007-876A-6617B70F571A}" dt="2020-12-03T09:28:58.705" v="7194"/>
+          <ac:cxnSpMkLst>
+            <pc:docMk/>
+            <pc:sldMk cId="2969362105" sldId="256"/>
+            <ac:cxnSpMk id="98" creationId="{6E5EC020-7EEF-4827-B049-E689F047BAAE}"/>
+          </ac:cxnSpMkLst>
+        </pc:cxnChg>
+        <pc:cxnChg chg="add del mod">
           <ac:chgData name="Fatima Pillosu" userId="a6295d4dc9e22643" providerId="LiveId" clId="{B303C878-8799-4007-876A-6617B70F571A}" dt="2020-12-01T12:45:19.314" v="4995" actId="478"/>
           <ac:cxnSpMkLst>
             <pc:docMk/>
             <pc:sldMk cId="2969362105" sldId="256"/>
             <ac:cxnSpMk id="98" creationId="{B67C5B9D-1DC4-4DB2-8029-1BDF031A646A}"/>
+          </ac:cxnSpMkLst>
+        </pc:cxnChg>
+        <pc:cxnChg chg="add del mod">
+          <ac:chgData name="Fatima Pillosu" userId="a6295d4dc9e22643" providerId="LiveId" clId="{B303C878-8799-4007-876A-6617B70F571A}" dt="2020-12-03T09:28:58.705" v="7194"/>
+          <ac:cxnSpMkLst>
+            <pc:docMk/>
+            <pc:sldMk cId="2969362105" sldId="256"/>
+            <ac:cxnSpMk id="103" creationId="{41AA93CC-7E98-4C70-9935-AA413D48F205}"/>
           </ac:cxnSpMkLst>
         </pc:cxnChg>
         <pc:cxnChg chg="add mod">
@@ -4448,6 +6498,46 @@
           </ac:cxnSpMkLst>
         </pc:cxnChg>
         <pc:cxnChg chg="add del mod">
+          <ac:chgData name="Fatima Pillosu" userId="a6295d4dc9e22643" providerId="LiveId" clId="{B303C878-8799-4007-876A-6617B70F571A}" dt="2020-12-03T09:28:58.705" v="7194"/>
+          <ac:cxnSpMkLst>
+            <pc:docMk/>
+            <pc:sldMk cId="2969362105" sldId="256"/>
+            <ac:cxnSpMk id="105" creationId="{5A0FEBFC-7CEA-422D-BF33-C38210AA8DF2}"/>
+          </ac:cxnSpMkLst>
+        </pc:cxnChg>
+        <pc:cxnChg chg="add del mod">
+          <ac:chgData name="Fatima Pillosu" userId="a6295d4dc9e22643" providerId="LiveId" clId="{B303C878-8799-4007-876A-6617B70F571A}" dt="2020-12-03T09:28:58.705" v="7194"/>
+          <ac:cxnSpMkLst>
+            <pc:docMk/>
+            <pc:sldMk cId="2969362105" sldId="256"/>
+            <ac:cxnSpMk id="106" creationId="{7897175C-CE1E-455C-96C4-921C64E14F90}"/>
+          </ac:cxnSpMkLst>
+        </pc:cxnChg>
+        <pc:cxnChg chg="add del mod">
+          <ac:chgData name="Fatima Pillosu" userId="a6295d4dc9e22643" providerId="LiveId" clId="{B303C878-8799-4007-876A-6617B70F571A}" dt="2020-12-03T09:28:58.705" v="7194"/>
+          <ac:cxnSpMkLst>
+            <pc:docMk/>
+            <pc:sldMk cId="2969362105" sldId="256"/>
+            <ac:cxnSpMk id="109" creationId="{C86D9962-B804-4D03-BFB2-87F070E751BE}"/>
+          </ac:cxnSpMkLst>
+        </pc:cxnChg>
+        <pc:cxnChg chg="add del mod">
+          <ac:chgData name="Fatima Pillosu" userId="a6295d4dc9e22643" providerId="LiveId" clId="{B303C878-8799-4007-876A-6617B70F571A}" dt="2020-12-03T09:28:58.705" v="7194"/>
+          <ac:cxnSpMkLst>
+            <pc:docMk/>
+            <pc:sldMk cId="2969362105" sldId="256"/>
+            <ac:cxnSpMk id="111" creationId="{BEA82D4A-24D2-453D-BCF4-A543AA8DDC0E}"/>
+          </ac:cxnSpMkLst>
+        </pc:cxnChg>
+        <pc:cxnChg chg="add del mod">
+          <ac:chgData name="Fatima Pillosu" userId="a6295d4dc9e22643" providerId="LiveId" clId="{B303C878-8799-4007-876A-6617B70F571A}" dt="2020-12-03T09:28:58.705" v="7194"/>
+          <ac:cxnSpMkLst>
+            <pc:docMk/>
+            <pc:sldMk cId="2969362105" sldId="256"/>
+            <ac:cxnSpMk id="118" creationId="{732D58A0-B0AF-4F33-A4C2-A3E27892DCDE}"/>
+          </ac:cxnSpMkLst>
+        </pc:cxnChg>
+        <pc:cxnChg chg="add del mod">
           <ac:chgData name="Fatima Pillosu" userId="a6295d4dc9e22643" providerId="LiveId" clId="{B303C878-8799-4007-876A-6617B70F571A}" dt="2020-12-01T12:08:26.520" v="4465"/>
           <ac:cxnSpMkLst>
             <pc:docMk/>
@@ -4456,11 +6546,35 @@
           </ac:cxnSpMkLst>
         </pc:cxnChg>
         <pc:cxnChg chg="add del mod">
+          <ac:chgData name="Fatima Pillosu" userId="a6295d4dc9e22643" providerId="LiveId" clId="{B303C878-8799-4007-876A-6617B70F571A}" dt="2020-12-03T09:28:58.705" v="7194"/>
+          <ac:cxnSpMkLst>
+            <pc:docMk/>
+            <pc:sldMk cId="2969362105" sldId="256"/>
+            <ac:cxnSpMk id="119" creationId="{8B518EB2-C05F-4A07-B2BC-15BFAC6845BE}"/>
+          </ac:cxnSpMkLst>
+        </pc:cxnChg>
+        <pc:cxnChg chg="add del mod">
           <ac:chgData name="Fatima Pillosu" userId="a6295d4dc9e22643" providerId="LiveId" clId="{B303C878-8799-4007-876A-6617B70F571A}" dt="2020-12-01T12:08:26.520" v="4465"/>
           <ac:cxnSpMkLst>
             <pc:docMk/>
             <pc:sldMk cId="2969362105" sldId="256"/>
             <ac:cxnSpMk id="120" creationId="{BCFCA772-F847-46CC-B544-D5592A180DFD}"/>
+          </ac:cxnSpMkLst>
+        </pc:cxnChg>
+        <pc:cxnChg chg="add del mod">
+          <ac:chgData name="Fatima Pillosu" userId="a6295d4dc9e22643" providerId="LiveId" clId="{B303C878-8799-4007-876A-6617B70F571A}" dt="2020-12-03T09:28:58.705" v="7194"/>
+          <ac:cxnSpMkLst>
+            <pc:docMk/>
+            <pc:sldMk cId="2969362105" sldId="256"/>
+            <ac:cxnSpMk id="120" creationId="{FBA206D8-3361-48F6-8792-832FC9378516}"/>
+          </ac:cxnSpMkLst>
+        </pc:cxnChg>
+        <pc:cxnChg chg="add del mod">
+          <ac:chgData name="Fatima Pillosu" userId="a6295d4dc9e22643" providerId="LiveId" clId="{B303C878-8799-4007-876A-6617B70F571A}" dt="2020-12-03T09:28:58.705" v="7194"/>
+          <ac:cxnSpMkLst>
+            <pc:docMk/>
+            <pc:sldMk cId="2969362105" sldId="256"/>
+            <ac:cxnSpMk id="126" creationId="{1640061D-FE13-4258-9206-0652A3EC62F5}"/>
           </ac:cxnSpMkLst>
         </pc:cxnChg>
         <pc:cxnChg chg="add del">
@@ -4495,6 +6609,22 @@
             <ac:cxnSpMk id="138" creationId="{52A3451F-7D34-45CB-9B3B-1C62090DE63C}"/>
           </ac:cxnSpMkLst>
         </pc:cxnChg>
+        <pc:cxnChg chg="add del mod">
+          <ac:chgData name="Fatima Pillosu" userId="a6295d4dc9e22643" providerId="LiveId" clId="{B303C878-8799-4007-876A-6617B70F571A}" dt="2020-12-03T09:57:22.272" v="7850"/>
+          <ac:cxnSpMkLst>
+            <pc:docMk/>
+            <pc:sldMk cId="2969362105" sldId="256"/>
+            <ac:cxnSpMk id="139" creationId="{1271B8D9-3FD7-4CA4-8C5A-7B3504935DB1}"/>
+          </ac:cxnSpMkLst>
+        </pc:cxnChg>
+        <pc:cxnChg chg="add del mod">
+          <ac:chgData name="Fatima Pillosu" userId="a6295d4dc9e22643" providerId="LiveId" clId="{B303C878-8799-4007-876A-6617B70F571A}" dt="2020-12-03T09:57:22.272" v="7850"/>
+          <ac:cxnSpMkLst>
+            <pc:docMk/>
+            <pc:sldMk cId="2969362105" sldId="256"/>
+            <ac:cxnSpMk id="141" creationId="{4E68EAE5-43A4-4106-B5B2-1D2E9D8D2E35}"/>
+          </ac:cxnSpMkLst>
+        </pc:cxnChg>
         <pc:cxnChg chg="add del">
           <ac:chgData name="Fatima Pillosu" userId="a6295d4dc9e22643" providerId="LiveId" clId="{B303C878-8799-4007-876A-6617B70F571A}" dt="2020-12-01T12:08:58.283" v="4467"/>
           <ac:cxnSpMkLst>
@@ -4511,6 +6641,14 @@
             <ac:cxnSpMk id="143" creationId="{56140FDA-BA54-49D7-8681-70AF409971B6}"/>
           </ac:cxnSpMkLst>
         </pc:cxnChg>
+        <pc:cxnChg chg="add del mod">
+          <ac:chgData name="Fatima Pillosu" userId="a6295d4dc9e22643" providerId="LiveId" clId="{B303C878-8799-4007-876A-6617B70F571A}" dt="2020-12-03T09:57:22.272" v="7850"/>
+          <ac:cxnSpMkLst>
+            <pc:docMk/>
+            <pc:sldMk cId="2969362105" sldId="256"/>
+            <ac:cxnSpMk id="143" creationId="{5CB0A3A0-990D-4198-8D37-4DC1D6771752}"/>
+          </ac:cxnSpMkLst>
+        </pc:cxnChg>
         <pc:cxnChg chg="add del">
           <ac:chgData name="Fatima Pillosu" userId="a6295d4dc9e22643" providerId="LiveId" clId="{B303C878-8799-4007-876A-6617B70F571A}" dt="2020-12-01T12:08:58.283" v="4467"/>
           <ac:cxnSpMkLst>
@@ -4527,6 +6665,14 @@
             <ac:cxnSpMk id="145" creationId="{3885F3E4-7E1B-4022-A0AF-2934DFCF95B1}"/>
           </ac:cxnSpMkLst>
         </pc:cxnChg>
+        <pc:cxnChg chg="add del mod">
+          <ac:chgData name="Fatima Pillosu" userId="a6295d4dc9e22643" providerId="LiveId" clId="{B303C878-8799-4007-876A-6617B70F571A}" dt="2020-12-03T09:57:22.272" v="7850"/>
+          <ac:cxnSpMkLst>
+            <pc:docMk/>
+            <pc:sldMk cId="2969362105" sldId="256"/>
+            <ac:cxnSpMk id="145" creationId="{441AA0B1-78CE-496F-B38D-BEC0CCE3CFE3}"/>
+          </ac:cxnSpMkLst>
+        </pc:cxnChg>
         <pc:cxnChg chg="add del">
           <ac:chgData name="Fatima Pillosu" userId="a6295d4dc9e22643" providerId="LiveId" clId="{B303C878-8799-4007-876A-6617B70F571A}" dt="2020-12-01T12:08:58.283" v="4467"/>
           <ac:cxnSpMkLst>
@@ -4543,6 +6689,14 @@
             <ac:cxnSpMk id="148" creationId="{5FBEBF81-D5D0-47A7-A39C-2E9678726A38}"/>
           </ac:cxnSpMkLst>
         </pc:cxnChg>
+        <pc:cxnChg chg="add del mod">
+          <ac:chgData name="Fatima Pillosu" userId="a6295d4dc9e22643" providerId="LiveId" clId="{B303C878-8799-4007-876A-6617B70F571A}" dt="2020-12-03T09:57:22.272" v="7850"/>
+          <ac:cxnSpMkLst>
+            <pc:docMk/>
+            <pc:sldMk cId="2969362105" sldId="256"/>
+            <ac:cxnSpMk id="148" creationId="{8174A0A9-BD73-4840-A8F8-211442F6B3FC}"/>
+          </ac:cxnSpMkLst>
+        </pc:cxnChg>
         <pc:cxnChg chg="add del">
           <ac:chgData name="Fatima Pillosu" userId="a6295d4dc9e22643" providerId="LiveId" clId="{B303C878-8799-4007-876A-6617B70F571A}" dt="2020-12-01T12:08:58.283" v="4467"/>
           <ac:cxnSpMkLst>
@@ -4559,6 +6713,22 @@
             <ac:cxnSpMk id="151" creationId="{482000AE-3F91-4CB5-B744-FD77D8B53151}"/>
           </ac:cxnSpMkLst>
         </pc:cxnChg>
+        <pc:cxnChg chg="add del mod">
+          <ac:chgData name="Fatima Pillosu" userId="a6295d4dc9e22643" providerId="LiveId" clId="{B303C878-8799-4007-876A-6617B70F571A}" dt="2020-12-03T09:57:22.272" v="7850"/>
+          <ac:cxnSpMkLst>
+            <pc:docMk/>
+            <pc:sldMk cId="2969362105" sldId="256"/>
+            <ac:cxnSpMk id="151" creationId="{5E354DD9-86FD-435A-AF6E-833398ED7D4C}"/>
+          </ac:cxnSpMkLst>
+        </pc:cxnChg>
+        <pc:cxnChg chg="add del mod">
+          <ac:chgData name="Fatima Pillosu" userId="a6295d4dc9e22643" providerId="LiveId" clId="{B303C878-8799-4007-876A-6617B70F571A}" dt="2020-12-03T09:57:22.272" v="7850"/>
+          <ac:cxnSpMkLst>
+            <pc:docMk/>
+            <pc:sldMk cId="2969362105" sldId="256"/>
+            <ac:cxnSpMk id="152" creationId="{7B85D64F-8FD3-42A7-8027-ACDF2A5E303F}"/>
+          </ac:cxnSpMkLst>
+        </pc:cxnChg>
         <pc:cxnChg chg="add del">
           <ac:chgData name="Fatima Pillosu" userId="a6295d4dc9e22643" providerId="LiveId" clId="{B303C878-8799-4007-876A-6617B70F571A}" dt="2020-12-01T12:08:58.283" v="4467"/>
           <ac:cxnSpMkLst>
@@ -4568,11 +6738,35 @@
           </ac:cxnSpMkLst>
         </pc:cxnChg>
         <pc:cxnChg chg="add del mod">
+          <ac:chgData name="Fatima Pillosu" userId="a6295d4dc9e22643" providerId="LiveId" clId="{B303C878-8799-4007-876A-6617B70F571A}" dt="2020-12-03T09:57:22.272" v="7850"/>
+          <ac:cxnSpMkLst>
+            <pc:docMk/>
+            <pc:sldMk cId="2969362105" sldId="256"/>
+            <ac:cxnSpMk id="154" creationId="{4E1BAEAA-E054-472F-8B5C-DED8B51FD667}"/>
+          </ac:cxnSpMkLst>
+        </pc:cxnChg>
+        <pc:cxnChg chg="add del mod">
           <ac:chgData name="Fatima Pillosu" userId="a6295d4dc9e22643" providerId="LiveId" clId="{B303C878-8799-4007-876A-6617B70F571A}" dt="2020-12-01T12:45:21.654" v="4996"/>
           <ac:cxnSpMkLst>
             <pc:docMk/>
             <pc:sldMk cId="2969362105" sldId="256"/>
             <ac:cxnSpMk id="155" creationId="{6F1E00B9-43FD-45FC-B3F2-10F2566006AE}"/>
+          </ac:cxnSpMkLst>
+        </pc:cxnChg>
+        <pc:cxnChg chg="add del mod">
+          <ac:chgData name="Fatima Pillosu" userId="a6295d4dc9e22643" providerId="LiveId" clId="{B303C878-8799-4007-876A-6617B70F571A}" dt="2020-12-03T09:57:22.272" v="7850"/>
+          <ac:cxnSpMkLst>
+            <pc:docMk/>
+            <pc:sldMk cId="2969362105" sldId="256"/>
+            <ac:cxnSpMk id="155" creationId="{C9B80CC4-E053-431C-9ADA-5EDDAC9DAA6E}"/>
+          </ac:cxnSpMkLst>
+        </pc:cxnChg>
+        <pc:cxnChg chg="add del mod">
+          <ac:chgData name="Fatima Pillosu" userId="a6295d4dc9e22643" providerId="LiveId" clId="{B303C878-8799-4007-876A-6617B70F571A}" dt="2020-12-03T09:57:22.272" v="7850"/>
+          <ac:cxnSpMkLst>
+            <pc:docMk/>
+            <pc:sldMk cId="2969362105" sldId="256"/>
+            <ac:cxnSpMk id="156" creationId="{600623A1-E90C-4B19-BAB5-166D57E5AE7B}"/>
           </ac:cxnSpMkLst>
         </pc:cxnChg>
         <pc:cxnChg chg="add del">
@@ -4584,6 +6778,14 @@
           </ac:cxnSpMkLst>
         </pc:cxnChg>
         <pc:cxnChg chg="add del mod">
+          <ac:chgData name="Fatima Pillosu" userId="a6295d4dc9e22643" providerId="LiveId" clId="{B303C878-8799-4007-876A-6617B70F571A}" dt="2020-12-03T09:57:22.272" v="7850"/>
+          <ac:cxnSpMkLst>
+            <pc:docMk/>
+            <pc:sldMk cId="2969362105" sldId="256"/>
+            <ac:cxnSpMk id="158" creationId="{BAA2D2EA-4119-4869-8AFB-6E7A6853268E}"/>
+          </ac:cxnSpMkLst>
+        </pc:cxnChg>
+        <pc:cxnChg chg="add del mod">
           <ac:chgData name="Fatima Pillosu" userId="a6295d4dc9e22643" providerId="LiveId" clId="{B303C878-8799-4007-876A-6617B70F571A}" dt="2020-12-01T12:45:21.654" v="4996"/>
           <ac:cxnSpMkLst>
             <pc:docMk/>
@@ -4615,6 +6817,14 @@
             <ac:cxnSpMk id="163" creationId="{00B44F02-5A3B-49B5-8973-D12AC0077882}"/>
           </ac:cxnSpMkLst>
         </pc:cxnChg>
+        <pc:cxnChg chg="add del mod">
+          <ac:chgData name="Fatima Pillosu" userId="a6295d4dc9e22643" providerId="LiveId" clId="{B303C878-8799-4007-876A-6617B70F571A}" dt="2020-12-03T09:57:22.272" v="7850"/>
+          <ac:cxnSpMkLst>
+            <pc:docMk/>
+            <pc:sldMk cId="2969362105" sldId="256"/>
+            <ac:cxnSpMk id="163" creationId="{7E8E8CE8-07B4-40D8-8324-26302747CB80}"/>
+          </ac:cxnSpMkLst>
+        </pc:cxnChg>
         <pc:cxnChg chg="add del">
           <ac:chgData name="Fatima Pillosu" userId="a6295d4dc9e22643" providerId="LiveId" clId="{B303C878-8799-4007-876A-6617B70F571A}" dt="2020-12-01T12:08:58.283" v="4467"/>
           <ac:cxnSpMkLst>
@@ -4631,6 +6841,22 @@
             <ac:cxnSpMk id="164" creationId="{3B4D0C1C-958B-44A8-B487-71CDD9851DE1}"/>
           </ac:cxnSpMkLst>
         </pc:cxnChg>
+        <pc:cxnChg chg="add del mod">
+          <ac:chgData name="Fatima Pillosu" userId="a6295d4dc9e22643" providerId="LiveId" clId="{B303C878-8799-4007-876A-6617B70F571A}" dt="2020-12-03T09:57:22.272" v="7850"/>
+          <ac:cxnSpMkLst>
+            <pc:docMk/>
+            <pc:sldMk cId="2969362105" sldId="256"/>
+            <ac:cxnSpMk id="165" creationId="{8A81F562-AC85-475A-9939-D69196D1F201}"/>
+          </ac:cxnSpMkLst>
+        </pc:cxnChg>
+        <pc:cxnChg chg="add del mod">
+          <ac:chgData name="Fatima Pillosu" userId="a6295d4dc9e22643" providerId="LiveId" clId="{B303C878-8799-4007-876A-6617B70F571A}" dt="2020-12-03T09:57:22.272" v="7850"/>
+          <ac:cxnSpMkLst>
+            <pc:docMk/>
+            <pc:sldMk cId="2969362105" sldId="256"/>
+            <ac:cxnSpMk id="166" creationId="{B63D45E8-DB51-44FE-9376-876A6192D014}"/>
+          </ac:cxnSpMkLst>
+        </pc:cxnChg>
         <pc:cxnChg chg="add del">
           <ac:chgData name="Fatima Pillosu" userId="a6295d4dc9e22643" providerId="LiveId" clId="{B303C878-8799-4007-876A-6617B70F571A}" dt="2020-12-01T12:08:58.283" v="4467"/>
           <ac:cxnSpMkLst>
@@ -4647,6 +6873,14 @@
             <ac:cxnSpMk id="167" creationId="{A172D884-7DB9-4C2F-A720-9A100BD4C2B6}"/>
           </ac:cxnSpMkLst>
         </pc:cxnChg>
+        <pc:cxnChg chg="add del mod">
+          <ac:chgData name="Fatima Pillosu" userId="a6295d4dc9e22643" providerId="LiveId" clId="{B303C878-8799-4007-876A-6617B70F571A}" dt="2020-12-03T09:57:22.272" v="7850"/>
+          <ac:cxnSpMkLst>
+            <pc:docMk/>
+            <pc:sldMk cId="2969362105" sldId="256"/>
+            <ac:cxnSpMk id="169" creationId="{4DE260EA-E9CA-4B9E-8A63-014114D678B8}"/>
+          </ac:cxnSpMkLst>
+        </pc:cxnChg>
         <pc:cxnChg chg="add del">
           <ac:chgData name="Fatima Pillosu" userId="a6295d4dc9e22643" providerId="LiveId" clId="{B303C878-8799-4007-876A-6617B70F571A}" dt="2020-12-01T12:08:58.283" v="4467"/>
           <ac:cxnSpMkLst>
@@ -4672,6 +6906,14 @@
           </ac:cxnSpMkLst>
         </pc:cxnChg>
         <pc:cxnChg chg="add del mod">
+          <ac:chgData name="Fatima Pillosu" userId="a6295d4dc9e22643" providerId="LiveId" clId="{B303C878-8799-4007-876A-6617B70F571A}" dt="2020-12-03T09:57:22.272" v="7850"/>
+          <ac:cxnSpMkLst>
+            <pc:docMk/>
+            <pc:sldMk cId="2969362105" sldId="256"/>
+            <ac:cxnSpMk id="171" creationId="{78BA5418-4ACD-4881-AD36-D071B529064E}"/>
+          </ac:cxnSpMkLst>
+        </pc:cxnChg>
+        <pc:cxnChg chg="add del mod">
           <ac:chgData name="Fatima Pillosu" userId="a6295d4dc9e22643" providerId="LiveId" clId="{B303C878-8799-4007-876A-6617B70F571A}" dt="2020-12-01T12:45:21.654" v="4996"/>
           <ac:cxnSpMkLst>
             <pc:docMk/>
@@ -4701,6 +6943,22 @@
             <pc:docMk/>
             <pc:sldMk cId="2969362105" sldId="256"/>
             <ac:cxnSpMk id="177" creationId="{E92A98E2-F096-4CA0-9927-CF8F788F4AF0}"/>
+          </ac:cxnSpMkLst>
+        </pc:cxnChg>
+        <pc:cxnChg chg="add del mod">
+          <ac:chgData name="Fatima Pillosu" userId="a6295d4dc9e22643" providerId="LiveId" clId="{B303C878-8799-4007-876A-6617B70F571A}" dt="2020-12-03T09:57:22.272" v="7850"/>
+          <ac:cxnSpMkLst>
+            <pc:docMk/>
+            <pc:sldMk cId="2969362105" sldId="256"/>
+            <ac:cxnSpMk id="178" creationId="{CB31512A-9175-427C-9E91-0DBA2967DFB6}"/>
+          </ac:cxnSpMkLst>
+        </pc:cxnChg>
+        <pc:cxnChg chg="add del mod">
+          <ac:chgData name="Fatima Pillosu" userId="a6295d4dc9e22643" providerId="LiveId" clId="{B303C878-8799-4007-876A-6617B70F571A}" dt="2020-12-03T09:57:22.272" v="7850"/>
+          <ac:cxnSpMkLst>
+            <pc:docMk/>
+            <pc:sldMk cId="2969362105" sldId="256"/>
+            <ac:cxnSpMk id="179" creationId="{23EC77DF-AE69-44A0-86DA-EF376222012C}"/>
           </ac:cxnSpMkLst>
         </pc:cxnChg>
         <pc:cxnChg chg="add del">
@@ -4720,6 +6978,14 @@
           </ac:cxnSpMkLst>
         </pc:cxnChg>
         <pc:cxnChg chg="add del mod">
+          <ac:chgData name="Fatima Pillosu" userId="a6295d4dc9e22643" providerId="LiveId" clId="{B303C878-8799-4007-876A-6617B70F571A}" dt="2020-12-03T09:57:22.272" v="7850"/>
+          <ac:cxnSpMkLst>
+            <pc:docMk/>
+            <pc:sldMk cId="2969362105" sldId="256"/>
+            <ac:cxnSpMk id="180" creationId="{641C5A4E-7294-4617-9156-22F02F25EAF4}"/>
+          </ac:cxnSpMkLst>
+        </pc:cxnChg>
+        <pc:cxnChg chg="add del mod">
           <ac:chgData name="Fatima Pillosu" userId="a6295d4dc9e22643" providerId="LiveId" clId="{B303C878-8799-4007-876A-6617B70F571A}" dt="2020-12-01T12:45:21.654" v="4996"/>
           <ac:cxnSpMkLst>
             <pc:docMk/>
@@ -4752,6 +7018,14 @@
           </ac:cxnSpMkLst>
         </pc:cxnChg>
         <pc:cxnChg chg="add del mod">
+          <ac:chgData name="Fatima Pillosu" userId="a6295d4dc9e22643" providerId="LiveId" clId="{B303C878-8799-4007-876A-6617B70F571A}" dt="2020-12-03T09:57:22.272" v="7850"/>
+          <ac:cxnSpMkLst>
+            <pc:docMk/>
+            <pc:sldMk cId="2969362105" sldId="256"/>
+            <ac:cxnSpMk id="186" creationId="{F7D7799C-CEB4-48F5-AF5E-63B369B69A02}"/>
+          </ac:cxnSpMkLst>
+        </pc:cxnChg>
+        <pc:cxnChg chg="add del mod">
           <ac:chgData name="Fatima Pillosu" userId="a6295d4dc9e22643" providerId="LiveId" clId="{B303C878-8799-4007-876A-6617B70F571A}" dt="2020-12-01T12:44:29.607" v="4990"/>
           <ac:cxnSpMkLst>
             <pc:docMk/>
@@ -4951,6 +7225,14 @@
             <ac:cxnSpMk id="235" creationId="{6EB26795-72BA-45BF-91B1-4EE96ADC33EF}"/>
           </ac:cxnSpMkLst>
         </pc:cxnChg>
+        <pc:cxnChg chg="add del mod">
+          <ac:chgData name="Fatima Pillosu" userId="a6295d4dc9e22643" providerId="LiveId" clId="{B303C878-8799-4007-876A-6617B70F571A}" dt="2020-12-03T09:58:28.905" v="7875"/>
+          <ac:cxnSpMkLst>
+            <pc:docMk/>
+            <pc:sldMk cId="2969362105" sldId="256"/>
+            <ac:cxnSpMk id="235" creationId="{C714AF46-7C65-44F2-BE6F-9FAEBE3B7DB1}"/>
+          </ac:cxnSpMkLst>
+        </pc:cxnChg>
         <pc:cxnChg chg="mod">
           <ac:chgData name="Fatima Pillosu" userId="a6295d4dc9e22643" providerId="LiveId" clId="{B303C878-8799-4007-876A-6617B70F571A}" dt="2020-12-01T11:07:53.290" v="3384" actId="1076"/>
           <ac:cxnSpMkLst>
@@ -4960,11 +7242,27 @@
           </ac:cxnSpMkLst>
         </pc:cxnChg>
         <pc:cxnChg chg="add del mod">
+          <ac:chgData name="Fatima Pillosu" userId="a6295d4dc9e22643" providerId="LiveId" clId="{B303C878-8799-4007-876A-6617B70F571A}" dt="2020-12-03T09:58:28.905" v="7875"/>
+          <ac:cxnSpMkLst>
+            <pc:docMk/>
+            <pc:sldMk cId="2969362105" sldId="256"/>
+            <ac:cxnSpMk id="237" creationId="{2AE3604D-4688-4E14-87F9-F1CF232A1E1F}"/>
+          </ac:cxnSpMkLst>
+        </pc:cxnChg>
+        <pc:cxnChg chg="add del mod">
           <ac:chgData name="Fatima Pillosu" userId="a6295d4dc9e22643" providerId="LiveId" clId="{B303C878-8799-4007-876A-6617B70F571A}" dt="2020-12-01T12:45:21.654" v="4996"/>
           <ac:cxnSpMkLst>
             <pc:docMk/>
             <pc:sldMk cId="2969362105" sldId="256"/>
             <ac:cxnSpMk id="237" creationId="{3CD7CC6E-ABDE-4E94-A063-E17581BADF60}"/>
+          </ac:cxnSpMkLst>
+        </pc:cxnChg>
+        <pc:cxnChg chg="add del mod">
+          <ac:chgData name="Fatima Pillosu" userId="a6295d4dc9e22643" providerId="LiveId" clId="{B303C878-8799-4007-876A-6617B70F571A}" dt="2020-12-03T09:58:28.905" v="7875"/>
+          <ac:cxnSpMkLst>
+            <pc:docMk/>
+            <pc:sldMk cId="2969362105" sldId="256"/>
+            <ac:cxnSpMk id="239" creationId="{2DAA3DDC-AC7E-4C7A-A128-A697301A42C4}"/>
           </ac:cxnSpMkLst>
         </pc:cxnChg>
         <pc:cxnChg chg="add del mod">
@@ -4992,6 +7290,14 @@
           </ac:cxnSpMkLst>
         </pc:cxnChg>
         <pc:cxnChg chg="add del mod">
+          <ac:chgData name="Fatima Pillosu" userId="a6295d4dc9e22643" providerId="LiveId" clId="{B303C878-8799-4007-876A-6617B70F571A}" dt="2020-12-03T09:58:28.905" v="7875"/>
+          <ac:cxnSpMkLst>
+            <pc:docMk/>
+            <pc:sldMk cId="2969362105" sldId="256"/>
+            <ac:cxnSpMk id="241" creationId="{B4895E06-3A0B-4598-A259-F62162B4C2CD}"/>
+          </ac:cxnSpMkLst>
+        </pc:cxnChg>
+        <pc:cxnChg chg="add del mod">
           <ac:chgData name="Fatima Pillosu" userId="a6295d4dc9e22643" providerId="LiveId" clId="{B303C878-8799-4007-876A-6617B70F571A}" dt="2020-12-01T12:45:21.654" v="4996"/>
           <ac:cxnSpMkLst>
             <pc:docMk/>
@@ -5000,11 +7306,35 @@
           </ac:cxnSpMkLst>
         </pc:cxnChg>
         <pc:cxnChg chg="add del mod">
+          <ac:chgData name="Fatima Pillosu" userId="a6295d4dc9e22643" providerId="LiveId" clId="{B303C878-8799-4007-876A-6617B70F571A}" dt="2020-12-03T09:58:28.905" v="7875"/>
+          <ac:cxnSpMkLst>
+            <pc:docMk/>
+            <pc:sldMk cId="2969362105" sldId="256"/>
+            <ac:cxnSpMk id="244" creationId="{3180FF22-194B-4BBB-92A5-EA02DB1E1404}"/>
+          </ac:cxnSpMkLst>
+        </pc:cxnChg>
+        <pc:cxnChg chg="add del mod">
           <ac:chgData name="Fatima Pillosu" userId="a6295d4dc9e22643" providerId="LiveId" clId="{B303C878-8799-4007-876A-6617B70F571A}" dt="2020-12-01T12:45:21.654" v="4996"/>
           <ac:cxnSpMkLst>
             <pc:docMk/>
             <pc:sldMk cId="2969362105" sldId="256"/>
             <ac:cxnSpMk id="246" creationId="{E9C238FE-6A2B-49E1-998E-84692C2A7ECA}"/>
+          </ac:cxnSpMkLst>
+        </pc:cxnChg>
+        <pc:cxnChg chg="add del mod">
+          <ac:chgData name="Fatima Pillosu" userId="a6295d4dc9e22643" providerId="LiveId" clId="{B303C878-8799-4007-876A-6617B70F571A}" dt="2020-12-03T09:58:28.905" v="7875"/>
+          <ac:cxnSpMkLst>
+            <pc:docMk/>
+            <pc:sldMk cId="2969362105" sldId="256"/>
+            <ac:cxnSpMk id="247" creationId="{CD28DF52-30D8-462B-A2C3-A75DA348E2B6}"/>
+          </ac:cxnSpMkLst>
+        </pc:cxnChg>
+        <pc:cxnChg chg="add del mod">
+          <ac:chgData name="Fatima Pillosu" userId="a6295d4dc9e22643" providerId="LiveId" clId="{B303C878-8799-4007-876A-6617B70F571A}" dt="2020-12-03T09:58:28.905" v="7875"/>
+          <ac:cxnSpMkLst>
+            <pc:docMk/>
+            <pc:sldMk cId="2969362105" sldId="256"/>
+            <ac:cxnSpMk id="248" creationId="{97E2AA31-9CBF-4732-B65F-BE1E9B5826CE}"/>
           </ac:cxnSpMkLst>
         </pc:cxnChg>
         <pc:cxnChg chg="mod">
@@ -5016,6 +7346,30 @@
           </ac:cxnSpMkLst>
         </pc:cxnChg>
         <pc:cxnChg chg="add del mod">
+          <ac:chgData name="Fatima Pillosu" userId="a6295d4dc9e22643" providerId="LiveId" clId="{B303C878-8799-4007-876A-6617B70F571A}" dt="2020-12-03T09:58:28.905" v="7875"/>
+          <ac:cxnSpMkLst>
+            <pc:docMk/>
+            <pc:sldMk cId="2969362105" sldId="256"/>
+            <ac:cxnSpMk id="250" creationId="{B07B8FF6-90D6-450F-AFBA-FA43E0D51AAD}"/>
+          </ac:cxnSpMkLst>
+        </pc:cxnChg>
+        <pc:cxnChg chg="add del mod">
+          <ac:chgData name="Fatima Pillosu" userId="a6295d4dc9e22643" providerId="LiveId" clId="{B303C878-8799-4007-876A-6617B70F571A}" dt="2020-12-03T09:58:28.905" v="7875"/>
+          <ac:cxnSpMkLst>
+            <pc:docMk/>
+            <pc:sldMk cId="2969362105" sldId="256"/>
+            <ac:cxnSpMk id="251" creationId="{FCE41B3D-12B8-414F-B64C-5867E6BA4357}"/>
+          </ac:cxnSpMkLst>
+        </pc:cxnChg>
+        <pc:cxnChg chg="add del mod">
+          <ac:chgData name="Fatima Pillosu" userId="a6295d4dc9e22643" providerId="LiveId" clId="{B303C878-8799-4007-876A-6617B70F571A}" dt="2020-12-03T09:58:28.905" v="7875"/>
+          <ac:cxnSpMkLst>
+            <pc:docMk/>
+            <pc:sldMk cId="2969362105" sldId="256"/>
+            <ac:cxnSpMk id="252" creationId="{CA040451-591F-4B3D-82B2-4C00D5558337}"/>
+          </ac:cxnSpMkLst>
+        </pc:cxnChg>
+        <pc:cxnChg chg="add del mod">
           <ac:chgData name="Fatima Pillosu" userId="a6295d4dc9e22643" providerId="LiveId" clId="{B303C878-8799-4007-876A-6617B70F571A}" dt="2020-12-01T12:45:21.654" v="4996"/>
           <ac:cxnSpMkLst>
             <pc:docMk/>
@@ -5024,6 +7378,14 @@
           </ac:cxnSpMkLst>
         </pc:cxnChg>
         <pc:cxnChg chg="add del mod">
+          <ac:chgData name="Fatima Pillosu" userId="a6295d4dc9e22643" providerId="LiveId" clId="{B303C878-8799-4007-876A-6617B70F571A}" dt="2020-12-03T09:58:28.905" v="7875"/>
+          <ac:cxnSpMkLst>
+            <pc:docMk/>
+            <pc:sldMk cId="2969362105" sldId="256"/>
+            <ac:cxnSpMk id="254" creationId="{5D341B07-E033-4D08-8910-4EE7BA380C40}"/>
+          </ac:cxnSpMkLst>
+        </pc:cxnChg>
+        <pc:cxnChg chg="add del mod">
           <ac:chgData name="Fatima Pillosu" userId="a6295d4dc9e22643" providerId="LiveId" clId="{B303C878-8799-4007-876A-6617B70F571A}" dt="2020-12-01T12:45:21.654" v="4996"/>
           <ac:cxnSpMkLst>
             <pc:docMk/>
@@ -5037,6 +7399,14 @@
             <pc:docMk/>
             <pc:sldMk cId="2969362105" sldId="256"/>
             <ac:cxnSpMk id="255" creationId="{7BE98CCD-EA26-481C-AE2D-78F980343042}"/>
+          </ac:cxnSpMkLst>
+        </pc:cxnChg>
+        <pc:cxnChg chg="add del mod">
+          <ac:chgData name="Fatima Pillosu" userId="a6295d4dc9e22643" providerId="LiveId" clId="{B303C878-8799-4007-876A-6617B70F571A}" dt="2020-12-03T09:58:28.905" v="7875"/>
+          <ac:cxnSpMkLst>
+            <pc:docMk/>
+            <pc:sldMk cId="2969362105" sldId="256"/>
+            <ac:cxnSpMk id="259" creationId="{06B1CAA9-466E-4B6C-ACA4-294B5D5EAC6D}"/>
           </ac:cxnSpMkLst>
         </pc:cxnChg>
         <pc:cxnChg chg="mod">
@@ -5048,6 +7418,14 @@
           </ac:cxnSpMkLst>
         </pc:cxnChg>
         <pc:cxnChg chg="add del mod">
+          <ac:chgData name="Fatima Pillosu" userId="a6295d4dc9e22643" providerId="LiveId" clId="{B303C878-8799-4007-876A-6617B70F571A}" dt="2020-12-03T09:58:28.905" v="7875"/>
+          <ac:cxnSpMkLst>
+            <pc:docMk/>
+            <pc:sldMk cId="2969362105" sldId="256"/>
+            <ac:cxnSpMk id="261" creationId="{F393F28F-EDAA-41D1-98C1-073E79A6B76E}"/>
+          </ac:cxnSpMkLst>
+        </pc:cxnChg>
+        <pc:cxnChg chg="add del mod">
           <ac:chgData name="Fatima Pillosu" userId="a6295d4dc9e22643" providerId="LiveId" clId="{B303C878-8799-4007-876A-6617B70F571A}" dt="2020-12-01T12:45:21.654" v="4996"/>
           <ac:cxnSpMkLst>
             <pc:docMk/>
@@ -5055,16 +7433,24 @@
             <ac:cxnSpMk id="262" creationId="{951301A3-8919-4080-B882-C450C6CF540E}"/>
           </ac:cxnSpMkLst>
         </pc:cxnChg>
-        <pc:cxnChg chg="add mod">
-          <ac:chgData name="Fatima Pillosu" userId="a6295d4dc9e22643" providerId="LiveId" clId="{B303C878-8799-4007-876A-6617B70F571A}" dt="2020-12-01T12:45:38.708" v="5002" actId="1035"/>
+        <pc:cxnChg chg="add del mod">
+          <ac:chgData name="Fatima Pillosu" userId="a6295d4dc9e22643" providerId="LiveId" clId="{B303C878-8799-4007-876A-6617B70F571A}" dt="2020-12-03T09:58:28.905" v="7875"/>
+          <ac:cxnSpMkLst>
+            <pc:docMk/>
+            <pc:sldMk cId="2969362105" sldId="256"/>
+            <ac:cxnSpMk id="262" creationId="{F534F1D8-0827-4FEF-BC50-5A0A188C0609}"/>
+          </ac:cxnSpMkLst>
+        </pc:cxnChg>
+        <pc:cxnChg chg="add del mod">
+          <ac:chgData name="Fatima Pillosu" userId="a6295d4dc9e22643" providerId="LiveId" clId="{B303C878-8799-4007-876A-6617B70F571A}" dt="2020-12-03T09:25:58.265" v="7153"/>
           <ac:cxnSpMkLst>
             <pc:docMk/>
             <pc:sldMk cId="2969362105" sldId="256"/>
             <ac:cxnSpMk id="264" creationId="{1FF41559-BD00-4726-9E39-C00999B56896}"/>
           </ac:cxnSpMkLst>
         </pc:cxnChg>
-        <pc:cxnChg chg="add mod">
-          <ac:chgData name="Fatima Pillosu" userId="a6295d4dc9e22643" providerId="LiveId" clId="{B303C878-8799-4007-876A-6617B70F571A}" dt="2020-12-01T12:45:38.708" v="5002" actId="1035"/>
+        <pc:cxnChg chg="add del mod">
+          <ac:chgData name="Fatima Pillosu" userId="a6295d4dc9e22643" providerId="LiveId" clId="{B303C878-8799-4007-876A-6617B70F571A}" dt="2020-12-03T09:25:58.265" v="7153"/>
           <ac:cxnSpMkLst>
             <pc:docMk/>
             <pc:sldMk cId="2969362105" sldId="256"/>
@@ -5079,32 +7465,32 @@
             <ac:cxnSpMk id="267" creationId="{AA7F6193-917F-4B26-AC1C-124981136B0B}"/>
           </ac:cxnSpMkLst>
         </pc:cxnChg>
-        <pc:cxnChg chg="add mod">
-          <ac:chgData name="Fatima Pillosu" userId="a6295d4dc9e22643" providerId="LiveId" clId="{B303C878-8799-4007-876A-6617B70F571A}" dt="2020-12-01T12:45:38.708" v="5002" actId="1035"/>
+        <pc:cxnChg chg="add del mod">
+          <ac:chgData name="Fatima Pillosu" userId="a6295d4dc9e22643" providerId="LiveId" clId="{B303C878-8799-4007-876A-6617B70F571A}" dt="2020-12-03T09:25:58.265" v="7153"/>
           <ac:cxnSpMkLst>
             <pc:docMk/>
             <pc:sldMk cId="2969362105" sldId="256"/>
             <ac:cxnSpMk id="271" creationId="{1A30078F-C4CD-469A-BEDC-10DE683F0F55}"/>
           </ac:cxnSpMkLst>
         </pc:cxnChg>
-        <pc:cxnChg chg="add mod">
-          <ac:chgData name="Fatima Pillosu" userId="a6295d4dc9e22643" providerId="LiveId" clId="{B303C878-8799-4007-876A-6617B70F571A}" dt="2020-12-01T12:45:38.708" v="5002" actId="1035"/>
+        <pc:cxnChg chg="add del mod">
+          <ac:chgData name="Fatima Pillosu" userId="a6295d4dc9e22643" providerId="LiveId" clId="{B303C878-8799-4007-876A-6617B70F571A}" dt="2020-12-03T09:25:58.265" v="7153"/>
           <ac:cxnSpMkLst>
             <pc:docMk/>
             <pc:sldMk cId="2969362105" sldId="256"/>
             <ac:cxnSpMk id="273" creationId="{7EE362E5-9911-4119-9A38-D1C910D204F0}"/>
           </ac:cxnSpMkLst>
         </pc:cxnChg>
-        <pc:cxnChg chg="add mod">
-          <ac:chgData name="Fatima Pillosu" userId="a6295d4dc9e22643" providerId="LiveId" clId="{B303C878-8799-4007-876A-6617B70F571A}" dt="2020-12-01T12:45:38.708" v="5002" actId="1035"/>
+        <pc:cxnChg chg="add del mod">
+          <ac:chgData name="Fatima Pillosu" userId="a6295d4dc9e22643" providerId="LiveId" clId="{B303C878-8799-4007-876A-6617B70F571A}" dt="2020-12-03T09:25:58.265" v="7153"/>
           <ac:cxnSpMkLst>
             <pc:docMk/>
             <pc:sldMk cId="2969362105" sldId="256"/>
             <ac:cxnSpMk id="276" creationId="{947FC0D4-B662-4219-8FB9-250F8043DFEF}"/>
           </ac:cxnSpMkLst>
         </pc:cxnChg>
-        <pc:cxnChg chg="add mod">
-          <ac:chgData name="Fatima Pillosu" userId="a6295d4dc9e22643" providerId="LiveId" clId="{B303C878-8799-4007-876A-6617B70F571A}" dt="2020-12-01T12:45:38.708" v="5002" actId="1035"/>
+        <pc:cxnChg chg="add del mod">
+          <ac:chgData name="Fatima Pillosu" userId="a6295d4dc9e22643" providerId="LiveId" clId="{B303C878-8799-4007-876A-6617B70F571A}" dt="2020-12-03T09:25:58.265" v="7153"/>
           <ac:cxnSpMkLst>
             <pc:docMk/>
             <pc:sldMk cId="2969362105" sldId="256"/>
@@ -5119,24 +7505,24 @@
             <ac:cxnSpMk id="279" creationId="{76EA4D99-7C1F-4F1E-BF13-293A36123C6E}"/>
           </ac:cxnSpMkLst>
         </pc:cxnChg>
-        <pc:cxnChg chg="add mod">
-          <ac:chgData name="Fatima Pillosu" userId="a6295d4dc9e22643" providerId="LiveId" clId="{B303C878-8799-4007-876A-6617B70F571A}" dt="2020-12-01T12:45:38.708" v="5002" actId="1035"/>
+        <pc:cxnChg chg="add del mod">
+          <ac:chgData name="Fatima Pillosu" userId="a6295d4dc9e22643" providerId="LiveId" clId="{B303C878-8799-4007-876A-6617B70F571A}" dt="2020-12-03T09:25:58.265" v="7153"/>
           <ac:cxnSpMkLst>
             <pc:docMk/>
             <pc:sldMk cId="2969362105" sldId="256"/>
             <ac:cxnSpMk id="280" creationId="{9299990A-6370-4608-8C04-0B76BF19A629}"/>
           </ac:cxnSpMkLst>
         </pc:cxnChg>
-        <pc:cxnChg chg="add mod">
-          <ac:chgData name="Fatima Pillosu" userId="a6295d4dc9e22643" providerId="LiveId" clId="{B303C878-8799-4007-876A-6617B70F571A}" dt="2020-12-01T12:45:38.708" v="5002" actId="1035"/>
+        <pc:cxnChg chg="add del mod">
+          <ac:chgData name="Fatima Pillosu" userId="a6295d4dc9e22643" providerId="LiveId" clId="{B303C878-8799-4007-876A-6617B70F571A}" dt="2020-12-03T09:25:58.265" v="7153"/>
           <ac:cxnSpMkLst>
             <pc:docMk/>
             <pc:sldMk cId="2969362105" sldId="256"/>
             <ac:cxnSpMk id="282" creationId="{941F29D2-69D6-4D41-966E-8B657571843E}"/>
           </ac:cxnSpMkLst>
         </pc:cxnChg>
-        <pc:cxnChg chg="add mod">
-          <ac:chgData name="Fatima Pillosu" userId="a6295d4dc9e22643" providerId="LiveId" clId="{B303C878-8799-4007-876A-6617B70F571A}" dt="2020-12-01T12:45:38.708" v="5002" actId="1035"/>
+        <pc:cxnChg chg="add del mod">
+          <ac:chgData name="Fatima Pillosu" userId="a6295d4dc9e22643" providerId="LiveId" clId="{B303C878-8799-4007-876A-6617B70F571A}" dt="2020-12-03T09:25:58.265" v="7153"/>
           <ac:cxnSpMkLst>
             <pc:docMk/>
             <pc:sldMk cId="2969362105" sldId="256"/>
@@ -5151,16 +7537,16 @@
             <ac:cxnSpMk id="284" creationId="{E719D227-991A-492B-89CC-5CC36E098948}"/>
           </ac:cxnSpMkLst>
         </pc:cxnChg>
-        <pc:cxnChg chg="add mod">
-          <ac:chgData name="Fatima Pillosu" userId="a6295d4dc9e22643" providerId="LiveId" clId="{B303C878-8799-4007-876A-6617B70F571A}" dt="2020-12-01T12:45:38.708" v="5002" actId="1035"/>
+        <pc:cxnChg chg="add del mod">
+          <ac:chgData name="Fatima Pillosu" userId="a6295d4dc9e22643" providerId="LiveId" clId="{B303C878-8799-4007-876A-6617B70F571A}" dt="2020-12-03T09:25:58.265" v="7153"/>
           <ac:cxnSpMkLst>
             <pc:docMk/>
             <pc:sldMk cId="2969362105" sldId="256"/>
             <ac:cxnSpMk id="284" creationId="{F190A940-27A0-40AD-B014-97F0CFE2D648}"/>
           </ac:cxnSpMkLst>
         </pc:cxnChg>
-        <pc:cxnChg chg="add mod">
-          <ac:chgData name="Fatima Pillosu" userId="a6295d4dc9e22643" providerId="LiveId" clId="{B303C878-8799-4007-876A-6617B70F571A}" dt="2020-12-01T12:45:38.708" v="5002" actId="1035"/>
+        <pc:cxnChg chg="add del mod">
+          <ac:chgData name="Fatima Pillosu" userId="a6295d4dc9e22643" providerId="LiveId" clId="{B303C878-8799-4007-876A-6617B70F571A}" dt="2020-12-03T09:25:58.265" v="7153"/>
           <ac:cxnSpMkLst>
             <pc:docMk/>
             <pc:sldMk cId="2969362105" sldId="256"/>
@@ -5175,16 +7561,16 @@
             <ac:cxnSpMk id="289" creationId="{878B6C05-2605-4BA7-8672-62158F356B45}"/>
           </ac:cxnSpMkLst>
         </pc:cxnChg>
-        <pc:cxnChg chg="add mod">
-          <ac:chgData name="Fatima Pillosu" userId="a6295d4dc9e22643" providerId="LiveId" clId="{B303C878-8799-4007-876A-6617B70F571A}" dt="2020-12-01T12:45:38.708" v="5002" actId="1035"/>
+        <pc:cxnChg chg="add del mod">
+          <ac:chgData name="Fatima Pillosu" userId="a6295d4dc9e22643" providerId="LiveId" clId="{B303C878-8799-4007-876A-6617B70F571A}" dt="2020-12-02T16:54:09.077" v="6060" actId="478"/>
           <ac:cxnSpMkLst>
             <pc:docMk/>
             <pc:sldMk cId="2969362105" sldId="256"/>
             <ac:cxnSpMk id="290" creationId="{4C172158-B87E-404E-B7D5-7B0976468CF4}"/>
           </ac:cxnSpMkLst>
         </pc:cxnChg>
-        <pc:cxnChg chg="add mod">
-          <ac:chgData name="Fatima Pillosu" userId="a6295d4dc9e22643" providerId="LiveId" clId="{B303C878-8799-4007-876A-6617B70F571A}" dt="2020-12-01T12:45:38.708" v="5002" actId="1035"/>
+        <pc:cxnChg chg="add del mod">
+          <ac:chgData name="Fatima Pillosu" userId="a6295d4dc9e22643" providerId="LiveId" clId="{B303C878-8799-4007-876A-6617B70F571A}" dt="2020-12-03T09:25:58.265" v="7153"/>
           <ac:cxnSpMkLst>
             <pc:docMk/>
             <pc:sldMk cId="2969362105" sldId="256"/>
@@ -5199,16 +7585,16 @@
             <ac:cxnSpMk id="294" creationId="{110D8C2E-1BBB-4524-BE86-C47112629CD5}"/>
           </ac:cxnSpMkLst>
         </pc:cxnChg>
-        <pc:cxnChg chg="add mod">
-          <ac:chgData name="Fatima Pillosu" userId="a6295d4dc9e22643" providerId="LiveId" clId="{B303C878-8799-4007-876A-6617B70F571A}" dt="2020-12-01T12:45:38.708" v="5002" actId="1035"/>
+        <pc:cxnChg chg="add del mod">
+          <ac:chgData name="Fatima Pillosu" userId="a6295d4dc9e22643" providerId="LiveId" clId="{B303C878-8799-4007-876A-6617B70F571A}" dt="2020-12-03T09:25:58.265" v="7153"/>
           <ac:cxnSpMkLst>
             <pc:docMk/>
             <pc:sldMk cId="2969362105" sldId="256"/>
             <ac:cxnSpMk id="294" creationId="{9C5AFBCE-A318-4F05-BA05-4FEBFF9EE885}"/>
           </ac:cxnSpMkLst>
         </pc:cxnChg>
-        <pc:cxnChg chg="add mod">
-          <ac:chgData name="Fatima Pillosu" userId="a6295d4dc9e22643" providerId="LiveId" clId="{B303C878-8799-4007-876A-6617B70F571A}" dt="2020-12-01T12:45:38.708" v="5002" actId="1035"/>
+        <pc:cxnChg chg="add del mod">
+          <ac:chgData name="Fatima Pillosu" userId="a6295d4dc9e22643" providerId="LiveId" clId="{B303C878-8799-4007-876A-6617B70F571A}" dt="2020-12-03T09:25:58.265" v="7153"/>
           <ac:cxnSpMkLst>
             <pc:docMk/>
             <pc:sldMk cId="2969362105" sldId="256"/>
@@ -5223,8 +7609,8 @@
             <ac:cxnSpMk id="296" creationId="{31B3EF32-CC2E-4EAA-B153-261AE5FEB37C}"/>
           </ac:cxnSpMkLst>
         </pc:cxnChg>
-        <pc:cxnChg chg="add mod">
-          <ac:chgData name="Fatima Pillosu" userId="a6295d4dc9e22643" providerId="LiveId" clId="{B303C878-8799-4007-876A-6617B70F571A}" dt="2020-12-01T12:45:38.708" v="5002" actId="1035"/>
+        <pc:cxnChg chg="add del mod">
+          <ac:chgData name="Fatima Pillosu" userId="a6295d4dc9e22643" providerId="LiveId" clId="{B303C878-8799-4007-876A-6617B70F571A}" dt="2020-12-03T09:25:58.265" v="7153"/>
           <ac:cxnSpMkLst>
             <pc:docMk/>
             <pc:sldMk cId="2969362105" sldId="256"/>
@@ -5239,8 +7625,8 @@
             <ac:cxnSpMk id="299" creationId="{617CDF27-8D02-41D6-82EC-BF0E57BA0B1B}"/>
           </ac:cxnSpMkLst>
         </pc:cxnChg>
-        <pc:cxnChg chg="add mod">
-          <ac:chgData name="Fatima Pillosu" userId="a6295d4dc9e22643" providerId="LiveId" clId="{B303C878-8799-4007-876A-6617B70F571A}" dt="2020-12-01T12:45:38.708" v="5002" actId="1035"/>
+        <pc:cxnChg chg="add del mod">
+          <ac:chgData name="Fatima Pillosu" userId="a6295d4dc9e22643" providerId="LiveId" clId="{B303C878-8799-4007-876A-6617B70F571A}" dt="2020-12-03T09:25:58.265" v="7153"/>
           <ac:cxnSpMkLst>
             <pc:docMk/>
             <pc:sldMk cId="2969362105" sldId="256"/>
@@ -5271,24 +7657,24 @@
             <ac:cxnSpMk id="307" creationId="{D7AA7965-2CE8-4696-88CC-0F7D36E952AC}"/>
           </ac:cxnSpMkLst>
         </pc:cxnChg>
-        <pc:cxnChg chg="add mod">
-          <ac:chgData name="Fatima Pillosu" userId="a6295d4dc9e22643" providerId="LiveId" clId="{B303C878-8799-4007-876A-6617B70F571A}" dt="2020-12-01T12:45:38.708" v="5002" actId="1035"/>
+        <pc:cxnChg chg="add del mod">
+          <ac:chgData name="Fatima Pillosu" userId="a6295d4dc9e22643" providerId="LiveId" clId="{B303C878-8799-4007-876A-6617B70F571A}" dt="2020-12-03T09:25:58.265" v="7153"/>
           <ac:cxnSpMkLst>
             <pc:docMk/>
             <pc:sldMk cId="2969362105" sldId="256"/>
             <ac:cxnSpMk id="308" creationId="{978CC93A-5C8C-47A0-AAC2-BE127B046E39}"/>
           </ac:cxnSpMkLst>
         </pc:cxnChg>
-        <pc:cxnChg chg="add mod">
-          <ac:chgData name="Fatima Pillosu" userId="a6295d4dc9e22643" providerId="LiveId" clId="{B303C878-8799-4007-876A-6617B70F571A}" dt="2020-12-01T12:45:38.708" v="5002" actId="1035"/>
+        <pc:cxnChg chg="add del mod">
+          <ac:chgData name="Fatima Pillosu" userId="a6295d4dc9e22643" providerId="LiveId" clId="{B303C878-8799-4007-876A-6617B70F571A}" dt="2020-12-03T09:25:58.265" v="7153"/>
           <ac:cxnSpMkLst>
             <pc:docMk/>
             <pc:sldMk cId="2969362105" sldId="256"/>
             <ac:cxnSpMk id="309" creationId="{ADC1412A-3E87-4ABA-ABEE-E0A3B283540F}"/>
           </ac:cxnSpMkLst>
         </pc:cxnChg>
-        <pc:cxnChg chg="add mod">
-          <ac:chgData name="Fatima Pillosu" userId="a6295d4dc9e22643" providerId="LiveId" clId="{B303C878-8799-4007-876A-6617B70F571A}" dt="2020-12-01T12:45:38.708" v="5002" actId="1035"/>
+        <pc:cxnChg chg="add del mod">
+          <ac:chgData name="Fatima Pillosu" userId="a6295d4dc9e22643" providerId="LiveId" clId="{B303C878-8799-4007-876A-6617B70F571A}" dt="2020-12-03T09:25:58.265" v="7153"/>
           <ac:cxnSpMkLst>
             <pc:docMk/>
             <pc:sldMk cId="2969362105" sldId="256"/>
@@ -5319,8 +7705,8 @@
             <ac:cxnSpMk id="316" creationId="{2727CA3D-A5C6-4CC4-A40C-3DA21D338CC6}"/>
           </ac:cxnSpMkLst>
         </pc:cxnChg>
-        <pc:cxnChg chg="add mod">
-          <ac:chgData name="Fatima Pillosu" userId="a6295d4dc9e22643" providerId="LiveId" clId="{B303C878-8799-4007-876A-6617B70F571A}" dt="2020-12-01T12:45:38.708" v="5002" actId="1035"/>
+        <pc:cxnChg chg="add del mod">
+          <ac:chgData name="Fatima Pillosu" userId="a6295d4dc9e22643" providerId="LiveId" clId="{B303C878-8799-4007-876A-6617B70F571A}" dt="2020-12-03T09:25:58.265" v="7153"/>
           <ac:cxnSpMkLst>
             <pc:docMk/>
             <pc:sldMk cId="2969362105" sldId="256"/>
@@ -5343,6 +7729,22 @@
             <ac:cxnSpMk id="318" creationId="{D78786D2-585F-42F3-B54F-014D651D963E}"/>
           </ac:cxnSpMkLst>
         </pc:cxnChg>
+        <pc:cxnChg chg="add del mod">
+          <ac:chgData name="Fatima Pillosu" userId="a6295d4dc9e22643" providerId="LiveId" clId="{B303C878-8799-4007-876A-6617B70F571A}" dt="2020-12-03T09:58:28.905" v="7875"/>
+          <ac:cxnSpMkLst>
+            <pc:docMk/>
+            <pc:sldMk cId="2969362105" sldId="256"/>
+            <ac:cxnSpMk id="320" creationId="{1B21F72D-D9F8-4BAB-96DE-4A1CF6828AB2}"/>
+          </ac:cxnSpMkLst>
+        </pc:cxnChg>
+        <pc:cxnChg chg="add del mod">
+          <ac:chgData name="Fatima Pillosu" userId="a6295d4dc9e22643" providerId="LiveId" clId="{B303C878-8799-4007-876A-6617B70F571A}" dt="2020-12-03T09:58:28.905" v="7875"/>
+          <ac:cxnSpMkLst>
+            <pc:docMk/>
+            <pc:sldMk cId="2969362105" sldId="256"/>
+            <ac:cxnSpMk id="322" creationId="{75707C54-4CD3-48B7-8BEF-7631A1E1D0ED}"/>
+          </ac:cxnSpMkLst>
+        </pc:cxnChg>
         <pc:cxnChg chg="del mod topLvl">
           <ac:chgData name="Fatima Pillosu" userId="a6295d4dc9e22643" providerId="LiveId" clId="{B303C878-8799-4007-876A-6617B70F571A}" dt="2020-12-01T11:10:09.564" v="3469"/>
           <ac:cxnSpMkLst>
@@ -5359,6 +7761,30 @@
             <ac:cxnSpMk id="325" creationId="{3F7541C5-9665-4C84-B1F0-48C849EB48B4}"/>
           </ac:cxnSpMkLst>
         </pc:cxnChg>
+        <pc:cxnChg chg="add del mod">
+          <ac:chgData name="Fatima Pillosu" userId="a6295d4dc9e22643" providerId="LiveId" clId="{B303C878-8799-4007-876A-6617B70F571A}" dt="2020-12-03T09:58:28.905" v="7875"/>
+          <ac:cxnSpMkLst>
+            <pc:docMk/>
+            <pc:sldMk cId="2969362105" sldId="256"/>
+            <ac:cxnSpMk id="329" creationId="{89EC6246-D320-4236-8838-512DD6C69BF0}"/>
+          </ac:cxnSpMkLst>
+        </pc:cxnChg>
+        <pc:cxnChg chg="add del mod">
+          <ac:chgData name="Fatima Pillosu" userId="a6295d4dc9e22643" providerId="LiveId" clId="{B303C878-8799-4007-876A-6617B70F571A}" dt="2020-12-03T09:58:28.905" v="7875"/>
+          <ac:cxnSpMkLst>
+            <pc:docMk/>
+            <pc:sldMk cId="2969362105" sldId="256"/>
+            <ac:cxnSpMk id="330" creationId="{9AF1C7BE-77BA-41A8-BE8E-C70586C0E93E}"/>
+          </ac:cxnSpMkLst>
+        </pc:cxnChg>
+        <pc:cxnChg chg="add del mod">
+          <ac:chgData name="Fatima Pillosu" userId="a6295d4dc9e22643" providerId="LiveId" clId="{B303C878-8799-4007-876A-6617B70F571A}" dt="2020-12-03T09:58:28.905" v="7875"/>
+          <ac:cxnSpMkLst>
+            <pc:docMk/>
+            <pc:sldMk cId="2969362105" sldId="256"/>
+            <ac:cxnSpMk id="331" creationId="{922BE119-3693-4FF4-967D-9248C3B7A297}"/>
+          </ac:cxnSpMkLst>
+        </pc:cxnChg>
         <pc:cxnChg chg="del mod topLvl">
           <ac:chgData name="Fatima Pillosu" userId="a6295d4dc9e22643" providerId="LiveId" clId="{B303C878-8799-4007-876A-6617B70F571A}" dt="2020-12-01T11:10:09.564" v="3469"/>
           <ac:cxnSpMkLst>
@@ -5375,6 +7801,14 @@
             <ac:cxnSpMk id="337" creationId="{6034E4EB-F61D-4D15-B383-271B7940BD00}"/>
           </ac:cxnSpMkLst>
         </pc:cxnChg>
+        <pc:cxnChg chg="add del mod">
+          <ac:chgData name="Fatima Pillosu" userId="a6295d4dc9e22643" providerId="LiveId" clId="{B303C878-8799-4007-876A-6617B70F571A}" dt="2020-12-03T09:58:28.905" v="7875"/>
+          <ac:cxnSpMkLst>
+            <pc:docMk/>
+            <pc:sldMk cId="2969362105" sldId="256"/>
+            <ac:cxnSpMk id="337" creationId="{B018A3BC-083E-4AE3-8BE2-25B7676F87BA}"/>
+          </ac:cxnSpMkLst>
+        </pc:cxnChg>
         <pc:cxnChg chg="del mod topLvl">
           <ac:chgData name="Fatima Pillosu" userId="a6295d4dc9e22643" providerId="LiveId" clId="{B303C878-8799-4007-876A-6617B70F571A}" dt="2020-12-01T11:10:09.564" v="3469"/>
           <ac:cxnSpMkLst>
@@ -5391,6 +7825,22 @@
             <ac:cxnSpMk id="347" creationId="{87103E41-567C-487F-A0A2-2F9CC850D31B}"/>
           </ac:cxnSpMkLst>
         </pc:cxnChg>
+        <pc:cxnChg chg="add del">
+          <ac:chgData name="Fatima Pillosu" userId="a6295d4dc9e22643" providerId="LiveId" clId="{B303C878-8799-4007-876A-6617B70F571A}" dt="2020-12-03T09:58:16.803" v="7869"/>
+          <ac:cxnSpMkLst>
+            <pc:docMk/>
+            <pc:sldMk cId="2969362105" sldId="256"/>
+            <ac:cxnSpMk id="348" creationId="{2774EFDB-9417-4907-B9E4-6CFEFBF5B985}"/>
+          </ac:cxnSpMkLst>
+        </pc:cxnChg>
+        <pc:cxnChg chg="add del">
+          <ac:chgData name="Fatima Pillosu" userId="a6295d4dc9e22643" providerId="LiveId" clId="{B303C878-8799-4007-876A-6617B70F571A}" dt="2020-12-03T09:58:16.803" v="7869"/>
+          <ac:cxnSpMkLst>
+            <pc:docMk/>
+            <pc:sldMk cId="2969362105" sldId="256"/>
+            <ac:cxnSpMk id="350" creationId="{B159C028-F27E-4216-93A0-9AAA3C648500}"/>
+          </ac:cxnSpMkLst>
+        </pc:cxnChg>
         <pc:cxnChg chg="add del mod">
           <ac:chgData name="Fatima Pillosu" userId="a6295d4dc9e22643" providerId="LiveId" clId="{B303C878-8799-4007-876A-6617B70F571A}" dt="2020-12-01T11:10:06.687" v="3468" actId="478"/>
           <ac:cxnSpMkLst>
@@ -5399,6 +7849,22 @@
             <ac:cxnSpMk id="352" creationId="{9DE63BA1-F1C2-4B58-AC5E-6F9232C5E1F9}"/>
           </ac:cxnSpMkLst>
         </pc:cxnChg>
+        <pc:cxnChg chg="add del">
+          <ac:chgData name="Fatima Pillosu" userId="a6295d4dc9e22643" providerId="LiveId" clId="{B303C878-8799-4007-876A-6617B70F571A}" dt="2020-12-03T09:58:16.803" v="7869"/>
+          <ac:cxnSpMkLst>
+            <pc:docMk/>
+            <pc:sldMk cId="2969362105" sldId="256"/>
+            <ac:cxnSpMk id="352" creationId="{B8CB68D1-7A42-41CE-9123-1B75FB1644F7}"/>
+          </ac:cxnSpMkLst>
+        </pc:cxnChg>
+        <pc:cxnChg chg="add del">
+          <ac:chgData name="Fatima Pillosu" userId="a6295d4dc9e22643" providerId="LiveId" clId="{B303C878-8799-4007-876A-6617B70F571A}" dt="2020-12-03T09:58:16.803" v="7869"/>
+          <ac:cxnSpMkLst>
+            <pc:docMk/>
+            <pc:sldMk cId="2969362105" sldId="256"/>
+            <ac:cxnSpMk id="354" creationId="{ACBBCBFC-30ED-42E8-854D-0D3C8F3E5AAF}"/>
+          </ac:cxnSpMkLst>
+        </pc:cxnChg>
         <pc:cxnChg chg="add del mod">
           <ac:chgData name="Fatima Pillosu" userId="a6295d4dc9e22643" providerId="LiveId" clId="{B303C878-8799-4007-876A-6617B70F571A}" dt="2020-12-01T11:10:46.684" v="3477"/>
           <ac:cxnSpMkLst>
@@ -5407,6 +7873,14 @@
             <ac:cxnSpMk id="356" creationId="{B882B177-6E9B-4B57-B354-0DD8AD982E48}"/>
           </ac:cxnSpMkLst>
         </pc:cxnChg>
+        <pc:cxnChg chg="add del">
+          <ac:chgData name="Fatima Pillosu" userId="a6295d4dc9e22643" providerId="LiveId" clId="{B303C878-8799-4007-876A-6617B70F571A}" dt="2020-12-03T09:58:16.803" v="7869"/>
+          <ac:cxnSpMkLst>
+            <pc:docMk/>
+            <pc:sldMk cId="2969362105" sldId="256"/>
+            <ac:cxnSpMk id="357" creationId="{9F78DFFC-4EFB-46CD-B708-29FC5E2398C4}"/>
+          </ac:cxnSpMkLst>
+        </pc:cxnChg>
         <pc:cxnChg chg="add del mod">
           <ac:chgData name="Fatima Pillosu" userId="a6295d4dc9e22643" providerId="LiveId" clId="{B303C878-8799-4007-876A-6617B70F571A}" dt="2020-12-01T11:10:46.684" v="3477"/>
           <ac:cxnSpMkLst>
@@ -5415,6 +7889,30 @@
             <ac:cxnSpMk id="360" creationId="{1A870344-2D30-4130-A47E-36E289A4728A}"/>
           </ac:cxnSpMkLst>
         </pc:cxnChg>
+        <pc:cxnChg chg="add del">
+          <ac:chgData name="Fatima Pillosu" userId="a6295d4dc9e22643" providerId="LiveId" clId="{B303C878-8799-4007-876A-6617B70F571A}" dt="2020-12-03T09:58:16.803" v="7869"/>
+          <ac:cxnSpMkLst>
+            <pc:docMk/>
+            <pc:sldMk cId="2969362105" sldId="256"/>
+            <ac:cxnSpMk id="360" creationId="{8F39FFD0-675A-4BD9-A34E-56BD69D2E2A2}"/>
+          </ac:cxnSpMkLst>
+        </pc:cxnChg>
+        <pc:cxnChg chg="add del">
+          <ac:chgData name="Fatima Pillosu" userId="a6295d4dc9e22643" providerId="LiveId" clId="{B303C878-8799-4007-876A-6617B70F571A}" dt="2020-12-03T09:58:16.803" v="7869"/>
+          <ac:cxnSpMkLst>
+            <pc:docMk/>
+            <pc:sldMk cId="2969362105" sldId="256"/>
+            <ac:cxnSpMk id="361" creationId="{31F88CD3-0432-402F-B6E6-1A5C9D321650}"/>
+          </ac:cxnSpMkLst>
+        </pc:cxnChg>
+        <pc:cxnChg chg="add del">
+          <ac:chgData name="Fatima Pillosu" userId="a6295d4dc9e22643" providerId="LiveId" clId="{B303C878-8799-4007-876A-6617B70F571A}" dt="2020-12-03T09:58:16.803" v="7869"/>
+          <ac:cxnSpMkLst>
+            <pc:docMk/>
+            <pc:sldMk cId="2969362105" sldId="256"/>
+            <ac:cxnSpMk id="363" creationId="{4E067756-BE91-4C41-9CC4-F2005E4D1EEC}"/>
+          </ac:cxnSpMkLst>
+        </pc:cxnChg>
         <pc:cxnChg chg="add del mod">
           <ac:chgData name="Fatima Pillosu" userId="a6295d4dc9e22643" providerId="LiveId" clId="{B303C878-8799-4007-876A-6617B70F571A}" dt="2020-12-01T11:10:46.684" v="3477"/>
           <ac:cxnSpMkLst>
@@ -5423,6 +7921,14 @@
             <ac:cxnSpMk id="364" creationId="{4B6C4161-E806-49AF-98B3-490A4D0D0669}"/>
           </ac:cxnSpMkLst>
         </pc:cxnChg>
+        <pc:cxnChg chg="add del">
+          <ac:chgData name="Fatima Pillosu" userId="a6295d4dc9e22643" providerId="LiveId" clId="{B303C878-8799-4007-876A-6617B70F571A}" dt="2020-12-03T09:58:16.803" v="7869"/>
+          <ac:cxnSpMkLst>
+            <pc:docMk/>
+            <pc:sldMk cId="2969362105" sldId="256"/>
+            <ac:cxnSpMk id="364" creationId="{E6806B8F-8962-4B13-A3D5-65D6B9F0ACBE}"/>
+          </ac:cxnSpMkLst>
+        </pc:cxnChg>
         <pc:cxnChg chg="add del mod">
           <ac:chgData name="Fatima Pillosu" userId="a6295d4dc9e22643" providerId="LiveId" clId="{B303C878-8799-4007-876A-6617B70F571A}" dt="2020-12-01T11:10:46.684" v="3477"/>
           <ac:cxnSpMkLst>
@@ -5431,6 +7937,22 @@
             <ac:cxnSpMk id="365" creationId="{51BE3B35-6862-4C0D-ABEE-50ADD9D88640}"/>
           </ac:cxnSpMkLst>
         </pc:cxnChg>
+        <pc:cxnChg chg="add del">
+          <ac:chgData name="Fatima Pillosu" userId="a6295d4dc9e22643" providerId="LiveId" clId="{B303C878-8799-4007-876A-6617B70F571A}" dt="2020-12-03T09:58:16.803" v="7869"/>
+          <ac:cxnSpMkLst>
+            <pc:docMk/>
+            <pc:sldMk cId="2969362105" sldId="256"/>
+            <ac:cxnSpMk id="365" creationId="{F135B463-55AA-4767-B958-E3328C10341D}"/>
+          </ac:cxnSpMkLst>
+        </pc:cxnChg>
+        <pc:cxnChg chg="add del">
+          <ac:chgData name="Fatima Pillosu" userId="a6295d4dc9e22643" providerId="LiveId" clId="{B303C878-8799-4007-876A-6617B70F571A}" dt="2020-12-03T09:58:16.803" v="7869"/>
+          <ac:cxnSpMkLst>
+            <pc:docMk/>
+            <pc:sldMk cId="2969362105" sldId="256"/>
+            <ac:cxnSpMk id="367" creationId="{1747A0CC-B280-48DC-AA00-1012C7DAB465}"/>
+          </ac:cxnSpMkLst>
+        </pc:cxnChg>
         <pc:cxnChg chg="add del mod">
           <ac:chgData name="Fatima Pillosu" userId="a6295d4dc9e22643" providerId="LiveId" clId="{B303C878-8799-4007-876A-6617B70F571A}" dt="2020-12-01T11:10:46.684" v="3477"/>
           <ac:cxnSpMkLst>
@@ -5455,6 +7977,14 @@
             <ac:cxnSpMk id="371" creationId="{5965F30C-07A6-4A47-86D8-42158387BEA1}"/>
           </ac:cxnSpMkLst>
         </pc:cxnChg>
+        <pc:cxnChg chg="add del">
+          <ac:chgData name="Fatima Pillosu" userId="a6295d4dc9e22643" providerId="LiveId" clId="{B303C878-8799-4007-876A-6617B70F571A}" dt="2020-12-03T09:58:16.803" v="7869"/>
+          <ac:cxnSpMkLst>
+            <pc:docMk/>
+            <pc:sldMk cId="2969362105" sldId="256"/>
+            <ac:cxnSpMk id="372" creationId="{9EA3B416-B2D4-4498-A713-F1D5E6EE16C5}"/>
+          </ac:cxnSpMkLst>
+        </pc:cxnChg>
         <pc:cxnChg chg="add del mod">
           <ac:chgData name="Fatima Pillosu" userId="a6295d4dc9e22643" providerId="LiveId" clId="{B303C878-8799-4007-876A-6617B70F571A}" dt="2020-12-01T11:10:46.684" v="3477"/>
           <ac:cxnSpMkLst>
@@ -5463,6 +7993,22 @@
             <ac:cxnSpMk id="373" creationId="{B5126858-9869-428F-A019-5EDE0B812B5C}"/>
           </ac:cxnSpMkLst>
         </pc:cxnChg>
+        <pc:cxnChg chg="add del">
+          <ac:chgData name="Fatima Pillosu" userId="a6295d4dc9e22643" providerId="LiveId" clId="{B303C878-8799-4007-876A-6617B70F571A}" dt="2020-12-03T09:58:16.803" v="7869"/>
+          <ac:cxnSpMkLst>
+            <pc:docMk/>
+            <pc:sldMk cId="2969362105" sldId="256"/>
+            <ac:cxnSpMk id="374" creationId="{77712C46-C558-4448-A9EC-E6F286D66574}"/>
+          </ac:cxnSpMkLst>
+        </pc:cxnChg>
+        <pc:cxnChg chg="add del">
+          <ac:chgData name="Fatima Pillosu" userId="a6295d4dc9e22643" providerId="LiveId" clId="{B303C878-8799-4007-876A-6617B70F571A}" dt="2020-12-03T09:58:16.803" v="7869"/>
+          <ac:cxnSpMkLst>
+            <pc:docMk/>
+            <pc:sldMk cId="2969362105" sldId="256"/>
+            <ac:cxnSpMk id="375" creationId="{5F28179B-A855-493E-B2FA-FBF2AC23622A}"/>
+          </ac:cxnSpMkLst>
+        </pc:cxnChg>
         <pc:cxnChg chg="add del mod">
           <ac:chgData name="Fatima Pillosu" userId="a6295d4dc9e22643" providerId="LiveId" clId="{B303C878-8799-4007-876A-6617B70F571A}" dt="2020-12-01T11:10:46.684" v="3477"/>
           <ac:cxnSpMkLst>
@@ -5479,6 +8025,14 @@
             <ac:cxnSpMk id="377" creationId="{9C639EF9-9633-4A43-AD9F-2B14AB9300D9}"/>
           </ac:cxnSpMkLst>
         </pc:cxnChg>
+        <pc:cxnChg chg="add del">
+          <ac:chgData name="Fatima Pillosu" userId="a6295d4dc9e22643" providerId="LiveId" clId="{B303C878-8799-4007-876A-6617B70F571A}" dt="2020-12-03T09:58:16.803" v="7869"/>
+          <ac:cxnSpMkLst>
+            <pc:docMk/>
+            <pc:sldMk cId="2969362105" sldId="256"/>
+            <ac:cxnSpMk id="378" creationId="{F1D049BA-5EB5-47DF-99E2-C9232DC12BCA}"/>
+          </ac:cxnSpMkLst>
+        </pc:cxnChg>
         <pc:cxnChg chg="add del mod">
           <ac:chgData name="Fatima Pillosu" userId="a6295d4dc9e22643" providerId="LiveId" clId="{B303C878-8799-4007-876A-6617B70F571A}" dt="2020-12-01T11:10:46.684" v="3477"/>
           <ac:cxnSpMkLst>
@@ -5487,6 +8041,14 @@
             <ac:cxnSpMk id="379" creationId="{BF8E1F53-6DE6-4004-A44E-80AC18F17D5C}"/>
           </ac:cxnSpMkLst>
         </pc:cxnChg>
+        <pc:cxnChg chg="add del">
+          <ac:chgData name="Fatima Pillosu" userId="a6295d4dc9e22643" providerId="LiveId" clId="{B303C878-8799-4007-876A-6617B70F571A}" dt="2020-12-03T09:58:16.803" v="7869"/>
+          <ac:cxnSpMkLst>
+            <pc:docMk/>
+            <pc:sldMk cId="2969362105" sldId="256"/>
+            <ac:cxnSpMk id="380" creationId="{1961F120-AB31-4565-83E6-1E88D045713D}"/>
+          </ac:cxnSpMkLst>
+        </pc:cxnChg>
         <pc:cxnChg chg="add del mod">
           <ac:chgData name="Fatima Pillosu" userId="a6295d4dc9e22643" providerId="LiveId" clId="{B303C878-8799-4007-876A-6617B70F571A}" dt="2020-12-01T11:10:46.684" v="3477"/>
           <ac:cxnSpMkLst>
@@ -5519,6 +8081,30 @@
             <ac:cxnSpMk id="386" creationId="{63F6859F-0ED4-4D64-B116-4F4C9F8716BA}"/>
           </ac:cxnSpMkLst>
         </pc:cxnChg>
+        <pc:cxnChg chg="add del">
+          <ac:chgData name="Fatima Pillosu" userId="a6295d4dc9e22643" providerId="LiveId" clId="{B303C878-8799-4007-876A-6617B70F571A}" dt="2020-12-03T09:58:16.803" v="7869"/>
+          <ac:cxnSpMkLst>
+            <pc:docMk/>
+            <pc:sldMk cId="2969362105" sldId="256"/>
+            <ac:cxnSpMk id="387" creationId="{AB6A267D-3E61-495F-BFA6-4F223B57AF27}"/>
+          </ac:cxnSpMkLst>
+        </pc:cxnChg>
+        <pc:cxnChg chg="add del">
+          <ac:chgData name="Fatima Pillosu" userId="a6295d4dc9e22643" providerId="LiveId" clId="{B303C878-8799-4007-876A-6617B70F571A}" dt="2020-12-03T09:58:16.803" v="7869"/>
+          <ac:cxnSpMkLst>
+            <pc:docMk/>
+            <pc:sldMk cId="2969362105" sldId="256"/>
+            <ac:cxnSpMk id="388" creationId="{39BC99E5-3033-41E5-BA13-DA1FA032FE29}"/>
+          </ac:cxnSpMkLst>
+        </pc:cxnChg>
+        <pc:cxnChg chg="add del">
+          <ac:chgData name="Fatima Pillosu" userId="a6295d4dc9e22643" providerId="LiveId" clId="{B303C878-8799-4007-876A-6617B70F571A}" dt="2020-12-03T09:58:16.803" v="7869"/>
+          <ac:cxnSpMkLst>
+            <pc:docMk/>
+            <pc:sldMk cId="2969362105" sldId="256"/>
+            <ac:cxnSpMk id="389" creationId="{0DDA8CD1-3352-4726-A7B8-BAACB72A0EAF}"/>
+          </ac:cxnSpMkLst>
+        </pc:cxnChg>
         <pc:cxnChg chg="add del mod">
           <ac:chgData name="Fatima Pillosu" userId="a6295d4dc9e22643" providerId="LiveId" clId="{B303C878-8799-4007-876A-6617B70F571A}" dt="2020-12-01T11:10:46.684" v="3477"/>
           <ac:cxnSpMkLst>
@@ -5527,6 +8113,14 @@
             <ac:cxnSpMk id="390" creationId="{9FD05094-EA58-47F0-9FA9-A1A704768E9A}"/>
           </ac:cxnSpMkLst>
         </pc:cxnChg>
+        <pc:cxnChg chg="add del">
+          <ac:chgData name="Fatima Pillosu" userId="a6295d4dc9e22643" providerId="LiveId" clId="{B303C878-8799-4007-876A-6617B70F571A}" dt="2020-12-03T09:58:16.803" v="7869"/>
+          <ac:cxnSpMkLst>
+            <pc:docMk/>
+            <pc:sldMk cId="2969362105" sldId="256"/>
+            <ac:cxnSpMk id="395" creationId="{52065609-56C7-4FFC-A99C-4D995A768AC5}"/>
+          </ac:cxnSpMkLst>
+        </pc:cxnChg>
         <pc:cxnChg chg="add del mod">
           <ac:chgData name="Fatima Pillosu" userId="a6295d4dc9e22643" providerId="LiveId" clId="{B303C878-8799-4007-876A-6617B70F571A}" dt="2020-12-01T11:10:46.684" v="3477"/>
           <ac:cxnSpMkLst>
@@ -5552,6 +8146,22 @@
           </ac:cxnSpMkLst>
         </pc:cxnChg>
         <pc:cxnChg chg="add del mod">
+          <ac:chgData name="Fatima Pillosu" userId="a6295d4dc9e22643" providerId="LiveId" clId="{B303C878-8799-4007-876A-6617B70F571A}" dt="2020-12-03T09:58:50.389" v="7887"/>
+          <ac:cxnSpMkLst>
+            <pc:docMk/>
+            <pc:sldMk cId="2969362105" sldId="256"/>
+            <ac:cxnSpMk id="406" creationId="{DDAAB8B3-DC52-4D53-B207-39F8C4705A4A}"/>
+          </ac:cxnSpMkLst>
+        </pc:cxnChg>
+        <pc:cxnChg chg="add del mod">
+          <ac:chgData name="Fatima Pillosu" userId="a6295d4dc9e22643" providerId="LiveId" clId="{B303C878-8799-4007-876A-6617B70F571A}" dt="2020-12-03T09:58:50.389" v="7887"/>
+          <ac:cxnSpMkLst>
+            <pc:docMk/>
+            <pc:sldMk cId="2969362105" sldId="256"/>
+            <ac:cxnSpMk id="408" creationId="{1E11AB8B-7142-422D-AD11-FBE95033D630}"/>
+          </ac:cxnSpMkLst>
+        </pc:cxnChg>
+        <pc:cxnChg chg="add del mod">
           <ac:chgData name="Fatima Pillosu" userId="a6295d4dc9e22643" providerId="LiveId" clId="{B303C878-8799-4007-876A-6617B70F571A}" dt="2020-12-01T11:12:38.421" v="3514"/>
           <ac:cxnSpMkLst>
             <pc:docMk/>
@@ -5560,6 +8170,22 @@
           </ac:cxnSpMkLst>
         </pc:cxnChg>
         <pc:cxnChg chg="add del mod">
+          <ac:chgData name="Fatima Pillosu" userId="a6295d4dc9e22643" providerId="LiveId" clId="{B303C878-8799-4007-876A-6617B70F571A}" dt="2020-12-03T09:58:50.389" v="7887"/>
+          <ac:cxnSpMkLst>
+            <pc:docMk/>
+            <pc:sldMk cId="2969362105" sldId="256"/>
+            <ac:cxnSpMk id="410" creationId="{5A639A85-2CDB-4286-9730-8DE824431E09}"/>
+          </ac:cxnSpMkLst>
+        </pc:cxnChg>
+        <pc:cxnChg chg="add del mod">
+          <ac:chgData name="Fatima Pillosu" userId="a6295d4dc9e22643" providerId="LiveId" clId="{B303C878-8799-4007-876A-6617B70F571A}" dt="2020-12-03T09:58:50.389" v="7887"/>
+          <ac:cxnSpMkLst>
+            <pc:docMk/>
+            <pc:sldMk cId="2969362105" sldId="256"/>
+            <ac:cxnSpMk id="412" creationId="{C971D567-44B8-4269-B85B-4B2C1577B6DB}"/>
+          </ac:cxnSpMkLst>
+        </pc:cxnChg>
+        <pc:cxnChg chg="add del mod">
           <ac:chgData name="Fatima Pillosu" userId="a6295d4dc9e22643" providerId="LiveId" clId="{B303C878-8799-4007-876A-6617B70F571A}" dt="2020-12-01T11:12:38.421" v="3514"/>
           <ac:cxnSpMkLst>
             <pc:docMk/>
@@ -5568,6 +8194,14 @@
           </ac:cxnSpMkLst>
         </pc:cxnChg>
         <pc:cxnChg chg="add del mod">
+          <ac:chgData name="Fatima Pillosu" userId="a6295d4dc9e22643" providerId="LiveId" clId="{B303C878-8799-4007-876A-6617B70F571A}" dt="2020-12-03T09:58:50.389" v="7887"/>
+          <ac:cxnSpMkLst>
+            <pc:docMk/>
+            <pc:sldMk cId="2969362105" sldId="256"/>
+            <ac:cxnSpMk id="415" creationId="{E0BAD16D-E30C-4EFE-B764-E82522D3B0D1}"/>
+          </ac:cxnSpMkLst>
+        </pc:cxnChg>
+        <pc:cxnChg chg="add del mod">
           <ac:chgData name="Fatima Pillosu" userId="a6295d4dc9e22643" providerId="LiveId" clId="{B303C878-8799-4007-876A-6617B70F571A}" dt="2020-12-01T11:12:38.421" v="3514"/>
           <ac:cxnSpMkLst>
             <pc:docMk/>
@@ -5576,6 +8210,14 @@
           </ac:cxnSpMkLst>
         </pc:cxnChg>
         <pc:cxnChg chg="add del mod">
+          <ac:chgData name="Fatima Pillosu" userId="a6295d4dc9e22643" providerId="LiveId" clId="{B303C878-8799-4007-876A-6617B70F571A}" dt="2020-12-03T09:58:50.389" v="7887"/>
+          <ac:cxnSpMkLst>
+            <pc:docMk/>
+            <pc:sldMk cId="2969362105" sldId="256"/>
+            <ac:cxnSpMk id="418" creationId="{8853CE4D-0656-453B-9B7B-289BA6DD201D}"/>
+          </ac:cxnSpMkLst>
+        </pc:cxnChg>
+        <pc:cxnChg chg="add del mod">
           <ac:chgData name="Fatima Pillosu" userId="a6295d4dc9e22643" providerId="LiveId" clId="{B303C878-8799-4007-876A-6617B70F571A}" dt="2020-12-01T11:12:38.421" v="3514"/>
           <ac:cxnSpMkLst>
             <pc:docMk/>
@@ -5584,6 +8226,14 @@
           </ac:cxnSpMkLst>
         </pc:cxnChg>
         <pc:cxnChg chg="add del mod">
+          <ac:chgData name="Fatima Pillosu" userId="a6295d4dc9e22643" providerId="LiveId" clId="{B303C878-8799-4007-876A-6617B70F571A}" dt="2020-12-03T09:58:50.389" v="7887"/>
+          <ac:cxnSpMkLst>
+            <pc:docMk/>
+            <pc:sldMk cId="2969362105" sldId="256"/>
+            <ac:cxnSpMk id="419" creationId="{4D15A6C2-C10A-46B8-B9A1-FB20F688C3D1}"/>
+          </ac:cxnSpMkLst>
+        </pc:cxnChg>
+        <pc:cxnChg chg="add del mod">
           <ac:chgData name="Fatima Pillosu" userId="a6295d4dc9e22643" providerId="LiveId" clId="{B303C878-8799-4007-876A-6617B70F571A}" dt="2020-12-01T11:12:38.421" v="3514"/>
           <ac:cxnSpMkLst>
             <pc:docMk/>
@@ -5592,6 +8242,14 @@
           </ac:cxnSpMkLst>
         </pc:cxnChg>
         <pc:cxnChg chg="add del mod">
+          <ac:chgData name="Fatima Pillosu" userId="a6295d4dc9e22643" providerId="LiveId" clId="{B303C878-8799-4007-876A-6617B70F571A}" dt="2020-12-03T09:58:50.389" v="7887"/>
+          <ac:cxnSpMkLst>
+            <pc:docMk/>
+            <pc:sldMk cId="2969362105" sldId="256"/>
+            <ac:cxnSpMk id="421" creationId="{A46E3E18-389A-487B-A073-A7488DD178D3}"/>
+          </ac:cxnSpMkLst>
+        </pc:cxnChg>
+        <pc:cxnChg chg="add del mod">
           <ac:chgData name="Fatima Pillosu" userId="a6295d4dc9e22643" providerId="LiveId" clId="{B303C878-8799-4007-876A-6617B70F571A}" dt="2020-12-01T11:12:38.421" v="3514"/>
           <ac:cxnSpMkLst>
             <pc:docMk/>
@@ -5600,6 +8258,22 @@
           </ac:cxnSpMkLst>
         </pc:cxnChg>
         <pc:cxnChg chg="add del mod">
+          <ac:chgData name="Fatima Pillosu" userId="a6295d4dc9e22643" providerId="LiveId" clId="{B303C878-8799-4007-876A-6617B70F571A}" dt="2020-12-03T09:58:50.389" v="7887"/>
+          <ac:cxnSpMkLst>
+            <pc:docMk/>
+            <pc:sldMk cId="2969362105" sldId="256"/>
+            <ac:cxnSpMk id="422" creationId="{570BA399-3A76-4D22-955F-AACE1C8B42E4}"/>
+          </ac:cxnSpMkLst>
+        </pc:cxnChg>
+        <pc:cxnChg chg="add del mod">
+          <ac:chgData name="Fatima Pillosu" userId="a6295d4dc9e22643" providerId="LiveId" clId="{B303C878-8799-4007-876A-6617B70F571A}" dt="2020-12-03T09:58:50.389" v="7887"/>
+          <ac:cxnSpMkLst>
+            <pc:docMk/>
+            <pc:sldMk cId="2969362105" sldId="256"/>
+            <ac:cxnSpMk id="423" creationId="{8509FAD6-4823-411E-AA1B-155796F5E27A}"/>
+          </ac:cxnSpMkLst>
+        </pc:cxnChg>
+        <pc:cxnChg chg="add del mod">
           <ac:chgData name="Fatima Pillosu" userId="a6295d4dc9e22643" providerId="LiveId" clId="{B303C878-8799-4007-876A-6617B70F571A}" dt="2020-12-01T11:12:38.421" v="3514"/>
           <ac:cxnSpMkLst>
             <pc:docMk/>
@@ -5608,6 +8282,14 @@
           </ac:cxnSpMkLst>
         </pc:cxnChg>
         <pc:cxnChg chg="add del mod">
+          <ac:chgData name="Fatima Pillosu" userId="a6295d4dc9e22643" providerId="LiveId" clId="{B303C878-8799-4007-876A-6617B70F571A}" dt="2020-12-03T09:58:50.389" v="7887"/>
+          <ac:cxnSpMkLst>
+            <pc:docMk/>
+            <pc:sldMk cId="2969362105" sldId="256"/>
+            <ac:cxnSpMk id="425" creationId="{AE025DFA-6B66-40F9-87C7-2F3542278EE7}"/>
+          </ac:cxnSpMkLst>
+        </pc:cxnChg>
+        <pc:cxnChg chg="add del mod">
           <ac:chgData name="Fatima Pillosu" userId="a6295d4dc9e22643" providerId="LiveId" clId="{B303C878-8799-4007-876A-6617B70F571A}" dt="2020-12-01T11:12:38.421" v="3514"/>
           <ac:cxnSpMkLst>
             <pc:docMk/>
@@ -5624,6 +8306,14 @@
           </ac:cxnSpMkLst>
         </pc:cxnChg>
         <pc:cxnChg chg="add del mod">
+          <ac:chgData name="Fatima Pillosu" userId="a6295d4dc9e22643" providerId="LiveId" clId="{B303C878-8799-4007-876A-6617B70F571A}" dt="2020-12-03T09:58:50.389" v="7887"/>
+          <ac:cxnSpMkLst>
+            <pc:docMk/>
+            <pc:sldMk cId="2969362105" sldId="256"/>
+            <ac:cxnSpMk id="430" creationId="{3A854ED3-4B0A-498E-B4B6-95C0F26A7B41}"/>
+          </ac:cxnSpMkLst>
+        </pc:cxnChg>
+        <pc:cxnChg chg="add del mod">
           <ac:chgData name="Fatima Pillosu" userId="a6295d4dc9e22643" providerId="LiveId" clId="{B303C878-8799-4007-876A-6617B70F571A}" dt="2020-12-01T11:12:38.421" v="3514"/>
           <ac:cxnSpMkLst>
             <pc:docMk/>
@@ -5640,6 +8330,22 @@
           </ac:cxnSpMkLst>
         </pc:cxnChg>
         <pc:cxnChg chg="add del mod">
+          <ac:chgData name="Fatima Pillosu" userId="a6295d4dc9e22643" providerId="LiveId" clId="{B303C878-8799-4007-876A-6617B70F571A}" dt="2020-12-03T09:58:50.389" v="7887"/>
+          <ac:cxnSpMkLst>
+            <pc:docMk/>
+            <pc:sldMk cId="2969362105" sldId="256"/>
+            <ac:cxnSpMk id="432" creationId="{F45F7A17-BECE-4025-8D4D-4DD9C96CAFE4}"/>
+          </ac:cxnSpMkLst>
+        </pc:cxnChg>
+        <pc:cxnChg chg="add del mod">
+          <ac:chgData name="Fatima Pillosu" userId="a6295d4dc9e22643" providerId="LiveId" clId="{B303C878-8799-4007-876A-6617B70F571A}" dt="2020-12-03T09:58:50.389" v="7887"/>
+          <ac:cxnSpMkLst>
+            <pc:docMk/>
+            <pc:sldMk cId="2969362105" sldId="256"/>
+            <ac:cxnSpMk id="433" creationId="{43E5A842-14F5-4165-8755-4B54E788765A}"/>
+          </ac:cxnSpMkLst>
+        </pc:cxnChg>
+        <pc:cxnChg chg="add del mod">
           <ac:chgData name="Fatima Pillosu" userId="a6295d4dc9e22643" providerId="LiveId" clId="{B303C878-8799-4007-876A-6617B70F571A}" dt="2020-12-01T11:12:38.421" v="3514"/>
           <ac:cxnSpMkLst>
             <pc:docMk/>
@@ -5656,6 +8362,14 @@
           </ac:cxnSpMkLst>
         </pc:cxnChg>
         <pc:cxnChg chg="add del mod">
+          <ac:chgData name="Fatima Pillosu" userId="a6295d4dc9e22643" providerId="LiveId" clId="{B303C878-8799-4007-876A-6617B70F571A}" dt="2020-12-03T09:58:50.389" v="7887"/>
+          <ac:cxnSpMkLst>
+            <pc:docMk/>
+            <pc:sldMk cId="2969362105" sldId="256"/>
+            <ac:cxnSpMk id="436" creationId="{D5910731-8026-4401-A304-F194F494C765}"/>
+          </ac:cxnSpMkLst>
+        </pc:cxnChg>
+        <pc:cxnChg chg="add del mod">
           <ac:chgData name="Fatima Pillosu" userId="a6295d4dc9e22643" providerId="LiveId" clId="{B303C878-8799-4007-876A-6617B70F571A}" dt="2020-12-01T11:12:38.421" v="3514"/>
           <ac:cxnSpMkLst>
             <pc:docMk/>
@@ -5664,6 +8378,14 @@
           </ac:cxnSpMkLst>
         </pc:cxnChg>
         <pc:cxnChg chg="add del mod">
+          <ac:chgData name="Fatima Pillosu" userId="a6295d4dc9e22643" providerId="LiveId" clId="{B303C878-8799-4007-876A-6617B70F571A}" dt="2020-12-03T09:58:50.389" v="7887"/>
+          <ac:cxnSpMkLst>
+            <pc:docMk/>
+            <pc:sldMk cId="2969362105" sldId="256"/>
+            <ac:cxnSpMk id="438" creationId="{43155037-271A-4EFE-92D0-A374C5953093}"/>
+          </ac:cxnSpMkLst>
+        </pc:cxnChg>
+        <pc:cxnChg chg="add del mod">
           <ac:chgData name="Fatima Pillosu" userId="a6295d4dc9e22643" providerId="LiveId" clId="{B303C878-8799-4007-876A-6617B70F571A}" dt="2020-12-01T11:12:38.421" v="3514"/>
           <ac:cxnSpMkLst>
             <pc:docMk/>
@@ -5680,6 +8402,30 @@
           </ac:cxnSpMkLst>
         </pc:cxnChg>
         <pc:cxnChg chg="add del mod">
+          <ac:chgData name="Fatima Pillosu" userId="a6295d4dc9e22643" providerId="LiveId" clId="{B303C878-8799-4007-876A-6617B70F571A}" dt="2020-12-03T09:58:50.389" v="7887"/>
+          <ac:cxnSpMkLst>
+            <pc:docMk/>
+            <pc:sldMk cId="2969362105" sldId="256"/>
+            <ac:cxnSpMk id="445" creationId="{6863439C-B853-4136-9339-8115AE9CF85A}"/>
+          </ac:cxnSpMkLst>
+        </pc:cxnChg>
+        <pc:cxnChg chg="add del mod">
+          <ac:chgData name="Fatima Pillosu" userId="a6295d4dc9e22643" providerId="LiveId" clId="{B303C878-8799-4007-876A-6617B70F571A}" dt="2020-12-03T09:58:50.389" v="7887"/>
+          <ac:cxnSpMkLst>
+            <pc:docMk/>
+            <pc:sldMk cId="2969362105" sldId="256"/>
+            <ac:cxnSpMk id="446" creationId="{2FEBCD91-E8EC-4DF9-B2FD-9FEFF9079F2A}"/>
+          </ac:cxnSpMkLst>
+        </pc:cxnChg>
+        <pc:cxnChg chg="add del mod">
+          <ac:chgData name="Fatima Pillosu" userId="a6295d4dc9e22643" providerId="LiveId" clId="{B303C878-8799-4007-876A-6617B70F571A}" dt="2020-12-03T09:58:50.389" v="7887"/>
+          <ac:cxnSpMkLst>
+            <pc:docMk/>
+            <pc:sldMk cId="2969362105" sldId="256"/>
+            <ac:cxnSpMk id="447" creationId="{162F5EF6-E289-4658-8F65-90F08424E5F6}"/>
+          </ac:cxnSpMkLst>
+        </pc:cxnChg>
+        <pc:cxnChg chg="add del mod">
           <ac:chgData name="Fatima Pillosu" userId="a6295d4dc9e22643" providerId="LiveId" clId="{B303C878-8799-4007-876A-6617B70F571A}" dt="2020-12-01T11:12:38.421" v="3514"/>
           <ac:cxnSpMkLst>
             <pc:docMk/>
@@ -5696,6 +8442,14 @@
           </ac:cxnSpMkLst>
         </pc:cxnChg>
         <pc:cxnChg chg="add del mod">
+          <ac:chgData name="Fatima Pillosu" userId="a6295d4dc9e22643" providerId="LiveId" clId="{B303C878-8799-4007-876A-6617B70F571A}" dt="2020-12-03T09:58:50.389" v="7887"/>
+          <ac:cxnSpMkLst>
+            <pc:docMk/>
+            <pc:sldMk cId="2969362105" sldId="256"/>
+            <ac:cxnSpMk id="453" creationId="{6E39FD7D-23C9-4999-9BC1-9BAE9DFB721D}"/>
+          </ac:cxnSpMkLst>
+        </pc:cxnChg>
+        <pc:cxnChg chg="add del mod">
           <ac:chgData name="Fatima Pillosu" userId="a6295d4dc9e22643" providerId="LiveId" clId="{B303C878-8799-4007-876A-6617B70F571A}" dt="2020-12-01T11:12:38.421" v="3514"/>
           <ac:cxnSpMkLst>
             <pc:docMk/>
@@ -5703,6 +8457,22 @@
             <ac:cxnSpMk id="455" creationId="{0FE290FB-0A64-4C2B-9923-D5EEA97E1D9F}"/>
           </ac:cxnSpMkLst>
         </pc:cxnChg>
+        <pc:cxnChg chg="add mod">
+          <ac:chgData name="Fatima Pillosu" userId="a6295d4dc9e22643" providerId="LiveId" clId="{B303C878-8799-4007-876A-6617B70F571A}" dt="2020-12-03T09:59:07.009" v="7895" actId="1036"/>
+          <ac:cxnSpMkLst>
+            <pc:docMk/>
+            <pc:sldMk cId="2969362105" sldId="256"/>
+            <ac:cxnSpMk id="464" creationId="{75691B4B-E77C-4796-BB8B-01D76FB6E5A2}"/>
+          </ac:cxnSpMkLst>
+        </pc:cxnChg>
+        <pc:cxnChg chg="add mod">
+          <ac:chgData name="Fatima Pillosu" userId="a6295d4dc9e22643" providerId="LiveId" clId="{B303C878-8799-4007-876A-6617B70F571A}" dt="2020-12-03T09:59:07.009" v="7895" actId="1036"/>
+          <ac:cxnSpMkLst>
+            <pc:docMk/>
+            <pc:sldMk cId="2969362105" sldId="256"/>
+            <ac:cxnSpMk id="466" creationId="{193E8651-F8C8-4303-8D98-83F9D0C48734}"/>
+          </ac:cxnSpMkLst>
+        </pc:cxnChg>
         <pc:cxnChg chg="add del mod">
           <ac:chgData name="Fatima Pillosu" userId="a6295d4dc9e22643" providerId="LiveId" clId="{B303C878-8799-4007-876A-6617B70F571A}" dt="2020-12-01T11:12:33.293" v="3513" actId="478"/>
           <ac:cxnSpMkLst>
@@ -5711,6 +8481,22 @@
             <ac:cxnSpMk id="466" creationId="{C8FB5BE7-9495-42E7-936B-16AD3973B8B7}"/>
           </ac:cxnSpMkLst>
         </pc:cxnChg>
+        <pc:cxnChg chg="add mod">
+          <ac:chgData name="Fatima Pillosu" userId="a6295d4dc9e22643" providerId="LiveId" clId="{B303C878-8799-4007-876A-6617B70F571A}" dt="2020-12-03T09:59:07.009" v="7895" actId="1036"/>
+          <ac:cxnSpMkLst>
+            <pc:docMk/>
+            <pc:sldMk cId="2969362105" sldId="256"/>
+            <ac:cxnSpMk id="468" creationId="{9DD7E5C2-1609-468A-82D6-2A16EF983E36}"/>
+          </ac:cxnSpMkLst>
+        </pc:cxnChg>
+        <pc:cxnChg chg="add mod">
+          <ac:chgData name="Fatima Pillosu" userId="a6295d4dc9e22643" providerId="LiveId" clId="{B303C878-8799-4007-876A-6617B70F571A}" dt="2020-12-03T09:59:07.009" v="7895" actId="1036"/>
+          <ac:cxnSpMkLst>
+            <pc:docMk/>
+            <pc:sldMk cId="2969362105" sldId="256"/>
+            <ac:cxnSpMk id="470" creationId="{1D912F61-18BF-45F1-8389-0ACC0EF66490}"/>
+          </ac:cxnSpMkLst>
+        </pc:cxnChg>
         <pc:cxnChg chg="add del mod">
           <ac:chgData name="Fatima Pillosu" userId="a6295d4dc9e22643" providerId="LiveId" clId="{B303C878-8799-4007-876A-6617B70F571A}" dt="2020-12-01T11:13:47.748" v="3534"/>
           <ac:cxnSpMkLst>
@@ -5719,6 +8505,14 @@
             <ac:cxnSpMk id="470" creationId="{51F5BF88-2A6F-4F3E-AE85-C0E6569146F2}"/>
           </ac:cxnSpMkLst>
         </pc:cxnChg>
+        <pc:cxnChg chg="add mod">
+          <ac:chgData name="Fatima Pillosu" userId="a6295d4dc9e22643" providerId="LiveId" clId="{B303C878-8799-4007-876A-6617B70F571A}" dt="2020-12-03T09:59:07.009" v="7895" actId="1036"/>
+          <ac:cxnSpMkLst>
+            <pc:docMk/>
+            <pc:sldMk cId="2969362105" sldId="256"/>
+            <ac:cxnSpMk id="473" creationId="{210E6C84-CEB0-4CEA-A919-26B184C4B491}"/>
+          </ac:cxnSpMkLst>
+        </pc:cxnChg>
         <pc:cxnChg chg="add del mod">
           <ac:chgData name="Fatima Pillosu" userId="a6295d4dc9e22643" providerId="LiveId" clId="{B303C878-8799-4007-876A-6617B70F571A}" dt="2020-12-01T11:13:47.748" v="3534"/>
           <ac:cxnSpMkLst>
@@ -5727,6 +8521,22 @@
             <ac:cxnSpMk id="474" creationId="{04EACEEB-8348-4C17-AB4A-441318E4109D}"/>
           </ac:cxnSpMkLst>
         </pc:cxnChg>
+        <pc:cxnChg chg="add mod">
+          <ac:chgData name="Fatima Pillosu" userId="a6295d4dc9e22643" providerId="LiveId" clId="{B303C878-8799-4007-876A-6617B70F571A}" dt="2020-12-03T09:59:07.009" v="7895" actId="1036"/>
+          <ac:cxnSpMkLst>
+            <pc:docMk/>
+            <pc:sldMk cId="2969362105" sldId="256"/>
+            <ac:cxnSpMk id="476" creationId="{38719470-206E-4A4E-BFE2-093C68FF3B57}"/>
+          </ac:cxnSpMkLst>
+        </pc:cxnChg>
+        <pc:cxnChg chg="add mod">
+          <ac:chgData name="Fatima Pillosu" userId="a6295d4dc9e22643" providerId="LiveId" clId="{B303C878-8799-4007-876A-6617B70F571A}" dt="2020-12-03T09:59:07.009" v="7895" actId="1036"/>
+          <ac:cxnSpMkLst>
+            <pc:docMk/>
+            <pc:sldMk cId="2969362105" sldId="256"/>
+            <ac:cxnSpMk id="477" creationId="{A321CF49-6A0A-4932-85D5-5D87C6BE289E}"/>
+          </ac:cxnSpMkLst>
+        </pc:cxnChg>
         <pc:cxnChg chg="add del mod">
           <ac:chgData name="Fatima Pillosu" userId="a6295d4dc9e22643" providerId="LiveId" clId="{B303C878-8799-4007-876A-6617B70F571A}" dt="2020-12-01T11:13:47.748" v="3534"/>
           <ac:cxnSpMkLst>
@@ -5735,6 +8545,14 @@
             <ac:cxnSpMk id="478" creationId="{E6250B49-ACF1-49C0-8883-F9E60A453752}"/>
           </ac:cxnSpMkLst>
         </pc:cxnChg>
+        <pc:cxnChg chg="add mod">
+          <ac:chgData name="Fatima Pillosu" userId="a6295d4dc9e22643" providerId="LiveId" clId="{B303C878-8799-4007-876A-6617B70F571A}" dt="2020-12-03T09:59:07.009" v="7895" actId="1036"/>
+          <ac:cxnSpMkLst>
+            <pc:docMk/>
+            <pc:sldMk cId="2969362105" sldId="256"/>
+            <ac:cxnSpMk id="479" creationId="{12B7FDCF-F12E-41EF-8BB2-4C166479BE55}"/>
+          </ac:cxnSpMkLst>
+        </pc:cxnChg>
         <pc:cxnChg chg="add del mod">
           <ac:chgData name="Fatima Pillosu" userId="a6295d4dc9e22643" providerId="LiveId" clId="{B303C878-8799-4007-876A-6617B70F571A}" dt="2020-12-01T11:13:47.748" v="3534"/>
           <ac:cxnSpMkLst>
@@ -5743,6 +8561,14 @@
             <ac:cxnSpMk id="479" creationId="{FBBF7044-169D-4C3F-A8D1-B758EFFFD0ED}"/>
           </ac:cxnSpMkLst>
         </pc:cxnChg>
+        <pc:cxnChg chg="add mod">
+          <ac:chgData name="Fatima Pillosu" userId="a6295d4dc9e22643" providerId="LiveId" clId="{B303C878-8799-4007-876A-6617B70F571A}" dt="2020-12-03T09:59:07.009" v="7895" actId="1036"/>
+          <ac:cxnSpMkLst>
+            <pc:docMk/>
+            <pc:sldMk cId="2969362105" sldId="256"/>
+            <ac:cxnSpMk id="480" creationId="{A16C58AA-44A1-4310-8E0C-8360307174A0}"/>
+          </ac:cxnSpMkLst>
+        </pc:cxnChg>
         <pc:cxnChg chg="add del mod">
           <ac:chgData name="Fatima Pillosu" userId="a6295d4dc9e22643" providerId="LiveId" clId="{B303C878-8799-4007-876A-6617B70F571A}" dt="2020-12-01T11:13:47.748" v="3534"/>
           <ac:cxnSpMkLst>
@@ -5751,6 +8577,22 @@
             <ac:cxnSpMk id="481" creationId="{091A9F5F-3C3D-41F7-8B7E-D39897F93135}"/>
           </ac:cxnSpMkLst>
         </pc:cxnChg>
+        <pc:cxnChg chg="add mod">
+          <ac:chgData name="Fatima Pillosu" userId="a6295d4dc9e22643" providerId="LiveId" clId="{B303C878-8799-4007-876A-6617B70F571A}" dt="2020-12-03T09:59:07.009" v="7895" actId="1036"/>
+          <ac:cxnSpMkLst>
+            <pc:docMk/>
+            <pc:sldMk cId="2969362105" sldId="256"/>
+            <ac:cxnSpMk id="481" creationId="{5F2AD006-A552-41E6-95B9-1636A153302D}"/>
+          </ac:cxnSpMkLst>
+        </pc:cxnChg>
+        <pc:cxnChg chg="add mod">
+          <ac:chgData name="Fatima Pillosu" userId="a6295d4dc9e22643" providerId="LiveId" clId="{B303C878-8799-4007-876A-6617B70F571A}" dt="2020-12-03T09:59:07.009" v="7895" actId="1036"/>
+          <ac:cxnSpMkLst>
+            <pc:docMk/>
+            <pc:sldMk cId="2969362105" sldId="256"/>
+            <ac:cxnSpMk id="483" creationId="{5E81445C-631F-4E15-9AEE-5817B4B59DC0}"/>
+          </ac:cxnSpMkLst>
+        </pc:cxnChg>
         <pc:cxnChg chg="add del mod">
           <ac:chgData name="Fatima Pillosu" userId="a6295d4dc9e22643" providerId="LiveId" clId="{B303C878-8799-4007-876A-6617B70F571A}" dt="2020-12-01T11:13:47.748" v="3534"/>
           <ac:cxnSpMkLst>
@@ -5775,6 +8617,14 @@
             <ac:cxnSpMk id="487" creationId="{C895C5FC-A822-4909-A2F1-E7A2B1658BDC}"/>
           </ac:cxnSpMkLst>
         </pc:cxnChg>
+        <pc:cxnChg chg="add mod">
+          <ac:chgData name="Fatima Pillosu" userId="a6295d4dc9e22643" providerId="LiveId" clId="{B303C878-8799-4007-876A-6617B70F571A}" dt="2020-12-03T09:59:07.009" v="7895" actId="1036"/>
+          <ac:cxnSpMkLst>
+            <pc:docMk/>
+            <pc:sldMk cId="2969362105" sldId="256"/>
+            <ac:cxnSpMk id="488" creationId="{25235E40-861D-42FD-9785-9DE68838D344}"/>
+          </ac:cxnSpMkLst>
+        </pc:cxnChg>
         <pc:cxnChg chg="add del mod">
           <ac:chgData name="Fatima Pillosu" userId="a6295d4dc9e22643" providerId="LiveId" clId="{B303C878-8799-4007-876A-6617B70F571A}" dt="2020-12-01T11:13:47.748" v="3534"/>
           <ac:cxnSpMkLst>
@@ -5783,6 +8633,22 @@
             <ac:cxnSpMk id="490" creationId="{8C219BD9-EF60-4A30-90FE-04F4E7908B65}"/>
           </ac:cxnSpMkLst>
         </pc:cxnChg>
+        <pc:cxnChg chg="add mod">
+          <ac:chgData name="Fatima Pillosu" userId="a6295d4dc9e22643" providerId="LiveId" clId="{B303C878-8799-4007-876A-6617B70F571A}" dt="2020-12-03T09:59:07.009" v="7895" actId="1036"/>
+          <ac:cxnSpMkLst>
+            <pc:docMk/>
+            <pc:sldMk cId="2969362105" sldId="256"/>
+            <ac:cxnSpMk id="490" creationId="{FD6CE3EE-599C-432B-BB56-85AB48FE0E2F}"/>
+          </ac:cxnSpMkLst>
+        </pc:cxnChg>
+        <pc:cxnChg chg="add mod">
+          <ac:chgData name="Fatima Pillosu" userId="a6295d4dc9e22643" providerId="LiveId" clId="{B303C878-8799-4007-876A-6617B70F571A}" dt="2020-12-03T09:59:07.009" v="7895" actId="1036"/>
+          <ac:cxnSpMkLst>
+            <pc:docMk/>
+            <pc:sldMk cId="2969362105" sldId="256"/>
+            <ac:cxnSpMk id="491" creationId="{4BE0223C-F6BA-4CB4-9B36-41241FDC2F05}"/>
+          </ac:cxnSpMkLst>
+        </pc:cxnChg>
         <pc:cxnChg chg="add del mod">
           <ac:chgData name="Fatima Pillosu" userId="a6295d4dc9e22643" providerId="LiveId" clId="{B303C878-8799-4007-876A-6617B70F571A}" dt="2020-12-01T11:13:47.748" v="3534"/>
           <ac:cxnSpMkLst>
@@ -5807,6 +8673,14 @@
             <ac:cxnSpMk id="494" creationId="{2462BE4C-3DFC-4ED7-A1B0-21072A226C37}"/>
           </ac:cxnSpMkLst>
         </pc:cxnChg>
+        <pc:cxnChg chg="add mod">
+          <ac:chgData name="Fatima Pillosu" userId="a6295d4dc9e22643" providerId="LiveId" clId="{B303C878-8799-4007-876A-6617B70F571A}" dt="2020-12-03T09:59:07.009" v="7895" actId="1036"/>
+          <ac:cxnSpMkLst>
+            <pc:docMk/>
+            <pc:sldMk cId="2969362105" sldId="256"/>
+            <ac:cxnSpMk id="494" creationId="{73BBB493-C094-48FA-B125-2AB5C2730907}"/>
+          </ac:cxnSpMkLst>
+        </pc:cxnChg>
         <pc:cxnChg chg="add del mod">
           <ac:chgData name="Fatima Pillosu" userId="a6295d4dc9e22643" providerId="LiveId" clId="{B303C878-8799-4007-876A-6617B70F571A}" dt="2020-12-01T11:13:47.748" v="3534"/>
           <ac:cxnSpMkLst>
@@ -5815,6 +8689,14 @@
             <ac:cxnSpMk id="495" creationId="{2FCD8B82-07DD-4BCC-A324-C77F0FAACC85}"/>
           </ac:cxnSpMkLst>
         </pc:cxnChg>
+        <pc:cxnChg chg="add mod">
+          <ac:chgData name="Fatima Pillosu" userId="a6295d4dc9e22643" providerId="LiveId" clId="{B303C878-8799-4007-876A-6617B70F571A}" dt="2020-12-03T09:59:07.009" v="7895" actId="1036"/>
+          <ac:cxnSpMkLst>
+            <pc:docMk/>
+            <pc:sldMk cId="2969362105" sldId="256"/>
+            <ac:cxnSpMk id="496" creationId="{4CC46B00-2108-45BE-9226-F9FE3AF77D13}"/>
+          </ac:cxnSpMkLst>
+        </pc:cxnChg>
         <pc:cxnChg chg="add del mod">
           <ac:chgData name="Fatima Pillosu" userId="a6295d4dc9e22643" providerId="LiveId" clId="{B303C878-8799-4007-876A-6617B70F571A}" dt="2020-12-01T11:13:47.748" v="3534"/>
           <ac:cxnSpMkLst>
@@ -5831,6 +8713,14 @@
             <ac:cxnSpMk id="500" creationId="{2D3E2C3A-BDF8-4C4A-B93C-2ACF272C8709}"/>
           </ac:cxnSpMkLst>
         </pc:cxnChg>
+        <pc:cxnChg chg="add mod">
+          <ac:chgData name="Fatima Pillosu" userId="a6295d4dc9e22643" providerId="LiveId" clId="{B303C878-8799-4007-876A-6617B70F571A}" dt="2020-12-03T09:59:07.009" v="7895" actId="1036"/>
+          <ac:cxnSpMkLst>
+            <pc:docMk/>
+            <pc:sldMk cId="2969362105" sldId="256"/>
+            <ac:cxnSpMk id="503" creationId="{447ADC49-DE8E-4391-AF95-6075F0AB9F1F}"/>
+          </ac:cxnSpMkLst>
+        </pc:cxnChg>
         <pc:cxnChg chg="add del mod">
           <ac:chgData name="Fatima Pillosu" userId="a6295d4dc9e22643" providerId="LiveId" clId="{B303C878-8799-4007-876A-6617B70F571A}" dt="2020-12-01T11:13:47.748" v="3534"/>
           <ac:cxnSpMkLst>
@@ -5839,12 +8729,36 @@
             <ac:cxnSpMk id="504" creationId="{56B09A86-C2AD-4B51-B213-A72700387539}"/>
           </ac:cxnSpMkLst>
         </pc:cxnChg>
+        <pc:cxnChg chg="add mod">
+          <ac:chgData name="Fatima Pillosu" userId="a6295d4dc9e22643" providerId="LiveId" clId="{B303C878-8799-4007-876A-6617B70F571A}" dt="2020-12-03T09:59:07.009" v="7895" actId="1036"/>
+          <ac:cxnSpMkLst>
+            <pc:docMk/>
+            <pc:sldMk cId="2969362105" sldId="256"/>
+            <ac:cxnSpMk id="504" creationId="{A483954F-3022-480B-9ED0-738FB42BFE1E}"/>
+          </ac:cxnSpMkLst>
+        </pc:cxnChg>
+        <pc:cxnChg chg="add mod">
+          <ac:chgData name="Fatima Pillosu" userId="a6295d4dc9e22643" providerId="LiveId" clId="{B303C878-8799-4007-876A-6617B70F571A}" dt="2020-12-03T09:59:07.009" v="7895" actId="1036"/>
+          <ac:cxnSpMkLst>
+            <pc:docMk/>
+            <pc:sldMk cId="2969362105" sldId="256"/>
+            <ac:cxnSpMk id="505" creationId="{618F1C76-45AA-4CA8-8189-0B44E0940D55}"/>
+          </ac:cxnSpMkLst>
+        </pc:cxnChg>
         <pc:cxnChg chg="add del mod">
           <ac:chgData name="Fatima Pillosu" userId="a6295d4dc9e22643" providerId="LiveId" clId="{B303C878-8799-4007-876A-6617B70F571A}" dt="2020-12-01T11:13:47.748" v="3534"/>
           <ac:cxnSpMkLst>
             <pc:docMk/>
             <pc:sldMk cId="2969362105" sldId="256"/>
             <ac:cxnSpMk id="509" creationId="{55D957FC-37CD-4C19-9178-986D0423144B}"/>
+          </ac:cxnSpMkLst>
+        </pc:cxnChg>
+        <pc:cxnChg chg="add mod">
+          <ac:chgData name="Fatima Pillosu" userId="a6295d4dc9e22643" providerId="LiveId" clId="{B303C878-8799-4007-876A-6617B70F571A}" dt="2020-12-03T09:59:07.009" v="7895" actId="1036"/>
+          <ac:cxnSpMkLst>
+            <pc:docMk/>
+            <pc:sldMk cId="2969362105" sldId="256"/>
+            <ac:cxnSpMk id="511" creationId="{D4395B70-F4DE-4B51-B3B6-5F2386026E0E}"/>
           </ac:cxnSpMkLst>
         </pc:cxnChg>
         <pc:cxnChg chg="add del mod">
@@ -6171,6 +9085,445 @@
     </pc:docChg>
   </pc:docChgLst>
 </pc:chgInfo>
+</file>
+
+<file path=ppt/notesMasters/notesMaster1.xml><?xml version="1.0" encoding="utf-8"?>
+<p:notesMaster xmlns:a="http://schemas.openxmlformats.org/drawingml/2006/main" xmlns:r="http://schemas.openxmlformats.org/officeDocument/2006/relationships" xmlns:p="http://schemas.openxmlformats.org/presentationml/2006/main">
+  <p:cSld>
+    <p:bg>
+      <p:bgRef idx="1001">
+        <a:schemeClr val="bg1"/>
+      </p:bgRef>
+    </p:bg>
+    <p:spTree>
+      <p:nvGrpSpPr>
+        <p:cNvPr id="1" name=""/>
+        <p:cNvGrpSpPr/>
+        <p:nvPr/>
+      </p:nvGrpSpPr>
+      <p:grpSpPr>
+        <a:xfrm>
+          <a:off x="0" y="0"/>
+          <a:ext cx="0" cy="0"/>
+          <a:chOff x="0" y="0"/>
+          <a:chExt cx="0" cy="0"/>
+        </a:xfrm>
+      </p:grpSpPr>
+      <p:sp>
+        <p:nvSpPr>
+          <p:cNvPr id="2" name="Header Placeholder 1"/>
+          <p:cNvSpPr>
+            <a:spLocks noGrp="1"/>
+          </p:cNvSpPr>
+          <p:nvPr>
+            <p:ph type="hdr" sz="quarter"/>
+          </p:nvPr>
+        </p:nvSpPr>
+        <p:spPr>
+          <a:xfrm>
+            <a:off x="0" y="0"/>
+            <a:ext cx="2971800" cy="458788"/>
+          </a:xfrm>
+          <a:prstGeom prst="rect">
+            <a:avLst/>
+          </a:prstGeom>
+        </p:spPr>
+        <p:txBody>
+          <a:bodyPr vert="horz" lIns="91440" tIns="45720" rIns="91440" bIns="45720" rtlCol="0"/>
+          <a:lstStyle>
+            <a:lvl1pPr algn="l">
+              <a:defRPr sz="1200"/>
+            </a:lvl1pPr>
+          </a:lstStyle>
+          <a:p>
+            <a:endParaRPr lang="en-GB"/>
+          </a:p>
+        </p:txBody>
+      </p:sp>
+      <p:sp>
+        <p:nvSpPr>
+          <p:cNvPr id="3" name="Date Placeholder 2"/>
+          <p:cNvSpPr>
+            <a:spLocks noGrp="1"/>
+          </p:cNvSpPr>
+          <p:nvPr>
+            <p:ph type="dt" idx="1"/>
+          </p:nvPr>
+        </p:nvSpPr>
+        <p:spPr>
+          <a:xfrm>
+            <a:off x="3884613" y="0"/>
+            <a:ext cx="2971800" cy="458788"/>
+          </a:xfrm>
+          <a:prstGeom prst="rect">
+            <a:avLst/>
+          </a:prstGeom>
+        </p:spPr>
+        <p:txBody>
+          <a:bodyPr vert="horz" lIns="91440" tIns="45720" rIns="91440" bIns="45720" rtlCol="0"/>
+          <a:lstStyle>
+            <a:lvl1pPr algn="r">
+              <a:defRPr sz="1200"/>
+            </a:lvl1pPr>
+          </a:lstStyle>
+          <a:p>
+            <a:fld id="{316FE1D3-FB31-4194-964E-25DAFFD80F93}" type="datetimeFigureOut">
+              <a:rPr lang="en-GB" smtClean="0"/>
+              <a:t>03/12/2020</a:t>
+            </a:fld>
+            <a:endParaRPr lang="en-GB"/>
+          </a:p>
+        </p:txBody>
+      </p:sp>
+      <p:sp>
+        <p:nvSpPr>
+          <p:cNvPr id="4" name="Slide Image Placeholder 3"/>
+          <p:cNvSpPr>
+            <a:spLocks noGrp="1" noRot="1" noChangeAspect="1"/>
+          </p:cNvSpPr>
+          <p:nvPr>
+            <p:ph type="sldImg" idx="2"/>
+          </p:nvPr>
+        </p:nvSpPr>
+        <p:spPr>
+          <a:xfrm>
+            <a:off x="2568575" y="1143000"/>
+            <a:ext cx="1720850" cy="3086100"/>
+          </a:xfrm>
+          <a:prstGeom prst="rect">
+            <a:avLst/>
+          </a:prstGeom>
+          <a:noFill/>
+          <a:ln w="12700">
+            <a:solidFill>
+              <a:prstClr val="black"/>
+            </a:solidFill>
+          </a:ln>
+        </p:spPr>
+        <p:txBody>
+          <a:bodyPr vert="horz" lIns="91440" tIns="45720" rIns="91440" bIns="45720" rtlCol="0" anchor="ctr"/>
+          <a:lstStyle/>
+          <a:p>
+            <a:endParaRPr lang="en-GB"/>
+          </a:p>
+        </p:txBody>
+      </p:sp>
+      <p:sp>
+        <p:nvSpPr>
+          <p:cNvPr id="5" name="Notes Placeholder 4"/>
+          <p:cNvSpPr>
+            <a:spLocks noGrp="1"/>
+          </p:cNvSpPr>
+          <p:nvPr>
+            <p:ph type="body" sz="quarter" idx="3"/>
+          </p:nvPr>
+        </p:nvSpPr>
+        <p:spPr>
+          <a:xfrm>
+            <a:off x="685800" y="4400550"/>
+            <a:ext cx="5486400" cy="3600450"/>
+          </a:xfrm>
+          <a:prstGeom prst="rect">
+            <a:avLst/>
+          </a:prstGeom>
+        </p:spPr>
+        <p:txBody>
+          <a:bodyPr vert="horz" lIns="91440" tIns="45720" rIns="91440" bIns="45720" rtlCol="0"/>
+          <a:lstStyle/>
+          <a:p>
+            <a:pPr lvl="0"/>
+            <a:r>
+              <a:rPr lang="en-US"/>
+              <a:t>Click to edit Master text styles</a:t>
+            </a:r>
+          </a:p>
+          <a:p>
+            <a:pPr lvl="1"/>
+            <a:r>
+              <a:rPr lang="en-US"/>
+              <a:t>Second level</a:t>
+            </a:r>
+          </a:p>
+          <a:p>
+            <a:pPr lvl="2"/>
+            <a:r>
+              <a:rPr lang="en-US"/>
+              <a:t>Third level</a:t>
+            </a:r>
+          </a:p>
+          <a:p>
+            <a:pPr lvl="3"/>
+            <a:r>
+              <a:rPr lang="en-US"/>
+              <a:t>Fourth level</a:t>
+            </a:r>
+          </a:p>
+          <a:p>
+            <a:pPr lvl="4"/>
+            <a:r>
+              <a:rPr lang="en-US"/>
+              <a:t>Fifth level</a:t>
+            </a:r>
+            <a:endParaRPr lang="en-GB"/>
+          </a:p>
+        </p:txBody>
+      </p:sp>
+      <p:sp>
+        <p:nvSpPr>
+          <p:cNvPr id="6" name="Footer Placeholder 5"/>
+          <p:cNvSpPr>
+            <a:spLocks noGrp="1"/>
+          </p:cNvSpPr>
+          <p:nvPr>
+            <p:ph type="ftr" sz="quarter" idx="4"/>
+          </p:nvPr>
+        </p:nvSpPr>
+        <p:spPr>
+          <a:xfrm>
+            <a:off x="0" y="8685213"/>
+            <a:ext cx="2971800" cy="458787"/>
+          </a:xfrm>
+          <a:prstGeom prst="rect">
+            <a:avLst/>
+          </a:prstGeom>
+        </p:spPr>
+        <p:txBody>
+          <a:bodyPr vert="horz" lIns="91440" tIns="45720" rIns="91440" bIns="45720" rtlCol="0" anchor="b"/>
+          <a:lstStyle>
+            <a:lvl1pPr algn="l">
+              <a:defRPr sz="1200"/>
+            </a:lvl1pPr>
+          </a:lstStyle>
+          <a:p>
+            <a:endParaRPr lang="en-GB"/>
+          </a:p>
+        </p:txBody>
+      </p:sp>
+      <p:sp>
+        <p:nvSpPr>
+          <p:cNvPr id="7" name="Slide Number Placeholder 6"/>
+          <p:cNvSpPr>
+            <a:spLocks noGrp="1"/>
+          </p:cNvSpPr>
+          <p:nvPr>
+            <p:ph type="sldNum" sz="quarter" idx="5"/>
+          </p:nvPr>
+        </p:nvSpPr>
+        <p:spPr>
+          <a:xfrm>
+            <a:off x="3884613" y="8685213"/>
+            <a:ext cx="2971800" cy="458787"/>
+          </a:xfrm>
+          <a:prstGeom prst="rect">
+            <a:avLst/>
+          </a:prstGeom>
+        </p:spPr>
+        <p:txBody>
+          <a:bodyPr vert="horz" lIns="91440" tIns="45720" rIns="91440" bIns="45720" rtlCol="0" anchor="b"/>
+          <a:lstStyle>
+            <a:lvl1pPr algn="r">
+              <a:defRPr sz="1200"/>
+            </a:lvl1pPr>
+          </a:lstStyle>
+          <a:p>
+            <a:fld id="{05BAAAB8-6E88-4975-9F2F-D63A5A2E34D9}" type="slidenum">
+              <a:rPr lang="en-GB" smtClean="0"/>
+              <a:t>‹#›</a:t>
+            </a:fld>
+            <a:endParaRPr lang="en-GB"/>
+          </a:p>
+        </p:txBody>
+      </p:sp>
+    </p:spTree>
+    <p:extLst>
+      <p:ext uri="{BB962C8B-B14F-4D97-AF65-F5344CB8AC3E}">
+        <p14:creationId xmlns:p14="http://schemas.microsoft.com/office/powerpoint/2010/main" val="2888175242"/>
+      </p:ext>
+    </p:extLst>
+  </p:cSld>
+  <p:clrMap bg1="lt1" tx1="dk1" bg2="lt2" tx2="dk2" accent1="accent1" accent2="accent2" accent3="accent3" accent4="accent4" accent5="accent5" accent6="accent6" hlink="hlink" folHlink="folHlink"/>
+  <p:notesStyle>
+    <a:lvl1pPr marL="0" algn="l" defTabSz="887700" rtl="0" eaLnBrk="1" latinLnBrk="0" hangingPunct="1">
+      <a:defRPr sz="1165" kern="1200">
+        <a:solidFill>
+          <a:schemeClr val="tx1"/>
+        </a:solidFill>
+        <a:latin typeface="+mn-lt"/>
+        <a:ea typeface="+mn-ea"/>
+        <a:cs typeface="+mn-cs"/>
+      </a:defRPr>
+    </a:lvl1pPr>
+    <a:lvl2pPr marL="443850" algn="l" defTabSz="887700" rtl="0" eaLnBrk="1" latinLnBrk="0" hangingPunct="1">
+      <a:defRPr sz="1165" kern="1200">
+        <a:solidFill>
+          <a:schemeClr val="tx1"/>
+        </a:solidFill>
+        <a:latin typeface="+mn-lt"/>
+        <a:ea typeface="+mn-ea"/>
+        <a:cs typeface="+mn-cs"/>
+      </a:defRPr>
+    </a:lvl2pPr>
+    <a:lvl3pPr marL="887700" algn="l" defTabSz="887700" rtl="0" eaLnBrk="1" latinLnBrk="0" hangingPunct="1">
+      <a:defRPr sz="1165" kern="1200">
+        <a:solidFill>
+          <a:schemeClr val="tx1"/>
+        </a:solidFill>
+        <a:latin typeface="+mn-lt"/>
+        <a:ea typeface="+mn-ea"/>
+        <a:cs typeface="+mn-cs"/>
+      </a:defRPr>
+    </a:lvl3pPr>
+    <a:lvl4pPr marL="1331549" algn="l" defTabSz="887700" rtl="0" eaLnBrk="1" latinLnBrk="0" hangingPunct="1">
+      <a:defRPr sz="1165" kern="1200">
+        <a:solidFill>
+          <a:schemeClr val="tx1"/>
+        </a:solidFill>
+        <a:latin typeface="+mn-lt"/>
+        <a:ea typeface="+mn-ea"/>
+        <a:cs typeface="+mn-cs"/>
+      </a:defRPr>
+    </a:lvl4pPr>
+    <a:lvl5pPr marL="1775399" algn="l" defTabSz="887700" rtl="0" eaLnBrk="1" latinLnBrk="0" hangingPunct="1">
+      <a:defRPr sz="1165" kern="1200">
+        <a:solidFill>
+          <a:schemeClr val="tx1"/>
+        </a:solidFill>
+        <a:latin typeface="+mn-lt"/>
+        <a:ea typeface="+mn-ea"/>
+        <a:cs typeface="+mn-cs"/>
+      </a:defRPr>
+    </a:lvl5pPr>
+    <a:lvl6pPr marL="2219249" algn="l" defTabSz="887700" rtl="0" eaLnBrk="1" latinLnBrk="0" hangingPunct="1">
+      <a:defRPr sz="1165" kern="1200">
+        <a:solidFill>
+          <a:schemeClr val="tx1"/>
+        </a:solidFill>
+        <a:latin typeface="+mn-lt"/>
+        <a:ea typeface="+mn-ea"/>
+        <a:cs typeface="+mn-cs"/>
+      </a:defRPr>
+    </a:lvl6pPr>
+    <a:lvl7pPr marL="2663099" algn="l" defTabSz="887700" rtl="0" eaLnBrk="1" latinLnBrk="0" hangingPunct="1">
+      <a:defRPr sz="1165" kern="1200">
+        <a:solidFill>
+          <a:schemeClr val="tx1"/>
+        </a:solidFill>
+        <a:latin typeface="+mn-lt"/>
+        <a:ea typeface="+mn-ea"/>
+        <a:cs typeface="+mn-cs"/>
+      </a:defRPr>
+    </a:lvl7pPr>
+    <a:lvl8pPr marL="3106948" algn="l" defTabSz="887700" rtl="0" eaLnBrk="1" latinLnBrk="0" hangingPunct="1">
+      <a:defRPr sz="1165" kern="1200">
+        <a:solidFill>
+          <a:schemeClr val="tx1"/>
+        </a:solidFill>
+        <a:latin typeface="+mn-lt"/>
+        <a:ea typeface="+mn-ea"/>
+        <a:cs typeface="+mn-cs"/>
+      </a:defRPr>
+    </a:lvl8pPr>
+    <a:lvl9pPr marL="3550798" algn="l" defTabSz="887700" rtl="0" eaLnBrk="1" latinLnBrk="0" hangingPunct="1">
+      <a:defRPr sz="1165" kern="1200">
+        <a:solidFill>
+          <a:schemeClr val="tx1"/>
+        </a:solidFill>
+        <a:latin typeface="+mn-lt"/>
+        <a:ea typeface="+mn-ea"/>
+        <a:cs typeface="+mn-cs"/>
+      </a:defRPr>
+    </a:lvl9pPr>
+  </p:notesStyle>
+</p:notesMaster>
+</file>
+
+<file path=ppt/notesSlides/notesSlide1.xml><?xml version="1.0" encoding="utf-8"?>
+<p:notes xmlns:a="http://schemas.openxmlformats.org/drawingml/2006/main" xmlns:r="http://schemas.openxmlformats.org/officeDocument/2006/relationships" xmlns:p="http://schemas.openxmlformats.org/presentationml/2006/main">
+  <p:cSld>
+    <p:spTree>
+      <p:nvGrpSpPr>
+        <p:cNvPr id="1" name=""/>
+        <p:cNvGrpSpPr/>
+        <p:nvPr/>
+      </p:nvGrpSpPr>
+      <p:grpSpPr>
+        <a:xfrm>
+          <a:off x="0" y="0"/>
+          <a:ext cx="0" cy="0"/>
+          <a:chOff x="0" y="0"/>
+          <a:chExt cx="0" cy="0"/>
+        </a:xfrm>
+      </p:grpSpPr>
+      <p:sp>
+        <p:nvSpPr>
+          <p:cNvPr id="2" name="Slide Image Placeholder 1"/>
+          <p:cNvSpPr>
+            <a:spLocks noGrp="1" noRot="1" noChangeAspect="1"/>
+          </p:cNvSpPr>
+          <p:nvPr>
+            <p:ph type="sldImg"/>
+          </p:nvPr>
+        </p:nvSpPr>
+        <p:spPr>
+          <a:xfrm>
+            <a:off x="2568575" y="1143000"/>
+            <a:ext cx="1720850" cy="3086100"/>
+          </a:xfrm>
+        </p:spPr>
+      </p:sp>
+      <p:sp>
+        <p:nvSpPr>
+          <p:cNvPr id="3" name="Notes Placeholder 2"/>
+          <p:cNvSpPr>
+            <a:spLocks noGrp="1"/>
+          </p:cNvSpPr>
+          <p:nvPr>
+            <p:ph type="body" idx="1"/>
+          </p:nvPr>
+        </p:nvSpPr>
+        <p:spPr/>
+        <p:txBody>
+          <a:bodyPr/>
+          <a:lstStyle/>
+          <a:p>
+            <a:endParaRPr lang="en-GB" dirty="0"/>
+          </a:p>
+        </p:txBody>
+      </p:sp>
+      <p:sp>
+        <p:nvSpPr>
+          <p:cNvPr id="4" name="Slide Number Placeholder 3"/>
+          <p:cNvSpPr>
+            <a:spLocks noGrp="1"/>
+          </p:cNvSpPr>
+          <p:nvPr>
+            <p:ph type="sldNum" sz="quarter" idx="5"/>
+          </p:nvPr>
+        </p:nvSpPr>
+        <p:spPr/>
+        <p:txBody>
+          <a:bodyPr/>
+          <a:lstStyle/>
+          <a:p>
+            <a:fld id="{05BAAAB8-6E88-4975-9F2F-D63A5A2E34D9}" type="slidenum">
+              <a:rPr lang="en-GB" smtClean="0"/>
+              <a:t>1</a:t>
+            </a:fld>
+            <a:endParaRPr lang="en-GB"/>
+          </a:p>
+        </p:txBody>
+      </p:sp>
+    </p:spTree>
+    <p:extLst>
+      <p:ext uri="{BB962C8B-B14F-4D97-AF65-F5344CB8AC3E}">
+        <p14:creationId xmlns:p14="http://schemas.microsoft.com/office/powerpoint/2010/main" val="873400036"/>
+      </p:ext>
+    </p:extLst>
+  </p:cSld>
+  <p:clrMapOvr>
+    <a:masterClrMapping/>
+  </p:clrMapOvr>
+</p:notes>
 </file>
 
 <file path=ppt/slideLayouts/slideLayout1.xml><?xml version="1.0" encoding="utf-8"?>
@@ -6202,15 +9555,15 @@
         </p:nvSpPr>
         <p:spPr>
           <a:xfrm>
-            <a:off x="252413" y="1172506"/>
-            <a:ext cx="2860675" cy="2494268"/>
+            <a:off x="288846" y="1131197"/>
+            <a:ext cx="3273584" cy="2406391"/>
           </a:xfrm>
         </p:spPr>
         <p:txBody>
           <a:bodyPr anchor="b"/>
           <a:lstStyle>
             <a:lvl1pPr algn="ctr">
-              <a:defRPr sz="2209"/>
+              <a:defRPr sz="2527"/>
             </a:lvl1pPr>
           </a:lstStyle>
           <a:p>
@@ -6234,8 +9587,8 @@
         </p:nvSpPr>
         <p:spPr>
           <a:xfrm>
-            <a:off x="420688" y="3762963"/>
-            <a:ext cx="2524125" cy="1729735"/>
+            <a:off x="481410" y="3630388"/>
+            <a:ext cx="2888456" cy="1668793"/>
           </a:xfrm>
         </p:spPr>
         <p:txBody>
@@ -6243,39 +9596,39 @@
           <a:lstStyle>
             <a:lvl1pPr marL="0" indent="0" algn="ctr">
               <a:buNone/>
-              <a:defRPr sz="883"/>
+              <a:defRPr sz="1011"/>
             </a:lvl1pPr>
-            <a:lvl2pPr marL="168295" indent="0" algn="ctr">
+            <a:lvl2pPr marL="192573" indent="0" algn="ctr">
               <a:buNone/>
-              <a:defRPr sz="736"/>
+              <a:defRPr sz="842"/>
             </a:lvl2pPr>
-            <a:lvl3pPr marL="336591" indent="0" algn="ctr">
+            <a:lvl3pPr marL="385145" indent="0" algn="ctr">
               <a:buNone/>
-              <a:defRPr sz="663"/>
+              <a:defRPr sz="758"/>
             </a:lvl3pPr>
-            <a:lvl4pPr marL="504886" indent="0" algn="ctr">
+            <a:lvl4pPr marL="577718" indent="0" algn="ctr">
               <a:buNone/>
-              <a:defRPr sz="589"/>
+              <a:defRPr sz="674"/>
             </a:lvl4pPr>
-            <a:lvl5pPr marL="673181" indent="0" algn="ctr">
+            <a:lvl5pPr marL="770291" indent="0" algn="ctr">
               <a:buNone/>
-              <a:defRPr sz="589"/>
+              <a:defRPr sz="674"/>
             </a:lvl5pPr>
-            <a:lvl6pPr marL="841477" indent="0" algn="ctr">
+            <a:lvl6pPr marL="962863" indent="0" algn="ctr">
               <a:buNone/>
-              <a:defRPr sz="589"/>
+              <a:defRPr sz="674"/>
             </a:lvl6pPr>
-            <a:lvl7pPr marL="1009772" indent="0" algn="ctr">
+            <a:lvl7pPr marL="1155436" indent="0" algn="ctr">
               <a:buNone/>
-              <a:defRPr sz="589"/>
+              <a:defRPr sz="674"/>
             </a:lvl7pPr>
-            <a:lvl8pPr marL="1178067" indent="0" algn="ctr">
+            <a:lvl8pPr marL="1348008" indent="0" algn="ctr">
               <a:buNone/>
-              <a:defRPr sz="589"/>
+              <a:defRPr sz="674"/>
             </a:lvl8pPr>
-            <a:lvl9pPr marL="1346363" indent="0" algn="ctr">
+            <a:lvl9pPr marL="1540581" indent="0" algn="ctr">
               <a:buNone/>
-              <a:defRPr sz="589"/>
+              <a:defRPr sz="674"/>
             </a:lvl9pPr>
           </a:lstStyle>
           <a:p>
@@ -6304,7 +9657,7 @@
           <a:p>
             <a:fld id="{79798564-FF97-402E-A2A0-52C33396791A}" type="datetimeFigureOut">
               <a:rPr lang="en-GB" smtClean="0"/>
-              <a:t>01/12/2020</a:t>
+              <a:t>02/12/2020</a:t>
             </a:fld>
             <a:endParaRPr lang="en-GB"/>
           </a:p>
@@ -6355,7 +9708,7 @@
     </p:spTree>
     <p:extLst>
       <p:ext uri="{BB962C8B-B14F-4D97-AF65-F5344CB8AC3E}">
-        <p14:creationId xmlns:p14="http://schemas.microsoft.com/office/powerpoint/2010/main" val="452996198"/>
+        <p14:creationId xmlns:p14="http://schemas.microsoft.com/office/powerpoint/2010/main" val="1524247766"/>
       </p:ext>
     </p:extLst>
   </p:cSld>
@@ -6474,7 +9827,7 @@
           <a:p>
             <a:fld id="{79798564-FF97-402E-A2A0-52C33396791A}" type="datetimeFigureOut">
               <a:rPr lang="en-GB" smtClean="0"/>
-              <a:t>01/12/2020</a:t>
+              <a:t>02/12/2020</a:t>
             </a:fld>
             <a:endParaRPr lang="en-GB"/>
           </a:p>
@@ -6525,7 +9878,7 @@
     </p:spTree>
     <p:extLst>
       <p:ext uri="{BB962C8B-B14F-4D97-AF65-F5344CB8AC3E}">
-        <p14:creationId xmlns:p14="http://schemas.microsoft.com/office/powerpoint/2010/main" val="3685735350"/>
+        <p14:creationId xmlns:p14="http://schemas.microsoft.com/office/powerpoint/2010/main" val="1296959480"/>
       </p:ext>
     </p:extLst>
   </p:cSld>
@@ -6564,8 +9917,8 @@
         </p:nvSpPr>
         <p:spPr>
           <a:xfrm>
-            <a:off x="2408436" y="381437"/>
-            <a:ext cx="725686" cy="6071488"/>
+            <a:off x="2756069" y="367999"/>
+            <a:ext cx="830431" cy="5857579"/>
           </a:xfrm>
         </p:spPr>
         <p:txBody>
@@ -6592,8 +9945,8 @@
         </p:nvSpPr>
         <p:spPr>
           <a:xfrm>
-            <a:off x="231378" y="381437"/>
-            <a:ext cx="2134989" cy="6071488"/>
+            <a:off x="264775" y="367999"/>
+            <a:ext cx="2443153" cy="5857579"/>
           </a:xfrm>
         </p:spPr>
         <p:txBody>
@@ -6654,7 +10007,7 @@
           <a:p>
             <a:fld id="{79798564-FF97-402E-A2A0-52C33396791A}" type="datetimeFigureOut">
               <a:rPr lang="en-GB" smtClean="0"/>
-              <a:t>01/12/2020</a:t>
+              <a:t>02/12/2020</a:t>
             </a:fld>
             <a:endParaRPr lang="en-GB"/>
           </a:p>
@@ -6705,7 +10058,7 @@
     </p:spTree>
     <p:extLst>
       <p:ext uri="{BB962C8B-B14F-4D97-AF65-F5344CB8AC3E}">
-        <p14:creationId xmlns:p14="http://schemas.microsoft.com/office/powerpoint/2010/main" val="768648823"/>
+        <p14:creationId xmlns:p14="http://schemas.microsoft.com/office/powerpoint/2010/main" val="1567289715"/>
       </p:ext>
     </p:extLst>
   </p:cSld>
@@ -6824,7 +10177,7 @@
           <a:p>
             <a:fld id="{79798564-FF97-402E-A2A0-52C33396791A}" type="datetimeFigureOut">
               <a:rPr lang="en-GB" smtClean="0"/>
-              <a:t>01/12/2020</a:t>
+              <a:t>02/12/2020</a:t>
             </a:fld>
             <a:endParaRPr lang="en-GB"/>
           </a:p>
@@ -6875,7 +10228,7 @@
     </p:spTree>
     <p:extLst>
       <p:ext uri="{BB962C8B-B14F-4D97-AF65-F5344CB8AC3E}">
-        <p14:creationId xmlns:p14="http://schemas.microsoft.com/office/powerpoint/2010/main" val="1822853868"/>
+        <p14:creationId xmlns:p14="http://schemas.microsoft.com/office/powerpoint/2010/main" val="3753051535"/>
       </p:ext>
     </p:extLst>
   </p:cSld>
@@ -6914,15 +10267,15 @@
         </p:nvSpPr>
         <p:spPr>
           <a:xfrm>
-            <a:off x="229625" y="1786124"/>
-            <a:ext cx="2902744" cy="2980186"/>
+            <a:off x="262769" y="1723196"/>
+            <a:ext cx="3321725" cy="2875189"/>
           </a:xfrm>
         </p:spPr>
         <p:txBody>
           <a:bodyPr anchor="b"/>
           <a:lstStyle>
             <a:lvl1pPr>
-              <a:defRPr sz="2209"/>
+              <a:defRPr sz="2527"/>
             </a:lvl1pPr>
           </a:lstStyle>
           <a:p>
@@ -6946,8 +10299,8 @@
         </p:nvSpPr>
         <p:spPr>
           <a:xfrm>
-            <a:off x="229625" y="4794504"/>
-            <a:ext cx="2902744" cy="1567209"/>
+            <a:off x="262769" y="4625585"/>
+            <a:ext cx="3321725" cy="1511994"/>
           </a:xfrm>
         </p:spPr>
         <p:txBody>
@@ -6955,15 +10308,15 @@
           <a:lstStyle>
             <a:lvl1pPr marL="0" indent="0">
               <a:buNone/>
-              <a:defRPr sz="883">
+              <a:defRPr sz="1011">
                 <a:solidFill>
                   <a:schemeClr val="tx1"/>
                 </a:solidFill>
               </a:defRPr>
             </a:lvl1pPr>
-            <a:lvl2pPr marL="168295" indent="0">
+            <a:lvl2pPr marL="192573" indent="0">
               <a:buNone/>
-              <a:defRPr sz="736">
+              <a:defRPr sz="842">
                 <a:solidFill>
                   <a:schemeClr val="tx1">
                     <a:tint val="75000"/>
@@ -6971,9 +10324,9 @@
                 </a:solidFill>
               </a:defRPr>
             </a:lvl2pPr>
-            <a:lvl3pPr marL="336591" indent="0">
+            <a:lvl3pPr marL="385145" indent="0">
               <a:buNone/>
-              <a:defRPr sz="663">
+              <a:defRPr sz="758">
                 <a:solidFill>
                   <a:schemeClr val="tx1">
                     <a:tint val="75000"/>
@@ -6981,9 +10334,9 @@
                 </a:solidFill>
               </a:defRPr>
             </a:lvl3pPr>
-            <a:lvl4pPr marL="504886" indent="0">
+            <a:lvl4pPr marL="577718" indent="0">
               <a:buNone/>
-              <a:defRPr sz="589">
+              <a:defRPr sz="674">
                 <a:solidFill>
                   <a:schemeClr val="tx1">
                     <a:tint val="75000"/>
@@ -6991,9 +10344,9 @@
                 </a:solidFill>
               </a:defRPr>
             </a:lvl4pPr>
-            <a:lvl5pPr marL="673181" indent="0">
+            <a:lvl5pPr marL="770291" indent="0">
               <a:buNone/>
-              <a:defRPr sz="589">
+              <a:defRPr sz="674">
                 <a:solidFill>
                   <a:schemeClr val="tx1">
                     <a:tint val="75000"/>
@@ -7001,9 +10354,9 @@
                 </a:solidFill>
               </a:defRPr>
             </a:lvl5pPr>
-            <a:lvl6pPr marL="841477" indent="0">
+            <a:lvl6pPr marL="962863" indent="0">
               <a:buNone/>
-              <a:defRPr sz="589">
+              <a:defRPr sz="674">
                 <a:solidFill>
                   <a:schemeClr val="tx1">
                     <a:tint val="75000"/>
@@ -7011,9 +10364,9 @@
                 </a:solidFill>
               </a:defRPr>
             </a:lvl6pPr>
-            <a:lvl7pPr marL="1009772" indent="0">
+            <a:lvl7pPr marL="1155436" indent="0">
               <a:buNone/>
-              <a:defRPr sz="589">
+              <a:defRPr sz="674">
                 <a:solidFill>
                   <a:schemeClr val="tx1">
                     <a:tint val="75000"/>
@@ -7021,9 +10374,9 @@
                 </a:solidFill>
               </a:defRPr>
             </a:lvl7pPr>
-            <a:lvl8pPr marL="1178067" indent="0">
+            <a:lvl8pPr marL="1348008" indent="0">
               <a:buNone/>
-              <a:defRPr sz="589">
+              <a:defRPr sz="674">
                 <a:solidFill>
                   <a:schemeClr val="tx1">
                     <a:tint val="75000"/>
@@ -7031,9 +10384,9 @@
                 </a:solidFill>
               </a:defRPr>
             </a:lvl8pPr>
-            <a:lvl9pPr marL="1346363" indent="0">
+            <a:lvl9pPr marL="1540581" indent="0">
               <a:buNone/>
-              <a:defRPr sz="589">
+              <a:defRPr sz="674">
                 <a:solidFill>
                   <a:schemeClr val="tx1">
                     <a:tint val="75000"/>
@@ -7068,7 +10421,7 @@
           <a:p>
             <a:fld id="{79798564-FF97-402E-A2A0-52C33396791A}" type="datetimeFigureOut">
               <a:rPr lang="en-GB" smtClean="0"/>
-              <a:t>01/12/2020</a:t>
+              <a:t>02/12/2020</a:t>
             </a:fld>
             <a:endParaRPr lang="en-GB"/>
           </a:p>
@@ -7119,7 +10472,7 @@
     </p:spTree>
     <p:extLst>
       <p:ext uri="{BB962C8B-B14F-4D97-AF65-F5344CB8AC3E}">
-        <p14:creationId xmlns:p14="http://schemas.microsoft.com/office/powerpoint/2010/main" val="787295053"/>
+        <p14:creationId xmlns:p14="http://schemas.microsoft.com/office/powerpoint/2010/main" val="3827156125"/>
       </p:ext>
     </p:extLst>
   </p:cSld>
@@ -7181,8 +10534,8 @@
         </p:nvSpPr>
         <p:spPr>
           <a:xfrm>
-            <a:off x="231378" y="1907187"/>
-            <a:ext cx="1430338" cy="4545738"/>
+            <a:off x="264775" y="1839993"/>
+            <a:ext cx="1636792" cy="4385585"/>
           </a:xfrm>
         </p:spPr>
         <p:txBody>
@@ -7238,8 +10591,8 @@
         </p:nvSpPr>
         <p:spPr>
           <a:xfrm>
-            <a:off x="1703784" y="1907187"/>
-            <a:ext cx="1430338" cy="4545738"/>
+            <a:off x="1949708" y="1839993"/>
+            <a:ext cx="1636792" cy="4385585"/>
           </a:xfrm>
         </p:spPr>
         <p:txBody>
@@ -7300,7 +10653,7 @@
           <a:p>
             <a:fld id="{79798564-FF97-402E-A2A0-52C33396791A}" type="datetimeFigureOut">
               <a:rPr lang="en-GB" smtClean="0"/>
-              <a:t>01/12/2020</a:t>
+              <a:t>02/12/2020</a:t>
             </a:fld>
             <a:endParaRPr lang="en-GB"/>
           </a:p>
@@ -7351,7 +10704,7 @@
     </p:spTree>
     <p:extLst>
       <p:ext uri="{BB962C8B-B14F-4D97-AF65-F5344CB8AC3E}">
-        <p14:creationId xmlns:p14="http://schemas.microsoft.com/office/powerpoint/2010/main" val="3623516594"/>
+        <p14:creationId xmlns:p14="http://schemas.microsoft.com/office/powerpoint/2010/main" val="1248866995"/>
       </p:ext>
     </p:extLst>
   </p:cSld>
@@ -7390,8 +10743,8 @@
         </p:nvSpPr>
         <p:spPr>
           <a:xfrm>
-            <a:off x="231816" y="381439"/>
-            <a:ext cx="2902744" cy="1384784"/>
+            <a:off x="265277" y="368000"/>
+            <a:ext cx="3321725" cy="1335996"/>
           </a:xfrm>
         </p:spPr>
         <p:txBody>
@@ -7418,8 +10771,8 @@
         </p:nvSpPr>
         <p:spPr>
           <a:xfrm>
-            <a:off x="231817" y="1756271"/>
-            <a:ext cx="1423764" cy="860721"/>
+            <a:off x="265277" y="1694395"/>
+            <a:ext cx="1629270" cy="830396"/>
           </a:xfrm>
         </p:spPr>
         <p:txBody>
@@ -7427,39 +10780,39 @@
           <a:lstStyle>
             <a:lvl1pPr marL="0" indent="0">
               <a:buNone/>
-              <a:defRPr sz="883" b="1"/>
+              <a:defRPr sz="1011" b="1"/>
             </a:lvl1pPr>
-            <a:lvl2pPr marL="168295" indent="0">
+            <a:lvl2pPr marL="192573" indent="0">
               <a:buNone/>
-              <a:defRPr sz="736" b="1"/>
+              <a:defRPr sz="842" b="1"/>
             </a:lvl2pPr>
-            <a:lvl3pPr marL="336591" indent="0">
+            <a:lvl3pPr marL="385145" indent="0">
               <a:buNone/>
-              <a:defRPr sz="663" b="1"/>
+              <a:defRPr sz="758" b="1"/>
             </a:lvl3pPr>
-            <a:lvl4pPr marL="504886" indent="0">
+            <a:lvl4pPr marL="577718" indent="0">
               <a:buNone/>
-              <a:defRPr sz="589" b="1"/>
+              <a:defRPr sz="674" b="1"/>
             </a:lvl4pPr>
-            <a:lvl5pPr marL="673181" indent="0">
+            <a:lvl5pPr marL="770291" indent="0">
               <a:buNone/>
-              <a:defRPr sz="589" b="1"/>
+              <a:defRPr sz="674" b="1"/>
             </a:lvl5pPr>
-            <a:lvl6pPr marL="841477" indent="0">
+            <a:lvl6pPr marL="962863" indent="0">
               <a:buNone/>
-              <a:defRPr sz="589" b="1"/>
+              <a:defRPr sz="674" b="1"/>
             </a:lvl6pPr>
-            <a:lvl7pPr marL="1009772" indent="0">
+            <a:lvl7pPr marL="1155436" indent="0">
               <a:buNone/>
-              <a:defRPr sz="589" b="1"/>
+              <a:defRPr sz="674" b="1"/>
             </a:lvl7pPr>
-            <a:lvl8pPr marL="1178067" indent="0">
+            <a:lvl8pPr marL="1348008" indent="0">
               <a:buNone/>
-              <a:defRPr sz="589" b="1"/>
+              <a:defRPr sz="674" b="1"/>
             </a:lvl8pPr>
-            <a:lvl9pPr marL="1346363" indent="0">
+            <a:lvl9pPr marL="1540581" indent="0">
               <a:buNone/>
-              <a:defRPr sz="589" b="1"/>
+              <a:defRPr sz="674" b="1"/>
             </a:lvl9pPr>
           </a:lstStyle>
           <a:p>
@@ -7483,8 +10836,8 @@
         </p:nvSpPr>
         <p:spPr>
           <a:xfrm>
-            <a:off x="231817" y="2616992"/>
-            <a:ext cx="1423764" cy="3849201"/>
+            <a:off x="265277" y="2524791"/>
+            <a:ext cx="1629270" cy="3713587"/>
           </a:xfrm>
         </p:spPr>
         <p:txBody>
@@ -7540,8 +10893,8 @@
         </p:nvSpPr>
         <p:spPr>
           <a:xfrm>
-            <a:off x="1703784" y="1756271"/>
-            <a:ext cx="1430776" cy="860721"/>
+            <a:off x="1949708" y="1694395"/>
+            <a:ext cx="1637294" cy="830396"/>
           </a:xfrm>
         </p:spPr>
         <p:txBody>
@@ -7549,39 +10902,39 @@
           <a:lstStyle>
             <a:lvl1pPr marL="0" indent="0">
               <a:buNone/>
-              <a:defRPr sz="883" b="1"/>
+              <a:defRPr sz="1011" b="1"/>
             </a:lvl1pPr>
-            <a:lvl2pPr marL="168295" indent="0">
+            <a:lvl2pPr marL="192573" indent="0">
               <a:buNone/>
-              <a:defRPr sz="736" b="1"/>
+              <a:defRPr sz="842" b="1"/>
             </a:lvl2pPr>
-            <a:lvl3pPr marL="336591" indent="0">
+            <a:lvl3pPr marL="385145" indent="0">
               <a:buNone/>
-              <a:defRPr sz="663" b="1"/>
+              <a:defRPr sz="758" b="1"/>
             </a:lvl3pPr>
-            <a:lvl4pPr marL="504886" indent="0">
+            <a:lvl4pPr marL="577718" indent="0">
               <a:buNone/>
-              <a:defRPr sz="589" b="1"/>
+              <a:defRPr sz="674" b="1"/>
             </a:lvl4pPr>
-            <a:lvl5pPr marL="673181" indent="0">
+            <a:lvl5pPr marL="770291" indent="0">
               <a:buNone/>
-              <a:defRPr sz="589" b="1"/>
+              <a:defRPr sz="674" b="1"/>
             </a:lvl5pPr>
-            <a:lvl6pPr marL="841477" indent="0">
+            <a:lvl6pPr marL="962863" indent="0">
               <a:buNone/>
-              <a:defRPr sz="589" b="1"/>
+              <a:defRPr sz="674" b="1"/>
             </a:lvl6pPr>
-            <a:lvl7pPr marL="1009772" indent="0">
+            <a:lvl7pPr marL="1155436" indent="0">
               <a:buNone/>
-              <a:defRPr sz="589" b="1"/>
+              <a:defRPr sz="674" b="1"/>
             </a:lvl7pPr>
-            <a:lvl8pPr marL="1178067" indent="0">
+            <a:lvl8pPr marL="1348008" indent="0">
               <a:buNone/>
-              <a:defRPr sz="589" b="1"/>
+              <a:defRPr sz="674" b="1"/>
             </a:lvl8pPr>
-            <a:lvl9pPr marL="1346363" indent="0">
+            <a:lvl9pPr marL="1540581" indent="0">
               <a:buNone/>
-              <a:defRPr sz="589" b="1"/>
+              <a:defRPr sz="674" b="1"/>
             </a:lvl9pPr>
           </a:lstStyle>
           <a:p>
@@ -7605,8 +10958,8 @@
         </p:nvSpPr>
         <p:spPr>
           <a:xfrm>
-            <a:off x="1703784" y="2616992"/>
-            <a:ext cx="1430776" cy="3849201"/>
+            <a:off x="1949708" y="2524791"/>
+            <a:ext cx="1637294" cy="3713587"/>
           </a:xfrm>
         </p:spPr>
         <p:txBody>
@@ -7667,7 +11020,7 @@
           <a:p>
             <a:fld id="{79798564-FF97-402E-A2A0-52C33396791A}" type="datetimeFigureOut">
               <a:rPr lang="en-GB" smtClean="0"/>
-              <a:t>01/12/2020</a:t>
+              <a:t>02/12/2020</a:t>
             </a:fld>
             <a:endParaRPr lang="en-GB"/>
           </a:p>
@@ -7718,7 +11071,7 @@
     </p:spTree>
     <p:extLst>
       <p:ext uri="{BB962C8B-B14F-4D97-AF65-F5344CB8AC3E}">
-        <p14:creationId xmlns:p14="http://schemas.microsoft.com/office/powerpoint/2010/main" val="3801174279"/>
+        <p14:creationId xmlns:p14="http://schemas.microsoft.com/office/powerpoint/2010/main" val="2338942278"/>
       </p:ext>
     </p:extLst>
   </p:cSld>
@@ -7785,7 +11138,7 @@
           <a:p>
             <a:fld id="{79798564-FF97-402E-A2A0-52C33396791A}" type="datetimeFigureOut">
               <a:rPr lang="en-GB" smtClean="0"/>
-              <a:t>01/12/2020</a:t>
+              <a:t>02/12/2020</a:t>
             </a:fld>
             <a:endParaRPr lang="en-GB"/>
           </a:p>
@@ -7836,7 +11189,7 @@
     </p:spTree>
     <p:extLst>
       <p:ext uri="{BB962C8B-B14F-4D97-AF65-F5344CB8AC3E}">
-        <p14:creationId xmlns:p14="http://schemas.microsoft.com/office/powerpoint/2010/main" val="1917702422"/>
+        <p14:creationId xmlns:p14="http://schemas.microsoft.com/office/powerpoint/2010/main" val="3400187183"/>
       </p:ext>
     </p:extLst>
   </p:cSld>
@@ -7880,7 +11233,7 @@
           <a:p>
             <a:fld id="{79798564-FF97-402E-A2A0-52C33396791A}" type="datetimeFigureOut">
               <a:rPr lang="en-GB" smtClean="0"/>
-              <a:t>01/12/2020</a:t>
+              <a:t>02/12/2020</a:t>
             </a:fld>
             <a:endParaRPr lang="en-GB"/>
           </a:p>
@@ -7931,7 +11284,7 @@
     </p:spTree>
     <p:extLst>
       <p:ext uri="{BB962C8B-B14F-4D97-AF65-F5344CB8AC3E}">
-        <p14:creationId xmlns:p14="http://schemas.microsoft.com/office/powerpoint/2010/main" val="983432360"/>
+        <p14:creationId xmlns:p14="http://schemas.microsoft.com/office/powerpoint/2010/main" val="3596731842"/>
       </p:ext>
     </p:extLst>
   </p:cSld>
@@ -7970,15 +11323,15 @@
         </p:nvSpPr>
         <p:spPr>
           <a:xfrm>
-            <a:off x="231817" y="477626"/>
-            <a:ext cx="1085461" cy="1671691"/>
+            <a:off x="265277" y="460798"/>
+            <a:ext cx="1242136" cy="1612794"/>
           </a:xfrm>
         </p:spPr>
         <p:txBody>
           <a:bodyPr anchor="b"/>
           <a:lstStyle>
             <a:lvl1pPr>
-              <a:defRPr sz="1178"/>
+              <a:defRPr sz="1348"/>
             </a:lvl1pPr>
           </a:lstStyle>
           <a:p>
@@ -8002,39 +11355,39 @@
         </p:nvSpPr>
         <p:spPr>
           <a:xfrm>
-            <a:off x="1430776" y="1031541"/>
-            <a:ext cx="1703784" cy="5091359"/>
+            <a:off x="1637293" y="995198"/>
+            <a:ext cx="1949708" cy="4911982"/>
           </a:xfrm>
         </p:spPr>
         <p:txBody>
           <a:bodyPr/>
           <a:lstStyle>
             <a:lvl1pPr>
-              <a:defRPr sz="1178"/>
+              <a:defRPr sz="1348"/>
             </a:lvl1pPr>
             <a:lvl2pPr>
-              <a:defRPr sz="1031"/>
+              <a:defRPr sz="1179"/>
             </a:lvl2pPr>
             <a:lvl3pPr>
-              <a:defRPr sz="883"/>
+              <a:defRPr sz="1011"/>
             </a:lvl3pPr>
             <a:lvl4pPr>
-              <a:defRPr sz="736"/>
+              <a:defRPr sz="842"/>
             </a:lvl4pPr>
             <a:lvl5pPr>
-              <a:defRPr sz="736"/>
+              <a:defRPr sz="842"/>
             </a:lvl5pPr>
             <a:lvl6pPr>
-              <a:defRPr sz="736"/>
+              <a:defRPr sz="842"/>
             </a:lvl6pPr>
             <a:lvl7pPr>
-              <a:defRPr sz="736"/>
+              <a:defRPr sz="842"/>
             </a:lvl7pPr>
             <a:lvl8pPr>
-              <a:defRPr sz="736"/>
+              <a:defRPr sz="842"/>
             </a:lvl8pPr>
             <a:lvl9pPr>
-              <a:defRPr sz="736"/>
+              <a:defRPr sz="842"/>
             </a:lvl9pPr>
           </a:lstStyle>
           <a:p>
@@ -8087,8 +11440,8 @@
         </p:nvSpPr>
         <p:spPr>
           <a:xfrm>
-            <a:off x="231817" y="2149316"/>
-            <a:ext cx="1085461" cy="3981875"/>
+            <a:off x="265277" y="2073592"/>
+            <a:ext cx="1242136" cy="3841587"/>
           </a:xfrm>
         </p:spPr>
         <p:txBody>
@@ -8096,39 +11449,39 @@
           <a:lstStyle>
             <a:lvl1pPr marL="0" indent="0">
               <a:buNone/>
-              <a:defRPr sz="589"/>
+              <a:defRPr sz="674"/>
             </a:lvl1pPr>
-            <a:lvl2pPr marL="168295" indent="0">
+            <a:lvl2pPr marL="192573" indent="0">
               <a:buNone/>
-              <a:defRPr sz="515"/>
+              <a:defRPr sz="590"/>
             </a:lvl2pPr>
-            <a:lvl3pPr marL="336591" indent="0">
+            <a:lvl3pPr marL="385145" indent="0">
               <a:buNone/>
-              <a:defRPr sz="442"/>
+              <a:defRPr sz="505"/>
             </a:lvl3pPr>
-            <a:lvl4pPr marL="504886" indent="0">
+            <a:lvl4pPr marL="577718" indent="0">
               <a:buNone/>
-              <a:defRPr sz="368"/>
+              <a:defRPr sz="421"/>
             </a:lvl4pPr>
-            <a:lvl5pPr marL="673181" indent="0">
+            <a:lvl5pPr marL="770291" indent="0">
               <a:buNone/>
-              <a:defRPr sz="368"/>
+              <a:defRPr sz="421"/>
             </a:lvl5pPr>
-            <a:lvl6pPr marL="841477" indent="0">
+            <a:lvl6pPr marL="962863" indent="0">
               <a:buNone/>
-              <a:defRPr sz="368"/>
+              <a:defRPr sz="421"/>
             </a:lvl6pPr>
-            <a:lvl7pPr marL="1009772" indent="0">
+            <a:lvl7pPr marL="1155436" indent="0">
               <a:buNone/>
-              <a:defRPr sz="368"/>
+              <a:defRPr sz="421"/>
             </a:lvl7pPr>
-            <a:lvl8pPr marL="1178067" indent="0">
+            <a:lvl8pPr marL="1348008" indent="0">
               <a:buNone/>
-              <a:defRPr sz="368"/>
+              <a:defRPr sz="421"/>
             </a:lvl8pPr>
-            <a:lvl9pPr marL="1346363" indent="0">
+            <a:lvl9pPr marL="1540581" indent="0">
               <a:buNone/>
-              <a:defRPr sz="368"/>
+              <a:defRPr sz="421"/>
             </a:lvl9pPr>
           </a:lstStyle>
           <a:p>
@@ -8157,7 +11510,7 @@
           <a:p>
             <a:fld id="{79798564-FF97-402E-A2A0-52C33396791A}" type="datetimeFigureOut">
               <a:rPr lang="en-GB" smtClean="0"/>
-              <a:t>01/12/2020</a:t>
+              <a:t>02/12/2020</a:t>
             </a:fld>
             <a:endParaRPr lang="en-GB"/>
           </a:p>
@@ -8208,7 +11561,7 @@
     </p:spTree>
     <p:extLst>
       <p:ext uri="{BB962C8B-B14F-4D97-AF65-F5344CB8AC3E}">
-        <p14:creationId xmlns:p14="http://schemas.microsoft.com/office/powerpoint/2010/main" val="4155527290"/>
+        <p14:creationId xmlns:p14="http://schemas.microsoft.com/office/powerpoint/2010/main" val="527659357"/>
       </p:ext>
     </p:extLst>
   </p:cSld>
@@ -8247,15 +11600,15 @@
         </p:nvSpPr>
         <p:spPr>
           <a:xfrm>
-            <a:off x="231817" y="477626"/>
-            <a:ext cx="1085461" cy="1671691"/>
+            <a:off x="265277" y="460798"/>
+            <a:ext cx="1242136" cy="1612794"/>
           </a:xfrm>
         </p:spPr>
         <p:txBody>
           <a:bodyPr anchor="b"/>
           <a:lstStyle>
             <a:lvl1pPr>
-              <a:defRPr sz="1178"/>
+              <a:defRPr sz="1348"/>
             </a:lvl1pPr>
           </a:lstStyle>
           <a:p>
@@ -8279,8 +11632,8 @@
         </p:nvSpPr>
         <p:spPr>
           <a:xfrm>
-            <a:off x="1430776" y="1031541"/>
-            <a:ext cx="1703784" cy="5091359"/>
+            <a:off x="1637293" y="995198"/>
+            <a:ext cx="1949708" cy="4911982"/>
           </a:xfrm>
         </p:spPr>
         <p:txBody>
@@ -8288,39 +11641,39 @@
           <a:lstStyle>
             <a:lvl1pPr marL="0" indent="0">
               <a:buNone/>
-              <a:defRPr sz="1178"/>
+              <a:defRPr sz="1348"/>
             </a:lvl1pPr>
-            <a:lvl2pPr marL="168295" indent="0">
+            <a:lvl2pPr marL="192573" indent="0">
               <a:buNone/>
-              <a:defRPr sz="1031"/>
+              <a:defRPr sz="1179"/>
             </a:lvl2pPr>
-            <a:lvl3pPr marL="336591" indent="0">
+            <a:lvl3pPr marL="385145" indent="0">
               <a:buNone/>
-              <a:defRPr sz="883"/>
+              <a:defRPr sz="1011"/>
             </a:lvl3pPr>
-            <a:lvl4pPr marL="504886" indent="0">
+            <a:lvl4pPr marL="577718" indent="0">
               <a:buNone/>
-              <a:defRPr sz="736"/>
+              <a:defRPr sz="842"/>
             </a:lvl4pPr>
-            <a:lvl5pPr marL="673181" indent="0">
+            <a:lvl5pPr marL="770291" indent="0">
               <a:buNone/>
-              <a:defRPr sz="736"/>
+              <a:defRPr sz="842"/>
             </a:lvl5pPr>
-            <a:lvl6pPr marL="841477" indent="0">
+            <a:lvl6pPr marL="962863" indent="0">
               <a:buNone/>
-              <a:defRPr sz="736"/>
+              <a:defRPr sz="842"/>
             </a:lvl6pPr>
-            <a:lvl7pPr marL="1009772" indent="0">
+            <a:lvl7pPr marL="1155436" indent="0">
               <a:buNone/>
-              <a:defRPr sz="736"/>
+              <a:defRPr sz="842"/>
             </a:lvl7pPr>
-            <a:lvl8pPr marL="1178067" indent="0">
+            <a:lvl8pPr marL="1348008" indent="0">
               <a:buNone/>
-              <a:defRPr sz="736"/>
+              <a:defRPr sz="842"/>
             </a:lvl8pPr>
-            <a:lvl9pPr marL="1346363" indent="0">
+            <a:lvl9pPr marL="1540581" indent="0">
               <a:buNone/>
-              <a:defRPr sz="736"/>
+              <a:defRPr sz="842"/>
             </a:lvl9pPr>
           </a:lstStyle>
           <a:p>
@@ -8344,8 +11697,8 @@
         </p:nvSpPr>
         <p:spPr>
           <a:xfrm>
-            <a:off x="231817" y="2149316"/>
-            <a:ext cx="1085461" cy="3981875"/>
+            <a:off x="265277" y="2073592"/>
+            <a:ext cx="1242136" cy="3841587"/>
           </a:xfrm>
         </p:spPr>
         <p:txBody>
@@ -8353,39 +11706,39 @@
           <a:lstStyle>
             <a:lvl1pPr marL="0" indent="0">
               <a:buNone/>
-              <a:defRPr sz="589"/>
+              <a:defRPr sz="674"/>
             </a:lvl1pPr>
-            <a:lvl2pPr marL="168295" indent="0">
+            <a:lvl2pPr marL="192573" indent="0">
               <a:buNone/>
-              <a:defRPr sz="515"/>
+              <a:defRPr sz="590"/>
             </a:lvl2pPr>
-            <a:lvl3pPr marL="336591" indent="0">
+            <a:lvl3pPr marL="385145" indent="0">
               <a:buNone/>
-              <a:defRPr sz="442"/>
+              <a:defRPr sz="505"/>
             </a:lvl3pPr>
-            <a:lvl4pPr marL="504886" indent="0">
+            <a:lvl4pPr marL="577718" indent="0">
               <a:buNone/>
-              <a:defRPr sz="368"/>
+              <a:defRPr sz="421"/>
             </a:lvl4pPr>
-            <a:lvl5pPr marL="673181" indent="0">
+            <a:lvl5pPr marL="770291" indent="0">
               <a:buNone/>
-              <a:defRPr sz="368"/>
+              <a:defRPr sz="421"/>
             </a:lvl5pPr>
-            <a:lvl6pPr marL="841477" indent="0">
+            <a:lvl6pPr marL="962863" indent="0">
               <a:buNone/>
-              <a:defRPr sz="368"/>
+              <a:defRPr sz="421"/>
             </a:lvl6pPr>
-            <a:lvl7pPr marL="1009772" indent="0">
+            <a:lvl7pPr marL="1155436" indent="0">
               <a:buNone/>
-              <a:defRPr sz="368"/>
+              <a:defRPr sz="421"/>
             </a:lvl7pPr>
-            <a:lvl8pPr marL="1178067" indent="0">
+            <a:lvl8pPr marL="1348008" indent="0">
               <a:buNone/>
-              <a:defRPr sz="368"/>
+              <a:defRPr sz="421"/>
             </a:lvl8pPr>
-            <a:lvl9pPr marL="1346363" indent="0">
+            <a:lvl9pPr marL="1540581" indent="0">
               <a:buNone/>
-              <a:defRPr sz="368"/>
+              <a:defRPr sz="421"/>
             </a:lvl9pPr>
           </a:lstStyle>
           <a:p>
@@ -8414,7 +11767,7 @@
           <a:p>
             <a:fld id="{79798564-FF97-402E-A2A0-52C33396791A}" type="datetimeFigureOut">
               <a:rPr lang="en-GB" smtClean="0"/>
-              <a:t>01/12/2020</a:t>
+              <a:t>02/12/2020</a:t>
             </a:fld>
             <a:endParaRPr lang="en-GB"/>
           </a:p>
@@ -8465,7 +11818,7 @@
     </p:spTree>
     <p:extLst>
       <p:ext uri="{BB962C8B-B14F-4D97-AF65-F5344CB8AC3E}">
-        <p14:creationId xmlns:p14="http://schemas.microsoft.com/office/powerpoint/2010/main" val="3295300511"/>
+        <p14:creationId xmlns:p14="http://schemas.microsoft.com/office/powerpoint/2010/main" val="2562648774"/>
       </p:ext>
     </p:extLst>
   </p:cSld>
@@ -8509,8 +11862,8 @@
         </p:nvSpPr>
         <p:spPr>
           <a:xfrm>
-            <a:off x="231378" y="381439"/>
-            <a:ext cx="2902744" cy="1384784"/>
+            <a:off x="264775" y="368000"/>
+            <a:ext cx="3321725" cy="1335996"/>
           </a:xfrm>
           <a:prstGeom prst="rect">
             <a:avLst/>
@@ -8542,8 +11895,8 @@
         </p:nvSpPr>
         <p:spPr>
           <a:xfrm>
-            <a:off x="231378" y="1907187"/>
-            <a:ext cx="2902744" cy="4545738"/>
+            <a:off x="264775" y="1839993"/>
+            <a:ext cx="3321725" cy="4385585"/>
           </a:xfrm>
           <a:prstGeom prst="rect">
             <a:avLst/>
@@ -8604,8 +11957,8 @@
         </p:nvSpPr>
         <p:spPr>
           <a:xfrm>
-            <a:off x="231378" y="6640328"/>
-            <a:ext cx="757238" cy="381437"/>
+            <a:off x="264775" y="6406378"/>
+            <a:ext cx="866537" cy="367999"/>
           </a:xfrm>
           <a:prstGeom prst="rect">
             <a:avLst/>
@@ -8615,7 +11968,7 @@
           <a:bodyPr vert="horz" lIns="91440" tIns="45720" rIns="91440" bIns="45720" rtlCol="0" anchor="ctr"/>
           <a:lstStyle>
             <a:lvl1pPr algn="l">
-              <a:defRPr sz="442">
+              <a:defRPr sz="505">
                 <a:solidFill>
                   <a:schemeClr val="tx1">
                     <a:tint val="75000"/>
@@ -8627,7 +11980,7 @@
           <a:p>
             <a:fld id="{79798564-FF97-402E-A2A0-52C33396791A}" type="datetimeFigureOut">
               <a:rPr lang="en-GB" smtClean="0"/>
-              <a:t>01/12/2020</a:t>
+              <a:t>02/12/2020</a:t>
             </a:fld>
             <a:endParaRPr lang="en-GB"/>
           </a:p>
@@ -8645,8 +11998,8 @@
         </p:nvSpPr>
         <p:spPr>
           <a:xfrm>
-            <a:off x="1114822" y="6640328"/>
-            <a:ext cx="1135856" cy="381437"/>
+            <a:off x="1275735" y="6406378"/>
+            <a:ext cx="1299805" cy="367999"/>
           </a:xfrm>
           <a:prstGeom prst="rect">
             <a:avLst/>
@@ -8656,7 +12009,7 @@
           <a:bodyPr vert="horz" lIns="91440" tIns="45720" rIns="91440" bIns="45720" rtlCol="0" anchor="ctr"/>
           <a:lstStyle>
             <a:lvl1pPr algn="ctr">
-              <a:defRPr sz="442">
+              <a:defRPr sz="505">
                 <a:solidFill>
                   <a:schemeClr val="tx1">
                     <a:tint val="75000"/>
@@ -8682,8 +12035,8 @@
         </p:nvSpPr>
         <p:spPr>
           <a:xfrm>
-            <a:off x="2376884" y="6640328"/>
-            <a:ext cx="757238" cy="381437"/>
+            <a:off x="2719963" y="6406378"/>
+            <a:ext cx="866537" cy="367999"/>
           </a:xfrm>
           <a:prstGeom prst="rect">
             <a:avLst/>
@@ -8693,7 +12046,7 @@
           <a:bodyPr vert="horz" lIns="91440" tIns="45720" rIns="91440" bIns="45720" rtlCol="0" anchor="ctr"/>
           <a:lstStyle>
             <a:lvl1pPr algn="r">
-              <a:defRPr sz="442">
+              <a:defRPr sz="505">
                 <a:solidFill>
                   <a:schemeClr val="tx1">
                     <a:tint val="75000"/>
@@ -8714,27 +12067,27 @@
     </p:spTree>
     <p:extLst>
       <p:ext uri="{BB962C8B-B14F-4D97-AF65-F5344CB8AC3E}">
-        <p14:creationId xmlns:p14="http://schemas.microsoft.com/office/powerpoint/2010/main" val="816536588"/>
+        <p14:creationId xmlns:p14="http://schemas.microsoft.com/office/powerpoint/2010/main" val="3352061134"/>
       </p:ext>
     </p:extLst>
   </p:cSld>
   <p:clrMap bg1="lt1" tx1="dk1" bg2="lt2" tx2="dk2" accent1="accent1" accent2="accent2" accent3="accent3" accent4="accent4" accent5="accent5" accent6="accent6" hlink="hlink" folHlink="folHlink"/>
   <p:sldLayoutIdLst>
-    <p:sldLayoutId id="2147483781" r:id="rId1"/>
-    <p:sldLayoutId id="2147483782" r:id="rId2"/>
-    <p:sldLayoutId id="2147483783" r:id="rId3"/>
-    <p:sldLayoutId id="2147483784" r:id="rId4"/>
-    <p:sldLayoutId id="2147483785" r:id="rId5"/>
-    <p:sldLayoutId id="2147483786" r:id="rId6"/>
-    <p:sldLayoutId id="2147483787" r:id="rId7"/>
-    <p:sldLayoutId id="2147483788" r:id="rId8"/>
-    <p:sldLayoutId id="2147483789" r:id="rId9"/>
-    <p:sldLayoutId id="2147483790" r:id="rId10"/>
-    <p:sldLayoutId id="2147483791" r:id="rId11"/>
+    <p:sldLayoutId id="2147483841" r:id="rId1"/>
+    <p:sldLayoutId id="2147483842" r:id="rId2"/>
+    <p:sldLayoutId id="2147483843" r:id="rId3"/>
+    <p:sldLayoutId id="2147483844" r:id="rId4"/>
+    <p:sldLayoutId id="2147483845" r:id="rId5"/>
+    <p:sldLayoutId id="2147483846" r:id="rId6"/>
+    <p:sldLayoutId id="2147483847" r:id="rId7"/>
+    <p:sldLayoutId id="2147483848" r:id="rId8"/>
+    <p:sldLayoutId id="2147483849" r:id="rId9"/>
+    <p:sldLayoutId id="2147483850" r:id="rId10"/>
+    <p:sldLayoutId id="2147483851" r:id="rId11"/>
   </p:sldLayoutIdLst>
   <p:txStyles>
     <p:titleStyle>
-      <a:lvl1pPr algn="l" defTabSz="336591" rtl="0" eaLnBrk="1" latinLnBrk="0" hangingPunct="1">
+      <a:lvl1pPr algn="l" defTabSz="385145" rtl="0" eaLnBrk="1" latinLnBrk="0" hangingPunct="1">
         <a:lnSpc>
           <a:spcPct val="90000"/>
         </a:lnSpc>
@@ -8742,7 +12095,7 @@
           <a:spcPct val="0"/>
         </a:spcBef>
         <a:buNone/>
-        <a:defRPr sz="1620" kern="1200">
+        <a:defRPr sz="1853" kern="1200">
           <a:solidFill>
             <a:schemeClr val="tx1"/>
           </a:solidFill>
@@ -8753,16 +12106,16 @@
       </a:lvl1pPr>
     </p:titleStyle>
     <p:bodyStyle>
-      <a:lvl1pPr marL="84148" indent="-84148" algn="l" defTabSz="336591" rtl="0" eaLnBrk="1" latinLnBrk="0" hangingPunct="1">
+      <a:lvl1pPr marL="96286" indent="-96286" algn="l" defTabSz="385145" rtl="0" eaLnBrk="1" latinLnBrk="0" hangingPunct="1">
         <a:lnSpc>
           <a:spcPct val="90000"/>
         </a:lnSpc>
         <a:spcBef>
-          <a:spcPts val="368"/>
+          <a:spcPts val="421"/>
         </a:spcBef>
         <a:buFont typeface="Arial" panose="020B0604020202020204" pitchFamily="34" charset="0"/>
         <a:buChar char="•"/>
-        <a:defRPr sz="1031" kern="1200">
+        <a:defRPr sz="1179" kern="1200">
           <a:solidFill>
             <a:schemeClr val="tx1"/>
           </a:solidFill>
@@ -8771,16 +12124,16 @@
           <a:cs typeface="+mn-cs"/>
         </a:defRPr>
       </a:lvl1pPr>
-      <a:lvl2pPr marL="252443" indent="-84148" algn="l" defTabSz="336591" rtl="0" eaLnBrk="1" latinLnBrk="0" hangingPunct="1">
+      <a:lvl2pPr marL="288859" indent="-96286" algn="l" defTabSz="385145" rtl="0" eaLnBrk="1" latinLnBrk="0" hangingPunct="1">
         <a:lnSpc>
           <a:spcPct val="90000"/>
         </a:lnSpc>
         <a:spcBef>
-          <a:spcPts val="184"/>
+          <a:spcPts val="211"/>
         </a:spcBef>
         <a:buFont typeface="Arial" panose="020B0604020202020204" pitchFamily="34" charset="0"/>
         <a:buChar char="•"/>
-        <a:defRPr sz="883" kern="1200">
+        <a:defRPr sz="1011" kern="1200">
           <a:solidFill>
             <a:schemeClr val="tx1"/>
           </a:solidFill>
@@ -8789,16 +12142,16 @@
           <a:cs typeface="+mn-cs"/>
         </a:defRPr>
       </a:lvl2pPr>
-      <a:lvl3pPr marL="420738" indent="-84148" algn="l" defTabSz="336591" rtl="0" eaLnBrk="1" latinLnBrk="0" hangingPunct="1">
+      <a:lvl3pPr marL="481432" indent="-96286" algn="l" defTabSz="385145" rtl="0" eaLnBrk="1" latinLnBrk="0" hangingPunct="1">
         <a:lnSpc>
           <a:spcPct val="90000"/>
         </a:lnSpc>
         <a:spcBef>
-          <a:spcPts val="184"/>
+          <a:spcPts val="211"/>
         </a:spcBef>
         <a:buFont typeface="Arial" panose="020B0604020202020204" pitchFamily="34" charset="0"/>
         <a:buChar char="•"/>
-        <a:defRPr sz="736" kern="1200">
+        <a:defRPr sz="842" kern="1200">
           <a:solidFill>
             <a:schemeClr val="tx1"/>
           </a:solidFill>
@@ -8807,16 +12160,16 @@
           <a:cs typeface="+mn-cs"/>
         </a:defRPr>
       </a:lvl3pPr>
-      <a:lvl4pPr marL="589034" indent="-84148" algn="l" defTabSz="336591" rtl="0" eaLnBrk="1" latinLnBrk="0" hangingPunct="1">
+      <a:lvl4pPr marL="674004" indent="-96286" algn="l" defTabSz="385145" rtl="0" eaLnBrk="1" latinLnBrk="0" hangingPunct="1">
         <a:lnSpc>
           <a:spcPct val="90000"/>
         </a:lnSpc>
         <a:spcBef>
-          <a:spcPts val="184"/>
+          <a:spcPts val="211"/>
         </a:spcBef>
         <a:buFont typeface="Arial" panose="020B0604020202020204" pitchFamily="34" charset="0"/>
         <a:buChar char="•"/>
-        <a:defRPr sz="663" kern="1200">
+        <a:defRPr sz="758" kern="1200">
           <a:solidFill>
             <a:schemeClr val="tx1"/>
           </a:solidFill>
@@ -8825,16 +12178,16 @@
           <a:cs typeface="+mn-cs"/>
         </a:defRPr>
       </a:lvl4pPr>
-      <a:lvl5pPr marL="757329" indent="-84148" algn="l" defTabSz="336591" rtl="0" eaLnBrk="1" latinLnBrk="0" hangingPunct="1">
+      <a:lvl5pPr marL="866577" indent="-96286" algn="l" defTabSz="385145" rtl="0" eaLnBrk="1" latinLnBrk="0" hangingPunct="1">
         <a:lnSpc>
           <a:spcPct val="90000"/>
         </a:lnSpc>
         <a:spcBef>
-          <a:spcPts val="184"/>
+          <a:spcPts val="211"/>
         </a:spcBef>
         <a:buFont typeface="Arial" panose="020B0604020202020204" pitchFamily="34" charset="0"/>
         <a:buChar char="•"/>
-        <a:defRPr sz="663" kern="1200">
+        <a:defRPr sz="758" kern="1200">
           <a:solidFill>
             <a:schemeClr val="tx1"/>
           </a:solidFill>
@@ -8843,16 +12196,16 @@
           <a:cs typeface="+mn-cs"/>
         </a:defRPr>
       </a:lvl5pPr>
-      <a:lvl6pPr marL="925624" indent="-84148" algn="l" defTabSz="336591" rtl="0" eaLnBrk="1" latinLnBrk="0" hangingPunct="1">
+      <a:lvl6pPr marL="1059150" indent="-96286" algn="l" defTabSz="385145" rtl="0" eaLnBrk="1" latinLnBrk="0" hangingPunct="1">
         <a:lnSpc>
           <a:spcPct val="90000"/>
         </a:lnSpc>
         <a:spcBef>
-          <a:spcPts val="184"/>
+          <a:spcPts val="211"/>
         </a:spcBef>
         <a:buFont typeface="Arial" panose="020B0604020202020204" pitchFamily="34" charset="0"/>
         <a:buChar char="•"/>
-        <a:defRPr sz="663" kern="1200">
+        <a:defRPr sz="758" kern="1200">
           <a:solidFill>
             <a:schemeClr val="tx1"/>
           </a:solidFill>
@@ -8861,16 +12214,16 @@
           <a:cs typeface="+mn-cs"/>
         </a:defRPr>
       </a:lvl6pPr>
-      <a:lvl7pPr marL="1093920" indent="-84148" algn="l" defTabSz="336591" rtl="0" eaLnBrk="1" latinLnBrk="0" hangingPunct="1">
+      <a:lvl7pPr marL="1251722" indent="-96286" algn="l" defTabSz="385145" rtl="0" eaLnBrk="1" latinLnBrk="0" hangingPunct="1">
         <a:lnSpc>
           <a:spcPct val="90000"/>
         </a:lnSpc>
         <a:spcBef>
-          <a:spcPts val="184"/>
+          <a:spcPts val="211"/>
         </a:spcBef>
         <a:buFont typeface="Arial" panose="020B0604020202020204" pitchFamily="34" charset="0"/>
         <a:buChar char="•"/>
-        <a:defRPr sz="663" kern="1200">
+        <a:defRPr sz="758" kern="1200">
           <a:solidFill>
             <a:schemeClr val="tx1"/>
           </a:solidFill>
@@ -8879,16 +12232,16 @@
           <a:cs typeface="+mn-cs"/>
         </a:defRPr>
       </a:lvl7pPr>
-      <a:lvl8pPr marL="1262215" indent="-84148" algn="l" defTabSz="336591" rtl="0" eaLnBrk="1" latinLnBrk="0" hangingPunct="1">
+      <a:lvl8pPr marL="1444295" indent="-96286" algn="l" defTabSz="385145" rtl="0" eaLnBrk="1" latinLnBrk="0" hangingPunct="1">
         <a:lnSpc>
           <a:spcPct val="90000"/>
         </a:lnSpc>
         <a:spcBef>
-          <a:spcPts val="184"/>
+          <a:spcPts val="211"/>
         </a:spcBef>
         <a:buFont typeface="Arial" panose="020B0604020202020204" pitchFamily="34" charset="0"/>
         <a:buChar char="•"/>
-        <a:defRPr sz="663" kern="1200">
+        <a:defRPr sz="758" kern="1200">
           <a:solidFill>
             <a:schemeClr val="tx1"/>
           </a:solidFill>
@@ -8897,16 +12250,16 @@
           <a:cs typeface="+mn-cs"/>
         </a:defRPr>
       </a:lvl8pPr>
-      <a:lvl9pPr marL="1430510" indent="-84148" algn="l" defTabSz="336591" rtl="0" eaLnBrk="1" latinLnBrk="0" hangingPunct="1">
+      <a:lvl9pPr marL="1636867" indent="-96286" algn="l" defTabSz="385145" rtl="0" eaLnBrk="1" latinLnBrk="0" hangingPunct="1">
         <a:lnSpc>
           <a:spcPct val="90000"/>
         </a:lnSpc>
         <a:spcBef>
-          <a:spcPts val="184"/>
+          <a:spcPts val="211"/>
         </a:spcBef>
         <a:buFont typeface="Arial" panose="020B0604020202020204" pitchFamily="34" charset="0"/>
         <a:buChar char="•"/>
-        <a:defRPr sz="663" kern="1200">
+        <a:defRPr sz="758" kern="1200">
           <a:solidFill>
             <a:schemeClr val="tx1"/>
           </a:solidFill>
@@ -8920,8 +12273,8 @@
       <a:defPPr>
         <a:defRPr lang="en-US"/>
       </a:defPPr>
-      <a:lvl1pPr marL="0" algn="l" defTabSz="336591" rtl="0" eaLnBrk="1" latinLnBrk="0" hangingPunct="1">
-        <a:defRPr sz="663" kern="1200">
+      <a:lvl1pPr marL="0" algn="l" defTabSz="385145" rtl="0" eaLnBrk="1" latinLnBrk="0" hangingPunct="1">
+        <a:defRPr sz="758" kern="1200">
           <a:solidFill>
             <a:schemeClr val="tx1"/>
           </a:solidFill>
@@ -8930,8 +12283,8 @@
           <a:cs typeface="+mn-cs"/>
         </a:defRPr>
       </a:lvl1pPr>
-      <a:lvl2pPr marL="168295" algn="l" defTabSz="336591" rtl="0" eaLnBrk="1" latinLnBrk="0" hangingPunct="1">
-        <a:defRPr sz="663" kern="1200">
+      <a:lvl2pPr marL="192573" algn="l" defTabSz="385145" rtl="0" eaLnBrk="1" latinLnBrk="0" hangingPunct="1">
+        <a:defRPr sz="758" kern="1200">
           <a:solidFill>
             <a:schemeClr val="tx1"/>
           </a:solidFill>
@@ -8940,8 +12293,8 @@
           <a:cs typeface="+mn-cs"/>
         </a:defRPr>
       </a:lvl2pPr>
-      <a:lvl3pPr marL="336591" algn="l" defTabSz="336591" rtl="0" eaLnBrk="1" latinLnBrk="0" hangingPunct="1">
-        <a:defRPr sz="663" kern="1200">
+      <a:lvl3pPr marL="385145" algn="l" defTabSz="385145" rtl="0" eaLnBrk="1" latinLnBrk="0" hangingPunct="1">
+        <a:defRPr sz="758" kern="1200">
           <a:solidFill>
             <a:schemeClr val="tx1"/>
           </a:solidFill>
@@ -8950,8 +12303,8 @@
           <a:cs typeface="+mn-cs"/>
         </a:defRPr>
       </a:lvl3pPr>
-      <a:lvl4pPr marL="504886" algn="l" defTabSz="336591" rtl="0" eaLnBrk="1" latinLnBrk="0" hangingPunct="1">
-        <a:defRPr sz="663" kern="1200">
+      <a:lvl4pPr marL="577718" algn="l" defTabSz="385145" rtl="0" eaLnBrk="1" latinLnBrk="0" hangingPunct="1">
+        <a:defRPr sz="758" kern="1200">
           <a:solidFill>
             <a:schemeClr val="tx1"/>
           </a:solidFill>
@@ -8960,8 +12313,8 @@
           <a:cs typeface="+mn-cs"/>
         </a:defRPr>
       </a:lvl4pPr>
-      <a:lvl5pPr marL="673181" algn="l" defTabSz="336591" rtl="0" eaLnBrk="1" latinLnBrk="0" hangingPunct="1">
-        <a:defRPr sz="663" kern="1200">
+      <a:lvl5pPr marL="770291" algn="l" defTabSz="385145" rtl="0" eaLnBrk="1" latinLnBrk="0" hangingPunct="1">
+        <a:defRPr sz="758" kern="1200">
           <a:solidFill>
             <a:schemeClr val="tx1"/>
           </a:solidFill>
@@ -8970,8 +12323,8 @@
           <a:cs typeface="+mn-cs"/>
         </a:defRPr>
       </a:lvl5pPr>
-      <a:lvl6pPr marL="841477" algn="l" defTabSz="336591" rtl="0" eaLnBrk="1" latinLnBrk="0" hangingPunct="1">
-        <a:defRPr sz="663" kern="1200">
+      <a:lvl6pPr marL="962863" algn="l" defTabSz="385145" rtl="0" eaLnBrk="1" latinLnBrk="0" hangingPunct="1">
+        <a:defRPr sz="758" kern="1200">
           <a:solidFill>
             <a:schemeClr val="tx1"/>
           </a:solidFill>
@@ -8980,8 +12333,8 @@
           <a:cs typeface="+mn-cs"/>
         </a:defRPr>
       </a:lvl6pPr>
-      <a:lvl7pPr marL="1009772" algn="l" defTabSz="336591" rtl="0" eaLnBrk="1" latinLnBrk="0" hangingPunct="1">
-        <a:defRPr sz="663" kern="1200">
+      <a:lvl7pPr marL="1155436" algn="l" defTabSz="385145" rtl="0" eaLnBrk="1" latinLnBrk="0" hangingPunct="1">
+        <a:defRPr sz="758" kern="1200">
           <a:solidFill>
             <a:schemeClr val="tx1"/>
           </a:solidFill>
@@ -8990,8 +12343,8 @@
           <a:cs typeface="+mn-cs"/>
         </a:defRPr>
       </a:lvl7pPr>
-      <a:lvl8pPr marL="1178067" algn="l" defTabSz="336591" rtl="0" eaLnBrk="1" latinLnBrk="0" hangingPunct="1">
-        <a:defRPr sz="663" kern="1200">
+      <a:lvl8pPr marL="1348008" algn="l" defTabSz="385145" rtl="0" eaLnBrk="1" latinLnBrk="0" hangingPunct="1">
+        <a:defRPr sz="758" kern="1200">
           <a:solidFill>
             <a:schemeClr val="tx1"/>
           </a:solidFill>
@@ -9000,8 +12353,8 @@
           <a:cs typeface="+mn-cs"/>
         </a:defRPr>
       </a:lvl8pPr>
-      <a:lvl9pPr marL="1346363" algn="l" defTabSz="336591" rtl="0" eaLnBrk="1" latinLnBrk="0" hangingPunct="1">
-        <a:defRPr sz="663" kern="1200">
+      <a:lvl9pPr marL="1540581" algn="l" defTabSz="385145" rtl="0" eaLnBrk="1" latinLnBrk="0" hangingPunct="1">
+        <a:defRPr sz="758" kern="1200">
           <a:solidFill>
             <a:schemeClr val="tx1"/>
           </a:solidFill>
@@ -9034,22 +12387,21 @@
       </p:grpSpPr>
       <p:cxnSp>
         <p:nvCxnSpPr>
-          <p:cNvPr id="264" name="Straight Arrow Connector 263">
+          <p:cNvPr id="464" name="Straight Arrow Connector 463">
             <a:extLst>
               <a:ext uri="{FF2B5EF4-FFF2-40B4-BE49-F238E27FC236}">
-                <a16:creationId xmlns:a16="http://schemas.microsoft.com/office/drawing/2014/main" id="{1FF41559-BD00-4726-9E39-C00999B56896}"/>
+                <a16:creationId xmlns:a16="http://schemas.microsoft.com/office/drawing/2014/main" id="{75691B4B-E77C-4796-BB8B-01D76FB6E5A2}"/>
               </a:ext>
             </a:extLst>
           </p:cNvPr>
           <p:cNvCxnSpPr>
             <a:cxnSpLocks/>
-            <a:endCxn id="266" idx="3"/>
           </p:cNvCxnSpPr>
           <p:nvPr/>
         </p:nvCxnSpPr>
         <p:spPr>
           <a:xfrm flipH="1" flipV="1">
-            <a:off x="545349" y="314958"/>
+            <a:off x="762769" y="388727"/>
             <a:ext cx="391553" cy="178"/>
           </a:xfrm>
           <a:prstGeom prst="straightConnector1">
@@ -9079,10 +12431,10 @@
       </p:cxnSp>
       <p:sp>
         <p:nvSpPr>
-          <p:cNvPr id="265" name="Rectangle 264">
+          <p:cNvPr id="465" name="Rectangle 464">
             <a:extLst>
               <a:ext uri="{FF2B5EF4-FFF2-40B4-BE49-F238E27FC236}">
-                <a16:creationId xmlns:a16="http://schemas.microsoft.com/office/drawing/2014/main" id="{BBCEC9F5-2E46-45F5-B8F8-AE181445FC3D}"/>
+                <a16:creationId xmlns:a16="http://schemas.microsoft.com/office/drawing/2014/main" id="{7E4A8C36-ACEA-4934-9A43-FFFDB4668CD9}"/>
               </a:ext>
             </a:extLst>
           </p:cNvPr>
@@ -9091,8 +12443,8 @@
         </p:nvSpPr>
         <p:spPr>
           <a:xfrm rot="16200000">
-            <a:off x="464997" y="242477"/>
-            <a:ext cx="633446" cy="158210"/>
+            <a:off x="765249" y="280727"/>
+            <a:ext cx="453919" cy="216000"/>
           </a:xfrm>
           <a:prstGeom prst="rect">
             <a:avLst/>
@@ -9145,96 +12497,24 @@
           </a:p>
         </p:txBody>
       </p:sp>
-      <p:sp>
-        <p:nvSpPr>
-          <p:cNvPr id="266" name="Rectangle: Rounded Corners 265">
+      <p:cxnSp>
+        <p:nvCxnSpPr>
+          <p:cNvPr id="466" name="Straight Arrow Connector 465">
             <a:extLst>
               <a:ext uri="{FF2B5EF4-FFF2-40B4-BE49-F238E27FC236}">
-                <a16:creationId xmlns:a16="http://schemas.microsoft.com/office/drawing/2014/main" id="{74524FB7-856F-4C68-B76A-52A55DE02741}"/>
-              </a:ext>
-            </a:extLst>
-          </p:cNvPr>
-          <p:cNvSpPr/>
-          <p:nvPr/>
-        </p:nvSpPr>
-        <p:spPr>
-          <a:xfrm>
-            <a:off x="19455" y="87820"/>
-            <a:ext cx="525894" cy="454275"/>
-          </a:xfrm>
-          <a:prstGeom prst="roundRect">
-            <a:avLst>
-              <a:gd name="adj" fmla="val 0"/>
-            </a:avLst>
-          </a:prstGeom>
-          <a:solidFill>
-            <a:schemeClr val="bg2"/>
-          </a:solidFill>
-          <a:ln w="3175">
-            <a:solidFill>
-              <a:schemeClr val="bg2">
-                <a:lumMod val="50000"/>
-              </a:schemeClr>
-            </a:solidFill>
-          </a:ln>
-        </p:spPr>
-        <p:style>
-          <a:lnRef idx="2">
-            <a:schemeClr val="accent1">
-              <a:shade val="50000"/>
-            </a:schemeClr>
-          </a:lnRef>
-          <a:fillRef idx="1">
-            <a:schemeClr val="accent1"/>
-          </a:fillRef>
-          <a:effectRef idx="0">
-            <a:schemeClr val="accent1"/>
-          </a:effectRef>
-          <a:fontRef idx="minor">
-            <a:schemeClr val="lt1"/>
-          </a:fontRef>
-        </p:style>
-        <p:txBody>
-          <a:bodyPr rtlCol="0" anchor="ctr"/>
-          <a:lstStyle/>
-          <a:p>
-            <a:pPr algn="ctr"/>
-            <a:r>
-              <a:rPr lang="en-GB" sz="600" dirty="0">
-                <a:solidFill>
-                  <a:schemeClr val="tx1">
-                    <a:lumMod val="65000"/>
-                    <a:lumOff val="35000"/>
-                  </a:schemeClr>
-                </a:solidFill>
-                <a:latin typeface="Arial" panose="020B0604020202020204" pitchFamily="34" charset="0"/>
-                <a:cs typeface="Arial" panose="020B0604020202020204" pitchFamily="34" charset="0"/>
-              </a:rPr>
-              <a:t>No further actions would be needed </a:t>
-            </a:r>
-          </a:p>
-        </p:txBody>
-      </p:sp>
-      <p:cxnSp>
-        <p:nvCxnSpPr>
-          <p:cNvPr id="267" name="Straight Arrow Connector 266">
-            <a:extLst>
-              <a:ext uri="{FF2B5EF4-FFF2-40B4-BE49-F238E27FC236}">
-                <a16:creationId xmlns:a16="http://schemas.microsoft.com/office/drawing/2014/main" id="{1B8CE2ED-77B5-4D4E-81C3-BE1E2D367806}"/>
+                <a16:creationId xmlns:a16="http://schemas.microsoft.com/office/drawing/2014/main" id="{193E8651-F8C8-4303-8D98-83F9D0C48734}"/>
               </a:ext>
             </a:extLst>
           </p:cNvPr>
           <p:cNvCxnSpPr>
             <a:cxnSpLocks/>
-            <a:stCxn id="288" idx="2"/>
-            <a:endCxn id="269" idx="0"/>
           </p:cNvCxnSpPr>
           <p:nvPr/>
         </p:nvCxnSpPr>
         <p:spPr>
-          <a:xfrm flipH="1">
-            <a:off x="2105404" y="597744"/>
-            <a:ext cx="14" cy="344460"/>
+          <a:xfrm>
+            <a:off x="2328557" y="741424"/>
+            <a:ext cx="0" cy="344459"/>
           </a:xfrm>
           <a:prstGeom prst="straightConnector1">
             <a:avLst/>
@@ -9263,10 +12543,10 @@
       </p:cxnSp>
       <p:sp>
         <p:nvSpPr>
-          <p:cNvPr id="268" name="Rectangle 267">
+          <p:cNvPr id="467" name="Rectangle: Rounded Corners 466">
             <a:extLst>
               <a:ext uri="{FF2B5EF4-FFF2-40B4-BE49-F238E27FC236}">
-                <a16:creationId xmlns:a16="http://schemas.microsoft.com/office/drawing/2014/main" id="{40DD6A86-7650-443F-B5F1-A476F5D869D5}"/>
+                <a16:creationId xmlns:a16="http://schemas.microsoft.com/office/drawing/2014/main" id="{86943C14-87EC-410A-BC98-573650AC41F1}"/>
               </a:ext>
             </a:extLst>
           </p:cNvPr>
@@ -9275,76 +12555,8 @@
         </p:nvSpPr>
         <p:spPr>
           <a:xfrm>
-            <a:off x="1775626" y="669613"/>
-            <a:ext cx="659582" cy="141172"/>
-          </a:xfrm>
-          <a:prstGeom prst="rect">
-            <a:avLst/>
-          </a:prstGeom>
-          <a:solidFill>
-            <a:schemeClr val="bg1"/>
-          </a:solidFill>
-          <a:ln w="3175">
-            <a:solidFill>
-              <a:schemeClr val="bg2">
-                <a:lumMod val="50000"/>
-              </a:schemeClr>
-            </a:solidFill>
-          </a:ln>
-        </p:spPr>
-        <p:style>
-          <a:lnRef idx="2">
-            <a:schemeClr val="accent1">
-              <a:shade val="50000"/>
-            </a:schemeClr>
-          </a:lnRef>
-          <a:fillRef idx="1">
-            <a:schemeClr val="accent1"/>
-          </a:fillRef>
-          <a:effectRef idx="0">
-            <a:schemeClr val="accent1"/>
-          </a:effectRef>
-          <a:fontRef idx="minor">
-            <a:schemeClr val="lt1"/>
-          </a:fontRef>
-        </p:style>
-        <p:txBody>
-          <a:bodyPr rtlCol="0" anchor="ctr"/>
-          <a:lstStyle/>
-          <a:p>
-            <a:pPr algn="ctr"/>
-            <a:r>
-              <a:rPr lang="en-GB" sz="600" dirty="0">
-                <a:solidFill>
-                  <a:schemeClr val="tx1">
-                    <a:lumMod val="65000"/>
-                    <a:lumOff val="35000"/>
-                  </a:schemeClr>
-                </a:solidFill>
-                <a:latin typeface="Arial" panose="020B0604020202020204" pitchFamily="34" charset="0"/>
-                <a:cs typeface="Arial" panose="020B0604020202020204" pitchFamily="34" charset="0"/>
-              </a:rPr>
-              <a:t>MAYBE NOT</a:t>
-            </a:r>
-          </a:p>
-        </p:txBody>
-      </p:sp>
-      <p:sp>
-        <p:nvSpPr>
-          <p:cNvPr id="269" name="Rectangle: Rounded Corners 268">
-            <a:extLst>
-              <a:ext uri="{FF2B5EF4-FFF2-40B4-BE49-F238E27FC236}">
-                <a16:creationId xmlns:a16="http://schemas.microsoft.com/office/drawing/2014/main" id="{68B2D5C7-6A30-482F-BC56-8ADB33C2642C}"/>
-              </a:ext>
-            </a:extLst>
-          </p:cNvPr>
-          <p:cNvSpPr/>
-          <p:nvPr/>
-        </p:nvSpPr>
-        <p:spPr>
-          <a:xfrm>
-            <a:off x="1449124" y="942204"/>
-            <a:ext cx="1312559" cy="232229"/>
+            <a:off x="1743084" y="1085883"/>
+            <a:ext cx="1170946" cy="232229"/>
           </a:xfrm>
           <a:prstGeom prst="roundRect">
             <a:avLst>
@@ -9397,17 +12609,61 @@
                 <a:latin typeface="Arial" panose="020B0604020202020204" pitchFamily="34" charset="0"/>
                 <a:cs typeface="Arial" panose="020B0604020202020204" pitchFamily="34" charset="0"/>
               </a:rPr>
-              <a:t>Research Experiment Starts</a:t>
+              <a:t>Experiment Starts</a:t>
             </a:r>
           </a:p>
         </p:txBody>
       </p:sp>
+      <p:cxnSp>
+        <p:nvCxnSpPr>
+          <p:cNvPr id="468" name="Straight Arrow Connector 467">
+            <a:extLst>
+              <a:ext uri="{FF2B5EF4-FFF2-40B4-BE49-F238E27FC236}">
+                <a16:creationId xmlns:a16="http://schemas.microsoft.com/office/drawing/2014/main" id="{9DD7E5C2-1609-468A-82D6-2A16EF983E36}"/>
+              </a:ext>
+            </a:extLst>
+          </p:cNvPr>
+          <p:cNvCxnSpPr>
+            <a:cxnSpLocks/>
+          </p:cNvCxnSpPr>
+          <p:nvPr/>
+        </p:nvCxnSpPr>
+        <p:spPr>
+          <a:xfrm flipH="1">
+            <a:off x="2327963" y="1318112"/>
+            <a:ext cx="1188" cy="178707"/>
+          </a:xfrm>
+          <a:prstGeom prst="straightConnector1">
+            <a:avLst/>
+          </a:prstGeom>
+          <a:ln>
+            <a:solidFill>
+              <a:srgbClr val="787878"/>
+            </a:solidFill>
+            <a:tailEnd type="triangle"/>
+          </a:ln>
+        </p:spPr>
+        <p:style>
+          <a:lnRef idx="1">
+            <a:schemeClr val="accent1"/>
+          </a:lnRef>
+          <a:fillRef idx="0">
+            <a:schemeClr val="accent1"/>
+          </a:fillRef>
+          <a:effectRef idx="0">
+            <a:schemeClr val="accent1"/>
+          </a:effectRef>
+          <a:fontRef idx="minor">
+            <a:schemeClr val="tx1"/>
+          </a:fontRef>
+        </p:style>
+      </p:cxnSp>
       <p:sp>
         <p:nvSpPr>
-          <p:cNvPr id="270" name="Rectangle: Rounded Corners 269">
+          <p:cNvPr id="469" name="Rectangle: Rounded Corners 468">
             <a:extLst>
               <a:ext uri="{FF2B5EF4-FFF2-40B4-BE49-F238E27FC236}">
-                <a16:creationId xmlns:a16="http://schemas.microsoft.com/office/drawing/2014/main" id="{58F7A73A-0E22-45E5-9EF0-FC0C44A2D98B}"/>
+                <a16:creationId xmlns:a16="http://schemas.microsoft.com/office/drawing/2014/main" id="{940EA5CF-51CB-4A73-9091-059198B034AB}"/>
               </a:ext>
             </a:extLst>
           </p:cNvPr>
@@ -9416,8 +12672,8 @@
         </p:nvSpPr>
         <p:spPr>
           <a:xfrm>
-            <a:off x="934230" y="1353140"/>
-            <a:ext cx="2340000" cy="250357"/>
+            <a:off x="1270911" y="1500739"/>
+            <a:ext cx="2115292" cy="252000"/>
           </a:xfrm>
           <a:prstGeom prst="roundRect">
             <a:avLst>
@@ -9467,31 +12723,29 @@
                 <a:latin typeface="Arial" panose="020B0604020202020204" pitchFamily="34" charset="0"/>
                 <a:cs typeface="Arial" panose="020B0604020202020204" pitchFamily="34" charset="0"/>
               </a:rPr>
-              <a:t>Find volunteers to test ecPoint forecasts in their operational environment (IMN &amp; OMSZ joined the experiment)</a:t>
+              <a:t>Provision of ecPoint remote training to volunteer testers using traditional guidelines for interpreting PEFs.</a:t>
             </a:r>
           </a:p>
         </p:txBody>
       </p:sp>
       <p:cxnSp>
         <p:nvCxnSpPr>
-          <p:cNvPr id="271" name="Straight Arrow Connector 270">
+          <p:cNvPr id="470" name="Straight Arrow Connector 469">
             <a:extLst>
               <a:ext uri="{FF2B5EF4-FFF2-40B4-BE49-F238E27FC236}">
-                <a16:creationId xmlns:a16="http://schemas.microsoft.com/office/drawing/2014/main" id="{1A30078F-C4CD-469A-BEDC-10DE683F0F55}"/>
+                <a16:creationId xmlns:a16="http://schemas.microsoft.com/office/drawing/2014/main" id="{1D912F61-18BF-45F1-8389-0ACC0EF66490}"/>
               </a:ext>
             </a:extLst>
           </p:cNvPr>
           <p:cNvCxnSpPr>
             <a:cxnSpLocks/>
-            <a:stCxn id="269" idx="2"/>
-            <a:endCxn id="270" idx="0"/>
           </p:cNvCxnSpPr>
           <p:nvPr/>
         </p:nvCxnSpPr>
         <p:spPr>
           <a:xfrm flipH="1">
-            <a:off x="2104230" y="1174433"/>
-            <a:ext cx="1174" cy="178707"/>
+            <a:off x="2328557" y="2178524"/>
+            <a:ext cx="1" cy="173350"/>
           </a:xfrm>
           <a:prstGeom prst="straightConnector1">
             <a:avLst/>
@@ -9520,10 +12774,10 @@
       </p:cxnSp>
       <p:sp>
         <p:nvSpPr>
-          <p:cNvPr id="272" name="Rectangle: Rounded Corners 271">
+          <p:cNvPr id="471" name="Rectangle: Rounded Corners 470">
             <a:extLst>
               <a:ext uri="{FF2B5EF4-FFF2-40B4-BE49-F238E27FC236}">
-                <a16:creationId xmlns:a16="http://schemas.microsoft.com/office/drawing/2014/main" id="{CE200B3C-FC65-4245-82B5-9E23715ADD96}"/>
+                <a16:creationId xmlns:a16="http://schemas.microsoft.com/office/drawing/2014/main" id="{C4E711C0-194D-40B8-930F-D98FB7AA7C5B}"/>
               </a:ext>
             </a:extLst>
           </p:cNvPr>
@@ -9532,8 +12786,8 @@
         </p:nvSpPr>
         <p:spPr>
           <a:xfrm>
-            <a:off x="934230" y="1787908"/>
-            <a:ext cx="2340000" cy="126000"/>
+            <a:off x="1270911" y="2351874"/>
+            <a:ext cx="2115292" cy="252000"/>
           </a:xfrm>
           <a:prstGeom prst="roundRect">
             <a:avLst>
@@ -9583,63 +12837,17 @@
                 <a:latin typeface="Arial" panose="020B0604020202020204" pitchFamily="34" charset="0"/>
                 <a:cs typeface="Arial" panose="020B0604020202020204" pitchFamily="34" charset="0"/>
               </a:rPr>
-              <a:t>Remote training</a:t>
+              <a:t>Submission of a written summary on ecPoint performance predicting extreme localized rainfall events.</a:t>
             </a:r>
           </a:p>
         </p:txBody>
       </p:sp>
-      <p:cxnSp>
-        <p:nvCxnSpPr>
-          <p:cNvPr id="273" name="Straight Arrow Connector 272">
+      <p:sp>
+        <p:nvSpPr>
+          <p:cNvPr id="472" name="Rectangle: Rounded Corners 471">
             <a:extLst>
               <a:ext uri="{FF2B5EF4-FFF2-40B4-BE49-F238E27FC236}">
-                <a16:creationId xmlns:a16="http://schemas.microsoft.com/office/drawing/2014/main" id="{7EE362E5-9911-4119-9A38-D1C910D204F0}"/>
-              </a:ext>
-            </a:extLst>
-          </p:cNvPr>
-          <p:cNvCxnSpPr>
-            <a:cxnSpLocks/>
-            <a:stCxn id="291" idx="2"/>
-            <a:endCxn id="274" idx="0"/>
-          </p:cNvCxnSpPr>
-          <p:nvPr/>
-        </p:nvCxnSpPr>
-        <p:spPr>
-          <a:xfrm>
-            <a:off x="2104230" y="2333295"/>
-            <a:ext cx="0" cy="180000"/>
-          </a:xfrm>
-          <a:prstGeom prst="straightConnector1">
-            <a:avLst/>
-          </a:prstGeom>
-          <a:ln>
-            <a:solidFill>
-              <a:srgbClr val="787878"/>
-            </a:solidFill>
-            <a:tailEnd type="triangle"/>
-          </a:ln>
-        </p:spPr>
-        <p:style>
-          <a:lnRef idx="1">
-            <a:schemeClr val="accent1"/>
-          </a:lnRef>
-          <a:fillRef idx="0">
-            <a:schemeClr val="accent1"/>
-          </a:fillRef>
-          <a:effectRef idx="0">
-            <a:schemeClr val="accent1"/>
-          </a:effectRef>
-          <a:fontRef idx="minor">
-            <a:schemeClr val="tx1"/>
-          </a:fontRef>
-        </p:style>
-      </p:cxnSp>
-      <p:sp>
-        <p:nvSpPr>
-          <p:cNvPr id="274" name="Rectangle: Rounded Corners 273">
-            <a:extLst>
-              <a:ext uri="{FF2B5EF4-FFF2-40B4-BE49-F238E27FC236}">
-                <a16:creationId xmlns:a16="http://schemas.microsoft.com/office/drawing/2014/main" id="{9FBD6828-15C3-4E4B-A176-6D4A43ED0DAE}"/>
+                <a16:creationId xmlns:a16="http://schemas.microsoft.com/office/drawing/2014/main" id="{1119BC35-51E7-4626-B6ED-4897A9F600B0}"/>
               </a:ext>
             </a:extLst>
           </p:cNvPr>
@@ -9648,8 +12856,8 @@
         </p:nvSpPr>
         <p:spPr>
           <a:xfrm>
-            <a:off x="934230" y="2532045"/>
-            <a:ext cx="2340000" cy="252000"/>
+            <a:off x="1270911" y="2783922"/>
+            <a:ext cx="2115292" cy="126000"/>
           </a:xfrm>
           <a:prstGeom prst="roundRect">
             <a:avLst>
@@ -9699,17 +12907,61 @@
                 <a:latin typeface="Arial" panose="020B0604020202020204" pitchFamily="34" charset="0"/>
                 <a:cs typeface="Arial" panose="020B0604020202020204" pitchFamily="34" charset="0"/>
               </a:rPr>
-              <a:t>Submission of a report that summarizes the evaluation of ecPoint forecasts performance</a:t>
+              <a:t>Analysis of independent evaluation for ecPoint forecasts.</a:t>
             </a:r>
           </a:p>
         </p:txBody>
       </p:sp>
+      <p:cxnSp>
+        <p:nvCxnSpPr>
+          <p:cNvPr id="473" name="Straight Arrow Connector 472">
+            <a:extLst>
+              <a:ext uri="{FF2B5EF4-FFF2-40B4-BE49-F238E27FC236}">
+                <a16:creationId xmlns:a16="http://schemas.microsoft.com/office/drawing/2014/main" id="{210E6C84-CEB0-4CEA-A919-26B184C4B491}"/>
+              </a:ext>
+            </a:extLst>
+          </p:cNvPr>
+          <p:cNvCxnSpPr>
+            <a:cxnSpLocks/>
+          </p:cNvCxnSpPr>
+          <p:nvPr/>
+        </p:nvCxnSpPr>
+        <p:spPr>
+          <a:xfrm flipH="1">
+            <a:off x="2327352" y="2909922"/>
+            <a:ext cx="2411" cy="180000"/>
+          </a:xfrm>
+          <a:prstGeom prst="straightConnector1">
+            <a:avLst/>
+          </a:prstGeom>
+          <a:ln>
+            <a:solidFill>
+              <a:srgbClr val="787878"/>
+            </a:solidFill>
+            <a:tailEnd type="triangle"/>
+          </a:ln>
+        </p:spPr>
+        <p:style>
+          <a:lnRef idx="1">
+            <a:schemeClr val="accent1"/>
+          </a:lnRef>
+          <a:fillRef idx="0">
+            <a:schemeClr val="accent1"/>
+          </a:fillRef>
+          <a:effectRef idx="0">
+            <a:schemeClr val="accent1"/>
+          </a:effectRef>
+          <a:fontRef idx="minor">
+            <a:schemeClr val="tx1"/>
+          </a:fontRef>
+        </p:style>
+      </p:cxnSp>
       <p:sp>
         <p:nvSpPr>
-          <p:cNvPr id="275" name="Rectangle: Rounded Corners 274">
+          <p:cNvPr id="474" name="Rectangle: Rounded Corners 473">
             <a:extLst>
               <a:ext uri="{FF2B5EF4-FFF2-40B4-BE49-F238E27FC236}">
-                <a16:creationId xmlns:a16="http://schemas.microsoft.com/office/drawing/2014/main" id="{A2AEB448-4F6C-4193-AC6F-0230FC209869}"/>
+                <a16:creationId xmlns:a16="http://schemas.microsoft.com/office/drawing/2014/main" id="{A19F4E61-1A10-4150-8AD7-ED10EF1781B4}"/>
               </a:ext>
             </a:extLst>
           </p:cNvPr>
@@ -9718,8 +12970,8 @@
         </p:nvSpPr>
         <p:spPr>
           <a:xfrm>
-            <a:off x="934230" y="2964093"/>
-            <a:ext cx="2340000" cy="126000"/>
+            <a:off x="1269729" y="3984001"/>
+            <a:ext cx="2117657" cy="360000"/>
           </a:xfrm>
           <a:prstGeom prst="roundRect">
             <a:avLst>
@@ -9769,62 +13021,17 @@
                 <a:latin typeface="Arial" panose="020B0604020202020204" pitchFamily="34" charset="0"/>
                 <a:cs typeface="Arial" panose="020B0604020202020204" pitchFamily="34" charset="0"/>
               </a:rPr>
-              <a:t>Analysis of the independent evaluation of ecPoint forecasts</a:t>
+              <a:t>Remote joint evaluation about why the training provided on ecPoint did not allow forecasters to use the forecasts more effectively.</a:t>
             </a:r>
           </a:p>
         </p:txBody>
       </p:sp>
-      <p:cxnSp>
-        <p:nvCxnSpPr>
-          <p:cNvPr id="276" name="Straight Arrow Connector 275">
+      <p:sp>
+        <p:nvSpPr>
+          <p:cNvPr id="475" name="Rectangle: Rounded Corners 474">
             <a:extLst>
               <a:ext uri="{FF2B5EF4-FFF2-40B4-BE49-F238E27FC236}">
-                <a16:creationId xmlns:a16="http://schemas.microsoft.com/office/drawing/2014/main" id="{947FC0D4-B662-4219-8FB9-250F8043DFEF}"/>
-              </a:ext>
-            </a:extLst>
-          </p:cNvPr>
-          <p:cNvCxnSpPr>
-            <a:cxnSpLocks/>
-            <a:stCxn id="275" idx="2"/>
-          </p:cNvCxnSpPr>
-          <p:nvPr/>
-        </p:nvCxnSpPr>
-        <p:spPr>
-          <a:xfrm>
-            <a:off x="2104230" y="3090093"/>
-            <a:ext cx="0" cy="180000"/>
-          </a:xfrm>
-          <a:prstGeom prst="straightConnector1">
-            <a:avLst/>
-          </a:prstGeom>
-          <a:ln>
-            <a:solidFill>
-              <a:srgbClr val="787878"/>
-            </a:solidFill>
-            <a:tailEnd type="triangle"/>
-          </a:ln>
-        </p:spPr>
-        <p:style>
-          <a:lnRef idx="1">
-            <a:schemeClr val="accent1"/>
-          </a:lnRef>
-          <a:fillRef idx="0">
-            <a:schemeClr val="accent1"/>
-          </a:fillRef>
-          <a:effectRef idx="0">
-            <a:schemeClr val="accent1"/>
-          </a:effectRef>
-          <a:fontRef idx="minor">
-            <a:schemeClr val="tx1"/>
-          </a:fontRef>
-        </p:style>
-      </p:cxnSp>
-      <p:sp>
-        <p:nvSpPr>
-          <p:cNvPr id="277" name="Rectangle: Rounded Corners 276">
-            <a:extLst>
-              <a:ext uri="{FF2B5EF4-FFF2-40B4-BE49-F238E27FC236}">
-                <a16:creationId xmlns:a16="http://schemas.microsoft.com/office/drawing/2014/main" id="{8EA89C0C-4B16-49CC-BEB9-1B5C18494F32}"/>
+                <a16:creationId xmlns:a16="http://schemas.microsoft.com/office/drawing/2014/main" id="{4D8F7A0B-EC7F-4F99-9928-2825185793A5}"/>
               </a:ext>
             </a:extLst>
           </p:cNvPr>
@@ -9833,8 +13040,8 @@
         </p:nvSpPr>
         <p:spPr>
           <a:xfrm>
-            <a:off x="934231" y="4164173"/>
-            <a:ext cx="2342364" cy="357353"/>
+            <a:off x="1268500" y="4518193"/>
+            <a:ext cx="2120114" cy="126000"/>
           </a:xfrm>
           <a:prstGeom prst="roundRect">
             <a:avLst>
@@ -9884,17 +13091,107 @@
                 <a:latin typeface="Arial" panose="020B0604020202020204" pitchFamily="34" charset="0"/>
                 <a:cs typeface="Arial" panose="020B0604020202020204" pitchFamily="34" charset="0"/>
               </a:rPr>
-              <a:t>Remote discussions with forecasters to analyses why the training provided is not good enough to apply ecPoint forecasts effectively in an operational environment</a:t>
+              <a:t>Formulation of new ecPoint-tailored guidelines.</a:t>
             </a:r>
           </a:p>
         </p:txBody>
       </p:sp>
+      <p:cxnSp>
+        <p:nvCxnSpPr>
+          <p:cNvPr id="476" name="Straight Arrow Connector 475">
+            <a:extLst>
+              <a:ext uri="{FF2B5EF4-FFF2-40B4-BE49-F238E27FC236}">
+                <a16:creationId xmlns:a16="http://schemas.microsoft.com/office/drawing/2014/main" id="{38719470-206E-4A4E-BFE2-093C68FF3B57}"/>
+              </a:ext>
+            </a:extLst>
+          </p:cNvPr>
+          <p:cNvCxnSpPr>
+            <a:cxnSpLocks/>
+          </p:cNvCxnSpPr>
+          <p:nvPr/>
+        </p:nvCxnSpPr>
+        <p:spPr>
+          <a:xfrm flipH="1">
+            <a:off x="2328557" y="4344001"/>
+            <a:ext cx="1" cy="180000"/>
+          </a:xfrm>
+          <a:prstGeom prst="straightConnector1">
+            <a:avLst/>
+          </a:prstGeom>
+          <a:ln>
+            <a:solidFill>
+              <a:srgbClr val="787878"/>
+            </a:solidFill>
+            <a:tailEnd type="triangle"/>
+          </a:ln>
+        </p:spPr>
+        <p:style>
+          <a:lnRef idx="1">
+            <a:schemeClr val="accent1"/>
+          </a:lnRef>
+          <a:fillRef idx="0">
+            <a:schemeClr val="accent1"/>
+          </a:fillRef>
+          <a:effectRef idx="0">
+            <a:schemeClr val="accent1"/>
+          </a:effectRef>
+          <a:fontRef idx="minor">
+            <a:schemeClr val="tx1"/>
+          </a:fontRef>
+        </p:style>
+      </p:cxnSp>
+      <p:cxnSp>
+        <p:nvCxnSpPr>
+          <p:cNvPr id="477" name="Straight Arrow Connector 476">
+            <a:extLst>
+              <a:ext uri="{FF2B5EF4-FFF2-40B4-BE49-F238E27FC236}">
+                <a16:creationId xmlns:a16="http://schemas.microsoft.com/office/drawing/2014/main" id="{A321CF49-6A0A-4932-85D5-5D87C6BE289E}"/>
+              </a:ext>
+            </a:extLst>
+          </p:cNvPr>
+          <p:cNvCxnSpPr>
+            <a:cxnSpLocks/>
+            <a:stCxn id="475" idx="2"/>
+            <a:endCxn id="478" idx="0"/>
+          </p:cNvCxnSpPr>
+          <p:nvPr/>
+        </p:nvCxnSpPr>
+        <p:spPr>
+          <a:xfrm>
+            <a:off x="2328557" y="4644193"/>
+            <a:ext cx="3317" cy="180000"/>
+          </a:xfrm>
+          <a:prstGeom prst="straightConnector1">
+            <a:avLst/>
+          </a:prstGeom>
+          <a:ln>
+            <a:solidFill>
+              <a:srgbClr val="787878"/>
+            </a:solidFill>
+            <a:tailEnd type="triangle"/>
+          </a:ln>
+        </p:spPr>
+        <p:style>
+          <a:lnRef idx="1">
+            <a:schemeClr val="accent1"/>
+          </a:lnRef>
+          <a:fillRef idx="0">
+            <a:schemeClr val="accent1"/>
+          </a:fillRef>
+          <a:effectRef idx="0">
+            <a:schemeClr val="accent1"/>
+          </a:effectRef>
+          <a:fontRef idx="minor">
+            <a:schemeClr val="tx1"/>
+          </a:fontRef>
+        </p:style>
+      </p:cxnSp>
       <p:sp>
         <p:nvSpPr>
-          <p:cNvPr id="278" name="Rectangle: Rounded Corners 277">
+          <p:cNvPr id="478" name="Rectangle: Rounded Corners 477">
             <a:extLst>
               <a:ext uri="{FF2B5EF4-FFF2-40B4-BE49-F238E27FC236}">
-                <a16:creationId xmlns:a16="http://schemas.microsoft.com/office/drawing/2014/main" id="{DE1E4121-36A0-4C0A-80D0-D2DED433F7D4}"/>
+                <a16:creationId xmlns:a16="http://schemas.microsoft.com/office/drawing/2014/main" id="{9093A179-0643-4200-BC81-1F92BAEC0D6D}"/>
               </a:ext>
             </a:extLst>
           </p:cNvPr>
@@ -9903,8 +13200,8 @@
         </p:nvSpPr>
         <p:spPr>
           <a:xfrm>
-            <a:off x="934230" y="4698365"/>
-            <a:ext cx="2344821" cy="252000"/>
+            <a:off x="1276361" y="4824193"/>
+            <a:ext cx="2111025" cy="336914"/>
           </a:xfrm>
           <a:prstGeom prst="roundRect">
             <a:avLst>
@@ -9954,191 +13251,28 @@
                 <a:latin typeface="Arial" panose="020B0604020202020204" pitchFamily="34" charset="0"/>
                 <a:cs typeface="Arial" panose="020B0604020202020204" pitchFamily="34" charset="0"/>
               </a:rPr>
-              <a:t>Formulation of a new strategy to communicate ecPoint forecasts more effectively</a:t>
+              <a:t>Joint revision of the case studies proposed by the volunteer testers under the revised guidelines for interpreting ecPoint.</a:t>
             </a:r>
           </a:p>
         </p:txBody>
       </p:sp>
       <p:cxnSp>
         <p:nvCxnSpPr>
-          <p:cNvPr id="279" name="Straight Arrow Connector 278">
+          <p:cNvPr id="479" name="Straight Arrow Connector 478">
             <a:extLst>
               <a:ext uri="{FF2B5EF4-FFF2-40B4-BE49-F238E27FC236}">
-                <a16:creationId xmlns:a16="http://schemas.microsoft.com/office/drawing/2014/main" id="{41C27A7F-DE9E-4451-8DCC-00FE36A28105}"/>
+                <a16:creationId xmlns:a16="http://schemas.microsoft.com/office/drawing/2014/main" id="{12B7FDCF-F12E-41EF-8BB2-4C166479BE55}"/>
               </a:ext>
             </a:extLst>
           </p:cNvPr>
           <p:cNvCxnSpPr>
             <a:cxnSpLocks/>
-            <a:stCxn id="277" idx="2"/>
-            <a:endCxn id="278" idx="0"/>
           </p:cNvCxnSpPr>
           <p:nvPr/>
         </p:nvCxnSpPr>
         <p:spPr>
           <a:xfrm>
-            <a:off x="2105413" y="4521526"/>
-            <a:ext cx="1228" cy="176839"/>
-          </a:xfrm>
-          <a:prstGeom prst="straightConnector1">
-            <a:avLst/>
-          </a:prstGeom>
-          <a:ln>
-            <a:solidFill>
-              <a:srgbClr val="787878"/>
-            </a:solidFill>
-            <a:tailEnd type="triangle"/>
-          </a:ln>
-        </p:spPr>
-        <p:style>
-          <a:lnRef idx="1">
-            <a:schemeClr val="accent1"/>
-          </a:lnRef>
-          <a:fillRef idx="0">
-            <a:schemeClr val="accent1"/>
-          </a:fillRef>
-          <a:effectRef idx="0">
-            <a:schemeClr val="accent1"/>
-          </a:effectRef>
-          <a:fontRef idx="minor">
-            <a:schemeClr val="tx1"/>
-          </a:fontRef>
-        </p:style>
-      </p:cxnSp>
-      <p:cxnSp>
-        <p:nvCxnSpPr>
-          <p:cNvPr id="280" name="Straight Arrow Connector 279">
-            <a:extLst>
-              <a:ext uri="{FF2B5EF4-FFF2-40B4-BE49-F238E27FC236}">
-                <a16:creationId xmlns:a16="http://schemas.microsoft.com/office/drawing/2014/main" id="{9299990A-6370-4608-8C04-0B76BF19A629}"/>
-              </a:ext>
-            </a:extLst>
-          </p:cNvPr>
-          <p:cNvCxnSpPr>
-            <a:cxnSpLocks/>
-            <a:stCxn id="278" idx="2"/>
-            <a:endCxn id="281" idx="0"/>
-          </p:cNvCxnSpPr>
-          <p:nvPr/>
-        </p:nvCxnSpPr>
-        <p:spPr>
-          <a:xfrm>
-            <a:off x="2106641" y="4950365"/>
-            <a:ext cx="0" cy="180000"/>
-          </a:xfrm>
-          <a:prstGeom prst="straightConnector1">
-            <a:avLst/>
-          </a:prstGeom>
-          <a:ln>
-            <a:solidFill>
-              <a:srgbClr val="787878"/>
-            </a:solidFill>
-            <a:tailEnd type="triangle"/>
-          </a:ln>
-        </p:spPr>
-        <p:style>
-          <a:lnRef idx="1">
-            <a:schemeClr val="accent1"/>
-          </a:lnRef>
-          <a:fillRef idx="0">
-            <a:schemeClr val="accent1"/>
-          </a:fillRef>
-          <a:effectRef idx="0">
-            <a:schemeClr val="accent1"/>
-          </a:effectRef>
-          <a:fontRef idx="minor">
-            <a:schemeClr val="tx1"/>
-          </a:fontRef>
-        </p:style>
-      </p:cxnSp>
-      <p:sp>
-        <p:nvSpPr>
-          <p:cNvPr id="281" name="Rectangle: Rounded Corners 280">
-            <a:extLst>
-              <a:ext uri="{FF2B5EF4-FFF2-40B4-BE49-F238E27FC236}">
-                <a16:creationId xmlns:a16="http://schemas.microsoft.com/office/drawing/2014/main" id="{51204AA6-6310-4D69-A312-88F495253301}"/>
-              </a:ext>
-            </a:extLst>
-          </p:cNvPr>
-          <p:cNvSpPr/>
-          <p:nvPr/>
-        </p:nvSpPr>
-        <p:spPr>
-          <a:xfrm>
-            <a:off x="942690" y="5140000"/>
-            <a:ext cx="2339999" cy="336914"/>
-          </a:xfrm>
-          <a:prstGeom prst="roundRect">
-            <a:avLst>
-              <a:gd name="adj" fmla="val 0"/>
-            </a:avLst>
-          </a:prstGeom>
-          <a:solidFill>
-            <a:schemeClr val="bg2"/>
-          </a:solidFill>
-          <a:ln w="3175">
-            <a:solidFill>
-              <a:schemeClr val="bg2">
-                <a:lumMod val="50000"/>
-              </a:schemeClr>
-            </a:solidFill>
-          </a:ln>
-        </p:spPr>
-        <p:style>
-          <a:lnRef idx="2">
-            <a:schemeClr val="accent1">
-              <a:shade val="50000"/>
-            </a:schemeClr>
-          </a:lnRef>
-          <a:fillRef idx="1">
-            <a:schemeClr val="accent1"/>
-          </a:fillRef>
-          <a:effectRef idx="0">
-            <a:schemeClr val="accent1"/>
-          </a:effectRef>
-          <a:fontRef idx="minor">
-            <a:schemeClr val="lt1"/>
-          </a:fontRef>
-        </p:style>
-        <p:txBody>
-          <a:bodyPr rtlCol="0" anchor="ctr"/>
-          <a:lstStyle/>
-          <a:p>
-            <a:pPr algn="ctr"/>
-            <a:r>
-              <a:rPr lang="en-GB" sz="600" dirty="0">
-                <a:solidFill>
-                  <a:schemeClr val="tx1">
-                    <a:lumMod val="65000"/>
-                    <a:lumOff val="35000"/>
-                  </a:schemeClr>
-                </a:solidFill>
-                <a:latin typeface="Arial" panose="020B0604020202020204" pitchFamily="34" charset="0"/>
-                <a:cs typeface="Arial" panose="020B0604020202020204" pitchFamily="34" charset="0"/>
-              </a:rPr>
-              <a:t>Discussion of the cases proposed by IMN and OMSZ under the revised training</a:t>
-            </a:r>
-          </a:p>
-        </p:txBody>
-      </p:sp>
-      <p:cxnSp>
-        <p:nvCxnSpPr>
-          <p:cNvPr id="282" name="Straight Arrow Connector 281">
-            <a:extLst>
-              <a:ext uri="{FF2B5EF4-FFF2-40B4-BE49-F238E27FC236}">
-                <a16:creationId xmlns:a16="http://schemas.microsoft.com/office/drawing/2014/main" id="{941F29D2-69D6-4D41-966E-8B657571843E}"/>
-              </a:ext>
-            </a:extLst>
-          </p:cNvPr>
-          <p:cNvCxnSpPr>
-            <a:cxnSpLocks/>
-            <a:endCxn id="277" idx="1"/>
-          </p:cNvCxnSpPr>
-          <p:nvPr/>
-        </p:nvCxnSpPr>
-        <p:spPr>
-          <a:xfrm>
-            <a:off x="504983" y="4342850"/>
+            <a:off x="839033" y="4162679"/>
             <a:ext cx="429248" cy="0"/>
           </a:xfrm>
           <a:prstGeom prst="straightConnector1">
@@ -10168,10 +13302,10 @@
       </p:cxnSp>
       <p:cxnSp>
         <p:nvCxnSpPr>
-          <p:cNvPr id="283" name="Straight Connector 282">
+          <p:cNvPr id="480" name="Straight Connector 479">
             <a:extLst>
               <a:ext uri="{FF2B5EF4-FFF2-40B4-BE49-F238E27FC236}">
-                <a16:creationId xmlns:a16="http://schemas.microsoft.com/office/drawing/2014/main" id="{750B615B-22C7-4A19-94A6-5B11F67254D0}"/>
+                <a16:creationId xmlns:a16="http://schemas.microsoft.com/office/drawing/2014/main" id="{A16C58AA-44A1-4310-8E0C-8360307174A0}"/>
               </a:ext>
             </a:extLst>
           </p:cNvPr>
@@ -10182,8 +13316,8 @@
         </p:nvCxnSpPr>
         <p:spPr>
           <a:xfrm>
-            <a:off x="508020" y="5941191"/>
-            <a:ext cx="429371" cy="0"/>
+            <a:off x="839033" y="5620553"/>
+            <a:ext cx="435687" cy="0"/>
           </a:xfrm>
           <a:prstGeom prst="line">
             <a:avLst/>
@@ -10211,10 +13345,10 @@
       </p:cxnSp>
       <p:cxnSp>
         <p:nvCxnSpPr>
-          <p:cNvPr id="284" name="Straight Connector 283">
+          <p:cNvPr id="481" name="Straight Connector 480">
             <a:extLst>
               <a:ext uri="{FF2B5EF4-FFF2-40B4-BE49-F238E27FC236}">
-                <a16:creationId xmlns:a16="http://schemas.microsoft.com/office/drawing/2014/main" id="{F190A940-27A0-40AD-B014-97F0CFE2D648}"/>
+                <a16:creationId xmlns:a16="http://schemas.microsoft.com/office/drawing/2014/main" id="{5F2AD006-A552-41E6-95B9-1636A153302D}"/>
               </a:ext>
             </a:extLst>
           </p:cNvPr>
@@ -10225,8 +13359,8 @@
         </p:nvCxnSpPr>
         <p:spPr>
           <a:xfrm flipH="1">
-            <a:off x="504983" y="4342850"/>
-            <a:ext cx="3037" cy="1598341"/>
+            <a:off x="842070" y="4162679"/>
+            <a:ext cx="1" cy="1457874"/>
           </a:xfrm>
           <a:prstGeom prst="line">
             <a:avLst/>
@@ -10254,10 +13388,10 @@
       </p:cxnSp>
       <p:sp>
         <p:nvSpPr>
-          <p:cNvPr id="285" name="Parallelogram 284">
+          <p:cNvPr id="482" name="Parallelogram 481">
             <a:extLst>
               <a:ext uri="{FF2B5EF4-FFF2-40B4-BE49-F238E27FC236}">
-                <a16:creationId xmlns:a16="http://schemas.microsoft.com/office/drawing/2014/main" id="{5E2021D7-22E2-4BB7-AC1C-FE3879EC5BFD}"/>
+                <a16:creationId xmlns:a16="http://schemas.microsoft.com/office/drawing/2014/main" id="{1BA5B42F-57FF-4AF9-95DA-7475D36127FA}"/>
               </a:ext>
             </a:extLst>
           </p:cNvPr>
@@ -10266,8 +13400,8 @@
         </p:nvSpPr>
         <p:spPr>
           <a:xfrm>
-            <a:off x="1444410" y="6511772"/>
-            <a:ext cx="1312559" cy="275682"/>
+            <a:off x="1754448" y="6198043"/>
+            <a:ext cx="1166232" cy="275682"/>
           </a:xfrm>
           <a:prstGeom prst="parallelogram">
             <a:avLst/>
@@ -10318,17 +13452,17 @@
                 <a:latin typeface="Arial" panose="020B0604020202020204" pitchFamily="34" charset="0"/>
                 <a:cs typeface="Arial" panose="020B0604020202020204" pitchFamily="34" charset="0"/>
               </a:rPr>
-              <a:t>Revised ecPoint guidelines</a:t>
+              <a:t>Publication of revised ecPoint guidelines</a:t>
             </a:r>
           </a:p>
         </p:txBody>
       </p:sp>
       <p:cxnSp>
         <p:nvCxnSpPr>
-          <p:cNvPr id="286" name="Straight Arrow Connector 285">
+          <p:cNvPr id="483" name="Straight Arrow Connector 482">
             <a:extLst>
               <a:ext uri="{FF2B5EF4-FFF2-40B4-BE49-F238E27FC236}">
-                <a16:creationId xmlns:a16="http://schemas.microsoft.com/office/drawing/2014/main" id="{B0AEFE78-E47C-4D49-8B40-A2A3615B31ED}"/>
+                <a16:creationId xmlns:a16="http://schemas.microsoft.com/office/drawing/2014/main" id="{5E81445C-631F-4E15-9AEE-5817B4B59DC0}"/>
               </a:ext>
             </a:extLst>
           </p:cNvPr>
@@ -10339,7 +13473,7 @@
         </p:nvCxnSpPr>
         <p:spPr>
           <a:xfrm>
-            <a:off x="2119362" y="6222237"/>
+            <a:off x="2335795" y="5908508"/>
             <a:ext cx="3539" cy="289535"/>
           </a:xfrm>
           <a:prstGeom prst="straightConnector1">
@@ -10369,10 +13503,10 @@
       </p:cxnSp>
       <p:sp>
         <p:nvSpPr>
-          <p:cNvPr id="287" name="Rectangle 286">
+          <p:cNvPr id="484" name="Rectangle 483">
             <a:extLst>
               <a:ext uri="{FF2B5EF4-FFF2-40B4-BE49-F238E27FC236}">
-                <a16:creationId xmlns:a16="http://schemas.microsoft.com/office/drawing/2014/main" id="{59931251-638B-4D5B-A531-0EB51EB7A28A}"/>
+                <a16:creationId xmlns:a16="http://schemas.microsoft.com/office/drawing/2014/main" id="{B28BE4E2-67A1-4538-9540-7C2B4B84B733}"/>
               </a:ext>
             </a:extLst>
           </p:cNvPr>
@@ -10381,7 +13515,7 @@
         </p:nvSpPr>
         <p:spPr>
           <a:xfrm>
-            <a:off x="1963122" y="6260443"/>
+            <a:off x="2167984" y="5946714"/>
             <a:ext cx="339160" cy="149676"/>
           </a:xfrm>
           <a:prstGeom prst="rect">
@@ -10437,10 +13571,10 @@
       </p:sp>
       <p:sp>
         <p:nvSpPr>
-          <p:cNvPr id="288" name="Diamond 287">
+          <p:cNvPr id="485" name="Diamond 484">
             <a:extLst>
               <a:ext uri="{FF2B5EF4-FFF2-40B4-BE49-F238E27FC236}">
-                <a16:creationId xmlns:a16="http://schemas.microsoft.com/office/drawing/2014/main" id="{39E1C81E-A68E-4CEB-9CF9-CBB38E1EAB9B}"/>
+                <a16:creationId xmlns:a16="http://schemas.microsoft.com/office/drawing/2014/main" id="{B4A68F6B-316B-4B6F-B4B8-F1475E887874}"/>
               </a:ext>
             </a:extLst>
           </p:cNvPr>
@@ -10449,8 +13583,8 @@
         </p:nvSpPr>
         <p:spPr>
           <a:xfrm>
-            <a:off x="934236" y="32528"/>
-            <a:ext cx="2342364" cy="565216"/>
+            <a:off x="1157375" y="41308"/>
+            <a:ext cx="2342364" cy="700116"/>
           </a:xfrm>
           <a:prstGeom prst="diamond">
             <a:avLst/>
@@ -10502,10 +13636,10 @@
       </p:sp>
       <p:sp>
         <p:nvSpPr>
-          <p:cNvPr id="289" name="Rectangle 288">
+          <p:cNvPr id="486" name="Rectangle 485">
             <a:extLst>
               <a:ext uri="{FF2B5EF4-FFF2-40B4-BE49-F238E27FC236}">
-                <a16:creationId xmlns:a16="http://schemas.microsoft.com/office/drawing/2014/main" id="{44568DC1-CD15-46E3-87EA-EE4DF9225733}"/>
+                <a16:creationId xmlns:a16="http://schemas.microsoft.com/office/drawing/2014/main" id="{C5EA621A-1ABE-4A5E-A0AA-81CE869A521E}"/>
               </a:ext>
             </a:extLst>
           </p:cNvPr>
@@ -10514,7 +13648,7 @@
         </p:nvSpPr>
         <p:spPr>
           <a:xfrm>
-            <a:off x="1348946" y="-241563"/>
+            <a:off x="1572086" y="-224589"/>
             <a:ext cx="1512943" cy="1166298"/>
           </a:xfrm>
           <a:prstGeom prst="rect">
@@ -10570,63 +13704,17 @@
                 <a:latin typeface="Arial" panose="020B0604020202020204" pitchFamily="34" charset="0"/>
                 <a:cs typeface="Arial" panose="020B0604020202020204" pitchFamily="34" charset="0"/>
               </a:rPr>
-              <a:t>Could traditional training for PEFs be effectively applied also for ecPoint forecasts?</a:t>
+              <a:t>Can traditional guidelines for interpreting PEFs be effectively used also to understand ecPoint forecasts?</a:t>
             </a:r>
           </a:p>
         </p:txBody>
       </p:sp>
-      <p:cxnSp>
-        <p:nvCxnSpPr>
-          <p:cNvPr id="290" name="Straight Arrow Connector 289">
+      <p:sp>
+        <p:nvSpPr>
+          <p:cNvPr id="487" name="Rectangle: Rounded Corners 486">
             <a:extLst>
               <a:ext uri="{FF2B5EF4-FFF2-40B4-BE49-F238E27FC236}">
-                <a16:creationId xmlns:a16="http://schemas.microsoft.com/office/drawing/2014/main" id="{4C172158-B87E-404E-B7D5-7B0976468CF4}"/>
-              </a:ext>
-            </a:extLst>
-          </p:cNvPr>
-          <p:cNvCxnSpPr>
-            <a:cxnSpLocks/>
-            <a:stCxn id="270" idx="2"/>
-            <a:endCxn id="272" idx="0"/>
-          </p:cNvCxnSpPr>
-          <p:nvPr/>
-        </p:nvCxnSpPr>
-        <p:spPr>
-          <a:xfrm>
-            <a:off x="2104230" y="1603497"/>
-            <a:ext cx="0" cy="180000"/>
-          </a:xfrm>
-          <a:prstGeom prst="straightConnector1">
-            <a:avLst/>
-          </a:prstGeom>
-          <a:ln>
-            <a:solidFill>
-              <a:srgbClr val="787878"/>
-            </a:solidFill>
-            <a:tailEnd type="triangle"/>
-          </a:ln>
-        </p:spPr>
-        <p:style>
-          <a:lnRef idx="1">
-            <a:schemeClr val="accent1"/>
-          </a:lnRef>
-          <a:fillRef idx="0">
-            <a:schemeClr val="accent1"/>
-          </a:fillRef>
-          <a:effectRef idx="0">
-            <a:schemeClr val="accent1"/>
-          </a:effectRef>
-          <a:fontRef idx="minor">
-            <a:schemeClr val="tx1"/>
-          </a:fontRef>
-        </p:style>
-      </p:cxnSp>
-      <p:sp>
-        <p:nvSpPr>
-          <p:cNvPr id="291" name="Rectangle: Rounded Corners 290">
-            <a:extLst>
-              <a:ext uri="{FF2B5EF4-FFF2-40B4-BE49-F238E27FC236}">
-                <a16:creationId xmlns:a16="http://schemas.microsoft.com/office/drawing/2014/main" id="{EF5A0844-CEAE-44E8-8196-AC0841D0F512}"/>
+                <a16:creationId xmlns:a16="http://schemas.microsoft.com/office/drawing/2014/main" id="{B76A406E-8FD9-481E-A564-E98C5B9F7752}"/>
               </a:ext>
             </a:extLst>
           </p:cNvPr>
@@ -10635,8 +13723,8 @@
         </p:nvSpPr>
         <p:spPr>
           <a:xfrm>
-            <a:off x="934230" y="2082861"/>
-            <a:ext cx="2340000" cy="250434"/>
+            <a:off x="1270912" y="1928090"/>
+            <a:ext cx="2115291" cy="250434"/>
           </a:xfrm>
           <a:prstGeom prst="roundRect">
             <a:avLst>
@@ -10686,30 +13774,31 @@
                 <a:latin typeface="Arial" panose="020B0604020202020204" pitchFamily="34" charset="0"/>
                 <a:cs typeface="Arial" panose="020B0604020202020204" pitchFamily="34" charset="0"/>
               </a:rPr>
-              <a:t>Use over a 1-year period of ecPoint-Rainfall to predicting extreme localized events operational environments</a:t>
+              <a:t>Use of ecPoint-Rainfall in an operational environment to predict extreme localized rainfall events.</a:t>
             </a:r>
           </a:p>
         </p:txBody>
       </p:sp>
       <p:cxnSp>
         <p:nvCxnSpPr>
-          <p:cNvPr id="292" name="Straight Arrow Connector 291">
+          <p:cNvPr id="488" name="Straight Arrow Connector 487">
             <a:extLst>
               <a:ext uri="{FF2B5EF4-FFF2-40B4-BE49-F238E27FC236}">
-                <a16:creationId xmlns:a16="http://schemas.microsoft.com/office/drawing/2014/main" id="{C6736CA6-68F1-448F-A89C-B471B62BE487}"/>
+                <a16:creationId xmlns:a16="http://schemas.microsoft.com/office/drawing/2014/main" id="{25235E40-861D-42FD-9785-9DE68838D344}"/>
               </a:ext>
             </a:extLst>
           </p:cNvPr>
           <p:cNvCxnSpPr>
             <a:cxnSpLocks/>
-            <a:stCxn id="281" idx="2"/>
+            <a:stCxn id="478" idx="2"/>
+            <a:endCxn id="509" idx="0"/>
           </p:cNvCxnSpPr>
           <p:nvPr/>
         </p:nvCxnSpPr>
         <p:spPr>
           <a:xfrm>
-            <a:off x="2112690" y="5476914"/>
-            <a:ext cx="0" cy="180000"/>
+            <a:off x="2331874" y="5161107"/>
+            <a:ext cx="3921" cy="177877"/>
           </a:xfrm>
           <a:prstGeom prst="straightConnector1">
             <a:avLst/>
@@ -10738,10 +13827,10 @@
       </p:cxnSp>
       <p:sp>
         <p:nvSpPr>
-          <p:cNvPr id="293" name="Rectangle 292">
+          <p:cNvPr id="489" name="Rectangle 488">
             <a:extLst>
               <a:ext uri="{FF2B5EF4-FFF2-40B4-BE49-F238E27FC236}">
-                <a16:creationId xmlns:a16="http://schemas.microsoft.com/office/drawing/2014/main" id="{3741A75E-2684-4285-A509-E6300CDB9DB5}"/>
+                <a16:creationId xmlns:a16="http://schemas.microsoft.com/office/drawing/2014/main" id="{B52029EA-D598-4E53-B992-ABA34CDA8998}"/>
               </a:ext>
             </a:extLst>
           </p:cNvPr>
@@ -10750,14 +13839,14 @@
         </p:nvSpPr>
         <p:spPr>
           <a:xfrm>
-            <a:off x="860825" y="1987198"/>
-            <a:ext cx="2462400" cy="830646"/>
+            <a:off x="1173370" y="1818828"/>
+            <a:ext cx="2268000" cy="830646"/>
           </a:xfrm>
           <a:prstGeom prst="rect">
             <a:avLst/>
           </a:prstGeom>
           <a:noFill/>
-          <a:ln w="28575">
+          <a:ln w="12700">
             <a:solidFill>
               <a:srgbClr val="0000FF"/>
             </a:solidFill>
@@ -10798,24 +13887,22 @@
       </p:sp>
       <p:cxnSp>
         <p:nvCxnSpPr>
-          <p:cNvPr id="294" name="Straight Arrow Connector 293">
+          <p:cNvPr id="490" name="Straight Arrow Connector 489">
             <a:extLst>
               <a:ext uri="{FF2B5EF4-FFF2-40B4-BE49-F238E27FC236}">
-                <a16:creationId xmlns:a16="http://schemas.microsoft.com/office/drawing/2014/main" id="{9C5AFBCE-A318-4F05-BA05-4FEBFF9EE885}"/>
+                <a16:creationId xmlns:a16="http://schemas.microsoft.com/office/drawing/2014/main" id="{FD6CE3EE-599C-432B-BB56-85AB48FE0E2F}"/>
               </a:ext>
             </a:extLst>
           </p:cNvPr>
           <p:cNvCxnSpPr>
             <a:cxnSpLocks/>
-            <a:stCxn id="272" idx="2"/>
-            <a:endCxn id="291" idx="0"/>
           </p:cNvCxnSpPr>
           <p:nvPr/>
         </p:nvCxnSpPr>
         <p:spPr>
-          <a:xfrm>
-            <a:off x="2104230" y="1913907"/>
-            <a:ext cx="0" cy="180000"/>
+          <a:xfrm flipH="1">
+            <a:off x="2327488" y="1752739"/>
+            <a:ext cx="2139" cy="179999"/>
           </a:xfrm>
           <a:prstGeom prst="straightConnector1">
             <a:avLst/>
@@ -10844,23 +13931,21 @@
       </p:cxnSp>
       <p:cxnSp>
         <p:nvCxnSpPr>
-          <p:cNvPr id="295" name="Straight Arrow Connector 294">
+          <p:cNvPr id="491" name="Straight Arrow Connector 490">
             <a:extLst>
               <a:ext uri="{FF2B5EF4-FFF2-40B4-BE49-F238E27FC236}">
-                <a16:creationId xmlns:a16="http://schemas.microsoft.com/office/drawing/2014/main" id="{EBC3655F-6594-4C5E-B153-95243FD02587}"/>
+                <a16:creationId xmlns:a16="http://schemas.microsoft.com/office/drawing/2014/main" id="{4BE0223C-F6BA-4CB4-9B36-41241FDC2F05}"/>
               </a:ext>
             </a:extLst>
           </p:cNvPr>
           <p:cNvCxnSpPr>
             <a:cxnSpLocks/>
-            <a:stCxn id="274" idx="2"/>
-            <a:endCxn id="275" idx="0"/>
           </p:cNvCxnSpPr>
           <p:nvPr/>
         </p:nvCxnSpPr>
         <p:spPr>
           <a:xfrm>
-            <a:off x="2104230" y="2784045"/>
+            <a:off x="2328557" y="2603874"/>
             <a:ext cx="0" cy="180048"/>
           </a:xfrm>
           <a:prstGeom prst="straightConnector1">
@@ -10890,10 +13975,10 @@
       </p:cxnSp>
       <p:sp>
         <p:nvSpPr>
-          <p:cNvPr id="296" name="Rectangle 295">
+          <p:cNvPr id="492" name="Rectangle 491">
             <a:extLst>
               <a:ext uri="{FF2B5EF4-FFF2-40B4-BE49-F238E27FC236}">
-                <a16:creationId xmlns:a16="http://schemas.microsoft.com/office/drawing/2014/main" id="{E3000998-2486-4D2B-8D55-8590EBA9C3C6}"/>
+                <a16:creationId xmlns:a16="http://schemas.microsoft.com/office/drawing/2014/main" id="{771B083D-A159-49F5-949C-2E754AEFC286}"/>
               </a:ext>
             </a:extLst>
           </p:cNvPr>
@@ -10902,16 +13987,16 @@
         </p:nvSpPr>
         <p:spPr>
           <a:xfrm>
-            <a:off x="860825" y="1666802"/>
-            <a:ext cx="2462400" cy="288080"/>
+            <a:off x="1173371" y="1381463"/>
+            <a:ext cx="2268000" cy="409330"/>
           </a:xfrm>
           <a:prstGeom prst="rect">
             <a:avLst/>
           </a:prstGeom>
           <a:noFill/>
-          <a:ln w="28575">
+          <a:ln w="12700">
             <a:solidFill>
-              <a:srgbClr val="00CCFF"/>
+              <a:srgbClr val="FF0000"/>
             </a:solidFill>
             <a:prstDash val="solid"/>
           </a:ln>
@@ -10950,10 +14035,10 @@
       </p:sp>
       <p:sp>
         <p:nvSpPr>
-          <p:cNvPr id="297" name="Rectangle 296">
+          <p:cNvPr id="493" name="Rectangle 492">
             <a:extLst>
               <a:ext uri="{FF2B5EF4-FFF2-40B4-BE49-F238E27FC236}">
-                <a16:creationId xmlns:a16="http://schemas.microsoft.com/office/drawing/2014/main" id="{213E6AAA-91CD-49FD-AFFE-16BCD14145CC}"/>
+                <a16:creationId xmlns:a16="http://schemas.microsoft.com/office/drawing/2014/main" id="{F7362386-B987-4456-915F-1623B14D210E}"/>
               </a:ext>
             </a:extLst>
           </p:cNvPr>
@@ -10962,14 +14047,14 @@
         </p:nvSpPr>
         <p:spPr>
           <a:xfrm>
-            <a:off x="860825" y="2852715"/>
-            <a:ext cx="2462400" cy="269587"/>
+            <a:off x="1173372" y="2672544"/>
+            <a:ext cx="2268000" cy="269587"/>
           </a:xfrm>
           <a:prstGeom prst="rect">
             <a:avLst/>
           </a:prstGeom>
           <a:noFill/>
-          <a:ln w="28575">
+          <a:ln w="12700">
             <a:solidFill>
               <a:srgbClr val="FF0000"/>
             </a:solidFill>
@@ -11010,10 +14095,10 @@
       </p:sp>
       <p:cxnSp>
         <p:nvCxnSpPr>
-          <p:cNvPr id="298" name="Straight Arrow Connector 297">
+          <p:cNvPr id="494" name="Straight Arrow Connector 493">
             <a:extLst>
               <a:ext uri="{FF2B5EF4-FFF2-40B4-BE49-F238E27FC236}">
-                <a16:creationId xmlns:a16="http://schemas.microsoft.com/office/drawing/2014/main" id="{162012AD-BB08-4D44-9FC5-61C14401F757}"/>
+                <a16:creationId xmlns:a16="http://schemas.microsoft.com/office/drawing/2014/main" id="{73BBB493-C094-48FA-B125-2AB5C2730907}"/>
               </a:ext>
             </a:extLst>
           </p:cNvPr>
@@ -11023,9 +14108,9 @@
           <p:nvPr/>
         </p:nvCxnSpPr>
         <p:spPr>
-          <a:xfrm flipH="1" flipV="1">
-            <a:off x="540255" y="3548947"/>
-            <a:ext cx="398159" cy="2"/>
+          <a:xfrm flipH="1">
+            <a:off x="931361" y="3371330"/>
+            <a:ext cx="345544" cy="0"/>
           </a:xfrm>
           <a:prstGeom prst="straightConnector1">
             <a:avLst/>
@@ -11054,10 +14139,10 @@
       </p:cxnSp>
       <p:sp>
         <p:nvSpPr>
-          <p:cNvPr id="299" name="Rectangle 298">
+          <p:cNvPr id="495" name="Rectangle 494">
             <a:extLst>
               <a:ext uri="{FF2B5EF4-FFF2-40B4-BE49-F238E27FC236}">
-                <a16:creationId xmlns:a16="http://schemas.microsoft.com/office/drawing/2014/main" id="{F288CE0E-4305-4ED5-8C12-7025D6988D29}"/>
+                <a16:creationId xmlns:a16="http://schemas.microsoft.com/office/drawing/2014/main" id="{5A0C0298-8DAC-4D51-B7D0-CFAAEA98CC6C}"/>
               </a:ext>
             </a:extLst>
           </p:cNvPr>
@@ -11066,7 +14151,7 @@
         </p:nvSpPr>
         <p:spPr>
           <a:xfrm rot="16200000">
-            <a:off x="580250" y="3477910"/>
+            <a:off x="2138020" y="3303781"/>
             <a:ext cx="381075" cy="156565"/>
           </a:xfrm>
           <a:prstGeom prst="rect">
@@ -11120,95 +14205,26 @@
           </a:p>
         </p:txBody>
       </p:sp>
-      <p:sp>
-        <p:nvSpPr>
-          <p:cNvPr id="300" name="Rectangle: Rounded Corners 299">
+      <p:cxnSp>
+        <p:nvCxnSpPr>
+          <p:cNvPr id="496" name="Straight Arrow Connector 495">
             <a:extLst>
               <a:ext uri="{FF2B5EF4-FFF2-40B4-BE49-F238E27FC236}">
-                <a16:creationId xmlns:a16="http://schemas.microsoft.com/office/drawing/2014/main" id="{BE8BCFD1-0565-4726-926E-EB852550DD67}"/>
-              </a:ext>
-            </a:extLst>
-          </p:cNvPr>
-          <p:cNvSpPr/>
-          <p:nvPr/>
-        </p:nvSpPr>
-        <p:spPr>
-          <a:xfrm>
-            <a:off x="19455" y="3343275"/>
-            <a:ext cx="520800" cy="387201"/>
-          </a:xfrm>
-          <a:prstGeom prst="roundRect">
-            <a:avLst>
-              <a:gd name="adj" fmla="val 0"/>
-            </a:avLst>
-          </a:prstGeom>
-          <a:solidFill>
-            <a:schemeClr val="bg2"/>
-          </a:solidFill>
-          <a:ln w="3175">
-            <a:solidFill>
-              <a:schemeClr val="bg2">
-                <a:lumMod val="50000"/>
-              </a:schemeClr>
-            </a:solidFill>
-          </a:ln>
-        </p:spPr>
-        <p:style>
-          <a:lnRef idx="2">
-            <a:schemeClr val="accent1">
-              <a:shade val="50000"/>
-            </a:schemeClr>
-          </a:lnRef>
-          <a:fillRef idx="1">
-            <a:schemeClr val="accent1"/>
-          </a:fillRef>
-          <a:effectRef idx="0">
-            <a:schemeClr val="accent1"/>
-          </a:effectRef>
-          <a:fontRef idx="minor">
-            <a:schemeClr val="lt1"/>
-          </a:fontRef>
-        </p:style>
-        <p:txBody>
-          <a:bodyPr rtlCol="0" anchor="ctr"/>
-          <a:lstStyle/>
-          <a:p>
-            <a:pPr algn="ctr"/>
-            <a:r>
-              <a:rPr lang="en-GB" sz="600" dirty="0">
-                <a:solidFill>
-                  <a:schemeClr val="tx1">
-                    <a:lumMod val="65000"/>
-                    <a:lumOff val="35000"/>
-                  </a:schemeClr>
-                </a:solidFill>
-                <a:latin typeface="Arial" panose="020B0604020202020204" pitchFamily="34" charset="0"/>
-                <a:cs typeface="Arial" panose="020B0604020202020204" pitchFamily="34" charset="0"/>
-              </a:rPr>
-              <a:t>No further actions needed </a:t>
-            </a:r>
-          </a:p>
-        </p:txBody>
-      </p:sp>
-      <p:cxnSp>
-        <p:nvCxnSpPr>
-          <p:cNvPr id="301" name="Straight Arrow Connector 300">
-            <a:extLst>
-              <a:ext uri="{FF2B5EF4-FFF2-40B4-BE49-F238E27FC236}">
-                <a16:creationId xmlns:a16="http://schemas.microsoft.com/office/drawing/2014/main" id="{E8CDA24D-5ECE-43D7-A86D-70A08F8609FB}"/>
+                <a16:creationId xmlns:a16="http://schemas.microsoft.com/office/drawing/2014/main" id="{4CC46B00-2108-45BE-9226-F9FE3AF77D13}"/>
               </a:ext>
             </a:extLst>
           </p:cNvPr>
           <p:cNvCxnSpPr>
             <a:cxnSpLocks/>
-            <a:endCxn id="277" idx="0"/>
+            <a:stCxn id="507" idx="2"/>
+            <a:endCxn id="474" idx="0"/>
           </p:cNvCxnSpPr>
           <p:nvPr/>
         </p:nvCxnSpPr>
         <p:spPr>
-          <a:xfrm flipH="1">
-            <a:off x="2105413" y="3836907"/>
-            <a:ext cx="7280" cy="327266"/>
+          <a:xfrm>
+            <a:off x="2328558" y="3655138"/>
+            <a:ext cx="0" cy="328863"/>
           </a:xfrm>
           <a:prstGeom prst="straightConnector1">
             <a:avLst/>
@@ -11237,10 +14253,10 @@
       </p:cxnSp>
       <p:sp>
         <p:nvSpPr>
-          <p:cNvPr id="302" name="Rectangle 301">
+          <p:cNvPr id="497" name="Rectangle 496">
             <a:extLst>
               <a:ext uri="{FF2B5EF4-FFF2-40B4-BE49-F238E27FC236}">
-                <a16:creationId xmlns:a16="http://schemas.microsoft.com/office/drawing/2014/main" id="{D475A319-3FD8-42E1-92AA-B86C5CF7D331}"/>
+                <a16:creationId xmlns:a16="http://schemas.microsoft.com/office/drawing/2014/main" id="{17275D91-855A-44CA-B216-D400EFB231F3}"/>
               </a:ext>
             </a:extLst>
           </p:cNvPr>
@@ -11249,7 +14265,7 @@
         </p:nvSpPr>
         <p:spPr>
           <a:xfrm>
-            <a:off x="1963122" y="3884662"/>
+            <a:off x="2172320" y="3704491"/>
             <a:ext cx="312475" cy="128568"/>
           </a:xfrm>
           <a:prstGeom prst="rect">
@@ -11305,10 +14321,10 @@
       </p:sp>
       <p:sp>
         <p:nvSpPr>
-          <p:cNvPr id="303" name="Rectangle 302">
+          <p:cNvPr id="498" name="Rectangle 497">
             <a:extLst>
               <a:ext uri="{FF2B5EF4-FFF2-40B4-BE49-F238E27FC236}">
-                <a16:creationId xmlns:a16="http://schemas.microsoft.com/office/drawing/2014/main" id="{2CD0A760-B455-426E-92D3-424CFEB9061A}"/>
+                <a16:creationId xmlns:a16="http://schemas.microsoft.com/office/drawing/2014/main" id="{ED8A156E-BA61-4013-B500-A30E690539CA}"/>
               </a:ext>
             </a:extLst>
           </p:cNvPr>
@@ -11317,14 +14333,14 @@
         </p:nvSpPr>
         <p:spPr>
           <a:xfrm>
-            <a:off x="860825" y="4051309"/>
-            <a:ext cx="2462400" cy="1486597"/>
+            <a:off x="1173372" y="3871139"/>
+            <a:ext cx="2268000" cy="1324384"/>
           </a:xfrm>
           <a:prstGeom prst="rect">
             <a:avLst/>
           </a:prstGeom>
           <a:noFill/>
-          <a:ln w="28575">
+          <a:ln w="12700">
             <a:solidFill>
               <a:srgbClr val="00CCFF"/>
             </a:solidFill>
@@ -11365,10 +14381,10 @@
       </p:sp>
       <p:sp>
         <p:nvSpPr>
-          <p:cNvPr id="304" name="Rectangle 303">
+          <p:cNvPr id="499" name="Rectangle 498">
             <a:extLst>
               <a:ext uri="{FF2B5EF4-FFF2-40B4-BE49-F238E27FC236}">
-                <a16:creationId xmlns:a16="http://schemas.microsoft.com/office/drawing/2014/main" id="{7946BFAE-6D41-4881-90FF-90669DF705AB}"/>
+                <a16:creationId xmlns:a16="http://schemas.microsoft.com/office/drawing/2014/main" id="{33BA6D74-B854-4FAC-9490-294744848051}"/>
               </a:ext>
             </a:extLst>
           </p:cNvPr>
@@ -11377,7 +14393,7 @@
         </p:nvSpPr>
         <p:spPr>
           <a:xfrm rot="16200000">
-            <a:off x="560779" y="5877954"/>
+            <a:off x="901435" y="5533942"/>
             <a:ext cx="325898" cy="133683"/>
           </a:xfrm>
           <a:prstGeom prst="rect">
@@ -11433,10 +14449,10 @@
       </p:sp>
       <p:sp>
         <p:nvSpPr>
-          <p:cNvPr id="305" name="Rectangle 304">
+          <p:cNvPr id="500" name="Rectangle 499">
             <a:extLst>
               <a:ext uri="{FF2B5EF4-FFF2-40B4-BE49-F238E27FC236}">
-                <a16:creationId xmlns:a16="http://schemas.microsoft.com/office/drawing/2014/main" id="{8D629A1A-4260-4B60-B0B1-8770137A14A9}"/>
+                <a16:creationId xmlns:a16="http://schemas.microsoft.com/office/drawing/2014/main" id="{2AD6411D-2E8F-4679-B775-AB36E7CC34CF}"/>
               </a:ext>
             </a:extLst>
           </p:cNvPr>
@@ -11445,8 +14461,8 @@
         </p:nvSpPr>
         <p:spPr>
           <a:xfrm>
-            <a:off x="-25575" y="532664"/>
-            <a:ext cx="1164169" cy="351941"/>
+            <a:off x="134101" y="1401802"/>
+            <a:ext cx="872646" cy="351941"/>
           </a:xfrm>
           <a:prstGeom prst="rect">
             <a:avLst/>
@@ -11477,6 +14493,7 @@
           <a:bodyPr rtlCol="0" anchor="ctr"/>
           <a:lstStyle/>
           <a:p>
+            <a:pPr algn="ctr"/>
             <a:r>
               <a:rPr lang="en-GB" sz="600" dirty="0">
                 <a:solidFill>
@@ -11495,10 +14512,10 @@
       </p:sp>
       <p:sp>
         <p:nvSpPr>
-          <p:cNvPr id="306" name="Rectangle 305">
+          <p:cNvPr id="501" name="Rectangle 500">
             <a:extLst>
               <a:ext uri="{FF2B5EF4-FFF2-40B4-BE49-F238E27FC236}">
-                <a16:creationId xmlns:a16="http://schemas.microsoft.com/office/drawing/2014/main" id="{D4E8D277-3A0D-4F86-92C1-7C4F41DB56AE}"/>
+                <a16:creationId xmlns:a16="http://schemas.microsoft.com/office/drawing/2014/main" id="{C1A1EB64-361E-405B-B0C2-B191926B6DB4}"/>
               </a:ext>
             </a:extLst>
           </p:cNvPr>
@@ -11507,7 +14524,7 @@
         </p:nvSpPr>
         <p:spPr>
           <a:xfrm>
-            <a:off x="-25575" y="679728"/>
+            <a:off x="134101" y="1600981"/>
             <a:ext cx="872646" cy="353392"/>
           </a:xfrm>
           <a:prstGeom prst="rect">
@@ -11539,6 +14556,7 @@
           <a:bodyPr rtlCol="0" anchor="ctr"/>
           <a:lstStyle/>
           <a:p>
+            <a:pPr algn="ctr"/>
             <a:r>
               <a:rPr lang="en-GB" sz="600" dirty="0">
                 <a:solidFill>
@@ -11550,17 +14568,17 @@
                 <a:latin typeface="Arial" panose="020B0604020202020204" pitchFamily="34" charset="0"/>
                 <a:cs typeface="Arial" panose="020B0604020202020204" pitchFamily="34" charset="0"/>
               </a:rPr>
-              <a:t>IMN &amp; OMSZ</a:t>
+              <a:t>Volunteer Testers</a:t>
             </a:r>
           </a:p>
         </p:txBody>
       </p:sp>
       <p:sp>
         <p:nvSpPr>
-          <p:cNvPr id="307" name="Rectangle 306">
+          <p:cNvPr id="502" name="Rectangle 501">
             <a:extLst>
               <a:ext uri="{FF2B5EF4-FFF2-40B4-BE49-F238E27FC236}">
-                <a16:creationId xmlns:a16="http://schemas.microsoft.com/office/drawing/2014/main" id="{B49C64FA-A57C-4AAC-9A08-0402CF70623F}"/>
+                <a16:creationId xmlns:a16="http://schemas.microsoft.com/office/drawing/2014/main" id="{73D9DAE7-09B1-4B43-A644-EEACF9A45090}"/>
               </a:ext>
             </a:extLst>
           </p:cNvPr>
@@ -11569,7 +14587,7 @@
         </p:nvSpPr>
         <p:spPr>
           <a:xfrm>
-            <a:off x="-25575" y="828244"/>
+            <a:off x="-10465" y="1801611"/>
             <a:ext cx="1161779" cy="353392"/>
           </a:xfrm>
           <a:prstGeom prst="rect">
@@ -11601,6 +14619,7 @@
           <a:bodyPr rtlCol="0" anchor="ctr"/>
           <a:lstStyle/>
           <a:p>
+            <a:pPr algn="ctr"/>
             <a:r>
               <a:rPr lang="en-GB" sz="600" dirty="0">
                 <a:solidFill>
@@ -11612,17 +14631,17 @@
                 <a:latin typeface="Arial" panose="020B0604020202020204" pitchFamily="34" charset="0"/>
                 <a:cs typeface="Arial" panose="020B0604020202020204" pitchFamily="34" charset="0"/>
               </a:rPr>
-              <a:t>ecPoint Dev, IMN &amp; OMSZ</a:t>
+              <a:t>Developers &amp; Testers</a:t>
             </a:r>
           </a:p>
         </p:txBody>
       </p:sp>
       <p:cxnSp>
         <p:nvCxnSpPr>
-          <p:cNvPr id="308" name="Straight Connector 307">
+          <p:cNvPr id="503" name="Straight Connector 502">
             <a:extLst>
               <a:ext uri="{FF2B5EF4-FFF2-40B4-BE49-F238E27FC236}">
-                <a16:creationId xmlns:a16="http://schemas.microsoft.com/office/drawing/2014/main" id="{978CC93A-5C8C-47A0-AAC2-BE127B046E39}"/>
+                <a16:creationId xmlns:a16="http://schemas.microsoft.com/office/drawing/2014/main" id="{447ADC49-DE8E-4391-AF95-6075F0AB9F1F}"/>
               </a:ext>
             </a:extLst>
           </p:cNvPr>
@@ -11633,8 +14652,8 @@
         </p:nvCxnSpPr>
         <p:spPr>
           <a:xfrm>
-            <a:off x="64494" y="765246"/>
-            <a:ext cx="730290" cy="0"/>
+            <a:off x="192424" y="1626562"/>
+            <a:ext cx="756000" cy="0"/>
           </a:xfrm>
           <a:prstGeom prst="line">
             <a:avLst/>
@@ -11663,10 +14682,10 @@
       </p:cxnSp>
       <p:cxnSp>
         <p:nvCxnSpPr>
-          <p:cNvPr id="309" name="Straight Connector 308">
+          <p:cNvPr id="504" name="Straight Connector 503">
             <a:extLst>
               <a:ext uri="{FF2B5EF4-FFF2-40B4-BE49-F238E27FC236}">
-                <a16:creationId xmlns:a16="http://schemas.microsoft.com/office/drawing/2014/main" id="{ADC1412A-3E87-4ABA-ABEE-E0A3B283540F}"/>
+                <a16:creationId xmlns:a16="http://schemas.microsoft.com/office/drawing/2014/main" id="{A483954F-3022-480B-9ED0-738FB42BFE1E}"/>
               </a:ext>
             </a:extLst>
           </p:cNvPr>
@@ -11677,8 +14696,8 @@
         </p:nvCxnSpPr>
         <p:spPr>
           <a:xfrm>
-            <a:off x="64494" y="904104"/>
-            <a:ext cx="463839" cy="0"/>
+            <a:off x="192424" y="1827192"/>
+            <a:ext cx="756000" cy="0"/>
           </a:xfrm>
           <a:prstGeom prst="line">
             <a:avLst/>
@@ -11707,10 +14726,10 @@
       </p:cxnSp>
       <p:cxnSp>
         <p:nvCxnSpPr>
-          <p:cNvPr id="310" name="Straight Connector 309">
+          <p:cNvPr id="505" name="Straight Connector 504">
             <a:extLst>
               <a:ext uri="{FF2B5EF4-FFF2-40B4-BE49-F238E27FC236}">
-                <a16:creationId xmlns:a16="http://schemas.microsoft.com/office/drawing/2014/main" id="{1B7820F5-4B82-4A4C-A8EC-6D111BCCE8A4}"/>
+                <a16:creationId xmlns:a16="http://schemas.microsoft.com/office/drawing/2014/main" id="{618F1C76-45AA-4CA8-8189-0B44E0940D55}"/>
               </a:ext>
             </a:extLst>
           </p:cNvPr>
@@ -11721,8 +14740,8 @@
         </p:nvCxnSpPr>
         <p:spPr>
           <a:xfrm>
-            <a:off x="64494" y="1063754"/>
-            <a:ext cx="958038" cy="0"/>
+            <a:off x="192424" y="2027821"/>
+            <a:ext cx="756000" cy="0"/>
           </a:xfrm>
           <a:prstGeom prst="line">
             <a:avLst/>
@@ -11751,10 +14770,10 @@
       </p:cxnSp>
       <p:sp>
         <p:nvSpPr>
-          <p:cNvPr id="311" name="Rectangle 310">
+          <p:cNvPr id="506" name="Rectangle 505">
             <a:extLst>
               <a:ext uri="{FF2B5EF4-FFF2-40B4-BE49-F238E27FC236}">
-                <a16:creationId xmlns:a16="http://schemas.microsoft.com/office/drawing/2014/main" id="{6B3979BA-7712-4709-9029-0DAD87296012}"/>
+                <a16:creationId xmlns:a16="http://schemas.microsoft.com/office/drawing/2014/main" id="{4F4C3D15-1D32-42F1-BB42-269A2A8C309A}"/>
               </a:ext>
             </a:extLst>
           </p:cNvPr>
@@ -11763,7 +14782,7 @@
         </p:nvSpPr>
         <p:spPr>
           <a:xfrm>
-            <a:off x="1053208" y="108450"/>
+            <a:off x="1276361" y="134389"/>
             <a:ext cx="2104392" cy="143515"/>
           </a:xfrm>
           <a:prstGeom prst="rect">
@@ -11813,10 +14832,10 @@
       </p:sp>
       <p:sp>
         <p:nvSpPr>
-          <p:cNvPr id="312" name="Rectangle 311">
+          <p:cNvPr id="507" name="Diamond 506">
             <a:extLst>
               <a:ext uri="{FF2B5EF4-FFF2-40B4-BE49-F238E27FC236}">
-                <a16:creationId xmlns:a16="http://schemas.microsoft.com/office/drawing/2014/main" id="{28C140F9-2A51-4962-B89D-BCF674EBA79D}"/>
+                <a16:creationId xmlns:a16="http://schemas.microsoft.com/office/drawing/2014/main" id="{109B0D16-3A89-4EAE-AD28-62971053DFB3}"/>
               </a:ext>
             </a:extLst>
           </p:cNvPr>
@@ -11825,68 +14844,8 @@
         </p:nvSpPr>
         <p:spPr>
           <a:xfrm>
-            <a:off x="860824" y="1231800"/>
-            <a:ext cx="2462400" cy="405509"/>
-          </a:xfrm>
-          <a:prstGeom prst="rect">
-            <a:avLst/>
-          </a:prstGeom>
-          <a:noFill/>
-          <a:ln w="28575">
-            <a:solidFill>
-              <a:srgbClr val="FF0000"/>
-            </a:solidFill>
-            <a:prstDash val="solid"/>
-          </a:ln>
-        </p:spPr>
-        <p:style>
-          <a:lnRef idx="2">
-            <a:schemeClr val="accent1">
-              <a:shade val="50000"/>
-            </a:schemeClr>
-          </a:lnRef>
-          <a:fillRef idx="1">
-            <a:schemeClr val="accent1"/>
-          </a:fillRef>
-          <a:effectRef idx="0">
-            <a:schemeClr val="accent1"/>
-          </a:effectRef>
-          <a:fontRef idx="minor">
-            <a:schemeClr val="lt1"/>
-          </a:fontRef>
-        </p:style>
-        <p:txBody>
-          <a:bodyPr rtlCol="0" anchor="ctr"/>
-          <a:lstStyle/>
-          <a:p>
-            <a:pPr algn="ctr"/>
-            <a:endParaRPr lang="en-GB" sz="600">
-              <a:solidFill>
-                <a:schemeClr val="tx1">
-                  <a:lumMod val="65000"/>
-                  <a:lumOff val="35000"/>
-                </a:schemeClr>
-              </a:solidFill>
-            </a:endParaRPr>
-          </a:p>
-        </p:txBody>
-      </p:sp>
-      <p:sp>
-        <p:nvSpPr>
-          <p:cNvPr id="313" name="Diamond 312">
-            <a:extLst>
-              <a:ext uri="{FF2B5EF4-FFF2-40B4-BE49-F238E27FC236}">
-                <a16:creationId xmlns:a16="http://schemas.microsoft.com/office/drawing/2014/main" id="{6A2C3AAB-950D-4FFC-8F52-5BD4D0B71C15}"/>
-              </a:ext>
-            </a:extLst>
-          </p:cNvPr>
-          <p:cNvSpPr/>
-          <p:nvPr/>
-        </p:nvSpPr>
-        <p:spPr>
-          <a:xfrm>
-            <a:off x="936688" y="3270093"/>
-            <a:ext cx="2342364" cy="565216"/>
+            <a:off x="1268500" y="3089922"/>
+            <a:ext cx="2120115" cy="565216"/>
           </a:xfrm>
           <a:prstGeom prst="diamond">
             <a:avLst/>
@@ -11938,10 +14897,10 @@
       </p:sp>
       <p:sp>
         <p:nvSpPr>
-          <p:cNvPr id="314" name="Rectangle 313">
+          <p:cNvPr id="508" name="Rectangle 507">
             <a:extLst>
               <a:ext uri="{FF2B5EF4-FFF2-40B4-BE49-F238E27FC236}">
-                <a16:creationId xmlns:a16="http://schemas.microsoft.com/office/drawing/2014/main" id="{D4CCE2B4-693F-4FDC-88F0-3DE487922A31}"/>
+                <a16:creationId xmlns:a16="http://schemas.microsoft.com/office/drawing/2014/main" id="{4E6C7F05-8A95-4CFE-9C21-69F6F17D8894}"/>
               </a:ext>
             </a:extLst>
           </p:cNvPr>
@@ -11950,8 +14909,8 @@
         </p:nvSpPr>
         <p:spPr>
           <a:xfrm>
-            <a:off x="1225494" y="2966071"/>
-            <a:ext cx="1733890" cy="1166298"/>
+            <a:off x="1587136" y="2753363"/>
+            <a:ext cx="1482842" cy="1166298"/>
           </a:xfrm>
           <a:prstGeom prst="rect">
             <a:avLst/>
@@ -12006,17 +14965,17 @@
                 <a:latin typeface="Arial" panose="020B0604020202020204" pitchFamily="34" charset="0"/>
                 <a:cs typeface="Arial" panose="020B0604020202020204" pitchFamily="34" charset="0"/>
               </a:rPr>
-              <a:t>Is the UND-EFF relationship for ecPoint forecasts similar to the one for traditional PEFs?</a:t>
+              <a:t>Is ecPoint’s UND-EFF relationship similar to the one for PEFs?</a:t>
             </a:r>
           </a:p>
         </p:txBody>
       </p:sp>
       <p:sp>
         <p:nvSpPr>
-          <p:cNvPr id="315" name="Diamond 314">
+          <p:cNvPr id="509" name="Diamond 508">
             <a:extLst>
               <a:ext uri="{FF2B5EF4-FFF2-40B4-BE49-F238E27FC236}">
-                <a16:creationId xmlns:a16="http://schemas.microsoft.com/office/drawing/2014/main" id="{AB04B315-11F6-42A6-8270-B4B7D5915257}"/>
+                <a16:creationId xmlns:a16="http://schemas.microsoft.com/office/drawing/2014/main" id="{2E254674-B4A1-45B3-9ADE-F4EB5E3E751D}"/>
               </a:ext>
             </a:extLst>
           </p:cNvPr>
@@ -12025,8 +14984,8 @@
         </p:nvSpPr>
         <p:spPr>
           <a:xfrm>
-            <a:off x="940325" y="5657021"/>
-            <a:ext cx="2342364" cy="565216"/>
+            <a:off x="1273919" y="5338984"/>
+            <a:ext cx="2123752" cy="565216"/>
           </a:xfrm>
           <a:prstGeom prst="diamond">
             <a:avLst/>
@@ -12078,10 +15037,10 @@
       </p:sp>
       <p:sp>
         <p:nvSpPr>
-          <p:cNvPr id="316" name="Rectangle 315">
+          <p:cNvPr id="510" name="Rectangle 509">
             <a:extLst>
               <a:ext uri="{FF2B5EF4-FFF2-40B4-BE49-F238E27FC236}">
-                <a16:creationId xmlns:a16="http://schemas.microsoft.com/office/drawing/2014/main" id="{F7A72E84-50FD-4F8C-B003-B9FC56519677}"/>
+                <a16:creationId xmlns:a16="http://schemas.microsoft.com/office/drawing/2014/main" id="{4616446E-1252-4FB9-B48E-F1D60884A883}"/>
               </a:ext>
             </a:extLst>
           </p:cNvPr>
@@ -12090,7 +15049,7 @@
         </p:nvSpPr>
         <p:spPr>
           <a:xfrm>
-            <a:off x="1373519" y="5340722"/>
+            <a:off x="1563074" y="4993187"/>
             <a:ext cx="1528555" cy="1166298"/>
           </a:xfrm>
           <a:prstGeom prst="rect">
@@ -12146,17 +15105,17 @@
                 <a:latin typeface="Arial" panose="020B0604020202020204" pitchFamily="34" charset="0"/>
                 <a:cs typeface="Arial" panose="020B0604020202020204" pitchFamily="34" charset="0"/>
               </a:rPr>
-              <a:t>Do forecasters think ecPoint forecasts are more effectively explained with the revised guidance?</a:t>
+              <a:t>Are ecPoint forecasts more effectively explained with the revised guidelines?</a:t>
             </a:r>
           </a:p>
         </p:txBody>
       </p:sp>
       <p:cxnSp>
         <p:nvCxnSpPr>
-          <p:cNvPr id="317" name="Straight Arrow Connector 316">
+          <p:cNvPr id="511" name="Straight Arrow Connector 510">
             <a:extLst>
               <a:ext uri="{FF2B5EF4-FFF2-40B4-BE49-F238E27FC236}">
-                <a16:creationId xmlns:a16="http://schemas.microsoft.com/office/drawing/2014/main" id="{8371891C-C35F-4C45-862D-DF7D764031CF}"/>
+                <a16:creationId xmlns:a16="http://schemas.microsoft.com/office/drawing/2014/main" id="{D4395B70-F4DE-4B51-B3B6-5F2386026E0E}"/>
               </a:ext>
             </a:extLst>
           </p:cNvPr>
@@ -12167,7 +15126,7 @@
         </p:nvCxnSpPr>
         <p:spPr>
           <a:xfrm>
-            <a:off x="2128969" y="6727772"/>
+            <a:off x="2337564" y="6471193"/>
             <a:ext cx="0" cy="180000"/>
           </a:xfrm>
           <a:prstGeom prst="straightConnector1">
@@ -12197,10 +15156,10 @@
       </p:cxnSp>
       <p:sp>
         <p:nvSpPr>
-          <p:cNvPr id="318" name="Rectangle: Rounded Corners 317">
+          <p:cNvPr id="512" name="Rectangle: Rounded Corners 511">
             <a:extLst>
               <a:ext uri="{FF2B5EF4-FFF2-40B4-BE49-F238E27FC236}">
-                <a16:creationId xmlns:a16="http://schemas.microsoft.com/office/drawing/2014/main" id="{037BB11E-BD44-433F-9B5E-7B0A0950D260}"/>
+                <a16:creationId xmlns:a16="http://schemas.microsoft.com/office/drawing/2014/main" id="{4AB6B2D2-54F4-4460-89DD-70C988F84666}"/>
               </a:ext>
             </a:extLst>
           </p:cNvPr>
@@ -12209,8 +15168,8 @@
         </p:nvSpPr>
         <p:spPr>
           <a:xfrm>
-            <a:off x="1447950" y="6901192"/>
-            <a:ext cx="1312559" cy="232229"/>
+            <a:off x="1754448" y="6644613"/>
+            <a:ext cx="1166232" cy="232229"/>
           </a:xfrm>
           <a:prstGeom prst="roundRect">
             <a:avLst>
@@ -12263,7 +15222,593 @@
                 <a:latin typeface="Arial" panose="020B0604020202020204" pitchFamily="34" charset="0"/>
                 <a:cs typeface="Arial" panose="020B0604020202020204" pitchFamily="34" charset="0"/>
               </a:rPr>
-              <a:t>Research Experiment Ends</a:t>
+              <a:t>Experiment Ends</a:t>
+            </a:r>
+          </a:p>
+        </p:txBody>
+      </p:sp>
+      <p:sp>
+        <p:nvSpPr>
+          <p:cNvPr id="513" name="Parallelogram 512">
+            <a:extLst>
+              <a:ext uri="{FF2B5EF4-FFF2-40B4-BE49-F238E27FC236}">
+                <a16:creationId xmlns:a16="http://schemas.microsoft.com/office/drawing/2014/main" id="{0821C3C3-DAFA-4D1C-BDA4-9E18E9B3E9F0}"/>
+              </a:ext>
+            </a:extLst>
+          </p:cNvPr>
+          <p:cNvSpPr/>
+          <p:nvPr/>
+        </p:nvSpPr>
+        <p:spPr>
+          <a:xfrm>
+            <a:off x="32881" y="3029708"/>
+            <a:ext cx="978378" cy="686056"/>
+          </a:xfrm>
+          <a:prstGeom prst="parallelogram">
+            <a:avLst/>
+          </a:prstGeom>
+          <a:solidFill>
+            <a:schemeClr val="accent6">
+              <a:lumMod val="60000"/>
+              <a:lumOff val="40000"/>
+            </a:schemeClr>
+          </a:solidFill>
+          <a:ln w="3175">
+            <a:solidFill>
+              <a:schemeClr val="bg2">
+                <a:lumMod val="50000"/>
+              </a:schemeClr>
+            </a:solidFill>
+          </a:ln>
+        </p:spPr>
+        <p:style>
+          <a:lnRef idx="2">
+            <a:schemeClr val="accent1">
+              <a:shade val="50000"/>
+            </a:schemeClr>
+          </a:lnRef>
+          <a:fillRef idx="1">
+            <a:schemeClr val="accent1"/>
+          </a:fillRef>
+          <a:effectRef idx="0">
+            <a:schemeClr val="accent1"/>
+          </a:effectRef>
+          <a:fontRef idx="minor">
+            <a:schemeClr val="lt1"/>
+          </a:fontRef>
+        </p:style>
+        <p:txBody>
+          <a:bodyPr rtlCol="0" anchor="ctr"/>
+          <a:lstStyle/>
+          <a:p>
+            <a:pPr algn="ctr"/>
+            <a:r>
+              <a:rPr lang="en-GB" sz="600" dirty="0">
+                <a:solidFill>
+                  <a:schemeClr val="tx1">
+                    <a:lumMod val="65000"/>
+                    <a:lumOff val="35000"/>
+                  </a:schemeClr>
+                </a:solidFill>
+                <a:latin typeface="Arial" panose="020B0604020202020204" pitchFamily="34" charset="0"/>
+                <a:cs typeface="Arial" panose="020B0604020202020204" pitchFamily="34" charset="0"/>
+              </a:rPr>
+              <a:t>No need to revise PEFs’ traditional guidelines to communicate ecPoint forecasts.</a:t>
+            </a:r>
+          </a:p>
+        </p:txBody>
+      </p:sp>
+      <p:sp>
+        <p:nvSpPr>
+          <p:cNvPr id="514" name="Rectangle 513">
+            <a:extLst>
+              <a:ext uri="{FF2B5EF4-FFF2-40B4-BE49-F238E27FC236}">
+                <a16:creationId xmlns:a16="http://schemas.microsoft.com/office/drawing/2014/main" id="{D9E05BE6-D584-4905-A812-82A298D32D4C}"/>
+              </a:ext>
+            </a:extLst>
+          </p:cNvPr>
+          <p:cNvSpPr/>
+          <p:nvPr/>
+        </p:nvSpPr>
+        <p:spPr>
+          <a:xfrm>
+            <a:off x="2101598" y="769032"/>
+            <a:ext cx="453919" cy="216000"/>
+          </a:xfrm>
+          <a:prstGeom prst="rect">
+            <a:avLst/>
+          </a:prstGeom>
+          <a:solidFill>
+            <a:schemeClr val="bg1"/>
+          </a:solidFill>
+          <a:ln w="3175">
+            <a:solidFill>
+              <a:schemeClr val="bg2">
+                <a:lumMod val="50000"/>
+              </a:schemeClr>
+            </a:solidFill>
+          </a:ln>
+        </p:spPr>
+        <p:style>
+          <a:lnRef idx="2">
+            <a:schemeClr val="accent1">
+              <a:shade val="50000"/>
+            </a:schemeClr>
+          </a:lnRef>
+          <a:fillRef idx="1">
+            <a:schemeClr val="accent1"/>
+          </a:fillRef>
+          <a:effectRef idx="0">
+            <a:schemeClr val="accent1"/>
+          </a:effectRef>
+          <a:fontRef idx="minor">
+            <a:schemeClr val="lt1"/>
+          </a:fontRef>
+        </p:style>
+        <p:txBody>
+          <a:bodyPr rtlCol="0" anchor="ctr"/>
+          <a:lstStyle/>
+          <a:p>
+            <a:pPr algn="ctr"/>
+            <a:r>
+              <a:rPr lang="en-GB" sz="600" dirty="0">
+                <a:solidFill>
+                  <a:schemeClr val="tx1">
+                    <a:lumMod val="65000"/>
+                    <a:lumOff val="35000"/>
+                  </a:schemeClr>
+                </a:solidFill>
+                <a:latin typeface="Arial" panose="020B0604020202020204" pitchFamily="34" charset="0"/>
+                <a:cs typeface="Arial" panose="020B0604020202020204" pitchFamily="34" charset="0"/>
+              </a:rPr>
+              <a:t>MAYBE NOT</a:t>
+            </a:r>
+          </a:p>
+        </p:txBody>
+      </p:sp>
+      <p:sp>
+        <p:nvSpPr>
+          <p:cNvPr id="515" name="Left Brace 514">
+            <a:extLst>
+              <a:ext uri="{FF2B5EF4-FFF2-40B4-BE49-F238E27FC236}">
+                <a16:creationId xmlns:a16="http://schemas.microsoft.com/office/drawing/2014/main" id="{215634C7-49E3-4904-8006-4A113FE8E177}"/>
+              </a:ext>
+            </a:extLst>
+          </p:cNvPr>
+          <p:cNvSpPr/>
+          <p:nvPr/>
+        </p:nvSpPr>
+        <p:spPr>
+          <a:xfrm flipH="1">
+            <a:off x="3478583" y="2662965"/>
+            <a:ext cx="114327" cy="2532558"/>
+          </a:xfrm>
+          <a:prstGeom prst="leftBrace">
+            <a:avLst/>
+          </a:prstGeom>
+          <a:ln>
+            <a:solidFill>
+              <a:schemeClr val="tx1"/>
+            </a:solidFill>
+          </a:ln>
+        </p:spPr>
+        <p:style>
+          <a:lnRef idx="1">
+            <a:schemeClr val="accent1"/>
+          </a:lnRef>
+          <a:fillRef idx="0">
+            <a:schemeClr val="accent1"/>
+          </a:fillRef>
+          <a:effectRef idx="0">
+            <a:schemeClr val="accent1"/>
+          </a:effectRef>
+          <a:fontRef idx="minor">
+            <a:schemeClr val="tx1"/>
+          </a:fontRef>
+        </p:style>
+        <p:txBody>
+          <a:bodyPr rtlCol="0" anchor="ctr"/>
+          <a:lstStyle/>
+          <a:p>
+            <a:pPr algn="ctr"/>
+            <a:endParaRPr lang="en-GB"/>
+          </a:p>
+        </p:txBody>
+      </p:sp>
+      <p:sp>
+        <p:nvSpPr>
+          <p:cNvPr id="516" name="Rectangle 515">
+            <a:extLst>
+              <a:ext uri="{FF2B5EF4-FFF2-40B4-BE49-F238E27FC236}">
+                <a16:creationId xmlns:a16="http://schemas.microsoft.com/office/drawing/2014/main" id="{978FF368-6649-4BA9-B979-B1BB24985335}"/>
+              </a:ext>
+            </a:extLst>
+          </p:cNvPr>
+          <p:cNvSpPr/>
+          <p:nvPr/>
+        </p:nvSpPr>
+        <p:spPr>
+          <a:xfrm rot="5400000">
+            <a:off x="2467503" y="3758064"/>
+            <a:ext cx="2522978" cy="351941"/>
+          </a:xfrm>
+          <a:prstGeom prst="rect">
+            <a:avLst/>
+          </a:prstGeom>
+          <a:noFill/>
+          <a:ln w="28575">
+            <a:noFill/>
+            <a:prstDash val="dash"/>
+          </a:ln>
+        </p:spPr>
+        <p:style>
+          <a:lnRef idx="2">
+            <a:schemeClr val="accent1">
+              <a:shade val="50000"/>
+            </a:schemeClr>
+          </a:lnRef>
+          <a:fillRef idx="1">
+            <a:schemeClr val="accent1"/>
+          </a:fillRef>
+          <a:effectRef idx="0">
+            <a:schemeClr val="accent1"/>
+          </a:effectRef>
+          <a:fontRef idx="minor">
+            <a:schemeClr val="lt1"/>
+          </a:fontRef>
+        </p:style>
+        <p:txBody>
+          <a:bodyPr rtlCol="0" anchor="ctr"/>
+          <a:lstStyle/>
+          <a:p>
+            <a:pPr algn="ctr"/>
+            <a:r>
+              <a:rPr lang="en-GB" sz="600" b="1" dirty="0">
+                <a:solidFill>
+                  <a:schemeClr val="tx1">
+                    <a:lumMod val="65000"/>
+                    <a:lumOff val="35000"/>
+                  </a:schemeClr>
+                </a:solidFill>
+                <a:latin typeface="Arial" panose="020B0604020202020204" pitchFamily="34" charset="0"/>
+                <a:cs typeface="Arial" panose="020B0604020202020204" pitchFamily="34" charset="0"/>
+              </a:rPr>
+              <a:t>OFFLINE PHASE</a:t>
+            </a:r>
+          </a:p>
+          <a:p>
+            <a:pPr algn="ctr"/>
+            <a:r>
+              <a:rPr lang="en-GB" sz="600" b="1" dirty="0">
+                <a:solidFill>
+                  <a:schemeClr val="tx1">
+                    <a:lumMod val="65000"/>
+                    <a:lumOff val="35000"/>
+                  </a:schemeClr>
+                </a:solidFill>
+                <a:latin typeface="Arial" panose="020B0604020202020204" pitchFamily="34" charset="0"/>
+                <a:cs typeface="Arial" panose="020B0604020202020204" pitchFamily="34" charset="0"/>
+              </a:rPr>
+              <a:t>(15 months)</a:t>
+            </a:r>
+          </a:p>
+        </p:txBody>
+      </p:sp>
+      <p:sp>
+        <p:nvSpPr>
+          <p:cNvPr id="517" name="Parallelogram 516">
+            <a:extLst>
+              <a:ext uri="{FF2B5EF4-FFF2-40B4-BE49-F238E27FC236}">
+                <a16:creationId xmlns:a16="http://schemas.microsoft.com/office/drawing/2014/main" id="{194F20A8-7DDE-430F-8102-A24011A14F5E}"/>
+              </a:ext>
+            </a:extLst>
+          </p:cNvPr>
+          <p:cNvSpPr/>
+          <p:nvPr/>
+        </p:nvSpPr>
+        <p:spPr>
+          <a:xfrm>
+            <a:off x="32760" y="232715"/>
+            <a:ext cx="759154" cy="305648"/>
+          </a:xfrm>
+          <a:prstGeom prst="parallelogram">
+            <a:avLst/>
+          </a:prstGeom>
+          <a:solidFill>
+            <a:schemeClr val="accent6">
+              <a:lumMod val="60000"/>
+              <a:lumOff val="40000"/>
+            </a:schemeClr>
+          </a:solidFill>
+          <a:ln w="3175">
+            <a:solidFill>
+              <a:schemeClr val="bg2">
+                <a:lumMod val="50000"/>
+              </a:schemeClr>
+            </a:solidFill>
+          </a:ln>
+        </p:spPr>
+        <p:style>
+          <a:lnRef idx="2">
+            <a:schemeClr val="accent1">
+              <a:shade val="50000"/>
+            </a:schemeClr>
+          </a:lnRef>
+          <a:fillRef idx="1">
+            <a:schemeClr val="accent1"/>
+          </a:fillRef>
+          <a:effectRef idx="0">
+            <a:schemeClr val="accent1"/>
+          </a:effectRef>
+          <a:fontRef idx="minor">
+            <a:schemeClr val="lt1"/>
+          </a:fontRef>
+        </p:style>
+        <p:txBody>
+          <a:bodyPr rtlCol="0" anchor="ctr"/>
+          <a:lstStyle/>
+          <a:p>
+            <a:pPr algn="ctr"/>
+            <a:r>
+              <a:rPr lang="en-GB" sz="600" dirty="0">
+                <a:solidFill>
+                  <a:schemeClr val="tx1">
+                    <a:lumMod val="65000"/>
+                    <a:lumOff val="35000"/>
+                  </a:schemeClr>
+                </a:solidFill>
+                <a:latin typeface="Arial" panose="020B0604020202020204" pitchFamily="34" charset="0"/>
+                <a:cs typeface="Arial" panose="020B0604020202020204" pitchFamily="34" charset="0"/>
+              </a:rPr>
+              <a:t>No actions would be needed.</a:t>
+            </a:r>
+          </a:p>
+        </p:txBody>
+      </p:sp>
+      <p:sp>
+        <p:nvSpPr>
+          <p:cNvPr id="518" name="Left Brace 517">
+            <a:extLst>
+              <a:ext uri="{FF2B5EF4-FFF2-40B4-BE49-F238E27FC236}">
+                <a16:creationId xmlns:a16="http://schemas.microsoft.com/office/drawing/2014/main" id="{FFF49690-6F58-48A3-84F8-99E0E2A5104D}"/>
+              </a:ext>
+            </a:extLst>
+          </p:cNvPr>
+          <p:cNvSpPr/>
+          <p:nvPr/>
+        </p:nvSpPr>
+        <p:spPr>
+          <a:xfrm flipH="1">
+            <a:off x="3473387" y="1375779"/>
+            <a:ext cx="113500" cy="1260994"/>
+          </a:xfrm>
+          <a:prstGeom prst="leftBrace">
+            <a:avLst/>
+          </a:prstGeom>
+          <a:ln>
+            <a:solidFill>
+              <a:schemeClr val="tx1"/>
+            </a:solidFill>
+          </a:ln>
+        </p:spPr>
+        <p:style>
+          <a:lnRef idx="1">
+            <a:schemeClr val="accent1"/>
+          </a:lnRef>
+          <a:fillRef idx="0">
+            <a:schemeClr val="accent1"/>
+          </a:fillRef>
+          <a:effectRef idx="0">
+            <a:schemeClr val="accent1"/>
+          </a:effectRef>
+          <a:fontRef idx="minor">
+            <a:schemeClr val="tx1"/>
+          </a:fontRef>
+        </p:style>
+        <p:txBody>
+          <a:bodyPr rtlCol="0" anchor="ctr"/>
+          <a:lstStyle/>
+          <a:p>
+            <a:pPr algn="ctr"/>
+            <a:endParaRPr lang="en-GB"/>
+          </a:p>
+        </p:txBody>
+      </p:sp>
+      <p:sp>
+        <p:nvSpPr>
+          <p:cNvPr id="519" name="Rectangle 518">
+            <a:extLst>
+              <a:ext uri="{FF2B5EF4-FFF2-40B4-BE49-F238E27FC236}">
+                <a16:creationId xmlns:a16="http://schemas.microsoft.com/office/drawing/2014/main" id="{3A70BCB8-E7FC-4473-B0A0-144B170FD542}"/>
+              </a:ext>
+            </a:extLst>
+          </p:cNvPr>
+          <p:cNvSpPr/>
+          <p:nvPr/>
+        </p:nvSpPr>
+        <p:spPr>
+          <a:xfrm rot="5400000">
+            <a:off x="3098494" y="1830306"/>
+            <a:ext cx="1260995" cy="351941"/>
+          </a:xfrm>
+          <a:prstGeom prst="rect">
+            <a:avLst/>
+          </a:prstGeom>
+          <a:noFill/>
+          <a:ln w="28575">
+            <a:noFill/>
+            <a:prstDash val="dash"/>
+          </a:ln>
+        </p:spPr>
+        <p:style>
+          <a:lnRef idx="2">
+            <a:schemeClr val="accent1">
+              <a:shade val="50000"/>
+            </a:schemeClr>
+          </a:lnRef>
+          <a:fillRef idx="1">
+            <a:schemeClr val="accent1"/>
+          </a:fillRef>
+          <a:effectRef idx="0">
+            <a:schemeClr val="accent1"/>
+          </a:effectRef>
+          <a:fontRef idx="minor">
+            <a:schemeClr val="lt1"/>
+          </a:fontRef>
+        </p:style>
+        <p:txBody>
+          <a:bodyPr rtlCol="0" anchor="ctr"/>
+          <a:lstStyle/>
+          <a:p>
+            <a:pPr algn="ctr"/>
+            <a:r>
+              <a:rPr lang="en-GB" sz="600" b="1" dirty="0">
+                <a:solidFill>
+                  <a:schemeClr val="tx1">
+                    <a:lumMod val="65000"/>
+                    <a:lumOff val="35000"/>
+                  </a:schemeClr>
+                </a:solidFill>
+                <a:latin typeface="Arial" panose="020B0604020202020204" pitchFamily="34" charset="0"/>
+                <a:cs typeface="Arial" panose="020B0604020202020204" pitchFamily="34" charset="0"/>
+              </a:rPr>
+              <a:t>REAL-TIME PHASE</a:t>
+            </a:r>
+          </a:p>
+          <a:p>
+            <a:pPr algn="ctr"/>
+            <a:r>
+              <a:rPr lang="en-GB" sz="600" b="1" dirty="0">
+                <a:solidFill>
+                  <a:schemeClr val="tx1">
+                    <a:lumMod val="65000"/>
+                    <a:lumOff val="35000"/>
+                  </a:schemeClr>
+                </a:solidFill>
+                <a:latin typeface="Arial" panose="020B0604020202020204" pitchFamily="34" charset="0"/>
+                <a:cs typeface="Arial" panose="020B0604020202020204" pitchFamily="34" charset="0"/>
+              </a:rPr>
+              <a:t>(12 months)</a:t>
+            </a:r>
+          </a:p>
+        </p:txBody>
+      </p:sp>
+      <p:sp>
+        <p:nvSpPr>
+          <p:cNvPr id="520" name="Rectangle 519">
+            <a:extLst>
+              <a:ext uri="{FF2B5EF4-FFF2-40B4-BE49-F238E27FC236}">
+                <a16:creationId xmlns:a16="http://schemas.microsoft.com/office/drawing/2014/main" id="{8DC48824-566F-4170-831A-237A0FD72713}"/>
+              </a:ext>
+            </a:extLst>
+          </p:cNvPr>
+          <p:cNvSpPr/>
+          <p:nvPr/>
+        </p:nvSpPr>
+        <p:spPr>
+          <a:xfrm>
+            <a:off x="130239" y="1446097"/>
+            <a:ext cx="899310" cy="708728"/>
+          </a:xfrm>
+          <a:prstGeom prst="rect">
+            <a:avLst/>
+          </a:prstGeom>
+          <a:noFill/>
+          <a:ln w="3175">
+            <a:solidFill>
+              <a:schemeClr val="tx1"/>
+            </a:solidFill>
+          </a:ln>
+        </p:spPr>
+        <p:style>
+          <a:lnRef idx="2">
+            <a:schemeClr val="accent1">
+              <a:shade val="50000"/>
+            </a:schemeClr>
+          </a:lnRef>
+          <a:fillRef idx="1">
+            <a:schemeClr val="accent1"/>
+          </a:fillRef>
+          <a:effectRef idx="0">
+            <a:schemeClr val="accent1"/>
+          </a:effectRef>
+          <a:fontRef idx="minor">
+            <a:schemeClr val="lt1"/>
+          </a:fontRef>
+        </p:style>
+        <p:txBody>
+          <a:bodyPr rtlCol="0" anchor="ctr"/>
+          <a:lstStyle/>
+          <a:p>
+            <a:pPr algn="ctr"/>
+            <a:endParaRPr lang="en-GB"/>
+          </a:p>
+        </p:txBody>
+      </p:sp>
+      <p:sp>
+        <p:nvSpPr>
+          <p:cNvPr id="521" name="Rectangle 520">
+            <a:extLst>
+              <a:ext uri="{FF2B5EF4-FFF2-40B4-BE49-F238E27FC236}">
+                <a16:creationId xmlns:a16="http://schemas.microsoft.com/office/drawing/2014/main" id="{8F34D7DC-F292-46CA-A3EF-4D11C8740841}"/>
+              </a:ext>
+            </a:extLst>
+          </p:cNvPr>
+          <p:cNvSpPr/>
+          <p:nvPr/>
+        </p:nvSpPr>
+        <p:spPr>
+          <a:xfrm rot="16200000">
+            <a:off x="959563" y="3305722"/>
+            <a:ext cx="361398" cy="133684"/>
+          </a:xfrm>
+          <a:prstGeom prst="rect">
+            <a:avLst/>
+          </a:prstGeom>
+          <a:solidFill>
+            <a:schemeClr val="bg1"/>
+          </a:solidFill>
+          <a:ln w="3175">
+            <a:solidFill>
+              <a:schemeClr val="bg2">
+                <a:lumMod val="50000"/>
+              </a:schemeClr>
+            </a:solidFill>
+          </a:ln>
+        </p:spPr>
+        <p:style>
+          <a:lnRef idx="2">
+            <a:schemeClr val="accent1">
+              <a:shade val="50000"/>
+            </a:schemeClr>
+          </a:lnRef>
+          <a:fillRef idx="1">
+            <a:schemeClr val="accent1"/>
+          </a:fillRef>
+          <a:effectRef idx="0">
+            <a:schemeClr val="accent1"/>
+          </a:effectRef>
+          <a:fontRef idx="minor">
+            <a:schemeClr val="lt1"/>
+          </a:fontRef>
+        </p:style>
+        <p:txBody>
+          <a:bodyPr rtlCol="0" anchor="ctr"/>
+          <a:lstStyle/>
+          <a:p>
+            <a:pPr algn="ctr"/>
+            <a:r>
+              <a:rPr lang="en-GB" sz="600" dirty="0">
+                <a:solidFill>
+                  <a:schemeClr val="tx1">
+                    <a:lumMod val="65000"/>
+                    <a:lumOff val="35000"/>
+                  </a:schemeClr>
+                </a:solidFill>
+                <a:latin typeface="Arial" panose="020B0604020202020204" pitchFamily="34" charset="0"/>
+                <a:cs typeface="Arial" panose="020B0604020202020204" pitchFamily="34" charset="0"/>
+              </a:rPr>
+              <a:t>YES</a:t>
             </a:r>
           </a:p>
         </p:txBody>
@@ -12540,4 +16085,299 @@
     </a:ext>
   </a:extLst>
 </a:theme>
+</file>
+
+<file path=ppt/theme/theme2.xml><?xml version="1.0" encoding="utf-8"?>
+<a:theme xmlns:a="http://schemas.openxmlformats.org/drawingml/2006/main" name="Office Theme">
+  <a:themeElements>
+    <a:clrScheme name="Office">
+      <a:dk1>
+        <a:sysClr val="windowText" lastClr="000000"/>
+      </a:dk1>
+      <a:lt1>
+        <a:sysClr val="window" lastClr="FFFFFF"/>
+      </a:lt1>
+      <a:dk2>
+        <a:srgbClr val="44546A"/>
+      </a:dk2>
+      <a:lt2>
+        <a:srgbClr val="E7E6E6"/>
+      </a:lt2>
+      <a:accent1>
+        <a:srgbClr val="4472C4"/>
+      </a:accent1>
+      <a:accent2>
+        <a:srgbClr val="ED7D31"/>
+      </a:accent2>
+      <a:accent3>
+        <a:srgbClr val="A5A5A5"/>
+      </a:accent3>
+      <a:accent4>
+        <a:srgbClr val="FFC000"/>
+      </a:accent4>
+      <a:accent5>
+        <a:srgbClr val="5B9BD5"/>
+      </a:accent5>
+      <a:accent6>
+        <a:srgbClr val="70AD47"/>
+      </a:accent6>
+      <a:hlink>
+        <a:srgbClr val="0563C1"/>
+      </a:hlink>
+      <a:folHlink>
+        <a:srgbClr val="954F72"/>
+      </a:folHlink>
+    </a:clrScheme>
+    <a:fontScheme name="Office">
+      <a:majorFont>
+        <a:latin typeface="Calibri Light" panose="020F0302020204030204"/>
+        <a:ea typeface=""/>
+        <a:cs typeface=""/>
+        <a:font script="Jpan" typeface="游ゴシック Light"/>
+        <a:font script="Hang" typeface="맑은 고딕"/>
+        <a:font script="Hans" typeface="等线 Light"/>
+        <a:font script="Hant" typeface="新細明體"/>
+        <a:font script="Arab" typeface="Times New Roman"/>
+        <a:font script="Hebr" typeface="Times New Roman"/>
+        <a:font script="Thai" typeface="Angsana New"/>
+        <a:font script="Ethi" typeface="Nyala"/>
+        <a:font script="Beng" typeface="Vrinda"/>
+        <a:font script="Gujr" typeface="Shruti"/>
+        <a:font script="Khmr" typeface="MoolBoran"/>
+        <a:font script="Knda" typeface="Tunga"/>
+        <a:font script="Guru" typeface="Raavi"/>
+        <a:font script="Cans" typeface="Euphemia"/>
+        <a:font script="Cher" typeface="Plantagenet Cherokee"/>
+        <a:font script="Yiii" typeface="Microsoft Yi Baiti"/>
+        <a:font script="Tibt" typeface="Microsoft Himalaya"/>
+        <a:font script="Thaa" typeface="MV Boli"/>
+        <a:font script="Deva" typeface="Mangal"/>
+        <a:font script="Telu" typeface="Gautami"/>
+        <a:font script="Taml" typeface="Latha"/>
+        <a:font script="Syrc" typeface="Estrangelo Edessa"/>
+        <a:font script="Orya" typeface="Kalinga"/>
+        <a:font script="Mlym" typeface="Kartika"/>
+        <a:font script="Laoo" typeface="DokChampa"/>
+        <a:font script="Sinh" typeface="Iskoola Pota"/>
+        <a:font script="Mong" typeface="Mongolian Baiti"/>
+        <a:font script="Viet" typeface="Times New Roman"/>
+        <a:font script="Uigh" typeface="Microsoft Uighur"/>
+        <a:font script="Geor" typeface="Sylfaen"/>
+        <a:font script="Armn" typeface="Arial"/>
+        <a:font script="Bugi" typeface="Leelawadee UI"/>
+        <a:font script="Bopo" typeface="Microsoft JhengHei"/>
+        <a:font script="Java" typeface="Javanese Text"/>
+        <a:font script="Lisu" typeface="Segoe UI"/>
+        <a:font script="Mymr" typeface="Myanmar Text"/>
+        <a:font script="Nkoo" typeface="Ebrima"/>
+        <a:font script="Olck" typeface="Nirmala UI"/>
+        <a:font script="Osma" typeface="Ebrima"/>
+        <a:font script="Phag" typeface="Phagspa"/>
+        <a:font script="Syrn" typeface="Estrangelo Edessa"/>
+        <a:font script="Syrj" typeface="Estrangelo Edessa"/>
+        <a:font script="Syre" typeface="Estrangelo Edessa"/>
+        <a:font script="Sora" typeface="Nirmala UI"/>
+        <a:font script="Tale" typeface="Microsoft Tai Le"/>
+        <a:font script="Talu" typeface="Microsoft New Tai Lue"/>
+        <a:font script="Tfng" typeface="Ebrima"/>
+      </a:majorFont>
+      <a:minorFont>
+        <a:latin typeface="Calibri" panose="020F0502020204030204"/>
+        <a:ea typeface=""/>
+        <a:cs typeface=""/>
+        <a:font script="Jpan" typeface="游ゴシック"/>
+        <a:font script="Hang" typeface="맑은 고딕"/>
+        <a:font script="Hans" typeface="等线"/>
+        <a:font script="Hant" typeface="新細明體"/>
+        <a:font script="Arab" typeface="Arial"/>
+        <a:font script="Hebr" typeface="Arial"/>
+        <a:font script="Thai" typeface="Cordia New"/>
+        <a:font script="Ethi" typeface="Nyala"/>
+        <a:font script="Beng" typeface="Vrinda"/>
+        <a:font script="Gujr" typeface="Shruti"/>
+        <a:font script="Khmr" typeface="DaunPenh"/>
+        <a:font script="Knda" typeface="Tunga"/>
+        <a:font script="Guru" typeface="Raavi"/>
+        <a:font script="Cans" typeface="Euphemia"/>
+        <a:font script="Cher" typeface="Plantagenet Cherokee"/>
+        <a:font script="Yiii" typeface="Microsoft Yi Baiti"/>
+        <a:font script="Tibt" typeface="Microsoft Himalaya"/>
+        <a:font script="Thaa" typeface="MV Boli"/>
+        <a:font script="Deva" typeface="Mangal"/>
+        <a:font script="Telu" typeface="Gautami"/>
+        <a:font script="Taml" typeface="Latha"/>
+        <a:font script="Syrc" typeface="Estrangelo Edessa"/>
+        <a:font script="Orya" typeface="Kalinga"/>
+        <a:font script="Mlym" typeface="Kartika"/>
+        <a:font script="Laoo" typeface="DokChampa"/>
+        <a:font script="Sinh" typeface="Iskoola Pota"/>
+        <a:font script="Mong" typeface="Mongolian Baiti"/>
+        <a:font script="Viet" typeface="Arial"/>
+        <a:font script="Uigh" typeface="Microsoft Uighur"/>
+        <a:font script="Geor" typeface="Sylfaen"/>
+        <a:font script="Armn" typeface="Arial"/>
+        <a:font script="Bugi" typeface="Leelawadee UI"/>
+        <a:font script="Bopo" typeface="Microsoft JhengHei"/>
+        <a:font script="Java" typeface="Javanese Text"/>
+        <a:font script="Lisu" typeface="Segoe UI"/>
+        <a:font script="Mymr" typeface="Myanmar Text"/>
+        <a:font script="Nkoo" typeface="Ebrima"/>
+        <a:font script="Olck" typeface="Nirmala UI"/>
+        <a:font script="Osma" typeface="Ebrima"/>
+        <a:font script="Phag" typeface="Phagspa"/>
+        <a:font script="Syrn" typeface="Estrangelo Edessa"/>
+        <a:font script="Syrj" typeface="Estrangelo Edessa"/>
+        <a:font script="Syre" typeface="Estrangelo Edessa"/>
+        <a:font script="Sora" typeface="Nirmala UI"/>
+        <a:font script="Tale" typeface="Microsoft Tai Le"/>
+        <a:font script="Talu" typeface="Microsoft New Tai Lue"/>
+        <a:font script="Tfng" typeface="Ebrima"/>
+      </a:minorFont>
+    </a:fontScheme>
+    <a:fmtScheme name="Office">
+      <a:fillStyleLst>
+        <a:solidFill>
+          <a:schemeClr val="phClr"/>
+        </a:solidFill>
+        <a:gradFill rotWithShape="1">
+          <a:gsLst>
+            <a:gs pos="0">
+              <a:schemeClr val="phClr">
+                <a:lumMod val="110000"/>
+                <a:satMod val="105000"/>
+                <a:tint val="67000"/>
+              </a:schemeClr>
+            </a:gs>
+            <a:gs pos="50000">
+              <a:schemeClr val="phClr">
+                <a:lumMod val="105000"/>
+                <a:satMod val="103000"/>
+                <a:tint val="73000"/>
+              </a:schemeClr>
+            </a:gs>
+            <a:gs pos="100000">
+              <a:schemeClr val="phClr">
+                <a:lumMod val="105000"/>
+                <a:satMod val="109000"/>
+                <a:tint val="81000"/>
+              </a:schemeClr>
+            </a:gs>
+          </a:gsLst>
+          <a:lin ang="5400000" scaled="0"/>
+        </a:gradFill>
+        <a:gradFill rotWithShape="1">
+          <a:gsLst>
+            <a:gs pos="0">
+              <a:schemeClr val="phClr">
+                <a:satMod val="103000"/>
+                <a:lumMod val="102000"/>
+                <a:tint val="94000"/>
+              </a:schemeClr>
+            </a:gs>
+            <a:gs pos="50000">
+              <a:schemeClr val="phClr">
+                <a:satMod val="110000"/>
+                <a:lumMod val="100000"/>
+                <a:shade val="100000"/>
+              </a:schemeClr>
+            </a:gs>
+            <a:gs pos="100000">
+              <a:schemeClr val="phClr">
+                <a:lumMod val="99000"/>
+                <a:satMod val="120000"/>
+                <a:shade val="78000"/>
+              </a:schemeClr>
+            </a:gs>
+          </a:gsLst>
+          <a:lin ang="5400000" scaled="0"/>
+        </a:gradFill>
+      </a:fillStyleLst>
+      <a:lnStyleLst>
+        <a:ln w="6350" cap="flat" cmpd="sng" algn="ctr">
+          <a:solidFill>
+            <a:schemeClr val="phClr"/>
+          </a:solidFill>
+          <a:prstDash val="solid"/>
+          <a:miter lim="800000"/>
+        </a:ln>
+        <a:ln w="12700" cap="flat" cmpd="sng" algn="ctr">
+          <a:solidFill>
+            <a:schemeClr val="phClr"/>
+          </a:solidFill>
+          <a:prstDash val="solid"/>
+          <a:miter lim="800000"/>
+        </a:ln>
+        <a:ln w="19050" cap="flat" cmpd="sng" algn="ctr">
+          <a:solidFill>
+            <a:schemeClr val="phClr"/>
+          </a:solidFill>
+          <a:prstDash val="solid"/>
+          <a:miter lim="800000"/>
+        </a:ln>
+      </a:lnStyleLst>
+      <a:effectStyleLst>
+        <a:effectStyle>
+          <a:effectLst/>
+        </a:effectStyle>
+        <a:effectStyle>
+          <a:effectLst/>
+        </a:effectStyle>
+        <a:effectStyle>
+          <a:effectLst>
+            <a:outerShdw blurRad="57150" dist="19050" dir="5400000" algn="ctr" rotWithShape="0">
+              <a:srgbClr val="000000">
+                <a:alpha val="63000"/>
+              </a:srgbClr>
+            </a:outerShdw>
+          </a:effectLst>
+        </a:effectStyle>
+      </a:effectStyleLst>
+      <a:bgFillStyleLst>
+        <a:solidFill>
+          <a:schemeClr val="phClr"/>
+        </a:solidFill>
+        <a:solidFill>
+          <a:schemeClr val="phClr">
+            <a:tint val="95000"/>
+            <a:satMod val="170000"/>
+          </a:schemeClr>
+        </a:solidFill>
+        <a:gradFill rotWithShape="1">
+          <a:gsLst>
+            <a:gs pos="0">
+              <a:schemeClr val="phClr">
+                <a:tint val="93000"/>
+                <a:satMod val="150000"/>
+                <a:shade val="98000"/>
+                <a:lumMod val="102000"/>
+              </a:schemeClr>
+            </a:gs>
+            <a:gs pos="50000">
+              <a:schemeClr val="phClr">
+                <a:tint val="98000"/>
+                <a:satMod val="130000"/>
+                <a:shade val="90000"/>
+                <a:lumMod val="103000"/>
+              </a:schemeClr>
+            </a:gs>
+            <a:gs pos="100000">
+              <a:schemeClr val="phClr">
+                <a:shade val="63000"/>
+                <a:satMod val="120000"/>
+              </a:schemeClr>
+            </a:gs>
+          </a:gsLst>
+          <a:lin ang="5400000" scaled="0"/>
+        </a:gradFill>
+      </a:bgFillStyleLst>
+    </a:fmtScheme>
+  </a:themeElements>
+  <a:objectDefaults/>
+  <a:extraClrSchemeLst/>
+  <a:extLst>
+    <a:ext uri="{05A4C25C-085E-4340-85A3-A5531E510DB2}">
+      <thm15:themeFamily xmlns:thm15="http://schemas.microsoft.com/office/thememl/2012/main" name="Office Theme" id="{62F939B6-93AF-4DB8-9C6B-D6C7DFDC589F}" vid="{4A3C46E8-61CC-4603-A589-7422A47A8E4A}"/>
+    </a:ext>
+  </a:extLst>
+</a:theme>
 </file>
--- a/manuscript/Figures/FlowChart.pptx
+++ b/manuscript/Figures/FlowChart.pptx
@@ -128,7 +128,7 @@
   <pc:docChgLst>
     <pc:chgData name="Fatima Pillosu" userId="a6295d4dc9e22643" providerId="LiveId" clId="{B303C878-8799-4007-876A-6617B70F571A}"/>
     <pc:docChg chg="undo redo custSel addSld delSld modSld">
-      <pc:chgData name="Fatima Pillosu" userId="a6295d4dc9e22643" providerId="LiveId" clId="{B303C878-8799-4007-876A-6617B70F571A}" dt="2020-12-03T09:59:07.009" v="7895" actId="1036"/>
+      <pc:chgData name="Fatima Pillosu" userId="a6295d4dc9e22643" providerId="LiveId" clId="{B303C878-8799-4007-876A-6617B70F571A}" dt="2020-12-03T11:54:02.296" v="7896" actId="2711"/>
       <pc:docMkLst>
         <pc:docMk/>
       </pc:docMkLst>
@@ -140,7 +140,7 @@
         </pc:sldMkLst>
       </pc:sldChg>
       <pc:sldChg chg="addSp delSp modSp add del">
-        <pc:chgData name="Fatima Pillosu" userId="a6295d4dc9e22643" providerId="LiveId" clId="{B303C878-8799-4007-876A-6617B70F571A}" dt="2020-12-03T09:59:07.009" v="7895" actId="1036"/>
+        <pc:chgData name="Fatima Pillosu" userId="a6295d4dc9e22643" providerId="LiveId" clId="{B303C878-8799-4007-876A-6617B70F571A}" dt="2020-12-03T11:54:02.296" v="7896" actId="2711"/>
         <pc:sldMkLst>
           <pc:docMk/>
           <pc:sldMk cId="2969362105" sldId="256"/>
@@ -4434,7 +4434,7 @@
           </ac:spMkLst>
         </pc:spChg>
         <pc:spChg chg="add mod">
-          <ac:chgData name="Fatima Pillosu" userId="a6295d4dc9e22643" providerId="LiveId" clId="{B303C878-8799-4007-876A-6617B70F571A}" dt="2020-12-03T09:59:07.009" v="7895" actId="1036"/>
+          <ac:chgData name="Fatima Pillosu" userId="a6295d4dc9e22643" providerId="LiveId" clId="{B303C878-8799-4007-876A-6617B70F571A}" dt="2020-12-03T11:54:02.296" v="7896" actId="2711"/>
           <ac:spMkLst>
             <pc:docMk/>
             <pc:sldMk cId="2969362105" sldId="256"/>
@@ -4450,7 +4450,7 @@
           </ac:spMkLst>
         </pc:spChg>
         <pc:spChg chg="add mod">
-          <ac:chgData name="Fatima Pillosu" userId="a6295d4dc9e22643" providerId="LiveId" clId="{B303C878-8799-4007-876A-6617B70F571A}" dt="2020-12-03T09:59:07.009" v="7895" actId="1036"/>
+          <ac:chgData name="Fatima Pillosu" userId="a6295d4dc9e22643" providerId="LiveId" clId="{B303C878-8799-4007-876A-6617B70F571A}" dt="2020-12-03T11:54:02.296" v="7896" actId="2711"/>
           <ac:spMkLst>
             <pc:docMk/>
             <pc:sldMk cId="2969362105" sldId="256"/>
@@ -4474,7 +4474,7 @@
           </ac:spMkLst>
         </pc:spChg>
         <pc:spChg chg="add mod">
-          <ac:chgData name="Fatima Pillosu" userId="a6295d4dc9e22643" providerId="LiveId" clId="{B303C878-8799-4007-876A-6617B70F571A}" dt="2020-12-03T09:59:07.009" v="7895" actId="1036"/>
+          <ac:chgData name="Fatima Pillosu" userId="a6295d4dc9e22643" providerId="LiveId" clId="{B303C878-8799-4007-876A-6617B70F571A}" dt="2020-12-03T11:54:02.296" v="7896" actId="2711"/>
           <ac:spMkLst>
             <pc:docMk/>
             <pc:sldMk cId="2969362105" sldId="256"/>
@@ -4490,7 +4490,7 @@
           </ac:spMkLst>
         </pc:spChg>
         <pc:spChg chg="add mod">
-          <ac:chgData name="Fatima Pillosu" userId="a6295d4dc9e22643" providerId="LiveId" clId="{B303C878-8799-4007-876A-6617B70F571A}" dt="2020-12-03T09:59:07.009" v="7895" actId="1036"/>
+          <ac:chgData name="Fatima Pillosu" userId="a6295d4dc9e22643" providerId="LiveId" clId="{B303C878-8799-4007-876A-6617B70F571A}" dt="2020-12-03T11:54:02.296" v="7896" actId="2711"/>
           <ac:spMkLst>
             <pc:docMk/>
             <pc:sldMk cId="2969362105" sldId="256"/>
@@ -4498,7 +4498,7 @@
           </ac:spMkLst>
         </pc:spChg>
         <pc:spChg chg="add mod">
-          <ac:chgData name="Fatima Pillosu" userId="a6295d4dc9e22643" providerId="LiveId" clId="{B303C878-8799-4007-876A-6617B70F571A}" dt="2020-12-03T09:59:07.009" v="7895" actId="1036"/>
+          <ac:chgData name="Fatima Pillosu" userId="a6295d4dc9e22643" providerId="LiveId" clId="{B303C878-8799-4007-876A-6617B70F571A}" dt="2020-12-03T11:54:02.296" v="7896" actId="2711"/>
           <ac:spMkLst>
             <pc:docMk/>
             <pc:sldMk cId="2969362105" sldId="256"/>
@@ -4522,7 +4522,7 @@
           </ac:spMkLst>
         </pc:spChg>
         <pc:spChg chg="add mod">
-          <ac:chgData name="Fatima Pillosu" userId="a6295d4dc9e22643" providerId="LiveId" clId="{B303C878-8799-4007-876A-6617B70F571A}" dt="2020-12-03T09:59:07.009" v="7895" actId="1036"/>
+          <ac:chgData name="Fatima Pillosu" userId="a6295d4dc9e22643" providerId="LiveId" clId="{B303C878-8799-4007-876A-6617B70F571A}" dt="2020-12-03T11:54:02.296" v="7896" actId="2711"/>
           <ac:spMkLst>
             <pc:docMk/>
             <pc:sldMk cId="2969362105" sldId="256"/>
@@ -4530,7 +4530,7 @@
           </ac:spMkLst>
         </pc:spChg>
         <pc:spChg chg="add mod">
-          <ac:chgData name="Fatima Pillosu" userId="a6295d4dc9e22643" providerId="LiveId" clId="{B303C878-8799-4007-876A-6617B70F571A}" dt="2020-12-03T09:59:07.009" v="7895" actId="1036"/>
+          <ac:chgData name="Fatima Pillosu" userId="a6295d4dc9e22643" providerId="LiveId" clId="{B303C878-8799-4007-876A-6617B70F571A}" dt="2020-12-03T11:54:02.296" v="7896" actId="2711"/>
           <ac:spMkLst>
             <pc:docMk/>
             <pc:sldMk cId="2969362105" sldId="256"/>
@@ -4562,7 +4562,7 @@
           </ac:spMkLst>
         </pc:spChg>
         <pc:spChg chg="add mod">
-          <ac:chgData name="Fatima Pillosu" userId="a6295d4dc9e22643" providerId="LiveId" clId="{B303C878-8799-4007-876A-6617B70F571A}" dt="2020-12-03T09:59:07.009" v="7895" actId="1036"/>
+          <ac:chgData name="Fatima Pillosu" userId="a6295d4dc9e22643" providerId="LiveId" clId="{B303C878-8799-4007-876A-6617B70F571A}" dt="2020-12-03T11:54:02.296" v="7896" actId="2711"/>
           <ac:spMkLst>
             <pc:docMk/>
             <pc:sldMk cId="2969362105" sldId="256"/>
@@ -4578,7 +4578,7 @@
           </ac:spMkLst>
         </pc:spChg>
         <pc:spChg chg="add mod">
-          <ac:chgData name="Fatima Pillosu" userId="a6295d4dc9e22643" providerId="LiveId" clId="{B303C878-8799-4007-876A-6617B70F571A}" dt="2020-12-03T09:59:07.009" v="7895" actId="1036"/>
+          <ac:chgData name="Fatima Pillosu" userId="a6295d4dc9e22643" providerId="LiveId" clId="{B303C878-8799-4007-876A-6617B70F571A}" dt="2020-12-03T11:54:02.296" v="7896" actId="2711"/>
           <ac:spMkLst>
             <pc:docMk/>
             <pc:sldMk cId="2969362105" sldId="256"/>
@@ -4602,7 +4602,7 @@
           </ac:spMkLst>
         </pc:spChg>
         <pc:spChg chg="add mod">
-          <ac:chgData name="Fatima Pillosu" userId="a6295d4dc9e22643" providerId="LiveId" clId="{B303C878-8799-4007-876A-6617B70F571A}" dt="2020-12-03T09:59:07.009" v="7895" actId="1036"/>
+          <ac:chgData name="Fatima Pillosu" userId="a6295d4dc9e22643" providerId="LiveId" clId="{B303C878-8799-4007-876A-6617B70F571A}" dt="2020-12-03T11:54:02.296" v="7896" actId="2711"/>
           <ac:spMkLst>
             <pc:docMk/>
             <pc:sldMk cId="2969362105" sldId="256"/>
@@ -4610,7 +4610,7 @@
           </ac:spMkLst>
         </pc:spChg>
         <pc:spChg chg="add mod">
-          <ac:chgData name="Fatima Pillosu" userId="a6295d4dc9e22643" providerId="LiveId" clId="{B303C878-8799-4007-876A-6617B70F571A}" dt="2020-12-03T09:59:07.009" v="7895" actId="1036"/>
+          <ac:chgData name="Fatima Pillosu" userId="a6295d4dc9e22643" providerId="LiveId" clId="{B303C878-8799-4007-876A-6617B70F571A}" dt="2020-12-03T11:54:02.296" v="7896" actId="2711"/>
           <ac:spMkLst>
             <pc:docMk/>
             <pc:sldMk cId="2969362105" sldId="256"/>
@@ -4626,7 +4626,7 @@
           </ac:spMkLst>
         </pc:spChg>
         <pc:spChg chg="add mod">
-          <ac:chgData name="Fatima Pillosu" userId="a6295d4dc9e22643" providerId="LiveId" clId="{B303C878-8799-4007-876A-6617B70F571A}" dt="2020-12-03T09:59:07.009" v="7895" actId="1036"/>
+          <ac:chgData name="Fatima Pillosu" userId="a6295d4dc9e22643" providerId="LiveId" clId="{B303C878-8799-4007-876A-6617B70F571A}" dt="2020-12-03T11:54:02.296" v="7896" actId="2711"/>
           <ac:spMkLst>
             <pc:docMk/>
             <pc:sldMk cId="2969362105" sldId="256"/>
@@ -4634,7 +4634,7 @@
           </ac:spMkLst>
         </pc:spChg>
         <pc:spChg chg="add mod">
-          <ac:chgData name="Fatima Pillosu" userId="a6295d4dc9e22643" providerId="LiveId" clId="{B303C878-8799-4007-876A-6617B70F571A}" dt="2020-12-03T09:59:07.009" v="7895" actId="1036"/>
+          <ac:chgData name="Fatima Pillosu" userId="a6295d4dc9e22643" providerId="LiveId" clId="{B303C878-8799-4007-876A-6617B70F571A}" dt="2020-12-03T11:54:02.296" v="7896" actId="2711"/>
           <ac:spMkLst>
             <pc:docMk/>
             <pc:sldMk cId="2969362105" sldId="256"/>
@@ -4658,7 +4658,7 @@
           </ac:spMkLst>
         </pc:spChg>
         <pc:spChg chg="add mod">
-          <ac:chgData name="Fatima Pillosu" userId="a6295d4dc9e22643" providerId="LiveId" clId="{B303C878-8799-4007-876A-6617B70F571A}" dt="2020-12-03T09:59:07.009" v="7895" actId="1036"/>
+          <ac:chgData name="Fatima Pillosu" userId="a6295d4dc9e22643" providerId="LiveId" clId="{B303C878-8799-4007-876A-6617B70F571A}" dt="2020-12-03T11:54:02.296" v="7896" actId="2711"/>
           <ac:spMkLst>
             <pc:docMk/>
             <pc:sldMk cId="2969362105" sldId="256"/>
@@ -4674,7 +4674,7 @@
           </ac:spMkLst>
         </pc:spChg>
         <pc:spChg chg="add mod">
-          <ac:chgData name="Fatima Pillosu" userId="a6295d4dc9e22643" providerId="LiveId" clId="{B303C878-8799-4007-876A-6617B70F571A}" dt="2020-12-03T09:59:07.009" v="7895" actId="1036"/>
+          <ac:chgData name="Fatima Pillosu" userId="a6295d4dc9e22643" providerId="LiveId" clId="{B303C878-8799-4007-876A-6617B70F571A}" dt="2020-12-03T11:54:02.296" v="7896" actId="2711"/>
           <ac:spMkLst>
             <pc:docMk/>
             <pc:sldMk cId="2969362105" sldId="256"/>
@@ -4682,7 +4682,7 @@
           </ac:spMkLst>
         </pc:spChg>
         <pc:spChg chg="add mod">
-          <ac:chgData name="Fatima Pillosu" userId="a6295d4dc9e22643" providerId="LiveId" clId="{B303C878-8799-4007-876A-6617B70F571A}" dt="2020-12-03T09:59:07.009" v="7895" actId="1036"/>
+          <ac:chgData name="Fatima Pillosu" userId="a6295d4dc9e22643" providerId="LiveId" clId="{B303C878-8799-4007-876A-6617B70F571A}" dt="2020-12-03T11:54:02.296" v="7896" actId="2711"/>
           <ac:spMkLst>
             <pc:docMk/>
             <pc:sldMk cId="2969362105" sldId="256"/>
@@ -4690,7 +4690,7 @@
           </ac:spMkLst>
         </pc:spChg>
         <pc:spChg chg="add mod">
-          <ac:chgData name="Fatima Pillosu" userId="a6295d4dc9e22643" providerId="LiveId" clId="{B303C878-8799-4007-876A-6617B70F571A}" dt="2020-12-03T09:59:07.009" v="7895" actId="1036"/>
+          <ac:chgData name="Fatima Pillosu" userId="a6295d4dc9e22643" providerId="LiveId" clId="{B303C878-8799-4007-876A-6617B70F571A}" dt="2020-12-03T11:54:02.296" v="7896" actId="2711"/>
           <ac:spMkLst>
             <pc:docMk/>
             <pc:sldMk cId="2969362105" sldId="256"/>
@@ -4706,7 +4706,7 @@
           </ac:spMkLst>
         </pc:spChg>
         <pc:spChg chg="add mod">
-          <ac:chgData name="Fatima Pillosu" userId="a6295d4dc9e22643" providerId="LiveId" clId="{B303C878-8799-4007-876A-6617B70F571A}" dt="2020-12-03T09:59:07.009" v="7895" actId="1036"/>
+          <ac:chgData name="Fatima Pillosu" userId="a6295d4dc9e22643" providerId="LiveId" clId="{B303C878-8799-4007-876A-6617B70F571A}" dt="2020-12-03T11:54:02.296" v="7896" actId="2711"/>
           <ac:spMkLst>
             <pc:docMk/>
             <pc:sldMk cId="2969362105" sldId="256"/>
@@ -4722,7 +4722,7 @@
           </ac:spMkLst>
         </pc:spChg>
         <pc:spChg chg="add mod">
-          <ac:chgData name="Fatima Pillosu" userId="a6295d4dc9e22643" providerId="LiveId" clId="{B303C878-8799-4007-876A-6617B70F571A}" dt="2020-12-03T09:59:07.009" v="7895" actId="1036"/>
+          <ac:chgData name="Fatima Pillosu" userId="a6295d4dc9e22643" providerId="LiveId" clId="{B303C878-8799-4007-876A-6617B70F571A}" dt="2020-12-03T11:54:02.296" v="7896" actId="2711"/>
           <ac:spMkLst>
             <pc:docMk/>
             <pc:sldMk cId="2969362105" sldId="256"/>
@@ -4730,7 +4730,7 @@
           </ac:spMkLst>
         </pc:spChg>
         <pc:spChg chg="add mod">
-          <ac:chgData name="Fatima Pillosu" userId="a6295d4dc9e22643" providerId="LiveId" clId="{B303C878-8799-4007-876A-6617B70F571A}" dt="2020-12-03T09:59:07.009" v="7895" actId="1036"/>
+          <ac:chgData name="Fatima Pillosu" userId="a6295d4dc9e22643" providerId="LiveId" clId="{B303C878-8799-4007-876A-6617B70F571A}" dt="2020-12-03T11:54:02.296" v="7896" actId="2711"/>
           <ac:spMkLst>
             <pc:docMk/>
             <pc:sldMk cId="2969362105" sldId="256"/>
@@ -4746,7 +4746,7 @@
           </ac:spMkLst>
         </pc:spChg>
         <pc:spChg chg="add mod">
-          <ac:chgData name="Fatima Pillosu" userId="a6295d4dc9e22643" providerId="LiveId" clId="{B303C878-8799-4007-876A-6617B70F571A}" dt="2020-12-03T09:59:07.009" v="7895" actId="1036"/>
+          <ac:chgData name="Fatima Pillosu" userId="a6295d4dc9e22643" providerId="LiveId" clId="{B303C878-8799-4007-876A-6617B70F571A}" dt="2020-12-03T11:54:02.296" v="7896" actId="2711"/>
           <ac:spMkLst>
             <pc:docMk/>
             <pc:sldMk cId="2969362105" sldId="256"/>
@@ -4754,7 +4754,7 @@
           </ac:spMkLst>
         </pc:spChg>
         <pc:spChg chg="add mod">
-          <ac:chgData name="Fatima Pillosu" userId="a6295d4dc9e22643" providerId="LiveId" clId="{B303C878-8799-4007-876A-6617B70F571A}" dt="2020-12-03T09:59:07.009" v="7895" actId="1036"/>
+          <ac:chgData name="Fatima Pillosu" userId="a6295d4dc9e22643" providerId="LiveId" clId="{B303C878-8799-4007-876A-6617B70F571A}" dt="2020-12-03T11:54:02.296" v="7896" actId="2711"/>
           <ac:spMkLst>
             <pc:docMk/>
             <pc:sldMk cId="2969362105" sldId="256"/>
@@ -4770,7 +4770,7 @@
           </ac:spMkLst>
         </pc:spChg>
         <pc:spChg chg="add mod">
-          <ac:chgData name="Fatima Pillosu" userId="a6295d4dc9e22643" providerId="LiveId" clId="{B303C878-8799-4007-876A-6617B70F571A}" dt="2020-12-03T09:59:07.009" v="7895" actId="1036"/>
+          <ac:chgData name="Fatima Pillosu" userId="a6295d4dc9e22643" providerId="LiveId" clId="{B303C878-8799-4007-876A-6617B70F571A}" dt="2020-12-03T11:54:02.296" v="7896" actId="2711"/>
           <ac:spMkLst>
             <pc:docMk/>
             <pc:sldMk cId="2969362105" sldId="256"/>
@@ -4810,7 +4810,7 @@
           </ac:spMkLst>
         </pc:spChg>
         <pc:spChg chg="add mod">
-          <ac:chgData name="Fatima Pillosu" userId="a6295d4dc9e22643" providerId="LiveId" clId="{B303C878-8799-4007-876A-6617B70F571A}" dt="2020-12-03T09:59:07.009" v="7895" actId="1036"/>
+          <ac:chgData name="Fatima Pillosu" userId="a6295d4dc9e22643" providerId="LiveId" clId="{B303C878-8799-4007-876A-6617B70F571A}" dt="2020-12-03T11:54:02.296" v="7896" actId="2711"/>
           <ac:spMkLst>
             <pc:docMk/>
             <pc:sldMk cId="2969362105" sldId="256"/>
@@ -4818,7 +4818,7 @@
           </ac:spMkLst>
         </pc:spChg>
         <pc:spChg chg="add mod">
-          <ac:chgData name="Fatima Pillosu" userId="a6295d4dc9e22643" providerId="LiveId" clId="{B303C878-8799-4007-876A-6617B70F571A}" dt="2020-12-03T09:59:07.009" v="7895" actId="1036"/>
+          <ac:chgData name="Fatima Pillosu" userId="a6295d4dc9e22643" providerId="LiveId" clId="{B303C878-8799-4007-876A-6617B70F571A}" dt="2020-12-03T11:54:02.296" v="7896" actId="2711"/>
           <ac:spMkLst>
             <pc:docMk/>
             <pc:sldMk cId="2969362105" sldId="256"/>
@@ -4834,7 +4834,7 @@
           </ac:spMkLst>
         </pc:spChg>
         <pc:spChg chg="add mod">
-          <ac:chgData name="Fatima Pillosu" userId="a6295d4dc9e22643" providerId="LiveId" clId="{B303C878-8799-4007-876A-6617B70F571A}" dt="2020-12-03T09:59:07.009" v="7895" actId="1036"/>
+          <ac:chgData name="Fatima Pillosu" userId="a6295d4dc9e22643" providerId="LiveId" clId="{B303C878-8799-4007-876A-6617B70F571A}" dt="2020-12-03T11:54:02.296" v="7896" actId="2711"/>
           <ac:spMkLst>
             <pc:docMk/>
             <pc:sldMk cId="2969362105" sldId="256"/>
@@ -4850,7 +4850,7 @@
           </ac:spMkLst>
         </pc:spChg>
         <pc:spChg chg="add mod">
-          <ac:chgData name="Fatima Pillosu" userId="a6295d4dc9e22643" providerId="LiveId" clId="{B303C878-8799-4007-876A-6617B70F571A}" dt="2020-12-03T09:59:07.009" v="7895" actId="1036"/>
+          <ac:chgData name="Fatima Pillosu" userId="a6295d4dc9e22643" providerId="LiveId" clId="{B303C878-8799-4007-876A-6617B70F571A}" dt="2020-12-03T11:54:02.296" v="7896" actId="2711"/>
           <ac:spMkLst>
             <pc:docMk/>
             <pc:sldMk cId="2969362105" sldId="256"/>
@@ -4858,7 +4858,7 @@
           </ac:spMkLst>
         </pc:spChg>
         <pc:spChg chg="add mod">
-          <ac:chgData name="Fatima Pillosu" userId="a6295d4dc9e22643" providerId="LiveId" clId="{B303C878-8799-4007-876A-6617B70F571A}" dt="2020-12-03T09:59:07.009" v="7895" actId="1036"/>
+          <ac:chgData name="Fatima Pillosu" userId="a6295d4dc9e22643" providerId="LiveId" clId="{B303C878-8799-4007-876A-6617B70F571A}" dt="2020-12-03T11:54:02.296" v="7896" actId="2711"/>
           <ac:spMkLst>
             <pc:docMk/>
             <pc:sldMk cId="2969362105" sldId="256"/>
@@ -4882,7 +4882,7 @@
           </ac:spMkLst>
         </pc:spChg>
         <pc:spChg chg="add mod">
-          <ac:chgData name="Fatima Pillosu" userId="a6295d4dc9e22643" providerId="LiveId" clId="{B303C878-8799-4007-876A-6617B70F571A}" dt="2020-12-03T09:59:07.009" v="7895" actId="1036"/>
+          <ac:chgData name="Fatima Pillosu" userId="a6295d4dc9e22643" providerId="LiveId" clId="{B303C878-8799-4007-876A-6617B70F571A}" dt="2020-12-03T11:54:02.296" v="7896" actId="2711"/>
           <ac:spMkLst>
             <pc:docMk/>
             <pc:sldMk cId="2969362105" sldId="256"/>
@@ -4898,7 +4898,7 @@
           </ac:spMkLst>
         </pc:spChg>
         <pc:spChg chg="add mod">
-          <ac:chgData name="Fatima Pillosu" userId="a6295d4dc9e22643" providerId="LiveId" clId="{B303C878-8799-4007-876A-6617B70F571A}" dt="2020-12-03T09:59:07.009" v="7895" actId="1036"/>
+          <ac:chgData name="Fatima Pillosu" userId="a6295d4dc9e22643" providerId="LiveId" clId="{B303C878-8799-4007-876A-6617B70F571A}" dt="2020-12-03T11:54:02.296" v="7896" actId="2711"/>
           <ac:spMkLst>
             <pc:docMk/>
             <pc:sldMk cId="2969362105" sldId="256"/>
@@ -4914,7 +4914,7 @@
           </ac:spMkLst>
         </pc:spChg>
         <pc:spChg chg="add mod">
-          <ac:chgData name="Fatima Pillosu" userId="a6295d4dc9e22643" providerId="LiveId" clId="{B303C878-8799-4007-876A-6617B70F571A}" dt="2020-12-03T09:59:07.009" v="7895" actId="1036"/>
+          <ac:chgData name="Fatima Pillosu" userId="a6295d4dc9e22643" providerId="LiveId" clId="{B303C878-8799-4007-876A-6617B70F571A}" dt="2020-12-03T11:54:02.296" v="7896" actId="2711"/>
           <ac:spMkLst>
             <pc:docMk/>
             <pc:sldMk cId="2969362105" sldId="256"/>
@@ -4930,7 +4930,7 @@
           </ac:spMkLst>
         </pc:spChg>
         <pc:spChg chg="add mod">
-          <ac:chgData name="Fatima Pillosu" userId="a6295d4dc9e22643" providerId="LiveId" clId="{B303C878-8799-4007-876A-6617B70F571A}" dt="2020-12-03T09:59:07.009" v="7895" actId="1036"/>
+          <ac:chgData name="Fatima Pillosu" userId="a6295d4dc9e22643" providerId="LiveId" clId="{B303C878-8799-4007-876A-6617B70F571A}" dt="2020-12-03T11:54:02.296" v="7896" actId="2711"/>
           <ac:spMkLst>
             <pc:docMk/>
             <pc:sldMk cId="2969362105" sldId="256"/>
@@ -4938,7 +4938,7 @@
           </ac:spMkLst>
         </pc:spChg>
         <pc:spChg chg="add mod">
-          <ac:chgData name="Fatima Pillosu" userId="a6295d4dc9e22643" providerId="LiveId" clId="{B303C878-8799-4007-876A-6617B70F571A}" dt="2020-12-03T09:59:07.009" v="7895" actId="1036"/>
+          <ac:chgData name="Fatima Pillosu" userId="a6295d4dc9e22643" providerId="LiveId" clId="{B303C878-8799-4007-876A-6617B70F571A}" dt="2020-12-03T11:54:02.296" v="7896" actId="2711"/>
           <ac:spMkLst>
             <pc:docMk/>
             <pc:sldMk cId="2969362105" sldId="256"/>
@@ -4946,7 +4946,7 @@
           </ac:spMkLst>
         </pc:spChg>
         <pc:spChg chg="add mod">
-          <ac:chgData name="Fatima Pillosu" userId="a6295d4dc9e22643" providerId="LiveId" clId="{B303C878-8799-4007-876A-6617B70F571A}" dt="2020-12-03T09:59:07.009" v="7895" actId="1036"/>
+          <ac:chgData name="Fatima Pillosu" userId="a6295d4dc9e22643" providerId="LiveId" clId="{B303C878-8799-4007-876A-6617B70F571A}" dt="2020-12-03T11:54:02.296" v="7896" actId="2711"/>
           <ac:spMkLst>
             <pc:docMk/>
             <pc:sldMk cId="2969362105" sldId="256"/>
@@ -4954,7 +4954,7 @@
           </ac:spMkLst>
         </pc:spChg>
         <pc:spChg chg="add mod">
-          <ac:chgData name="Fatima Pillosu" userId="a6295d4dc9e22643" providerId="LiveId" clId="{B303C878-8799-4007-876A-6617B70F571A}" dt="2020-12-03T09:59:07.009" v="7895" actId="1036"/>
+          <ac:chgData name="Fatima Pillosu" userId="a6295d4dc9e22643" providerId="LiveId" clId="{B303C878-8799-4007-876A-6617B70F571A}" dt="2020-12-03T11:54:02.296" v="7896" actId="2711"/>
           <ac:spMkLst>
             <pc:docMk/>
             <pc:sldMk cId="2969362105" sldId="256"/>
@@ -4962,7 +4962,7 @@
           </ac:spMkLst>
         </pc:spChg>
         <pc:spChg chg="add mod">
-          <ac:chgData name="Fatima Pillosu" userId="a6295d4dc9e22643" providerId="LiveId" clId="{B303C878-8799-4007-876A-6617B70F571A}" dt="2020-12-03T09:59:07.009" v="7895" actId="1036"/>
+          <ac:chgData name="Fatima Pillosu" userId="a6295d4dc9e22643" providerId="LiveId" clId="{B303C878-8799-4007-876A-6617B70F571A}" dt="2020-12-03T11:54:02.296" v="7896" actId="2711"/>
           <ac:spMkLst>
             <pc:docMk/>
             <pc:sldMk cId="2969362105" sldId="256"/>
@@ -4970,7 +4970,7 @@
           </ac:spMkLst>
         </pc:spChg>
         <pc:spChg chg="add mod">
-          <ac:chgData name="Fatima Pillosu" userId="a6295d4dc9e22643" providerId="LiveId" clId="{B303C878-8799-4007-876A-6617B70F571A}" dt="2020-12-03T09:59:07.009" v="7895" actId="1036"/>
+          <ac:chgData name="Fatima Pillosu" userId="a6295d4dc9e22643" providerId="LiveId" clId="{B303C878-8799-4007-876A-6617B70F571A}" dt="2020-12-03T11:54:02.296" v="7896" actId="2711"/>
           <ac:spMkLst>
             <pc:docMk/>
             <pc:sldMk cId="2969362105" sldId="256"/>
@@ -4986,7 +4986,7 @@
           </ac:spMkLst>
         </pc:spChg>
         <pc:spChg chg="add mod">
-          <ac:chgData name="Fatima Pillosu" userId="a6295d4dc9e22643" providerId="LiveId" clId="{B303C878-8799-4007-876A-6617B70F571A}" dt="2020-12-03T09:59:07.009" v="7895" actId="1036"/>
+          <ac:chgData name="Fatima Pillosu" userId="a6295d4dc9e22643" providerId="LiveId" clId="{B303C878-8799-4007-876A-6617B70F571A}" dt="2020-12-03T11:54:02.296" v="7896" actId="2711"/>
           <ac:spMkLst>
             <pc:docMk/>
             <pc:sldMk cId="2969362105" sldId="256"/>
@@ -9657,7 +9657,7 @@
           <a:p>
             <a:fld id="{79798564-FF97-402E-A2A0-52C33396791A}" type="datetimeFigureOut">
               <a:rPr lang="en-GB" smtClean="0"/>
-              <a:t>02/12/2020</a:t>
+              <a:t>03/12/2020</a:t>
             </a:fld>
             <a:endParaRPr lang="en-GB"/>
           </a:p>
@@ -9827,7 +9827,7 @@
           <a:p>
             <a:fld id="{79798564-FF97-402E-A2A0-52C33396791A}" type="datetimeFigureOut">
               <a:rPr lang="en-GB" smtClean="0"/>
-              <a:t>02/12/2020</a:t>
+              <a:t>03/12/2020</a:t>
             </a:fld>
             <a:endParaRPr lang="en-GB"/>
           </a:p>
@@ -10007,7 +10007,7 @@
           <a:p>
             <a:fld id="{79798564-FF97-402E-A2A0-52C33396791A}" type="datetimeFigureOut">
               <a:rPr lang="en-GB" smtClean="0"/>
-              <a:t>02/12/2020</a:t>
+              <a:t>03/12/2020</a:t>
             </a:fld>
             <a:endParaRPr lang="en-GB"/>
           </a:p>
@@ -10177,7 +10177,7 @@
           <a:p>
             <a:fld id="{79798564-FF97-402E-A2A0-52C33396791A}" type="datetimeFigureOut">
               <a:rPr lang="en-GB" smtClean="0"/>
-              <a:t>02/12/2020</a:t>
+              <a:t>03/12/2020</a:t>
             </a:fld>
             <a:endParaRPr lang="en-GB"/>
           </a:p>
@@ -10421,7 +10421,7 @@
           <a:p>
             <a:fld id="{79798564-FF97-402E-A2A0-52C33396791A}" type="datetimeFigureOut">
               <a:rPr lang="en-GB" smtClean="0"/>
-              <a:t>02/12/2020</a:t>
+              <a:t>03/12/2020</a:t>
             </a:fld>
             <a:endParaRPr lang="en-GB"/>
           </a:p>
@@ -10653,7 +10653,7 @@
           <a:p>
             <a:fld id="{79798564-FF97-402E-A2A0-52C33396791A}" type="datetimeFigureOut">
               <a:rPr lang="en-GB" smtClean="0"/>
-              <a:t>02/12/2020</a:t>
+              <a:t>03/12/2020</a:t>
             </a:fld>
             <a:endParaRPr lang="en-GB"/>
           </a:p>
@@ -11020,7 +11020,7 @@
           <a:p>
             <a:fld id="{79798564-FF97-402E-A2A0-52C33396791A}" type="datetimeFigureOut">
               <a:rPr lang="en-GB" smtClean="0"/>
-              <a:t>02/12/2020</a:t>
+              <a:t>03/12/2020</a:t>
             </a:fld>
             <a:endParaRPr lang="en-GB"/>
           </a:p>
@@ -11138,7 +11138,7 @@
           <a:p>
             <a:fld id="{79798564-FF97-402E-A2A0-52C33396791A}" type="datetimeFigureOut">
               <a:rPr lang="en-GB" smtClean="0"/>
-              <a:t>02/12/2020</a:t>
+              <a:t>03/12/2020</a:t>
             </a:fld>
             <a:endParaRPr lang="en-GB"/>
           </a:p>
@@ -11233,7 +11233,7 @@
           <a:p>
             <a:fld id="{79798564-FF97-402E-A2A0-52C33396791A}" type="datetimeFigureOut">
               <a:rPr lang="en-GB" smtClean="0"/>
-              <a:t>02/12/2020</a:t>
+              <a:t>03/12/2020</a:t>
             </a:fld>
             <a:endParaRPr lang="en-GB"/>
           </a:p>
@@ -11510,7 +11510,7 @@
           <a:p>
             <a:fld id="{79798564-FF97-402E-A2A0-52C33396791A}" type="datetimeFigureOut">
               <a:rPr lang="en-GB" smtClean="0"/>
-              <a:t>02/12/2020</a:t>
+              <a:t>03/12/2020</a:t>
             </a:fld>
             <a:endParaRPr lang="en-GB"/>
           </a:p>
@@ -11767,7 +11767,7 @@
           <a:p>
             <a:fld id="{79798564-FF97-402E-A2A0-52C33396791A}" type="datetimeFigureOut">
               <a:rPr lang="en-GB" smtClean="0"/>
-              <a:t>02/12/2020</a:t>
+              <a:t>03/12/2020</a:t>
             </a:fld>
             <a:endParaRPr lang="en-GB"/>
           </a:p>
@@ -11980,7 +11980,7 @@
           <a:p>
             <a:fld id="{79798564-FF97-402E-A2A0-52C33396791A}" type="datetimeFigureOut">
               <a:rPr lang="en-GB" smtClean="0"/>
-              <a:t>02/12/2020</a:t>
+              <a:t>03/12/2020</a:t>
             </a:fld>
             <a:endParaRPr lang="en-GB"/>
           </a:p>
@@ -12489,7 +12489,6 @@
                     <a:lumOff val="35000"/>
                   </a:schemeClr>
                 </a:solidFill>
-                <a:latin typeface="Arial" panose="020B0604020202020204" pitchFamily="34" charset="0"/>
                 <a:cs typeface="Arial" panose="020B0604020202020204" pitchFamily="34" charset="0"/>
               </a:rPr>
               <a:t>MAYBE YES</a:t>
@@ -12606,7 +12605,6 @@
                     <a:lumOff val="35000"/>
                   </a:schemeClr>
                 </a:solidFill>
-                <a:latin typeface="Arial" panose="020B0604020202020204" pitchFamily="34" charset="0"/>
                 <a:cs typeface="Arial" panose="020B0604020202020204" pitchFamily="34" charset="0"/>
               </a:rPr>
               <a:t>Experiment Starts</a:t>
@@ -12720,7 +12718,6 @@
                     <a:lumOff val="35000"/>
                   </a:schemeClr>
                 </a:solidFill>
-                <a:latin typeface="Arial" panose="020B0604020202020204" pitchFamily="34" charset="0"/>
                 <a:cs typeface="Arial" panose="020B0604020202020204" pitchFamily="34" charset="0"/>
               </a:rPr>
               <a:t>Provision of ecPoint remote training to volunteer testers using traditional guidelines for interpreting PEFs.</a:t>
@@ -12834,7 +12831,6 @@
                     <a:lumOff val="35000"/>
                   </a:schemeClr>
                 </a:solidFill>
-                <a:latin typeface="Arial" panose="020B0604020202020204" pitchFamily="34" charset="0"/>
                 <a:cs typeface="Arial" panose="020B0604020202020204" pitchFamily="34" charset="0"/>
               </a:rPr>
               <a:t>Submission of a written summary on ecPoint performance predicting extreme localized rainfall events.</a:t>
@@ -12904,7 +12900,6 @@
                     <a:lumOff val="35000"/>
                   </a:schemeClr>
                 </a:solidFill>
-                <a:latin typeface="Arial" panose="020B0604020202020204" pitchFamily="34" charset="0"/>
                 <a:cs typeface="Arial" panose="020B0604020202020204" pitchFamily="34" charset="0"/>
               </a:rPr>
               <a:t>Analysis of independent evaluation for ecPoint forecasts.</a:t>
@@ -13018,7 +13013,6 @@
                     <a:lumOff val="35000"/>
                   </a:schemeClr>
                 </a:solidFill>
-                <a:latin typeface="Arial" panose="020B0604020202020204" pitchFamily="34" charset="0"/>
                 <a:cs typeface="Arial" panose="020B0604020202020204" pitchFamily="34" charset="0"/>
               </a:rPr>
               <a:t>Remote joint evaluation about why the training provided on ecPoint did not allow forecasters to use the forecasts more effectively.</a:t>
@@ -13088,7 +13082,6 @@
                     <a:lumOff val="35000"/>
                   </a:schemeClr>
                 </a:solidFill>
-                <a:latin typeface="Arial" panose="020B0604020202020204" pitchFamily="34" charset="0"/>
                 <a:cs typeface="Arial" panose="020B0604020202020204" pitchFamily="34" charset="0"/>
               </a:rPr>
               <a:t>Formulation of new ecPoint-tailored guidelines.</a:t>
@@ -13248,7 +13241,6 @@
                     <a:lumOff val="35000"/>
                   </a:schemeClr>
                 </a:solidFill>
-                <a:latin typeface="Arial" panose="020B0604020202020204" pitchFamily="34" charset="0"/>
                 <a:cs typeface="Arial" panose="020B0604020202020204" pitchFamily="34" charset="0"/>
               </a:rPr>
               <a:t>Joint revision of the case studies proposed by the volunteer testers under the revised guidelines for interpreting ecPoint.</a:t>
@@ -13449,7 +13441,6 @@
                     <a:lumOff val="35000"/>
                   </a:schemeClr>
                 </a:solidFill>
-                <a:latin typeface="Arial" panose="020B0604020202020204" pitchFamily="34" charset="0"/>
                 <a:cs typeface="Arial" panose="020B0604020202020204" pitchFamily="34" charset="0"/>
               </a:rPr>
               <a:t>Publication of revised ecPoint guidelines</a:t>
@@ -13561,7 +13552,6 @@
                     <a:lumOff val="35000"/>
                   </a:schemeClr>
                 </a:solidFill>
-                <a:latin typeface="Arial" panose="020B0604020202020204" pitchFamily="34" charset="0"/>
                 <a:cs typeface="Arial" panose="020B0604020202020204" pitchFamily="34" charset="0"/>
               </a:rPr>
               <a:t>YES</a:t>
@@ -13628,7 +13618,6 @@
                   <a:lumOff val="35000"/>
                 </a:schemeClr>
               </a:solidFill>
-              <a:latin typeface="Arial" panose="020B0604020202020204" pitchFamily="34" charset="0"/>
               <a:cs typeface="Arial" panose="020B0604020202020204" pitchFamily="34" charset="0"/>
             </a:endParaRPr>
           </a:p>
@@ -13687,7 +13676,6 @@
                   <a:lumOff val="35000"/>
                 </a:schemeClr>
               </a:solidFill>
-              <a:latin typeface="Arial" panose="020B0604020202020204" pitchFamily="34" charset="0"/>
               <a:cs typeface="Arial" panose="020B0604020202020204" pitchFamily="34" charset="0"/>
             </a:endParaRPr>
           </a:p>
@@ -13701,7 +13689,6 @@
                     <a:lumOff val="35000"/>
                   </a:schemeClr>
                 </a:solidFill>
-                <a:latin typeface="Arial" panose="020B0604020202020204" pitchFamily="34" charset="0"/>
                 <a:cs typeface="Arial" panose="020B0604020202020204" pitchFamily="34" charset="0"/>
               </a:rPr>
               <a:t>Can traditional guidelines for interpreting PEFs be effectively used also to understand ecPoint forecasts?</a:t>
@@ -13771,7 +13758,6 @@
                     <a:lumOff val="35000"/>
                   </a:schemeClr>
                 </a:solidFill>
-                <a:latin typeface="Arial" panose="020B0604020202020204" pitchFamily="34" charset="0"/>
                 <a:cs typeface="Arial" panose="020B0604020202020204" pitchFamily="34" charset="0"/>
               </a:rPr>
               <a:t>Use of ecPoint-Rainfall in an operational environment to predict extreme localized rainfall events.</a:t>
@@ -14197,7 +14183,6 @@
                     <a:lumOff val="35000"/>
                   </a:schemeClr>
                 </a:solidFill>
-                <a:latin typeface="Arial" panose="020B0604020202020204" pitchFamily="34" charset="0"/>
                 <a:cs typeface="Arial" panose="020B0604020202020204" pitchFamily="34" charset="0"/>
               </a:rPr>
               <a:t>YES</a:t>
@@ -14311,7 +14296,6 @@
                     <a:lumOff val="35000"/>
                   </a:schemeClr>
                 </a:solidFill>
-                <a:latin typeface="Arial" panose="020B0604020202020204" pitchFamily="34" charset="0"/>
                 <a:cs typeface="Arial" panose="020B0604020202020204" pitchFamily="34" charset="0"/>
               </a:rPr>
               <a:t>NO</a:t>
@@ -14439,7 +14423,6 @@
                     <a:lumOff val="35000"/>
                   </a:schemeClr>
                 </a:solidFill>
-                <a:latin typeface="Arial" panose="020B0604020202020204" pitchFamily="34" charset="0"/>
                 <a:cs typeface="Arial" panose="020B0604020202020204" pitchFamily="34" charset="0"/>
               </a:rPr>
               <a:t>NO</a:t>
@@ -14502,7 +14485,6 @@
                     <a:lumOff val="35000"/>
                   </a:schemeClr>
                 </a:solidFill>
-                <a:latin typeface="Arial" panose="020B0604020202020204" pitchFamily="34" charset="0"/>
                 <a:cs typeface="Arial" panose="020B0604020202020204" pitchFamily="34" charset="0"/>
               </a:rPr>
               <a:t>ecPoint Developers</a:t>
@@ -14565,7 +14547,6 @@
                     <a:lumOff val="35000"/>
                   </a:schemeClr>
                 </a:solidFill>
-                <a:latin typeface="Arial" panose="020B0604020202020204" pitchFamily="34" charset="0"/>
                 <a:cs typeface="Arial" panose="020B0604020202020204" pitchFamily="34" charset="0"/>
               </a:rPr>
               <a:t>Volunteer Testers</a:t>
@@ -14628,7 +14609,6 @@
                     <a:lumOff val="35000"/>
                   </a:schemeClr>
                 </a:solidFill>
-                <a:latin typeface="Arial" panose="020B0604020202020204" pitchFamily="34" charset="0"/>
                 <a:cs typeface="Arial" panose="020B0604020202020204" pitchFamily="34" charset="0"/>
               </a:rPr>
               <a:t>Developers &amp; Testers</a:t>
@@ -14822,7 +14802,6 @@
                     <a:lumOff val="35000"/>
                   </a:schemeClr>
                 </a:solidFill>
-                <a:latin typeface="Arial" panose="020B0604020202020204" pitchFamily="34" charset="0"/>
                 <a:cs typeface="Arial" panose="020B0604020202020204" pitchFamily="34" charset="0"/>
               </a:rPr>
               <a:t>Research Question</a:t>
@@ -14889,7 +14868,6 @@
                   <a:lumOff val="35000"/>
                 </a:schemeClr>
               </a:solidFill>
-              <a:latin typeface="Arial" panose="020B0604020202020204" pitchFamily="34" charset="0"/>
               <a:cs typeface="Arial" panose="020B0604020202020204" pitchFamily="34" charset="0"/>
             </a:endParaRPr>
           </a:p>
@@ -14948,7 +14926,6 @@
                   <a:lumOff val="35000"/>
                 </a:schemeClr>
               </a:solidFill>
-              <a:latin typeface="Arial" panose="020B0604020202020204" pitchFamily="34" charset="0"/>
               <a:cs typeface="Arial" panose="020B0604020202020204" pitchFamily="34" charset="0"/>
             </a:endParaRPr>
           </a:p>
@@ -14962,7 +14939,6 @@
                     <a:lumOff val="35000"/>
                   </a:schemeClr>
                 </a:solidFill>
-                <a:latin typeface="Arial" panose="020B0604020202020204" pitchFamily="34" charset="0"/>
                 <a:cs typeface="Arial" panose="020B0604020202020204" pitchFamily="34" charset="0"/>
               </a:rPr>
               <a:t>Is ecPoint’s UND-EFF relationship similar to the one for PEFs?</a:t>
@@ -15029,7 +15005,6 @@
                   <a:lumOff val="35000"/>
                 </a:schemeClr>
               </a:solidFill>
-              <a:latin typeface="Arial" panose="020B0604020202020204" pitchFamily="34" charset="0"/>
               <a:cs typeface="Arial" panose="020B0604020202020204" pitchFamily="34" charset="0"/>
             </a:endParaRPr>
           </a:p>
@@ -15088,7 +15063,6 @@
                   <a:lumOff val="35000"/>
                 </a:schemeClr>
               </a:solidFill>
-              <a:latin typeface="Arial" panose="020B0604020202020204" pitchFamily="34" charset="0"/>
               <a:cs typeface="Arial" panose="020B0604020202020204" pitchFamily="34" charset="0"/>
             </a:endParaRPr>
           </a:p>
@@ -15102,7 +15076,6 @@
                     <a:lumOff val="35000"/>
                   </a:schemeClr>
                 </a:solidFill>
-                <a:latin typeface="Arial" panose="020B0604020202020204" pitchFamily="34" charset="0"/>
                 <a:cs typeface="Arial" panose="020B0604020202020204" pitchFamily="34" charset="0"/>
               </a:rPr>
               <a:t>Are ecPoint forecasts more effectively explained with the revised guidelines?</a:t>
@@ -15219,7 +15192,6 @@
                     <a:lumOff val="35000"/>
                   </a:schemeClr>
                 </a:solidFill>
-                <a:latin typeface="Arial" panose="020B0604020202020204" pitchFamily="34" charset="0"/>
                 <a:cs typeface="Arial" panose="020B0604020202020204" pitchFamily="34" charset="0"/>
               </a:rPr>
               <a:t>Experiment Ends</a:t>
@@ -15290,7 +15262,6 @@
                     <a:lumOff val="35000"/>
                   </a:schemeClr>
                 </a:solidFill>
-                <a:latin typeface="Arial" panose="020B0604020202020204" pitchFamily="34" charset="0"/>
                 <a:cs typeface="Arial" panose="020B0604020202020204" pitchFamily="34" charset="0"/>
               </a:rPr>
               <a:t>No need to revise PEFs’ traditional guidelines to communicate ecPoint forecasts.</a:t>
@@ -15358,7 +15329,6 @@
                     <a:lumOff val="35000"/>
                   </a:schemeClr>
                 </a:solidFill>
-                <a:latin typeface="Arial" panose="020B0604020202020204" pitchFamily="34" charset="0"/>
                 <a:cs typeface="Arial" panose="020B0604020202020204" pitchFamily="34" charset="0"/>
               </a:rPr>
               <a:t>MAYBE NOT</a:t>
@@ -15470,7 +15440,6 @@
                     <a:lumOff val="35000"/>
                   </a:schemeClr>
                 </a:solidFill>
-                <a:latin typeface="Arial" panose="020B0604020202020204" pitchFamily="34" charset="0"/>
                 <a:cs typeface="Arial" panose="020B0604020202020204" pitchFamily="34" charset="0"/>
               </a:rPr>
               <a:t>OFFLINE PHASE</a:t>
@@ -15486,7 +15455,6 @@
                     <a:lumOff val="35000"/>
                   </a:schemeClr>
                 </a:solidFill>
-                <a:latin typeface="Arial" panose="020B0604020202020204" pitchFamily="34" charset="0"/>
                 <a:cs typeface="Arial" panose="020B0604020202020204" pitchFamily="34" charset="0"/>
               </a:rPr>
               <a:t>(15 months)</a:t>
@@ -15557,7 +15525,6 @@
                     <a:lumOff val="35000"/>
                   </a:schemeClr>
                 </a:solidFill>
-                <a:latin typeface="Arial" panose="020B0604020202020204" pitchFamily="34" charset="0"/>
                 <a:cs typeface="Arial" panose="020B0604020202020204" pitchFamily="34" charset="0"/>
               </a:rPr>
               <a:t>No actions would be needed.</a:t>
@@ -15669,7 +15636,6 @@
                     <a:lumOff val="35000"/>
                   </a:schemeClr>
                 </a:solidFill>
-                <a:latin typeface="Arial" panose="020B0604020202020204" pitchFamily="34" charset="0"/>
                 <a:cs typeface="Arial" panose="020B0604020202020204" pitchFamily="34" charset="0"/>
               </a:rPr>
               <a:t>REAL-TIME PHASE</a:t>
@@ -15685,7 +15651,6 @@
                     <a:lumOff val="35000"/>
                   </a:schemeClr>
                 </a:solidFill>
-                <a:latin typeface="Arial" panose="020B0604020202020204" pitchFamily="34" charset="0"/>
                 <a:cs typeface="Arial" panose="020B0604020202020204" pitchFamily="34" charset="0"/>
               </a:rPr>
               <a:t>(12 months)</a:t>
@@ -15805,7 +15770,6 @@
                     <a:lumOff val="35000"/>
                   </a:schemeClr>
                 </a:solidFill>
-                <a:latin typeface="Arial" panose="020B0604020202020204" pitchFamily="34" charset="0"/>
                 <a:cs typeface="Arial" panose="020B0604020202020204" pitchFamily="34" charset="0"/>
               </a:rPr>
               <a:t>YES</a:t>
